--- a/Presentation.pptx
+++ b/Presentation.pptx
@@ -70,7 +70,7 @@
       </p:grpSpPr>
       <p:sp>
         <p:nvSpPr>
-          <p:cNvPr id="27" name="PlaceHolder 1"/>
+          <p:cNvPr id="24" name="PlaceHolder 1"/>
           <p:cNvSpPr>
             <a:spLocks noGrp="1"/>
           </p:cNvSpPr>
@@ -80,8 +80,8 @@
         </p:nvSpPr>
         <p:spPr>
           <a:xfrm>
-            <a:off x="457200" y="274680"/>
-            <a:ext cx="8229240" cy="1142640"/>
+            <a:off x="457200" y="273600"/>
+            <a:ext cx="8229240" cy="1144800"/>
           </a:xfrm>
           <a:prstGeom prst="rect">
             <a:avLst/>
@@ -90,13 +90,14 @@
         <p:txBody>
           <a:bodyPr lIns="0" rIns="0" tIns="0" bIns="0" anchor="ctr"/>
           <a:p>
+            <a:pPr algn="ctr"/>
             <a:endParaRPr/>
           </a:p>
         </p:txBody>
       </p:sp>
       <p:sp>
         <p:nvSpPr>
-          <p:cNvPr id="28" name="PlaceHolder 2"/>
+          <p:cNvPr id="25" name="PlaceHolder 2"/>
           <p:cNvSpPr>
             <a:spLocks noGrp="1"/>
           </p:cNvSpPr>
@@ -106,8 +107,8 @@
         </p:nvSpPr>
         <p:spPr>
           <a:xfrm>
-            <a:off x="457200" y="1600200"/>
-            <a:ext cx="8229240" cy="2158560"/>
+            <a:off x="457200" y="1604520"/>
+            <a:ext cx="8229240" cy="1896840"/>
           </a:xfrm>
           <a:prstGeom prst="rect">
             <a:avLst/>
@@ -122,7 +123,7 @@
       </p:sp>
       <p:sp>
         <p:nvSpPr>
-          <p:cNvPr id="29" name="PlaceHolder 3"/>
+          <p:cNvPr id="26" name="PlaceHolder 3"/>
           <p:cNvSpPr>
             <a:spLocks noGrp="1"/>
           </p:cNvSpPr>
@@ -132,8 +133,8 @@
         </p:nvSpPr>
         <p:spPr>
           <a:xfrm>
-            <a:off x="457200" y="3964320"/>
-            <a:ext cx="8229240" cy="2158560"/>
+            <a:off x="457200" y="3682080"/>
+            <a:ext cx="8229240" cy="1896840"/>
           </a:xfrm>
           <a:prstGeom prst="rect">
             <a:avLst/>
@@ -170,7 +171,7 @@
       </p:grpSpPr>
       <p:sp>
         <p:nvSpPr>
-          <p:cNvPr id="30" name="PlaceHolder 1"/>
+          <p:cNvPr id="27" name="PlaceHolder 1"/>
           <p:cNvSpPr>
             <a:spLocks noGrp="1"/>
           </p:cNvSpPr>
@@ -180,8 +181,8 @@
         </p:nvSpPr>
         <p:spPr>
           <a:xfrm>
-            <a:off x="457200" y="274680"/>
-            <a:ext cx="8229240" cy="1142640"/>
+            <a:off x="457200" y="273600"/>
+            <a:ext cx="8229240" cy="1144800"/>
           </a:xfrm>
           <a:prstGeom prst="rect">
             <a:avLst/>
@@ -190,13 +191,14 @@
         <p:txBody>
           <a:bodyPr lIns="0" rIns="0" tIns="0" bIns="0" anchor="ctr"/>
           <a:p>
+            <a:pPr algn="ctr"/>
             <a:endParaRPr/>
           </a:p>
         </p:txBody>
       </p:sp>
       <p:sp>
         <p:nvSpPr>
-          <p:cNvPr id="31" name="PlaceHolder 2"/>
+          <p:cNvPr id="28" name="PlaceHolder 2"/>
           <p:cNvSpPr>
             <a:spLocks noGrp="1"/>
           </p:cNvSpPr>
@@ -206,8 +208,8 @@
         </p:nvSpPr>
         <p:spPr>
           <a:xfrm>
-            <a:off x="457200" y="1600200"/>
-            <a:ext cx="4015800" cy="2158560"/>
+            <a:off x="457200" y="1604520"/>
+            <a:ext cx="4015800" cy="1896840"/>
           </a:xfrm>
           <a:prstGeom prst="rect">
             <a:avLst/>
@@ -222,7 +224,7 @@
       </p:sp>
       <p:sp>
         <p:nvSpPr>
-          <p:cNvPr id="32" name="PlaceHolder 3"/>
+          <p:cNvPr id="29" name="PlaceHolder 3"/>
           <p:cNvSpPr>
             <a:spLocks noGrp="1"/>
           </p:cNvSpPr>
@@ -232,8 +234,8 @@
         </p:nvSpPr>
         <p:spPr>
           <a:xfrm>
-            <a:off x="4674240" y="1600200"/>
-            <a:ext cx="4015800" cy="2158560"/>
+            <a:off x="4674240" y="1604520"/>
+            <a:ext cx="4015800" cy="1896840"/>
           </a:xfrm>
           <a:prstGeom prst="rect">
             <a:avLst/>
@@ -248,7 +250,7 @@
       </p:sp>
       <p:sp>
         <p:nvSpPr>
-          <p:cNvPr id="33" name="PlaceHolder 4"/>
+          <p:cNvPr id="30" name="PlaceHolder 4"/>
           <p:cNvSpPr>
             <a:spLocks noGrp="1"/>
           </p:cNvSpPr>
@@ -258,8 +260,8 @@
         </p:nvSpPr>
         <p:spPr>
           <a:xfrm>
-            <a:off x="4674240" y="3964320"/>
-            <a:ext cx="4015800" cy="2158560"/>
+            <a:off x="4674240" y="3682080"/>
+            <a:ext cx="4015800" cy="1896840"/>
           </a:xfrm>
           <a:prstGeom prst="rect">
             <a:avLst/>
@@ -274,7 +276,7 @@
       </p:sp>
       <p:sp>
         <p:nvSpPr>
-          <p:cNvPr id="34" name="PlaceHolder 5"/>
+          <p:cNvPr id="31" name="PlaceHolder 5"/>
           <p:cNvSpPr>
             <a:spLocks noGrp="1"/>
           </p:cNvSpPr>
@@ -284,8 +286,8 @@
         </p:nvSpPr>
         <p:spPr>
           <a:xfrm>
-            <a:off x="457200" y="3964320"/>
-            <a:ext cx="4015800" cy="2158560"/>
+            <a:off x="457200" y="3682080"/>
+            <a:ext cx="4015800" cy="1896840"/>
           </a:xfrm>
           <a:prstGeom prst="rect">
             <a:avLst/>
@@ -322,7 +324,7 @@
       </p:grpSpPr>
       <p:sp>
         <p:nvSpPr>
-          <p:cNvPr id="35" name="PlaceHolder 1"/>
+          <p:cNvPr id="32" name="PlaceHolder 1"/>
           <p:cNvSpPr>
             <a:spLocks noGrp="1"/>
           </p:cNvSpPr>
@@ -332,8 +334,8 @@
         </p:nvSpPr>
         <p:spPr>
           <a:xfrm>
-            <a:off x="457200" y="274680"/>
-            <a:ext cx="8229240" cy="1142640"/>
+            <a:off x="457200" y="273600"/>
+            <a:ext cx="8229240" cy="1144800"/>
           </a:xfrm>
           <a:prstGeom prst="rect">
             <a:avLst/>
@@ -342,13 +344,14 @@
         <p:txBody>
           <a:bodyPr lIns="0" rIns="0" tIns="0" bIns="0" anchor="ctr"/>
           <a:p>
+            <a:pPr algn="ctr"/>
             <a:endParaRPr/>
           </a:p>
         </p:txBody>
       </p:sp>
       <p:sp>
         <p:nvSpPr>
-          <p:cNvPr id="36" name="PlaceHolder 2"/>
+          <p:cNvPr id="33" name="PlaceHolder 2"/>
           <p:cNvSpPr>
             <a:spLocks noGrp="1"/>
           </p:cNvSpPr>
@@ -358,8 +361,8 @@
         </p:nvSpPr>
         <p:spPr>
           <a:xfrm>
-            <a:off x="457200" y="1600200"/>
-            <a:ext cx="8229240" cy="4525560"/>
+            <a:off x="457200" y="1604520"/>
+            <a:ext cx="8229240" cy="3976920"/>
           </a:xfrm>
           <a:prstGeom prst="rect">
             <a:avLst/>
@@ -374,7 +377,7 @@
       </p:sp>
       <p:sp>
         <p:nvSpPr>
-          <p:cNvPr id="37" name="PlaceHolder 3"/>
+          <p:cNvPr id="34" name="PlaceHolder 3"/>
           <p:cNvSpPr>
             <a:spLocks noGrp="1"/>
           </p:cNvSpPr>
@@ -384,8 +387,8 @@
         </p:nvSpPr>
         <p:spPr>
           <a:xfrm>
-            <a:off x="457200" y="1600200"/>
-            <a:ext cx="8229240" cy="4525560"/>
+            <a:off x="457200" y="1604520"/>
+            <a:ext cx="8229240" cy="3976920"/>
           </a:xfrm>
           <a:prstGeom prst="rect">
             <a:avLst/>
@@ -400,7 +403,7 @@
       </p:sp>
       <p:pic>
         <p:nvPicPr>
-          <p:cNvPr id="38" name="" descr=""/>
+          <p:cNvPr id="35" name="" descr=""/>
           <p:cNvPicPr/>
           <p:nvPr/>
         </p:nvPicPr>
@@ -410,8 +413,8 @@
         </p:blipFill>
         <p:spPr>
           <a:xfrm>
-            <a:off x="1734120" y="1599840"/>
-            <a:ext cx="5675040" cy="4525560"/>
+            <a:off x="2079360" y="1604160"/>
+            <a:ext cx="4984200" cy="3976920"/>
           </a:xfrm>
           <a:prstGeom prst="rect">
             <a:avLst/>
@@ -423,7 +426,7 @@
       </p:pic>
       <p:pic>
         <p:nvPicPr>
-          <p:cNvPr id="39" name="" descr=""/>
+          <p:cNvPr id="36" name="" descr=""/>
           <p:cNvPicPr/>
           <p:nvPr/>
         </p:nvPicPr>
@@ -433,8 +436,8 @@
         </p:blipFill>
         <p:spPr>
           <a:xfrm>
-            <a:off x="1734120" y="1599840"/>
-            <a:ext cx="5675040" cy="4525560"/>
+            <a:off x="2079360" y="1604160"/>
+            <a:ext cx="4984200" cy="3976920"/>
           </a:xfrm>
           <a:prstGeom prst="rect">
             <a:avLst/>
@@ -490,7 +493,7 @@
       </p:grpSpPr>
       <p:sp>
         <p:nvSpPr>
-          <p:cNvPr id="45" name="PlaceHolder 1"/>
+          <p:cNvPr id="39" name="PlaceHolder 1"/>
           <p:cNvSpPr>
             <a:spLocks noGrp="1"/>
           </p:cNvSpPr>
@@ -500,8 +503,8 @@
         </p:nvSpPr>
         <p:spPr>
           <a:xfrm>
-            <a:off x="457200" y="274680"/>
-            <a:ext cx="8229240" cy="1142640"/>
+            <a:off x="457200" y="273600"/>
+            <a:ext cx="8229240" cy="1144800"/>
           </a:xfrm>
           <a:prstGeom prst="rect">
             <a:avLst/>
@@ -510,13 +513,14 @@
         <p:txBody>
           <a:bodyPr lIns="0" rIns="0" tIns="0" bIns="0" anchor="ctr"/>
           <a:p>
+            <a:pPr algn="ctr"/>
             <a:endParaRPr/>
           </a:p>
         </p:txBody>
       </p:sp>
       <p:sp>
         <p:nvSpPr>
-          <p:cNvPr id="46" name="PlaceHolder 2"/>
+          <p:cNvPr id="40" name="PlaceHolder 2"/>
           <p:cNvSpPr>
             <a:spLocks noGrp="1"/>
           </p:cNvSpPr>
@@ -526,8 +530,8 @@
         </p:nvSpPr>
         <p:spPr>
           <a:xfrm>
-            <a:off x="457200" y="1600200"/>
-            <a:ext cx="8229240" cy="4525560"/>
+            <a:off x="457200" y="1604520"/>
+            <a:ext cx="8229240" cy="3976920"/>
           </a:xfrm>
           <a:prstGeom prst="rect">
             <a:avLst/>
@@ -565,7 +569,7 @@
       </p:grpSpPr>
       <p:sp>
         <p:nvSpPr>
-          <p:cNvPr id="47" name="PlaceHolder 1"/>
+          <p:cNvPr id="41" name="PlaceHolder 1"/>
           <p:cNvSpPr>
             <a:spLocks noGrp="1"/>
           </p:cNvSpPr>
@@ -575,8 +579,8 @@
         </p:nvSpPr>
         <p:spPr>
           <a:xfrm>
-            <a:off x="457200" y="274680"/>
-            <a:ext cx="8229240" cy="1142640"/>
+            <a:off x="457200" y="273600"/>
+            <a:ext cx="8229240" cy="1144800"/>
           </a:xfrm>
           <a:prstGeom prst="rect">
             <a:avLst/>
@@ -585,13 +589,14 @@
         <p:txBody>
           <a:bodyPr lIns="0" rIns="0" tIns="0" bIns="0" anchor="ctr"/>
           <a:p>
+            <a:pPr algn="ctr"/>
             <a:endParaRPr/>
           </a:p>
         </p:txBody>
       </p:sp>
       <p:sp>
         <p:nvSpPr>
-          <p:cNvPr id="48" name="PlaceHolder 2"/>
+          <p:cNvPr id="42" name="PlaceHolder 2"/>
           <p:cNvSpPr>
             <a:spLocks noGrp="1"/>
           </p:cNvSpPr>
@@ -601,8 +606,8 @@
         </p:nvSpPr>
         <p:spPr>
           <a:xfrm>
-            <a:off x="457200" y="1600200"/>
-            <a:ext cx="8229240" cy="4525560"/>
+            <a:off x="457200" y="1604520"/>
+            <a:ext cx="8229240" cy="3976920"/>
           </a:xfrm>
           <a:prstGeom prst="rect">
             <a:avLst/>
@@ -639,7 +644,7 @@
       </p:grpSpPr>
       <p:sp>
         <p:nvSpPr>
-          <p:cNvPr id="49" name="PlaceHolder 1"/>
+          <p:cNvPr id="43" name="PlaceHolder 1"/>
           <p:cNvSpPr>
             <a:spLocks noGrp="1"/>
           </p:cNvSpPr>
@@ -649,8 +654,8 @@
         </p:nvSpPr>
         <p:spPr>
           <a:xfrm>
-            <a:off x="457200" y="274680"/>
-            <a:ext cx="8229240" cy="1142640"/>
+            <a:off x="457200" y="273600"/>
+            <a:ext cx="8229240" cy="1144800"/>
           </a:xfrm>
           <a:prstGeom prst="rect">
             <a:avLst/>
@@ -659,13 +664,14 @@
         <p:txBody>
           <a:bodyPr lIns="0" rIns="0" tIns="0" bIns="0" anchor="ctr"/>
           <a:p>
+            <a:pPr algn="ctr"/>
             <a:endParaRPr/>
           </a:p>
         </p:txBody>
       </p:sp>
       <p:sp>
         <p:nvSpPr>
-          <p:cNvPr id="50" name="PlaceHolder 2"/>
+          <p:cNvPr id="44" name="PlaceHolder 2"/>
           <p:cNvSpPr>
             <a:spLocks noGrp="1"/>
           </p:cNvSpPr>
@@ -675,8 +681,8 @@
         </p:nvSpPr>
         <p:spPr>
           <a:xfrm>
-            <a:off x="457200" y="1600200"/>
-            <a:ext cx="4015800" cy="4525560"/>
+            <a:off x="457200" y="1604520"/>
+            <a:ext cx="4015800" cy="3976920"/>
           </a:xfrm>
           <a:prstGeom prst="rect">
             <a:avLst/>
@@ -691,7 +697,7 @@
       </p:sp>
       <p:sp>
         <p:nvSpPr>
-          <p:cNvPr id="51" name="PlaceHolder 3"/>
+          <p:cNvPr id="45" name="PlaceHolder 3"/>
           <p:cNvSpPr>
             <a:spLocks noGrp="1"/>
           </p:cNvSpPr>
@@ -701,8 +707,8 @@
         </p:nvSpPr>
         <p:spPr>
           <a:xfrm>
-            <a:off x="4674240" y="1600200"/>
-            <a:ext cx="4015800" cy="4525560"/>
+            <a:off x="4674240" y="1604520"/>
+            <a:ext cx="4015800" cy="3976920"/>
           </a:xfrm>
           <a:prstGeom prst="rect">
             <a:avLst/>
@@ -739,7 +745,7 @@
       </p:grpSpPr>
       <p:sp>
         <p:nvSpPr>
-          <p:cNvPr id="52" name="PlaceHolder 1"/>
+          <p:cNvPr id="46" name="PlaceHolder 1"/>
           <p:cNvSpPr>
             <a:spLocks noGrp="1"/>
           </p:cNvSpPr>
@@ -749,8 +755,8 @@
         </p:nvSpPr>
         <p:spPr>
           <a:xfrm>
-            <a:off x="457200" y="274680"/>
-            <a:ext cx="8229240" cy="1142640"/>
+            <a:off x="457200" y="273600"/>
+            <a:ext cx="8229240" cy="1144800"/>
           </a:xfrm>
           <a:prstGeom prst="rect">
             <a:avLst/>
@@ -759,6 +765,7 @@
         <p:txBody>
           <a:bodyPr lIns="0" rIns="0" tIns="0" bIns="0" anchor="ctr"/>
           <a:p>
+            <a:pPr algn="ctr"/>
             <a:endParaRPr/>
           </a:p>
         </p:txBody>
@@ -787,7 +794,7 @@
       </p:grpSpPr>
       <p:sp>
         <p:nvSpPr>
-          <p:cNvPr id="53" name="PlaceHolder 1"/>
+          <p:cNvPr id="47" name="PlaceHolder 1"/>
           <p:cNvSpPr>
             <a:spLocks noGrp="1"/>
           </p:cNvSpPr>
@@ -797,8 +804,8 @@
         </p:nvSpPr>
         <p:spPr>
           <a:xfrm>
-            <a:off x="457200" y="274680"/>
-            <a:ext cx="8229240" cy="5297760"/>
+            <a:off x="457200" y="273600"/>
+            <a:ext cx="8229240" cy="5307840"/>
           </a:xfrm>
           <a:prstGeom prst="rect">
             <a:avLst/>
@@ -836,7 +843,7 @@
       </p:grpSpPr>
       <p:sp>
         <p:nvSpPr>
-          <p:cNvPr id="54" name="PlaceHolder 1"/>
+          <p:cNvPr id="48" name="PlaceHolder 1"/>
           <p:cNvSpPr>
             <a:spLocks noGrp="1"/>
           </p:cNvSpPr>
@@ -846,8 +853,8 @@
         </p:nvSpPr>
         <p:spPr>
           <a:xfrm>
-            <a:off x="457200" y="274680"/>
-            <a:ext cx="8229240" cy="1142640"/>
+            <a:off x="457200" y="273600"/>
+            <a:ext cx="8229240" cy="1144800"/>
           </a:xfrm>
           <a:prstGeom prst="rect">
             <a:avLst/>
@@ -856,13 +863,14 @@
         <p:txBody>
           <a:bodyPr lIns="0" rIns="0" tIns="0" bIns="0" anchor="ctr"/>
           <a:p>
+            <a:pPr algn="ctr"/>
             <a:endParaRPr/>
           </a:p>
         </p:txBody>
       </p:sp>
       <p:sp>
         <p:nvSpPr>
-          <p:cNvPr id="55" name="PlaceHolder 2"/>
+          <p:cNvPr id="49" name="PlaceHolder 2"/>
           <p:cNvSpPr>
             <a:spLocks noGrp="1"/>
           </p:cNvSpPr>
@@ -872,8 +880,8 @@
         </p:nvSpPr>
         <p:spPr>
           <a:xfrm>
-            <a:off x="457200" y="1600200"/>
-            <a:ext cx="4015800" cy="2158560"/>
+            <a:off x="457200" y="1604520"/>
+            <a:ext cx="4015800" cy="1896840"/>
           </a:xfrm>
           <a:prstGeom prst="rect">
             <a:avLst/>
@@ -888,7 +896,7 @@
       </p:sp>
       <p:sp>
         <p:nvSpPr>
-          <p:cNvPr id="56" name="PlaceHolder 3"/>
+          <p:cNvPr id="50" name="PlaceHolder 3"/>
           <p:cNvSpPr>
             <a:spLocks noGrp="1"/>
           </p:cNvSpPr>
@@ -898,8 +906,8 @@
         </p:nvSpPr>
         <p:spPr>
           <a:xfrm>
-            <a:off x="457200" y="3964320"/>
-            <a:ext cx="4015800" cy="2158560"/>
+            <a:off x="457200" y="3682080"/>
+            <a:ext cx="4015800" cy="1896840"/>
           </a:xfrm>
           <a:prstGeom prst="rect">
             <a:avLst/>
@@ -914,7 +922,7 @@
       </p:sp>
       <p:sp>
         <p:nvSpPr>
-          <p:cNvPr id="57" name="PlaceHolder 4"/>
+          <p:cNvPr id="51" name="PlaceHolder 4"/>
           <p:cNvSpPr>
             <a:spLocks noGrp="1"/>
           </p:cNvSpPr>
@@ -924,8 +932,8 @@
         </p:nvSpPr>
         <p:spPr>
           <a:xfrm>
-            <a:off x="4674240" y="1600200"/>
-            <a:ext cx="4015800" cy="4525560"/>
+            <a:off x="4674240" y="1604520"/>
+            <a:ext cx="4015800" cy="3976920"/>
           </a:xfrm>
           <a:prstGeom prst="rect">
             <a:avLst/>
@@ -962,7 +970,7 @@
       </p:grpSpPr>
       <p:sp>
         <p:nvSpPr>
-          <p:cNvPr id="6" name="PlaceHolder 1"/>
+          <p:cNvPr id="3" name="PlaceHolder 1"/>
           <p:cNvSpPr>
             <a:spLocks noGrp="1"/>
           </p:cNvSpPr>
@@ -972,8 +980,8 @@
         </p:nvSpPr>
         <p:spPr>
           <a:xfrm>
-            <a:off x="457200" y="274680"/>
-            <a:ext cx="8229240" cy="1142640"/>
+            <a:off x="457200" y="273600"/>
+            <a:ext cx="8229240" cy="1144800"/>
           </a:xfrm>
           <a:prstGeom prst="rect">
             <a:avLst/>
@@ -982,13 +990,14 @@
         <p:txBody>
           <a:bodyPr lIns="0" rIns="0" tIns="0" bIns="0" anchor="ctr"/>
           <a:p>
+            <a:pPr algn="ctr"/>
             <a:endParaRPr/>
           </a:p>
         </p:txBody>
       </p:sp>
       <p:sp>
         <p:nvSpPr>
-          <p:cNvPr id="7" name="PlaceHolder 2"/>
+          <p:cNvPr id="4" name="PlaceHolder 2"/>
           <p:cNvSpPr>
             <a:spLocks noGrp="1"/>
           </p:cNvSpPr>
@@ -998,8 +1007,8 @@
         </p:nvSpPr>
         <p:spPr>
           <a:xfrm>
-            <a:off x="457200" y="1600200"/>
-            <a:ext cx="8229240" cy="4525560"/>
+            <a:off x="457200" y="1604520"/>
+            <a:ext cx="8229240" cy="3976920"/>
           </a:xfrm>
           <a:prstGeom prst="rect">
             <a:avLst/>
@@ -1037,7 +1046,7 @@
       </p:grpSpPr>
       <p:sp>
         <p:nvSpPr>
-          <p:cNvPr id="58" name="PlaceHolder 1"/>
+          <p:cNvPr id="52" name="PlaceHolder 1"/>
           <p:cNvSpPr>
             <a:spLocks noGrp="1"/>
           </p:cNvSpPr>
@@ -1047,8 +1056,8 @@
         </p:nvSpPr>
         <p:spPr>
           <a:xfrm>
-            <a:off x="457200" y="274680"/>
-            <a:ext cx="8229240" cy="1142640"/>
+            <a:off x="457200" y="273600"/>
+            <a:ext cx="8229240" cy="1144800"/>
           </a:xfrm>
           <a:prstGeom prst="rect">
             <a:avLst/>
@@ -1057,13 +1066,14 @@
         <p:txBody>
           <a:bodyPr lIns="0" rIns="0" tIns="0" bIns="0" anchor="ctr"/>
           <a:p>
+            <a:pPr algn="ctr"/>
             <a:endParaRPr/>
           </a:p>
         </p:txBody>
       </p:sp>
       <p:sp>
         <p:nvSpPr>
-          <p:cNvPr id="59" name="PlaceHolder 2"/>
+          <p:cNvPr id="53" name="PlaceHolder 2"/>
           <p:cNvSpPr>
             <a:spLocks noGrp="1"/>
           </p:cNvSpPr>
@@ -1073,8 +1083,8 @@
         </p:nvSpPr>
         <p:spPr>
           <a:xfrm>
-            <a:off x="457200" y="1600200"/>
-            <a:ext cx="4015800" cy="4525560"/>
+            <a:off x="457200" y="1604520"/>
+            <a:ext cx="4015800" cy="3976920"/>
           </a:xfrm>
           <a:prstGeom prst="rect">
             <a:avLst/>
@@ -1089,7 +1099,7 @@
       </p:sp>
       <p:sp>
         <p:nvSpPr>
-          <p:cNvPr id="60" name="PlaceHolder 3"/>
+          <p:cNvPr id="54" name="PlaceHolder 3"/>
           <p:cNvSpPr>
             <a:spLocks noGrp="1"/>
           </p:cNvSpPr>
@@ -1099,8 +1109,8 @@
         </p:nvSpPr>
         <p:spPr>
           <a:xfrm>
-            <a:off x="4674240" y="1600200"/>
-            <a:ext cx="4015800" cy="2158560"/>
+            <a:off x="4674240" y="1604520"/>
+            <a:ext cx="4015800" cy="1896840"/>
           </a:xfrm>
           <a:prstGeom prst="rect">
             <a:avLst/>
@@ -1115,7 +1125,7 @@
       </p:sp>
       <p:sp>
         <p:nvSpPr>
-          <p:cNvPr id="61" name="PlaceHolder 4"/>
+          <p:cNvPr id="55" name="PlaceHolder 4"/>
           <p:cNvSpPr>
             <a:spLocks noGrp="1"/>
           </p:cNvSpPr>
@@ -1125,8 +1135,8 @@
         </p:nvSpPr>
         <p:spPr>
           <a:xfrm>
-            <a:off x="4674240" y="3964320"/>
-            <a:ext cx="4015800" cy="2158560"/>
+            <a:off x="4674240" y="3682080"/>
+            <a:ext cx="4015800" cy="1896840"/>
           </a:xfrm>
           <a:prstGeom prst="rect">
             <a:avLst/>
@@ -1163,7 +1173,7 @@
       </p:grpSpPr>
       <p:sp>
         <p:nvSpPr>
-          <p:cNvPr id="62" name="PlaceHolder 1"/>
+          <p:cNvPr id="56" name="PlaceHolder 1"/>
           <p:cNvSpPr>
             <a:spLocks noGrp="1"/>
           </p:cNvSpPr>
@@ -1173,8 +1183,8 @@
         </p:nvSpPr>
         <p:spPr>
           <a:xfrm>
-            <a:off x="457200" y="274680"/>
-            <a:ext cx="8229240" cy="1142640"/>
+            <a:off x="457200" y="273600"/>
+            <a:ext cx="8229240" cy="1144800"/>
           </a:xfrm>
           <a:prstGeom prst="rect">
             <a:avLst/>
@@ -1183,13 +1193,14 @@
         <p:txBody>
           <a:bodyPr lIns="0" rIns="0" tIns="0" bIns="0" anchor="ctr"/>
           <a:p>
+            <a:pPr algn="ctr"/>
             <a:endParaRPr/>
           </a:p>
         </p:txBody>
       </p:sp>
       <p:sp>
         <p:nvSpPr>
-          <p:cNvPr id="63" name="PlaceHolder 2"/>
+          <p:cNvPr id="57" name="PlaceHolder 2"/>
           <p:cNvSpPr>
             <a:spLocks noGrp="1"/>
           </p:cNvSpPr>
@@ -1199,8 +1210,8 @@
         </p:nvSpPr>
         <p:spPr>
           <a:xfrm>
-            <a:off x="457200" y="1600200"/>
-            <a:ext cx="4015800" cy="2158560"/>
+            <a:off x="457200" y="1604520"/>
+            <a:ext cx="4015800" cy="1896840"/>
           </a:xfrm>
           <a:prstGeom prst="rect">
             <a:avLst/>
@@ -1215,7 +1226,7 @@
       </p:sp>
       <p:sp>
         <p:nvSpPr>
-          <p:cNvPr id="64" name="PlaceHolder 3"/>
+          <p:cNvPr id="58" name="PlaceHolder 3"/>
           <p:cNvSpPr>
             <a:spLocks noGrp="1"/>
           </p:cNvSpPr>
@@ -1225,8 +1236,8 @@
         </p:nvSpPr>
         <p:spPr>
           <a:xfrm>
-            <a:off x="4674240" y="1600200"/>
-            <a:ext cx="4015800" cy="2158560"/>
+            <a:off x="4674240" y="1604520"/>
+            <a:ext cx="4015800" cy="1896840"/>
           </a:xfrm>
           <a:prstGeom prst="rect">
             <a:avLst/>
@@ -1241,7 +1252,7 @@
       </p:sp>
       <p:sp>
         <p:nvSpPr>
-          <p:cNvPr id="65" name="PlaceHolder 4"/>
+          <p:cNvPr id="59" name="PlaceHolder 4"/>
           <p:cNvSpPr>
             <a:spLocks noGrp="1"/>
           </p:cNvSpPr>
@@ -1251,8 +1262,8 @@
         </p:nvSpPr>
         <p:spPr>
           <a:xfrm>
-            <a:off x="457200" y="3964320"/>
-            <a:ext cx="8229240" cy="2158560"/>
+            <a:off x="457200" y="3682080"/>
+            <a:ext cx="8229240" cy="1896840"/>
           </a:xfrm>
           <a:prstGeom prst="rect">
             <a:avLst/>
@@ -1289,7 +1300,7 @@
       </p:grpSpPr>
       <p:sp>
         <p:nvSpPr>
-          <p:cNvPr id="66" name="PlaceHolder 1"/>
+          <p:cNvPr id="60" name="PlaceHolder 1"/>
           <p:cNvSpPr>
             <a:spLocks noGrp="1"/>
           </p:cNvSpPr>
@@ -1299,8 +1310,8 @@
         </p:nvSpPr>
         <p:spPr>
           <a:xfrm>
-            <a:off x="457200" y="274680"/>
-            <a:ext cx="8229240" cy="1142640"/>
+            <a:off x="457200" y="273600"/>
+            <a:ext cx="8229240" cy="1144800"/>
           </a:xfrm>
           <a:prstGeom prst="rect">
             <a:avLst/>
@@ -1309,13 +1320,14 @@
         <p:txBody>
           <a:bodyPr lIns="0" rIns="0" tIns="0" bIns="0" anchor="ctr"/>
           <a:p>
+            <a:pPr algn="ctr"/>
             <a:endParaRPr/>
           </a:p>
         </p:txBody>
       </p:sp>
       <p:sp>
         <p:nvSpPr>
-          <p:cNvPr id="67" name="PlaceHolder 2"/>
+          <p:cNvPr id="61" name="PlaceHolder 2"/>
           <p:cNvSpPr>
             <a:spLocks noGrp="1"/>
           </p:cNvSpPr>
@@ -1325,8 +1337,8 @@
         </p:nvSpPr>
         <p:spPr>
           <a:xfrm>
-            <a:off x="457200" y="1600200"/>
-            <a:ext cx="8229240" cy="2158560"/>
+            <a:off x="457200" y="1604520"/>
+            <a:ext cx="8229240" cy="1896840"/>
           </a:xfrm>
           <a:prstGeom prst="rect">
             <a:avLst/>
@@ -1341,7 +1353,7 @@
       </p:sp>
       <p:sp>
         <p:nvSpPr>
-          <p:cNvPr id="68" name="PlaceHolder 3"/>
+          <p:cNvPr id="62" name="PlaceHolder 3"/>
           <p:cNvSpPr>
             <a:spLocks noGrp="1"/>
           </p:cNvSpPr>
@@ -1351,8 +1363,8 @@
         </p:nvSpPr>
         <p:spPr>
           <a:xfrm>
-            <a:off x="457200" y="3964320"/>
-            <a:ext cx="8229240" cy="2158560"/>
+            <a:off x="457200" y="3682080"/>
+            <a:ext cx="8229240" cy="1896840"/>
           </a:xfrm>
           <a:prstGeom prst="rect">
             <a:avLst/>
@@ -1389,7 +1401,7 @@
       </p:grpSpPr>
       <p:sp>
         <p:nvSpPr>
-          <p:cNvPr id="69" name="PlaceHolder 1"/>
+          <p:cNvPr id="63" name="PlaceHolder 1"/>
           <p:cNvSpPr>
             <a:spLocks noGrp="1"/>
           </p:cNvSpPr>
@@ -1399,8 +1411,8 @@
         </p:nvSpPr>
         <p:spPr>
           <a:xfrm>
-            <a:off x="457200" y="274680"/>
-            <a:ext cx="8229240" cy="1142640"/>
+            <a:off x="457200" y="273600"/>
+            <a:ext cx="8229240" cy="1144800"/>
           </a:xfrm>
           <a:prstGeom prst="rect">
             <a:avLst/>
@@ -1409,13 +1421,14 @@
         <p:txBody>
           <a:bodyPr lIns="0" rIns="0" tIns="0" bIns="0" anchor="ctr"/>
           <a:p>
+            <a:pPr algn="ctr"/>
             <a:endParaRPr/>
           </a:p>
         </p:txBody>
       </p:sp>
       <p:sp>
         <p:nvSpPr>
-          <p:cNvPr id="70" name="PlaceHolder 2"/>
+          <p:cNvPr id="64" name="PlaceHolder 2"/>
           <p:cNvSpPr>
             <a:spLocks noGrp="1"/>
           </p:cNvSpPr>
@@ -1425,8 +1438,8 @@
         </p:nvSpPr>
         <p:spPr>
           <a:xfrm>
-            <a:off x="457200" y="1600200"/>
-            <a:ext cx="4015800" cy="2158560"/>
+            <a:off x="457200" y="1604520"/>
+            <a:ext cx="4015800" cy="1896840"/>
           </a:xfrm>
           <a:prstGeom prst="rect">
             <a:avLst/>
@@ -1441,7 +1454,7 @@
       </p:sp>
       <p:sp>
         <p:nvSpPr>
-          <p:cNvPr id="71" name="PlaceHolder 3"/>
+          <p:cNvPr id="65" name="PlaceHolder 3"/>
           <p:cNvSpPr>
             <a:spLocks noGrp="1"/>
           </p:cNvSpPr>
@@ -1451,8 +1464,8 @@
         </p:nvSpPr>
         <p:spPr>
           <a:xfrm>
-            <a:off x="4674240" y="1600200"/>
-            <a:ext cx="4015800" cy="2158560"/>
+            <a:off x="4674240" y="1604520"/>
+            <a:ext cx="4015800" cy="1896840"/>
           </a:xfrm>
           <a:prstGeom prst="rect">
             <a:avLst/>
@@ -1467,7 +1480,7 @@
       </p:sp>
       <p:sp>
         <p:nvSpPr>
-          <p:cNvPr id="72" name="PlaceHolder 4"/>
+          <p:cNvPr id="66" name="PlaceHolder 4"/>
           <p:cNvSpPr>
             <a:spLocks noGrp="1"/>
           </p:cNvSpPr>
@@ -1477,8 +1490,8 @@
         </p:nvSpPr>
         <p:spPr>
           <a:xfrm>
-            <a:off x="4674240" y="3964320"/>
-            <a:ext cx="4015800" cy="2158560"/>
+            <a:off x="4674240" y="3682080"/>
+            <a:ext cx="4015800" cy="1896840"/>
           </a:xfrm>
           <a:prstGeom prst="rect">
             <a:avLst/>
@@ -1493,7 +1506,7 @@
       </p:sp>
       <p:sp>
         <p:nvSpPr>
-          <p:cNvPr id="73" name="PlaceHolder 5"/>
+          <p:cNvPr id="67" name="PlaceHolder 5"/>
           <p:cNvSpPr>
             <a:spLocks noGrp="1"/>
           </p:cNvSpPr>
@@ -1503,8 +1516,8 @@
         </p:nvSpPr>
         <p:spPr>
           <a:xfrm>
-            <a:off x="457200" y="3964320"/>
-            <a:ext cx="4015800" cy="2158560"/>
+            <a:off x="457200" y="3682080"/>
+            <a:ext cx="4015800" cy="1896840"/>
           </a:xfrm>
           <a:prstGeom prst="rect">
             <a:avLst/>
@@ -1541,7 +1554,7 @@
       </p:grpSpPr>
       <p:sp>
         <p:nvSpPr>
-          <p:cNvPr id="74" name="PlaceHolder 1"/>
+          <p:cNvPr id="68" name="PlaceHolder 1"/>
           <p:cNvSpPr>
             <a:spLocks noGrp="1"/>
           </p:cNvSpPr>
@@ -1551,8 +1564,8 @@
         </p:nvSpPr>
         <p:spPr>
           <a:xfrm>
-            <a:off x="457200" y="274680"/>
-            <a:ext cx="8229240" cy="1142640"/>
+            <a:off x="457200" y="273600"/>
+            <a:ext cx="8229240" cy="1144800"/>
           </a:xfrm>
           <a:prstGeom prst="rect">
             <a:avLst/>
@@ -1561,13 +1574,14 @@
         <p:txBody>
           <a:bodyPr lIns="0" rIns="0" tIns="0" bIns="0" anchor="ctr"/>
           <a:p>
+            <a:pPr algn="ctr"/>
             <a:endParaRPr/>
           </a:p>
         </p:txBody>
       </p:sp>
       <p:sp>
         <p:nvSpPr>
-          <p:cNvPr id="75" name="PlaceHolder 2"/>
+          <p:cNvPr id="69" name="PlaceHolder 2"/>
           <p:cNvSpPr>
             <a:spLocks noGrp="1"/>
           </p:cNvSpPr>
@@ -1577,8 +1591,8 @@
         </p:nvSpPr>
         <p:spPr>
           <a:xfrm>
-            <a:off x="457200" y="1600200"/>
-            <a:ext cx="8229240" cy="4525560"/>
+            <a:off x="457200" y="1604520"/>
+            <a:ext cx="8229240" cy="3976920"/>
           </a:xfrm>
           <a:prstGeom prst="rect">
             <a:avLst/>
@@ -1593,7 +1607,7 @@
       </p:sp>
       <p:sp>
         <p:nvSpPr>
-          <p:cNvPr id="76" name="PlaceHolder 3"/>
+          <p:cNvPr id="70" name="PlaceHolder 3"/>
           <p:cNvSpPr>
             <a:spLocks noGrp="1"/>
           </p:cNvSpPr>
@@ -1603,8 +1617,8 @@
         </p:nvSpPr>
         <p:spPr>
           <a:xfrm>
-            <a:off x="457200" y="1600200"/>
-            <a:ext cx="8229240" cy="4525560"/>
+            <a:off x="457200" y="1604520"/>
+            <a:ext cx="8229240" cy="3976920"/>
           </a:xfrm>
           <a:prstGeom prst="rect">
             <a:avLst/>
@@ -1619,7 +1633,7 @@
       </p:sp>
       <p:pic>
         <p:nvPicPr>
-          <p:cNvPr id="77" name="" descr=""/>
+          <p:cNvPr id="71" name="" descr=""/>
           <p:cNvPicPr/>
           <p:nvPr/>
         </p:nvPicPr>
@@ -1629,8 +1643,8 @@
         </p:blipFill>
         <p:spPr>
           <a:xfrm>
-            <a:off x="1734120" y="1599840"/>
-            <a:ext cx="5675040" cy="4525560"/>
+            <a:off x="2079360" y="1604160"/>
+            <a:ext cx="4984200" cy="3976920"/>
           </a:xfrm>
           <a:prstGeom prst="rect">
             <a:avLst/>
@@ -1642,7 +1656,7 @@
       </p:pic>
       <p:pic>
         <p:nvPicPr>
-          <p:cNvPr id="78" name="" descr=""/>
+          <p:cNvPr id="72" name="" descr=""/>
           <p:cNvPicPr/>
           <p:nvPr/>
         </p:nvPicPr>
@@ -1652,8 +1666,8 @@
         </p:blipFill>
         <p:spPr>
           <a:xfrm>
-            <a:off x="1734120" y="1599840"/>
-            <a:ext cx="5675040" cy="4525560"/>
+            <a:off x="2079360" y="1604160"/>
+            <a:ext cx="4984200" cy="3976920"/>
           </a:xfrm>
           <a:prstGeom prst="rect">
             <a:avLst/>
@@ -1687,7 +1701,7 @@
       </p:grpSpPr>
       <p:sp>
         <p:nvSpPr>
-          <p:cNvPr id="8" name="PlaceHolder 1"/>
+          <p:cNvPr id="5" name="PlaceHolder 1"/>
           <p:cNvSpPr>
             <a:spLocks noGrp="1"/>
           </p:cNvSpPr>
@@ -1697,8 +1711,8 @@
         </p:nvSpPr>
         <p:spPr>
           <a:xfrm>
-            <a:off x="457200" y="274680"/>
-            <a:ext cx="8229240" cy="1142640"/>
+            <a:off x="457200" y="273600"/>
+            <a:ext cx="8229240" cy="1144800"/>
           </a:xfrm>
           <a:prstGeom prst="rect">
             <a:avLst/>
@@ -1707,13 +1721,14 @@
         <p:txBody>
           <a:bodyPr lIns="0" rIns="0" tIns="0" bIns="0" anchor="ctr"/>
           <a:p>
+            <a:pPr algn="ctr"/>
             <a:endParaRPr/>
           </a:p>
         </p:txBody>
       </p:sp>
       <p:sp>
         <p:nvSpPr>
-          <p:cNvPr id="9" name="PlaceHolder 2"/>
+          <p:cNvPr id="6" name="PlaceHolder 2"/>
           <p:cNvSpPr>
             <a:spLocks noGrp="1"/>
           </p:cNvSpPr>
@@ -1723,8 +1738,8 @@
         </p:nvSpPr>
         <p:spPr>
           <a:xfrm>
-            <a:off x="457200" y="1600200"/>
-            <a:ext cx="8229240" cy="4525560"/>
+            <a:off x="457200" y="1604520"/>
+            <a:ext cx="8229240" cy="3976920"/>
           </a:xfrm>
           <a:prstGeom prst="rect">
             <a:avLst/>
@@ -1761,7 +1776,7 @@
       </p:grpSpPr>
       <p:sp>
         <p:nvSpPr>
-          <p:cNvPr id="10" name="PlaceHolder 1"/>
+          <p:cNvPr id="7" name="PlaceHolder 1"/>
           <p:cNvSpPr>
             <a:spLocks noGrp="1"/>
           </p:cNvSpPr>
@@ -1771,8 +1786,8 @@
         </p:nvSpPr>
         <p:spPr>
           <a:xfrm>
-            <a:off x="457200" y="274680"/>
-            <a:ext cx="8229240" cy="1142640"/>
+            <a:off x="457200" y="273600"/>
+            <a:ext cx="8229240" cy="1144800"/>
           </a:xfrm>
           <a:prstGeom prst="rect">
             <a:avLst/>
@@ -1781,13 +1796,14 @@
         <p:txBody>
           <a:bodyPr lIns="0" rIns="0" tIns="0" bIns="0" anchor="ctr"/>
           <a:p>
+            <a:pPr algn="ctr"/>
             <a:endParaRPr/>
           </a:p>
         </p:txBody>
       </p:sp>
       <p:sp>
         <p:nvSpPr>
-          <p:cNvPr id="11" name="PlaceHolder 2"/>
+          <p:cNvPr id="8" name="PlaceHolder 2"/>
           <p:cNvSpPr>
             <a:spLocks noGrp="1"/>
           </p:cNvSpPr>
@@ -1797,8 +1813,8 @@
         </p:nvSpPr>
         <p:spPr>
           <a:xfrm>
-            <a:off x="457200" y="1600200"/>
-            <a:ext cx="4015800" cy="4525560"/>
+            <a:off x="457200" y="1604520"/>
+            <a:ext cx="4015800" cy="3976920"/>
           </a:xfrm>
           <a:prstGeom prst="rect">
             <a:avLst/>
@@ -1813,7 +1829,7 @@
       </p:sp>
       <p:sp>
         <p:nvSpPr>
-          <p:cNvPr id="12" name="PlaceHolder 3"/>
+          <p:cNvPr id="9" name="PlaceHolder 3"/>
           <p:cNvSpPr>
             <a:spLocks noGrp="1"/>
           </p:cNvSpPr>
@@ -1823,8 +1839,8 @@
         </p:nvSpPr>
         <p:spPr>
           <a:xfrm>
-            <a:off x="4674240" y="1600200"/>
-            <a:ext cx="4015800" cy="4525560"/>
+            <a:off x="4674240" y="1604520"/>
+            <a:ext cx="4015800" cy="3976920"/>
           </a:xfrm>
           <a:prstGeom prst="rect">
             <a:avLst/>
@@ -1861,7 +1877,7 @@
       </p:grpSpPr>
       <p:sp>
         <p:nvSpPr>
-          <p:cNvPr id="13" name="PlaceHolder 1"/>
+          <p:cNvPr id="10" name="PlaceHolder 1"/>
           <p:cNvSpPr>
             <a:spLocks noGrp="1"/>
           </p:cNvSpPr>
@@ -1871,8 +1887,8 @@
         </p:nvSpPr>
         <p:spPr>
           <a:xfrm>
-            <a:off x="457200" y="274680"/>
-            <a:ext cx="8229240" cy="1142640"/>
+            <a:off x="457200" y="273600"/>
+            <a:ext cx="8229240" cy="1144800"/>
           </a:xfrm>
           <a:prstGeom prst="rect">
             <a:avLst/>
@@ -1881,6 +1897,7 @@
         <p:txBody>
           <a:bodyPr lIns="0" rIns="0" tIns="0" bIns="0" anchor="ctr"/>
           <a:p>
+            <a:pPr algn="ctr"/>
             <a:endParaRPr/>
           </a:p>
         </p:txBody>
@@ -1909,7 +1926,7 @@
       </p:grpSpPr>
       <p:sp>
         <p:nvSpPr>
-          <p:cNvPr id="14" name="PlaceHolder 1"/>
+          <p:cNvPr id="11" name="PlaceHolder 1"/>
           <p:cNvSpPr>
             <a:spLocks noGrp="1"/>
           </p:cNvSpPr>
@@ -1919,8 +1936,8 @@
         </p:nvSpPr>
         <p:spPr>
           <a:xfrm>
-            <a:off x="457200" y="274680"/>
-            <a:ext cx="8229240" cy="5297760"/>
+            <a:off x="457200" y="273600"/>
+            <a:ext cx="8229240" cy="5307840"/>
           </a:xfrm>
           <a:prstGeom prst="rect">
             <a:avLst/>
@@ -1958,7 +1975,7 @@
       </p:grpSpPr>
       <p:sp>
         <p:nvSpPr>
-          <p:cNvPr id="15" name="PlaceHolder 1"/>
+          <p:cNvPr id="12" name="PlaceHolder 1"/>
           <p:cNvSpPr>
             <a:spLocks noGrp="1"/>
           </p:cNvSpPr>
@@ -1968,8 +1985,8 @@
         </p:nvSpPr>
         <p:spPr>
           <a:xfrm>
-            <a:off x="457200" y="274680"/>
-            <a:ext cx="8229240" cy="1142640"/>
+            <a:off x="457200" y="273600"/>
+            <a:ext cx="8229240" cy="1144800"/>
           </a:xfrm>
           <a:prstGeom prst="rect">
             <a:avLst/>
@@ -1978,13 +1995,14 @@
         <p:txBody>
           <a:bodyPr lIns="0" rIns="0" tIns="0" bIns="0" anchor="ctr"/>
           <a:p>
+            <a:pPr algn="ctr"/>
             <a:endParaRPr/>
           </a:p>
         </p:txBody>
       </p:sp>
       <p:sp>
         <p:nvSpPr>
-          <p:cNvPr id="16" name="PlaceHolder 2"/>
+          <p:cNvPr id="13" name="PlaceHolder 2"/>
           <p:cNvSpPr>
             <a:spLocks noGrp="1"/>
           </p:cNvSpPr>
@@ -1994,8 +2012,8 @@
         </p:nvSpPr>
         <p:spPr>
           <a:xfrm>
-            <a:off x="457200" y="1600200"/>
-            <a:ext cx="4015800" cy="2158560"/>
+            <a:off x="457200" y="1604520"/>
+            <a:ext cx="4015800" cy="1896840"/>
           </a:xfrm>
           <a:prstGeom prst="rect">
             <a:avLst/>
@@ -2010,7 +2028,7 @@
       </p:sp>
       <p:sp>
         <p:nvSpPr>
-          <p:cNvPr id="17" name="PlaceHolder 3"/>
+          <p:cNvPr id="14" name="PlaceHolder 3"/>
           <p:cNvSpPr>
             <a:spLocks noGrp="1"/>
           </p:cNvSpPr>
@@ -2020,8 +2038,8 @@
         </p:nvSpPr>
         <p:spPr>
           <a:xfrm>
-            <a:off x="457200" y="3964320"/>
-            <a:ext cx="4015800" cy="2158560"/>
+            <a:off x="457200" y="3682080"/>
+            <a:ext cx="4015800" cy="1896840"/>
           </a:xfrm>
           <a:prstGeom prst="rect">
             <a:avLst/>
@@ -2036,7 +2054,7 @@
       </p:sp>
       <p:sp>
         <p:nvSpPr>
-          <p:cNvPr id="18" name="PlaceHolder 4"/>
+          <p:cNvPr id="15" name="PlaceHolder 4"/>
           <p:cNvSpPr>
             <a:spLocks noGrp="1"/>
           </p:cNvSpPr>
@@ -2046,8 +2064,8 @@
         </p:nvSpPr>
         <p:spPr>
           <a:xfrm>
-            <a:off x="4674240" y="1600200"/>
-            <a:ext cx="4015800" cy="4525560"/>
+            <a:off x="4674240" y="1604520"/>
+            <a:ext cx="4015800" cy="3976920"/>
           </a:xfrm>
           <a:prstGeom prst="rect">
             <a:avLst/>
@@ -2084,7 +2102,7 @@
       </p:grpSpPr>
       <p:sp>
         <p:nvSpPr>
-          <p:cNvPr id="19" name="PlaceHolder 1"/>
+          <p:cNvPr id="16" name="PlaceHolder 1"/>
           <p:cNvSpPr>
             <a:spLocks noGrp="1"/>
           </p:cNvSpPr>
@@ -2094,8 +2112,8 @@
         </p:nvSpPr>
         <p:spPr>
           <a:xfrm>
-            <a:off x="457200" y="274680"/>
-            <a:ext cx="8229240" cy="1142640"/>
+            <a:off x="457200" y="273600"/>
+            <a:ext cx="8229240" cy="1144800"/>
           </a:xfrm>
           <a:prstGeom prst="rect">
             <a:avLst/>
@@ -2104,13 +2122,14 @@
         <p:txBody>
           <a:bodyPr lIns="0" rIns="0" tIns="0" bIns="0" anchor="ctr"/>
           <a:p>
+            <a:pPr algn="ctr"/>
             <a:endParaRPr/>
           </a:p>
         </p:txBody>
       </p:sp>
       <p:sp>
         <p:nvSpPr>
-          <p:cNvPr id="20" name="PlaceHolder 2"/>
+          <p:cNvPr id="17" name="PlaceHolder 2"/>
           <p:cNvSpPr>
             <a:spLocks noGrp="1"/>
           </p:cNvSpPr>
@@ -2120,8 +2139,8 @@
         </p:nvSpPr>
         <p:spPr>
           <a:xfrm>
-            <a:off x="457200" y="1600200"/>
-            <a:ext cx="4015800" cy="4525560"/>
+            <a:off x="457200" y="1604520"/>
+            <a:ext cx="4015800" cy="3976920"/>
           </a:xfrm>
           <a:prstGeom prst="rect">
             <a:avLst/>
@@ -2136,7 +2155,7 @@
       </p:sp>
       <p:sp>
         <p:nvSpPr>
-          <p:cNvPr id="21" name="PlaceHolder 3"/>
+          <p:cNvPr id="18" name="PlaceHolder 3"/>
           <p:cNvSpPr>
             <a:spLocks noGrp="1"/>
           </p:cNvSpPr>
@@ -2146,8 +2165,8 @@
         </p:nvSpPr>
         <p:spPr>
           <a:xfrm>
-            <a:off x="4674240" y="1600200"/>
-            <a:ext cx="4015800" cy="2158560"/>
+            <a:off x="4674240" y="1604520"/>
+            <a:ext cx="4015800" cy="1896840"/>
           </a:xfrm>
           <a:prstGeom prst="rect">
             <a:avLst/>
@@ -2162,7 +2181,7 @@
       </p:sp>
       <p:sp>
         <p:nvSpPr>
-          <p:cNvPr id="22" name="PlaceHolder 4"/>
+          <p:cNvPr id="19" name="PlaceHolder 4"/>
           <p:cNvSpPr>
             <a:spLocks noGrp="1"/>
           </p:cNvSpPr>
@@ -2172,8 +2191,8 @@
         </p:nvSpPr>
         <p:spPr>
           <a:xfrm>
-            <a:off x="4674240" y="3964320"/>
-            <a:ext cx="4015800" cy="2158560"/>
+            <a:off x="4674240" y="3682080"/>
+            <a:ext cx="4015800" cy="1896840"/>
           </a:xfrm>
           <a:prstGeom prst="rect">
             <a:avLst/>
@@ -2210,7 +2229,7 @@
       </p:grpSpPr>
       <p:sp>
         <p:nvSpPr>
-          <p:cNvPr id="23" name="PlaceHolder 1"/>
+          <p:cNvPr id="20" name="PlaceHolder 1"/>
           <p:cNvSpPr>
             <a:spLocks noGrp="1"/>
           </p:cNvSpPr>
@@ -2220,8 +2239,8 @@
         </p:nvSpPr>
         <p:spPr>
           <a:xfrm>
-            <a:off x="457200" y="274680"/>
-            <a:ext cx="8229240" cy="1142640"/>
+            <a:off x="457200" y="273600"/>
+            <a:ext cx="8229240" cy="1144800"/>
           </a:xfrm>
           <a:prstGeom prst="rect">
             <a:avLst/>
@@ -2230,13 +2249,14 @@
         <p:txBody>
           <a:bodyPr lIns="0" rIns="0" tIns="0" bIns="0" anchor="ctr"/>
           <a:p>
+            <a:pPr algn="ctr"/>
             <a:endParaRPr/>
           </a:p>
         </p:txBody>
       </p:sp>
       <p:sp>
         <p:nvSpPr>
-          <p:cNvPr id="24" name="PlaceHolder 2"/>
+          <p:cNvPr id="21" name="PlaceHolder 2"/>
           <p:cNvSpPr>
             <a:spLocks noGrp="1"/>
           </p:cNvSpPr>
@@ -2246,8 +2266,8 @@
         </p:nvSpPr>
         <p:spPr>
           <a:xfrm>
-            <a:off x="457200" y="1600200"/>
-            <a:ext cx="4015800" cy="2158560"/>
+            <a:off x="457200" y="1604520"/>
+            <a:ext cx="4015800" cy="1896840"/>
           </a:xfrm>
           <a:prstGeom prst="rect">
             <a:avLst/>
@@ -2262,7 +2282,7 @@
       </p:sp>
       <p:sp>
         <p:nvSpPr>
-          <p:cNvPr id="25" name="PlaceHolder 3"/>
+          <p:cNvPr id="22" name="PlaceHolder 3"/>
           <p:cNvSpPr>
             <a:spLocks noGrp="1"/>
           </p:cNvSpPr>
@@ -2272,8 +2292,8 @@
         </p:nvSpPr>
         <p:spPr>
           <a:xfrm>
-            <a:off x="4674240" y="1600200"/>
-            <a:ext cx="4015800" cy="2158560"/>
+            <a:off x="4674240" y="1604520"/>
+            <a:ext cx="4015800" cy="1896840"/>
           </a:xfrm>
           <a:prstGeom prst="rect">
             <a:avLst/>
@@ -2288,7 +2308,7 @@
       </p:sp>
       <p:sp>
         <p:nvSpPr>
-          <p:cNvPr id="26" name="PlaceHolder 4"/>
+          <p:cNvPr id="23" name="PlaceHolder 4"/>
           <p:cNvSpPr>
             <a:spLocks noGrp="1"/>
           </p:cNvSpPr>
@@ -2298,8 +2318,8 @@
         </p:nvSpPr>
         <p:spPr>
           <a:xfrm>
-            <a:off x="457200" y="3964320"/>
-            <a:ext cx="8229240" cy="2158560"/>
+            <a:off x="457200" y="3682080"/>
+            <a:ext cx="8229240" cy="1896840"/>
           </a:xfrm>
           <a:prstGeom prst="rect">
             <a:avLst/>
@@ -2356,35 +2376,17 @@
         </p:nvSpPr>
         <p:spPr>
           <a:xfrm>
-            <a:off x="685800" y="2130480"/>
-            <a:ext cx="7772040" cy="1469520"/>
+            <a:off x="457200" y="274680"/>
+            <a:ext cx="8228880" cy="1142280"/>
           </a:xfrm>
           <a:prstGeom prst="rect">
             <a:avLst/>
           </a:prstGeom>
         </p:spPr>
         <p:txBody>
-          <a:bodyPr anchor="ctr"/>
-          <a:p>
-            <a:pPr algn="ctr">
-              <a:lnSpc>
-                <a:spcPct val="100000"/>
-              </a:lnSpc>
-            </a:pPr>
-            <a:r>
-              <a:rPr lang="es-ES" sz="4400" spc="-1" strike="noStrike">
-                <a:solidFill>
-                  <a:srgbClr val="000000"/>
-                </a:solidFill>
-                <a:uFill>
-                  <a:solidFill>
-                    <a:srgbClr val="ffffff"/>
-                  </a:solidFill>
-                </a:uFill>
-                <a:latin typeface="Arial"/>
-              </a:rPr>
-              <a:t>Cliquez pour modifier le style du titre</a:t>
-            </a:r>
+          <a:bodyPr lIns="0" rIns="0" tIns="0" bIns="0" anchor="ctr"/>
+          <a:p>
+            <a:pPr algn="ctr"/>
             <a:endParaRPr/>
           </a:p>
         </p:txBody>
@@ -2401,35 +2403,17 @@
         </p:nvSpPr>
         <p:spPr>
           <a:xfrm>
-            <a:off x="1371600" y="3886200"/>
-            <a:ext cx="6400440" cy="1752120"/>
+            <a:off x="457200" y="1600200"/>
+            <a:ext cx="8228880" cy="4525200"/>
           </a:xfrm>
           <a:prstGeom prst="rect">
             <a:avLst/>
           </a:prstGeom>
         </p:spPr>
         <p:txBody>
-          <a:bodyPr/>
-          <a:p>
-            <a:pPr algn="ctr">
-              <a:lnSpc>
-                <a:spcPct val="100000"/>
-              </a:lnSpc>
-            </a:pPr>
-            <a:r>
-              <a:rPr lang="fr-FR" sz="3200" spc="-1" strike="noStrike">
-                <a:solidFill>
-                  <a:srgbClr val="000000"/>
-                </a:solidFill>
-                <a:uFill>
-                  <a:solidFill>
-                    <a:srgbClr val="ffffff"/>
-                  </a:solidFill>
-                </a:uFill>
-                <a:latin typeface="Arial"/>
-              </a:rPr>
-              <a:t>Cliquez pour modifier le style des sous-titres du masque</a:t>
-            </a:r>
+          <a:bodyPr lIns="0" rIns="0" tIns="0" bIns="0" anchor="ctr"/>
+          <a:p>
+            <a:pPr algn="ctr"/>
             <a:endParaRPr/>
           </a:p>
         </p:txBody>
@@ -2437,103 +2421,6 @@
       <p:sp>
         <p:nvSpPr>
           <p:cNvPr id="2" name="PlaceHolder 3"/>
-          <p:cNvSpPr>
-            <a:spLocks noGrp="1"/>
-          </p:cNvSpPr>
-          <p:nvPr>
-            <p:ph type="dt"/>
-          </p:nvPr>
-        </p:nvSpPr>
-        <p:spPr>
-          <a:xfrm>
-            <a:off x="457200" y="6245280"/>
-            <a:ext cx="2133360" cy="475920"/>
-          </a:xfrm>
-          <a:prstGeom prst="rect">
-            <a:avLst/>
-          </a:prstGeom>
-        </p:spPr>
-        <p:txBody>
-          <a:bodyPr/>
-          <a:p>
-            <a:endParaRPr/>
-          </a:p>
-        </p:txBody>
-      </p:sp>
-      <p:sp>
-        <p:nvSpPr>
-          <p:cNvPr id="3" name="PlaceHolder 4"/>
-          <p:cNvSpPr>
-            <a:spLocks noGrp="1"/>
-          </p:cNvSpPr>
-          <p:nvPr>
-            <p:ph type="ftr"/>
-          </p:nvPr>
-        </p:nvSpPr>
-        <p:spPr>
-          <a:xfrm>
-            <a:off x="3124080" y="6245280"/>
-            <a:ext cx="2895120" cy="475920"/>
-          </a:xfrm>
-          <a:prstGeom prst="rect">
-            <a:avLst/>
-          </a:prstGeom>
-        </p:spPr>
-        <p:txBody>
-          <a:bodyPr/>
-          <a:p>
-            <a:endParaRPr/>
-          </a:p>
-        </p:txBody>
-      </p:sp>
-      <p:sp>
-        <p:nvSpPr>
-          <p:cNvPr id="4" name="PlaceHolder 5"/>
-          <p:cNvSpPr>
-            <a:spLocks noGrp="1"/>
-          </p:cNvSpPr>
-          <p:nvPr>
-            <p:ph type="sldNum"/>
-          </p:nvPr>
-        </p:nvSpPr>
-        <p:spPr>
-          <a:xfrm>
-            <a:off x="6553080" y="6245280"/>
-            <a:ext cx="2133360" cy="475920"/>
-          </a:xfrm>
-          <a:prstGeom prst="rect">
-            <a:avLst/>
-          </a:prstGeom>
-        </p:spPr>
-        <p:txBody>
-          <a:bodyPr/>
-          <a:p>
-            <a:pPr algn="r">
-              <a:lnSpc>
-                <a:spcPct val="100000"/>
-              </a:lnSpc>
-            </a:pPr>
-            <a:fld id="{C7D9FFA5-67C9-4C51-85A8-5F8A30A3C979}" type="slidenum">
-              <a:rPr lang="fr-FR" sz="1400" spc="-1" strike="noStrike">
-                <a:solidFill>
-                  <a:srgbClr val="000000"/>
-                </a:solidFill>
-                <a:uFill>
-                  <a:solidFill>
-                    <a:srgbClr val="ffffff"/>
-                  </a:solidFill>
-                </a:uFill>
-                <a:latin typeface="Arial"/>
-              </a:rPr>
-              <a:t>&lt;numéro&gt;</a:t>
-            </a:fld>
-            <a:endParaRPr/>
-          </a:p>
-        </p:txBody>
-      </p:sp>
-      <p:sp>
-        <p:nvSpPr>
-          <p:cNvPr id="5" name="PlaceHolder 6"/>
           <p:cNvSpPr>
             <a:spLocks noGrp="1"/>
           </p:cNvSpPr>
@@ -2544,7 +2431,7 @@
         <p:spPr>
           <a:xfrm>
             <a:off x="457200" y="1604520"/>
-            <a:ext cx="8229240" cy="3977280"/>
+            <a:ext cx="8229240" cy="3976920"/>
           </a:xfrm>
           <a:prstGeom prst="rect">
             <a:avLst/>
@@ -2558,14 +2445,14 @@
                 <a:srgbClr val="ffffff"/>
               </a:buClr>
               <a:buSzPct val="45000"/>
-              <a:buFont typeface="Wingdings" charset="2"/>
+              <a:buFont typeface="StarSymbol"/>
               <a:buChar char=""/>
             </a:pPr>
             <a:r>
-              <a:rPr lang="es-ES" sz="3200" spc="-1">
+              <a:rPr lang="en-US" sz="3200" spc="-1">
                 <a:latin typeface="Arial"/>
               </a:rPr>
-              <a:t>Cliquez pour éditer le format du plan de texte</a:t>
+              <a:t>Click to edit the outline text format</a:t>
             </a:r>
             <a:endParaRPr/>
           </a:p>
@@ -2575,14 +2462,14 @@
                 <a:srgbClr val="ffffff"/>
               </a:buClr>
               <a:buSzPct val="75000"/>
-              <a:buFont typeface="Symbol" charset="2"/>
+              <a:buFont typeface="StarSymbol"/>
               <a:buChar char=""/>
             </a:pPr>
             <a:r>
-              <a:rPr lang="es-ES" sz="2400" spc="-1">
+              <a:rPr lang="en-US" sz="2800" spc="-1">
                 <a:latin typeface="Arial"/>
               </a:rPr>
-              <a:t>Second niveau de plan</a:t>
+              <a:t>Second Outline Level</a:t>
             </a:r>
             <a:endParaRPr/>
           </a:p>
@@ -2592,14 +2479,14 @@
                 <a:srgbClr val="ffffff"/>
               </a:buClr>
               <a:buSzPct val="45000"/>
-              <a:buFont typeface="Wingdings" charset="2"/>
+              <a:buFont typeface="StarSymbol"/>
               <a:buChar char=""/>
             </a:pPr>
             <a:r>
-              <a:rPr lang="es-ES" sz="2000" spc="-1">
+              <a:rPr lang="en-US" sz="2400" spc="-1">
                 <a:latin typeface="Arial"/>
               </a:rPr>
-              <a:t>Troisième niveau de plan</a:t>
+              <a:t>Third Outline Level</a:t>
             </a:r>
             <a:endParaRPr/>
           </a:p>
@@ -2609,14 +2496,14 @@
                 <a:srgbClr val="ffffff"/>
               </a:buClr>
               <a:buSzPct val="75000"/>
-              <a:buFont typeface="Symbol" charset="2"/>
+              <a:buFont typeface="StarSymbol"/>
               <a:buChar char=""/>
             </a:pPr>
             <a:r>
-              <a:rPr lang="es-ES" sz="2000" spc="-1">
+              <a:rPr lang="en-US" sz="2000" spc="-1">
                 <a:latin typeface="Arial"/>
               </a:rPr>
-              <a:t>Quatrième niveau de plan</a:t>
+              <a:t>Fourth Outline Level</a:t>
             </a:r>
             <a:endParaRPr/>
           </a:p>
@@ -2626,14 +2513,14 @@
                 <a:srgbClr val="ffffff"/>
               </a:buClr>
               <a:buSzPct val="45000"/>
-              <a:buFont typeface="Wingdings" charset="2"/>
+              <a:buFont typeface="StarSymbol"/>
               <a:buChar char=""/>
             </a:pPr>
             <a:r>
-              <a:rPr lang="es-ES" sz="2000" spc="-1">
+              <a:rPr lang="en-US" sz="2000" spc="-1">
                 <a:latin typeface="Arial"/>
               </a:rPr>
-              <a:t>Cinquième niveau de plan</a:t>
+              <a:t>Fifth Outline Level</a:t>
             </a:r>
             <a:endParaRPr/>
           </a:p>
@@ -2643,14 +2530,14 @@
                 <a:srgbClr val="ffffff"/>
               </a:buClr>
               <a:buSzPct val="45000"/>
-              <a:buFont typeface="Wingdings" charset="2"/>
+              <a:buFont typeface="StarSymbol"/>
               <a:buChar char=""/>
             </a:pPr>
             <a:r>
-              <a:rPr lang="es-ES" sz="2000" spc="-1">
+              <a:rPr lang="en-US" sz="2000" spc="-1">
                 <a:latin typeface="Arial"/>
               </a:rPr>
-              <a:t>Sixième niveau de plan</a:t>
+              <a:t>Sixth Outline Level</a:t>
             </a:r>
             <a:endParaRPr/>
           </a:p>
@@ -2660,14 +2547,14 @@
                 <a:srgbClr val="ffffff"/>
               </a:buClr>
               <a:buSzPct val="45000"/>
-              <a:buFont typeface="Wingdings" charset="2"/>
+              <a:buFont typeface="StarSymbol"/>
               <a:buChar char=""/>
             </a:pPr>
             <a:r>
-              <a:rPr lang="es-ES" sz="2000" spc="-1">
+              <a:rPr lang="en-US" sz="2000" spc="-1">
                 <a:latin typeface="Arial"/>
               </a:rPr>
-              <a:t>Septième niveau de plan</a:t>
+              <a:t>Seventh Outline Level</a:t>
             </a:r>
             <a:endParaRPr/>
           </a:p>
@@ -2722,7 +2609,7 @@
       </p:grpSpPr>
       <p:sp>
         <p:nvSpPr>
-          <p:cNvPr id="40" name="PlaceHolder 1"/>
+          <p:cNvPr id="37" name="PlaceHolder 1"/>
           <p:cNvSpPr>
             <a:spLocks noGrp="1"/>
           </p:cNvSpPr>
@@ -2732,34 +2619,22 @@
         </p:nvSpPr>
         <p:spPr>
           <a:xfrm>
-            <a:off x="457200" y="274680"/>
-            <a:ext cx="8229240" cy="1142640"/>
+            <a:off x="457200" y="273600"/>
+            <a:ext cx="8229240" cy="1144800"/>
           </a:xfrm>
           <a:prstGeom prst="rect">
             <a:avLst/>
           </a:prstGeom>
         </p:spPr>
         <p:txBody>
-          <a:bodyPr anchor="ctr"/>
-          <a:p>
-            <a:pPr algn="ctr">
-              <a:lnSpc>
-                <a:spcPct val="100000"/>
-              </a:lnSpc>
-            </a:pPr>
-            <a:r>
-              <a:rPr lang="es-ES" sz="4400" spc="-1" strike="noStrike">
-                <a:solidFill>
-                  <a:srgbClr val="000000"/>
-                </a:solidFill>
-                <a:uFill>
-                  <a:solidFill>
-                    <a:srgbClr val="ffffff"/>
-                  </a:solidFill>
-                </a:uFill>
+          <a:bodyPr lIns="0" rIns="0" tIns="0" bIns="0" anchor="ctr"/>
+          <a:p>
+            <a:pPr algn="ctr"/>
+            <a:r>
+              <a:rPr lang="en-US" sz="4400" spc="-1">
                 <a:latin typeface="Arial"/>
               </a:rPr>
-              <a:t>Cliquez pour modifier le style du titre</a:t>
+              <a:t>Click to edit the title text format</a:t>
             </a:r>
             <a:endParaRPr/>
           </a:p>
@@ -2767,7 +2642,7 @@
       </p:sp>
       <p:sp>
         <p:nvSpPr>
-          <p:cNvPr id="41" name="PlaceHolder 2"/>
+          <p:cNvPr id="38" name="PlaceHolder 2"/>
           <p:cNvSpPr>
             <a:spLocks noGrp="1"/>
           </p:cNvSpPr>
@@ -2777,37 +2652,29 @@
         </p:nvSpPr>
         <p:spPr>
           <a:xfrm>
-            <a:off x="457200" y="1600200"/>
-            <a:ext cx="8229240" cy="4525560"/>
+            <a:off x="457200" y="1604520"/>
+            <a:ext cx="8229240" cy="3976920"/>
           </a:xfrm>
           <a:prstGeom prst="rect">
             <a:avLst/>
           </a:prstGeom>
         </p:spPr>
         <p:txBody>
-          <a:bodyPr/>
+          <a:bodyPr lIns="0" rIns="0" tIns="0" bIns="0"/>
           <a:p>
             <a:pPr marL="432000" indent="-324000">
               <a:buClr>
                 <a:srgbClr val="ffffff"/>
               </a:buClr>
               <a:buSzPct val="45000"/>
-              <a:buFont typeface="Wingdings" charset="2"/>
+              <a:buFont typeface="StarSymbol"/>
               <a:buChar char=""/>
             </a:pPr>
             <a:r>
-              <a:rPr lang="es-ES" sz="3200" spc="-1" strike="noStrike">
-                <a:solidFill>
-                  <a:srgbClr val="000000"/>
-                </a:solidFill>
-                <a:uFill>
-                  <a:solidFill>
-                    <a:srgbClr val="ffffff"/>
-                  </a:solidFill>
-                </a:uFill>
+              <a:rPr lang="en-US" sz="3200" spc="-1">
                 <a:latin typeface="Arial"/>
               </a:rPr>
-              <a:t>Cliquez pour éditer le format du plan de texte</a:t>
+              <a:t>Click to edit the outline text format</a:t>
             </a:r>
             <a:endParaRPr/>
           </a:p>
@@ -2817,22 +2684,14 @@
                 <a:srgbClr val="ffffff"/>
               </a:buClr>
               <a:buSzPct val="75000"/>
-              <a:buFont typeface="Symbol" charset="2"/>
+              <a:buFont typeface="StarSymbol"/>
               <a:buChar char=""/>
             </a:pPr>
             <a:r>
-              <a:rPr lang="es-ES" sz="3200" spc="-1" strike="noStrike">
-                <a:solidFill>
-                  <a:srgbClr val="000000"/>
-                </a:solidFill>
-                <a:uFill>
-                  <a:solidFill>
-                    <a:srgbClr val="ffffff"/>
-                  </a:solidFill>
-                </a:uFill>
+              <a:rPr lang="en-US" sz="2800" spc="-1">
                 <a:latin typeface="Arial"/>
               </a:rPr>
-              <a:t>Second niveau de plan</a:t>
+              <a:t>Second Outline Level</a:t>
             </a:r>
             <a:endParaRPr/>
           </a:p>
@@ -2842,22 +2701,14 @@
                 <a:srgbClr val="ffffff"/>
               </a:buClr>
               <a:buSzPct val="45000"/>
-              <a:buFont typeface="Wingdings" charset="2"/>
+              <a:buFont typeface="StarSymbol"/>
               <a:buChar char=""/>
             </a:pPr>
             <a:r>
-              <a:rPr lang="es-ES" sz="3200" spc="-1" strike="noStrike">
-                <a:solidFill>
-                  <a:srgbClr val="000000"/>
-                </a:solidFill>
-                <a:uFill>
-                  <a:solidFill>
-                    <a:srgbClr val="ffffff"/>
-                  </a:solidFill>
-                </a:uFill>
+              <a:rPr lang="en-US" sz="2400" spc="-1">
                 <a:latin typeface="Arial"/>
               </a:rPr>
-              <a:t>Troisième niveau de plan</a:t>
+              <a:t>Third Outline Level</a:t>
             </a:r>
             <a:endParaRPr/>
           </a:p>
@@ -2867,22 +2718,14 @@
                 <a:srgbClr val="ffffff"/>
               </a:buClr>
               <a:buSzPct val="75000"/>
-              <a:buFont typeface="Symbol" charset="2"/>
+              <a:buFont typeface="StarSymbol"/>
               <a:buChar char=""/>
             </a:pPr>
             <a:r>
-              <a:rPr lang="es-ES" sz="3200" spc="-1" strike="noStrike">
-                <a:solidFill>
-                  <a:srgbClr val="000000"/>
-                </a:solidFill>
-                <a:uFill>
-                  <a:solidFill>
-                    <a:srgbClr val="ffffff"/>
-                  </a:solidFill>
-                </a:uFill>
+              <a:rPr lang="en-US" sz="2000" spc="-1">
                 <a:latin typeface="Arial"/>
               </a:rPr>
-              <a:t>Quatrième niveau de plan</a:t>
+              <a:t>Fourth Outline Level</a:t>
             </a:r>
             <a:endParaRPr/>
           </a:p>
@@ -2892,22 +2735,14 @@
                 <a:srgbClr val="ffffff"/>
               </a:buClr>
               <a:buSzPct val="45000"/>
-              <a:buFont typeface="Wingdings" charset="2"/>
+              <a:buFont typeface="StarSymbol"/>
               <a:buChar char=""/>
             </a:pPr>
             <a:r>
-              <a:rPr lang="es-ES" sz="3200" spc="-1" strike="noStrike">
-                <a:solidFill>
-                  <a:srgbClr val="000000"/>
-                </a:solidFill>
-                <a:uFill>
-                  <a:solidFill>
-                    <a:srgbClr val="ffffff"/>
-                  </a:solidFill>
-                </a:uFill>
+              <a:rPr lang="en-US" sz="2000" spc="-1">
                 <a:latin typeface="Arial"/>
               </a:rPr>
-              <a:t>Cinquième niveau de plan</a:t>
+              <a:t>Fifth Outline Level</a:t>
             </a:r>
             <a:endParaRPr/>
           </a:p>
@@ -2917,240 +2752,32 @@
                 <a:srgbClr val="ffffff"/>
               </a:buClr>
               <a:buSzPct val="45000"/>
-              <a:buFont typeface="Wingdings" charset="2"/>
+              <a:buFont typeface="StarSymbol"/>
               <a:buChar char=""/>
             </a:pPr>
             <a:r>
-              <a:rPr lang="es-ES" sz="3200" spc="-1" strike="noStrike">
-                <a:solidFill>
-                  <a:srgbClr val="000000"/>
-                </a:solidFill>
-                <a:uFill>
-                  <a:solidFill>
-                    <a:srgbClr val="ffffff"/>
-                  </a:solidFill>
-                </a:uFill>
+              <a:rPr lang="en-US" sz="2000" spc="-1">
                 <a:latin typeface="Arial"/>
               </a:rPr>
-              <a:t>Sixième niveau de plan</a:t>
-            </a:r>
-            <a:endParaRPr/>
-          </a:p>
-          <a:p>
-            <a:pPr marL="343080" indent="-342720">
-              <a:lnSpc>
-                <a:spcPct val="100000"/>
-              </a:lnSpc>
-              <a:buFont typeface="Symbol" charset="2"/>
-              <a:buChar char=""/>
-            </a:pPr>
-            <a:r>
-              <a:rPr lang="es-ES" sz="3200" spc="-1" strike="noStrike">
-                <a:solidFill>
-                  <a:srgbClr val="000000"/>
-                </a:solidFill>
-                <a:uFill>
-                  <a:solidFill>
-                    <a:srgbClr val="ffffff"/>
-                  </a:solidFill>
-                </a:uFill>
+              <a:t>Sixth Outline Level</a:t>
+            </a:r>
+            <a:endParaRPr/>
+          </a:p>
+          <a:p>
+            <a:pPr lvl="6" marL="3024000" indent="-216000">
+              <a:buClr>
+                <a:srgbClr val="ffffff"/>
+              </a:buClr>
+              <a:buSzPct val="45000"/>
+              <a:buFont typeface="StarSymbol"/>
+              <a:buChar char=""/>
+            </a:pPr>
+            <a:r>
+              <a:rPr lang="en-US" sz="2000" spc="-1">
                 <a:latin typeface="Arial"/>
               </a:rPr>
-              <a:t>Septième niveau de planCliquez pour modifier les styles du texte du masque</a:t>
-            </a:r>
-            <a:endParaRPr/>
-          </a:p>
-          <a:p>
-            <a:pPr lvl="1" marL="743040" indent="-285480">
-              <a:lnSpc>
-                <a:spcPct val="100000"/>
-              </a:lnSpc>
-              <a:buFont typeface="Symbol" charset="2"/>
-              <a:buChar char=""/>
-            </a:pPr>
-            <a:r>
-              <a:rPr lang="es-ES" sz="2800" spc="-1" strike="noStrike">
-                <a:solidFill>
-                  <a:srgbClr val="000000"/>
-                </a:solidFill>
-                <a:uFill>
-                  <a:solidFill>
-                    <a:srgbClr val="ffffff"/>
-                  </a:solidFill>
-                </a:uFill>
-                <a:latin typeface="Arial"/>
-              </a:rPr>
-              <a:t>Deuxième niveau</a:t>
-            </a:r>
-            <a:endParaRPr/>
-          </a:p>
-          <a:p>
-            <a:pPr lvl="2" marL="1143000" indent="-228240">
-              <a:lnSpc>
-                <a:spcPct val="100000"/>
-              </a:lnSpc>
-              <a:buFont typeface="Symbol" charset="2"/>
-              <a:buChar char=""/>
-            </a:pPr>
-            <a:r>
-              <a:rPr lang="es-ES" sz="2400" spc="-1" strike="noStrike">
-                <a:solidFill>
-                  <a:srgbClr val="000000"/>
-                </a:solidFill>
-                <a:uFill>
-                  <a:solidFill>
-                    <a:srgbClr val="ffffff"/>
-                  </a:solidFill>
-                </a:uFill>
-                <a:latin typeface="Arial"/>
-              </a:rPr>
-              <a:t>Troisième niveau</a:t>
-            </a:r>
-            <a:endParaRPr/>
-          </a:p>
-          <a:p>
-            <a:pPr lvl="3" marL="1600200" indent="-228240">
-              <a:lnSpc>
-                <a:spcPct val="100000"/>
-              </a:lnSpc>
-              <a:buFont typeface="Symbol" charset="2"/>
-              <a:buChar char=""/>
-            </a:pPr>
-            <a:r>
-              <a:rPr lang="es-ES" sz="2000" spc="-1" strike="noStrike">
-                <a:solidFill>
-                  <a:srgbClr val="000000"/>
-                </a:solidFill>
-                <a:uFill>
-                  <a:solidFill>
-                    <a:srgbClr val="ffffff"/>
-                  </a:solidFill>
-                </a:uFill>
-                <a:latin typeface="Arial"/>
-              </a:rPr>
-              <a:t>Quatrième niveau</a:t>
-            </a:r>
-            <a:endParaRPr/>
-          </a:p>
-          <a:p>
-            <a:pPr lvl="4" marL="2057400" indent="-228240">
-              <a:lnSpc>
-                <a:spcPct val="100000"/>
-              </a:lnSpc>
-              <a:buFont typeface="StarSymbol"/>
-              <a:buChar char="»"/>
-            </a:pPr>
-            <a:r>
-              <a:rPr lang="es-ES" sz="2000" spc="-1" strike="noStrike">
-                <a:solidFill>
-                  <a:srgbClr val="000000"/>
-                </a:solidFill>
-                <a:uFill>
-                  <a:solidFill>
-                    <a:srgbClr val="ffffff"/>
-                  </a:solidFill>
-                </a:uFill>
-                <a:latin typeface="Arial"/>
-              </a:rPr>
-              <a:t>Cinquième niveau</a:t>
-            </a:r>
-            <a:endParaRPr/>
-          </a:p>
-        </p:txBody>
-      </p:sp>
-      <p:sp>
-        <p:nvSpPr>
-          <p:cNvPr id="42" name="PlaceHolder 3"/>
-          <p:cNvSpPr>
-            <a:spLocks noGrp="1"/>
-          </p:cNvSpPr>
-          <p:nvPr>
-            <p:ph type="dt"/>
-          </p:nvPr>
-        </p:nvSpPr>
-        <p:spPr>
-          <a:xfrm>
-            <a:off x="457200" y="6245280"/>
-            <a:ext cx="2133360" cy="475920"/>
-          </a:xfrm>
-          <a:prstGeom prst="rect">
-            <a:avLst/>
-          </a:prstGeom>
-        </p:spPr>
-        <p:txBody>
-          <a:bodyPr/>
-          <a:p>
-            <a:endParaRPr/>
-          </a:p>
-        </p:txBody>
-      </p:sp>
-      <p:sp>
-        <p:nvSpPr>
-          <p:cNvPr id="43" name="PlaceHolder 4"/>
-          <p:cNvSpPr>
-            <a:spLocks noGrp="1"/>
-          </p:cNvSpPr>
-          <p:nvPr>
-            <p:ph type="ftr"/>
-          </p:nvPr>
-        </p:nvSpPr>
-        <p:spPr>
-          <a:xfrm>
-            <a:off x="3124080" y="6245280"/>
-            <a:ext cx="2895120" cy="475920"/>
-          </a:xfrm>
-          <a:prstGeom prst="rect">
-            <a:avLst/>
-          </a:prstGeom>
-        </p:spPr>
-        <p:txBody>
-          <a:bodyPr/>
-          <a:p>
-            <a:endParaRPr/>
-          </a:p>
-        </p:txBody>
-      </p:sp>
-      <p:sp>
-        <p:nvSpPr>
-          <p:cNvPr id="44" name="PlaceHolder 5"/>
-          <p:cNvSpPr>
-            <a:spLocks noGrp="1"/>
-          </p:cNvSpPr>
-          <p:nvPr>
-            <p:ph type="sldNum"/>
-          </p:nvPr>
-        </p:nvSpPr>
-        <p:spPr>
-          <a:xfrm>
-            <a:off x="6553080" y="6245280"/>
-            <a:ext cx="2133360" cy="475920"/>
-          </a:xfrm>
-          <a:prstGeom prst="rect">
-            <a:avLst/>
-          </a:prstGeom>
-        </p:spPr>
-        <p:txBody>
-          <a:bodyPr/>
-          <a:p>
-            <a:pPr algn="r">
-              <a:lnSpc>
-                <a:spcPct val="100000"/>
-              </a:lnSpc>
-            </a:pPr>
-            <a:fld id="{EA37DA68-4101-4418-B9A4-0D062453AB32}" type="slidenum">
-              <a:rPr lang="fr-FR" sz="1400" spc="-1" strike="noStrike">
-                <a:solidFill>
-                  <a:srgbClr val="000000"/>
-                </a:solidFill>
-                <a:uFill>
-                  <a:solidFill>
-                    <a:srgbClr val="ffffff"/>
-                  </a:solidFill>
-                </a:uFill>
-                <a:latin typeface="Arial"/>
-              </a:rPr>
-              <a:t>&lt;numéro&gt;</a:t>
-            </a:fld>
+              <a:t>Seventh Outline Level</a:t>
+            </a:r>
             <a:endParaRPr/>
           </a:p>
         </p:txBody>
@@ -3204,14 +2831,14 @@
       </p:grpSpPr>
       <p:sp>
         <p:nvSpPr>
-          <p:cNvPr id="79" name="CustomShape 1"/>
+          <p:cNvPr id="73" name="CustomShape 1"/>
           <p:cNvSpPr/>
           <p:nvPr/>
         </p:nvSpPr>
         <p:spPr>
           <a:xfrm>
             <a:off x="0" y="6572160"/>
-            <a:ext cx="785520" cy="285480"/>
+            <a:ext cx="785160" cy="285120"/>
           </a:xfrm>
           <a:prstGeom prst="rect">
             <a:avLst/>
@@ -3243,65 +2870,20 @@
       </p:sp>
       <p:sp>
         <p:nvSpPr>
-          <p:cNvPr id="80" name="TextShape 2"/>
-          <p:cNvSpPr txBox="1"/>
+          <p:cNvPr id="74" name="CustomShape 2"/>
+          <p:cNvSpPr/>
           <p:nvPr/>
         </p:nvSpPr>
         <p:spPr>
           <a:xfrm>
             <a:off x="285840" y="5857920"/>
-            <a:ext cx="5319360" cy="647280"/>
+            <a:ext cx="5319000" cy="646920"/>
           </a:xfrm>
           <a:prstGeom prst="rect">
             <a:avLst/>
           </a:prstGeom>
           <a:noFill/>
           <a:ln>
-            <a:noFill/>
-          </a:ln>
-        </p:spPr>
-        <p:txBody>
-          <a:bodyPr anchor="ctr"/>
-          <a:p>
-            <a:pPr algn="ctr">
-              <a:lnSpc>
-                <a:spcPct val="100000"/>
-              </a:lnSpc>
-            </a:pPr>
-            <a:r>
-              <a:rPr b="1" lang="es-ES" sz="2800" spc="-1" strike="noStrike">
-                <a:solidFill>
-                  <a:srgbClr val="ffffff"/>
-                </a:solidFill>
-                <a:uFill>
-                  <a:solidFill>
-                    <a:srgbClr val="ffffff"/>
-                  </a:solidFill>
-                </a:uFill>
-                <a:latin typeface="Aharoni"/>
-              </a:rPr>
-              <a:t>Fps “Flight Planning System”</a:t>
-            </a:r>
-            <a:endParaRPr/>
-          </a:p>
-        </p:txBody>
-      </p:sp>
-      <p:sp>
-        <p:nvSpPr>
-          <p:cNvPr id="81" name="CustomShape 3"/>
-          <p:cNvSpPr/>
-          <p:nvPr/>
-        </p:nvSpPr>
-        <p:spPr>
-          <a:xfrm>
-            <a:off x="5364000" y="5000760"/>
-            <a:ext cx="3457080" cy="1642680"/>
-          </a:xfrm>
-          <a:prstGeom prst="rect">
-            <a:avLst/>
-          </a:prstGeom>
-          <a:noFill/>
-          <a:ln w="9360">
             <a:noFill/>
           </a:ln>
         </p:spPr>
@@ -3314,13 +2896,13 @@
         <p:txBody>
           <a:bodyPr lIns="90000" rIns="90000" tIns="45000" bIns="45000" anchor="ctr"/>
           <a:p>
-            <a:pPr algn="r">
-              <a:lnSpc>
-                <a:spcPct val="100000"/>
-              </a:lnSpc>
-            </a:pPr>
-            <a:r>
-              <a:rPr b="1" lang="fr-FR" sz="1800" spc="-1" strike="noStrike">
+            <a:pPr algn="ctr">
+              <a:lnSpc>
+                <a:spcPct val="100000"/>
+              </a:lnSpc>
+            </a:pPr>
+            <a:r>
+              <a:rPr b="1" lang="en-US" sz="2800" spc="-1" strike="noStrike">
                 <a:solidFill>
                   <a:srgbClr val="ffffff"/>
                 </a:solidFill>
@@ -3329,114 +2911,24 @@
                     <a:srgbClr val="ffffff"/>
                   </a:solidFill>
                 </a:uFill>
-                <a:latin typeface="Calibri"/>
-              </a:rPr>
-              <a:t>Presented  by :</a:t>
-            </a:r>
-            <a:endParaRPr/>
-          </a:p>
-          <a:p>
-            <a:pPr algn="r">
-              <a:lnSpc>
-                <a:spcPct val="100000"/>
-              </a:lnSpc>
-            </a:pPr>
-            <a:endParaRPr/>
-          </a:p>
-          <a:p>
-            <a:pPr algn="r">
-              <a:lnSpc>
-                <a:spcPct val="100000"/>
-              </a:lnSpc>
-            </a:pPr>
-            <a:r>
-              <a:rPr b="1" lang="fr-FR" sz="1800" spc="-1" strike="noStrike">
-                <a:solidFill>
-                  <a:srgbClr val="ffffff"/>
-                </a:solidFill>
-                <a:uFill>
-                  <a:solidFill>
-                    <a:srgbClr val="ffffff"/>
-                  </a:solidFill>
-                </a:uFill>
-                <a:latin typeface="Calibri"/>
-              </a:rPr>
-              <a:t>Lamghari Younes</a:t>
-            </a:r>
-            <a:endParaRPr/>
-          </a:p>
-          <a:p>
-            <a:pPr algn="r">
-              <a:lnSpc>
-                <a:spcPct val="100000"/>
-              </a:lnSpc>
-            </a:pPr>
-            <a:r>
-              <a:rPr b="1" lang="fr-FR" sz="1800" spc="-1" strike="noStrike">
-                <a:solidFill>
-                  <a:srgbClr val="ffffff"/>
-                </a:solidFill>
-                <a:uFill>
-                  <a:solidFill>
-                    <a:srgbClr val="ffffff"/>
-                  </a:solidFill>
-                </a:uFill>
-                <a:latin typeface="Calibri"/>
-              </a:rPr>
-              <a:t>Saffar Léa</a:t>
-            </a:r>
-            <a:endParaRPr/>
-          </a:p>
-          <a:p>
-            <a:pPr algn="r">
-              <a:lnSpc>
-                <a:spcPct val="100000"/>
-              </a:lnSpc>
-            </a:pPr>
-            <a:r>
-              <a:rPr b="1" lang="fr-FR" sz="1800" spc="-1" strike="noStrike">
-                <a:solidFill>
-                  <a:srgbClr val="ffffff"/>
-                </a:solidFill>
-                <a:uFill>
-                  <a:solidFill>
-                    <a:srgbClr val="ffffff"/>
-                  </a:solidFill>
-                </a:uFill>
-                <a:latin typeface="Calibri"/>
-              </a:rPr>
-              <a:t>Marcel Yildiz</a:t>
-            </a:r>
-            <a:endParaRPr/>
-          </a:p>
-          <a:p>
-            <a:pPr algn="r">
-              <a:lnSpc>
-                <a:spcPct val="100000"/>
-              </a:lnSpc>
-            </a:pPr>
-            <a:endParaRPr/>
-          </a:p>
-          <a:p>
-            <a:pPr algn="r">
-              <a:lnSpc>
-                <a:spcPct val="100000"/>
-              </a:lnSpc>
-            </a:pPr>
+                <a:latin typeface="Aharoni"/>
+              </a:rPr>
+              <a:t>Fps “Flight Planning System”</a:t>
+            </a:r>
             <a:endParaRPr/>
           </a:p>
         </p:txBody>
       </p:sp>
       <p:sp>
         <p:nvSpPr>
-          <p:cNvPr id="82" name="CustomShape 4"/>
+          <p:cNvPr id="75" name="CustomShape 3"/>
           <p:cNvSpPr/>
           <p:nvPr/>
         </p:nvSpPr>
         <p:spPr>
           <a:xfrm>
-            <a:off x="1643040" y="357120"/>
-            <a:ext cx="5319360" cy="576000"/>
+            <a:off x="5364000" y="5000760"/>
+            <a:ext cx="3456720" cy="1642320"/>
           </a:xfrm>
           <a:prstGeom prst="rect">
             <a:avLst/>
@@ -3453,7 +2945,152 @@
           <a:fontRef idx="minor"/>
         </p:style>
         <p:txBody>
-          <a:bodyPr anchor="ctr"/>
+          <a:bodyPr lIns="90000" rIns="90000" tIns="45000" bIns="45000" anchor="ctr"/>
+          <a:p>
+            <a:pPr algn="r">
+              <a:lnSpc>
+                <a:spcPct val="100000"/>
+              </a:lnSpc>
+            </a:pPr>
+            <a:r>
+              <a:rPr b="1" lang="en-US" sz="1800" spc="-1" strike="noStrike">
+                <a:solidFill>
+                  <a:srgbClr val="ffffff"/>
+                </a:solidFill>
+                <a:uFill>
+                  <a:solidFill>
+                    <a:srgbClr val="ffffff"/>
+                  </a:solidFill>
+                </a:uFill>
+                <a:latin typeface="Calibri"/>
+                <a:ea typeface="DejaVu Sans"/>
+              </a:rPr>
+              <a:t>Presented  by :</a:t>
+            </a:r>
+            <a:endParaRPr/>
+          </a:p>
+          <a:p>
+            <a:pPr algn="r">
+              <a:lnSpc>
+                <a:spcPct val="100000"/>
+              </a:lnSpc>
+            </a:pPr>
+            <a:endParaRPr/>
+          </a:p>
+          <a:p>
+            <a:pPr algn="r">
+              <a:lnSpc>
+                <a:spcPct val="100000"/>
+              </a:lnSpc>
+            </a:pPr>
+            <a:r>
+              <a:rPr b="1" lang="en-US" sz="1800" spc="-1" strike="noStrike">
+                <a:solidFill>
+                  <a:srgbClr val="ffffff"/>
+                </a:solidFill>
+                <a:uFill>
+                  <a:solidFill>
+                    <a:srgbClr val="ffffff"/>
+                  </a:solidFill>
+                </a:uFill>
+                <a:latin typeface="Calibri"/>
+                <a:ea typeface="DejaVu Sans"/>
+              </a:rPr>
+              <a:t>Lamghari Younes</a:t>
+            </a:r>
+            <a:endParaRPr/>
+          </a:p>
+          <a:p>
+            <a:pPr algn="r">
+              <a:lnSpc>
+                <a:spcPct val="100000"/>
+              </a:lnSpc>
+            </a:pPr>
+            <a:r>
+              <a:rPr b="1" lang="en-US" sz="1800" spc="-1" strike="noStrike">
+                <a:solidFill>
+                  <a:srgbClr val="ffffff"/>
+                </a:solidFill>
+                <a:uFill>
+                  <a:solidFill>
+                    <a:srgbClr val="ffffff"/>
+                  </a:solidFill>
+                </a:uFill>
+                <a:latin typeface="Calibri"/>
+                <a:ea typeface="DejaVu Sans"/>
+              </a:rPr>
+              <a:t>Saffar Léa</a:t>
+            </a:r>
+            <a:endParaRPr/>
+          </a:p>
+          <a:p>
+            <a:pPr algn="r">
+              <a:lnSpc>
+                <a:spcPct val="100000"/>
+              </a:lnSpc>
+            </a:pPr>
+            <a:r>
+              <a:rPr b="1" lang="en-US" sz="1800" spc="-1" strike="noStrike">
+                <a:solidFill>
+                  <a:srgbClr val="ffffff"/>
+                </a:solidFill>
+                <a:uFill>
+                  <a:solidFill>
+                    <a:srgbClr val="ffffff"/>
+                  </a:solidFill>
+                </a:uFill>
+                <a:latin typeface="Calibri"/>
+                <a:ea typeface="DejaVu Sans"/>
+              </a:rPr>
+              <a:t>Marcel Yildiz</a:t>
+            </a:r>
+            <a:endParaRPr/>
+          </a:p>
+          <a:p>
+            <a:pPr algn="r">
+              <a:lnSpc>
+                <a:spcPct val="100000"/>
+              </a:lnSpc>
+            </a:pPr>
+            <a:endParaRPr/>
+          </a:p>
+          <a:p>
+            <a:pPr algn="r">
+              <a:lnSpc>
+                <a:spcPct val="100000"/>
+              </a:lnSpc>
+            </a:pPr>
+            <a:endParaRPr/>
+          </a:p>
+        </p:txBody>
+      </p:sp>
+      <p:sp>
+        <p:nvSpPr>
+          <p:cNvPr id="76" name="CustomShape 4"/>
+          <p:cNvSpPr/>
+          <p:nvPr/>
+        </p:nvSpPr>
+        <p:spPr>
+          <a:xfrm>
+            <a:off x="1643040" y="357120"/>
+            <a:ext cx="5319000" cy="575640"/>
+          </a:xfrm>
+          <a:prstGeom prst="rect">
+            <a:avLst/>
+          </a:prstGeom>
+          <a:noFill/>
+          <a:ln w="9360">
+            <a:noFill/>
+          </a:ln>
+        </p:spPr>
+        <p:style>
+          <a:lnRef idx="0"/>
+          <a:fillRef idx="0"/>
+          <a:effectRef idx="0"/>
+          <a:fontRef idx="minor"/>
+        </p:style>
+        <p:txBody>
+          <a:bodyPr lIns="90000" rIns="90000" tIns="45000" bIns="45000" anchor="ctr"/>
           <a:p>
             <a:pPr algn="ctr">
               <a:lnSpc>
@@ -3461,7 +3098,7 @@
               </a:lnSpc>
             </a:pPr>
             <a:r>
-              <a:rPr b="1" lang="fr-FR" sz="2800" spc="-1" strike="noStrike">
+              <a:rPr b="1" lang="en-US" sz="2800" spc="-1" strike="noStrike">
                 <a:solidFill>
                   <a:srgbClr val="ffffff"/>
                 </a:solidFill>
@@ -3471,6 +3108,7 @@
                   </a:solidFill>
                 </a:uFill>
                 <a:latin typeface="Calibri"/>
+                <a:ea typeface="DejaVu Sans"/>
               </a:rPr>
               <a:t>Group one</a:t>
             </a:r>
@@ -3529,14 +3167,14 @@
       </p:grpSpPr>
       <p:sp>
         <p:nvSpPr>
-          <p:cNvPr id="111" name="TextShape 1"/>
-          <p:cNvSpPr txBox="1"/>
+          <p:cNvPr id="105" name="CustomShape 1"/>
+          <p:cNvSpPr/>
           <p:nvPr/>
         </p:nvSpPr>
         <p:spPr>
           <a:xfrm>
             <a:off x="457200" y="1714320"/>
-            <a:ext cx="8229240" cy="4411440"/>
+            <a:ext cx="8228880" cy="4411080"/>
           </a:xfrm>
           <a:prstGeom prst="rect">
             <a:avLst/>
@@ -3546,16 +3184,22 @@
             <a:noFill/>
           </a:ln>
         </p:spPr>
+        <p:style>
+          <a:lnRef idx="0"/>
+          <a:fillRef idx="0"/>
+          <a:effectRef idx="0"/>
+          <a:fontRef idx="minor"/>
+        </p:style>
         <p:txBody>
-          <a:bodyPr/>
-          <a:p>
-            <a:pPr marL="343080" indent="-342720">
-              <a:lnSpc>
-                <a:spcPct val="100000"/>
-              </a:lnSpc>
-            </a:pPr>
-            <a:r>
-              <a:rPr b="1" lang="es-ES" sz="1500" spc="-1" strike="noStrike" u="sng">
+          <a:bodyPr lIns="90000" rIns="90000" tIns="45000" bIns="45000"/>
+          <a:p>
+            <a:pPr marL="343080" indent="-342360">
+              <a:lnSpc>
+                <a:spcPct val="100000"/>
+              </a:lnSpc>
+            </a:pPr>
+            <a:r>
+              <a:rPr b="1" lang="en-US" sz="1500" spc="-1" strike="noStrike" u="sng">
                 <a:solidFill>
                   <a:srgbClr val="c00000"/>
                 </a:solidFill>
@@ -3571,13 +3215,13 @@
             <a:endParaRPr/>
           </a:p>
           <a:p>
-            <a:pPr marL="343080" indent="-342720">
-              <a:lnSpc>
-                <a:spcPct val="100000"/>
-              </a:lnSpc>
-            </a:pPr>
-            <a:r>
-              <a:rPr lang="es-ES" sz="1500" spc="-1" strike="noStrike">
+            <a:pPr marL="343080" indent="-342360">
+              <a:lnSpc>
+                <a:spcPct val="100000"/>
+              </a:lnSpc>
+            </a:pPr>
+            <a:r>
+              <a:rPr lang="en-US" sz="1500" spc="-1" strike="noStrike">
                 <a:solidFill>
                   <a:srgbClr val="000000"/>
                 </a:solidFill>
@@ -3593,13 +3237,13 @@
             <a:endParaRPr/>
           </a:p>
           <a:p>
-            <a:pPr marL="343080" indent="-342720">
-              <a:lnSpc>
-                <a:spcPct val="100000"/>
-              </a:lnSpc>
-            </a:pPr>
-            <a:r>
-              <a:rPr lang="es-ES" sz="1500" spc="-1" strike="noStrike">
+            <a:pPr marL="343080" indent="-342360">
+              <a:lnSpc>
+                <a:spcPct val="100000"/>
+              </a:lnSpc>
+            </a:pPr>
+            <a:r>
+              <a:rPr lang="en-US" sz="1500" spc="-1" strike="noStrike">
                 <a:solidFill>
                   <a:srgbClr val="000000"/>
                 </a:solidFill>
@@ -3618,14 +3262,14 @@
       </p:sp>
       <p:sp>
         <p:nvSpPr>
-          <p:cNvPr id="112" name="CustomShape 2"/>
+          <p:cNvPr id="106" name="CustomShape 2"/>
           <p:cNvSpPr/>
           <p:nvPr/>
         </p:nvSpPr>
         <p:spPr>
           <a:xfrm>
             <a:off x="0" y="6572160"/>
-            <a:ext cx="785520" cy="285480"/>
+            <a:ext cx="785160" cy="285120"/>
           </a:xfrm>
           <a:prstGeom prst="rect">
             <a:avLst/>
@@ -3657,14 +3301,14 @@
       </p:sp>
       <p:sp>
         <p:nvSpPr>
-          <p:cNvPr id="113" name="TextShape 3"/>
-          <p:cNvSpPr txBox="1"/>
+          <p:cNvPr id="107" name="CustomShape 3"/>
+          <p:cNvSpPr/>
           <p:nvPr/>
         </p:nvSpPr>
         <p:spPr>
           <a:xfrm>
             <a:off x="428760" y="642960"/>
-            <a:ext cx="8257680" cy="785520"/>
+            <a:ext cx="8257320" cy="785160"/>
           </a:xfrm>
           <a:prstGeom prst="rect">
             <a:avLst/>
@@ -3674,16 +3318,22 @@
             <a:noFill/>
           </a:ln>
         </p:spPr>
+        <p:style>
+          <a:lnRef idx="0"/>
+          <a:fillRef idx="0"/>
+          <a:effectRef idx="0"/>
+          <a:fontRef idx="minor"/>
+        </p:style>
         <p:txBody>
-          <a:bodyPr anchor="ctr"/>
-          <a:p>
-            <a:pPr marL="571680" indent="-571320">
-              <a:lnSpc>
-                <a:spcPct val="100000"/>
-              </a:lnSpc>
-            </a:pPr>
-            <a:r>
-              <a:rPr lang="es-ES" sz="3200" spc="-1" strike="noStrike">
+          <a:bodyPr lIns="90000" rIns="90000" tIns="45000" bIns="45000" anchor="ctr"/>
+          <a:p>
+            <a:pPr marL="571680" indent="-570960">
+              <a:lnSpc>
+                <a:spcPct val="100000"/>
+              </a:lnSpc>
+            </a:pPr>
+            <a:r>
+              <a:rPr lang="en-US" sz="3200" spc="-1" strike="noStrike">
                 <a:solidFill>
                   <a:srgbClr val="000000"/>
                 </a:solidFill>
@@ -3702,7 +3352,7 @@
       </p:sp>
       <p:pic>
         <p:nvPicPr>
-          <p:cNvPr id="114" name="Shape 90" descr=""/>
+          <p:cNvPr id="108" name="Shape 90" descr=""/>
           <p:cNvPicPr/>
           <p:nvPr/>
         </p:nvPicPr>
@@ -3713,7 +3363,7 @@
         <p:spPr>
           <a:xfrm>
             <a:off x="1223280" y="2520000"/>
-            <a:ext cx="6552720" cy="3416040"/>
+            <a:ext cx="6552360" cy="3415680"/>
           </a:xfrm>
           <a:prstGeom prst="rect">
             <a:avLst/>
@@ -3774,14 +3424,14 @@
       </p:grpSpPr>
       <p:sp>
         <p:nvSpPr>
-          <p:cNvPr id="115" name="TextShape 1"/>
-          <p:cNvSpPr txBox="1"/>
+          <p:cNvPr id="109" name="CustomShape 1"/>
+          <p:cNvSpPr/>
           <p:nvPr/>
         </p:nvSpPr>
         <p:spPr>
           <a:xfrm>
             <a:off x="457200" y="1714320"/>
-            <a:ext cx="8229240" cy="4411440"/>
+            <a:ext cx="8228880" cy="4411080"/>
           </a:xfrm>
           <a:prstGeom prst="rect">
             <a:avLst/>
@@ -3791,16 +3441,22 @@
             <a:noFill/>
           </a:ln>
         </p:spPr>
+        <p:style>
+          <a:lnRef idx="0"/>
+          <a:fillRef idx="0"/>
+          <a:effectRef idx="0"/>
+          <a:fontRef idx="minor"/>
+        </p:style>
         <p:txBody>
-          <a:bodyPr/>
-          <a:p>
-            <a:pPr marL="343080" indent="-342720">
-              <a:lnSpc>
-                <a:spcPct val="100000"/>
-              </a:lnSpc>
-            </a:pPr>
-            <a:r>
-              <a:rPr b="1" lang="es-ES" sz="1500" spc="-1" strike="noStrike" u="sng">
+          <a:bodyPr lIns="90000" rIns="90000" tIns="45000" bIns="45000"/>
+          <a:p>
+            <a:pPr marL="343080" indent="-342360">
+              <a:lnSpc>
+                <a:spcPct val="100000"/>
+              </a:lnSpc>
+            </a:pPr>
+            <a:r>
+              <a:rPr b="1" lang="en-US" sz="1500" spc="-1" strike="noStrike" u="sng">
                 <a:solidFill>
                   <a:srgbClr val="c00000"/>
                 </a:solidFill>
@@ -3816,13 +3472,13 @@
             <a:endParaRPr/>
           </a:p>
           <a:p>
-            <a:pPr marL="343080" indent="-342720">
-              <a:lnSpc>
-                <a:spcPct val="100000"/>
-              </a:lnSpc>
-            </a:pPr>
-            <a:r>
-              <a:rPr lang="es-ES" sz="1500" spc="-1" strike="noStrike">
+            <a:pPr marL="343080" indent="-342360">
+              <a:lnSpc>
+                <a:spcPct val="100000"/>
+              </a:lnSpc>
+            </a:pPr>
+            <a:r>
+              <a:rPr lang="en-US" sz="1500" spc="-1" strike="noStrike">
                 <a:solidFill>
                   <a:srgbClr val="000000"/>
                 </a:solidFill>
@@ -3841,14 +3497,14 @@
       </p:sp>
       <p:sp>
         <p:nvSpPr>
-          <p:cNvPr id="116" name="CustomShape 2"/>
+          <p:cNvPr id="110" name="CustomShape 2"/>
           <p:cNvSpPr/>
           <p:nvPr/>
         </p:nvSpPr>
         <p:spPr>
           <a:xfrm>
             <a:off x="0" y="6572160"/>
-            <a:ext cx="785520" cy="285480"/>
+            <a:ext cx="785160" cy="285120"/>
           </a:xfrm>
           <a:prstGeom prst="rect">
             <a:avLst/>
@@ -3880,14 +3536,14 @@
       </p:sp>
       <p:sp>
         <p:nvSpPr>
-          <p:cNvPr id="117" name="TextShape 3"/>
-          <p:cNvSpPr txBox="1"/>
+          <p:cNvPr id="111" name="CustomShape 3"/>
+          <p:cNvSpPr/>
           <p:nvPr/>
         </p:nvSpPr>
         <p:spPr>
           <a:xfrm>
             <a:off x="428760" y="642960"/>
-            <a:ext cx="8257680" cy="785520"/>
+            <a:ext cx="8257320" cy="785160"/>
           </a:xfrm>
           <a:prstGeom prst="rect">
             <a:avLst/>
@@ -3897,16 +3553,22 @@
             <a:noFill/>
           </a:ln>
         </p:spPr>
+        <p:style>
+          <a:lnRef idx="0"/>
+          <a:fillRef idx="0"/>
+          <a:effectRef idx="0"/>
+          <a:fontRef idx="minor"/>
+        </p:style>
         <p:txBody>
-          <a:bodyPr anchor="ctr"/>
-          <a:p>
-            <a:pPr marL="571680" indent="-571320">
-              <a:lnSpc>
-                <a:spcPct val="100000"/>
-              </a:lnSpc>
-            </a:pPr>
-            <a:r>
-              <a:rPr lang="es-ES" sz="3200" spc="-1" strike="noStrike">
+          <a:bodyPr lIns="90000" rIns="90000" tIns="45000" bIns="45000" anchor="ctr"/>
+          <a:p>
+            <a:pPr marL="571680" indent="-570960">
+              <a:lnSpc>
+                <a:spcPct val="100000"/>
+              </a:lnSpc>
+            </a:pPr>
+            <a:r>
+              <a:rPr lang="en-US" sz="3200" spc="-1" strike="noStrike">
                 <a:solidFill>
                   <a:srgbClr val="000000"/>
                 </a:solidFill>
@@ -3925,7 +3587,7 @@
       </p:sp>
       <p:pic>
         <p:nvPicPr>
-          <p:cNvPr id="118" name="Shape 96" descr=""/>
+          <p:cNvPr id="112" name="Shape 96" descr=""/>
           <p:cNvPicPr/>
           <p:nvPr/>
         </p:nvPicPr>
@@ -3936,7 +3598,7 @@
         <p:spPr>
           <a:xfrm>
             <a:off x="1440000" y="2175840"/>
-            <a:ext cx="6552720" cy="3800160"/>
+            <a:ext cx="6552360" cy="3799800"/>
           </a:xfrm>
           <a:prstGeom prst="rect">
             <a:avLst/>
@@ -3997,14 +3659,14 @@
       </p:grpSpPr>
       <p:sp>
         <p:nvSpPr>
-          <p:cNvPr id="119" name="TextShape 1"/>
-          <p:cNvSpPr txBox="1"/>
+          <p:cNvPr id="113" name="CustomShape 1"/>
+          <p:cNvSpPr/>
           <p:nvPr/>
         </p:nvSpPr>
         <p:spPr>
           <a:xfrm>
             <a:off x="457200" y="1714320"/>
-            <a:ext cx="8229240" cy="4411440"/>
+            <a:ext cx="8228880" cy="4411080"/>
           </a:xfrm>
           <a:prstGeom prst="rect">
             <a:avLst/>
@@ -4014,16 +3676,22 @@
             <a:noFill/>
           </a:ln>
         </p:spPr>
+        <p:style>
+          <a:lnRef idx="0"/>
+          <a:fillRef idx="0"/>
+          <a:effectRef idx="0"/>
+          <a:fontRef idx="minor"/>
+        </p:style>
         <p:txBody>
-          <a:bodyPr/>
-          <a:p>
-            <a:pPr marL="343080" indent="-342720">
-              <a:lnSpc>
-                <a:spcPct val="100000"/>
-              </a:lnSpc>
-            </a:pPr>
-            <a:r>
-              <a:rPr b="1" lang="es-ES" sz="1500" spc="-1" strike="noStrike" u="sng">
+          <a:bodyPr lIns="90000" rIns="90000" tIns="45000" bIns="45000"/>
+          <a:p>
+            <a:pPr marL="343080" indent="-342360">
+              <a:lnSpc>
+                <a:spcPct val="100000"/>
+              </a:lnSpc>
+            </a:pPr>
+            <a:r>
+              <a:rPr b="1" lang="en-US" sz="1500" spc="-1" strike="noStrike" u="sng">
                 <a:solidFill>
                   <a:srgbClr val="c00000"/>
                 </a:solidFill>
@@ -4039,21 +3707,21 @@
             <a:endParaRPr/>
           </a:p>
           <a:p>
-            <a:pPr marL="343080" indent="-342720">
-              <a:lnSpc>
-                <a:spcPct val="100000"/>
-              </a:lnSpc>
-            </a:pPr>
-            <a:endParaRPr/>
-          </a:p>
-          <a:p>
-            <a:pPr marL="343080" indent="-342720">
-              <a:lnSpc>
-                <a:spcPct val="100000"/>
-              </a:lnSpc>
-            </a:pPr>
-            <a:r>
-              <a:rPr lang="es-ES" sz="1500" spc="-1" strike="noStrike">
+            <a:pPr marL="343080" indent="-342360">
+              <a:lnSpc>
+                <a:spcPct val="100000"/>
+              </a:lnSpc>
+            </a:pPr>
+            <a:endParaRPr/>
+          </a:p>
+          <a:p>
+            <a:pPr marL="343080" indent="-342360">
+              <a:lnSpc>
+                <a:spcPct val="100000"/>
+              </a:lnSpc>
+            </a:pPr>
+            <a:r>
+              <a:rPr lang="en-US" sz="1500" spc="-1" strike="noStrike">
                 <a:solidFill>
                   <a:srgbClr val="000000"/>
                 </a:solidFill>
@@ -4067,7 +3735,7 @@
               <a:t>For our mock-ups, we decided to do it with</a:t>
             </a:r>
             <a:r>
-              <a:rPr lang="es-ES" sz="1500" spc="-1" strike="noStrike">
+              <a:rPr lang="en-US" sz="1500" spc="-1" strike="noStrike">
                 <a:solidFill>
                   <a:srgbClr val="464af4"/>
                 </a:solidFill>
@@ -4081,7 +3749,7 @@
               <a:t> Invasion </a:t>
             </a:r>
             <a:r>
-              <a:rPr lang="es-ES" sz="1500" spc="-1" strike="noStrike">
+              <a:rPr lang="en-US" sz="1500" spc="-1" strike="noStrike">
                 <a:solidFill>
                   <a:srgbClr val="000000"/>
                 </a:solidFill>
@@ -4097,13 +3765,13 @@
             <a:endParaRPr/>
           </a:p>
           <a:p>
-            <a:pPr marL="343080" indent="-342720">
-              <a:lnSpc>
-                <a:spcPct val="100000"/>
-              </a:lnSpc>
-            </a:pPr>
-            <a:r>
-              <a:rPr lang="es-ES" sz="1500" spc="-1" strike="noStrike">
+            <a:pPr marL="343080" indent="-342360">
+              <a:lnSpc>
+                <a:spcPct val="100000"/>
+              </a:lnSpc>
+            </a:pPr>
+            <a:r>
+              <a:rPr lang="en-US" sz="1500" spc="-1" strike="noStrike">
                 <a:solidFill>
                   <a:srgbClr val="464af4"/>
                 </a:solidFill>
@@ -4117,7 +3785,7 @@
               <a:t> </a:t>
             </a:r>
             <a:r>
-              <a:rPr lang="es-ES" sz="1500" spc="-1" strike="noStrike">
+              <a:rPr lang="en-US" sz="1500" spc="-1" strike="noStrike">
                 <a:solidFill>
                   <a:srgbClr val="000000"/>
                 </a:solidFill>
@@ -4133,21 +3801,21 @@
             <a:endParaRPr/>
           </a:p>
           <a:p>
-            <a:pPr marL="343080" indent="-342720">
-              <a:lnSpc>
-                <a:spcPct val="100000"/>
-              </a:lnSpc>
-            </a:pPr>
-            <a:endParaRPr/>
-          </a:p>
-          <a:p>
-            <a:pPr marL="343080" indent="-342720">
-              <a:lnSpc>
-                <a:spcPct val="100000"/>
-              </a:lnSpc>
-            </a:pPr>
-            <a:r>
-              <a:rPr lang="es-ES" sz="1600" spc="-1" strike="noStrike" u="sng">
+            <a:pPr marL="343080" indent="-342360">
+              <a:lnSpc>
+                <a:spcPct val="100000"/>
+              </a:lnSpc>
+            </a:pPr>
+            <a:endParaRPr/>
+          </a:p>
+          <a:p>
+            <a:pPr marL="343080" indent="-342360">
+              <a:lnSpc>
+                <a:spcPct val="100000"/>
+              </a:lnSpc>
+            </a:pPr>
+            <a:r>
+              <a:rPr lang="en-US" sz="1600" spc="-1" strike="noStrike" u="sng">
                 <a:solidFill>
                   <a:srgbClr val="009999"/>
                 </a:solidFill>
@@ -4158,44 +3826,44 @@
                 </a:uFill>
                 <a:latin typeface="Arial"/>
               </a:rPr>
-              <a:t>https://invis.io/RH6081GST</a:t>
-            </a:r>
-            <a:endParaRPr/>
-          </a:p>
-          <a:p>
-            <a:pPr marL="343080" indent="-342720">
-              <a:lnSpc>
-                <a:spcPct val="100000"/>
-              </a:lnSpc>
-            </a:pPr>
-            <a:endParaRPr/>
-          </a:p>
-          <a:p>
-            <a:pPr marL="343080" indent="-342720">
-              <a:lnSpc>
-                <a:spcPct val="100000"/>
-              </a:lnSpc>
-            </a:pPr>
-            <a:endParaRPr/>
-          </a:p>
-          <a:p>
-            <a:pPr marL="343080" indent="-342720">
-              <a:lnSpc>
-                <a:spcPct val="100000"/>
-              </a:lnSpc>
-            </a:pPr>
-            <a:endParaRPr/>
-          </a:p>
-          <a:p>
-            <a:pPr marL="343080" indent="-342720">
-              <a:lnSpc>
-                <a:spcPct val="100000"/>
-              </a:lnSpc>
-            </a:pPr>
-            <a:endParaRPr/>
-          </a:p>
-          <a:p>
-            <a:pPr marL="343080" indent="-342720">
+              <a:t>https://invis.io/VW60KMLEY</a:t>
+            </a:r>
+            <a:endParaRPr/>
+          </a:p>
+          <a:p>
+            <a:pPr marL="343080" indent="-342360">
+              <a:lnSpc>
+                <a:spcPct val="100000"/>
+              </a:lnSpc>
+            </a:pPr>
+            <a:endParaRPr/>
+          </a:p>
+          <a:p>
+            <a:pPr marL="343080" indent="-342360">
+              <a:lnSpc>
+                <a:spcPct val="100000"/>
+              </a:lnSpc>
+            </a:pPr>
+            <a:endParaRPr/>
+          </a:p>
+          <a:p>
+            <a:pPr marL="343080" indent="-342360">
+              <a:lnSpc>
+                <a:spcPct val="100000"/>
+              </a:lnSpc>
+            </a:pPr>
+            <a:endParaRPr/>
+          </a:p>
+          <a:p>
+            <a:pPr marL="343080" indent="-342360">
+              <a:lnSpc>
+                <a:spcPct val="100000"/>
+              </a:lnSpc>
+            </a:pPr>
+            <a:endParaRPr/>
+          </a:p>
+          <a:p>
+            <a:pPr marL="343080" indent="-342360">
               <a:lnSpc>
                 <a:spcPct val="100000"/>
               </a:lnSpc>
@@ -4206,14 +3874,14 @@
       </p:sp>
       <p:sp>
         <p:nvSpPr>
-          <p:cNvPr id="120" name="CustomShape 2"/>
+          <p:cNvPr id="114" name="CustomShape 2"/>
           <p:cNvSpPr/>
           <p:nvPr/>
         </p:nvSpPr>
         <p:spPr>
           <a:xfrm>
             <a:off x="0" y="6572160"/>
-            <a:ext cx="785520" cy="285480"/>
+            <a:ext cx="785160" cy="285120"/>
           </a:xfrm>
           <a:prstGeom prst="rect">
             <a:avLst/>
@@ -4245,14 +3913,14 @@
       </p:sp>
       <p:sp>
         <p:nvSpPr>
-          <p:cNvPr id="121" name="TextShape 3"/>
-          <p:cNvSpPr txBox="1"/>
+          <p:cNvPr id="115" name="CustomShape 3"/>
+          <p:cNvSpPr/>
           <p:nvPr/>
         </p:nvSpPr>
         <p:spPr>
           <a:xfrm>
             <a:off x="428760" y="642960"/>
-            <a:ext cx="8257680" cy="785520"/>
+            <a:ext cx="8257320" cy="785160"/>
           </a:xfrm>
           <a:prstGeom prst="rect">
             <a:avLst/>
@@ -4262,16 +3930,22 @@
             <a:noFill/>
           </a:ln>
         </p:spPr>
+        <p:style>
+          <a:lnRef idx="0"/>
+          <a:fillRef idx="0"/>
+          <a:effectRef idx="0"/>
+          <a:fontRef idx="minor"/>
+        </p:style>
         <p:txBody>
-          <a:bodyPr anchor="ctr"/>
-          <a:p>
-            <a:pPr marL="571680" indent="-571320">
-              <a:lnSpc>
-                <a:spcPct val="100000"/>
-              </a:lnSpc>
-            </a:pPr>
-            <a:r>
-              <a:rPr lang="es-ES" sz="3200" spc="-1" strike="noStrike">
+          <a:bodyPr lIns="90000" rIns="90000" tIns="45000" bIns="45000" anchor="ctr"/>
+          <a:p>
+            <a:pPr marL="571680" indent="-570960">
+              <a:lnSpc>
+                <a:spcPct val="100000"/>
+              </a:lnSpc>
+            </a:pPr>
+            <a:r>
+              <a:rPr lang="en-US" sz="3200" spc="-1" strike="noStrike">
                 <a:solidFill>
                   <a:srgbClr val="000000"/>
                 </a:solidFill>
@@ -4339,14 +4013,14 @@
       </p:grpSpPr>
       <p:sp>
         <p:nvSpPr>
-          <p:cNvPr id="122" name="TextShape 1"/>
-          <p:cNvSpPr txBox="1"/>
+          <p:cNvPr id="116" name="CustomShape 1"/>
+          <p:cNvSpPr/>
           <p:nvPr/>
         </p:nvSpPr>
         <p:spPr>
           <a:xfrm>
             <a:off x="457200" y="1714320"/>
-            <a:ext cx="8229240" cy="4411440"/>
+            <a:ext cx="8228880" cy="4411080"/>
           </a:xfrm>
           <a:prstGeom prst="rect">
             <a:avLst/>
@@ -4356,16 +4030,22 @@
             <a:noFill/>
           </a:ln>
         </p:spPr>
+        <p:style>
+          <a:lnRef idx="0"/>
+          <a:fillRef idx="0"/>
+          <a:effectRef idx="0"/>
+          <a:fontRef idx="minor"/>
+        </p:style>
         <p:txBody>
-          <a:bodyPr/>
-          <a:p>
-            <a:pPr marL="343080" indent="-342720">
-              <a:lnSpc>
-                <a:spcPct val="100000"/>
-              </a:lnSpc>
-            </a:pPr>
-            <a:r>
-              <a:rPr b="1" lang="es-ES" sz="1500" spc="-1" strike="noStrike" u="sng">
+          <a:bodyPr lIns="90000" rIns="90000" tIns="45000" bIns="45000"/>
+          <a:p>
+            <a:pPr marL="343080" indent="-342360">
+              <a:lnSpc>
+                <a:spcPct val="100000"/>
+              </a:lnSpc>
+            </a:pPr>
+            <a:r>
+              <a:rPr b="1" lang="en-US" sz="1500" spc="-1" strike="noStrike" u="sng">
                 <a:solidFill>
                   <a:srgbClr val="c00000"/>
                 </a:solidFill>
@@ -4381,13 +4061,13 @@
             <a:endParaRPr/>
           </a:p>
           <a:p>
-            <a:pPr marL="343080" indent="-342720">
-              <a:lnSpc>
-                <a:spcPct val="100000"/>
-              </a:lnSpc>
-            </a:pPr>
-            <a:r>
-              <a:rPr lang="es-ES" sz="1500" spc="-1" strike="noStrike">
+            <a:pPr marL="343080" indent="-342360">
+              <a:lnSpc>
+                <a:spcPct val="100000"/>
+              </a:lnSpc>
+            </a:pPr>
+            <a:r>
+              <a:rPr lang="en-US" sz="1500" spc="-1" strike="noStrike">
                 <a:solidFill>
                   <a:srgbClr val="000000"/>
                 </a:solidFill>
@@ -4403,13 +4083,13 @@
             <a:endParaRPr/>
           </a:p>
           <a:p>
-            <a:pPr marL="343080" indent="-342720">
-              <a:lnSpc>
-                <a:spcPct val="100000"/>
-              </a:lnSpc>
-            </a:pPr>
-            <a:r>
-              <a:rPr lang="es-ES" sz="1500" spc="-1" strike="noStrike">
+            <a:pPr marL="343080" indent="-342360">
+              <a:lnSpc>
+                <a:spcPct val="100000"/>
+              </a:lnSpc>
+            </a:pPr>
+            <a:r>
+              <a:rPr lang="en-US" sz="1500" spc="-1" strike="noStrike">
                 <a:solidFill>
                   <a:srgbClr val="000000"/>
                 </a:solidFill>
@@ -4423,7 +4103,7 @@
               <a:t>This is the web-services for our </a:t>
             </a:r>
             <a:r>
-              <a:rPr lang="es-ES" sz="1500" spc="-1" strike="noStrike">
+              <a:rPr lang="en-US" sz="1500" spc="-1" strike="noStrike">
                 <a:solidFill>
                   <a:srgbClr val="464af4"/>
                 </a:solidFill>
@@ -4439,151 +4119,151 @@
             <a:endParaRPr/>
           </a:p>
           <a:p>
-            <a:pPr marL="343080" indent="-342720">
-              <a:lnSpc>
-                <a:spcPct val="100000"/>
-              </a:lnSpc>
-            </a:pPr>
-            <a:endParaRPr/>
-          </a:p>
-          <a:p>
-            <a:pPr marL="343080" indent="-342720">
-              <a:lnSpc>
-                <a:spcPct val="100000"/>
-              </a:lnSpc>
-            </a:pPr>
-            <a:endParaRPr/>
-          </a:p>
-          <a:p>
-            <a:pPr marL="343080" indent="-342720">
-              <a:lnSpc>
-                <a:spcPct val="100000"/>
-              </a:lnSpc>
-            </a:pPr>
-            <a:endParaRPr/>
-          </a:p>
-          <a:p>
-            <a:pPr marL="343080" indent="-342720">
-              <a:lnSpc>
-                <a:spcPct val="100000"/>
-              </a:lnSpc>
-            </a:pPr>
-            <a:endParaRPr/>
-          </a:p>
-          <a:p>
-            <a:pPr marL="343080" indent="-342720">
-              <a:lnSpc>
-                <a:spcPct val="100000"/>
-              </a:lnSpc>
-            </a:pPr>
-            <a:endParaRPr/>
-          </a:p>
-          <a:p>
-            <a:pPr marL="343080" indent="-342720">
-              <a:lnSpc>
-                <a:spcPct val="100000"/>
-              </a:lnSpc>
-            </a:pPr>
-            <a:endParaRPr/>
-          </a:p>
-          <a:p>
-            <a:pPr marL="343080" indent="-342720">
-              <a:lnSpc>
-                <a:spcPct val="100000"/>
-              </a:lnSpc>
-            </a:pPr>
-            <a:endParaRPr/>
-          </a:p>
-          <a:p>
-            <a:pPr marL="343080" indent="-342720">
-              <a:lnSpc>
-                <a:spcPct val="100000"/>
-              </a:lnSpc>
-            </a:pPr>
-            <a:endParaRPr/>
-          </a:p>
-          <a:p>
-            <a:pPr marL="343080" indent="-342720">
-              <a:lnSpc>
-                <a:spcPct val="100000"/>
-              </a:lnSpc>
-            </a:pPr>
-            <a:endParaRPr/>
-          </a:p>
-          <a:p>
-            <a:pPr marL="343080" indent="-342720">
-              <a:lnSpc>
-                <a:spcPct val="100000"/>
-              </a:lnSpc>
-            </a:pPr>
-            <a:endParaRPr/>
-          </a:p>
-          <a:p>
-            <a:pPr marL="343080" indent="-342720">
-              <a:lnSpc>
-                <a:spcPct val="100000"/>
-              </a:lnSpc>
-            </a:pPr>
-            <a:endParaRPr/>
-          </a:p>
-          <a:p>
-            <a:pPr marL="343080" indent="-342720">
-              <a:lnSpc>
-                <a:spcPct val="100000"/>
-              </a:lnSpc>
-            </a:pPr>
-            <a:endParaRPr/>
-          </a:p>
-          <a:p>
-            <a:pPr marL="343080" indent="-342720">
-              <a:lnSpc>
-                <a:spcPct val="100000"/>
-              </a:lnSpc>
-            </a:pPr>
-            <a:endParaRPr/>
-          </a:p>
-          <a:p>
-            <a:pPr marL="343080" indent="-342720">
-              <a:lnSpc>
-                <a:spcPct val="100000"/>
-              </a:lnSpc>
-            </a:pPr>
-            <a:endParaRPr/>
-          </a:p>
-          <a:p>
-            <a:pPr marL="343080" indent="-342720">
-              <a:lnSpc>
-                <a:spcPct val="100000"/>
-              </a:lnSpc>
-            </a:pPr>
-            <a:endParaRPr/>
-          </a:p>
-          <a:p>
-            <a:pPr marL="343080" indent="-342720">
-              <a:lnSpc>
-                <a:spcPct val="100000"/>
-              </a:lnSpc>
-            </a:pPr>
-            <a:endParaRPr/>
-          </a:p>
-          <a:p>
-            <a:pPr marL="343080" indent="-342720">
-              <a:lnSpc>
-                <a:spcPct val="100000"/>
-              </a:lnSpc>
-            </a:pPr>
-            <a:endParaRPr/>
-          </a:p>
-          <a:p>
-            <a:pPr marL="343080" indent="-342720">
-              <a:lnSpc>
-                <a:spcPct val="100000"/>
-              </a:lnSpc>
-            </a:pPr>
-            <a:endParaRPr/>
-          </a:p>
-          <a:p>
-            <a:pPr marL="343080" indent="-342720">
+            <a:pPr marL="343080" indent="-342360">
+              <a:lnSpc>
+                <a:spcPct val="100000"/>
+              </a:lnSpc>
+            </a:pPr>
+            <a:endParaRPr/>
+          </a:p>
+          <a:p>
+            <a:pPr marL="343080" indent="-342360">
+              <a:lnSpc>
+                <a:spcPct val="100000"/>
+              </a:lnSpc>
+            </a:pPr>
+            <a:endParaRPr/>
+          </a:p>
+          <a:p>
+            <a:pPr marL="343080" indent="-342360">
+              <a:lnSpc>
+                <a:spcPct val="100000"/>
+              </a:lnSpc>
+            </a:pPr>
+            <a:endParaRPr/>
+          </a:p>
+          <a:p>
+            <a:pPr marL="343080" indent="-342360">
+              <a:lnSpc>
+                <a:spcPct val="100000"/>
+              </a:lnSpc>
+            </a:pPr>
+            <a:endParaRPr/>
+          </a:p>
+          <a:p>
+            <a:pPr marL="343080" indent="-342360">
+              <a:lnSpc>
+                <a:spcPct val="100000"/>
+              </a:lnSpc>
+            </a:pPr>
+            <a:endParaRPr/>
+          </a:p>
+          <a:p>
+            <a:pPr marL="343080" indent="-342360">
+              <a:lnSpc>
+                <a:spcPct val="100000"/>
+              </a:lnSpc>
+            </a:pPr>
+            <a:endParaRPr/>
+          </a:p>
+          <a:p>
+            <a:pPr marL="343080" indent="-342360">
+              <a:lnSpc>
+                <a:spcPct val="100000"/>
+              </a:lnSpc>
+            </a:pPr>
+            <a:endParaRPr/>
+          </a:p>
+          <a:p>
+            <a:pPr marL="343080" indent="-342360">
+              <a:lnSpc>
+                <a:spcPct val="100000"/>
+              </a:lnSpc>
+            </a:pPr>
+            <a:endParaRPr/>
+          </a:p>
+          <a:p>
+            <a:pPr marL="343080" indent="-342360">
+              <a:lnSpc>
+                <a:spcPct val="100000"/>
+              </a:lnSpc>
+            </a:pPr>
+            <a:endParaRPr/>
+          </a:p>
+          <a:p>
+            <a:pPr marL="343080" indent="-342360">
+              <a:lnSpc>
+                <a:spcPct val="100000"/>
+              </a:lnSpc>
+            </a:pPr>
+            <a:endParaRPr/>
+          </a:p>
+          <a:p>
+            <a:pPr marL="343080" indent="-342360">
+              <a:lnSpc>
+                <a:spcPct val="100000"/>
+              </a:lnSpc>
+            </a:pPr>
+            <a:endParaRPr/>
+          </a:p>
+          <a:p>
+            <a:pPr marL="343080" indent="-342360">
+              <a:lnSpc>
+                <a:spcPct val="100000"/>
+              </a:lnSpc>
+            </a:pPr>
+            <a:endParaRPr/>
+          </a:p>
+          <a:p>
+            <a:pPr marL="343080" indent="-342360">
+              <a:lnSpc>
+                <a:spcPct val="100000"/>
+              </a:lnSpc>
+            </a:pPr>
+            <a:endParaRPr/>
+          </a:p>
+          <a:p>
+            <a:pPr marL="343080" indent="-342360">
+              <a:lnSpc>
+                <a:spcPct val="100000"/>
+              </a:lnSpc>
+            </a:pPr>
+            <a:endParaRPr/>
+          </a:p>
+          <a:p>
+            <a:pPr marL="343080" indent="-342360">
+              <a:lnSpc>
+                <a:spcPct val="100000"/>
+              </a:lnSpc>
+            </a:pPr>
+            <a:endParaRPr/>
+          </a:p>
+          <a:p>
+            <a:pPr marL="343080" indent="-342360">
+              <a:lnSpc>
+                <a:spcPct val="100000"/>
+              </a:lnSpc>
+            </a:pPr>
+            <a:endParaRPr/>
+          </a:p>
+          <a:p>
+            <a:pPr marL="343080" indent="-342360">
+              <a:lnSpc>
+                <a:spcPct val="100000"/>
+              </a:lnSpc>
+            </a:pPr>
+            <a:endParaRPr/>
+          </a:p>
+          <a:p>
+            <a:pPr marL="343080" indent="-342360">
+              <a:lnSpc>
+                <a:spcPct val="100000"/>
+              </a:lnSpc>
+            </a:pPr>
+            <a:endParaRPr/>
+          </a:p>
+          <a:p>
+            <a:pPr marL="343080" indent="-342360">
               <a:lnSpc>
                 <a:spcPct val="100000"/>
               </a:lnSpc>
@@ -4594,14 +4274,14 @@
       </p:sp>
       <p:sp>
         <p:nvSpPr>
-          <p:cNvPr id="123" name="CustomShape 2"/>
+          <p:cNvPr id="117" name="CustomShape 2"/>
           <p:cNvSpPr/>
           <p:nvPr/>
         </p:nvSpPr>
         <p:spPr>
           <a:xfrm>
             <a:off x="0" y="6572160"/>
-            <a:ext cx="785520" cy="285480"/>
+            <a:ext cx="785160" cy="285120"/>
           </a:xfrm>
           <a:prstGeom prst="rect">
             <a:avLst/>
@@ -4633,14 +4313,14 @@
       </p:sp>
       <p:sp>
         <p:nvSpPr>
-          <p:cNvPr id="124" name="TextShape 3"/>
-          <p:cNvSpPr txBox="1"/>
+          <p:cNvPr id="118" name="CustomShape 3"/>
+          <p:cNvSpPr/>
           <p:nvPr/>
         </p:nvSpPr>
         <p:spPr>
           <a:xfrm>
             <a:off x="428760" y="642960"/>
-            <a:ext cx="8257680" cy="785520"/>
+            <a:ext cx="8257320" cy="785160"/>
           </a:xfrm>
           <a:prstGeom prst="rect">
             <a:avLst/>
@@ -4650,16 +4330,22 @@
             <a:noFill/>
           </a:ln>
         </p:spPr>
+        <p:style>
+          <a:lnRef idx="0"/>
+          <a:fillRef idx="0"/>
+          <a:effectRef idx="0"/>
+          <a:fontRef idx="minor"/>
+        </p:style>
         <p:txBody>
-          <a:bodyPr anchor="ctr"/>
-          <a:p>
-            <a:pPr marL="571680" indent="-571320">
-              <a:lnSpc>
-                <a:spcPct val="100000"/>
-              </a:lnSpc>
-            </a:pPr>
-            <a:r>
-              <a:rPr lang="es-ES" sz="3200" spc="-1" strike="noStrike">
+          <a:bodyPr lIns="90000" rIns="90000" tIns="45000" bIns="45000" anchor="ctr"/>
+          <a:p>
+            <a:pPr marL="571680" indent="-570960">
+              <a:lnSpc>
+                <a:spcPct val="100000"/>
+              </a:lnSpc>
+            </a:pPr>
+            <a:r>
+              <a:rPr lang="en-US" sz="3200" spc="-1" strike="noStrike">
                 <a:solidFill>
                   <a:srgbClr val="000000"/>
                 </a:solidFill>
@@ -4678,7 +4364,7 @@
       </p:sp>
       <p:pic>
         <p:nvPicPr>
-          <p:cNvPr id="125" name="Shape 81" descr=""/>
+          <p:cNvPr id="119" name="Shape 81" descr=""/>
           <p:cNvPicPr/>
           <p:nvPr/>
         </p:nvPicPr>
@@ -4689,7 +4375,7 @@
         <p:spPr>
           <a:xfrm>
             <a:off x="0" y="2571840"/>
-            <a:ext cx="9143640" cy="3913200"/>
+            <a:ext cx="9143280" cy="3912840"/>
           </a:xfrm>
           <a:prstGeom prst="rect">
             <a:avLst/>
@@ -4750,14 +4436,14 @@
       </p:grpSpPr>
       <p:sp>
         <p:nvSpPr>
-          <p:cNvPr id="126" name="TextShape 1"/>
-          <p:cNvSpPr txBox="1"/>
+          <p:cNvPr id="120" name="CustomShape 1"/>
+          <p:cNvSpPr/>
           <p:nvPr/>
         </p:nvSpPr>
         <p:spPr>
           <a:xfrm>
             <a:off x="457200" y="1714320"/>
-            <a:ext cx="8229240" cy="4411440"/>
+            <a:ext cx="8228880" cy="4411080"/>
           </a:xfrm>
           <a:prstGeom prst="rect">
             <a:avLst/>
@@ -4767,16 +4453,22 @@
             <a:noFill/>
           </a:ln>
         </p:spPr>
+        <p:style>
+          <a:lnRef idx="0"/>
+          <a:fillRef idx="0"/>
+          <a:effectRef idx="0"/>
+          <a:fontRef idx="minor"/>
+        </p:style>
         <p:txBody>
-          <a:bodyPr/>
-          <a:p>
-            <a:pPr marL="343080" indent="-342720">
-              <a:lnSpc>
-                <a:spcPct val="100000"/>
-              </a:lnSpc>
-            </a:pPr>
-            <a:r>
-              <a:rPr b="1" lang="es-ES" sz="1500" spc="-1" strike="noStrike" u="sng">
+          <a:bodyPr lIns="90000" rIns="90000" tIns="45000" bIns="45000"/>
+          <a:p>
+            <a:pPr marL="343080" indent="-342360">
+              <a:lnSpc>
+                <a:spcPct val="100000"/>
+              </a:lnSpc>
+            </a:pPr>
+            <a:r>
+              <a:rPr b="1" lang="en-US" sz="1500" spc="-1" strike="noStrike" u="sng">
                 <a:solidFill>
                   <a:srgbClr val="c00000"/>
                 </a:solidFill>
@@ -4792,13 +4484,13 @@
             <a:endParaRPr/>
           </a:p>
           <a:p>
-            <a:pPr marL="343080" indent="-342720">
-              <a:lnSpc>
-                <a:spcPct val="100000"/>
-              </a:lnSpc>
-            </a:pPr>
-            <a:r>
-              <a:rPr lang="es-ES" sz="1500" spc="-1" strike="noStrike">
+            <a:pPr marL="343080" indent="-342360">
+              <a:lnSpc>
+                <a:spcPct val="100000"/>
+              </a:lnSpc>
+            </a:pPr>
+            <a:r>
+              <a:rPr lang="en-US" sz="1500" spc="-1" strike="noStrike">
                 <a:solidFill>
                   <a:srgbClr val="000000"/>
                 </a:solidFill>
@@ -4812,7 +4504,7 @@
               <a:t>This is the web-services for our </a:t>
             </a:r>
             <a:r>
-              <a:rPr lang="es-ES" sz="1500" spc="-1" strike="noStrike">
+              <a:rPr lang="en-US" sz="1500" spc="-1" strike="noStrike">
                 <a:solidFill>
                   <a:srgbClr val="464af4"/>
                 </a:solidFill>
@@ -4828,125 +4520,125 @@
             <a:endParaRPr/>
           </a:p>
           <a:p>
-            <a:pPr marL="343080" indent="-342720">
-              <a:lnSpc>
-                <a:spcPct val="100000"/>
-              </a:lnSpc>
-            </a:pPr>
-            <a:endParaRPr/>
-          </a:p>
-          <a:p>
-            <a:pPr marL="343080" indent="-342720">
-              <a:lnSpc>
-                <a:spcPct val="100000"/>
-              </a:lnSpc>
-            </a:pPr>
-            <a:endParaRPr/>
-          </a:p>
-          <a:p>
-            <a:pPr marL="343080" indent="-342720">
-              <a:lnSpc>
-                <a:spcPct val="100000"/>
-              </a:lnSpc>
-            </a:pPr>
-            <a:endParaRPr/>
-          </a:p>
-          <a:p>
-            <a:pPr marL="343080" indent="-342720">
-              <a:lnSpc>
-                <a:spcPct val="100000"/>
-              </a:lnSpc>
-            </a:pPr>
-            <a:endParaRPr/>
-          </a:p>
-          <a:p>
-            <a:pPr marL="343080" indent="-342720">
-              <a:lnSpc>
-                <a:spcPct val="100000"/>
-              </a:lnSpc>
-            </a:pPr>
-            <a:endParaRPr/>
-          </a:p>
-          <a:p>
-            <a:pPr marL="343080" indent="-342720">
-              <a:lnSpc>
-                <a:spcPct val="100000"/>
-              </a:lnSpc>
-            </a:pPr>
-            <a:endParaRPr/>
-          </a:p>
-          <a:p>
-            <a:pPr marL="343080" indent="-342720">
-              <a:lnSpc>
-                <a:spcPct val="100000"/>
-              </a:lnSpc>
-            </a:pPr>
-            <a:endParaRPr/>
-          </a:p>
-          <a:p>
-            <a:pPr marL="343080" indent="-342720">
-              <a:lnSpc>
-                <a:spcPct val="100000"/>
-              </a:lnSpc>
-            </a:pPr>
-            <a:endParaRPr/>
-          </a:p>
-          <a:p>
-            <a:pPr marL="343080" indent="-342720">
-              <a:lnSpc>
-                <a:spcPct val="100000"/>
-              </a:lnSpc>
-            </a:pPr>
-            <a:endParaRPr/>
-          </a:p>
-          <a:p>
-            <a:pPr marL="343080" indent="-342720">
-              <a:lnSpc>
-                <a:spcPct val="100000"/>
-              </a:lnSpc>
-            </a:pPr>
-            <a:endParaRPr/>
-          </a:p>
-          <a:p>
-            <a:pPr marL="343080" indent="-342720">
-              <a:lnSpc>
-                <a:spcPct val="100000"/>
-              </a:lnSpc>
-            </a:pPr>
-            <a:endParaRPr/>
-          </a:p>
-          <a:p>
-            <a:pPr marL="343080" indent="-342720">
-              <a:lnSpc>
-                <a:spcPct val="100000"/>
-              </a:lnSpc>
-            </a:pPr>
-            <a:endParaRPr/>
-          </a:p>
-          <a:p>
-            <a:pPr marL="343080" indent="-342720">
-              <a:lnSpc>
-                <a:spcPct val="100000"/>
-              </a:lnSpc>
-            </a:pPr>
-            <a:endParaRPr/>
-          </a:p>
-          <a:p>
-            <a:pPr marL="343080" indent="-342720">
-              <a:lnSpc>
-                <a:spcPct val="100000"/>
-              </a:lnSpc>
-            </a:pPr>
-            <a:endParaRPr/>
-          </a:p>
-          <a:p>
-            <a:pPr marL="343080" indent="-342720">
-              <a:lnSpc>
-                <a:spcPct val="100000"/>
-              </a:lnSpc>
-            </a:pPr>
-            <a:r>
-              <a:rPr lang="es-ES" sz="1500" spc="-1" strike="noStrike">
+            <a:pPr marL="343080" indent="-342360">
+              <a:lnSpc>
+                <a:spcPct val="100000"/>
+              </a:lnSpc>
+            </a:pPr>
+            <a:endParaRPr/>
+          </a:p>
+          <a:p>
+            <a:pPr marL="343080" indent="-342360">
+              <a:lnSpc>
+                <a:spcPct val="100000"/>
+              </a:lnSpc>
+            </a:pPr>
+            <a:endParaRPr/>
+          </a:p>
+          <a:p>
+            <a:pPr marL="343080" indent="-342360">
+              <a:lnSpc>
+                <a:spcPct val="100000"/>
+              </a:lnSpc>
+            </a:pPr>
+            <a:endParaRPr/>
+          </a:p>
+          <a:p>
+            <a:pPr marL="343080" indent="-342360">
+              <a:lnSpc>
+                <a:spcPct val="100000"/>
+              </a:lnSpc>
+            </a:pPr>
+            <a:endParaRPr/>
+          </a:p>
+          <a:p>
+            <a:pPr marL="343080" indent="-342360">
+              <a:lnSpc>
+                <a:spcPct val="100000"/>
+              </a:lnSpc>
+            </a:pPr>
+            <a:endParaRPr/>
+          </a:p>
+          <a:p>
+            <a:pPr marL="343080" indent="-342360">
+              <a:lnSpc>
+                <a:spcPct val="100000"/>
+              </a:lnSpc>
+            </a:pPr>
+            <a:endParaRPr/>
+          </a:p>
+          <a:p>
+            <a:pPr marL="343080" indent="-342360">
+              <a:lnSpc>
+                <a:spcPct val="100000"/>
+              </a:lnSpc>
+            </a:pPr>
+            <a:endParaRPr/>
+          </a:p>
+          <a:p>
+            <a:pPr marL="343080" indent="-342360">
+              <a:lnSpc>
+                <a:spcPct val="100000"/>
+              </a:lnSpc>
+            </a:pPr>
+            <a:endParaRPr/>
+          </a:p>
+          <a:p>
+            <a:pPr marL="343080" indent="-342360">
+              <a:lnSpc>
+                <a:spcPct val="100000"/>
+              </a:lnSpc>
+            </a:pPr>
+            <a:endParaRPr/>
+          </a:p>
+          <a:p>
+            <a:pPr marL="343080" indent="-342360">
+              <a:lnSpc>
+                <a:spcPct val="100000"/>
+              </a:lnSpc>
+            </a:pPr>
+            <a:endParaRPr/>
+          </a:p>
+          <a:p>
+            <a:pPr marL="343080" indent="-342360">
+              <a:lnSpc>
+                <a:spcPct val="100000"/>
+              </a:lnSpc>
+            </a:pPr>
+            <a:endParaRPr/>
+          </a:p>
+          <a:p>
+            <a:pPr marL="343080" indent="-342360">
+              <a:lnSpc>
+                <a:spcPct val="100000"/>
+              </a:lnSpc>
+            </a:pPr>
+            <a:endParaRPr/>
+          </a:p>
+          <a:p>
+            <a:pPr marL="343080" indent="-342360">
+              <a:lnSpc>
+                <a:spcPct val="100000"/>
+              </a:lnSpc>
+            </a:pPr>
+            <a:endParaRPr/>
+          </a:p>
+          <a:p>
+            <a:pPr marL="343080" indent="-342360">
+              <a:lnSpc>
+                <a:spcPct val="100000"/>
+              </a:lnSpc>
+            </a:pPr>
+            <a:endParaRPr/>
+          </a:p>
+          <a:p>
+            <a:pPr marL="343080" indent="-342360">
+              <a:lnSpc>
+                <a:spcPct val="100000"/>
+              </a:lnSpc>
+            </a:pPr>
+            <a:r>
+              <a:rPr lang="en-US" sz="1500" spc="-1" strike="noStrike">
                 <a:solidFill>
                   <a:srgbClr val="000000"/>
                 </a:solidFill>
@@ -4962,47 +4654,47 @@
             <a:endParaRPr/>
           </a:p>
           <a:p>
-            <a:pPr marL="343080" indent="-342720">
-              <a:lnSpc>
-                <a:spcPct val="100000"/>
-              </a:lnSpc>
-            </a:pPr>
-            <a:endParaRPr/>
-          </a:p>
-          <a:p>
-            <a:pPr marL="343080" indent="-342720">
-              <a:lnSpc>
-                <a:spcPct val="100000"/>
-              </a:lnSpc>
-            </a:pPr>
-            <a:endParaRPr/>
-          </a:p>
-          <a:p>
-            <a:pPr marL="343080" indent="-342720">
-              <a:lnSpc>
-                <a:spcPct val="100000"/>
-              </a:lnSpc>
-            </a:pPr>
-            <a:endParaRPr/>
-          </a:p>
-          <a:p>
-            <a:pPr marL="343080" indent="-342720">
-              <a:lnSpc>
-                <a:spcPct val="100000"/>
-              </a:lnSpc>
-            </a:pPr>
-            <a:endParaRPr/>
-          </a:p>
-          <a:p>
-            <a:pPr marL="343080" indent="-342720">
-              <a:lnSpc>
-                <a:spcPct val="100000"/>
-              </a:lnSpc>
-            </a:pPr>
-            <a:endParaRPr/>
-          </a:p>
-          <a:p>
-            <a:pPr marL="343080" indent="-342720">
+            <a:pPr marL="343080" indent="-342360">
+              <a:lnSpc>
+                <a:spcPct val="100000"/>
+              </a:lnSpc>
+            </a:pPr>
+            <a:endParaRPr/>
+          </a:p>
+          <a:p>
+            <a:pPr marL="343080" indent="-342360">
+              <a:lnSpc>
+                <a:spcPct val="100000"/>
+              </a:lnSpc>
+            </a:pPr>
+            <a:endParaRPr/>
+          </a:p>
+          <a:p>
+            <a:pPr marL="343080" indent="-342360">
+              <a:lnSpc>
+                <a:spcPct val="100000"/>
+              </a:lnSpc>
+            </a:pPr>
+            <a:endParaRPr/>
+          </a:p>
+          <a:p>
+            <a:pPr marL="343080" indent="-342360">
+              <a:lnSpc>
+                <a:spcPct val="100000"/>
+              </a:lnSpc>
+            </a:pPr>
+            <a:endParaRPr/>
+          </a:p>
+          <a:p>
+            <a:pPr marL="343080" indent="-342360">
+              <a:lnSpc>
+                <a:spcPct val="100000"/>
+              </a:lnSpc>
+            </a:pPr>
+            <a:endParaRPr/>
+          </a:p>
+          <a:p>
+            <a:pPr marL="343080" indent="-342360">
               <a:lnSpc>
                 <a:spcPct val="100000"/>
               </a:lnSpc>
@@ -5013,14 +4705,14 @@
       </p:sp>
       <p:sp>
         <p:nvSpPr>
-          <p:cNvPr id="127" name="CustomShape 2"/>
+          <p:cNvPr id="121" name="CustomShape 2"/>
           <p:cNvSpPr/>
           <p:nvPr/>
         </p:nvSpPr>
         <p:spPr>
           <a:xfrm>
             <a:off x="0" y="6572160"/>
-            <a:ext cx="785520" cy="285480"/>
+            <a:ext cx="785160" cy="285120"/>
           </a:xfrm>
           <a:prstGeom prst="rect">
             <a:avLst/>
@@ -5052,14 +4744,14 @@
       </p:sp>
       <p:sp>
         <p:nvSpPr>
-          <p:cNvPr id="128" name="TextShape 3"/>
-          <p:cNvSpPr txBox="1"/>
+          <p:cNvPr id="122" name="CustomShape 3"/>
+          <p:cNvSpPr/>
           <p:nvPr/>
         </p:nvSpPr>
         <p:spPr>
           <a:xfrm>
             <a:off x="428760" y="642960"/>
-            <a:ext cx="8257680" cy="785520"/>
+            <a:ext cx="8257320" cy="785160"/>
           </a:xfrm>
           <a:prstGeom prst="rect">
             <a:avLst/>
@@ -5069,16 +4761,22 @@
             <a:noFill/>
           </a:ln>
         </p:spPr>
+        <p:style>
+          <a:lnRef idx="0"/>
+          <a:fillRef idx="0"/>
+          <a:effectRef idx="0"/>
+          <a:fontRef idx="minor"/>
+        </p:style>
         <p:txBody>
-          <a:bodyPr anchor="ctr"/>
-          <a:p>
-            <a:pPr marL="571680" indent="-571320">
-              <a:lnSpc>
-                <a:spcPct val="100000"/>
-              </a:lnSpc>
-            </a:pPr>
-            <a:r>
-              <a:rPr lang="es-ES" sz="3200" spc="-1" strike="noStrike">
+          <a:bodyPr lIns="90000" rIns="90000" tIns="45000" bIns="45000" anchor="ctr"/>
+          <a:p>
+            <a:pPr marL="571680" indent="-570960">
+              <a:lnSpc>
+                <a:spcPct val="100000"/>
+              </a:lnSpc>
+            </a:pPr>
+            <a:r>
+              <a:rPr lang="en-US" sz="3200" spc="-1" strike="noStrike">
                 <a:solidFill>
                   <a:srgbClr val="000000"/>
                 </a:solidFill>
@@ -5097,13 +4795,13 @@
       </p:sp>
       <p:graphicFrame>
         <p:nvGraphicFramePr>
-          <p:cNvPr id="129" name="Table 4"/>
+          <p:cNvPr id="123" name="Table 4"/>
           <p:cNvGraphicFramePr/>
           <p:nvPr/>
         </p:nvGraphicFramePr>
         <p:xfrm>
           <a:off x="214200" y="2428920"/>
-          <a:ext cx="8715240" cy="3428640"/>
+          <a:ext cx="8714880" cy="3428280"/>
         </p:xfrm>
         <a:graphic>
           <a:graphicData uri="http://schemas.openxmlformats.org/drawingml/2006/table">
@@ -5117,7 +4815,7 @@
               <a:tr h="1268640">
                 <a:tc>
                   <a:txBody>
-                    <a:bodyPr lIns="91080" rIns="91080" tIns="91080" bIns="91080"/>
+                    <a:bodyPr lIns="91080" rIns="91080"/>
                     <a:p>
                       <a:pPr>
                         <a:lnSpc>
@@ -5125,7 +4823,7 @@
                         </a:lnSpc>
                       </a:pPr>
                       <a:r>
-                        <a:rPr lang="fr-FR" sz="1500" spc="-1" strike="noStrike">
+                        <a:rPr lang="en-US" sz="1500" spc="-1" strike="noStrike">
                           <a:solidFill>
                             <a:srgbClr val="000000"/>
                           </a:solidFill>
@@ -5139,7 +4837,7 @@
                         <a:t>	</a:t>
                       </a:r>
                       <a:r>
-                        <a:rPr lang="fr-FR" sz="1500" spc="-1" strike="noStrike">
+                        <a:rPr lang="en-US" sz="1500" spc="-1" strike="noStrike">
                           <a:solidFill>
                             <a:srgbClr val="000000"/>
                           </a:solidFill>
@@ -5153,7 +4851,7 @@
                         <a:t>	</a:t>
                       </a:r>
                       <a:r>
-                        <a:rPr lang="fr-FR" sz="1500" spc="-1" strike="noStrike">
+                        <a:rPr lang="en-US" sz="1500" spc="-1" strike="noStrike">
                           <a:solidFill>
                             <a:srgbClr val="000000"/>
                           </a:solidFill>
@@ -5175,7 +4873,7 @@
                         </a:lnSpc>
                       </a:pPr>
                       <a:r>
-                        <a:rPr lang="fr-FR" sz="1500" spc="-1" strike="noStrike">
+                        <a:rPr lang="en-US" sz="1500" spc="-1" strike="noStrike">
                           <a:solidFill>
                             <a:srgbClr val="000000"/>
                           </a:solidFill>
@@ -5189,7 +4887,7 @@
                         <a:t>GET</a:t>
                       </a:r>
                       <a:r>
-                        <a:rPr lang="fr-FR" sz="1500" spc="-1" strike="noStrike">
+                        <a:rPr lang="en-US" sz="1500" spc="-1" strike="noStrike">
                           <a:solidFill>
                             <a:srgbClr val="000000"/>
                           </a:solidFill>
@@ -5233,7 +4931,7 @@
                 </a:tc>
                 <a:tc>
                   <a:txBody>
-                    <a:bodyPr lIns="91080" rIns="91080" tIns="91080" bIns="91080"/>
+                    <a:bodyPr lIns="91080" rIns="91080"/>
                     <a:p>
                       <a:pPr>
                         <a:lnSpc>
@@ -5241,7 +4939,7 @@
                         </a:lnSpc>
                       </a:pPr>
                       <a:r>
-                        <a:rPr lang="fr-FR" sz="1500" spc="-1" strike="noStrike">
+                        <a:rPr lang="en-US" sz="1500" spc="-1" strike="noStrike">
                           <a:solidFill>
                             <a:srgbClr val="000000"/>
                           </a:solidFill>
@@ -5255,7 +4953,7 @@
                         <a:t>	</a:t>
                       </a:r>
                       <a:r>
-                        <a:rPr lang="fr-FR" sz="1500" spc="-1" strike="noStrike">
+                        <a:rPr lang="en-US" sz="1500" spc="-1" strike="noStrike">
                           <a:solidFill>
                             <a:srgbClr val="000000"/>
                           </a:solidFill>
@@ -5269,7 +4967,7 @@
                         <a:t>	</a:t>
                       </a:r>
                       <a:r>
-                        <a:rPr lang="fr-FR" sz="1500" spc="-1" strike="noStrike">
+                        <a:rPr lang="en-US" sz="1500" spc="-1" strike="noStrike">
                           <a:solidFill>
                             <a:srgbClr val="000000"/>
                           </a:solidFill>
@@ -5291,7 +4989,7 @@
                         </a:lnSpc>
                       </a:pPr>
                       <a:r>
-                        <a:rPr lang="fr-FR" sz="1500" spc="-1" strike="noStrike">
+                        <a:rPr lang="en-US" sz="1500" spc="-1" strike="noStrike">
                           <a:solidFill>
                             <a:srgbClr val="000000"/>
                           </a:solidFill>
@@ -5313,7 +5011,7 @@
                         </a:lnSpc>
                       </a:pPr>
                       <a:r>
-                        <a:rPr lang="fr-FR" sz="1500" spc="-1" strike="noStrike">
+                        <a:rPr lang="en-US" sz="1500" spc="-1" strike="noStrike">
                           <a:solidFill>
                             <a:srgbClr val="000000"/>
                           </a:solidFill>
@@ -5327,7 +5025,7 @@
                         <a:t>	</a:t>
                       </a:r>
                       <a:r>
-                        <a:rPr lang="fr-FR" sz="1500" spc="-1" strike="noStrike">
+                        <a:rPr lang="en-US" sz="1500" spc="-1" strike="noStrike">
                           <a:solidFill>
                             <a:srgbClr val="000000"/>
                           </a:solidFill>
@@ -5371,7 +5069,7 @@
                 </a:tc>
                 <a:tc>
                   <a:txBody>
-                    <a:bodyPr lIns="91080" rIns="91080" tIns="91080" bIns="91080"/>
+                    <a:bodyPr lIns="91080" rIns="91080"/>
                     <a:p>
                       <a:pPr>
                         <a:lnSpc>
@@ -5379,7 +5077,7 @@
                         </a:lnSpc>
                       </a:pPr>
                       <a:r>
-                        <a:rPr lang="fr-FR" sz="1500" spc="-1" strike="noStrike">
+                        <a:rPr lang="en-US" sz="1500" spc="-1" strike="noStrike">
                           <a:solidFill>
                             <a:srgbClr val="000000"/>
                           </a:solidFill>
@@ -5393,7 +5091,7 @@
                         <a:t>	</a:t>
                       </a:r>
                       <a:r>
-                        <a:rPr lang="fr-FR" sz="1500" spc="-1" strike="noStrike">
+                        <a:rPr lang="en-US" sz="1500" spc="-1" strike="noStrike">
                           <a:solidFill>
                             <a:srgbClr val="000000"/>
                           </a:solidFill>
@@ -5407,7 +5105,7 @@
                         <a:t>	</a:t>
                       </a:r>
                       <a:r>
-                        <a:rPr lang="fr-FR" sz="1500" spc="-1" strike="noStrike">
+                        <a:rPr lang="en-US" sz="1500" spc="-1" strike="noStrike">
                           <a:solidFill>
                             <a:srgbClr val="000000"/>
                           </a:solidFill>
@@ -5429,7 +5127,7 @@
                         </a:lnSpc>
                       </a:pPr>
                       <a:r>
-                        <a:rPr lang="fr-FR" sz="1500" spc="-1" strike="noStrike">
+                        <a:rPr lang="en-US" sz="1500" spc="-1" strike="noStrike">
                           <a:solidFill>
                             <a:srgbClr val="000000"/>
                           </a:solidFill>
@@ -5443,7 +5141,7 @@
                         <a:t>Return list of all details of the member </a:t>
                       </a:r>
                       <a:r>
-                        <a:rPr lang="fr-FR" sz="1500" spc="-1" strike="noStrike">
+                        <a:rPr lang="en-US" sz="1500" spc="-1" strike="noStrike">
                           <a:solidFill>
                             <a:srgbClr val="000000"/>
                           </a:solidFill>
@@ -5457,7 +5155,7 @@
                         <a:t>	</a:t>
                       </a:r>
                       <a:r>
-                        <a:rPr lang="fr-FR" sz="1500" spc="-1" strike="noStrike">
+                        <a:rPr lang="en-US" sz="1500" spc="-1" strike="noStrike">
                           <a:solidFill>
                             <a:srgbClr val="000000"/>
                           </a:solidFill>
@@ -5471,7 +5169,7 @@
                         <a:t>	</a:t>
                       </a:r>
                       <a:r>
-                        <a:rPr lang="fr-FR" sz="1500" spc="-1" strike="noStrike">
+                        <a:rPr lang="en-US" sz="1500" spc="-1" strike="noStrike">
                           <a:solidFill>
                             <a:srgbClr val="000000"/>
                           </a:solidFill>
@@ -5493,7 +5191,7 @@
                         </a:lnSpc>
                       </a:pPr>
                       <a:r>
-                        <a:rPr lang="fr-FR" sz="1500" spc="-1" strike="noStrike">
+                        <a:rPr lang="en-US" sz="1500" spc="-1" strike="noStrike">
                           <a:solidFill>
                             <a:srgbClr val="000000"/>
                           </a:solidFill>
@@ -5507,7 +5205,7 @@
                         <a:t>	</a:t>
                       </a:r>
                       <a:r>
-                        <a:rPr lang="fr-FR" sz="1500" spc="-1" strike="noStrike">
+                        <a:rPr lang="en-US" sz="1500" spc="-1" strike="noStrike">
                           <a:solidFill>
                             <a:srgbClr val="000000"/>
                           </a:solidFill>
@@ -5553,7 +5251,7 @@
               <a:tr h="1115640">
                 <a:tc>
                   <a:txBody>
-                    <a:bodyPr lIns="91080" rIns="91080" tIns="91080" bIns="91080"/>
+                    <a:bodyPr lIns="91080" rIns="91080"/>
                     <a:p>
                       <a:pPr>
                         <a:lnSpc>
@@ -5561,7 +5259,7 @@
                         </a:lnSpc>
                       </a:pPr>
                       <a:r>
-                        <a:rPr lang="fr-FR" sz="1500" spc="-1" strike="noStrike">
+                        <a:rPr lang="en-US" sz="1500" spc="-1" strike="noStrike">
                           <a:solidFill>
                             <a:srgbClr val="000000"/>
                           </a:solidFill>
@@ -5575,7 +5273,7 @@
                         <a:t>	</a:t>
                       </a:r>
                       <a:r>
-                        <a:rPr lang="fr-FR" sz="1500" spc="-1" strike="noStrike">
+                        <a:rPr lang="en-US" sz="1500" spc="-1" strike="noStrike">
                           <a:solidFill>
                             <a:srgbClr val="000000"/>
                           </a:solidFill>
@@ -5589,7 +5287,7 @@
                         <a:t>	</a:t>
                       </a:r>
                       <a:r>
-                        <a:rPr lang="fr-FR" sz="1500" spc="-1" strike="noStrike">
+                        <a:rPr lang="en-US" sz="1500" spc="-1" strike="noStrike">
                           <a:solidFill>
                             <a:srgbClr val="000000"/>
                           </a:solidFill>
@@ -5611,7 +5309,7 @@
                         </a:lnSpc>
                       </a:pPr>
                       <a:r>
-                        <a:rPr lang="fr-FR" sz="1500" spc="-1" strike="noStrike">
+                        <a:rPr lang="en-US" sz="1500" spc="-1" strike="noStrike">
                           <a:solidFill>
                             <a:srgbClr val="000000"/>
                           </a:solidFill>
@@ -5633,7 +5331,7 @@
                         </a:lnSpc>
                       </a:pPr>
                       <a:r>
-                        <a:rPr lang="fr-FR" sz="1500" spc="-1" strike="noStrike">
+                        <a:rPr lang="en-US" sz="1500" spc="-1" strike="noStrike">
                           <a:solidFill>
                             <a:srgbClr val="000000"/>
                           </a:solidFill>
@@ -5647,7 +5345,7 @@
                         <a:t>	</a:t>
                       </a:r>
                       <a:r>
-                        <a:rPr lang="fr-FR" sz="1500" spc="-1" strike="noStrike">
+                        <a:rPr lang="en-US" sz="1500" spc="-1" strike="noStrike">
                           <a:solidFill>
                             <a:srgbClr val="000000"/>
                           </a:solidFill>
@@ -5691,7 +5389,7 @@
                 </a:tc>
                 <a:tc>
                   <a:txBody>
-                    <a:bodyPr lIns="91080" rIns="91080" tIns="91080" bIns="91080"/>
+                    <a:bodyPr lIns="91080" rIns="91080"/>
                     <a:p>
                       <a:pPr>
                         <a:lnSpc>
@@ -5699,7 +5397,7 @@
                         </a:lnSpc>
                       </a:pPr>
                       <a:r>
-                        <a:rPr lang="fr-FR" sz="1500" spc="-1" strike="noStrike">
+                        <a:rPr lang="en-US" sz="1500" spc="-1" strike="noStrike">
                           <a:solidFill>
                             <a:srgbClr val="000000"/>
                           </a:solidFill>
@@ -5713,7 +5411,7 @@
                         <a:t>	</a:t>
                       </a:r>
                       <a:r>
-                        <a:rPr lang="fr-FR" sz="1500" spc="-1" strike="noStrike">
+                        <a:rPr lang="en-US" sz="1500" spc="-1" strike="noStrike">
                           <a:solidFill>
                             <a:srgbClr val="000000"/>
                           </a:solidFill>
@@ -5727,7 +5425,7 @@
                         <a:t>	</a:t>
                       </a:r>
                       <a:r>
-                        <a:rPr lang="fr-FR" sz="1500" spc="-1" strike="noStrike">
+                        <a:rPr lang="en-US" sz="1500" spc="-1" strike="noStrike">
                           <a:solidFill>
                             <a:srgbClr val="000000"/>
                           </a:solidFill>
@@ -5749,7 +5447,7 @@
                         </a:lnSpc>
                       </a:pPr>
                       <a:r>
-                        <a:rPr lang="fr-FR" sz="1500" spc="-1" strike="noStrike">
+                        <a:rPr lang="en-US" sz="1500" spc="-1" strike="noStrike">
                           <a:solidFill>
                             <a:srgbClr val="000000"/>
                           </a:solidFill>
@@ -5771,7 +5469,7 @@
                         </a:lnSpc>
                       </a:pPr>
                       <a:r>
-                        <a:rPr lang="fr-FR" sz="1500" spc="-1" strike="noStrike">
+                        <a:rPr lang="en-US" sz="1500" spc="-1" strike="noStrike">
                           <a:solidFill>
                             <a:srgbClr val="000000"/>
                           </a:solidFill>
@@ -5785,7 +5483,7 @@
                         <a:t>	</a:t>
                       </a:r>
                       <a:r>
-                        <a:rPr lang="fr-FR" sz="1500" spc="-1" strike="noStrike">
+                        <a:rPr lang="en-US" sz="1500" spc="-1" strike="noStrike">
                           <a:solidFill>
                             <a:srgbClr val="000000"/>
                           </a:solidFill>
@@ -5829,7 +5527,7 @@
                 </a:tc>
                 <a:tc>
                   <a:txBody>
-                    <a:bodyPr lIns="91080" rIns="91080" tIns="91080" bIns="91080"/>
+                    <a:bodyPr lIns="91080" rIns="91080"/>
                     <a:p>
                       <a:pPr>
                         <a:lnSpc>
@@ -5837,7 +5535,7 @@
                         </a:lnSpc>
                       </a:pPr>
                       <a:r>
-                        <a:rPr lang="fr-FR" sz="1500" spc="-1" strike="noStrike">
+                        <a:rPr lang="en-US" sz="1500" spc="-1" strike="noStrike">
                           <a:solidFill>
                             <a:srgbClr val="000000"/>
                           </a:solidFill>
@@ -5851,7 +5549,7 @@
                         <a:t>	</a:t>
                       </a:r>
                       <a:r>
-                        <a:rPr lang="fr-FR" sz="1500" spc="-1" strike="noStrike">
+                        <a:rPr lang="en-US" sz="1500" spc="-1" strike="noStrike">
                           <a:solidFill>
                             <a:srgbClr val="000000"/>
                           </a:solidFill>
@@ -5865,7 +5563,7 @@
                         <a:t>	</a:t>
                       </a:r>
                       <a:r>
-                        <a:rPr lang="fr-FR" sz="1500" spc="-1" strike="noStrike">
+                        <a:rPr lang="en-US" sz="1500" spc="-1" strike="noStrike">
                           <a:solidFill>
                             <a:srgbClr val="000000"/>
                           </a:solidFill>
@@ -5887,7 +5585,7 @@
                         </a:lnSpc>
                       </a:pPr>
                       <a:r>
-                        <a:rPr lang="fr-FR" sz="1500" spc="-1" strike="noStrike">
+                        <a:rPr lang="en-US" sz="1500" spc="-1" strike="noStrike">
                           <a:solidFill>
                             <a:srgbClr val="000000"/>
                           </a:solidFill>
@@ -5909,7 +5607,7 @@
                         </a:lnSpc>
                       </a:pPr>
                       <a:r>
-                        <a:rPr lang="fr-FR" sz="1500" spc="-1" strike="noStrike">
+                        <a:rPr lang="en-US" sz="1500" spc="-1" strike="noStrike">
                           <a:solidFill>
                             <a:srgbClr val="000000"/>
                           </a:solidFill>
@@ -5923,7 +5621,7 @@
                         <a:t>	</a:t>
                       </a:r>
                       <a:r>
-                        <a:rPr lang="fr-FR" sz="1500" spc="-1" strike="noStrike">
+                        <a:rPr lang="en-US" sz="1500" spc="-1" strike="noStrike">
                           <a:solidFill>
                             <a:srgbClr val="000000"/>
                           </a:solidFill>
@@ -5969,7 +5667,7 @@
               <a:tr h="1044360">
                 <a:tc>
                   <a:txBody>
-                    <a:bodyPr lIns="91080" rIns="91080" tIns="91080" bIns="91080"/>
+                    <a:bodyPr lIns="91080" rIns="91080"/>
                     <a:p>
                       <a:pPr>
                         <a:lnSpc>
@@ -5977,7 +5675,7 @@
                         </a:lnSpc>
                       </a:pPr>
                       <a:r>
-                        <a:rPr lang="fr-FR" sz="1500" spc="-1" strike="noStrike">
+                        <a:rPr lang="en-US" sz="1500" spc="-1" strike="noStrike">
                           <a:solidFill>
                             <a:srgbClr val="000000"/>
                           </a:solidFill>
@@ -5991,7 +5689,7 @@
                         <a:t>	</a:t>
                       </a:r>
                       <a:r>
-                        <a:rPr lang="fr-FR" sz="1500" spc="-1" strike="noStrike">
+                        <a:rPr lang="en-US" sz="1500" spc="-1" strike="noStrike">
                           <a:solidFill>
                             <a:srgbClr val="000000"/>
                           </a:solidFill>
@@ -6005,7 +5703,7 @@
                         <a:t>	</a:t>
                       </a:r>
                       <a:r>
-                        <a:rPr lang="fr-FR" sz="1500" spc="-1" strike="noStrike">
+                        <a:rPr lang="en-US" sz="1500" spc="-1" strike="noStrike">
                           <a:solidFill>
                             <a:srgbClr val="000000"/>
                           </a:solidFill>
@@ -6027,7 +5725,7 @@
                         </a:lnSpc>
                       </a:pPr>
                       <a:r>
-                        <a:rPr lang="fr-FR" sz="1500" spc="-1" strike="noStrike">
+                        <a:rPr lang="en-US" sz="1500" spc="-1" strike="noStrike">
                           <a:solidFill>
                             <a:srgbClr val="000000"/>
                           </a:solidFill>
@@ -6049,7 +5747,7 @@
                         </a:lnSpc>
                       </a:pPr>
                       <a:r>
-                        <a:rPr lang="fr-FR" sz="1500" spc="-1" strike="noStrike">
+                        <a:rPr lang="en-US" sz="1500" spc="-1" strike="noStrike">
                           <a:solidFill>
                             <a:srgbClr val="000000"/>
                           </a:solidFill>
@@ -6063,7 +5761,7 @@
                         <a:t>	</a:t>
                       </a:r>
                       <a:r>
-                        <a:rPr lang="fr-FR" sz="1500" spc="-1" strike="noStrike">
+                        <a:rPr lang="en-US" sz="1500" spc="-1" strike="noStrike">
                           <a:solidFill>
                             <a:srgbClr val="000000"/>
                           </a:solidFill>
@@ -6107,7 +5805,7 @@
                 </a:tc>
                 <a:tc>
                   <a:txBody>
-                    <a:bodyPr lIns="91080" rIns="91080" tIns="91080" bIns="91080"/>
+                    <a:bodyPr lIns="91080" rIns="91080"/>
                     <a:p>
                       <a:pPr>
                         <a:lnSpc>
@@ -6115,7 +5813,7 @@
                         </a:lnSpc>
                       </a:pPr>
                       <a:r>
-                        <a:rPr lang="fr-FR" sz="1500" spc="-1" strike="noStrike">
+                        <a:rPr lang="en-US" sz="1500" spc="-1" strike="noStrike">
                           <a:solidFill>
                             <a:srgbClr val="000000"/>
                           </a:solidFill>
@@ -6129,7 +5827,7 @@
                         <a:t>	</a:t>
                       </a:r>
                       <a:r>
-                        <a:rPr lang="fr-FR" sz="1500" spc="-1" strike="noStrike">
+                        <a:rPr lang="en-US" sz="1500" spc="-1" strike="noStrike">
                           <a:solidFill>
                             <a:srgbClr val="000000"/>
                           </a:solidFill>
@@ -6143,7 +5841,7 @@
                         <a:t>	</a:t>
                       </a:r>
                       <a:r>
-                        <a:rPr lang="fr-FR" sz="1500" spc="-1" strike="noStrike">
+                        <a:rPr lang="en-US" sz="1500" spc="-1" strike="noStrike">
                           <a:solidFill>
                             <a:srgbClr val="000000"/>
                           </a:solidFill>
@@ -6165,7 +5863,7 @@
                         </a:lnSpc>
                       </a:pPr>
                       <a:r>
-                        <a:rPr lang="fr-FR" sz="1500" spc="-1" strike="noStrike">
+                        <a:rPr lang="en-US" sz="1500" spc="-1" strike="noStrike">
                           <a:solidFill>
                             <a:srgbClr val="000000"/>
                           </a:solidFill>
@@ -6187,7 +5885,7 @@
                         </a:lnSpc>
                       </a:pPr>
                       <a:r>
-                        <a:rPr lang="fr-FR" sz="1500" spc="-1" strike="noStrike">
+                        <a:rPr lang="en-US" sz="1500" spc="-1" strike="noStrike">
                           <a:solidFill>
                             <a:srgbClr val="000000"/>
                           </a:solidFill>
@@ -6201,7 +5899,7 @@
                         <a:t>	</a:t>
                       </a:r>
                       <a:r>
-                        <a:rPr lang="fr-FR" sz="1500" spc="-1" strike="noStrike">
+                        <a:rPr lang="en-US" sz="1500" spc="-1" strike="noStrike">
                           <a:solidFill>
                             <a:srgbClr val="000000"/>
                           </a:solidFill>
@@ -6245,7 +5943,7 @@
                 </a:tc>
                 <a:tc>
                   <a:txBody>
-                    <a:bodyPr lIns="91080" rIns="91080" tIns="91080" bIns="91080"/>
+                    <a:bodyPr lIns="91080" rIns="91080"/>
                     <a:p>
                       <a:pPr>
                         <a:lnSpc>
@@ -6253,7 +5951,7 @@
                         </a:lnSpc>
                       </a:pPr>
                       <a:r>
-                        <a:rPr lang="fr-FR" sz="1500" spc="-1" strike="noStrike">
+                        <a:rPr lang="en-US" sz="1500" spc="-1" strike="noStrike">
                           <a:solidFill>
                             <a:srgbClr val="000000"/>
                           </a:solidFill>
@@ -6267,7 +5965,7 @@
                         <a:t>	</a:t>
                       </a:r>
                       <a:r>
-                        <a:rPr lang="fr-FR" sz="1500" spc="-1" strike="noStrike">
+                        <a:rPr lang="en-US" sz="1500" spc="-1" strike="noStrike">
                           <a:solidFill>
                             <a:srgbClr val="000000"/>
                           </a:solidFill>
@@ -6281,7 +5979,7 @@
                         <a:t>	</a:t>
                       </a:r>
                       <a:r>
-                        <a:rPr lang="fr-FR" sz="1500" spc="-1" strike="noStrike">
+                        <a:rPr lang="en-US" sz="1500" spc="-1" strike="noStrike">
                           <a:solidFill>
                             <a:srgbClr val="000000"/>
                           </a:solidFill>
@@ -6303,7 +6001,7 @@
                         </a:lnSpc>
                       </a:pPr>
                       <a:r>
-                        <a:rPr lang="fr-FR" sz="1500" spc="-1" strike="noStrike">
+                        <a:rPr lang="en-US" sz="1500" spc="-1" strike="noStrike">
                           <a:solidFill>
                             <a:srgbClr val="000000"/>
                           </a:solidFill>
@@ -6325,7 +6023,7 @@
                         </a:lnSpc>
                       </a:pPr>
                       <a:r>
-                        <a:rPr lang="fr-FR" sz="1500" spc="-1" strike="noStrike">
+                        <a:rPr lang="en-US" sz="1500" spc="-1" strike="noStrike">
                           <a:solidFill>
                             <a:srgbClr val="000000"/>
                           </a:solidFill>
@@ -6339,7 +6037,7 @@
                         <a:t>	</a:t>
                       </a:r>
                       <a:r>
-                        <a:rPr lang="fr-FR" sz="1500" spc="-1" strike="noStrike">
+                        <a:rPr lang="en-US" sz="1500" spc="-1" strike="noStrike">
                           <a:solidFill>
                             <a:srgbClr val="000000"/>
                           </a:solidFill>
@@ -6437,14 +6135,14 @@
       </p:grpSpPr>
       <p:sp>
         <p:nvSpPr>
-          <p:cNvPr id="130" name="TextShape 1"/>
-          <p:cNvSpPr txBox="1"/>
+          <p:cNvPr id="124" name="CustomShape 1"/>
+          <p:cNvSpPr/>
           <p:nvPr/>
         </p:nvSpPr>
         <p:spPr>
           <a:xfrm>
             <a:off x="457200" y="1714320"/>
-            <a:ext cx="8229240" cy="4411440"/>
+            <a:ext cx="8228880" cy="4411080"/>
           </a:xfrm>
           <a:prstGeom prst="rect">
             <a:avLst/>
@@ -6454,16 +6152,22 @@
             <a:noFill/>
           </a:ln>
         </p:spPr>
+        <p:style>
+          <a:lnRef idx="0"/>
+          <a:fillRef idx="0"/>
+          <a:effectRef idx="0"/>
+          <a:fontRef idx="minor"/>
+        </p:style>
         <p:txBody>
-          <a:bodyPr/>
-          <a:p>
-            <a:pPr marL="343080" indent="-342720">
-              <a:lnSpc>
-                <a:spcPct val="100000"/>
-              </a:lnSpc>
-            </a:pPr>
-            <a:r>
-              <a:rPr b="1" lang="es-ES" sz="1500" spc="-1" strike="noStrike" u="sng">
+          <a:bodyPr lIns="90000" rIns="90000" tIns="45000" bIns="45000"/>
+          <a:p>
+            <a:pPr marL="343080" indent="-342360">
+              <a:lnSpc>
+                <a:spcPct val="100000"/>
+              </a:lnSpc>
+            </a:pPr>
+            <a:r>
+              <a:rPr b="1" lang="en-US" sz="1500" spc="-1" strike="noStrike" u="sng">
                 <a:solidFill>
                   <a:srgbClr val="c00000"/>
                 </a:solidFill>
@@ -6479,13 +6183,13 @@
             <a:endParaRPr/>
           </a:p>
           <a:p>
-            <a:pPr marL="343080" indent="-342720">
-              <a:lnSpc>
-                <a:spcPct val="100000"/>
-              </a:lnSpc>
-            </a:pPr>
-            <a:r>
-              <a:rPr lang="es-ES" sz="1500" spc="-1" strike="noStrike">
+            <a:pPr marL="343080" indent="-342360">
+              <a:lnSpc>
+                <a:spcPct val="100000"/>
+              </a:lnSpc>
+            </a:pPr>
+            <a:r>
+              <a:rPr lang="en-US" sz="1500" spc="-1" strike="noStrike">
                 <a:solidFill>
                   <a:srgbClr val="000000"/>
                 </a:solidFill>
@@ -6499,7 +6203,7 @@
               <a:t>This is the web-services for our </a:t>
             </a:r>
             <a:r>
-              <a:rPr lang="es-ES" sz="1500" spc="-1" strike="noStrike">
+              <a:rPr lang="en-US" sz="1500" spc="-1" strike="noStrike">
                 <a:solidFill>
                   <a:srgbClr val="464af4"/>
                 </a:solidFill>
@@ -6515,125 +6219,125 @@
             <a:endParaRPr/>
           </a:p>
           <a:p>
-            <a:pPr marL="343080" indent="-342720">
-              <a:lnSpc>
-                <a:spcPct val="100000"/>
-              </a:lnSpc>
-            </a:pPr>
-            <a:endParaRPr/>
-          </a:p>
-          <a:p>
-            <a:pPr marL="343080" indent="-342720">
-              <a:lnSpc>
-                <a:spcPct val="100000"/>
-              </a:lnSpc>
-            </a:pPr>
-            <a:endParaRPr/>
-          </a:p>
-          <a:p>
-            <a:pPr marL="343080" indent="-342720">
-              <a:lnSpc>
-                <a:spcPct val="100000"/>
-              </a:lnSpc>
-            </a:pPr>
-            <a:endParaRPr/>
-          </a:p>
-          <a:p>
-            <a:pPr marL="343080" indent="-342720">
-              <a:lnSpc>
-                <a:spcPct val="100000"/>
-              </a:lnSpc>
-            </a:pPr>
-            <a:endParaRPr/>
-          </a:p>
-          <a:p>
-            <a:pPr marL="343080" indent="-342720">
-              <a:lnSpc>
-                <a:spcPct val="100000"/>
-              </a:lnSpc>
-            </a:pPr>
-            <a:endParaRPr/>
-          </a:p>
-          <a:p>
-            <a:pPr marL="343080" indent="-342720">
-              <a:lnSpc>
-                <a:spcPct val="100000"/>
-              </a:lnSpc>
-            </a:pPr>
-            <a:endParaRPr/>
-          </a:p>
-          <a:p>
-            <a:pPr marL="343080" indent="-342720">
-              <a:lnSpc>
-                <a:spcPct val="100000"/>
-              </a:lnSpc>
-            </a:pPr>
-            <a:endParaRPr/>
-          </a:p>
-          <a:p>
-            <a:pPr marL="343080" indent="-342720">
-              <a:lnSpc>
-                <a:spcPct val="100000"/>
-              </a:lnSpc>
-            </a:pPr>
-            <a:endParaRPr/>
-          </a:p>
-          <a:p>
-            <a:pPr marL="343080" indent="-342720">
-              <a:lnSpc>
-                <a:spcPct val="100000"/>
-              </a:lnSpc>
-            </a:pPr>
-            <a:endParaRPr/>
-          </a:p>
-          <a:p>
-            <a:pPr marL="343080" indent="-342720">
-              <a:lnSpc>
-                <a:spcPct val="100000"/>
-              </a:lnSpc>
-            </a:pPr>
-            <a:endParaRPr/>
-          </a:p>
-          <a:p>
-            <a:pPr marL="343080" indent="-342720">
-              <a:lnSpc>
-                <a:spcPct val="100000"/>
-              </a:lnSpc>
-            </a:pPr>
-            <a:endParaRPr/>
-          </a:p>
-          <a:p>
-            <a:pPr marL="343080" indent="-342720">
-              <a:lnSpc>
-                <a:spcPct val="100000"/>
-              </a:lnSpc>
-            </a:pPr>
-            <a:endParaRPr/>
-          </a:p>
-          <a:p>
-            <a:pPr marL="343080" indent="-342720">
-              <a:lnSpc>
-                <a:spcPct val="100000"/>
-              </a:lnSpc>
-            </a:pPr>
-            <a:endParaRPr/>
-          </a:p>
-          <a:p>
-            <a:pPr marL="343080" indent="-342720">
-              <a:lnSpc>
-                <a:spcPct val="100000"/>
-              </a:lnSpc>
-            </a:pPr>
-            <a:endParaRPr/>
-          </a:p>
-          <a:p>
-            <a:pPr marL="343080" indent="-342720">
-              <a:lnSpc>
-                <a:spcPct val="100000"/>
-              </a:lnSpc>
-            </a:pPr>
-            <a:r>
-              <a:rPr lang="es-ES" sz="1500" spc="-1" strike="noStrike">
+            <a:pPr marL="343080" indent="-342360">
+              <a:lnSpc>
+                <a:spcPct val="100000"/>
+              </a:lnSpc>
+            </a:pPr>
+            <a:endParaRPr/>
+          </a:p>
+          <a:p>
+            <a:pPr marL="343080" indent="-342360">
+              <a:lnSpc>
+                <a:spcPct val="100000"/>
+              </a:lnSpc>
+            </a:pPr>
+            <a:endParaRPr/>
+          </a:p>
+          <a:p>
+            <a:pPr marL="343080" indent="-342360">
+              <a:lnSpc>
+                <a:spcPct val="100000"/>
+              </a:lnSpc>
+            </a:pPr>
+            <a:endParaRPr/>
+          </a:p>
+          <a:p>
+            <a:pPr marL="343080" indent="-342360">
+              <a:lnSpc>
+                <a:spcPct val="100000"/>
+              </a:lnSpc>
+            </a:pPr>
+            <a:endParaRPr/>
+          </a:p>
+          <a:p>
+            <a:pPr marL="343080" indent="-342360">
+              <a:lnSpc>
+                <a:spcPct val="100000"/>
+              </a:lnSpc>
+            </a:pPr>
+            <a:endParaRPr/>
+          </a:p>
+          <a:p>
+            <a:pPr marL="343080" indent="-342360">
+              <a:lnSpc>
+                <a:spcPct val="100000"/>
+              </a:lnSpc>
+            </a:pPr>
+            <a:endParaRPr/>
+          </a:p>
+          <a:p>
+            <a:pPr marL="343080" indent="-342360">
+              <a:lnSpc>
+                <a:spcPct val="100000"/>
+              </a:lnSpc>
+            </a:pPr>
+            <a:endParaRPr/>
+          </a:p>
+          <a:p>
+            <a:pPr marL="343080" indent="-342360">
+              <a:lnSpc>
+                <a:spcPct val="100000"/>
+              </a:lnSpc>
+            </a:pPr>
+            <a:endParaRPr/>
+          </a:p>
+          <a:p>
+            <a:pPr marL="343080" indent="-342360">
+              <a:lnSpc>
+                <a:spcPct val="100000"/>
+              </a:lnSpc>
+            </a:pPr>
+            <a:endParaRPr/>
+          </a:p>
+          <a:p>
+            <a:pPr marL="343080" indent="-342360">
+              <a:lnSpc>
+                <a:spcPct val="100000"/>
+              </a:lnSpc>
+            </a:pPr>
+            <a:endParaRPr/>
+          </a:p>
+          <a:p>
+            <a:pPr marL="343080" indent="-342360">
+              <a:lnSpc>
+                <a:spcPct val="100000"/>
+              </a:lnSpc>
+            </a:pPr>
+            <a:endParaRPr/>
+          </a:p>
+          <a:p>
+            <a:pPr marL="343080" indent="-342360">
+              <a:lnSpc>
+                <a:spcPct val="100000"/>
+              </a:lnSpc>
+            </a:pPr>
+            <a:endParaRPr/>
+          </a:p>
+          <a:p>
+            <a:pPr marL="343080" indent="-342360">
+              <a:lnSpc>
+                <a:spcPct val="100000"/>
+              </a:lnSpc>
+            </a:pPr>
+            <a:endParaRPr/>
+          </a:p>
+          <a:p>
+            <a:pPr marL="343080" indent="-342360">
+              <a:lnSpc>
+                <a:spcPct val="100000"/>
+              </a:lnSpc>
+            </a:pPr>
+            <a:endParaRPr/>
+          </a:p>
+          <a:p>
+            <a:pPr marL="343080" indent="-342360">
+              <a:lnSpc>
+                <a:spcPct val="100000"/>
+              </a:lnSpc>
+            </a:pPr>
+            <a:r>
+              <a:rPr lang="en-US" sz="1500" spc="-1" strike="noStrike">
                 <a:solidFill>
                   <a:srgbClr val="000000"/>
                 </a:solidFill>
@@ -6649,47 +6353,47 @@
             <a:endParaRPr/>
           </a:p>
           <a:p>
-            <a:pPr marL="343080" indent="-342720">
-              <a:lnSpc>
-                <a:spcPct val="100000"/>
-              </a:lnSpc>
-            </a:pPr>
-            <a:endParaRPr/>
-          </a:p>
-          <a:p>
-            <a:pPr marL="343080" indent="-342720">
-              <a:lnSpc>
-                <a:spcPct val="100000"/>
-              </a:lnSpc>
-            </a:pPr>
-            <a:endParaRPr/>
-          </a:p>
-          <a:p>
-            <a:pPr marL="343080" indent="-342720">
-              <a:lnSpc>
-                <a:spcPct val="100000"/>
-              </a:lnSpc>
-            </a:pPr>
-            <a:endParaRPr/>
-          </a:p>
-          <a:p>
-            <a:pPr marL="343080" indent="-342720">
-              <a:lnSpc>
-                <a:spcPct val="100000"/>
-              </a:lnSpc>
-            </a:pPr>
-            <a:endParaRPr/>
-          </a:p>
-          <a:p>
-            <a:pPr marL="343080" indent="-342720">
-              <a:lnSpc>
-                <a:spcPct val="100000"/>
-              </a:lnSpc>
-            </a:pPr>
-            <a:endParaRPr/>
-          </a:p>
-          <a:p>
-            <a:pPr marL="343080" indent="-342720">
+            <a:pPr marL="343080" indent="-342360">
+              <a:lnSpc>
+                <a:spcPct val="100000"/>
+              </a:lnSpc>
+            </a:pPr>
+            <a:endParaRPr/>
+          </a:p>
+          <a:p>
+            <a:pPr marL="343080" indent="-342360">
+              <a:lnSpc>
+                <a:spcPct val="100000"/>
+              </a:lnSpc>
+            </a:pPr>
+            <a:endParaRPr/>
+          </a:p>
+          <a:p>
+            <a:pPr marL="343080" indent="-342360">
+              <a:lnSpc>
+                <a:spcPct val="100000"/>
+              </a:lnSpc>
+            </a:pPr>
+            <a:endParaRPr/>
+          </a:p>
+          <a:p>
+            <a:pPr marL="343080" indent="-342360">
+              <a:lnSpc>
+                <a:spcPct val="100000"/>
+              </a:lnSpc>
+            </a:pPr>
+            <a:endParaRPr/>
+          </a:p>
+          <a:p>
+            <a:pPr marL="343080" indent="-342360">
+              <a:lnSpc>
+                <a:spcPct val="100000"/>
+              </a:lnSpc>
+            </a:pPr>
+            <a:endParaRPr/>
+          </a:p>
+          <a:p>
+            <a:pPr marL="343080" indent="-342360">
               <a:lnSpc>
                 <a:spcPct val="100000"/>
               </a:lnSpc>
@@ -6700,14 +6404,14 @@
       </p:sp>
       <p:sp>
         <p:nvSpPr>
-          <p:cNvPr id="131" name="CustomShape 2"/>
+          <p:cNvPr id="125" name="CustomShape 2"/>
           <p:cNvSpPr/>
           <p:nvPr/>
         </p:nvSpPr>
         <p:spPr>
           <a:xfrm>
             <a:off x="0" y="6572160"/>
-            <a:ext cx="785520" cy="285480"/>
+            <a:ext cx="785160" cy="285120"/>
           </a:xfrm>
           <a:prstGeom prst="rect">
             <a:avLst/>
@@ -6739,14 +6443,14 @@
       </p:sp>
       <p:sp>
         <p:nvSpPr>
-          <p:cNvPr id="132" name="TextShape 3"/>
-          <p:cNvSpPr txBox="1"/>
+          <p:cNvPr id="126" name="CustomShape 3"/>
+          <p:cNvSpPr/>
           <p:nvPr/>
         </p:nvSpPr>
         <p:spPr>
           <a:xfrm>
             <a:off x="428760" y="642960"/>
-            <a:ext cx="8257680" cy="785520"/>
+            <a:ext cx="8257320" cy="785160"/>
           </a:xfrm>
           <a:prstGeom prst="rect">
             <a:avLst/>
@@ -6756,16 +6460,22 @@
             <a:noFill/>
           </a:ln>
         </p:spPr>
+        <p:style>
+          <a:lnRef idx="0"/>
+          <a:fillRef idx="0"/>
+          <a:effectRef idx="0"/>
+          <a:fontRef idx="minor"/>
+        </p:style>
         <p:txBody>
-          <a:bodyPr anchor="ctr"/>
-          <a:p>
-            <a:pPr marL="571680" indent="-571320">
-              <a:lnSpc>
-                <a:spcPct val="100000"/>
-              </a:lnSpc>
-            </a:pPr>
-            <a:r>
-              <a:rPr lang="es-ES" sz="3200" spc="-1" strike="noStrike">
+          <a:bodyPr lIns="90000" rIns="90000" tIns="45000" bIns="45000" anchor="ctr"/>
+          <a:p>
+            <a:pPr marL="571680" indent="-570960">
+              <a:lnSpc>
+                <a:spcPct val="100000"/>
+              </a:lnSpc>
+            </a:pPr>
+            <a:r>
+              <a:rPr lang="en-US" sz="3200" spc="-1" strike="noStrike">
                 <a:solidFill>
                   <a:srgbClr val="000000"/>
                 </a:solidFill>
@@ -6784,13 +6494,13 @@
       </p:sp>
       <p:graphicFrame>
         <p:nvGraphicFramePr>
-          <p:cNvPr id="133" name="Table 4"/>
+          <p:cNvPr id="127" name="Table 4"/>
           <p:cNvGraphicFramePr/>
           <p:nvPr/>
         </p:nvGraphicFramePr>
         <p:xfrm>
           <a:off x="214200" y="2500200"/>
-          <a:ext cx="8715240" cy="3428640"/>
+          <a:ext cx="8714880" cy="3428280"/>
         </p:xfrm>
         <a:graphic>
           <a:graphicData uri="http://schemas.openxmlformats.org/drawingml/2006/table">
@@ -6804,7 +6514,7 @@
               <a:tr h="1232640">
                 <a:tc>
                   <a:txBody>
-                    <a:bodyPr lIns="66240" rIns="66240" tIns="66240" bIns="66240"/>
+                    <a:bodyPr lIns="66240" rIns="66240"/>
                     <a:p>
                       <a:pPr>
                         <a:lnSpc>
@@ -6812,7 +6522,7 @@
                         </a:lnSpc>
                       </a:pPr>
                       <a:r>
-                        <a:rPr lang="fr-FR" sz="1500" spc="-1" strike="noStrike">
+                        <a:rPr lang="en-US" sz="1500" spc="-1" strike="noStrike">
                           <a:solidFill>
                             <a:srgbClr val="000000"/>
                           </a:solidFill>
@@ -6834,7 +6544,7 @@
                         </a:lnSpc>
                       </a:pPr>
                       <a:r>
-                        <a:rPr lang="fr-FR" sz="1500" spc="-1" strike="noStrike">
+                        <a:rPr lang="en-US" sz="1500" spc="-1" strike="noStrike">
                           <a:solidFill>
                             <a:srgbClr val="000000"/>
                           </a:solidFill>
@@ -6856,7 +6566,7 @@
                         </a:lnSpc>
                       </a:pPr>
                       <a:r>
-                        <a:rPr lang="fr-FR" sz="1500" spc="-1" strike="noStrike">
+                        <a:rPr lang="en-US" sz="1500" spc="-1" strike="noStrike">
                           <a:solidFill>
                             <a:srgbClr val="000000"/>
                           </a:solidFill>
@@ -6900,7 +6610,7 @@
                 </a:tc>
                 <a:tc>
                   <a:txBody>
-                    <a:bodyPr lIns="66240" rIns="66240" tIns="66240" bIns="66240"/>
+                    <a:bodyPr lIns="66240" rIns="66240"/>
                     <a:p>
                       <a:pPr>
                         <a:lnSpc>
@@ -6908,7 +6618,7 @@
                         </a:lnSpc>
                       </a:pPr>
                       <a:r>
-                        <a:rPr lang="fr-FR" sz="1500" spc="-1" strike="noStrike">
+                        <a:rPr lang="en-US" sz="1500" spc="-1" strike="noStrike">
                           <a:solidFill>
                             <a:srgbClr val="000000"/>
                           </a:solidFill>
@@ -6930,7 +6640,7 @@
                         </a:lnSpc>
                       </a:pPr>
                       <a:r>
-                        <a:rPr lang="fr-FR" sz="1500" spc="-1" strike="noStrike">
+                        <a:rPr lang="en-US" sz="1500" spc="-1" strike="noStrike">
                           <a:solidFill>
                             <a:srgbClr val="000000"/>
                           </a:solidFill>
@@ -6952,7 +6662,7 @@
                         </a:lnSpc>
                       </a:pPr>
                       <a:r>
-                        <a:rPr lang="fr-FR" sz="1500" spc="-1" strike="noStrike">
+                        <a:rPr lang="en-US" sz="1500" spc="-1" strike="noStrike">
                           <a:solidFill>
                             <a:srgbClr val="000000"/>
                           </a:solidFill>
@@ -6996,7 +6706,7 @@
                 </a:tc>
                 <a:tc>
                   <a:txBody>
-                    <a:bodyPr lIns="66240" rIns="66240" tIns="66240" bIns="66240"/>
+                    <a:bodyPr lIns="66240" rIns="66240"/>
                     <a:p>
                       <a:pPr>
                         <a:lnSpc>
@@ -7004,7 +6714,7 @@
                         </a:lnSpc>
                       </a:pPr>
                       <a:r>
-                        <a:rPr lang="fr-FR" sz="1500" spc="-1" strike="noStrike">
+                        <a:rPr lang="en-US" sz="1500" spc="-1" strike="noStrike">
                           <a:solidFill>
                             <a:srgbClr val="000000"/>
                           </a:solidFill>
@@ -7026,7 +6736,7 @@
                         </a:lnSpc>
                       </a:pPr>
                       <a:r>
-                        <a:rPr lang="fr-FR" sz="1500" spc="-1" strike="noStrike">
+                        <a:rPr lang="en-US" sz="1500" spc="-1" strike="noStrike">
                           <a:solidFill>
                             <a:srgbClr val="000000"/>
                           </a:solidFill>
@@ -7048,7 +6758,7 @@
                         </a:lnSpc>
                       </a:pPr>
                       <a:r>
-                        <a:rPr lang="fr-FR" sz="1500" spc="-1" strike="noStrike">
+                        <a:rPr lang="en-US" sz="1500" spc="-1" strike="noStrike">
                           <a:solidFill>
                             <a:srgbClr val="000000"/>
                           </a:solidFill>
@@ -7094,7 +6804,7 @@
               <a:tr h="1232640">
                 <a:tc>
                   <a:txBody>
-                    <a:bodyPr lIns="66240" rIns="66240" tIns="66240" bIns="66240"/>
+                    <a:bodyPr lIns="66240" rIns="66240"/>
                     <a:p>
                       <a:pPr>
                         <a:lnSpc>
@@ -7102,7 +6812,7 @@
                         </a:lnSpc>
                       </a:pPr>
                       <a:r>
-                        <a:rPr lang="fr-FR" sz="1500" spc="-1" strike="noStrike">
+                        <a:rPr lang="en-US" sz="1500" spc="-1" strike="noStrike">
                           <a:solidFill>
                             <a:srgbClr val="000000"/>
                           </a:solidFill>
@@ -7124,7 +6834,7 @@
                         </a:lnSpc>
                       </a:pPr>
                       <a:r>
-                        <a:rPr lang="fr-FR" sz="1500" spc="-1" strike="noStrike">
+                        <a:rPr lang="en-US" sz="1500" spc="-1" strike="noStrike">
                           <a:solidFill>
                             <a:srgbClr val="000000"/>
                           </a:solidFill>
@@ -7146,7 +6856,7 @@
                         </a:lnSpc>
                       </a:pPr>
                       <a:r>
-                        <a:rPr lang="fr-FR" sz="1500" spc="-1" strike="noStrike">
+                        <a:rPr lang="en-US" sz="1500" spc="-1" strike="noStrike">
                           <a:solidFill>
                             <a:srgbClr val="000000"/>
                           </a:solidFill>
@@ -7190,7 +6900,7 @@
                 </a:tc>
                 <a:tc>
                   <a:txBody>
-                    <a:bodyPr lIns="66240" rIns="66240" tIns="66240" bIns="66240"/>
+                    <a:bodyPr lIns="66240" rIns="66240"/>
                     <a:p>
                       <a:pPr>
                         <a:lnSpc>
@@ -7198,7 +6908,7 @@
                         </a:lnSpc>
                       </a:pPr>
                       <a:r>
-                        <a:rPr lang="fr-FR" sz="1500" spc="-1" strike="noStrike">
+                        <a:rPr lang="en-US" sz="1500" spc="-1" strike="noStrike">
                           <a:solidFill>
                             <a:srgbClr val="000000"/>
                           </a:solidFill>
@@ -7220,7 +6930,7 @@
                         </a:lnSpc>
                       </a:pPr>
                       <a:r>
-                        <a:rPr lang="fr-FR" sz="1500" spc="-1" strike="noStrike">
+                        <a:rPr lang="en-US" sz="1500" spc="-1" strike="noStrike">
                           <a:solidFill>
                             <a:srgbClr val="000000"/>
                           </a:solidFill>
@@ -7242,7 +6952,7 @@
                         </a:lnSpc>
                       </a:pPr>
                       <a:r>
-                        <a:rPr lang="fr-FR" sz="1500" spc="-1" strike="noStrike">
+                        <a:rPr lang="en-US" sz="1500" spc="-1" strike="noStrike">
                           <a:solidFill>
                             <a:srgbClr val="000000"/>
                           </a:solidFill>
@@ -7286,7 +6996,7 @@
                 </a:tc>
                 <a:tc>
                   <a:txBody>
-                    <a:bodyPr lIns="66240" rIns="66240" tIns="66240" bIns="66240"/>
+                    <a:bodyPr lIns="66240" rIns="66240"/>
                     <a:p>
                       <a:pPr>
                         <a:lnSpc>
@@ -7294,7 +7004,7 @@
                         </a:lnSpc>
                       </a:pPr>
                       <a:r>
-                        <a:rPr lang="fr-FR" sz="1500" spc="-1" strike="noStrike">
+                        <a:rPr lang="en-US" sz="1500" spc="-1" strike="noStrike">
                           <a:solidFill>
                             <a:srgbClr val="000000"/>
                           </a:solidFill>
@@ -7316,7 +7026,7 @@
                         </a:lnSpc>
                       </a:pPr>
                       <a:r>
-                        <a:rPr lang="fr-FR" sz="1500" spc="-1" strike="noStrike">
+                        <a:rPr lang="en-US" sz="1500" spc="-1" strike="noStrike">
                           <a:solidFill>
                             <a:srgbClr val="000000"/>
                           </a:solidFill>
@@ -7338,7 +7048,7 @@
                         </a:lnSpc>
                       </a:pPr>
                       <a:r>
-                        <a:rPr lang="fr-FR" sz="1500" spc="-1" strike="noStrike">
+                        <a:rPr lang="en-US" sz="1500" spc="-1" strike="noStrike">
                           <a:solidFill>
                             <a:srgbClr val="000000"/>
                           </a:solidFill>
@@ -7384,7 +7094,7 @@
               <a:tr h="963360">
                 <a:tc>
                   <a:txBody>
-                    <a:bodyPr lIns="66240" rIns="66240" tIns="66240" bIns="66240"/>
+                    <a:bodyPr lIns="66240" rIns="66240"/>
                     <a:p>
                       <a:pPr>
                         <a:lnSpc>
@@ -7392,7 +7102,7 @@
                         </a:lnSpc>
                       </a:pPr>
                       <a:r>
-                        <a:rPr lang="fr-FR" sz="1500" spc="-1" strike="noStrike">
+                        <a:rPr lang="en-US" sz="1500" spc="-1" strike="noStrike">
                           <a:solidFill>
                             <a:srgbClr val="000000"/>
                           </a:solidFill>
@@ -7414,7 +7124,7 @@
                         </a:lnSpc>
                       </a:pPr>
                       <a:r>
-                        <a:rPr lang="fr-FR" sz="1500" spc="-1" strike="noStrike">
+                        <a:rPr lang="en-US" sz="1500" spc="-1" strike="noStrike">
                           <a:solidFill>
                             <a:srgbClr val="000000"/>
                           </a:solidFill>
@@ -7436,7 +7146,7 @@
                         </a:lnSpc>
                       </a:pPr>
                       <a:r>
-                        <a:rPr lang="fr-FR" sz="1500" spc="-1" strike="noStrike">
+                        <a:rPr lang="en-US" sz="1500" spc="-1" strike="noStrike">
                           <a:solidFill>
                             <a:srgbClr val="000000"/>
                           </a:solidFill>
@@ -7480,7 +7190,7 @@
                 </a:tc>
                 <a:tc>
                   <a:txBody>
-                    <a:bodyPr lIns="66240" rIns="66240" tIns="66240" bIns="66240"/>
+                    <a:bodyPr lIns="66240" rIns="66240"/>
                     <a:p>
                       <a:pPr>
                         <a:lnSpc>
@@ -7488,7 +7198,7 @@
                         </a:lnSpc>
                       </a:pPr>
                       <a:r>
-                        <a:rPr lang="fr-FR" sz="1500" spc="-1" strike="noStrike">
+                        <a:rPr lang="en-US" sz="1500" spc="-1" strike="noStrike">
                           <a:solidFill>
                             <a:srgbClr val="000000"/>
                           </a:solidFill>
@@ -7510,7 +7220,7 @@
                         </a:lnSpc>
                       </a:pPr>
                       <a:r>
-                        <a:rPr lang="fr-FR" sz="1500" spc="-1" strike="noStrike">
+                        <a:rPr lang="en-US" sz="1500" spc="-1" strike="noStrike">
                           <a:solidFill>
                             <a:srgbClr val="000000"/>
                           </a:solidFill>
@@ -7532,7 +7242,7 @@
                         </a:lnSpc>
                       </a:pPr>
                       <a:r>
-                        <a:rPr lang="fr-FR" sz="1500" spc="-1" strike="noStrike">
+                        <a:rPr lang="en-US" sz="1500" spc="-1" strike="noStrike">
                           <a:solidFill>
                             <a:srgbClr val="000000"/>
                           </a:solidFill>
@@ -7576,7 +7286,7 @@
                 </a:tc>
                 <a:tc>
                   <a:txBody>
-                    <a:bodyPr lIns="66240" rIns="66240" tIns="66240" bIns="66240"/>
+                    <a:bodyPr lIns="66240" rIns="66240"/>
                     <a:p>
                       <a:pPr>
                         <a:lnSpc>
@@ -7584,7 +7294,7 @@
                         </a:lnSpc>
                       </a:pPr>
                       <a:r>
-                        <a:rPr lang="fr-FR" sz="1500" spc="-1" strike="noStrike">
+                        <a:rPr lang="en-US" sz="1500" spc="-1" strike="noStrike">
                           <a:solidFill>
                             <a:srgbClr val="000000"/>
                           </a:solidFill>
@@ -7606,7 +7316,7 @@
                         </a:lnSpc>
                       </a:pPr>
                       <a:r>
-                        <a:rPr lang="fr-FR" sz="1500" spc="-1" strike="noStrike">
+                        <a:rPr lang="en-US" sz="1500" spc="-1" strike="noStrike">
                           <a:solidFill>
                             <a:srgbClr val="000000"/>
                           </a:solidFill>
@@ -7628,7 +7338,7 @@
                         </a:lnSpc>
                       </a:pPr>
                       <a:r>
-                        <a:rPr lang="fr-FR" sz="1500" spc="-1" strike="noStrike">
+                        <a:rPr lang="en-US" sz="1500" spc="-1" strike="noStrike">
                           <a:solidFill>
                             <a:srgbClr val="000000"/>
                           </a:solidFill>
@@ -7726,14 +7436,14 @@
       </p:grpSpPr>
       <p:sp>
         <p:nvSpPr>
-          <p:cNvPr id="134" name="TextShape 1"/>
-          <p:cNvSpPr txBox="1"/>
+          <p:cNvPr id="128" name="CustomShape 1"/>
+          <p:cNvSpPr/>
           <p:nvPr/>
         </p:nvSpPr>
         <p:spPr>
           <a:xfrm>
             <a:off x="457200" y="1714320"/>
-            <a:ext cx="8229240" cy="4411440"/>
+            <a:ext cx="8228880" cy="4411080"/>
           </a:xfrm>
           <a:prstGeom prst="rect">
             <a:avLst/>
@@ -7743,23 +7453,23 @@
             <a:noFill/>
           </a:ln>
         </p:spPr>
-        <p:txBody>
-          <a:bodyPr/>
-          <a:p>
-            <a:endParaRPr/>
-          </a:p>
-        </p:txBody>
-      </p:sp>
-      <p:sp>
-        <p:nvSpPr>
-          <p:cNvPr id="135" name="CustomShape 2"/>
+        <p:style>
+          <a:lnRef idx="0"/>
+          <a:fillRef idx="0"/>
+          <a:effectRef idx="0"/>
+          <a:fontRef idx="minor"/>
+        </p:style>
+      </p:sp>
+      <p:sp>
+        <p:nvSpPr>
+          <p:cNvPr id="129" name="CustomShape 2"/>
           <p:cNvSpPr/>
           <p:nvPr/>
         </p:nvSpPr>
         <p:spPr>
           <a:xfrm>
             <a:off x="0" y="6572160"/>
-            <a:ext cx="785520" cy="285480"/>
+            <a:ext cx="785160" cy="285120"/>
           </a:xfrm>
           <a:prstGeom prst="rect">
             <a:avLst/>
@@ -7791,14 +7501,14 @@
       </p:sp>
       <p:sp>
         <p:nvSpPr>
-          <p:cNvPr id="136" name="TextShape 3"/>
-          <p:cNvSpPr txBox="1"/>
+          <p:cNvPr id="130" name="CustomShape 3"/>
+          <p:cNvSpPr/>
           <p:nvPr/>
         </p:nvSpPr>
         <p:spPr>
           <a:xfrm>
             <a:off x="428760" y="642960"/>
-            <a:ext cx="8257680" cy="785520"/>
+            <a:ext cx="8257320" cy="785160"/>
           </a:xfrm>
           <a:prstGeom prst="rect">
             <a:avLst/>
@@ -7808,16 +7518,22 @@
             <a:noFill/>
           </a:ln>
         </p:spPr>
+        <p:style>
+          <a:lnRef idx="0"/>
+          <a:fillRef idx="0"/>
+          <a:effectRef idx="0"/>
+          <a:fontRef idx="minor"/>
+        </p:style>
         <p:txBody>
-          <a:bodyPr anchor="ctr"/>
-          <a:p>
-            <a:pPr marL="571680" indent="-571320">
-              <a:lnSpc>
-                <a:spcPct val="100000"/>
-              </a:lnSpc>
-            </a:pPr>
-            <a:r>
-              <a:rPr lang="es-ES" sz="3200" spc="-1" strike="noStrike">
+          <a:bodyPr lIns="90000" rIns="90000" tIns="45000" bIns="45000" anchor="ctr"/>
+          <a:p>
+            <a:pPr marL="571680" indent="-570960">
+              <a:lnSpc>
+                <a:spcPct val="100000"/>
+              </a:lnSpc>
+            </a:pPr>
+            <a:r>
+              <a:rPr lang="en-US" sz="3200" spc="-1" strike="noStrike">
                 <a:solidFill>
                   <a:srgbClr val="000000"/>
                 </a:solidFill>
@@ -7885,14 +7601,14 @@
       </p:grpSpPr>
       <p:sp>
         <p:nvSpPr>
-          <p:cNvPr id="137" name="TextShape 1"/>
-          <p:cNvSpPr txBox="1"/>
+          <p:cNvPr id="131" name="CustomShape 1"/>
+          <p:cNvSpPr/>
           <p:nvPr/>
         </p:nvSpPr>
         <p:spPr>
           <a:xfrm>
             <a:off x="457200" y="1714320"/>
-            <a:ext cx="8229240" cy="4411440"/>
+            <a:ext cx="8228880" cy="4411080"/>
           </a:xfrm>
           <a:prstGeom prst="rect">
             <a:avLst/>
@@ -7902,23 +7618,23 @@
             <a:noFill/>
           </a:ln>
         </p:spPr>
-        <p:txBody>
-          <a:bodyPr/>
-          <a:p>
-            <a:endParaRPr/>
-          </a:p>
-        </p:txBody>
-      </p:sp>
-      <p:sp>
-        <p:nvSpPr>
-          <p:cNvPr id="138" name="CustomShape 2"/>
+        <p:style>
+          <a:lnRef idx="0"/>
+          <a:fillRef idx="0"/>
+          <a:effectRef idx="0"/>
+          <a:fontRef idx="minor"/>
+        </p:style>
+      </p:sp>
+      <p:sp>
+        <p:nvSpPr>
+          <p:cNvPr id="132" name="CustomShape 2"/>
           <p:cNvSpPr/>
           <p:nvPr/>
         </p:nvSpPr>
         <p:spPr>
           <a:xfrm>
             <a:off x="0" y="6572160"/>
-            <a:ext cx="785520" cy="285480"/>
+            <a:ext cx="785160" cy="285120"/>
           </a:xfrm>
           <a:prstGeom prst="rect">
             <a:avLst/>
@@ -7950,14 +7666,14 @@
       </p:sp>
       <p:sp>
         <p:nvSpPr>
-          <p:cNvPr id="139" name="TextShape 3"/>
-          <p:cNvSpPr txBox="1"/>
+          <p:cNvPr id="133" name="CustomShape 3"/>
+          <p:cNvSpPr/>
           <p:nvPr/>
         </p:nvSpPr>
         <p:spPr>
           <a:xfrm>
             <a:off x="428760" y="642960"/>
-            <a:ext cx="8257680" cy="785520"/>
+            <a:ext cx="8257320" cy="785160"/>
           </a:xfrm>
           <a:prstGeom prst="rect">
             <a:avLst/>
@@ -7967,16 +7683,22 @@
             <a:noFill/>
           </a:ln>
         </p:spPr>
+        <p:style>
+          <a:lnRef idx="0"/>
+          <a:fillRef idx="0"/>
+          <a:effectRef idx="0"/>
+          <a:fontRef idx="minor"/>
+        </p:style>
         <p:txBody>
-          <a:bodyPr anchor="ctr"/>
-          <a:p>
-            <a:pPr marL="571680" indent="-571320">
-              <a:lnSpc>
-                <a:spcPct val="100000"/>
-              </a:lnSpc>
-            </a:pPr>
-            <a:r>
-              <a:rPr lang="es-ES" sz="3200" spc="-1" strike="noStrike">
+          <a:bodyPr lIns="90000" rIns="90000" tIns="45000" bIns="45000" anchor="ctr"/>
+          <a:p>
+            <a:pPr marL="571680" indent="-570960">
+              <a:lnSpc>
+                <a:spcPct val="100000"/>
+              </a:lnSpc>
+            </a:pPr>
+            <a:r>
+              <a:rPr lang="en-US" sz="3200" spc="-1" strike="noStrike">
                 <a:solidFill>
                   <a:srgbClr val="000000"/>
                 </a:solidFill>
@@ -8044,14 +7766,14 @@
       </p:grpSpPr>
       <p:sp>
         <p:nvSpPr>
-          <p:cNvPr id="83" name="TextShape 1"/>
-          <p:cNvSpPr txBox="1"/>
+          <p:cNvPr id="77" name="CustomShape 1"/>
+          <p:cNvSpPr/>
           <p:nvPr/>
         </p:nvSpPr>
         <p:spPr>
           <a:xfrm>
             <a:off x="457200" y="274680"/>
-            <a:ext cx="8229240" cy="1142640"/>
+            <a:ext cx="8228880" cy="1142280"/>
           </a:xfrm>
           <a:prstGeom prst="rect">
             <a:avLst/>
@@ -8061,8 +7783,14 @@
             <a:noFill/>
           </a:ln>
         </p:spPr>
+        <p:style>
+          <a:lnRef idx="0"/>
+          <a:fillRef idx="0"/>
+          <a:effectRef idx="0"/>
+          <a:fontRef idx="minor"/>
+        </p:style>
         <p:txBody>
-          <a:bodyPr anchor="ctr"/>
+          <a:bodyPr lIns="90000" rIns="90000" tIns="45000" bIns="45000" anchor="ctr"/>
           <a:p>
             <a:pPr algn="ctr">
               <a:lnSpc>
@@ -8070,7 +7798,7 @@
               </a:lnSpc>
             </a:pPr>
             <a:r>
-              <a:rPr lang="es-ES" sz="4400" spc="-1" strike="noStrike">
+              <a:rPr lang="en-US" sz="4400" spc="-1" strike="noStrike">
                 <a:solidFill>
                   <a:srgbClr val="000000"/>
                 </a:solidFill>
@@ -8089,14 +7817,14 @@
       </p:sp>
       <p:sp>
         <p:nvSpPr>
-          <p:cNvPr id="84" name="TextShape 2"/>
-          <p:cNvSpPr txBox="1"/>
+          <p:cNvPr id="78" name="CustomShape 2"/>
+          <p:cNvSpPr/>
           <p:nvPr/>
         </p:nvSpPr>
         <p:spPr>
           <a:xfrm>
             <a:off x="457200" y="1600200"/>
-            <a:ext cx="8229240" cy="4525560"/>
+            <a:ext cx="8228880" cy="4525200"/>
           </a:xfrm>
           <a:prstGeom prst="rect">
             <a:avLst/>
@@ -8106,56 +7834,62 @@
             <a:noFill/>
           </a:ln>
         </p:spPr>
+        <p:style>
+          <a:lnRef idx="0"/>
+          <a:fillRef idx="0"/>
+          <a:effectRef idx="0"/>
+          <a:fontRef idx="minor"/>
+        </p:style>
         <p:txBody>
-          <a:bodyPr/>
-          <a:p>
-            <a:pPr marL="343080" indent="-342720">
-              <a:lnSpc>
-                <a:spcPct val="100000"/>
-              </a:lnSpc>
-            </a:pPr>
-            <a:endParaRPr/>
-          </a:p>
-          <a:p>
-            <a:pPr marL="343080" indent="-342720">
-              <a:lnSpc>
-                <a:spcPct val="100000"/>
-              </a:lnSpc>
-            </a:pPr>
-            <a:endParaRPr/>
-          </a:p>
-          <a:p>
-            <a:pPr marL="343080" indent="-342720">
-              <a:lnSpc>
-                <a:spcPct val="100000"/>
-              </a:lnSpc>
-            </a:pPr>
-            <a:endParaRPr/>
-          </a:p>
-          <a:p>
-            <a:pPr marL="343080" indent="-342720">
-              <a:lnSpc>
-                <a:spcPct val="100000"/>
-              </a:lnSpc>
-            </a:pPr>
-            <a:endParaRPr/>
-          </a:p>
-          <a:p>
-            <a:pPr marL="343080" indent="-342720" algn="ctr">
-              <a:lnSpc>
-                <a:spcPct val="100000"/>
-              </a:lnSpc>
-            </a:pPr>
-            <a:endParaRPr/>
-          </a:p>
-          <a:p>
-            <a:pPr marL="343080" indent="-342720" algn="ctr">
-              <a:lnSpc>
-                <a:spcPct val="100000"/>
-              </a:lnSpc>
-            </a:pPr>
-            <a:r>
-              <a:rPr b="1" lang="es-ES" sz="1500" spc="-1" strike="noStrike">
+          <a:bodyPr lIns="90000" rIns="90000" tIns="45000" bIns="45000"/>
+          <a:p>
+            <a:pPr marL="343080" indent="-342360">
+              <a:lnSpc>
+                <a:spcPct val="100000"/>
+              </a:lnSpc>
+            </a:pPr>
+            <a:endParaRPr/>
+          </a:p>
+          <a:p>
+            <a:pPr marL="343080" indent="-342360">
+              <a:lnSpc>
+                <a:spcPct val="100000"/>
+              </a:lnSpc>
+            </a:pPr>
+            <a:endParaRPr/>
+          </a:p>
+          <a:p>
+            <a:pPr marL="343080" indent="-342360">
+              <a:lnSpc>
+                <a:spcPct val="100000"/>
+              </a:lnSpc>
+            </a:pPr>
+            <a:endParaRPr/>
+          </a:p>
+          <a:p>
+            <a:pPr marL="343080" indent="-342360">
+              <a:lnSpc>
+                <a:spcPct val="100000"/>
+              </a:lnSpc>
+            </a:pPr>
+            <a:endParaRPr/>
+          </a:p>
+          <a:p>
+            <a:pPr marL="343080" indent="-342360" algn="ctr">
+              <a:lnSpc>
+                <a:spcPct val="100000"/>
+              </a:lnSpc>
+            </a:pPr>
+            <a:endParaRPr/>
+          </a:p>
+          <a:p>
+            <a:pPr marL="343080" indent="-342360" algn="ctr">
+              <a:lnSpc>
+                <a:spcPct val="100000"/>
+              </a:lnSpc>
+            </a:pPr>
+            <a:r>
+              <a:rPr b="1" lang="en-US" sz="1500" spc="-1" strike="noStrike">
                 <a:solidFill>
                   <a:srgbClr val="000000"/>
                 </a:solidFill>
@@ -8171,21 +7905,21 @@
             <a:endParaRPr/>
           </a:p>
           <a:p>
-            <a:pPr marL="343080" indent="-342720" algn="ctr">
-              <a:lnSpc>
-                <a:spcPct val="100000"/>
-              </a:lnSpc>
-            </a:pPr>
-            <a:endParaRPr/>
-          </a:p>
-          <a:p>
-            <a:pPr marL="343080" indent="-342720" algn="ctr">
-              <a:lnSpc>
-                <a:spcPct val="100000"/>
-              </a:lnSpc>
-            </a:pPr>
-            <a:r>
-              <a:rPr b="1" lang="es-ES" sz="1500" spc="-1" strike="noStrike">
+            <a:pPr marL="343080" indent="-342360" algn="ctr">
+              <a:lnSpc>
+                <a:spcPct val="100000"/>
+              </a:lnSpc>
+            </a:pPr>
+            <a:endParaRPr/>
+          </a:p>
+          <a:p>
+            <a:pPr marL="343080" indent="-342360" algn="ctr">
+              <a:lnSpc>
+                <a:spcPct val="100000"/>
+              </a:lnSpc>
+            </a:pPr>
+            <a:r>
+              <a:rPr b="1" lang="en-US" sz="1500" spc="-1" strike="noStrike">
                 <a:solidFill>
                   <a:srgbClr val="000000"/>
                 </a:solidFill>
@@ -8201,21 +7935,21 @@
             <a:endParaRPr/>
           </a:p>
           <a:p>
-            <a:pPr marL="343080" indent="-342720" algn="ctr">
-              <a:lnSpc>
-                <a:spcPct val="100000"/>
-              </a:lnSpc>
-            </a:pPr>
-            <a:endParaRPr/>
-          </a:p>
-          <a:p>
-            <a:pPr marL="343080" indent="-342720" algn="ctr">
-              <a:lnSpc>
-                <a:spcPct val="100000"/>
-              </a:lnSpc>
-            </a:pPr>
-            <a:r>
-              <a:rPr b="1" lang="es-ES" sz="1500" spc="-1" strike="noStrike">
+            <a:pPr marL="343080" indent="-342360" algn="ctr">
+              <a:lnSpc>
+                <a:spcPct val="100000"/>
+              </a:lnSpc>
+            </a:pPr>
+            <a:endParaRPr/>
+          </a:p>
+          <a:p>
+            <a:pPr marL="343080" indent="-342360" algn="ctr">
+              <a:lnSpc>
+                <a:spcPct val="100000"/>
+              </a:lnSpc>
+            </a:pPr>
+            <a:r>
+              <a:rPr b="1" lang="en-US" sz="1500" spc="-1" strike="noStrike">
                 <a:solidFill>
                   <a:srgbClr val="000000"/>
                 </a:solidFill>
@@ -8231,7 +7965,7 @@
             <a:endParaRPr/>
           </a:p>
           <a:p>
-            <a:pPr marL="343080" indent="-342720">
+            <a:pPr marL="343080" indent="-342360">
               <a:lnSpc>
                 <a:spcPct val="100000"/>
               </a:lnSpc>
@@ -8242,14 +7976,14 @@
       </p:sp>
       <p:sp>
         <p:nvSpPr>
-          <p:cNvPr id="85" name="CustomShape 3"/>
+          <p:cNvPr id="79" name="CustomShape 3"/>
           <p:cNvSpPr/>
           <p:nvPr/>
         </p:nvSpPr>
         <p:spPr>
           <a:xfrm>
             <a:off x="0" y="6572160"/>
-            <a:ext cx="785520" cy="285480"/>
+            <a:ext cx="785160" cy="285120"/>
           </a:xfrm>
           <a:prstGeom prst="rect">
             <a:avLst/>
@@ -8330,14 +8064,14 @@
       </p:grpSpPr>
       <p:sp>
         <p:nvSpPr>
-          <p:cNvPr id="86" name="TextShape 1"/>
-          <p:cNvSpPr txBox="1"/>
+          <p:cNvPr id="80" name="CustomShape 1"/>
+          <p:cNvSpPr/>
           <p:nvPr/>
         </p:nvSpPr>
         <p:spPr>
           <a:xfrm>
             <a:off x="457200" y="274680"/>
-            <a:ext cx="8229240" cy="1142640"/>
+            <a:ext cx="8228880" cy="1142280"/>
           </a:xfrm>
           <a:prstGeom prst="rect">
             <a:avLst/>
@@ -8347,8 +8081,14 @@
             <a:noFill/>
           </a:ln>
         </p:spPr>
+        <p:style>
+          <a:lnRef idx="0"/>
+          <a:fillRef idx="0"/>
+          <a:effectRef idx="0"/>
+          <a:fontRef idx="minor"/>
+        </p:style>
         <p:txBody>
-          <a:bodyPr anchor="ctr"/>
+          <a:bodyPr lIns="90000" rIns="90000" tIns="45000" bIns="45000" anchor="ctr"/>
           <a:p>
             <a:pPr>
               <a:lnSpc>
@@ -8356,7 +8096,7 @@
               </a:lnSpc>
             </a:pPr>
             <a:r>
-              <a:rPr lang="es-ES" sz="4400" spc="-1" strike="noStrike">
+              <a:rPr lang="en-US" sz="4400" spc="-1" strike="noStrike">
                 <a:solidFill>
                   <a:srgbClr val="000000"/>
                 </a:solidFill>
@@ -8375,14 +8115,14 @@
       </p:sp>
       <p:sp>
         <p:nvSpPr>
-          <p:cNvPr id="87" name="TextShape 2"/>
-          <p:cNvSpPr txBox="1"/>
+          <p:cNvPr id="81" name="CustomShape 2"/>
+          <p:cNvSpPr/>
           <p:nvPr/>
         </p:nvSpPr>
         <p:spPr>
           <a:xfrm>
             <a:off x="457200" y="1600200"/>
-            <a:ext cx="8229240" cy="4525560"/>
+            <a:ext cx="8228880" cy="4525200"/>
           </a:xfrm>
           <a:prstGeom prst="rect">
             <a:avLst/>
@@ -8392,8 +8132,14 @@
             <a:noFill/>
           </a:ln>
         </p:spPr>
+        <p:style>
+          <a:lnRef idx="0"/>
+          <a:fillRef idx="0"/>
+          <a:effectRef idx="0"/>
+          <a:fontRef idx="minor"/>
+        </p:style>
         <p:txBody>
-          <a:bodyPr/>
+          <a:bodyPr lIns="90000" rIns="90000" tIns="45000" bIns="45000"/>
           <a:p>
             <a:pPr>
               <a:lnSpc>
@@ -8403,15 +8149,15 @@
             <a:endParaRPr/>
           </a:p>
           <a:p>
-            <a:pPr marL="343080" indent="-342720">
-              <a:lnSpc>
-                <a:spcPct val="100000"/>
-              </a:lnSpc>
-              <a:buFont typeface="Symbol" charset="2"/>
+            <a:pPr marL="343080" indent="-342360">
+              <a:lnSpc>
+                <a:spcPct val="100000"/>
+              </a:lnSpc>
+              <a:buFont typeface="Symbol"/>
               <a:buChar char=""/>
             </a:pPr>
             <a:r>
-              <a:rPr lang="es-ES" sz="3200" spc="-1" strike="noStrike">
+              <a:rPr lang="en-US" sz="3200" spc="-1" strike="noStrike">
                 <a:solidFill>
                   <a:srgbClr val="000000"/>
                 </a:solidFill>
@@ -8427,15 +8173,15 @@
             <a:endParaRPr/>
           </a:p>
           <a:p>
-            <a:pPr marL="343080" indent="-342720">
-              <a:lnSpc>
-                <a:spcPct val="100000"/>
-              </a:lnSpc>
-              <a:buFont typeface="Symbol" charset="2"/>
+            <a:pPr marL="343080" indent="-342360">
+              <a:lnSpc>
+                <a:spcPct val="100000"/>
+              </a:lnSpc>
+              <a:buFont typeface="Symbol"/>
               <a:buChar char=""/>
             </a:pPr>
             <a:r>
-              <a:rPr lang="es-ES" sz="3200" spc="-1" strike="noStrike">
+              <a:rPr lang="en-US" sz="3200" spc="-1" strike="noStrike">
                 <a:solidFill>
                   <a:srgbClr val="000000"/>
                 </a:solidFill>
@@ -8451,15 +8197,15 @@
             <a:endParaRPr/>
           </a:p>
           <a:p>
-            <a:pPr marL="343080" indent="-342720">
-              <a:lnSpc>
-                <a:spcPct val="100000"/>
-              </a:lnSpc>
-              <a:buFont typeface="Symbol" charset="2"/>
+            <a:pPr marL="343080" indent="-342360">
+              <a:lnSpc>
+                <a:spcPct val="100000"/>
+              </a:lnSpc>
+              <a:buFont typeface="Symbol"/>
               <a:buChar char=""/>
             </a:pPr>
             <a:r>
-              <a:rPr lang="es-ES" sz="3200" spc="-1" strike="noStrike">
+              <a:rPr lang="en-US" sz="3200" spc="-1" strike="noStrike">
                 <a:solidFill>
                   <a:srgbClr val="000000"/>
                 </a:solidFill>
@@ -8486,14 +8232,14 @@
       </p:sp>
       <p:sp>
         <p:nvSpPr>
-          <p:cNvPr id="88" name="CustomShape 3"/>
+          <p:cNvPr id="82" name="CustomShape 3"/>
           <p:cNvSpPr/>
           <p:nvPr/>
         </p:nvSpPr>
         <p:spPr>
           <a:xfrm>
             <a:off x="0" y="6572160"/>
-            <a:ext cx="785520" cy="285480"/>
+            <a:ext cx="785160" cy="285120"/>
           </a:xfrm>
           <a:prstGeom prst="rect">
             <a:avLst/>
@@ -8574,14 +8320,14 @@
       </p:grpSpPr>
       <p:sp>
         <p:nvSpPr>
-          <p:cNvPr id="89" name="TextShape 1"/>
-          <p:cNvSpPr txBox="1"/>
+          <p:cNvPr id="83" name="CustomShape 1"/>
+          <p:cNvSpPr/>
           <p:nvPr/>
         </p:nvSpPr>
         <p:spPr>
           <a:xfrm>
             <a:off x="428760" y="642960"/>
-            <a:ext cx="8257680" cy="785520"/>
+            <a:ext cx="8257320" cy="785160"/>
           </a:xfrm>
           <a:prstGeom prst="rect">
             <a:avLst/>
@@ -8591,10 +8337,16 @@
             <a:noFill/>
           </a:ln>
         </p:spPr>
+        <p:style>
+          <a:lnRef idx="0"/>
+          <a:fillRef idx="0"/>
+          <a:effectRef idx="0"/>
+          <a:fontRef idx="minor"/>
+        </p:style>
         <p:txBody>
-          <a:bodyPr anchor="ctr"/>
-          <a:p>
-            <a:pPr marL="571680" indent="-571320">
+          <a:bodyPr lIns="90000" rIns="90000" tIns="45000" bIns="45000" anchor="ctr"/>
+          <a:p>
+            <a:pPr marL="571680" indent="-570960">
               <a:lnSpc>
                 <a:spcPct val="100000"/>
               </a:lnSpc>
@@ -8602,7 +8354,7 @@
               <a:buAutoNum type="romanUcPeriod"/>
             </a:pPr>
             <a:r>
-              <a:rPr lang="es-ES" sz="3200" spc="-1" strike="noStrike">
+              <a:rPr lang="en-US" sz="3200" spc="-1" strike="noStrike">
                 <a:solidFill>
                   <a:srgbClr val="000000"/>
                 </a:solidFill>
@@ -8621,14 +8373,14 @@
       </p:sp>
       <p:sp>
         <p:nvSpPr>
-          <p:cNvPr id="90" name="TextShape 2"/>
-          <p:cNvSpPr txBox="1"/>
+          <p:cNvPr id="84" name="CustomShape 2"/>
+          <p:cNvSpPr/>
           <p:nvPr/>
         </p:nvSpPr>
         <p:spPr>
           <a:xfrm>
             <a:off x="428760" y="1500120"/>
-            <a:ext cx="8229240" cy="4525560"/>
+            <a:ext cx="8228880" cy="4525200"/>
           </a:xfrm>
           <a:prstGeom prst="rect">
             <a:avLst/>
@@ -8638,24 +8390,30 @@
             <a:noFill/>
           </a:ln>
         </p:spPr>
+        <p:style>
+          <a:lnRef idx="0"/>
+          <a:fillRef idx="0"/>
+          <a:effectRef idx="0"/>
+          <a:fontRef idx="minor"/>
+        </p:style>
         <p:txBody>
-          <a:bodyPr/>
-          <a:p>
-            <a:pPr marL="343080" indent="-342720">
-              <a:lnSpc>
-                <a:spcPct val="100000"/>
-              </a:lnSpc>
-            </a:pPr>
-            <a:endParaRPr/>
-          </a:p>
-          <a:p>
-            <a:pPr marL="343080" indent="-342720">
-              <a:lnSpc>
-                <a:spcPct val="100000"/>
-              </a:lnSpc>
-            </a:pPr>
-            <a:r>
-              <a:rPr b="1" lang="es-ES" sz="1500" spc="-1" strike="noStrike" u="sng">
+          <a:bodyPr lIns="90000" rIns="90000" tIns="45000" bIns="45000"/>
+          <a:p>
+            <a:pPr marL="343080" indent="-342360">
+              <a:lnSpc>
+                <a:spcPct val="100000"/>
+              </a:lnSpc>
+            </a:pPr>
+            <a:endParaRPr/>
+          </a:p>
+          <a:p>
+            <a:pPr marL="343080" indent="-342360">
+              <a:lnSpc>
+                <a:spcPct val="100000"/>
+              </a:lnSpc>
+            </a:pPr>
+            <a:r>
+              <a:rPr b="1" lang="en-US" sz="1500" spc="-1" strike="noStrike" u="sng">
                 <a:solidFill>
                   <a:srgbClr val="c00000"/>
                 </a:solidFill>
@@ -8670,7 +8428,7 @@
               <a:t>General presentation</a:t>
             </a:r>
             <a:r>
-              <a:rPr b="1" lang="es-ES" sz="1500" spc="-1" strike="noStrike">
+              <a:rPr b="1" lang="en-US" sz="1500" spc="-1" strike="noStrike">
                 <a:solidFill>
                   <a:srgbClr val="c00000"/>
                 </a:solidFill>
@@ -8687,21 +8445,21 @@
             <a:endParaRPr/>
           </a:p>
           <a:p>
-            <a:pPr marL="343080" indent="-342720">
-              <a:lnSpc>
-                <a:spcPct val="100000"/>
-              </a:lnSpc>
-            </a:pPr>
-            <a:endParaRPr/>
-          </a:p>
-          <a:p>
-            <a:pPr marL="343080" indent="-342720">
-              <a:lnSpc>
-                <a:spcPct val="100000"/>
-              </a:lnSpc>
-            </a:pPr>
-            <a:r>
-              <a:rPr lang="es-ES" sz="1500" spc="-1" strike="noStrike">
+            <a:pPr marL="343080" indent="-342360">
+              <a:lnSpc>
+                <a:spcPct val="100000"/>
+              </a:lnSpc>
+            </a:pPr>
+            <a:endParaRPr/>
+          </a:p>
+          <a:p>
+            <a:pPr marL="343080" indent="-342360">
+              <a:lnSpc>
+                <a:spcPct val="100000"/>
+              </a:lnSpc>
+            </a:pPr>
+            <a:r>
+              <a:rPr lang="en-US" sz="1500" spc="-1" strike="noStrike">
                 <a:solidFill>
                   <a:srgbClr val="000000"/>
                 </a:solidFill>
@@ -8718,21 +8476,21 @@
             <a:endParaRPr/>
           </a:p>
           <a:p>
-            <a:pPr marL="457200" indent="-317160">
-              <a:lnSpc>
-                <a:spcPct val="100000"/>
-              </a:lnSpc>
-            </a:pPr>
-            <a:endParaRPr/>
-          </a:p>
-          <a:p>
-            <a:pPr marL="482760" indent="-342720">
-              <a:lnSpc>
-                <a:spcPct val="100000"/>
-              </a:lnSpc>
-            </a:pPr>
-            <a:r>
-              <a:rPr lang="es-ES" sz="1200" spc="-1" strike="noStrike">
+            <a:pPr marL="457200" indent="-316800">
+              <a:lnSpc>
+                <a:spcPct val="100000"/>
+              </a:lnSpc>
+            </a:pPr>
+            <a:endParaRPr/>
+          </a:p>
+          <a:p>
+            <a:pPr marL="482760" indent="-342360">
+              <a:lnSpc>
+                <a:spcPct val="100000"/>
+              </a:lnSpc>
+            </a:pPr>
+            <a:r>
+              <a:rPr lang="en-US" sz="1200" spc="-1" strike="noStrike">
                 <a:solidFill>
                   <a:srgbClr val="464af4"/>
                 </a:solidFill>
@@ -8747,7 +8505,7 @@
               <a:t>         </a:t>
             </a:r>
             <a:r>
-              <a:rPr lang="es-ES" sz="1200" spc="-1" strike="noStrike">
+              <a:rPr lang="en-US" sz="1200" spc="-1" strike="noStrike">
                 <a:solidFill>
                   <a:srgbClr val="464af4"/>
                 </a:solidFill>
@@ -8764,13 +8522,13 @@
             <a:endParaRPr/>
           </a:p>
           <a:p>
-            <a:pPr marL="457200" indent="-317160">
-              <a:lnSpc>
-                <a:spcPct val="100000"/>
-              </a:lnSpc>
-            </a:pPr>
-            <a:r>
-              <a:rPr lang="es-ES" sz="1200" spc="-1" strike="noStrike">
+            <a:pPr marL="457200" indent="-316800">
+              <a:lnSpc>
+                <a:spcPct val="100000"/>
+              </a:lnSpc>
+            </a:pPr>
+            <a:r>
+              <a:rPr lang="en-US" sz="1200" spc="-1" strike="noStrike">
                 <a:solidFill>
                   <a:srgbClr val="464af4"/>
                 </a:solidFill>
@@ -8785,7 +8543,7 @@
               <a:t>	</a:t>
             </a:r>
             <a:r>
-              <a:rPr lang="es-ES" sz="1200" spc="-1" strike="noStrike">
+              <a:rPr lang="en-US" sz="1200" spc="-1" strike="noStrike">
                 <a:solidFill>
                   <a:srgbClr val="464af4"/>
                 </a:solidFill>
@@ -8802,13 +8560,13 @@
             <a:endParaRPr/>
           </a:p>
           <a:p>
-            <a:pPr marL="457200" indent="-317160">
-              <a:lnSpc>
-                <a:spcPct val="100000"/>
-              </a:lnSpc>
-            </a:pPr>
-            <a:r>
-              <a:rPr lang="es-ES" sz="1200" spc="-1" strike="noStrike">
+            <a:pPr marL="457200" indent="-316800">
+              <a:lnSpc>
+                <a:spcPct val="100000"/>
+              </a:lnSpc>
+            </a:pPr>
+            <a:r>
+              <a:rPr lang="en-US" sz="1200" spc="-1" strike="noStrike">
                 <a:solidFill>
                   <a:srgbClr val="464af4"/>
                 </a:solidFill>
@@ -8823,7 +8581,7 @@
               <a:t>	</a:t>
             </a:r>
             <a:r>
-              <a:rPr lang="es-ES" sz="1200" spc="-1" strike="noStrike">
+              <a:rPr lang="en-US" sz="1200" spc="-1" strike="noStrike">
                 <a:solidFill>
                   <a:srgbClr val="464af4"/>
                 </a:solidFill>
@@ -8840,21 +8598,21 @@
             <a:endParaRPr/>
           </a:p>
           <a:p>
-            <a:pPr>
-              <a:lnSpc>
-                <a:spcPct val="100000"/>
-              </a:lnSpc>
-            </a:pPr>
-            <a:endParaRPr/>
-          </a:p>
-          <a:p>
-            <a:pPr marL="343080" indent="-342720">
-              <a:lnSpc>
-                <a:spcPct val="100000"/>
-              </a:lnSpc>
-            </a:pPr>
-            <a:r>
-              <a:rPr lang="es-ES" sz="1500" spc="-1" strike="noStrike">
+            <a:pPr marL="457200" indent="-316800">
+              <a:lnSpc>
+                <a:spcPct val="100000"/>
+              </a:lnSpc>
+            </a:pPr>
+            <a:endParaRPr/>
+          </a:p>
+          <a:p>
+            <a:pPr marL="343080" indent="-342360">
+              <a:lnSpc>
+                <a:spcPct val="100000"/>
+              </a:lnSpc>
+            </a:pPr>
+            <a:r>
+              <a:rPr lang="en-US" sz="1500" spc="-1" strike="noStrike">
                 <a:solidFill>
                   <a:srgbClr val="000000"/>
                 </a:solidFill>
@@ -8869,7 +8627,7 @@
               <a:t>Firstly we can mention some technical features  :</a:t>
             </a:r>
             <a:r>
-              <a:rPr lang="es-ES" sz="1500" spc="-1" strike="noStrike">
+              <a:rPr lang="en-US" sz="1500" spc="-1" strike="noStrike">
                 <a:solidFill>
                   <a:srgbClr val="000000"/>
                 </a:solidFill>
@@ -8884,7 +8642,7 @@
               <a:t>	</a:t>
             </a:r>
             <a:r>
-              <a:rPr lang="es-ES" sz="1500" spc="-1" strike="noStrike">
+              <a:rPr lang="en-US" sz="1500" spc="-1" strike="noStrike">
                 <a:solidFill>
                   <a:srgbClr val="000000"/>
                 </a:solidFill>
@@ -8901,21 +8659,21 @@
             <a:endParaRPr/>
           </a:p>
           <a:p>
-            <a:pPr marL="343080" indent="-342720">
-              <a:lnSpc>
-                <a:spcPct val="100000"/>
-              </a:lnSpc>
-            </a:pPr>
-            <a:endParaRPr/>
-          </a:p>
-          <a:p>
-            <a:pPr marL="457200" indent="-317160">
+            <a:pPr marL="343080" indent="-342360">
+              <a:lnSpc>
+                <a:spcPct val="100000"/>
+              </a:lnSpc>
+            </a:pPr>
+            <a:endParaRPr/>
+          </a:p>
+          <a:p>
+            <a:pPr marL="457200" indent="-316800">
               <a:lnSpc>
                 <a:spcPct val="107000"/>
               </a:lnSpc>
             </a:pPr>
             <a:r>
-              <a:rPr lang="es-ES" sz="1500" spc="-1" strike="noStrike">
+              <a:rPr lang="en-US" sz="1500" spc="-1" strike="noStrike">
                 <a:solidFill>
                   <a:srgbClr val="000000"/>
                 </a:solidFill>
@@ -8932,7 +8690,7 @@
             <a:endParaRPr/>
           </a:p>
           <a:p>
-            <a:pPr marL="457200" indent="-317160">
+            <a:pPr marL="457200" indent="-316800">
               <a:lnSpc>
                 <a:spcPct val="107000"/>
               </a:lnSpc>
@@ -8940,13 +8698,13 @@
             <a:endParaRPr/>
           </a:p>
           <a:p>
-            <a:pPr marL="457200" indent="-317160">
+            <a:pPr marL="457200" indent="-316800">
               <a:lnSpc>
                 <a:spcPct val="107000"/>
               </a:lnSpc>
             </a:pPr>
             <a:r>
-              <a:rPr lang="es-ES" sz="1500" spc="-1" strike="noStrike">
+              <a:rPr lang="en-US" sz="1500" spc="-1" strike="noStrike">
                 <a:solidFill>
                   <a:srgbClr val="464af4"/>
                 </a:solidFill>
@@ -8961,7 +8719,7 @@
               <a:t>        </a:t>
             </a:r>
             <a:r>
-              <a:rPr lang="es-ES" sz="1200" spc="-1" strike="noStrike">
+              <a:rPr lang="en-US" sz="1200" spc="-1" strike="noStrike">
                 <a:solidFill>
                   <a:srgbClr val="464af4"/>
                 </a:solidFill>
@@ -8978,13 +8736,13 @@
             <a:endParaRPr/>
           </a:p>
           <a:p>
-            <a:pPr marL="457200" indent="-317160">
+            <a:pPr marL="457200" indent="-316800">
               <a:lnSpc>
                 <a:spcPct val="107000"/>
               </a:lnSpc>
             </a:pPr>
             <a:r>
-              <a:rPr lang="es-ES" sz="1200" spc="-1" strike="noStrike">
+              <a:rPr lang="en-US" sz="1200" spc="-1" strike="noStrike">
                 <a:solidFill>
                   <a:srgbClr val="464af4"/>
                 </a:solidFill>
@@ -8999,7 +8757,7 @@
               <a:t>          </a:t>
             </a:r>
             <a:r>
-              <a:rPr lang="es-ES" sz="1200" spc="-1" strike="noStrike">
+              <a:rPr lang="en-US" sz="1200" spc="-1" strike="noStrike">
                 <a:solidFill>
                   <a:srgbClr val="464af4"/>
                 </a:solidFill>
@@ -9016,7 +8774,7 @@
             <a:endParaRPr/>
           </a:p>
           <a:p>
-            <a:pPr marL="343080" indent="-342720">
+            <a:pPr marL="343080" indent="-342360">
               <a:lnSpc>
                 <a:spcPct val="107000"/>
               </a:lnSpc>
@@ -9024,13 +8782,13 @@
             <a:endParaRPr/>
           </a:p>
           <a:p>
-            <a:pPr marL="457200" indent="-317160">
+            <a:pPr marL="457200" indent="-316800">
               <a:lnSpc>
                 <a:spcPct val="107000"/>
               </a:lnSpc>
             </a:pPr>
             <a:r>
-              <a:rPr lang="es-ES" sz="1500" spc="-1" strike="noStrike">
+              <a:rPr lang="en-US" sz="1500" spc="-1" strike="noStrike">
                 <a:solidFill>
                   <a:srgbClr val="000000"/>
                 </a:solidFill>
@@ -9047,15 +8805,15 @@
             <a:endParaRPr/>
           </a:p>
           <a:p>
-            <a:pPr marL="343080" indent="-342720">
-              <a:lnSpc>
-                <a:spcPct val="100000"/>
-              </a:lnSpc>
-            </a:pPr>
-            <a:endParaRPr/>
-          </a:p>
-          <a:p>
-            <a:pPr>
+            <a:pPr marL="343080" indent="-342360">
+              <a:lnSpc>
+                <a:spcPct val="100000"/>
+              </a:lnSpc>
+            </a:pPr>
+            <a:endParaRPr/>
+          </a:p>
+          <a:p>
+            <a:pPr marL="343080" indent="-342360">
               <a:lnSpc>
                 <a:spcPct val="100000"/>
               </a:lnSpc>
@@ -9066,14 +8824,14 @@
       </p:sp>
       <p:sp>
         <p:nvSpPr>
-          <p:cNvPr id="91" name="CustomShape 3"/>
+          <p:cNvPr id="85" name="CustomShape 3"/>
           <p:cNvSpPr/>
           <p:nvPr/>
         </p:nvSpPr>
         <p:spPr>
           <a:xfrm>
             <a:off x="0" y="6572160"/>
-            <a:ext cx="785520" cy="285480"/>
+            <a:ext cx="785160" cy="285120"/>
           </a:xfrm>
           <a:prstGeom prst="rect">
             <a:avLst/>
@@ -9154,14 +8912,14 @@
       </p:grpSpPr>
       <p:sp>
         <p:nvSpPr>
-          <p:cNvPr id="92" name="TextShape 1"/>
-          <p:cNvSpPr txBox="1"/>
+          <p:cNvPr id="86" name="CustomShape 1"/>
+          <p:cNvSpPr/>
           <p:nvPr/>
         </p:nvSpPr>
         <p:spPr>
           <a:xfrm>
             <a:off x="428760" y="1714320"/>
-            <a:ext cx="8229240" cy="4928760"/>
+            <a:ext cx="8228880" cy="4928400"/>
           </a:xfrm>
           <a:prstGeom prst="rect">
             <a:avLst/>
@@ -9171,16 +8929,22 @@
             <a:noFill/>
           </a:ln>
         </p:spPr>
+        <p:style>
+          <a:lnRef idx="0"/>
+          <a:fillRef idx="0"/>
+          <a:effectRef idx="0"/>
+          <a:fontRef idx="minor"/>
+        </p:style>
         <p:txBody>
-          <a:bodyPr/>
-          <a:p>
-            <a:pPr marL="343080" indent="-342720">
-              <a:lnSpc>
-                <a:spcPct val="100000"/>
-              </a:lnSpc>
-            </a:pPr>
-            <a:r>
-              <a:rPr b="1" lang="es-ES" sz="1500" spc="-1" strike="noStrike" u="sng">
+          <a:bodyPr lIns="90000" rIns="90000" tIns="45000" bIns="45000"/>
+          <a:p>
+            <a:pPr marL="343080" indent="-342360">
+              <a:lnSpc>
+                <a:spcPct val="100000"/>
+              </a:lnSpc>
+            </a:pPr>
+            <a:r>
+              <a:rPr b="1" lang="en-US" sz="1500" spc="-1" strike="noStrike" u="sng">
                 <a:solidFill>
                   <a:srgbClr val="c00000"/>
                 </a:solidFill>
@@ -9194,7 +8958,7 @@
               <a:t>Users of the system</a:t>
             </a:r>
             <a:r>
-              <a:rPr b="1" lang="es-ES" sz="1500" spc="-1" strike="noStrike">
+              <a:rPr b="1" lang="en-US" sz="1500" spc="-1" strike="noStrike">
                 <a:solidFill>
                   <a:srgbClr val="c00000"/>
                 </a:solidFill>
@@ -9210,21 +8974,21 @@
             <a:endParaRPr/>
           </a:p>
           <a:p>
-            <a:pPr marL="343080" indent="-342720">
-              <a:lnSpc>
-                <a:spcPct val="100000"/>
-              </a:lnSpc>
-            </a:pPr>
-            <a:endParaRPr/>
-          </a:p>
-          <a:p>
-            <a:pPr marL="343080" indent="-342720">
-              <a:lnSpc>
-                <a:spcPct val="100000"/>
-              </a:lnSpc>
-            </a:pPr>
-            <a:r>
-              <a:rPr lang="es-ES" sz="1500" spc="-1" strike="noStrike">
+            <a:pPr marL="343080" indent="-342360">
+              <a:lnSpc>
+                <a:spcPct val="100000"/>
+              </a:lnSpc>
+            </a:pPr>
+            <a:endParaRPr/>
+          </a:p>
+          <a:p>
+            <a:pPr marL="343080" indent="-342360">
+              <a:lnSpc>
+                <a:spcPct val="100000"/>
+              </a:lnSpc>
+            </a:pPr>
+            <a:r>
+              <a:rPr lang="en-US" sz="1500" spc="-1" strike="noStrike">
                 <a:solidFill>
                   <a:srgbClr val="000000"/>
                 </a:solidFill>
@@ -9241,21 +9005,21 @@
             <a:endParaRPr/>
           </a:p>
           <a:p>
-            <a:pPr marL="343080" indent="-342720">
-              <a:lnSpc>
-                <a:spcPct val="100000"/>
-              </a:lnSpc>
-            </a:pPr>
-            <a:endParaRPr/>
-          </a:p>
-          <a:p>
-            <a:pPr marL="457200" indent="-304560">
-              <a:lnSpc>
-                <a:spcPct val="100000"/>
-              </a:lnSpc>
-            </a:pPr>
-            <a:r>
-              <a:rPr lang="es-ES" sz="1500" spc="-1" strike="noStrike">
+            <a:pPr marL="343080" indent="-342360">
+              <a:lnSpc>
+                <a:spcPct val="100000"/>
+              </a:lnSpc>
+            </a:pPr>
+            <a:endParaRPr/>
+          </a:p>
+          <a:p>
+            <a:pPr marL="457200" indent="-304200">
+              <a:lnSpc>
+                <a:spcPct val="100000"/>
+              </a:lnSpc>
+            </a:pPr>
+            <a:r>
+              <a:rPr lang="en-US" sz="1500" spc="-1" strike="noStrike">
                 <a:solidFill>
                   <a:srgbClr val="000000"/>
                 </a:solidFill>
@@ -9270,7 +9034,7 @@
               <a:t>	</a:t>
             </a:r>
             <a:r>
-              <a:rPr lang="es-ES" sz="1500" spc="-1" strike="noStrike">
+              <a:rPr lang="en-US" sz="1500" spc="-1" strike="noStrike">
                 <a:solidFill>
                   <a:srgbClr val="000000"/>
                 </a:solidFill>
@@ -9287,15 +9051,15 @@
             <a:endParaRPr/>
           </a:p>
           <a:p>
-            <a:pPr>
-              <a:lnSpc>
-                <a:spcPct val="100000"/>
-              </a:lnSpc>
-            </a:pPr>
-            <a:endParaRPr/>
-          </a:p>
-          <a:p>
-            <a:pPr marL="457200" indent="-304560">
+            <a:pPr marL="457200" indent="-304200">
+              <a:lnSpc>
+                <a:spcPct val="100000"/>
+              </a:lnSpc>
+            </a:pPr>
+            <a:endParaRPr/>
+          </a:p>
+          <a:p>
+            <a:pPr marL="457200" indent="-304200">
               <a:lnSpc>
                 <a:spcPct val="100000"/>
               </a:lnSpc>
@@ -9306,7 +9070,7 @@
               <a:buChar char="•"/>
             </a:pPr>
             <a:r>
-              <a:rPr lang="es-ES" sz="1500" spc="-1" strike="noStrike">
+              <a:rPr lang="en-US" sz="1500" spc="-1" strike="noStrike">
                 <a:solidFill>
                   <a:srgbClr val="000000"/>
                 </a:solidFill>
@@ -9329,7 +9093,7 @@
               </a:lnSpc>
             </a:pPr>
             <a:r>
-              <a:rPr i="1" lang="es-ES" sz="1200" spc="-1" strike="noStrike">
+              <a:rPr i="1" lang="en-US" sz="1200" spc="-1" strike="noStrike">
                 <a:solidFill>
                   <a:srgbClr val="464af4"/>
                 </a:solidFill>
@@ -9346,21 +9110,21 @@
             <a:endParaRPr/>
           </a:p>
           <a:p>
-            <a:pPr>
-              <a:lnSpc>
-                <a:spcPct val="100000"/>
-              </a:lnSpc>
-            </a:pPr>
-            <a:endParaRPr/>
-          </a:p>
-          <a:p>
-            <a:pPr marL="457200" indent="-304560">
-              <a:lnSpc>
-                <a:spcPct val="100000"/>
-              </a:lnSpc>
-            </a:pPr>
-            <a:r>
-              <a:rPr lang="es-ES" sz="1500" spc="-1" strike="noStrike">
+            <a:pPr marL="457200">
+              <a:lnSpc>
+                <a:spcPct val="100000"/>
+              </a:lnSpc>
+            </a:pPr>
+            <a:endParaRPr/>
+          </a:p>
+          <a:p>
+            <a:pPr marL="457200" indent="-304200">
+              <a:lnSpc>
+                <a:spcPct val="100000"/>
+              </a:lnSpc>
+            </a:pPr>
+            <a:r>
+              <a:rPr lang="en-US" sz="1500" spc="-1" strike="noStrike">
                 <a:solidFill>
                   <a:srgbClr val="000000"/>
                 </a:solidFill>
@@ -9375,7 +9139,7 @@
               <a:t>	</a:t>
             </a:r>
             <a:r>
-              <a:rPr lang="es-ES" sz="1500" spc="-1" strike="noStrike">
+              <a:rPr lang="en-US" sz="1500" spc="-1" strike="noStrike">
                 <a:solidFill>
                   <a:srgbClr val="000000"/>
                 </a:solidFill>
@@ -9390,7 +9154,7 @@
               <a:t>Flight dispatch support specialist</a:t>
             </a:r>
             <a:r>
-              <a:rPr lang="es-ES" sz="1500" spc="-1" strike="noStrike">
+              <a:rPr lang="en-US" sz="1500" spc="-1" strike="noStrike">
                 <a:solidFill>
                   <a:srgbClr val="000000"/>
                 </a:solidFill>
@@ -9405,7 +9169,7 @@
               <a:t>	</a:t>
             </a:r>
             <a:r>
-              <a:rPr lang="es-ES" sz="1500" spc="-1" strike="noStrike">
+              <a:rPr lang="en-US" sz="1500" spc="-1" strike="noStrike">
                 <a:solidFill>
                   <a:srgbClr val="000000"/>
                 </a:solidFill>
@@ -9422,13 +9186,13 @@
             <a:endParaRPr/>
           </a:p>
           <a:p>
-            <a:pPr marL="457200" indent="-304560">
-              <a:lnSpc>
-                <a:spcPct val="100000"/>
-              </a:lnSpc>
-            </a:pPr>
-            <a:r>
-              <a:rPr lang="es-ES" sz="1500" spc="-1" strike="noStrike">
+            <a:pPr marL="457200" indent="-304200">
+              <a:lnSpc>
+                <a:spcPct val="100000"/>
+              </a:lnSpc>
+            </a:pPr>
+            <a:r>
+              <a:rPr lang="en-US" sz="1500" spc="-1" strike="noStrike">
                 <a:solidFill>
                   <a:srgbClr val="464af4"/>
                 </a:solidFill>
@@ -9443,7 +9207,7 @@
               <a:t>	</a:t>
             </a:r>
             <a:r>
-              <a:rPr lang="es-ES" sz="1200" spc="-1" strike="noStrike">
+              <a:rPr lang="en-US" sz="1200" spc="-1" strike="noStrike">
                 <a:solidFill>
                   <a:srgbClr val="464af4"/>
                 </a:solidFill>
@@ -9460,21 +9224,21 @@
             <a:endParaRPr/>
           </a:p>
           <a:p>
-            <a:pPr marL="457200" indent="-304560">
-              <a:lnSpc>
-                <a:spcPct val="100000"/>
-              </a:lnSpc>
-            </a:pPr>
-            <a:endParaRPr/>
-          </a:p>
-          <a:p>
-            <a:pPr marL="457200" indent="-304560">
-              <a:lnSpc>
-                <a:spcPct val="100000"/>
-              </a:lnSpc>
-            </a:pPr>
-            <a:r>
-              <a:rPr lang="es-ES" sz="1500" spc="-1" strike="noStrike">
+            <a:pPr marL="457200" indent="-304200">
+              <a:lnSpc>
+                <a:spcPct val="100000"/>
+              </a:lnSpc>
+            </a:pPr>
+            <a:endParaRPr/>
+          </a:p>
+          <a:p>
+            <a:pPr marL="457200" indent="-304200">
+              <a:lnSpc>
+                <a:spcPct val="100000"/>
+              </a:lnSpc>
+            </a:pPr>
+            <a:r>
+              <a:rPr lang="en-US" sz="1500" spc="-1" strike="noStrike">
                 <a:solidFill>
                   <a:srgbClr val="000000"/>
                 </a:solidFill>
@@ -9489,7 +9253,7 @@
               <a:t>	</a:t>
             </a:r>
             <a:r>
-              <a:rPr lang="es-ES" sz="1500" spc="-1" strike="noStrike">
+              <a:rPr lang="en-US" sz="1500" spc="-1" strike="noStrike">
                 <a:solidFill>
                   <a:srgbClr val="000000"/>
                 </a:solidFill>
@@ -9504,7 +9268,7 @@
               <a:t>Ground operations coordinator </a:t>
             </a:r>
             <a:r>
-              <a:rPr lang="es-ES" sz="1500" spc="-1" strike="noStrike">
+              <a:rPr lang="en-US" sz="1500" spc="-1" strike="noStrike">
                 <a:solidFill>
                   <a:srgbClr val="000000"/>
                 </a:solidFill>
@@ -9521,13 +9285,13 @@
             <a:endParaRPr/>
           </a:p>
           <a:p>
-            <a:pPr marL="457200" indent="-304560">
-              <a:lnSpc>
-                <a:spcPct val="100000"/>
-              </a:lnSpc>
-            </a:pPr>
-            <a:r>
-              <a:rPr lang="es-ES" sz="1500" spc="-1" strike="noStrike">
+            <a:pPr marL="457200" indent="-304200">
+              <a:lnSpc>
+                <a:spcPct val="100000"/>
+              </a:lnSpc>
+            </a:pPr>
+            <a:r>
+              <a:rPr lang="en-US" sz="1500" spc="-1" strike="noStrike">
                 <a:solidFill>
                   <a:srgbClr val="464af4"/>
                 </a:solidFill>
@@ -9542,7 +9306,7 @@
               <a:t>	</a:t>
             </a:r>
             <a:r>
-              <a:rPr lang="es-ES" sz="1200" spc="-1" strike="noStrike">
+              <a:rPr lang="en-US" sz="1200" spc="-1" strike="noStrike">
                 <a:solidFill>
                   <a:srgbClr val="464af4"/>
                 </a:solidFill>
@@ -9559,21 +9323,21 @@
             <a:endParaRPr/>
           </a:p>
           <a:p>
-            <a:pPr marL="457200" indent="-304560">
-              <a:lnSpc>
-                <a:spcPct val="100000"/>
-              </a:lnSpc>
-            </a:pPr>
-            <a:endParaRPr/>
-          </a:p>
-          <a:p>
-            <a:pPr marL="457200" indent="-304560">
-              <a:lnSpc>
-                <a:spcPct val="100000"/>
-              </a:lnSpc>
-            </a:pPr>
-            <a:r>
-              <a:rPr lang="es-ES" sz="1500" spc="-1" strike="noStrike">
+            <a:pPr marL="457200" indent="-304200">
+              <a:lnSpc>
+                <a:spcPct val="100000"/>
+              </a:lnSpc>
+            </a:pPr>
+            <a:endParaRPr/>
+          </a:p>
+          <a:p>
+            <a:pPr marL="457200" indent="-304200">
+              <a:lnSpc>
+                <a:spcPct val="100000"/>
+              </a:lnSpc>
+            </a:pPr>
+            <a:r>
+              <a:rPr lang="en-US" sz="1500" spc="-1" strike="noStrike">
                 <a:solidFill>
                   <a:srgbClr val="000000"/>
                 </a:solidFill>
@@ -9588,7 +9352,7 @@
               <a:t>	</a:t>
             </a:r>
             <a:r>
-              <a:rPr lang="es-ES" sz="1500" spc="-1" strike="noStrike">
+              <a:rPr lang="en-US" sz="1500" spc="-1" strike="noStrike">
                 <a:solidFill>
                   <a:srgbClr val="000000"/>
                 </a:solidFill>
@@ -9605,13 +9369,13 @@
             <a:endParaRPr/>
           </a:p>
           <a:p>
-            <a:pPr marL="457200">
-              <a:lnSpc>
-                <a:spcPct val="100000"/>
-              </a:lnSpc>
-            </a:pPr>
-            <a:r>
-              <a:rPr lang="es-ES" sz="1200" spc="-1" strike="noStrike">
+            <a:pPr marL="457200" indent="-304200">
+              <a:lnSpc>
+                <a:spcPct val="100000"/>
+              </a:lnSpc>
+            </a:pPr>
+            <a:r>
+              <a:rPr lang="en-US" sz="1200" spc="-1" strike="noStrike">
                 <a:solidFill>
                   <a:srgbClr val="464af4"/>
                 </a:solidFill>
@@ -9628,15 +9392,15 @@
             <a:endParaRPr/>
           </a:p>
           <a:p>
-            <a:pPr marL="457200">
-              <a:lnSpc>
-                <a:spcPct val="100000"/>
-              </a:lnSpc>
-            </a:pPr>
-            <a:endParaRPr/>
-          </a:p>
-          <a:p>
-            <a:pPr marL="457200">
+            <a:pPr marL="457200" indent="-304200">
+              <a:lnSpc>
+                <a:spcPct val="100000"/>
+              </a:lnSpc>
+            </a:pPr>
+            <a:endParaRPr/>
+          </a:p>
+          <a:p>
+            <a:pPr marL="457200" indent="-304200">
               <a:lnSpc>
                 <a:spcPct val="100000"/>
               </a:lnSpc>
@@ -9647,14 +9411,14 @@
       </p:sp>
       <p:sp>
         <p:nvSpPr>
-          <p:cNvPr id="93" name="CustomShape 2"/>
+          <p:cNvPr id="87" name="CustomShape 2"/>
           <p:cNvSpPr/>
           <p:nvPr/>
         </p:nvSpPr>
         <p:spPr>
           <a:xfrm>
             <a:off x="0" y="6572160"/>
-            <a:ext cx="785520" cy="285480"/>
+            <a:ext cx="785160" cy="285120"/>
           </a:xfrm>
           <a:prstGeom prst="rect">
             <a:avLst/>
@@ -9686,14 +9450,14 @@
       </p:sp>
       <p:sp>
         <p:nvSpPr>
-          <p:cNvPr id="94" name="TextShape 3"/>
-          <p:cNvSpPr txBox="1"/>
+          <p:cNvPr id="88" name="CustomShape 3"/>
+          <p:cNvSpPr/>
           <p:nvPr/>
         </p:nvSpPr>
         <p:spPr>
           <a:xfrm>
             <a:off x="428760" y="642960"/>
-            <a:ext cx="8257680" cy="785520"/>
+            <a:ext cx="8257320" cy="785160"/>
           </a:xfrm>
           <a:prstGeom prst="rect">
             <a:avLst/>
@@ -9703,10 +9467,16 @@
             <a:noFill/>
           </a:ln>
         </p:spPr>
+        <p:style>
+          <a:lnRef idx="0"/>
+          <a:fillRef idx="0"/>
+          <a:effectRef idx="0"/>
+          <a:fontRef idx="minor"/>
+        </p:style>
         <p:txBody>
-          <a:bodyPr anchor="ctr"/>
-          <a:p>
-            <a:pPr marL="571680" indent="-571320">
+          <a:bodyPr lIns="90000" rIns="90000" tIns="45000" bIns="45000" anchor="ctr"/>
+          <a:p>
+            <a:pPr marL="571680" indent="-570960">
               <a:lnSpc>
                 <a:spcPct val="100000"/>
               </a:lnSpc>
@@ -9714,7 +9484,7 @@
               <a:buAutoNum type="romanUcPeriod"/>
             </a:pPr>
             <a:r>
-              <a:rPr lang="es-ES" sz="3200" spc="-1" strike="noStrike">
+              <a:rPr lang="en-US" sz="3200" spc="-1" strike="noStrike">
                 <a:solidFill>
                   <a:srgbClr val="000000"/>
                 </a:solidFill>
@@ -9782,14 +9552,14 @@
       </p:grpSpPr>
       <p:sp>
         <p:nvSpPr>
-          <p:cNvPr id="95" name="TextShape 1"/>
-          <p:cNvSpPr txBox="1"/>
+          <p:cNvPr id="89" name="CustomShape 1"/>
+          <p:cNvSpPr/>
           <p:nvPr/>
         </p:nvSpPr>
         <p:spPr>
           <a:xfrm>
             <a:off x="428760" y="1714320"/>
-            <a:ext cx="8229240" cy="4928760"/>
+            <a:ext cx="8228880" cy="4928400"/>
           </a:xfrm>
           <a:prstGeom prst="rect">
             <a:avLst/>
@@ -9799,16 +9569,22 @@
             <a:noFill/>
           </a:ln>
         </p:spPr>
+        <p:style>
+          <a:lnRef idx="0"/>
+          <a:fillRef idx="0"/>
+          <a:effectRef idx="0"/>
+          <a:fontRef idx="minor"/>
+        </p:style>
         <p:txBody>
-          <a:bodyPr/>
-          <a:p>
-            <a:pPr marL="343080" indent="-342720">
-              <a:lnSpc>
-                <a:spcPct val="100000"/>
-              </a:lnSpc>
-            </a:pPr>
-            <a:r>
-              <a:rPr b="1" lang="es-ES" sz="1500" spc="-1" strike="noStrike" u="sng">
+          <a:bodyPr lIns="90000" rIns="90000" tIns="45000" bIns="45000"/>
+          <a:p>
+            <a:pPr marL="343080" indent="-342360">
+              <a:lnSpc>
+                <a:spcPct val="100000"/>
+              </a:lnSpc>
+            </a:pPr>
+            <a:r>
+              <a:rPr b="1" lang="en-US" sz="1500" spc="-1" strike="noStrike" u="sng">
                 <a:solidFill>
                   <a:srgbClr val="c00000"/>
                 </a:solidFill>
@@ -9822,7 +9598,7 @@
               <a:t>Users of the system</a:t>
             </a:r>
             <a:r>
-              <a:rPr b="1" lang="es-ES" sz="1500" spc="-1" strike="noStrike">
+              <a:rPr b="1" lang="en-US" sz="1500" spc="-1" strike="noStrike">
                 <a:solidFill>
                   <a:srgbClr val="c00000"/>
                 </a:solidFill>
@@ -9838,21 +9614,21 @@
             <a:endParaRPr/>
           </a:p>
           <a:p>
-            <a:pPr marL="343080" indent="-342720">
-              <a:lnSpc>
-                <a:spcPct val="100000"/>
-              </a:lnSpc>
-            </a:pPr>
-            <a:endParaRPr/>
-          </a:p>
-          <a:p>
-            <a:pPr marL="457200" indent="-304560">
-              <a:lnSpc>
-                <a:spcPct val="100000"/>
-              </a:lnSpc>
-            </a:pPr>
-            <a:r>
-              <a:rPr lang="es-ES" sz="1500" spc="-1" strike="noStrike">
+            <a:pPr marL="343080" indent="-342360">
+              <a:lnSpc>
+                <a:spcPct val="100000"/>
+              </a:lnSpc>
+            </a:pPr>
+            <a:endParaRPr/>
+          </a:p>
+          <a:p>
+            <a:pPr marL="457200" indent="-304200">
+              <a:lnSpc>
+                <a:spcPct val="100000"/>
+              </a:lnSpc>
+            </a:pPr>
+            <a:r>
+              <a:rPr lang="en-US" sz="1500" spc="-1" strike="noStrike">
                 <a:solidFill>
                   <a:srgbClr val="000000"/>
                 </a:solidFill>
@@ -9867,7 +9643,7 @@
               <a:t>	</a:t>
             </a:r>
             <a:r>
-              <a:rPr lang="es-ES" sz="1500" spc="-1" strike="noStrike">
+              <a:rPr lang="en-US" sz="1500" spc="-1" strike="noStrike">
                 <a:solidFill>
                   <a:srgbClr val="000000"/>
                 </a:solidFill>
@@ -9884,13 +9660,13 @@
             <a:endParaRPr/>
           </a:p>
           <a:p>
-            <a:pPr marL="457200" indent="-304560">
-              <a:lnSpc>
-                <a:spcPct val="100000"/>
-              </a:lnSpc>
-            </a:pPr>
-            <a:r>
-              <a:rPr lang="es-ES" sz="1500" spc="-1" strike="noStrike">
+            <a:pPr marL="457200" indent="-304200">
+              <a:lnSpc>
+                <a:spcPct val="100000"/>
+              </a:lnSpc>
+            </a:pPr>
+            <a:r>
+              <a:rPr lang="en-US" sz="1500" spc="-1" strike="noStrike">
                 <a:solidFill>
                   <a:srgbClr val="000000"/>
                 </a:solidFill>
@@ -9905,7 +9681,7 @@
               <a:t> </a:t>
             </a:r>
             <a:r>
-              <a:rPr lang="es-ES" sz="1500" spc="-1" strike="noStrike">
+              <a:rPr lang="en-US" sz="1500" spc="-1" strike="noStrike">
                 <a:solidFill>
                   <a:srgbClr val="000000"/>
                 </a:solidFill>
@@ -9920,7 +9696,7 @@
               <a:t>	</a:t>
             </a:r>
             <a:r>
-              <a:rPr lang="es-ES" sz="1200" spc="-1" strike="noStrike">
+              <a:rPr lang="en-US" sz="1200" spc="-1" strike="noStrike">
                 <a:solidFill>
                   <a:srgbClr val="464af4"/>
                 </a:solidFill>
@@ -9937,21 +9713,21 @@
             <a:endParaRPr/>
           </a:p>
           <a:p>
-            <a:pPr marL="457200" indent="-304560">
-              <a:lnSpc>
-                <a:spcPct val="100000"/>
-              </a:lnSpc>
-            </a:pPr>
-            <a:endParaRPr/>
-          </a:p>
-          <a:p>
-            <a:pPr marL="457200" indent="-304560">
-              <a:lnSpc>
-                <a:spcPct val="100000"/>
-              </a:lnSpc>
-            </a:pPr>
-            <a:r>
-              <a:rPr lang="es-ES" sz="1500" spc="-1" strike="noStrike">
+            <a:pPr marL="457200" indent="-304200">
+              <a:lnSpc>
+                <a:spcPct val="100000"/>
+              </a:lnSpc>
+            </a:pPr>
+            <a:endParaRPr/>
+          </a:p>
+          <a:p>
+            <a:pPr marL="457200" indent="-304200">
+              <a:lnSpc>
+                <a:spcPct val="100000"/>
+              </a:lnSpc>
+            </a:pPr>
+            <a:r>
+              <a:rPr lang="en-US" sz="1500" spc="-1" strike="noStrike">
                 <a:solidFill>
                   <a:srgbClr val="000000"/>
                 </a:solidFill>
@@ -9966,7 +9742,7 @@
               <a:t>	</a:t>
             </a:r>
             <a:r>
-              <a:rPr lang="es-ES" sz="1500" spc="-1" strike="noStrike">
+              <a:rPr lang="en-US" sz="1500" spc="-1" strike="noStrike">
                 <a:solidFill>
                   <a:srgbClr val="000000"/>
                 </a:solidFill>
@@ -9983,13 +9759,13 @@
             <a:endParaRPr/>
           </a:p>
           <a:p>
-            <a:pPr marL="457200" indent="-304560">
-              <a:lnSpc>
-                <a:spcPct val="100000"/>
-              </a:lnSpc>
-            </a:pPr>
-            <a:r>
-              <a:rPr lang="es-ES" sz="1200" spc="-1" strike="noStrike">
+            <a:pPr marL="457200" indent="-304200">
+              <a:lnSpc>
+                <a:spcPct val="100000"/>
+              </a:lnSpc>
+            </a:pPr>
+            <a:r>
+              <a:rPr lang="en-US" sz="1200" spc="-1" strike="noStrike">
                 <a:solidFill>
                   <a:srgbClr val="464af4"/>
                 </a:solidFill>
@@ -10004,7 +9780,7 @@
               <a:t>	</a:t>
             </a:r>
             <a:r>
-              <a:rPr lang="es-ES" sz="1200" spc="-1" strike="noStrike">
+              <a:rPr lang="en-US" sz="1200" spc="-1" strike="noStrike">
                 <a:solidFill>
                   <a:srgbClr val="464af4"/>
                 </a:solidFill>
@@ -10021,21 +9797,21 @@
             <a:endParaRPr/>
           </a:p>
           <a:p>
-            <a:pPr>
-              <a:lnSpc>
-                <a:spcPct val="100000"/>
-              </a:lnSpc>
-            </a:pPr>
-            <a:endParaRPr/>
-          </a:p>
-          <a:p>
-            <a:pPr marL="457200" indent="-304560">
-              <a:lnSpc>
-                <a:spcPct val="100000"/>
-              </a:lnSpc>
-            </a:pPr>
-            <a:r>
-              <a:rPr lang="es-ES" sz="1500" spc="-1" strike="noStrike">
+            <a:pPr marL="457200" indent="-304200">
+              <a:lnSpc>
+                <a:spcPct val="100000"/>
+              </a:lnSpc>
+            </a:pPr>
+            <a:endParaRPr/>
+          </a:p>
+          <a:p>
+            <a:pPr marL="457200" indent="-304200">
+              <a:lnSpc>
+                <a:spcPct val="100000"/>
+              </a:lnSpc>
+            </a:pPr>
+            <a:r>
+              <a:rPr lang="en-US" sz="1500" spc="-1" strike="noStrike">
                 <a:solidFill>
                   <a:srgbClr val="000000"/>
                 </a:solidFill>
@@ -10050,7 +9826,7 @@
               <a:t>	</a:t>
             </a:r>
             <a:r>
-              <a:rPr lang="es-ES" sz="1500" spc="-1" strike="noStrike">
+              <a:rPr lang="en-US" sz="1500" spc="-1" strike="noStrike">
                 <a:solidFill>
                   <a:srgbClr val="000000"/>
                 </a:solidFill>
@@ -10067,13 +9843,13 @@
             <a:endParaRPr/>
           </a:p>
           <a:p>
-            <a:pPr marL="457200" indent="-304560">
-              <a:lnSpc>
-                <a:spcPct val="100000"/>
-              </a:lnSpc>
-            </a:pPr>
-            <a:r>
-              <a:rPr lang="es-ES" sz="1500" spc="-1" strike="noStrike">
+            <a:pPr marL="457200" indent="-304200">
+              <a:lnSpc>
+                <a:spcPct val="100000"/>
+              </a:lnSpc>
+            </a:pPr>
+            <a:r>
+              <a:rPr lang="en-US" sz="1500" spc="-1" strike="noStrike">
                 <a:solidFill>
                   <a:srgbClr val="000000"/>
                 </a:solidFill>
@@ -10088,7 +9864,7 @@
               <a:t> </a:t>
             </a:r>
             <a:r>
-              <a:rPr lang="es-ES" sz="1500" spc="-1" strike="noStrike">
+              <a:rPr lang="en-US" sz="1500" spc="-1" strike="noStrike">
                 <a:solidFill>
                   <a:srgbClr val="000000"/>
                 </a:solidFill>
@@ -10103,7 +9879,7 @@
               <a:t>	</a:t>
             </a:r>
             <a:r>
-              <a:rPr lang="es-ES" sz="1200" spc="-1" strike="noStrike">
+              <a:rPr lang="en-US" sz="1200" spc="-1" strike="noStrike">
                 <a:solidFill>
                   <a:srgbClr val="464af4"/>
                 </a:solidFill>
@@ -10120,21 +9896,21 @@
             <a:endParaRPr/>
           </a:p>
           <a:p>
-            <a:pPr marL="343080" indent="-342720">
-              <a:lnSpc>
-                <a:spcPct val="100000"/>
-              </a:lnSpc>
-            </a:pPr>
-            <a:endParaRPr/>
-          </a:p>
-          <a:p>
-            <a:pPr marL="343080" indent="-342720">
-              <a:lnSpc>
-                <a:spcPct val="100000"/>
-              </a:lnSpc>
-            </a:pPr>
-            <a:r>
-              <a:rPr b="1" lang="es-ES" sz="1500" spc="-1" strike="noStrike" u="sng">
+            <a:pPr marL="343080" indent="-342360">
+              <a:lnSpc>
+                <a:spcPct val="100000"/>
+              </a:lnSpc>
+            </a:pPr>
+            <a:endParaRPr/>
+          </a:p>
+          <a:p>
+            <a:pPr marL="343080" indent="-342360">
+              <a:lnSpc>
+                <a:spcPct val="100000"/>
+              </a:lnSpc>
+            </a:pPr>
+            <a:r>
+              <a:rPr b="1" lang="en-US" sz="1500" spc="-1" strike="noStrike" u="sng">
                 <a:solidFill>
                   <a:srgbClr val="c00000"/>
                 </a:solidFill>
@@ -10151,21 +9927,21 @@
             <a:endParaRPr/>
           </a:p>
           <a:p>
-            <a:pPr marL="343080" indent="-342720">
-              <a:lnSpc>
-                <a:spcPct val="100000"/>
-              </a:lnSpc>
-            </a:pPr>
-            <a:endParaRPr/>
-          </a:p>
-          <a:p>
-            <a:pPr marL="457200" indent="-304560">
-              <a:lnSpc>
-                <a:spcPct val="100000"/>
-              </a:lnSpc>
-            </a:pPr>
-            <a:r>
-              <a:rPr lang="es-ES" sz="1500" spc="-1" strike="noStrike">
+            <a:pPr marL="343080" indent="-342360">
+              <a:lnSpc>
+                <a:spcPct val="100000"/>
+              </a:lnSpc>
+            </a:pPr>
+            <a:endParaRPr/>
+          </a:p>
+          <a:p>
+            <a:pPr marL="457200" indent="-304200">
+              <a:lnSpc>
+                <a:spcPct val="100000"/>
+              </a:lnSpc>
+            </a:pPr>
+            <a:r>
+              <a:rPr lang="en-US" sz="1500" spc="-1" strike="noStrike">
                 <a:solidFill>
                   <a:srgbClr val="000000"/>
                 </a:solidFill>
@@ -10180,7 +9956,7 @@
               <a:t>       </a:t>
             </a:r>
             <a:r>
-              <a:rPr lang="es-ES" sz="1500" spc="-1" strike="noStrike">
+              <a:rPr lang="en-US" sz="1500" spc="-1" strike="noStrike">
                 <a:solidFill>
                   <a:srgbClr val="000000"/>
                 </a:solidFill>
@@ -10197,13 +9973,13 @@
             <a:endParaRPr/>
           </a:p>
           <a:p>
-            <a:pPr marL="457200" indent="-304560">
-              <a:lnSpc>
-                <a:spcPct val="100000"/>
-              </a:lnSpc>
-            </a:pPr>
-            <a:r>
-              <a:rPr lang="es-ES" sz="1500" spc="-1" strike="noStrike">
+            <a:pPr marL="457200" indent="-304200">
+              <a:lnSpc>
+                <a:spcPct val="100000"/>
+              </a:lnSpc>
+            </a:pPr>
+            <a:r>
+              <a:rPr lang="en-US" sz="1500" spc="-1" strike="noStrike">
                 <a:solidFill>
                   <a:srgbClr val="000000"/>
                 </a:solidFill>
@@ -10218,7 +9994,7 @@
               <a:t> </a:t>
             </a:r>
             <a:r>
-              <a:rPr lang="es-ES" sz="1500" spc="-1" strike="noStrike">
+              <a:rPr lang="en-US" sz="1500" spc="-1" strike="noStrike">
                 <a:solidFill>
                   <a:srgbClr val="000000"/>
                 </a:solidFill>
@@ -10233,7 +10009,7 @@
               <a:t>	</a:t>
             </a:r>
             <a:r>
-              <a:rPr lang="es-ES" sz="1200" spc="-1" strike="noStrike">
+              <a:rPr lang="en-US" sz="1200" spc="-1" strike="noStrike">
                 <a:solidFill>
                   <a:srgbClr val="464af4"/>
                 </a:solidFill>
@@ -10250,21 +10026,21 @@
             <a:endParaRPr/>
           </a:p>
           <a:p>
-            <a:pPr marL="457200" indent="-304560">
-              <a:lnSpc>
-                <a:spcPct val="100000"/>
-              </a:lnSpc>
-            </a:pPr>
-            <a:endParaRPr/>
-          </a:p>
-          <a:p>
-            <a:pPr marL="457200" indent="-304560">
-              <a:lnSpc>
-                <a:spcPct val="100000"/>
-              </a:lnSpc>
-            </a:pPr>
-            <a:r>
-              <a:rPr lang="es-ES" sz="1500" spc="-1" strike="noStrike">
+            <a:pPr marL="457200" indent="-304200">
+              <a:lnSpc>
+                <a:spcPct val="100000"/>
+              </a:lnSpc>
+            </a:pPr>
+            <a:endParaRPr/>
+          </a:p>
+          <a:p>
+            <a:pPr marL="457200" indent="-304200">
+              <a:lnSpc>
+                <a:spcPct val="100000"/>
+              </a:lnSpc>
+            </a:pPr>
+            <a:r>
+              <a:rPr lang="en-US" sz="1500" spc="-1" strike="noStrike">
                 <a:solidFill>
                   <a:srgbClr val="000000"/>
                 </a:solidFill>
@@ -10279,7 +10055,7 @@
               <a:t>       </a:t>
             </a:r>
             <a:r>
-              <a:rPr lang="es-ES" sz="1500" spc="-1" strike="noStrike">
+              <a:rPr lang="en-US" sz="1500" spc="-1" strike="noStrike">
                 <a:solidFill>
                   <a:srgbClr val="000000"/>
                 </a:solidFill>
@@ -10296,13 +10072,13 @@
             <a:endParaRPr/>
           </a:p>
           <a:p>
-            <a:pPr marL="457200" indent="-304560">
-              <a:lnSpc>
-                <a:spcPct val="100000"/>
-              </a:lnSpc>
-            </a:pPr>
-            <a:r>
-              <a:rPr lang="es-ES" sz="1500" spc="-1" strike="noStrike">
+            <a:pPr marL="457200" indent="-304200">
+              <a:lnSpc>
+                <a:spcPct val="100000"/>
+              </a:lnSpc>
+            </a:pPr>
+            <a:r>
+              <a:rPr lang="en-US" sz="1500" spc="-1" strike="noStrike">
                 <a:solidFill>
                   <a:srgbClr val="000000"/>
                 </a:solidFill>
@@ -10317,7 +10093,7 @@
               <a:t> </a:t>
             </a:r>
             <a:r>
-              <a:rPr lang="es-ES" sz="1500" spc="-1" strike="noStrike">
+              <a:rPr lang="en-US" sz="1500" spc="-1" strike="noStrike">
                 <a:solidFill>
                   <a:srgbClr val="000000"/>
                 </a:solidFill>
@@ -10332,7 +10108,7 @@
               <a:t>	</a:t>
             </a:r>
             <a:r>
-              <a:rPr lang="es-ES" sz="1200" spc="-1" strike="noStrike">
+              <a:rPr lang="en-US" sz="1200" spc="-1" strike="noStrike">
                 <a:solidFill>
                   <a:srgbClr val="464af4"/>
                 </a:solidFill>
@@ -10349,31 +10125,31 @@
             <a:endParaRPr/>
           </a:p>
           <a:p>
-            <a:pPr marL="457200" indent="-304560">
-              <a:lnSpc>
-                <a:spcPct val="100000"/>
-              </a:lnSpc>
-            </a:pPr>
-            <a:endParaRPr/>
-          </a:p>
-          <a:p>
-            <a:pPr marL="457200" indent="-304560">
-              <a:lnSpc>
-                <a:spcPct val="100000"/>
-              </a:lnSpc>
-            </a:pPr>
-            <a:endParaRPr/>
-          </a:p>
-          <a:p>
-            <a:pPr marL="343080" indent="-342720">
-              <a:lnSpc>
-                <a:spcPct val="100000"/>
-              </a:lnSpc>
-            </a:pPr>
-            <a:endParaRPr/>
-          </a:p>
-          <a:p>
-            <a:pPr marL="457200">
+            <a:pPr marL="457200" indent="-304200">
+              <a:lnSpc>
+                <a:spcPct val="100000"/>
+              </a:lnSpc>
+            </a:pPr>
+            <a:endParaRPr/>
+          </a:p>
+          <a:p>
+            <a:pPr marL="457200" indent="-304200">
+              <a:lnSpc>
+                <a:spcPct val="100000"/>
+              </a:lnSpc>
+            </a:pPr>
+            <a:endParaRPr/>
+          </a:p>
+          <a:p>
+            <a:pPr marL="343080" indent="-342360">
+              <a:lnSpc>
+                <a:spcPct val="100000"/>
+              </a:lnSpc>
+            </a:pPr>
+            <a:endParaRPr/>
+          </a:p>
+          <a:p>
+            <a:pPr marL="457200" indent="-342360">
               <a:lnSpc>
                 <a:spcPct val="100000"/>
               </a:lnSpc>
@@ -10384,14 +10160,14 @@
       </p:sp>
       <p:sp>
         <p:nvSpPr>
-          <p:cNvPr id="96" name="CustomShape 2"/>
+          <p:cNvPr id="90" name="CustomShape 2"/>
           <p:cNvSpPr/>
           <p:nvPr/>
         </p:nvSpPr>
         <p:spPr>
           <a:xfrm>
             <a:off x="0" y="6572160"/>
-            <a:ext cx="785520" cy="285480"/>
+            <a:ext cx="785160" cy="285120"/>
           </a:xfrm>
           <a:prstGeom prst="rect">
             <a:avLst/>
@@ -10423,14 +10199,14 @@
       </p:sp>
       <p:sp>
         <p:nvSpPr>
-          <p:cNvPr id="97" name="TextShape 3"/>
-          <p:cNvSpPr txBox="1"/>
+          <p:cNvPr id="91" name="CustomShape 3"/>
+          <p:cNvSpPr/>
           <p:nvPr/>
         </p:nvSpPr>
         <p:spPr>
           <a:xfrm>
             <a:off x="428760" y="642960"/>
-            <a:ext cx="8257680" cy="785520"/>
+            <a:ext cx="8257320" cy="785160"/>
           </a:xfrm>
           <a:prstGeom prst="rect">
             <a:avLst/>
@@ -10440,10 +10216,16 @@
             <a:noFill/>
           </a:ln>
         </p:spPr>
+        <p:style>
+          <a:lnRef idx="0"/>
+          <a:fillRef idx="0"/>
+          <a:effectRef idx="0"/>
+          <a:fontRef idx="minor"/>
+        </p:style>
         <p:txBody>
-          <a:bodyPr anchor="ctr"/>
-          <a:p>
-            <a:pPr marL="571680" indent="-571320">
+          <a:bodyPr lIns="90000" rIns="90000" tIns="45000" bIns="45000" anchor="ctr"/>
+          <a:p>
+            <a:pPr marL="571680" indent="-570960">
               <a:lnSpc>
                 <a:spcPct val="100000"/>
               </a:lnSpc>
@@ -10451,7 +10233,7 @@
               <a:buAutoNum type="romanUcPeriod"/>
             </a:pPr>
             <a:r>
-              <a:rPr lang="es-ES" sz="3200" spc="-1" strike="noStrike">
+              <a:rPr lang="en-US" sz="3200" spc="-1" strike="noStrike">
                 <a:solidFill>
                   <a:srgbClr val="000000"/>
                 </a:solidFill>
@@ -10519,14 +10301,14 @@
       </p:grpSpPr>
       <p:sp>
         <p:nvSpPr>
-          <p:cNvPr id="98" name="TextShape 1"/>
-          <p:cNvSpPr txBox="1"/>
+          <p:cNvPr id="92" name="CustomShape 1"/>
+          <p:cNvSpPr/>
           <p:nvPr/>
         </p:nvSpPr>
         <p:spPr>
           <a:xfrm>
             <a:off x="457200" y="1714320"/>
-            <a:ext cx="8229240" cy="4411440"/>
+            <a:ext cx="8228880" cy="4411080"/>
           </a:xfrm>
           <a:prstGeom prst="rect">
             <a:avLst/>
@@ -10536,16 +10318,22 @@
             <a:noFill/>
           </a:ln>
         </p:spPr>
+        <p:style>
+          <a:lnRef idx="0"/>
+          <a:fillRef idx="0"/>
+          <a:effectRef idx="0"/>
+          <a:fontRef idx="minor"/>
+        </p:style>
         <p:txBody>
-          <a:bodyPr/>
-          <a:p>
-            <a:pPr marL="343080" indent="-342720">
-              <a:lnSpc>
-                <a:spcPct val="100000"/>
-              </a:lnSpc>
-            </a:pPr>
-            <a:r>
-              <a:rPr b="1" lang="es-ES" sz="1500" spc="-1" strike="noStrike" u="sng">
+          <a:bodyPr lIns="90000" rIns="90000" tIns="45000" bIns="45000"/>
+          <a:p>
+            <a:pPr marL="343080" indent="-342360">
+              <a:lnSpc>
+                <a:spcPct val="100000"/>
+              </a:lnSpc>
+            </a:pPr>
+            <a:r>
+              <a:rPr b="1" lang="en-US" sz="1500" spc="-1" strike="noStrike" u="sng">
                 <a:solidFill>
                   <a:srgbClr val="c00000"/>
                 </a:solidFill>
@@ -10559,7 +10347,7 @@
               <a:t>The business subject</a:t>
             </a:r>
             <a:r>
-              <a:rPr b="1" lang="es-ES" sz="1500" spc="-1" strike="noStrike">
+              <a:rPr b="1" lang="en-US" sz="1500" spc="-1" strike="noStrike">
                 <a:solidFill>
                   <a:srgbClr val="c00000"/>
                 </a:solidFill>
@@ -10575,13 +10363,13 @@
             <a:endParaRPr/>
           </a:p>
           <a:p>
-            <a:pPr marL="343080" indent="-342720">
-              <a:lnSpc>
-                <a:spcPct val="100000"/>
-              </a:lnSpc>
-            </a:pPr>
-            <a:r>
-              <a:rPr lang="es-ES" sz="1500" spc="-1" strike="noStrike">
+            <a:pPr marL="343080" indent="-342360">
+              <a:lnSpc>
+                <a:spcPct val="100000"/>
+              </a:lnSpc>
+            </a:pPr>
+            <a:r>
+              <a:rPr lang="en-US" sz="1500" spc="-1" strike="noStrike">
                 <a:solidFill>
                   <a:srgbClr val="000000"/>
                 </a:solidFill>
@@ -10600,14 +10388,14 @@
       </p:sp>
       <p:sp>
         <p:nvSpPr>
-          <p:cNvPr id="99" name="CustomShape 2"/>
+          <p:cNvPr id="93" name="CustomShape 2"/>
           <p:cNvSpPr/>
           <p:nvPr/>
         </p:nvSpPr>
         <p:spPr>
           <a:xfrm>
             <a:off x="0" y="6572160"/>
-            <a:ext cx="785520" cy="285480"/>
+            <a:ext cx="785160" cy="285120"/>
           </a:xfrm>
           <a:prstGeom prst="rect">
             <a:avLst/>
@@ -10639,14 +10427,14 @@
       </p:sp>
       <p:sp>
         <p:nvSpPr>
-          <p:cNvPr id="100" name="CustomShape 3"/>
+          <p:cNvPr id="94" name="CustomShape 3"/>
           <p:cNvSpPr/>
           <p:nvPr/>
         </p:nvSpPr>
         <p:spPr>
           <a:xfrm>
             <a:off x="428760" y="642960"/>
-            <a:ext cx="8257680" cy="785520"/>
+            <a:ext cx="8257320" cy="785160"/>
           </a:xfrm>
           <a:prstGeom prst="rect">
             <a:avLst/>
@@ -10663,9 +10451,9 @@
           <a:fontRef idx="minor"/>
         </p:style>
         <p:txBody>
-          <a:bodyPr anchor="ctr"/>
-          <a:p>
-            <a:pPr marL="571680" indent="-571320">
+          <a:bodyPr lIns="90000" rIns="90000" tIns="45000" bIns="45000" anchor="ctr"/>
+          <a:p>
+            <a:pPr marL="571680" indent="-570960">
               <a:lnSpc>
                 <a:spcPct val="100000"/>
               </a:lnSpc>
@@ -10673,7 +10461,7 @@
               <a:buAutoNum type="romanUcPeriod"/>
             </a:pPr>
             <a:r>
-              <a:rPr lang="fr-FR" sz="3200" spc="-1" strike="noStrike">
+              <a:rPr lang="en-US" sz="3200" spc="-1" strike="noStrike">
                 <a:solidFill>
                   <a:srgbClr val="000000"/>
                 </a:solidFill>
@@ -10683,6 +10471,7 @@
                   </a:solidFill>
                 </a:uFill>
                 <a:latin typeface="Calibri"/>
+                <a:ea typeface="DejaVu Sans"/>
               </a:rPr>
               <a:t>First lesson</a:t>
             </a:r>
@@ -10692,7 +10481,7 @@
       </p:sp>
       <p:pic>
         <p:nvPicPr>
-          <p:cNvPr id="101" name="Shape 72" descr=""/>
+          <p:cNvPr id="95" name="Shape 72" descr=""/>
           <p:cNvPicPr/>
           <p:nvPr/>
         </p:nvPicPr>
@@ -10703,7 +10492,7 @@
         <p:spPr>
           <a:xfrm>
             <a:off x="900000" y="2464920"/>
-            <a:ext cx="6876000" cy="3943080"/>
+            <a:ext cx="6875640" cy="3942720"/>
           </a:xfrm>
           <a:prstGeom prst="rect">
             <a:avLst/>
@@ -10764,14 +10553,14 @@
       </p:grpSpPr>
       <p:sp>
         <p:nvSpPr>
-          <p:cNvPr id="102" name="TextShape 1"/>
-          <p:cNvSpPr txBox="1"/>
+          <p:cNvPr id="96" name="CustomShape 1"/>
+          <p:cNvSpPr/>
           <p:nvPr/>
         </p:nvSpPr>
         <p:spPr>
           <a:xfrm>
             <a:off x="428760" y="1785960"/>
-            <a:ext cx="8229240" cy="4411440"/>
+            <a:ext cx="8228880" cy="4411080"/>
           </a:xfrm>
           <a:prstGeom prst="rect">
             <a:avLst/>
@@ -10781,16 +10570,22 @@
             <a:noFill/>
           </a:ln>
         </p:spPr>
+        <p:style>
+          <a:lnRef idx="0"/>
+          <a:fillRef idx="0"/>
+          <a:effectRef idx="0"/>
+          <a:fontRef idx="minor"/>
+        </p:style>
         <p:txBody>
-          <a:bodyPr/>
-          <a:p>
-            <a:pPr marL="343080" indent="-342720">
-              <a:lnSpc>
-                <a:spcPct val="100000"/>
-              </a:lnSpc>
-            </a:pPr>
-            <a:r>
-              <a:rPr b="1" lang="es-ES" sz="1500" spc="-1" strike="noStrike" u="sng">
+          <a:bodyPr lIns="90000" rIns="90000" tIns="45000" bIns="45000"/>
+          <a:p>
+            <a:pPr marL="343080" indent="-342360">
+              <a:lnSpc>
+                <a:spcPct val="100000"/>
+              </a:lnSpc>
+            </a:pPr>
+            <a:r>
+              <a:rPr b="1" lang="en-US" sz="1500" spc="-1" strike="noStrike" u="sng">
                 <a:solidFill>
                   <a:srgbClr val="c00000"/>
                 </a:solidFill>
@@ -10804,7 +10599,7 @@
               <a:t>The MVC model </a:t>
             </a:r>
             <a:r>
-              <a:rPr b="1" lang="es-ES" sz="1500" spc="-1" strike="noStrike">
+              <a:rPr b="1" lang="en-US" sz="1500" spc="-1" strike="noStrike">
                 <a:solidFill>
                   <a:srgbClr val="c00000"/>
                 </a:solidFill>
@@ -10820,13 +10615,13 @@
             <a:endParaRPr/>
           </a:p>
           <a:p>
-            <a:pPr marL="343080" indent="-342720">
-              <a:lnSpc>
-                <a:spcPct val="100000"/>
-              </a:lnSpc>
-            </a:pPr>
-            <a:r>
-              <a:rPr lang="es-ES" sz="1500" spc="-1" strike="noStrike">
+            <a:pPr marL="343080" indent="-342360">
+              <a:lnSpc>
+                <a:spcPct val="100000"/>
+              </a:lnSpc>
+            </a:pPr>
+            <a:r>
+              <a:rPr lang="en-US" sz="1500" spc="-1" strike="noStrike">
                 <a:solidFill>
                   <a:srgbClr val="000000"/>
                 </a:solidFill>
@@ -10845,14 +10640,14 @@
       </p:sp>
       <p:sp>
         <p:nvSpPr>
-          <p:cNvPr id="103" name="CustomShape 2"/>
+          <p:cNvPr id="97" name="CustomShape 2"/>
           <p:cNvSpPr/>
           <p:nvPr/>
         </p:nvSpPr>
         <p:spPr>
           <a:xfrm>
             <a:off x="0" y="6572160"/>
-            <a:ext cx="785520" cy="285480"/>
+            <a:ext cx="785160" cy="285120"/>
           </a:xfrm>
           <a:prstGeom prst="rect">
             <a:avLst/>
@@ -10884,7 +10679,7 @@
       </p:sp>
       <p:pic>
         <p:nvPicPr>
-          <p:cNvPr id="104" name="Shape 78" descr=""/>
+          <p:cNvPr id="98" name="Shape 78" descr=""/>
           <p:cNvPicPr/>
           <p:nvPr/>
         </p:nvPicPr>
@@ -10895,7 +10690,7 @@
         <p:spPr>
           <a:xfrm>
             <a:off x="928800" y="2357280"/>
-            <a:ext cx="7057800" cy="4142880"/>
+            <a:ext cx="7057440" cy="4142520"/>
           </a:xfrm>
           <a:prstGeom prst="rect">
             <a:avLst/>
@@ -10907,14 +10702,14 @@
       </p:pic>
       <p:sp>
         <p:nvSpPr>
-          <p:cNvPr id="105" name="CustomShape 3"/>
+          <p:cNvPr id="99" name="CustomShape 3"/>
           <p:cNvSpPr/>
           <p:nvPr/>
         </p:nvSpPr>
         <p:spPr>
           <a:xfrm>
             <a:off x="428760" y="642960"/>
-            <a:ext cx="8257680" cy="785520"/>
+            <a:ext cx="8257320" cy="785160"/>
           </a:xfrm>
           <a:prstGeom prst="rect">
             <a:avLst/>
@@ -10931,9 +10726,9 @@
           <a:fontRef idx="minor"/>
         </p:style>
         <p:txBody>
-          <a:bodyPr anchor="ctr"/>
-          <a:p>
-            <a:pPr marL="571680" indent="-571320">
+          <a:bodyPr lIns="90000" rIns="90000" tIns="45000" bIns="45000" anchor="ctr"/>
+          <a:p>
+            <a:pPr marL="571680" indent="-570960">
               <a:lnSpc>
                 <a:spcPct val="100000"/>
               </a:lnSpc>
@@ -10941,7 +10736,7 @@
               <a:buAutoNum type="romanUcPeriod"/>
             </a:pPr>
             <a:r>
-              <a:rPr lang="fr-FR" sz="3200" spc="-1" strike="noStrike">
+              <a:rPr lang="en-US" sz="3200" spc="-1" strike="noStrike">
                 <a:solidFill>
                   <a:srgbClr val="000000"/>
                 </a:solidFill>
@@ -10951,6 +10746,7 @@
                   </a:solidFill>
                 </a:uFill>
                 <a:latin typeface="Calibri"/>
+                <a:ea typeface="DejaVu Sans"/>
               </a:rPr>
               <a:t>First lesson</a:t>
             </a:r>
@@ -11009,14 +10805,14 @@
       </p:grpSpPr>
       <p:sp>
         <p:nvSpPr>
-          <p:cNvPr id="106" name="TextShape 1"/>
-          <p:cNvSpPr txBox="1"/>
+          <p:cNvPr id="100" name="CustomShape 1"/>
+          <p:cNvSpPr/>
           <p:nvPr/>
         </p:nvSpPr>
         <p:spPr>
           <a:xfrm>
             <a:off x="428760" y="1785960"/>
-            <a:ext cx="8229240" cy="4411440"/>
+            <a:ext cx="8228880" cy="4411080"/>
           </a:xfrm>
           <a:prstGeom prst="rect">
             <a:avLst/>
@@ -11026,16 +10822,22 @@
             <a:noFill/>
           </a:ln>
         </p:spPr>
+        <p:style>
+          <a:lnRef idx="0"/>
+          <a:fillRef idx="0"/>
+          <a:effectRef idx="0"/>
+          <a:fontRef idx="minor"/>
+        </p:style>
         <p:txBody>
-          <a:bodyPr/>
-          <a:p>
-            <a:pPr marL="343080" indent="-342720">
-              <a:lnSpc>
-                <a:spcPct val="100000"/>
-              </a:lnSpc>
-            </a:pPr>
-            <a:r>
-              <a:rPr b="1" lang="es-ES" sz="1500" spc="-1" strike="noStrike" u="sng">
+          <a:bodyPr lIns="90000" rIns="90000" tIns="45000" bIns="45000"/>
+          <a:p>
+            <a:pPr marL="343080" indent="-342360">
+              <a:lnSpc>
+                <a:spcPct val="100000"/>
+              </a:lnSpc>
+            </a:pPr>
+            <a:r>
+              <a:rPr b="1" lang="en-US" sz="1500" spc="-1" strike="noStrike" u="sng">
                 <a:solidFill>
                   <a:srgbClr val="c00000"/>
                 </a:solidFill>
@@ -11049,7 +10851,7 @@
               <a:t>The organigram of our is</a:t>
             </a:r>
             <a:r>
-              <a:rPr b="1" lang="es-ES" sz="1500" spc="-1" strike="noStrike">
+              <a:rPr b="1" lang="en-US" sz="1500" spc="-1" strike="noStrike">
                 <a:solidFill>
                   <a:srgbClr val="c00000"/>
                 </a:solidFill>
@@ -11065,13 +10867,13 @@
             <a:endParaRPr/>
           </a:p>
           <a:p>
-            <a:pPr marL="343080" indent="-342720">
-              <a:lnSpc>
-                <a:spcPct val="100000"/>
-              </a:lnSpc>
-            </a:pPr>
-            <a:r>
-              <a:rPr lang="es-ES" sz="1500" spc="-1" strike="noStrike">
+            <a:pPr marL="343080" indent="-342360">
+              <a:lnSpc>
+                <a:spcPct val="100000"/>
+              </a:lnSpc>
+            </a:pPr>
+            <a:r>
+              <a:rPr lang="en-US" sz="1500" spc="-1" strike="noStrike">
                 <a:solidFill>
                   <a:srgbClr val="000000"/>
                 </a:solidFill>
@@ -11087,13 +10889,13 @@
             <a:endParaRPr/>
           </a:p>
           <a:p>
-            <a:pPr marL="343080" indent="-342720">
-              <a:lnSpc>
-                <a:spcPct val="100000"/>
-              </a:lnSpc>
-            </a:pPr>
-            <a:r>
-              <a:rPr lang="es-ES" sz="1500" spc="-1" strike="noStrike">
+            <a:pPr marL="343080" indent="-342360">
+              <a:lnSpc>
+                <a:spcPct val="100000"/>
+              </a:lnSpc>
+            </a:pPr>
+            <a:r>
+              <a:rPr lang="en-US" sz="1500" spc="-1" strike="noStrike">
                 <a:solidFill>
                   <a:srgbClr val="000000"/>
                 </a:solidFill>
@@ -11107,7 +10909,7 @@
               <a:t>communication part and then two persons for the display part.</a:t>
             </a:r>
             <a:r>
-              <a:rPr b="1" lang="es-ES" sz="1500" spc="-1" strike="noStrike">
+              <a:rPr b="1" lang="en-US" sz="1500" spc="-1" strike="noStrike">
                 <a:solidFill>
                   <a:srgbClr val="000000"/>
                 </a:solidFill>
@@ -11126,14 +10928,14 @@
       </p:sp>
       <p:sp>
         <p:nvSpPr>
-          <p:cNvPr id="107" name="CustomShape 2"/>
+          <p:cNvPr id="101" name="CustomShape 2"/>
           <p:cNvSpPr/>
           <p:nvPr/>
         </p:nvSpPr>
         <p:spPr>
           <a:xfrm>
             <a:off x="0" y="6572160"/>
-            <a:ext cx="785520" cy="285480"/>
+            <a:ext cx="785160" cy="285120"/>
           </a:xfrm>
           <a:prstGeom prst="rect">
             <a:avLst/>
@@ -11165,14 +10967,14 @@
       </p:sp>
       <p:sp>
         <p:nvSpPr>
-          <p:cNvPr id="108" name="TextShape 3"/>
-          <p:cNvSpPr txBox="1"/>
+          <p:cNvPr id="102" name="CustomShape 3"/>
+          <p:cNvSpPr/>
           <p:nvPr/>
         </p:nvSpPr>
         <p:spPr>
           <a:xfrm>
             <a:off x="428760" y="642960"/>
-            <a:ext cx="8257680" cy="785520"/>
+            <a:ext cx="8257320" cy="785160"/>
           </a:xfrm>
           <a:prstGeom prst="rect">
             <a:avLst/>
@@ -11182,16 +10984,22 @@
             <a:noFill/>
           </a:ln>
         </p:spPr>
+        <p:style>
+          <a:lnRef idx="0"/>
+          <a:fillRef idx="0"/>
+          <a:effectRef idx="0"/>
+          <a:fontRef idx="minor"/>
+        </p:style>
         <p:txBody>
-          <a:bodyPr anchor="ctr"/>
-          <a:p>
-            <a:pPr marL="571680" indent="-571320">
-              <a:lnSpc>
-                <a:spcPct val="100000"/>
-              </a:lnSpc>
-            </a:pPr>
-            <a:r>
-              <a:rPr lang="es-ES" sz="3200" spc="-1" strike="noStrike">
+          <a:bodyPr lIns="90000" rIns="90000" tIns="45000" bIns="45000" anchor="ctr"/>
+          <a:p>
+            <a:pPr marL="571680" indent="-570960">
+              <a:lnSpc>
+                <a:spcPct val="100000"/>
+              </a:lnSpc>
+            </a:pPr>
+            <a:r>
+              <a:rPr lang="en-US" sz="3200" spc="-1" strike="noStrike">
                 <a:solidFill>
                   <a:srgbClr val="000000"/>
                 </a:solidFill>
@@ -11210,14 +11018,14 @@
       </p:sp>
       <p:sp>
         <p:nvSpPr>
-          <p:cNvPr id="109" name="CustomShape 4"/>
+          <p:cNvPr id="103" name="CustomShape 4"/>
           <p:cNvSpPr/>
           <p:nvPr/>
         </p:nvSpPr>
         <p:spPr>
           <a:xfrm>
             <a:off x="2736000" y="6309360"/>
-            <a:ext cx="5571720" cy="227520"/>
+            <a:ext cx="5571360" cy="227160"/>
           </a:xfrm>
           <a:prstGeom prst="rect">
             <a:avLst/>
@@ -11242,7 +11050,7 @@
               </a:lnSpc>
             </a:pPr>
             <a:r>
-              <a:rPr b="1" lang="fr-FR" sz="900" spc="-1" strike="noStrike">
+              <a:rPr b="1" lang="en-US" sz="900" spc="-1" strike="noStrike">
                 <a:solidFill>
                   <a:srgbClr val="000000"/>
                 </a:solidFill>
@@ -11252,6 +11060,7 @@
                   </a:solidFill>
                 </a:uFill>
                 <a:latin typeface="Arial"/>
+                <a:ea typeface="DejaVu Sans"/>
               </a:rPr>
               <a:t>Lea for display part, Raphael for server &amp; Christ for communication part </a:t>
             </a:r>
@@ -11261,19 +11070,19 @@
       </p:sp>
       <p:pic>
         <p:nvPicPr>
-          <p:cNvPr id="110" name="Shape 84" descr=""/>
+          <p:cNvPr id="104" name="Shape 84" descr=""/>
           <p:cNvPicPr/>
           <p:nvPr/>
         </p:nvPicPr>
         <p:blipFill>
           <a:blip r:embed="rId2"/>
-          <a:srcRect l="0" t="0" r="0" b="20296"/>
+          <a:srcRect l="0" t="0" r="0" b="20298"/>
           <a:stretch/>
         </p:blipFill>
         <p:spPr>
           <a:xfrm>
             <a:off x="1593360" y="2766600"/>
-            <a:ext cx="6113520" cy="3671640"/>
+            <a:ext cx="6113160" cy="3671280"/>
           </a:xfrm>
           <a:prstGeom prst="rect">
             <a:avLst/>

--- a/Presentation.pptx
+++ b/Presentation.pptx
@@ -70,7 +70,7 @@
       </p:grpSpPr>
       <p:sp>
         <p:nvSpPr>
-          <p:cNvPr id="24" name="PlaceHolder 1"/>
+          <p:cNvPr id="23" name="PlaceHolder 1"/>
           <p:cNvSpPr>
             <a:spLocks noGrp="1"/>
           </p:cNvSpPr>
@@ -97,7 +97,7 @@
       </p:sp>
       <p:sp>
         <p:nvSpPr>
-          <p:cNvPr id="25" name="PlaceHolder 2"/>
+          <p:cNvPr id="24" name="PlaceHolder 2"/>
           <p:cNvSpPr>
             <a:spLocks noGrp="1"/>
           </p:cNvSpPr>
@@ -123,7 +123,7 @@
       </p:sp>
       <p:sp>
         <p:nvSpPr>
-          <p:cNvPr id="26" name="PlaceHolder 3"/>
+          <p:cNvPr id="25" name="PlaceHolder 3"/>
           <p:cNvSpPr>
             <a:spLocks noGrp="1"/>
           </p:cNvSpPr>
@@ -171,7 +171,7 @@
       </p:grpSpPr>
       <p:sp>
         <p:nvSpPr>
-          <p:cNvPr id="27" name="PlaceHolder 1"/>
+          <p:cNvPr id="26" name="PlaceHolder 1"/>
           <p:cNvSpPr>
             <a:spLocks noGrp="1"/>
           </p:cNvSpPr>
@@ -198,7 +198,7 @@
       </p:sp>
       <p:sp>
         <p:nvSpPr>
-          <p:cNvPr id="28" name="PlaceHolder 2"/>
+          <p:cNvPr id="27" name="PlaceHolder 2"/>
           <p:cNvSpPr>
             <a:spLocks noGrp="1"/>
           </p:cNvSpPr>
@@ -224,7 +224,7 @@
       </p:sp>
       <p:sp>
         <p:nvSpPr>
-          <p:cNvPr id="29" name="PlaceHolder 3"/>
+          <p:cNvPr id="28" name="PlaceHolder 3"/>
           <p:cNvSpPr>
             <a:spLocks noGrp="1"/>
           </p:cNvSpPr>
@@ -250,7 +250,7 @@
       </p:sp>
       <p:sp>
         <p:nvSpPr>
-          <p:cNvPr id="30" name="PlaceHolder 4"/>
+          <p:cNvPr id="29" name="PlaceHolder 4"/>
           <p:cNvSpPr>
             <a:spLocks noGrp="1"/>
           </p:cNvSpPr>
@@ -276,7 +276,7 @@
       </p:sp>
       <p:sp>
         <p:nvSpPr>
-          <p:cNvPr id="31" name="PlaceHolder 5"/>
+          <p:cNvPr id="30" name="PlaceHolder 5"/>
           <p:cNvSpPr>
             <a:spLocks noGrp="1"/>
           </p:cNvSpPr>
@@ -324,7 +324,7 @@
       </p:grpSpPr>
       <p:sp>
         <p:nvSpPr>
-          <p:cNvPr id="32" name="PlaceHolder 1"/>
+          <p:cNvPr id="31" name="PlaceHolder 1"/>
           <p:cNvSpPr>
             <a:spLocks noGrp="1"/>
           </p:cNvSpPr>
@@ -351,7 +351,7 @@
       </p:sp>
       <p:sp>
         <p:nvSpPr>
-          <p:cNvPr id="33" name="PlaceHolder 2"/>
+          <p:cNvPr id="32" name="PlaceHolder 2"/>
           <p:cNvSpPr>
             <a:spLocks noGrp="1"/>
           </p:cNvSpPr>
@@ -377,7 +377,7 @@
       </p:sp>
       <p:sp>
         <p:nvSpPr>
-          <p:cNvPr id="34" name="PlaceHolder 3"/>
+          <p:cNvPr id="33" name="PlaceHolder 3"/>
           <p:cNvSpPr>
             <a:spLocks noGrp="1"/>
           </p:cNvSpPr>
@@ -403,7 +403,7 @@
       </p:sp>
       <p:pic>
         <p:nvPicPr>
-          <p:cNvPr id="35" name="" descr=""/>
+          <p:cNvPr id="34" name="" descr=""/>
           <p:cNvPicPr/>
           <p:nvPr/>
         </p:nvPicPr>
@@ -426,7 +426,7 @@
       </p:pic>
       <p:pic>
         <p:nvPicPr>
-          <p:cNvPr id="36" name="" descr=""/>
+          <p:cNvPr id="35" name="" descr=""/>
           <p:cNvPicPr/>
           <p:nvPr/>
         </p:nvPicPr>
@@ -493,7 +493,7 @@
       </p:grpSpPr>
       <p:sp>
         <p:nvSpPr>
-          <p:cNvPr id="39" name="PlaceHolder 1"/>
+          <p:cNvPr id="38" name="PlaceHolder 1"/>
           <p:cNvSpPr>
             <a:spLocks noGrp="1"/>
           </p:cNvSpPr>
@@ -520,7 +520,7 @@
       </p:sp>
       <p:sp>
         <p:nvSpPr>
-          <p:cNvPr id="40" name="PlaceHolder 2"/>
+          <p:cNvPr id="39" name="PlaceHolder 2"/>
           <p:cNvSpPr>
             <a:spLocks noGrp="1"/>
           </p:cNvSpPr>
@@ -569,7 +569,7 @@
       </p:grpSpPr>
       <p:sp>
         <p:nvSpPr>
-          <p:cNvPr id="41" name="PlaceHolder 1"/>
+          <p:cNvPr id="40" name="PlaceHolder 1"/>
           <p:cNvSpPr>
             <a:spLocks noGrp="1"/>
           </p:cNvSpPr>
@@ -596,7 +596,7 @@
       </p:sp>
       <p:sp>
         <p:nvSpPr>
-          <p:cNvPr id="42" name="PlaceHolder 2"/>
+          <p:cNvPr id="41" name="PlaceHolder 2"/>
           <p:cNvSpPr>
             <a:spLocks noGrp="1"/>
           </p:cNvSpPr>
@@ -644,7 +644,7 @@
       </p:grpSpPr>
       <p:sp>
         <p:nvSpPr>
-          <p:cNvPr id="43" name="PlaceHolder 1"/>
+          <p:cNvPr id="42" name="PlaceHolder 1"/>
           <p:cNvSpPr>
             <a:spLocks noGrp="1"/>
           </p:cNvSpPr>
@@ -671,7 +671,7 @@
       </p:sp>
       <p:sp>
         <p:nvSpPr>
-          <p:cNvPr id="44" name="PlaceHolder 2"/>
+          <p:cNvPr id="43" name="PlaceHolder 2"/>
           <p:cNvSpPr>
             <a:spLocks noGrp="1"/>
           </p:cNvSpPr>
@@ -697,7 +697,7 @@
       </p:sp>
       <p:sp>
         <p:nvSpPr>
-          <p:cNvPr id="45" name="PlaceHolder 3"/>
+          <p:cNvPr id="44" name="PlaceHolder 3"/>
           <p:cNvSpPr>
             <a:spLocks noGrp="1"/>
           </p:cNvSpPr>
@@ -745,7 +745,7 @@
       </p:grpSpPr>
       <p:sp>
         <p:nvSpPr>
-          <p:cNvPr id="46" name="PlaceHolder 1"/>
+          <p:cNvPr id="45" name="PlaceHolder 1"/>
           <p:cNvSpPr>
             <a:spLocks noGrp="1"/>
           </p:cNvSpPr>
@@ -794,7 +794,7 @@
       </p:grpSpPr>
       <p:sp>
         <p:nvSpPr>
-          <p:cNvPr id="47" name="PlaceHolder 1"/>
+          <p:cNvPr id="46" name="PlaceHolder 1"/>
           <p:cNvSpPr>
             <a:spLocks noGrp="1"/>
           </p:cNvSpPr>
@@ -843,7 +843,7 @@
       </p:grpSpPr>
       <p:sp>
         <p:nvSpPr>
-          <p:cNvPr id="48" name="PlaceHolder 1"/>
+          <p:cNvPr id="47" name="PlaceHolder 1"/>
           <p:cNvSpPr>
             <a:spLocks noGrp="1"/>
           </p:cNvSpPr>
@@ -870,7 +870,7 @@
       </p:sp>
       <p:sp>
         <p:nvSpPr>
-          <p:cNvPr id="49" name="PlaceHolder 2"/>
+          <p:cNvPr id="48" name="PlaceHolder 2"/>
           <p:cNvSpPr>
             <a:spLocks noGrp="1"/>
           </p:cNvSpPr>
@@ -896,7 +896,7 @@
       </p:sp>
       <p:sp>
         <p:nvSpPr>
-          <p:cNvPr id="50" name="PlaceHolder 3"/>
+          <p:cNvPr id="49" name="PlaceHolder 3"/>
           <p:cNvSpPr>
             <a:spLocks noGrp="1"/>
           </p:cNvSpPr>
@@ -922,7 +922,7 @@
       </p:sp>
       <p:sp>
         <p:nvSpPr>
-          <p:cNvPr id="51" name="PlaceHolder 4"/>
+          <p:cNvPr id="50" name="PlaceHolder 4"/>
           <p:cNvSpPr>
             <a:spLocks noGrp="1"/>
           </p:cNvSpPr>
@@ -970,7 +970,7 @@
       </p:grpSpPr>
       <p:sp>
         <p:nvSpPr>
-          <p:cNvPr id="3" name="PlaceHolder 1"/>
+          <p:cNvPr id="2" name="PlaceHolder 1"/>
           <p:cNvSpPr>
             <a:spLocks noGrp="1"/>
           </p:cNvSpPr>
@@ -997,7 +997,7 @@
       </p:sp>
       <p:sp>
         <p:nvSpPr>
-          <p:cNvPr id="4" name="PlaceHolder 2"/>
+          <p:cNvPr id="3" name="PlaceHolder 2"/>
           <p:cNvSpPr>
             <a:spLocks noGrp="1"/>
           </p:cNvSpPr>
@@ -1046,7 +1046,7 @@
       </p:grpSpPr>
       <p:sp>
         <p:nvSpPr>
-          <p:cNvPr id="52" name="PlaceHolder 1"/>
+          <p:cNvPr id="51" name="PlaceHolder 1"/>
           <p:cNvSpPr>
             <a:spLocks noGrp="1"/>
           </p:cNvSpPr>
@@ -1073,7 +1073,7 @@
       </p:sp>
       <p:sp>
         <p:nvSpPr>
-          <p:cNvPr id="53" name="PlaceHolder 2"/>
+          <p:cNvPr id="52" name="PlaceHolder 2"/>
           <p:cNvSpPr>
             <a:spLocks noGrp="1"/>
           </p:cNvSpPr>
@@ -1099,7 +1099,7 @@
       </p:sp>
       <p:sp>
         <p:nvSpPr>
-          <p:cNvPr id="54" name="PlaceHolder 3"/>
+          <p:cNvPr id="53" name="PlaceHolder 3"/>
           <p:cNvSpPr>
             <a:spLocks noGrp="1"/>
           </p:cNvSpPr>
@@ -1125,7 +1125,7 @@
       </p:sp>
       <p:sp>
         <p:nvSpPr>
-          <p:cNvPr id="55" name="PlaceHolder 4"/>
+          <p:cNvPr id="54" name="PlaceHolder 4"/>
           <p:cNvSpPr>
             <a:spLocks noGrp="1"/>
           </p:cNvSpPr>
@@ -1173,7 +1173,7 @@
       </p:grpSpPr>
       <p:sp>
         <p:nvSpPr>
-          <p:cNvPr id="56" name="PlaceHolder 1"/>
+          <p:cNvPr id="55" name="PlaceHolder 1"/>
           <p:cNvSpPr>
             <a:spLocks noGrp="1"/>
           </p:cNvSpPr>
@@ -1200,7 +1200,7 @@
       </p:sp>
       <p:sp>
         <p:nvSpPr>
-          <p:cNvPr id="57" name="PlaceHolder 2"/>
+          <p:cNvPr id="56" name="PlaceHolder 2"/>
           <p:cNvSpPr>
             <a:spLocks noGrp="1"/>
           </p:cNvSpPr>
@@ -1226,7 +1226,7 @@
       </p:sp>
       <p:sp>
         <p:nvSpPr>
-          <p:cNvPr id="58" name="PlaceHolder 3"/>
+          <p:cNvPr id="57" name="PlaceHolder 3"/>
           <p:cNvSpPr>
             <a:spLocks noGrp="1"/>
           </p:cNvSpPr>
@@ -1252,7 +1252,7 @@
       </p:sp>
       <p:sp>
         <p:nvSpPr>
-          <p:cNvPr id="59" name="PlaceHolder 4"/>
+          <p:cNvPr id="58" name="PlaceHolder 4"/>
           <p:cNvSpPr>
             <a:spLocks noGrp="1"/>
           </p:cNvSpPr>
@@ -1300,7 +1300,7 @@
       </p:grpSpPr>
       <p:sp>
         <p:nvSpPr>
-          <p:cNvPr id="60" name="PlaceHolder 1"/>
+          <p:cNvPr id="59" name="PlaceHolder 1"/>
           <p:cNvSpPr>
             <a:spLocks noGrp="1"/>
           </p:cNvSpPr>
@@ -1327,7 +1327,7 @@
       </p:sp>
       <p:sp>
         <p:nvSpPr>
-          <p:cNvPr id="61" name="PlaceHolder 2"/>
+          <p:cNvPr id="60" name="PlaceHolder 2"/>
           <p:cNvSpPr>
             <a:spLocks noGrp="1"/>
           </p:cNvSpPr>
@@ -1353,7 +1353,7 @@
       </p:sp>
       <p:sp>
         <p:nvSpPr>
-          <p:cNvPr id="62" name="PlaceHolder 3"/>
+          <p:cNvPr id="61" name="PlaceHolder 3"/>
           <p:cNvSpPr>
             <a:spLocks noGrp="1"/>
           </p:cNvSpPr>
@@ -1401,7 +1401,7 @@
       </p:grpSpPr>
       <p:sp>
         <p:nvSpPr>
-          <p:cNvPr id="63" name="PlaceHolder 1"/>
+          <p:cNvPr id="62" name="PlaceHolder 1"/>
           <p:cNvSpPr>
             <a:spLocks noGrp="1"/>
           </p:cNvSpPr>
@@ -1428,7 +1428,7 @@
       </p:sp>
       <p:sp>
         <p:nvSpPr>
-          <p:cNvPr id="64" name="PlaceHolder 2"/>
+          <p:cNvPr id="63" name="PlaceHolder 2"/>
           <p:cNvSpPr>
             <a:spLocks noGrp="1"/>
           </p:cNvSpPr>
@@ -1454,7 +1454,7 @@
       </p:sp>
       <p:sp>
         <p:nvSpPr>
-          <p:cNvPr id="65" name="PlaceHolder 3"/>
+          <p:cNvPr id="64" name="PlaceHolder 3"/>
           <p:cNvSpPr>
             <a:spLocks noGrp="1"/>
           </p:cNvSpPr>
@@ -1480,7 +1480,7 @@
       </p:sp>
       <p:sp>
         <p:nvSpPr>
-          <p:cNvPr id="66" name="PlaceHolder 4"/>
+          <p:cNvPr id="65" name="PlaceHolder 4"/>
           <p:cNvSpPr>
             <a:spLocks noGrp="1"/>
           </p:cNvSpPr>
@@ -1506,7 +1506,7 @@
       </p:sp>
       <p:sp>
         <p:nvSpPr>
-          <p:cNvPr id="67" name="PlaceHolder 5"/>
+          <p:cNvPr id="66" name="PlaceHolder 5"/>
           <p:cNvSpPr>
             <a:spLocks noGrp="1"/>
           </p:cNvSpPr>
@@ -1554,7 +1554,7 @@
       </p:grpSpPr>
       <p:sp>
         <p:nvSpPr>
-          <p:cNvPr id="68" name="PlaceHolder 1"/>
+          <p:cNvPr id="67" name="PlaceHolder 1"/>
           <p:cNvSpPr>
             <a:spLocks noGrp="1"/>
           </p:cNvSpPr>
@@ -1581,7 +1581,7 @@
       </p:sp>
       <p:sp>
         <p:nvSpPr>
-          <p:cNvPr id="69" name="PlaceHolder 2"/>
+          <p:cNvPr id="68" name="PlaceHolder 2"/>
           <p:cNvSpPr>
             <a:spLocks noGrp="1"/>
           </p:cNvSpPr>
@@ -1607,7 +1607,7 @@
       </p:sp>
       <p:sp>
         <p:nvSpPr>
-          <p:cNvPr id="70" name="PlaceHolder 3"/>
+          <p:cNvPr id="69" name="PlaceHolder 3"/>
           <p:cNvSpPr>
             <a:spLocks noGrp="1"/>
           </p:cNvSpPr>
@@ -1633,7 +1633,7 @@
       </p:sp>
       <p:pic>
         <p:nvPicPr>
-          <p:cNvPr id="71" name="" descr=""/>
+          <p:cNvPr id="70" name="" descr=""/>
           <p:cNvPicPr/>
           <p:nvPr/>
         </p:nvPicPr>
@@ -1656,7 +1656,7 @@
       </p:pic>
       <p:pic>
         <p:nvPicPr>
-          <p:cNvPr id="72" name="" descr=""/>
+          <p:cNvPr id="71" name="" descr=""/>
           <p:cNvPicPr/>
           <p:nvPr/>
         </p:nvPicPr>
@@ -1701,7 +1701,7 @@
       </p:grpSpPr>
       <p:sp>
         <p:nvSpPr>
-          <p:cNvPr id="5" name="PlaceHolder 1"/>
+          <p:cNvPr id="4" name="PlaceHolder 1"/>
           <p:cNvSpPr>
             <a:spLocks noGrp="1"/>
           </p:cNvSpPr>
@@ -1728,7 +1728,7 @@
       </p:sp>
       <p:sp>
         <p:nvSpPr>
-          <p:cNvPr id="6" name="PlaceHolder 2"/>
+          <p:cNvPr id="5" name="PlaceHolder 2"/>
           <p:cNvSpPr>
             <a:spLocks noGrp="1"/>
           </p:cNvSpPr>
@@ -1776,7 +1776,7 @@
       </p:grpSpPr>
       <p:sp>
         <p:nvSpPr>
-          <p:cNvPr id="7" name="PlaceHolder 1"/>
+          <p:cNvPr id="6" name="PlaceHolder 1"/>
           <p:cNvSpPr>
             <a:spLocks noGrp="1"/>
           </p:cNvSpPr>
@@ -1803,7 +1803,7 @@
       </p:sp>
       <p:sp>
         <p:nvSpPr>
-          <p:cNvPr id="8" name="PlaceHolder 2"/>
+          <p:cNvPr id="7" name="PlaceHolder 2"/>
           <p:cNvSpPr>
             <a:spLocks noGrp="1"/>
           </p:cNvSpPr>
@@ -1829,7 +1829,7 @@
       </p:sp>
       <p:sp>
         <p:nvSpPr>
-          <p:cNvPr id="9" name="PlaceHolder 3"/>
+          <p:cNvPr id="8" name="PlaceHolder 3"/>
           <p:cNvSpPr>
             <a:spLocks noGrp="1"/>
           </p:cNvSpPr>
@@ -1877,7 +1877,7 @@
       </p:grpSpPr>
       <p:sp>
         <p:nvSpPr>
-          <p:cNvPr id="10" name="PlaceHolder 1"/>
+          <p:cNvPr id="9" name="PlaceHolder 1"/>
           <p:cNvSpPr>
             <a:spLocks noGrp="1"/>
           </p:cNvSpPr>
@@ -1926,7 +1926,7 @@
       </p:grpSpPr>
       <p:sp>
         <p:nvSpPr>
-          <p:cNvPr id="11" name="PlaceHolder 1"/>
+          <p:cNvPr id="10" name="PlaceHolder 1"/>
           <p:cNvSpPr>
             <a:spLocks noGrp="1"/>
           </p:cNvSpPr>
@@ -1975,7 +1975,7 @@
       </p:grpSpPr>
       <p:sp>
         <p:nvSpPr>
-          <p:cNvPr id="12" name="PlaceHolder 1"/>
+          <p:cNvPr id="11" name="PlaceHolder 1"/>
           <p:cNvSpPr>
             <a:spLocks noGrp="1"/>
           </p:cNvSpPr>
@@ -2002,7 +2002,7 @@
       </p:sp>
       <p:sp>
         <p:nvSpPr>
-          <p:cNvPr id="13" name="PlaceHolder 2"/>
+          <p:cNvPr id="12" name="PlaceHolder 2"/>
           <p:cNvSpPr>
             <a:spLocks noGrp="1"/>
           </p:cNvSpPr>
@@ -2028,7 +2028,7 @@
       </p:sp>
       <p:sp>
         <p:nvSpPr>
-          <p:cNvPr id="14" name="PlaceHolder 3"/>
+          <p:cNvPr id="13" name="PlaceHolder 3"/>
           <p:cNvSpPr>
             <a:spLocks noGrp="1"/>
           </p:cNvSpPr>
@@ -2054,7 +2054,7 @@
       </p:sp>
       <p:sp>
         <p:nvSpPr>
-          <p:cNvPr id="15" name="PlaceHolder 4"/>
+          <p:cNvPr id="14" name="PlaceHolder 4"/>
           <p:cNvSpPr>
             <a:spLocks noGrp="1"/>
           </p:cNvSpPr>
@@ -2102,7 +2102,7 @@
       </p:grpSpPr>
       <p:sp>
         <p:nvSpPr>
-          <p:cNvPr id="16" name="PlaceHolder 1"/>
+          <p:cNvPr id="15" name="PlaceHolder 1"/>
           <p:cNvSpPr>
             <a:spLocks noGrp="1"/>
           </p:cNvSpPr>
@@ -2129,7 +2129,7 @@
       </p:sp>
       <p:sp>
         <p:nvSpPr>
-          <p:cNvPr id="17" name="PlaceHolder 2"/>
+          <p:cNvPr id="16" name="PlaceHolder 2"/>
           <p:cNvSpPr>
             <a:spLocks noGrp="1"/>
           </p:cNvSpPr>
@@ -2155,7 +2155,7 @@
       </p:sp>
       <p:sp>
         <p:nvSpPr>
-          <p:cNvPr id="18" name="PlaceHolder 3"/>
+          <p:cNvPr id="17" name="PlaceHolder 3"/>
           <p:cNvSpPr>
             <a:spLocks noGrp="1"/>
           </p:cNvSpPr>
@@ -2181,7 +2181,7 @@
       </p:sp>
       <p:sp>
         <p:nvSpPr>
-          <p:cNvPr id="19" name="PlaceHolder 4"/>
+          <p:cNvPr id="18" name="PlaceHolder 4"/>
           <p:cNvSpPr>
             <a:spLocks noGrp="1"/>
           </p:cNvSpPr>
@@ -2229,7 +2229,7 @@
       </p:grpSpPr>
       <p:sp>
         <p:nvSpPr>
-          <p:cNvPr id="20" name="PlaceHolder 1"/>
+          <p:cNvPr id="19" name="PlaceHolder 1"/>
           <p:cNvSpPr>
             <a:spLocks noGrp="1"/>
           </p:cNvSpPr>
@@ -2256,7 +2256,7 @@
       </p:sp>
       <p:sp>
         <p:nvSpPr>
-          <p:cNvPr id="21" name="PlaceHolder 2"/>
+          <p:cNvPr id="20" name="PlaceHolder 2"/>
           <p:cNvSpPr>
             <a:spLocks noGrp="1"/>
           </p:cNvSpPr>
@@ -2282,7 +2282,7 @@
       </p:sp>
       <p:sp>
         <p:nvSpPr>
-          <p:cNvPr id="22" name="PlaceHolder 3"/>
+          <p:cNvPr id="21" name="PlaceHolder 3"/>
           <p:cNvSpPr>
             <a:spLocks noGrp="1"/>
           </p:cNvSpPr>
@@ -2308,7 +2308,7 @@
       </p:sp>
       <p:sp>
         <p:nvSpPr>
-          <p:cNvPr id="23" name="PlaceHolder 4"/>
+          <p:cNvPr id="22" name="PlaceHolder 4"/>
           <p:cNvSpPr>
             <a:spLocks noGrp="1"/>
           </p:cNvSpPr>
@@ -2376,8 +2376,8 @@
         </p:nvSpPr>
         <p:spPr>
           <a:xfrm>
-            <a:off x="457200" y="274680"/>
-            <a:ext cx="8228880" cy="1142280"/>
+            <a:off x="457200" y="273600"/>
+            <a:ext cx="8228880" cy="1144440"/>
           </a:xfrm>
           <a:prstGeom prst="rect">
             <a:avLst/>
@@ -2394,33 +2394,6 @@
       <p:sp>
         <p:nvSpPr>
           <p:cNvPr id="1" name="PlaceHolder 2"/>
-          <p:cNvSpPr>
-            <a:spLocks noGrp="1"/>
-          </p:cNvSpPr>
-          <p:nvPr>
-            <p:ph type="subTitle"/>
-          </p:nvPr>
-        </p:nvSpPr>
-        <p:spPr>
-          <a:xfrm>
-            <a:off x="457200" y="1600200"/>
-            <a:ext cx="8228880" cy="4525200"/>
-          </a:xfrm>
-          <a:prstGeom prst="rect">
-            <a:avLst/>
-          </a:prstGeom>
-        </p:spPr>
-        <p:txBody>
-          <a:bodyPr lIns="0" rIns="0" tIns="0" bIns="0" anchor="ctr"/>
-          <a:p>
-            <a:pPr algn="ctr"/>
-            <a:endParaRPr/>
-          </a:p>
-        </p:txBody>
-      </p:sp>
-      <p:sp>
-        <p:nvSpPr>
-          <p:cNvPr id="2" name="PlaceHolder 3"/>
           <p:cNvSpPr>
             <a:spLocks noGrp="1"/>
           </p:cNvSpPr>
@@ -2431,7 +2404,7 @@
         <p:spPr>
           <a:xfrm>
             <a:off x="457200" y="1604520"/>
-            <a:ext cx="8229240" cy="3976920"/>
+            <a:ext cx="8228880" cy="3976560"/>
           </a:xfrm>
           <a:prstGeom prst="rect">
             <a:avLst/>
@@ -2449,7 +2422,7 @@
               <a:buChar char=""/>
             </a:pPr>
             <a:r>
-              <a:rPr lang="en-US" sz="3200" spc="-1">
+              <a:rPr lang="en-US" sz="1800" spc="-1">
                 <a:latin typeface="Arial"/>
               </a:rPr>
               <a:t>Click to edit the outline text format</a:t>
@@ -2466,7 +2439,7 @@
               <a:buChar char=""/>
             </a:pPr>
             <a:r>
-              <a:rPr lang="en-US" sz="2800" spc="-1">
+              <a:rPr lang="en-US" sz="1800" spc="-1">
                 <a:latin typeface="Arial"/>
               </a:rPr>
               <a:t>Second Outline Level</a:t>
@@ -2483,7 +2456,7 @@
               <a:buChar char=""/>
             </a:pPr>
             <a:r>
-              <a:rPr lang="en-US" sz="2400" spc="-1">
+              <a:rPr lang="en-US" sz="1800" spc="-1">
                 <a:latin typeface="Arial"/>
               </a:rPr>
               <a:t>Third Outline Level</a:t>
@@ -2500,7 +2473,7 @@
               <a:buChar char=""/>
             </a:pPr>
             <a:r>
-              <a:rPr lang="en-US" sz="2000" spc="-1">
+              <a:rPr lang="en-US" sz="1800" spc="-1">
                 <a:latin typeface="Arial"/>
               </a:rPr>
               <a:t>Fourth Outline Level</a:t>
@@ -2517,7 +2490,7 @@
               <a:buChar char=""/>
             </a:pPr>
             <a:r>
-              <a:rPr lang="en-US" sz="2000" spc="-1">
+              <a:rPr lang="en-US" sz="1800" spc="-1">
                 <a:latin typeface="Arial"/>
               </a:rPr>
               <a:t>Fifth Outline Level</a:t>
@@ -2534,7 +2507,7 @@
               <a:buChar char=""/>
             </a:pPr>
             <a:r>
-              <a:rPr lang="en-US" sz="2000" spc="-1">
+              <a:rPr lang="en-US" sz="1800" spc="-1">
                 <a:latin typeface="Arial"/>
               </a:rPr>
               <a:t>Sixth Outline Level</a:t>
@@ -2551,7 +2524,7 @@
               <a:buChar char=""/>
             </a:pPr>
             <a:r>
-              <a:rPr lang="en-US" sz="2000" spc="-1">
+              <a:rPr lang="en-US" sz="1800" spc="-1">
                 <a:latin typeface="Arial"/>
               </a:rPr>
               <a:t>Seventh Outline Level</a:t>
@@ -2609,7 +2582,7 @@
       </p:grpSpPr>
       <p:sp>
         <p:nvSpPr>
-          <p:cNvPr id="37" name="PlaceHolder 1"/>
+          <p:cNvPr id="36" name="PlaceHolder 1"/>
           <p:cNvSpPr>
             <a:spLocks noGrp="1"/>
           </p:cNvSpPr>
@@ -2642,7 +2615,7 @@
       </p:sp>
       <p:sp>
         <p:nvSpPr>
-          <p:cNvPr id="38" name="PlaceHolder 2"/>
+          <p:cNvPr id="37" name="PlaceHolder 2"/>
           <p:cNvSpPr>
             <a:spLocks noGrp="1"/>
           </p:cNvSpPr>
@@ -2831,14 +2804,14 @@
       </p:grpSpPr>
       <p:sp>
         <p:nvSpPr>
-          <p:cNvPr id="73" name="CustomShape 1"/>
+          <p:cNvPr id="72" name="CustomShape 1"/>
           <p:cNvSpPr/>
           <p:nvPr/>
         </p:nvSpPr>
         <p:spPr>
           <a:xfrm>
             <a:off x="0" y="6572160"/>
-            <a:ext cx="785160" cy="285120"/>
+            <a:ext cx="784800" cy="284760"/>
           </a:xfrm>
           <a:prstGeom prst="rect">
             <a:avLst/>
@@ -2870,14 +2843,14 @@
       </p:sp>
       <p:sp>
         <p:nvSpPr>
-          <p:cNvPr id="74" name="CustomShape 2"/>
+          <p:cNvPr id="73" name="CustomShape 2"/>
           <p:cNvSpPr/>
           <p:nvPr/>
         </p:nvSpPr>
         <p:spPr>
           <a:xfrm>
             <a:off x="285840" y="5857920"/>
-            <a:ext cx="5319000" cy="646920"/>
+            <a:ext cx="5318640" cy="646560"/>
           </a:xfrm>
           <a:prstGeom prst="rect">
             <a:avLst/>
@@ -2912,6 +2885,7 @@
                   </a:solidFill>
                 </a:uFill>
                 <a:latin typeface="Aharoni"/>
+                <a:ea typeface="DejaVu Sans"/>
               </a:rPr>
               <a:t>Fps “Flight Planning System”</a:t>
             </a:r>
@@ -2921,14 +2895,14 @@
       </p:sp>
       <p:sp>
         <p:nvSpPr>
-          <p:cNvPr id="75" name="CustomShape 3"/>
+          <p:cNvPr id="74" name="CustomShape 3"/>
           <p:cNvSpPr/>
           <p:nvPr/>
         </p:nvSpPr>
         <p:spPr>
           <a:xfrm>
             <a:off x="5364000" y="5000760"/>
-            <a:ext cx="3456720" cy="1642320"/>
+            <a:ext cx="3456360" cy="1641960"/>
           </a:xfrm>
           <a:prstGeom prst="rect">
             <a:avLst/>
@@ -3066,14 +3040,14 @@
       </p:sp>
       <p:sp>
         <p:nvSpPr>
-          <p:cNvPr id="76" name="CustomShape 4"/>
+          <p:cNvPr id="75" name="CustomShape 4"/>
           <p:cNvSpPr/>
           <p:nvPr/>
         </p:nvSpPr>
         <p:spPr>
           <a:xfrm>
             <a:off x="1643040" y="357120"/>
-            <a:ext cx="5319000" cy="575640"/>
+            <a:ext cx="5318640" cy="575280"/>
           </a:xfrm>
           <a:prstGeom prst="rect">
             <a:avLst/>
@@ -3167,14 +3141,14 @@
       </p:grpSpPr>
       <p:sp>
         <p:nvSpPr>
-          <p:cNvPr id="105" name="CustomShape 1"/>
+          <p:cNvPr id="104" name="CustomShape 1"/>
           <p:cNvSpPr/>
           <p:nvPr/>
         </p:nvSpPr>
         <p:spPr>
           <a:xfrm>
             <a:off x="457200" y="1714320"/>
-            <a:ext cx="8228880" cy="4411080"/>
+            <a:ext cx="8228520" cy="4410720"/>
           </a:xfrm>
           <a:prstGeom prst="rect">
             <a:avLst/>
@@ -3193,7 +3167,7 @@
         <p:txBody>
           <a:bodyPr lIns="90000" rIns="90000" tIns="45000" bIns="45000"/>
           <a:p>
-            <a:pPr marL="343080" indent="-342360">
+            <a:pPr marL="343080" indent="-342000">
               <a:lnSpc>
                 <a:spcPct val="100000"/>
               </a:lnSpc>
@@ -3209,13 +3183,14 @@
                   </a:solidFill>
                 </a:uFill>
                 <a:latin typeface="Calibri"/>
+                <a:ea typeface="DejaVu Sans"/>
               </a:rPr>
               <a:t>The navigation scheme :</a:t>
             </a:r>
             <a:endParaRPr/>
           </a:p>
           <a:p>
-            <a:pPr marL="343080" indent="-342360">
+            <a:pPr marL="343080" indent="-342000">
               <a:lnSpc>
                 <a:spcPct val="100000"/>
               </a:lnSpc>
@@ -3231,13 +3206,14 @@
                   </a:solidFill>
                 </a:uFill>
                 <a:latin typeface="Calibri"/>
+                <a:ea typeface="DejaVu Sans"/>
               </a:rPr>
               <a:t>We have decided to use two navigation scheme as requested.</a:t>
             </a:r>
             <a:endParaRPr/>
           </a:p>
           <a:p>
-            <a:pPr marL="343080" indent="-342360">
+            <a:pPr marL="343080" indent="-342000">
               <a:lnSpc>
                 <a:spcPct val="100000"/>
               </a:lnSpc>
@@ -3253,6 +3229,7 @@
                   </a:solidFill>
                 </a:uFill>
                 <a:latin typeface="Calibri"/>
+                <a:ea typeface="DejaVu Sans"/>
               </a:rPr>
               <a:t>for OCC:</a:t>
             </a:r>
@@ -3262,14 +3239,14 @@
       </p:sp>
       <p:sp>
         <p:nvSpPr>
-          <p:cNvPr id="106" name="CustomShape 2"/>
+          <p:cNvPr id="105" name="CustomShape 2"/>
           <p:cNvSpPr/>
           <p:nvPr/>
         </p:nvSpPr>
         <p:spPr>
           <a:xfrm>
             <a:off x="0" y="6572160"/>
-            <a:ext cx="785160" cy="285120"/>
+            <a:ext cx="784800" cy="284760"/>
           </a:xfrm>
           <a:prstGeom prst="rect">
             <a:avLst/>
@@ -3301,14 +3278,14 @@
       </p:sp>
       <p:sp>
         <p:nvSpPr>
-          <p:cNvPr id="107" name="CustomShape 3"/>
+          <p:cNvPr id="106" name="CustomShape 3"/>
           <p:cNvSpPr/>
           <p:nvPr/>
         </p:nvSpPr>
         <p:spPr>
           <a:xfrm>
             <a:off x="428760" y="642960"/>
-            <a:ext cx="8257320" cy="785160"/>
+            <a:ext cx="8256960" cy="784800"/>
           </a:xfrm>
           <a:prstGeom prst="rect">
             <a:avLst/>
@@ -3327,7 +3304,7 @@
         <p:txBody>
           <a:bodyPr lIns="90000" rIns="90000" tIns="45000" bIns="45000" anchor="ctr"/>
           <a:p>
-            <a:pPr marL="571680" indent="-570960">
+            <a:pPr marL="571680" indent="-570600">
               <a:lnSpc>
                 <a:spcPct val="100000"/>
               </a:lnSpc>
@@ -3343,6 +3320,7 @@
                   </a:solidFill>
                 </a:uFill>
                 <a:latin typeface="Calibri"/>
+                <a:ea typeface="DejaVu Sans"/>
               </a:rPr>
               <a:t>II.   Second lesson</a:t>
             </a:r>
@@ -3352,7 +3330,7 @@
       </p:sp>
       <p:pic>
         <p:nvPicPr>
-          <p:cNvPr id="108" name="Shape 90" descr=""/>
+          <p:cNvPr id="107" name="Shape 90" descr=""/>
           <p:cNvPicPr/>
           <p:nvPr/>
         </p:nvPicPr>
@@ -3363,7 +3341,7 @@
         <p:spPr>
           <a:xfrm>
             <a:off x="1223280" y="2520000"/>
-            <a:ext cx="6552360" cy="3415680"/>
+            <a:ext cx="6552000" cy="3415320"/>
           </a:xfrm>
           <a:prstGeom prst="rect">
             <a:avLst/>
@@ -3424,14 +3402,14 @@
       </p:grpSpPr>
       <p:sp>
         <p:nvSpPr>
-          <p:cNvPr id="109" name="CustomShape 1"/>
+          <p:cNvPr id="108" name="CustomShape 1"/>
           <p:cNvSpPr/>
           <p:nvPr/>
         </p:nvSpPr>
         <p:spPr>
           <a:xfrm>
             <a:off x="457200" y="1714320"/>
-            <a:ext cx="8228880" cy="4411080"/>
+            <a:ext cx="8228520" cy="4410720"/>
           </a:xfrm>
           <a:prstGeom prst="rect">
             <a:avLst/>
@@ -3450,7 +3428,7 @@
         <p:txBody>
           <a:bodyPr lIns="90000" rIns="90000" tIns="45000" bIns="45000"/>
           <a:p>
-            <a:pPr marL="343080" indent="-342360">
+            <a:pPr marL="343080" indent="-342000">
               <a:lnSpc>
                 <a:spcPct val="100000"/>
               </a:lnSpc>
@@ -3466,13 +3444,14 @@
                   </a:solidFill>
                 </a:uFill>
                 <a:latin typeface="Calibri"/>
+                <a:ea typeface="DejaVu Sans"/>
               </a:rPr>
               <a:t>The navigation scheme :</a:t>
             </a:r>
             <a:endParaRPr/>
           </a:p>
           <a:p>
-            <a:pPr marL="343080" indent="-342360">
+            <a:pPr marL="343080" indent="-342000">
               <a:lnSpc>
                 <a:spcPct val="100000"/>
               </a:lnSpc>
@@ -3488,6 +3467,7 @@
                   </a:solidFill>
                 </a:uFill>
                 <a:latin typeface="Calibri"/>
+                <a:ea typeface="DejaVu Sans"/>
               </a:rPr>
               <a:t>for the crew:</a:t>
             </a:r>
@@ -3497,14 +3477,14 @@
       </p:sp>
       <p:sp>
         <p:nvSpPr>
-          <p:cNvPr id="110" name="CustomShape 2"/>
+          <p:cNvPr id="109" name="CustomShape 2"/>
           <p:cNvSpPr/>
           <p:nvPr/>
         </p:nvSpPr>
         <p:spPr>
           <a:xfrm>
             <a:off x="0" y="6572160"/>
-            <a:ext cx="785160" cy="285120"/>
+            <a:ext cx="784800" cy="284760"/>
           </a:xfrm>
           <a:prstGeom prst="rect">
             <a:avLst/>
@@ -3536,14 +3516,14 @@
       </p:sp>
       <p:sp>
         <p:nvSpPr>
-          <p:cNvPr id="111" name="CustomShape 3"/>
+          <p:cNvPr id="110" name="CustomShape 3"/>
           <p:cNvSpPr/>
           <p:nvPr/>
         </p:nvSpPr>
         <p:spPr>
           <a:xfrm>
             <a:off x="428760" y="642960"/>
-            <a:ext cx="8257320" cy="785160"/>
+            <a:ext cx="8256960" cy="784800"/>
           </a:xfrm>
           <a:prstGeom prst="rect">
             <a:avLst/>
@@ -3562,7 +3542,7 @@
         <p:txBody>
           <a:bodyPr lIns="90000" rIns="90000" tIns="45000" bIns="45000" anchor="ctr"/>
           <a:p>
-            <a:pPr marL="571680" indent="-570960">
+            <a:pPr marL="571680" indent="-570600">
               <a:lnSpc>
                 <a:spcPct val="100000"/>
               </a:lnSpc>
@@ -3578,6 +3558,7 @@
                   </a:solidFill>
                 </a:uFill>
                 <a:latin typeface="Calibri"/>
+                <a:ea typeface="DejaVu Sans"/>
               </a:rPr>
               <a:t>II.   Second lesson</a:t>
             </a:r>
@@ -3587,7 +3568,7 @@
       </p:sp>
       <p:pic>
         <p:nvPicPr>
-          <p:cNvPr id="112" name="Shape 96" descr=""/>
+          <p:cNvPr id="111" name="Shape 96" descr=""/>
           <p:cNvPicPr/>
           <p:nvPr/>
         </p:nvPicPr>
@@ -3598,7 +3579,7 @@
         <p:spPr>
           <a:xfrm>
             <a:off x="1440000" y="2175840"/>
-            <a:ext cx="6552360" cy="3799800"/>
+            <a:ext cx="6552000" cy="3799440"/>
           </a:xfrm>
           <a:prstGeom prst="rect">
             <a:avLst/>
@@ -3659,14 +3640,14 @@
       </p:grpSpPr>
       <p:sp>
         <p:nvSpPr>
-          <p:cNvPr id="113" name="CustomShape 1"/>
+          <p:cNvPr id="112" name="CustomShape 1"/>
           <p:cNvSpPr/>
           <p:nvPr/>
         </p:nvSpPr>
         <p:spPr>
           <a:xfrm>
             <a:off x="457200" y="1714320"/>
-            <a:ext cx="8228880" cy="4411080"/>
+            <a:ext cx="8228520" cy="4410720"/>
           </a:xfrm>
           <a:prstGeom prst="rect">
             <a:avLst/>
@@ -3685,7 +3666,7 @@
         <p:txBody>
           <a:bodyPr lIns="90000" rIns="90000" tIns="45000" bIns="45000"/>
           <a:p>
-            <a:pPr marL="343080" indent="-342360">
+            <a:pPr marL="343080" indent="-342000">
               <a:lnSpc>
                 <a:spcPct val="100000"/>
               </a:lnSpc>
@@ -3701,21 +3682,22 @@
                   </a:solidFill>
                 </a:uFill>
                 <a:latin typeface="Calibri"/>
+                <a:ea typeface="DejaVu Sans"/>
               </a:rPr>
               <a:t>Our mock-ups:</a:t>
             </a:r>
             <a:endParaRPr/>
           </a:p>
           <a:p>
-            <a:pPr marL="343080" indent="-342360">
-              <a:lnSpc>
-                <a:spcPct val="100000"/>
-              </a:lnSpc>
-            </a:pPr>
-            <a:endParaRPr/>
-          </a:p>
-          <a:p>
-            <a:pPr marL="343080" indent="-342360">
+            <a:pPr marL="343080" indent="-342000">
+              <a:lnSpc>
+                <a:spcPct val="100000"/>
+              </a:lnSpc>
+            </a:pPr>
+            <a:endParaRPr/>
+          </a:p>
+          <a:p>
+            <a:pPr marL="343080" indent="-342000">
               <a:lnSpc>
                 <a:spcPct val="100000"/>
               </a:lnSpc>
@@ -3731,6 +3713,7 @@
                   </a:solidFill>
                 </a:uFill>
                 <a:latin typeface="Calibri"/>
+                <a:ea typeface="DejaVu Sans"/>
               </a:rPr>
               <a:t>For our mock-ups, we decided to do it with</a:t>
             </a:r>
@@ -3745,6 +3728,7 @@
                   </a:solidFill>
                 </a:uFill>
                 <a:latin typeface="Calibri"/>
+                <a:ea typeface="DejaVu Sans"/>
               </a:rPr>
               <a:t> Invasion </a:t>
             </a:r>
@@ -3759,13 +3743,14 @@
                   </a:solidFill>
                 </a:uFill>
                 <a:latin typeface="Calibri"/>
+                <a:ea typeface="DejaVu Sans"/>
               </a:rPr>
               <a:t>as Mr. Tekkal advices us.</a:t>
             </a:r>
             <a:endParaRPr/>
           </a:p>
           <a:p>
-            <a:pPr marL="343080" indent="-342360">
+            <a:pPr marL="343080" indent="-342000">
               <a:lnSpc>
                 <a:spcPct val="100000"/>
               </a:lnSpc>
@@ -3781,6 +3766,7 @@
                   </a:solidFill>
                 </a:uFill>
                 <a:latin typeface="Calibri"/>
+                <a:ea typeface="DejaVu Sans"/>
               </a:rPr>
               <a:t> </a:t>
             </a:r>
@@ -3795,21 +3781,22 @@
                   </a:solidFill>
                 </a:uFill>
                 <a:latin typeface="Calibri"/>
+                <a:ea typeface="DejaVu Sans"/>
               </a:rPr>
               <a:t>so here’s the link for it :</a:t>
             </a:r>
             <a:endParaRPr/>
           </a:p>
           <a:p>
-            <a:pPr marL="343080" indent="-342360">
-              <a:lnSpc>
-                <a:spcPct val="100000"/>
-              </a:lnSpc>
-            </a:pPr>
-            <a:endParaRPr/>
-          </a:p>
-          <a:p>
-            <a:pPr marL="343080" indent="-342360">
+            <a:pPr marL="343080" indent="-342000">
+              <a:lnSpc>
+                <a:spcPct val="100000"/>
+              </a:lnSpc>
+            </a:pPr>
+            <a:endParaRPr/>
+          </a:p>
+          <a:p>
+            <a:pPr marL="343080" indent="-342000">
               <a:lnSpc>
                 <a:spcPct val="100000"/>
               </a:lnSpc>
@@ -3825,45 +3812,46 @@
                   </a:solidFill>
                 </a:uFill>
                 <a:latin typeface="Arial"/>
+                <a:ea typeface="DejaVu Sans"/>
               </a:rPr>
               <a:t>https://invis.io/VW60KMLEY</a:t>
             </a:r>
             <a:endParaRPr/>
           </a:p>
           <a:p>
-            <a:pPr marL="343080" indent="-342360">
-              <a:lnSpc>
-                <a:spcPct val="100000"/>
-              </a:lnSpc>
-            </a:pPr>
-            <a:endParaRPr/>
-          </a:p>
-          <a:p>
-            <a:pPr marL="343080" indent="-342360">
-              <a:lnSpc>
-                <a:spcPct val="100000"/>
-              </a:lnSpc>
-            </a:pPr>
-            <a:endParaRPr/>
-          </a:p>
-          <a:p>
-            <a:pPr marL="343080" indent="-342360">
-              <a:lnSpc>
-                <a:spcPct val="100000"/>
-              </a:lnSpc>
-            </a:pPr>
-            <a:endParaRPr/>
-          </a:p>
-          <a:p>
-            <a:pPr marL="343080" indent="-342360">
-              <a:lnSpc>
-                <a:spcPct val="100000"/>
-              </a:lnSpc>
-            </a:pPr>
-            <a:endParaRPr/>
-          </a:p>
-          <a:p>
-            <a:pPr marL="343080" indent="-342360">
+            <a:pPr marL="343080" indent="-342000">
+              <a:lnSpc>
+                <a:spcPct val="100000"/>
+              </a:lnSpc>
+            </a:pPr>
+            <a:endParaRPr/>
+          </a:p>
+          <a:p>
+            <a:pPr marL="343080" indent="-342000">
+              <a:lnSpc>
+                <a:spcPct val="100000"/>
+              </a:lnSpc>
+            </a:pPr>
+            <a:endParaRPr/>
+          </a:p>
+          <a:p>
+            <a:pPr marL="343080" indent="-342000">
+              <a:lnSpc>
+                <a:spcPct val="100000"/>
+              </a:lnSpc>
+            </a:pPr>
+            <a:endParaRPr/>
+          </a:p>
+          <a:p>
+            <a:pPr marL="343080" indent="-342000">
+              <a:lnSpc>
+                <a:spcPct val="100000"/>
+              </a:lnSpc>
+            </a:pPr>
+            <a:endParaRPr/>
+          </a:p>
+          <a:p>
+            <a:pPr marL="343080" indent="-342000">
               <a:lnSpc>
                 <a:spcPct val="100000"/>
               </a:lnSpc>
@@ -3874,14 +3862,14 @@
       </p:sp>
       <p:sp>
         <p:nvSpPr>
-          <p:cNvPr id="114" name="CustomShape 2"/>
+          <p:cNvPr id="113" name="CustomShape 2"/>
           <p:cNvSpPr/>
           <p:nvPr/>
         </p:nvSpPr>
         <p:spPr>
           <a:xfrm>
             <a:off x="0" y="6572160"/>
-            <a:ext cx="785160" cy="285120"/>
+            <a:ext cx="784800" cy="284760"/>
           </a:xfrm>
           <a:prstGeom prst="rect">
             <a:avLst/>
@@ -3913,14 +3901,14 @@
       </p:sp>
       <p:sp>
         <p:nvSpPr>
-          <p:cNvPr id="115" name="CustomShape 3"/>
+          <p:cNvPr id="114" name="CustomShape 3"/>
           <p:cNvSpPr/>
           <p:nvPr/>
         </p:nvSpPr>
         <p:spPr>
           <a:xfrm>
             <a:off x="428760" y="642960"/>
-            <a:ext cx="8257320" cy="785160"/>
+            <a:ext cx="8256960" cy="784800"/>
           </a:xfrm>
           <a:prstGeom prst="rect">
             <a:avLst/>
@@ -3939,7 +3927,7 @@
         <p:txBody>
           <a:bodyPr lIns="90000" rIns="90000" tIns="45000" bIns="45000" anchor="ctr"/>
           <a:p>
-            <a:pPr marL="571680" indent="-570960">
+            <a:pPr marL="571680" indent="-570600">
               <a:lnSpc>
                 <a:spcPct val="100000"/>
               </a:lnSpc>
@@ -3955,6 +3943,7 @@
                   </a:solidFill>
                 </a:uFill>
                 <a:latin typeface="Calibri"/>
+                <a:ea typeface="DejaVu Sans"/>
               </a:rPr>
               <a:t>II.   Second lesson</a:t>
             </a:r>
@@ -4013,14 +4002,14 @@
       </p:grpSpPr>
       <p:sp>
         <p:nvSpPr>
-          <p:cNvPr id="116" name="CustomShape 1"/>
+          <p:cNvPr id="115" name="CustomShape 1"/>
           <p:cNvSpPr/>
           <p:nvPr/>
         </p:nvSpPr>
         <p:spPr>
           <a:xfrm>
             <a:off x="457200" y="1714320"/>
-            <a:ext cx="8228880" cy="4411080"/>
+            <a:ext cx="8228520" cy="4410720"/>
           </a:xfrm>
           <a:prstGeom prst="rect">
             <a:avLst/>
@@ -4039,7 +4028,7 @@
         <p:txBody>
           <a:bodyPr lIns="90000" rIns="90000" tIns="45000" bIns="45000"/>
           <a:p>
-            <a:pPr marL="343080" indent="-342360">
+            <a:pPr marL="343080" indent="-342000">
               <a:lnSpc>
                 <a:spcPct val="100000"/>
               </a:lnSpc>
@@ -4055,13 +4044,14 @@
                   </a:solidFill>
                 </a:uFill>
                 <a:latin typeface="Calibri"/>
+                <a:ea typeface="DejaVu Sans"/>
               </a:rPr>
               <a:t>Web-services:</a:t>
             </a:r>
             <a:endParaRPr/>
           </a:p>
           <a:p>
-            <a:pPr marL="343080" indent="-342360">
+            <a:pPr marL="343080" indent="-342000">
               <a:lnSpc>
                 <a:spcPct val="100000"/>
               </a:lnSpc>
@@ -4077,13 +4067,14 @@
                   </a:solidFill>
                 </a:uFill>
                 <a:latin typeface="Calibri"/>
+                <a:ea typeface="DejaVu Sans"/>
               </a:rPr>
               <a:t>from our mock-ups, we have defined our necessary web services for loading data.</a:t>
             </a:r>
             <a:endParaRPr/>
           </a:p>
           <a:p>
-            <a:pPr marL="343080" indent="-342360">
+            <a:pPr marL="343080" indent="-342000">
               <a:lnSpc>
                 <a:spcPct val="100000"/>
               </a:lnSpc>
@@ -4099,6 +4090,7 @@
                   </a:solidFill>
                 </a:uFill>
                 <a:latin typeface="Calibri"/>
+                <a:ea typeface="DejaVu Sans"/>
               </a:rPr>
               <a:t>This is the web-services for our </a:t>
             </a:r>
@@ -4113,157 +4105,158 @@
                   </a:solidFill>
                 </a:uFill>
                 <a:latin typeface="Calibri"/>
+                <a:ea typeface="DejaVu Sans"/>
               </a:rPr>
               <a:t>home page.</a:t>
             </a:r>
             <a:endParaRPr/>
           </a:p>
           <a:p>
-            <a:pPr marL="343080" indent="-342360">
-              <a:lnSpc>
-                <a:spcPct val="100000"/>
-              </a:lnSpc>
-            </a:pPr>
-            <a:endParaRPr/>
-          </a:p>
-          <a:p>
-            <a:pPr marL="343080" indent="-342360">
-              <a:lnSpc>
-                <a:spcPct val="100000"/>
-              </a:lnSpc>
-            </a:pPr>
-            <a:endParaRPr/>
-          </a:p>
-          <a:p>
-            <a:pPr marL="343080" indent="-342360">
-              <a:lnSpc>
-                <a:spcPct val="100000"/>
-              </a:lnSpc>
-            </a:pPr>
-            <a:endParaRPr/>
-          </a:p>
-          <a:p>
-            <a:pPr marL="343080" indent="-342360">
-              <a:lnSpc>
-                <a:spcPct val="100000"/>
-              </a:lnSpc>
-            </a:pPr>
-            <a:endParaRPr/>
-          </a:p>
-          <a:p>
-            <a:pPr marL="343080" indent="-342360">
-              <a:lnSpc>
-                <a:spcPct val="100000"/>
-              </a:lnSpc>
-            </a:pPr>
-            <a:endParaRPr/>
-          </a:p>
-          <a:p>
-            <a:pPr marL="343080" indent="-342360">
-              <a:lnSpc>
-                <a:spcPct val="100000"/>
-              </a:lnSpc>
-            </a:pPr>
-            <a:endParaRPr/>
-          </a:p>
-          <a:p>
-            <a:pPr marL="343080" indent="-342360">
-              <a:lnSpc>
-                <a:spcPct val="100000"/>
-              </a:lnSpc>
-            </a:pPr>
-            <a:endParaRPr/>
-          </a:p>
-          <a:p>
-            <a:pPr marL="343080" indent="-342360">
-              <a:lnSpc>
-                <a:spcPct val="100000"/>
-              </a:lnSpc>
-            </a:pPr>
-            <a:endParaRPr/>
-          </a:p>
-          <a:p>
-            <a:pPr marL="343080" indent="-342360">
-              <a:lnSpc>
-                <a:spcPct val="100000"/>
-              </a:lnSpc>
-            </a:pPr>
-            <a:endParaRPr/>
-          </a:p>
-          <a:p>
-            <a:pPr marL="343080" indent="-342360">
-              <a:lnSpc>
-                <a:spcPct val="100000"/>
-              </a:lnSpc>
-            </a:pPr>
-            <a:endParaRPr/>
-          </a:p>
-          <a:p>
-            <a:pPr marL="343080" indent="-342360">
-              <a:lnSpc>
-                <a:spcPct val="100000"/>
-              </a:lnSpc>
-            </a:pPr>
-            <a:endParaRPr/>
-          </a:p>
-          <a:p>
-            <a:pPr marL="343080" indent="-342360">
-              <a:lnSpc>
-                <a:spcPct val="100000"/>
-              </a:lnSpc>
-            </a:pPr>
-            <a:endParaRPr/>
-          </a:p>
-          <a:p>
-            <a:pPr marL="343080" indent="-342360">
-              <a:lnSpc>
-                <a:spcPct val="100000"/>
-              </a:lnSpc>
-            </a:pPr>
-            <a:endParaRPr/>
-          </a:p>
-          <a:p>
-            <a:pPr marL="343080" indent="-342360">
-              <a:lnSpc>
-                <a:spcPct val="100000"/>
-              </a:lnSpc>
-            </a:pPr>
-            <a:endParaRPr/>
-          </a:p>
-          <a:p>
-            <a:pPr marL="343080" indent="-342360">
-              <a:lnSpc>
-                <a:spcPct val="100000"/>
-              </a:lnSpc>
-            </a:pPr>
-            <a:endParaRPr/>
-          </a:p>
-          <a:p>
-            <a:pPr marL="343080" indent="-342360">
-              <a:lnSpc>
-                <a:spcPct val="100000"/>
-              </a:lnSpc>
-            </a:pPr>
-            <a:endParaRPr/>
-          </a:p>
-          <a:p>
-            <a:pPr marL="343080" indent="-342360">
-              <a:lnSpc>
-                <a:spcPct val="100000"/>
-              </a:lnSpc>
-            </a:pPr>
-            <a:endParaRPr/>
-          </a:p>
-          <a:p>
-            <a:pPr marL="343080" indent="-342360">
-              <a:lnSpc>
-                <a:spcPct val="100000"/>
-              </a:lnSpc>
-            </a:pPr>
-            <a:endParaRPr/>
-          </a:p>
-          <a:p>
-            <a:pPr marL="343080" indent="-342360">
+            <a:pPr marL="343080" indent="-342000">
+              <a:lnSpc>
+                <a:spcPct val="100000"/>
+              </a:lnSpc>
+            </a:pPr>
+            <a:endParaRPr/>
+          </a:p>
+          <a:p>
+            <a:pPr marL="343080" indent="-342000">
+              <a:lnSpc>
+                <a:spcPct val="100000"/>
+              </a:lnSpc>
+            </a:pPr>
+            <a:endParaRPr/>
+          </a:p>
+          <a:p>
+            <a:pPr marL="343080" indent="-342000">
+              <a:lnSpc>
+                <a:spcPct val="100000"/>
+              </a:lnSpc>
+            </a:pPr>
+            <a:endParaRPr/>
+          </a:p>
+          <a:p>
+            <a:pPr marL="343080" indent="-342000">
+              <a:lnSpc>
+                <a:spcPct val="100000"/>
+              </a:lnSpc>
+            </a:pPr>
+            <a:endParaRPr/>
+          </a:p>
+          <a:p>
+            <a:pPr marL="343080" indent="-342000">
+              <a:lnSpc>
+                <a:spcPct val="100000"/>
+              </a:lnSpc>
+            </a:pPr>
+            <a:endParaRPr/>
+          </a:p>
+          <a:p>
+            <a:pPr marL="343080" indent="-342000">
+              <a:lnSpc>
+                <a:spcPct val="100000"/>
+              </a:lnSpc>
+            </a:pPr>
+            <a:endParaRPr/>
+          </a:p>
+          <a:p>
+            <a:pPr marL="343080" indent="-342000">
+              <a:lnSpc>
+                <a:spcPct val="100000"/>
+              </a:lnSpc>
+            </a:pPr>
+            <a:endParaRPr/>
+          </a:p>
+          <a:p>
+            <a:pPr marL="343080" indent="-342000">
+              <a:lnSpc>
+                <a:spcPct val="100000"/>
+              </a:lnSpc>
+            </a:pPr>
+            <a:endParaRPr/>
+          </a:p>
+          <a:p>
+            <a:pPr marL="343080" indent="-342000">
+              <a:lnSpc>
+                <a:spcPct val="100000"/>
+              </a:lnSpc>
+            </a:pPr>
+            <a:endParaRPr/>
+          </a:p>
+          <a:p>
+            <a:pPr marL="343080" indent="-342000">
+              <a:lnSpc>
+                <a:spcPct val="100000"/>
+              </a:lnSpc>
+            </a:pPr>
+            <a:endParaRPr/>
+          </a:p>
+          <a:p>
+            <a:pPr marL="343080" indent="-342000">
+              <a:lnSpc>
+                <a:spcPct val="100000"/>
+              </a:lnSpc>
+            </a:pPr>
+            <a:endParaRPr/>
+          </a:p>
+          <a:p>
+            <a:pPr marL="343080" indent="-342000">
+              <a:lnSpc>
+                <a:spcPct val="100000"/>
+              </a:lnSpc>
+            </a:pPr>
+            <a:endParaRPr/>
+          </a:p>
+          <a:p>
+            <a:pPr marL="343080" indent="-342000">
+              <a:lnSpc>
+                <a:spcPct val="100000"/>
+              </a:lnSpc>
+            </a:pPr>
+            <a:endParaRPr/>
+          </a:p>
+          <a:p>
+            <a:pPr marL="343080" indent="-342000">
+              <a:lnSpc>
+                <a:spcPct val="100000"/>
+              </a:lnSpc>
+            </a:pPr>
+            <a:endParaRPr/>
+          </a:p>
+          <a:p>
+            <a:pPr marL="343080" indent="-342000">
+              <a:lnSpc>
+                <a:spcPct val="100000"/>
+              </a:lnSpc>
+            </a:pPr>
+            <a:endParaRPr/>
+          </a:p>
+          <a:p>
+            <a:pPr marL="343080" indent="-342000">
+              <a:lnSpc>
+                <a:spcPct val="100000"/>
+              </a:lnSpc>
+            </a:pPr>
+            <a:endParaRPr/>
+          </a:p>
+          <a:p>
+            <a:pPr marL="343080" indent="-342000">
+              <a:lnSpc>
+                <a:spcPct val="100000"/>
+              </a:lnSpc>
+            </a:pPr>
+            <a:endParaRPr/>
+          </a:p>
+          <a:p>
+            <a:pPr marL="343080" indent="-342000">
+              <a:lnSpc>
+                <a:spcPct val="100000"/>
+              </a:lnSpc>
+            </a:pPr>
+            <a:endParaRPr/>
+          </a:p>
+          <a:p>
+            <a:pPr marL="343080" indent="-342000">
               <a:lnSpc>
                 <a:spcPct val="100000"/>
               </a:lnSpc>
@@ -4274,14 +4267,14 @@
       </p:sp>
       <p:sp>
         <p:nvSpPr>
-          <p:cNvPr id="117" name="CustomShape 2"/>
+          <p:cNvPr id="116" name="CustomShape 2"/>
           <p:cNvSpPr/>
           <p:nvPr/>
         </p:nvSpPr>
         <p:spPr>
           <a:xfrm>
             <a:off x="0" y="6572160"/>
-            <a:ext cx="785160" cy="285120"/>
+            <a:ext cx="784800" cy="284760"/>
           </a:xfrm>
           <a:prstGeom prst="rect">
             <a:avLst/>
@@ -4313,14 +4306,14 @@
       </p:sp>
       <p:sp>
         <p:nvSpPr>
-          <p:cNvPr id="118" name="CustomShape 3"/>
+          <p:cNvPr id="117" name="CustomShape 3"/>
           <p:cNvSpPr/>
           <p:nvPr/>
         </p:nvSpPr>
         <p:spPr>
           <a:xfrm>
             <a:off x="428760" y="642960"/>
-            <a:ext cx="8257320" cy="785160"/>
+            <a:ext cx="8256960" cy="784800"/>
           </a:xfrm>
           <a:prstGeom prst="rect">
             <a:avLst/>
@@ -4339,7 +4332,7 @@
         <p:txBody>
           <a:bodyPr lIns="90000" rIns="90000" tIns="45000" bIns="45000" anchor="ctr"/>
           <a:p>
-            <a:pPr marL="571680" indent="-570960">
+            <a:pPr marL="571680" indent="-570600">
               <a:lnSpc>
                 <a:spcPct val="100000"/>
               </a:lnSpc>
@@ -4355,6 +4348,7 @@
                   </a:solidFill>
                 </a:uFill>
                 <a:latin typeface="Calibri"/>
+                <a:ea typeface="DejaVu Sans"/>
               </a:rPr>
               <a:t>II.   Second lesson</a:t>
             </a:r>
@@ -4364,7 +4358,7 @@
       </p:sp>
       <p:pic>
         <p:nvPicPr>
-          <p:cNvPr id="119" name="Shape 81" descr=""/>
+          <p:cNvPr id="118" name="Shape 81" descr=""/>
           <p:cNvPicPr/>
           <p:nvPr/>
         </p:nvPicPr>
@@ -4375,7 +4369,7 @@
         <p:spPr>
           <a:xfrm>
             <a:off x="0" y="2571840"/>
-            <a:ext cx="9143280" cy="3912840"/>
+            <a:ext cx="9142920" cy="3912480"/>
           </a:xfrm>
           <a:prstGeom prst="rect">
             <a:avLst/>
@@ -4436,14 +4430,14 @@
       </p:grpSpPr>
       <p:sp>
         <p:nvSpPr>
-          <p:cNvPr id="120" name="CustomShape 1"/>
+          <p:cNvPr id="119" name="CustomShape 1"/>
           <p:cNvSpPr/>
           <p:nvPr/>
         </p:nvSpPr>
         <p:spPr>
           <a:xfrm>
             <a:off x="457200" y="1714320"/>
-            <a:ext cx="8228880" cy="4411080"/>
+            <a:ext cx="8228520" cy="4410720"/>
           </a:xfrm>
           <a:prstGeom prst="rect">
             <a:avLst/>
@@ -4462,7 +4456,7 @@
         <p:txBody>
           <a:bodyPr lIns="90000" rIns="90000" tIns="45000" bIns="45000"/>
           <a:p>
-            <a:pPr marL="343080" indent="-342360">
+            <a:pPr marL="343080" indent="-342000">
               <a:lnSpc>
                 <a:spcPct val="100000"/>
               </a:lnSpc>
@@ -4478,13 +4472,14 @@
                   </a:solidFill>
                 </a:uFill>
                 <a:latin typeface="Calibri"/>
+                <a:ea typeface="DejaVu Sans"/>
               </a:rPr>
               <a:t>Web-services:</a:t>
             </a:r>
             <a:endParaRPr/>
           </a:p>
           <a:p>
-            <a:pPr marL="343080" indent="-342360">
+            <a:pPr marL="343080" indent="-342000">
               <a:lnSpc>
                 <a:spcPct val="100000"/>
               </a:lnSpc>
@@ -4500,6 +4495,7 @@
                   </a:solidFill>
                 </a:uFill>
                 <a:latin typeface="Calibri"/>
+                <a:ea typeface="DejaVu Sans"/>
               </a:rPr>
               <a:t>This is the web-services for our </a:t>
             </a:r>
@@ -4514,125 +4510,126 @@
                   </a:solidFill>
                 </a:uFill>
                 <a:latin typeface="Calibri"/>
+                <a:ea typeface="DejaVu Sans"/>
               </a:rPr>
               <a:t>members page.</a:t>
             </a:r>
             <a:endParaRPr/>
           </a:p>
           <a:p>
-            <a:pPr marL="343080" indent="-342360">
-              <a:lnSpc>
-                <a:spcPct val="100000"/>
-              </a:lnSpc>
-            </a:pPr>
-            <a:endParaRPr/>
-          </a:p>
-          <a:p>
-            <a:pPr marL="343080" indent="-342360">
-              <a:lnSpc>
-                <a:spcPct val="100000"/>
-              </a:lnSpc>
-            </a:pPr>
-            <a:endParaRPr/>
-          </a:p>
-          <a:p>
-            <a:pPr marL="343080" indent="-342360">
-              <a:lnSpc>
-                <a:spcPct val="100000"/>
-              </a:lnSpc>
-            </a:pPr>
-            <a:endParaRPr/>
-          </a:p>
-          <a:p>
-            <a:pPr marL="343080" indent="-342360">
-              <a:lnSpc>
-                <a:spcPct val="100000"/>
-              </a:lnSpc>
-            </a:pPr>
-            <a:endParaRPr/>
-          </a:p>
-          <a:p>
-            <a:pPr marL="343080" indent="-342360">
-              <a:lnSpc>
-                <a:spcPct val="100000"/>
-              </a:lnSpc>
-            </a:pPr>
-            <a:endParaRPr/>
-          </a:p>
-          <a:p>
-            <a:pPr marL="343080" indent="-342360">
-              <a:lnSpc>
-                <a:spcPct val="100000"/>
-              </a:lnSpc>
-            </a:pPr>
-            <a:endParaRPr/>
-          </a:p>
-          <a:p>
-            <a:pPr marL="343080" indent="-342360">
-              <a:lnSpc>
-                <a:spcPct val="100000"/>
-              </a:lnSpc>
-            </a:pPr>
-            <a:endParaRPr/>
-          </a:p>
-          <a:p>
-            <a:pPr marL="343080" indent="-342360">
-              <a:lnSpc>
-                <a:spcPct val="100000"/>
-              </a:lnSpc>
-            </a:pPr>
-            <a:endParaRPr/>
-          </a:p>
-          <a:p>
-            <a:pPr marL="343080" indent="-342360">
-              <a:lnSpc>
-                <a:spcPct val="100000"/>
-              </a:lnSpc>
-            </a:pPr>
-            <a:endParaRPr/>
-          </a:p>
-          <a:p>
-            <a:pPr marL="343080" indent="-342360">
-              <a:lnSpc>
-                <a:spcPct val="100000"/>
-              </a:lnSpc>
-            </a:pPr>
-            <a:endParaRPr/>
-          </a:p>
-          <a:p>
-            <a:pPr marL="343080" indent="-342360">
-              <a:lnSpc>
-                <a:spcPct val="100000"/>
-              </a:lnSpc>
-            </a:pPr>
-            <a:endParaRPr/>
-          </a:p>
-          <a:p>
-            <a:pPr marL="343080" indent="-342360">
-              <a:lnSpc>
-                <a:spcPct val="100000"/>
-              </a:lnSpc>
-            </a:pPr>
-            <a:endParaRPr/>
-          </a:p>
-          <a:p>
-            <a:pPr marL="343080" indent="-342360">
-              <a:lnSpc>
-                <a:spcPct val="100000"/>
-              </a:lnSpc>
-            </a:pPr>
-            <a:endParaRPr/>
-          </a:p>
-          <a:p>
-            <a:pPr marL="343080" indent="-342360">
-              <a:lnSpc>
-                <a:spcPct val="100000"/>
-              </a:lnSpc>
-            </a:pPr>
-            <a:endParaRPr/>
-          </a:p>
-          <a:p>
-            <a:pPr marL="343080" indent="-342360">
+            <a:pPr marL="343080" indent="-342000">
+              <a:lnSpc>
+                <a:spcPct val="100000"/>
+              </a:lnSpc>
+            </a:pPr>
+            <a:endParaRPr/>
+          </a:p>
+          <a:p>
+            <a:pPr marL="343080" indent="-342000">
+              <a:lnSpc>
+                <a:spcPct val="100000"/>
+              </a:lnSpc>
+            </a:pPr>
+            <a:endParaRPr/>
+          </a:p>
+          <a:p>
+            <a:pPr marL="343080" indent="-342000">
+              <a:lnSpc>
+                <a:spcPct val="100000"/>
+              </a:lnSpc>
+            </a:pPr>
+            <a:endParaRPr/>
+          </a:p>
+          <a:p>
+            <a:pPr marL="343080" indent="-342000">
+              <a:lnSpc>
+                <a:spcPct val="100000"/>
+              </a:lnSpc>
+            </a:pPr>
+            <a:endParaRPr/>
+          </a:p>
+          <a:p>
+            <a:pPr marL="343080" indent="-342000">
+              <a:lnSpc>
+                <a:spcPct val="100000"/>
+              </a:lnSpc>
+            </a:pPr>
+            <a:endParaRPr/>
+          </a:p>
+          <a:p>
+            <a:pPr marL="343080" indent="-342000">
+              <a:lnSpc>
+                <a:spcPct val="100000"/>
+              </a:lnSpc>
+            </a:pPr>
+            <a:endParaRPr/>
+          </a:p>
+          <a:p>
+            <a:pPr marL="343080" indent="-342000">
+              <a:lnSpc>
+                <a:spcPct val="100000"/>
+              </a:lnSpc>
+            </a:pPr>
+            <a:endParaRPr/>
+          </a:p>
+          <a:p>
+            <a:pPr marL="343080" indent="-342000">
+              <a:lnSpc>
+                <a:spcPct val="100000"/>
+              </a:lnSpc>
+            </a:pPr>
+            <a:endParaRPr/>
+          </a:p>
+          <a:p>
+            <a:pPr marL="343080" indent="-342000">
+              <a:lnSpc>
+                <a:spcPct val="100000"/>
+              </a:lnSpc>
+            </a:pPr>
+            <a:endParaRPr/>
+          </a:p>
+          <a:p>
+            <a:pPr marL="343080" indent="-342000">
+              <a:lnSpc>
+                <a:spcPct val="100000"/>
+              </a:lnSpc>
+            </a:pPr>
+            <a:endParaRPr/>
+          </a:p>
+          <a:p>
+            <a:pPr marL="343080" indent="-342000">
+              <a:lnSpc>
+                <a:spcPct val="100000"/>
+              </a:lnSpc>
+            </a:pPr>
+            <a:endParaRPr/>
+          </a:p>
+          <a:p>
+            <a:pPr marL="343080" indent="-342000">
+              <a:lnSpc>
+                <a:spcPct val="100000"/>
+              </a:lnSpc>
+            </a:pPr>
+            <a:endParaRPr/>
+          </a:p>
+          <a:p>
+            <a:pPr marL="343080" indent="-342000">
+              <a:lnSpc>
+                <a:spcPct val="100000"/>
+              </a:lnSpc>
+            </a:pPr>
+            <a:endParaRPr/>
+          </a:p>
+          <a:p>
+            <a:pPr marL="343080" indent="-342000">
+              <a:lnSpc>
+                <a:spcPct val="100000"/>
+              </a:lnSpc>
+            </a:pPr>
+            <a:endParaRPr/>
+          </a:p>
+          <a:p>
+            <a:pPr marL="343080" indent="-342000">
               <a:lnSpc>
                 <a:spcPct val="100000"/>
               </a:lnSpc>
@@ -4648,53 +4645,54 @@
                   </a:solidFill>
                 </a:uFill>
                 <a:latin typeface="Calibri"/>
+                <a:ea typeface="DejaVu Sans"/>
               </a:rPr>
               <a:t>Every Web-service has his type, url and behavior as the board shows. </a:t>
             </a:r>
             <a:endParaRPr/>
           </a:p>
           <a:p>
-            <a:pPr marL="343080" indent="-342360">
-              <a:lnSpc>
-                <a:spcPct val="100000"/>
-              </a:lnSpc>
-            </a:pPr>
-            <a:endParaRPr/>
-          </a:p>
-          <a:p>
-            <a:pPr marL="343080" indent="-342360">
-              <a:lnSpc>
-                <a:spcPct val="100000"/>
-              </a:lnSpc>
-            </a:pPr>
-            <a:endParaRPr/>
-          </a:p>
-          <a:p>
-            <a:pPr marL="343080" indent="-342360">
-              <a:lnSpc>
-                <a:spcPct val="100000"/>
-              </a:lnSpc>
-            </a:pPr>
-            <a:endParaRPr/>
-          </a:p>
-          <a:p>
-            <a:pPr marL="343080" indent="-342360">
-              <a:lnSpc>
-                <a:spcPct val="100000"/>
-              </a:lnSpc>
-            </a:pPr>
-            <a:endParaRPr/>
-          </a:p>
-          <a:p>
-            <a:pPr marL="343080" indent="-342360">
-              <a:lnSpc>
-                <a:spcPct val="100000"/>
-              </a:lnSpc>
-            </a:pPr>
-            <a:endParaRPr/>
-          </a:p>
-          <a:p>
-            <a:pPr marL="343080" indent="-342360">
+            <a:pPr marL="343080" indent="-342000">
+              <a:lnSpc>
+                <a:spcPct val="100000"/>
+              </a:lnSpc>
+            </a:pPr>
+            <a:endParaRPr/>
+          </a:p>
+          <a:p>
+            <a:pPr marL="343080" indent="-342000">
+              <a:lnSpc>
+                <a:spcPct val="100000"/>
+              </a:lnSpc>
+            </a:pPr>
+            <a:endParaRPr/>
+          </a:p>
+          <a:p>
+            <a:pPr marL="343080" indent="-342000">
+              <a:lnSpc>
+                <a:spcPct val="100000"/>
+              </a:lnSpc>
+            </a:pPr>
+            <a:endParaRPr/>
+          </a:p>
+          <a:p>
+            <a:pPr marL="343080" indent="-342000">
+              <a:lnSpc>
+                <a:spcPct val="100000"/>
+              </a:lnSpc>
+            </a:pPr>
+            <a:endParaRPr/>
+          </a:p>
+          <a:p>
+            <a:pPr marL="343080" indent="-342000">
+              <a:lnSpc>
+                <a:spcPct val="100000"/>
+              </a:lnSpc>
+            </a:pPr>
+            <a:endParaRPr/>
+          </a:p>
+          <a:p>
+            <a:pPr marL="343080" indent="-342000">
               <a:lnSpc>
                 <a:spcPct val="100000"/>
               </a:lnSpc>
@@ -4705,14 +4703,14 @@
       </p:sp>
       <p:sp>
         <p:nvSpPr>
-          <p:cNvPr id="121" name="CustomShape 2"/>
+          <p:cNvPr id="120" name="CustomShape 2"/>
           <p:cNvSpPr/>
           <p:nvPr/>
         </p:nvSpPr>
         <p:spPr>
           <a:xfrm>
             <a:off x="0" y="6572160"/>
-            <a:ext cx="785160" cy="285120"/>
+            <a:ext cx="784800" cy="284760"/>
           </a:xfrm>
           <a:prstGeom prst="rect">
             <a:avLst/>
@@ -4744,14 +4742,14 @@
       </p:sp>
       <p:sp>
         <p:nvSpPr>
-          <p:cNvPr id="122" name="CustomShape 3"/>
+          <p:cNvPr id="121" name="CustomShape 3"/>
           <p:cNvSpPr/>
           <p:nvPr/>
         </p:nvSpPr>
         <p:spPr>
           <a:xfrm>
             <a:off x="428760" y="642960"/>
-            <a:ext cx="8257320" cy="785160"/>
+            <a:ext cx="8256960" cy="784800"/>
           </a:xfrm>
           <a:prstGeom prst="rect">
             <a:avLst/>
@@ -4770,7 +4768,7 @@
         <p:txBody>
           <a:bodyPr lIns="90000" rIns="90000" tIns="45000" bIns="45000" anchor="ctr"/>
           <a:p>
-            <a:pPr marL="571680" indent="-570960">
+            <a:pPr marL="571680" indent="-570600">
               <a:lnSpc>
                 <a:spcPct val="100000"/>
               </a:lnSpc>
@@ -4786,6 +4784,7 @@
                   </a:solidFill>
                 </a:uFill>
                 <a:latin typeface="Calibri"/>
+                <a:ea typeface="DejaVu Sans"/>
               </a:rPr>
               <a:t>II.   Second lesson</a:t>
             </a:r>
@@ -4795,7 +4794,7 @@
       </p:sp>
       <p:graphicFrame>
         <p:nvGraphicFramePr>
-          <p:cNvPr id="123" name="Table 4"/>
+          <p:cNvPr id="122" name="Table 4"/>
           <p:cNvGraphicFramePr/>
           <p:nvPr/>
         </p:nvGraphicFramePr>
@@ -6135,14 +6134,14 @@
       </p:grpSpPr>
       <p:sp>
         <p:nvSpPr>
-          <p:cNvPr id="124" name="CustomShape 1"/>
+          <p:cNvPr id="123" name="CustomShape 1"/>
           <p:cNvSpPr/>
           <p:nvPr/>
         </p:nvSpPr>
         <p:spPr>
           <a:xfrm>
             <a:off x="457200" y="1714320"/>
-            <a:ext cx="8228880" cy="4411080"/>
+            <a:ext cx="8228520" cy="4410720"/>
           </a:xfrm>
           <a:prstGeom prst="rect">
             <a:avLst/>
@@ -6161,7 +6160,7 @@
         <p:txBody>
           <a:bodyPr lIns="90000" rIns="90000" tIns="45000" bIns="45000"/>
           <a:p>
-            <a:pPr marL="343080" indent="-342360">
+            <a:pPr marL="343080" indent="-342000">
               <a:lnSpc>
                 <a:spcPct val="100000"/>
               </a:lnSpc>
@@ -6177,13 +6176,14 @@
                   </a:solidFill>
                 </a:uFill>
                 <a:latin typeface="Calibri"/>
+                <a:ea typeface="DejaVu Sans"/>
               </a:rPr>
               <a:t>Web-services:</a:t>
             </a:r>
             <a:endParaRPr/>
           </a:p>
           <a:p>
-            <a:pPr marL="343080" indent="-342360">
+            <a:pPr marL="343080" indent="-342000">
               <a:lnSpc>
                 <a:spcPct val="100000"/>
               </a:lnSpc>
@@ -6199,6 +6199,7 @@
                   </a:solidFill>
                 </a:uFill>
                 <a:latin typeface="Calibri"/>
+                <a:ea typeface="DejaVu Sans"/>
               </a:rPr>
               <a:t>This is the web-services for our </a:t>
             </a:r>
@@ -6213,125 +6214,126 @@
                   </a:solidFill>
                 </a:uFill>
                 <a:latin typeface="Calibri"/>
+                <a:ea typeface="DejaVu Sans"/>
               </a:rPr>
               <a:t>flight page.</a:t>
             </a:r>
             <a:endParaRPr/>
           </a:p>
           <a:p>
-            <a:pPr marL="343080" indent="-342360">
-              <a:lnSpc>
-                <a:spcPct val="100000"/>
-              </a:lnSpc>
-            </a:pPr>
-            <a:endParaRPr/>
-          </a:p>
-          <a:p>
-            <a:pPr marL="343080" indent="-342360">
-              <a:lnSpc>
-                <a:spcPct val="100000"/>
-              </a:lnSpc>
-            </a:pPr>
-            <a:endParaRPr/>
-          </a:p>
-          <a:p>
-            <a:pPr marL="343080" indent="-342360">
-              <a:lnSpc>
-                <a:spcPct val="100000"/>
-              </a:lnSpc>
-            </a:pPr>
-            <a:endParaRPr/>
-          </a:p>
-          <a:p>
-            <a:pPr marL="343080" indent="-342360">
-              <a:lnSpc>
-                <a:spcPct val="100000"/>
-              </a:lnSpc>
-            </a:pPr>
-            <a:endParaRPr/>
-          </a:p>
-          <a:p>
-            <a:pPr marL="343080" indent="-342360">
-              <a:lnSpc>
-                <a:spcPct val="100000"/>
-              </a:lnSpc>
-            </a:pPr>
-            <a:endParaRPr/>
-          </a:p>
-          <a:p>
-            <a:pPr marL="343080" indent="-342360">
-              <a:lnSpc>
-                <a:spcPct val="100000"/>
-              </a:lnSpc>
-            </a:pPr>
-            <a:endParaRPr/>
-          </a:p>
-          <a:p>
-            <a:pPr marL="343080" indent="-342360">
-              <a:lnSpc>
-                <a:spcPct val="100000"/>
-              </a:lnSpc>
-            </a:pPr>
-            <a:endParaRPr/>
-          </a:p>
-          <a:p>
-            <a:pPr marL="343080" indent="-342360">
-              <a:lnSpc>
-                <a:spcPct val="100000"/>
-              </a:lnSpc>
-            </a:pPr>
-            <a:endParaRPr/>
-          </a:p>
-          <a:p>
-            <a:pPr marL="343080" indent="-342360">
-              <a:lnSpc>
-                <a:spcPct val="100000"/>
-              </a:lnSpc>
-            </a:pPr>
-            <a:endParaRPr/>
-          </a:p>
-          <a:p>
-            <a:pPr marL="343080" indent="-342360">
-              <a:lnSpc>
-                <a:spcPct val="100000"/>
-              </a:lnSpc>
-            </a:pPr>
-            <a:endParaRPr/>
-          </a:p>
-          <a:p>
-            <a:pPr marL="343080" indent="-342360">
-              <a:lnSpc>
-                <a:spcPct val="100000"/>
-              </a:lnSpc>
-            </a:pPr>
-            <a:endParaRPr/>
-          </a:p>
-          <a:p>
-            <a:pPr marL="343080" indent="-342360">
-              <a:lnSpc>
-                <a:spcPct val="100000"/>
-              </a:lnSpc>
-            </a:pPr>
-            <a:endParaRPr/>
-          </a:p>
-          <a:p>
-            <a:pPr marL="343080" indent="-342360">
-              <a:lnSpc>
-                <a:spcPct val="100000"/>
-              </a:lnSpc>
-            </a:pPr>
-            <a:endParaRPr/>
-          </a:p>
-          <a:p>
-            <a:pPr marL="343080" indent="-342360">
-              <a:lnSpc>
-                <a:spcPct val="100000"/>
-              </a:lnSpc>
-            </a:pPr>
-            <a:endParaRPr/>
-          </a:p>
-          <a:p>
-            <a:pPr marL="343080" indent="-342360">
+            <a:pPr marL="343080" indent="-342000">
+              <a:lnSpc>
+                <a:spcPct val="100000"/>
+              </a:lnSpc>
+            </a:pPr>
+            <a:endParaRPr/>
+          </a:p>
+          <a:p>
+            <a:pPr marL="343080" indent="-342000">
+              <a:lnSpc>
+                <a:spcPct val="100000"/>
+              </a:lnSpc>
+            </a:pPr>
+            <a:endParaRPr/>
+          </a:p>
+          <a:p>
+            <a:pPr marL="343080" indent="-342000">
+              <a:lnSpc>
+                <a:spcPct val="100000"/>
+              </a:lnSpc>
+            </a:pPr>
+            <a:endParaRPr/>
+          </a:p>
+          <a:p>
+            <a:pPr marL="343080" indent="-342000">
+              <a:lnSpc>
+                <a:spcPct val="100000"/>
+              </a:lnSpc>
+            </a:pPr>
+            <a:endParaRPr/>
+          </a:p>
+          <a:p>
+            <a:pPr marL="343080" indent="-342000">
+              <a:lnSpc>
+                <a:spcPct val="100000"/>
+              </a:lnSpc>
+            </a:pPr>
+            <a:endParaRPr/>
+          </a:p>
+          <a:p>
+            <a:pPr marL="343080" indent="-342000">
+              <a:lnSpc>
+                <a:spcPct val="100000"/>
+              </a:lnSpc>
+            </a:pPr>
+            <a:endParaRPr/>
+          </a:p>
+          <a:p>
+            <a:pPr marL="343080" indent="-342000">
+              <a:lnSpc>
+                <a:spcPct val="100000"/>
+              </a:lnSpc>
+            </a:pPr>
+            <a:endParaRPr/>
+          </a:p>
+          <a:p>
+            <a:pPr marL="343080" indent="-342000">
+              <a:lnSpc>
+                <a:spcPct val="100000"/>
+              </a:lnSpc>
+            </a:pPr>
+            <a:endParaRPr/>
+          </a:p>
+          <a:p>
+            <a:pPr marL="343080" indent="-342000">
+              <a:lnSpc>
+                <a:spcPct val="100000"/>
+              </a:lnSpc>
+            </a:pPr>
+            <a:endParaRPr/>
+          </a:p>
+          <a:p>
+            <a:pPr marL="343080" indent="-342000">
+              <a:lnSpc>
+                <a:spcPct val="100000"/>
+              </a:lnSpc>
+            </a:pPr>
+            <a:endParaRPr/>
+          </a:p>
+          <a:p>
+            <a:pPr marL="343080" indent="-342000">
+              <a:lnSpc>
+                <a:spcPct val="100000"/>
+              </a:lnSpc>
+            </a:pPr>
+            <a:endParaRPr/>
+          </a:p>
+          <a:p>
+            <a:pPr marL="343080" indent="-342000">
+              <a:lnSpc>
+                <a:spcPct val="100000"/>
+              </a:lnSpc>
+            </a:pPr>
+            <a:endParaRPr/>
+          </a:p>
+          <a:p>
+            <a:pPr marL="343080" indent="-342000">
+              <a:lnSpc>
+                <a:spcPct val="100000"/>
+              </a:lnSpc>
+            </a:pPr>
+            <a:endParaRPr/>
+          </a:p>
+          <a:p>
+            <a:pPr marL="343080" indent="-342000">
+              <a:lnSpc>
+                <a:spcPct val="100000"/>
+              </a:lnSpc>
+            </a:pPr>
+            <a:endParaRPr/>
+          </a:p>
+          <a:p>
+            <a:pPr marL="343080" indent="-342000">
               <a:lnSpc>
                 <a:spcPct val="100000"/>
               </a:lnSpc>
@@ -6347,53 +6349,54 @@
                   </a:solidFill>
                 </a:uFill>
                 <a:latin typeface="Calibri"/>
+                <a:ea typeface="DejaVu Sans"/>
               </a:rPr>
               <a:t>Every Web-service has his type, url and behavior as the board shows. </a:t>
             </a:r>
             <a:endParaRPr/>
           </a:p>
           <a:p>
-            <a:pPr marL="343080" indent="-342360">
-              <a:lnSpc>
-                <a:spcPct val="100000"/>
-              </a:lnSpc>
-            </a:pPr>
-            <a:endParaRPr/>
-          </a:p>
-          <a:p>
-            <a:pPr marL="343080" indent="-342360">
-              <a:lnSpc>
-                <a:spcPct val="100000"/>
-              </a:lnSpc>
-            </a:pPr>
-            <a:endParaRPr/>
-          </a:p>
-          <a:p>
-            <a:pPr marL="343080" indent="-342360">
-              <a:lnSpc>
-                <a:spcPct val="100000"/>
-              </a:lnSpc>
-            </a:pPr>
-            <a:endParaRPr/>
-          </a:p>
-          <a:p>
-            <a:pPr marL="343080" indent="-342360">
-              <a:lnSpc>
-                <a:spcPct val="100000"/>
-              </a:lnSpc>
-            </a:pPr>
-            <a:endParaRPr/>
-          </a:p>
-          <a:p>
-            <a:pPr marL="343080" indent="-342360">
-              <a:lnSpc>
-                <a:spcPct val="100000"/>
-              </a:lnSpc>
-            </a:pPr>
-            <a:endParaRPr/>
-          </a:p>
-          <a:p>
-            <a:pPr marL="343080" indent="-342360">
+            <a:pPr marL="343080" indent="-342000">
+              <a:lnSpc>
+                <a:spcPct val="100000"/>
+              </a:lnSpc>
+            </a:pPr>
+            <a:endParaRPr/>
+          </a:p>
+          <a:p>
+            <a:pPr marL="343080" indent="-342000">
+              <a:lnSpc>
+                <a:spcPct val="100000"/>
+              </a:lnSpc>
+            </a:pPr>
+            <a:endParaRPr/>
+          </a:p>
+          <a:p>
+            <a:pPr marL="343080" indent="-342000">
+              <a:lnSpc>
+                <a:spcPct val="100000"/>
+              </a:lnSpc>
+            </a:pPr>
+            <a:endParaRPr/>
+          </a:p>
+          <a:p>
+            <a:pPr marL="343080" indent="-342000">
+              <a:lnSpc>
+                <a:spcPct val="100000"/>
+              </a:lnSpc>
+            </a:pPr>
+            <a:endParaRPr/>
+          </a:p>
+          <a:p>
+            <a:pPr marL="343080" indent="-342000">
+              <a:lnSpc>
+                <a:spcPct val="100000"/>
+              </a:lnSpc>
+            </a:pPr>
+            <a:endParaRPr/>
+          </a:p>
+          <a:p>
+            <a:pPr marL="343080" indent="-342000">
               <a:lnSpc>
                 <a:spcPct val="100000"/>
               </a:lnSpc>
@@ -6404,14 +6407,14 @@
       </p:sp>
       <p:sp>
         <p:nvSpPr>
-          <p:cNvPr id="125" name="CustomShape 2"/>
+          <p:cNvPr id="124" name="CustomShape 2"/>
           <p:cNvSpPr/>
           <p:nvPr/>
         </p:nvSpPr>
         <p:spPr>
           <a:xfrm>
             <a:off x="0" y="6572160"/>
-            <a:ext cx="785160" cy="285120"/>
+            <a:ext cx="784800" cy="284760"/>
           </a:xfrm>
           <a:prstGeom prst="rect">
             <a:avLst/>
@@ -6443,14 +6446,14 @@
       </p:sp>
       <p:sp>
         <p:nvSpPr>
-          <p:cNvPr id="126" name="CustomShape 3"/>
+          <p:cNvPr id="125" name="CustomShape 3"/>
           <p:cNvSpPr/>
           <p:nvPr/>
         </p:nvSpPr>
         <p:spPr>
           <a:xfrm>
             <a:off x="428760" y="642960"/>
-            <a:ext cx="8257320" cy="785160"/>
+            <a:ext cx="8256960" cy="784800"/>
           </a:xfrm>
           <a:prstGeom prst="rect">
             <a:avLst/>
@@ -6469,7 +6472,7 @@
         <p:txBody>
           <a:bodyPr lIns="90000" rIns="90000" tIns="45000" bIns="45000" anchor="ctr"/>
           <a:p>
-            <a:pPr marL="571680" indent="-570960">
+            <a:pPr marL="571680" indent="-570600">
               <a:lnSpc>
                 <a:spcPct val="100000"/>
               </a:lnSpc>
@@ -6485,6 +6488,7 @@
                   </a:solidFill>
                 </a:uFill>
                 <a:latin typeface="Calibri"/>
+                <a:ea typeface="DejaVu Sans"/>
               </a:rPr>
               <a:t>II.   Second lesson</a:t>
             </a:r>
@@ -6494,7 +6498,7 @@
       </p:sp>
       <p:graphicFrame>
         <p:nvGraphicFramePr>
-          <p:cNvPr id="127" name="Table 4"/>
+          <p:cNvPr id="126" name="Table 4"/>
           <p:cNvGraphicFramePr/>
           <p:nvPr/>
         </p:nvGraphicFramePr>
@@ -7436,14 +7440,14 @@
       </p:grpSpPr>
       <p:sp>
         <p:nvSpPr>
-          <p:cNvPr id="128" name="CustomShape 1"/>
+          <p:cNvPr id="127" name="CustomShape 1"/>
           <p:cNvSpPr/>
           <p:nvPr/>
         </p:nvSpPr>
         <p:spPr>
           <a:xfrm>
             <a:off x="457200" y="1714320"/>
-            <a:ext cx="8228880" cy="4411080"/>
+            <a:ext cx="8228520" cy="4410720"/>
           </a:xfrm>
           <a:prstGeom prst="rect">
             <a:avLst/>
@@ -7462,14 +7466,14 @@
       </p:sp>
       <p:sp>
         <p:nvSpPr>
-          <p:cNvPr id="129" name="CustomShape 2"/>
+          <p:cNvPr id="128" name="CustomShape 2"/>
           <p:cNvSpPr/>
           <p:nvPr/>
         </p:nvSpPr>
         <p:spPr>
           <a:xfrm>
             <a:off x="0" y="6572160"/>
-            <a:ext cx="785160" cy="285120"/>
+            <a:ext cx="784800" cy="284760"/>
           </a:xfrm>
           <a:prstGeom prst="rect">
             <a:avLst/>
@@ -7501,14 +7505,14 @@
       </p:sp>
       <p:sp>
         <p:nvSpPr>
-          <p:cNvPr id="130" name="CustomShape 3"/>
+          <p:cNvPr id="129" name="CustomShape 3"/>
           <p:cNvSpPr/>
           <p:nvPr/>
         </p:nvSpPr>
         <p:spPr>
           <a:xfrm>
             <a:off x="428760" y="642960"/>
-            <a:ext cx="8257320" cy="785160"/>
+            <a:ext cx="8256960" cy="784800"/>
           </a:xfrm>
           <a:prstGeom prst="rect">
             <a:avLst/>
@@ -7527,7 +7531,7 @@
         <p:txBody>
           <a:bodyPr lIns="90000" rIns="90000" tIns="45000" bIns="45000" anchor="ctr"/>
           <a:p>
-            <a:pPr marL="571680" indent="-570960">
+            <a:pPr marL="571680" indent="-570600">
               <a:lnSpc>
                 <a:spcPct val="100000"/>
               </a:lnSpc>
@@ -7543,6 +7547,7 @@
                   </a:solidFill>
                 </a:uFill>
                 <a:latin typeface="Calibri"/>
+                <a:ea typeface="DejaVu Sans"/>
               </a:rPr>
               <a:t>III.   Third lesson</a:t>
             </a:r>
@@ -7601,14 +7606,14 @@
       </p:grpSpPr>
       <p:sp>
         <p:nvSpPr>
-          <p:cNvPr id="131" name="CustomShape 1"/>
+          <p:cNvPr id="130" name="CustomShape 1"/>
           <p:cNvSpPr/>
           <p:nvPr/>
         </p:nvSpPr>
         <p:spPr>
           <a:xfrm>
             <a:off x="457200" y="1714320"/>
-            <a:ext cx="8228880" cy="4411080"/>
+            <a:ext cx="8228520" cy="4410720"/>
           </a:xfrm>
           <a:prstGeom prst="rect">
             <a:avLst/>
@@ -7627,14 +7632,14 @@
       </p:sp>
       <p:sp>
         <p:nvSpPr>
-          <p:cNvPr id="132" name="CustomShape 2"/>
+          <p:cNvPr id="131" name="CustomShape 2"/>
           <p:cNvSpPr/>
           <p:nvPr/>
         </p:nvSpPr>
         <p:spPr>
           <a:xfrm>
             <a:off x="0" y="6572160"/>
-            <a:ext cx="785160" cy="285120"/>
+            <a:ext cx="784800" cy="284760"/>
           </a:xfrm>
           <a:prstGeom prst="rect">
             <a:avLst/>
@@ -7666,14 +7671,14 @@
       </p:sp>
       <p:sp>
         <p:nvSpPr>
-          <p:cNvPr id="133" name="CustomShape 3"/>
+          <p:cNvPr id="132" name="CustomShape 3"/>
           <p:cNvSpPr/>
           <p:nvPr/>
         </p:nvSpPr>
         <p:spPr>
           <a:xfrm>
             <a:off x="428760" y="642960"/>
-            <a:ext cx="8257320" cy="785160"/>
+            <a:ext cx="8256960" cy="784800"/>
           </a:xfrm>
           <a:prstGeom prst="rect">
             <a:avLst/>
@@ -7692,7 +7697,7 @@
         <p:txBody>
           <a:bodyPr lIns="90000" rIns="90000" tIns="45000" bIns="45000" anchor="ctr"/>
           <a:p>
-            <a:pPr marL="571680" indent="-570960">
+            <a:pPr marL="571680" indent="-570600">
               <a:lnSpc>
                 <a:spcPct val="100000"/>
               </a:lnSpc>
@@ -7708,6 +7713,7 @@
                   </a:solidFill>
                 </a:uFill>
                 <a:latin typeface="Calibri"/>
+                <a:ea typeface="DejaVu Sans"/>
               </a:rPr>
               <a:t>III.   Third lesson</a:t>
             </a:r>
@@ -7766,14 +7772,14 @@
       </p:grpSpPr>
       <p:sp>
         <p:nvSpPr>
-          <p:cNvPr id="77" name="CustomShape 1"/>
+          <p:cNvPr id="76" name="CustomShape 1"/>
           <p:cNvSpPr/>
           <p:nvPr/>
         </p:nvSpPr>
         <p:spPr>
           <a:xfrm>
             <a:off x="457200" y="274680"/>
-            <a:ext cx="8228880" cy="1142280"/>
+            <a:ext cx="8228520" cy="1141920"/>
           </a:xfrm>
           <a:prstGeom prst="rect">
             <a:avLst/>
@@ -7808,6 +7814,7 @@
                   </a:solidFill>
                 </a:uFill>
                 <a:latin typeface="Arial"/>
+                <a:ea typeface="DejaVu Sans"/>
               </a:rPr>
               <a:t>Introduction</a:t>
             </a:r>
@@ -7817,14 +7824,14 @@
       </p:sp>
       <p:sp>
         <p:nvSpPr>
-          <p:cNvPr id="78" name="CustomShape 2"/>
+          <p:cNvPr id="77" name="CustomShape 2"/>
           <p:cNvSpPr/>
           <p:nvPr/>
         </p:nvSpPr>
         <p:spPr>
           <a:xfrm>
             <a:off x="457200" y="1600200"/>
-            <a:ext cx="8228880" cy="4525200"/>
+            <a:ext cx="8228520" cy="4524840"/>
           </a:xfrm>
           <a:prstGeom prst="rect">
             <a:avLst/>
@@ -7843,47 +7850,47 @@
         <p:txBody>
           <a:bodyPr lIns="90000" rIns="90000" tIns="45000" bIns="45000"/>
           <a:p>
-            <a:pPr marL="343080" indent="-342360">
-              <a:lnSpc>
-                <a:spcPct val="100000"/>
-              </a:lnSpc>
-            </a:pPr>
-            <a:endParaRPr/>
-          </a:p>
-          <a:p>
-            <a:pPr marL="343080" indent="-342360">
-              <a:lnSpc>
-                <a:spcPct val="100000"/>
-              </a:lnSpc>
-            </a:pPr>
-            <a:endParaRPr/>
-          </a:p>
-          <a:p>
-            <a:pPr marL="343080" indent="-342360">
-              <a:lnSpc>
-                <a:spcPct val="100000"/>
-              </a:lnSpc>
-            </a:pPr>
-            <a:endParaRPr/>
-          </a:p>
-          <a:p>
-            <a:pPr marL="343080" indent="-342360">
-              <a:lnSpc>
-                <a:spcPct val="100000"/>
-              </a:lnSpc>
-            </a:pPr>
-            <a:endParaRPr/>
-          </a:p>
-          <a:p>
-            <a:pPr marL="343080" indent="-342360" algn="ctr">
-              <a:lnSpc>
-                <a:spcPct val="100000"/>
-              </a:lnSpc>
-            </a:pPr>
-            <a:endParaRPr/>
-          </a:p>
-          <a:p>
-            <a:pPr marL="343080" indent="-342360" algn="ctr">
+            <a:pPr marL="343080" indent="-342000">
+              <a:lnSpc>
+                <a:spcPct val="100000"/>
+              </a:lnSpc>
+            </a:pPr>
+            <a:endParaRPr/>
+          </a:p>
+          <a:p>
+            <a:pPr marL="343080" indent="-342000">
+              <a:lnSpc>
+                <a:spcPct val="100000"/>
+              </a:lnSpc>
+            </a:pPr>
+            <a:endParaRPr/>
+          </a:p>
+          <a:p>
+            <a:pPr marL="343080" indent="-342000">
+              <a:lnSpc>
+                <a:spcPct val="100000"/>
+              </a:lnSpc>
+            </a:pPr>
+            <a:endParaRPr/>
+          </a:p>
+          <a:p>
+            <a:pPr marL="343080" indent="-342000">
+              <a:lnSpc>
+                <a:spcPct val="100000"/>
+              </a:lnSpc>
+            </a:pPr>
+            <a:endParaRPr/>
+          </a:p>
+          <a:p>
+            <a:pPr marL="343080" indent="-342000" algn="ctr">
+              <a:lnSpc>
+                <a:spcPct val="100000"/>
+              </a:lnSpc>
+            </a:pPr>
+            <a:endParaRPr/>
+          </a:p>
+          <a:p>
+            <a:pPr marL="343080" indent="-342000" algn="ctr">
               <a:lnSpc>
                 <a:spcPct val="100000"/>
               </a:lnSpc>
@@ -7899,21 +7906,22 @@
                   </a:solidFill>
                 </a:uFill>
                 <a:latin typeface="Calibri"/>
+                <a:ea typeface="DejaVu Sans"/>
               </a:rPr>
               <a:t>In this following presentation, we are going to show you the procedure we attend to answer to your different questions during the course “ Génie logiciel avancée “.</a:t>
             </a:r>
             <a:endParaRPr/>
           </a:p>
           <a:p>
-            <a:pPr marL="343080" indent="-342360" algn="ctr">
-              <a:lnSpc>
-                <a:spcPct val="100000"/>
-              </a:lnSpc>
-            </a:pPr>
-            <a:endParaRPr/>
-          </a:p>
-          <a:p>
-            <a:pPr marL="343080" indent="-342360" algn="ctr">
+            <a:pPr marL="343080" indent="-342000" algn="ctr">
+              <a:lnSpc>
+                <a:spcPct val="100000"/>
+              </a:lnSpc>
+            </a:pPr>
+            <a:endParaRPr/>
+          </a:p>
+          <a:p>
+            <a:pPr marL="343080" indent="-342000" algn="ctr">
               <a:lnSpc>
                 <a:spcPct val="100000"/>
               </a:lnSpc>
@@ -7929,21 +7937,22 @@
                   </a:solidFill>
                 </a:uFill>
                 <a:latin typeface="Calibri"/>
+                <a:ea typeface="DejaVu Sans"/>
               </a:rPr>
               <a:t>This presentation shows the different steps that we followed to realize the project named “ Flight Planning System “ from the beginning to the end.</a:t>
             </a:r>
             <a:endParaRPr/>
           </a:p>
           <a:p>
-            <a:pPr marL="343080" indent="-342360" algn="ctr">
-              <a:lnSpc>
-                <a:spcPct val="100000"/>
-              </a:lnSpc>
-            </a:pPr>
-            <a:endParaRPr/>
-          </a:p>
-          <a:p>
-            <a:pPr marL="343080" indent="-342360" algn="ctr">
+            <a:pPr marL="343080" indent="-342000" algn="ctr">
+              <a:lnSpc>
+                <a:spcPct val="100000"/>
+              </a:lnSpc>
+            </a:pPr>
+            <a:endParaRPr/>
+          </a:p>
+          <a:p>
+            <a:pPr marL="343080" indent="-342000" algn="ctr">
               <a:lnSpc>
                 <a:spcPct val="100000"/>
               </a:lnSpc>
@@ -7959,13 +7968,14 @@
                   </a:solidFill>
                 </a:uFill>
                 <a:latin typeface="Calibri"/>
+                <a:ea typeface="DejaVu Sans"/>
               </a:rPr>
               <a:t>It will be also the support for our last presentation with you.</a:t>
             </a:r>
             <a:endParaRPr/>
           </a:p>
           <a:p>
-            <a:pPr marL="343080" indent="-342360">
+            <a:pPr marL="343080" indent="-342000">
               <a:lnSpc>
                 <a:spcPct val="100000"/>
               </a:lnSpc>
@@ -7976,14 +7986,14 @@
       </p:sp>
       <p:sp>
         <p:nvSpPr>
-          <p:cNvPr id="79" name="CustomShape 3"/>
+          <p:cNvPr id="78" name="CustomShape 3"/>
           <p:cNvSpPr/>
           <p:nvPr/>
         </p:nvSpPr>
         <p:spPr>
           <a:xfrm>
             <a:off x="0" y="6572160"/>
-            <a:ext cx="785160" cy="285120"/>
+            <a:ext cx="784800" cy="284760"/>
           </a:xfrm>
           <a:prstGeom prst="rect">
             <a:avLst/>
@@ -8064,14 +8074,14 @@
       </p:grpSpPr>
       <p:sp>
         <p:nvSpPr>
-          <p:cNvPr id="80" name="CustomShape 1"/>
+          <p:cNvPr id="79" name="CustomShape 1"/>
           <p:cNvSpPr/>
           <p:nvPr/>
         </p:nvSpPr>
         <p:spPr>
           <a:xfrm>
             <a:off x="457200" y="274680"/>
-            <a:ext cx="8228880" cy="1142280"/>
+            <a:ext cx="8228520" cy="1141920"/>
           </a:xfrm>
           <a:prstGeom prst="rect">
             <a:avLst/>
@@ -8106,6 +8116,7 @@
                   </a:solidFill>
                 </a:uFill>
                 <a:latin typeface="Arial"/>
+                <a:ea typeface="DejaVu Sans"/>
               </a:rPr>
               <a:t>Plan</a:t>
             </a:r>
@@ -8115,14 +8126,14 @@
       </p:sp>
       <p:sp>
         <p:nvSpPr>
-          <p:cNvPr id="81" name="CustomShape 2"/>
+          <p:cNvPr id="80" name="CustomShape 2"/>
           <p:cNvSpPr/>
           <p:nvPr/>
         </p:nvSpPr>
         <p:spPr>
           <a:xfrm>
             <a:off x="457200" y="1600200"/>
-            <a:ext cx="8228880" cy="4525200"/>
+            <a:ext cx="8228520" cy="4524840"/>
           </a:xfrm>
           <a:prstGeom prst="rect">
             <a:avLst/>
@@ -8149,7 +8160,7 @@
             <a:endParaRPr/>
           </a:p>
           <a:p>
-            <a:pPr marL="343080" indent="-342360">
+            <a:pPr marL="343080" indent="-342000">
               <a:lnSpc>
                 <a:spcPct val="100000"/>
               </a:lnSpc>
@@ -8167,13 +8178,14 @@
                   </a:solidFill>
                 </a:uFill>
                 <a:latin typeface="Arial"/>
+                <a:ea typeface="DejaVu Sans"/>
               </a:rPr>
               <a:t>I- First lesson</a:t>
             </a:r>
             <a:endParaRPr/>
           </a:p>
           <a:p>
-            <a:pPr marL="343080" indent="-342360">
+            <a:pPr marL="343080" indent="-342000">
               <a:lnSpc>
                 <a:spcPct val="100000"/>
               </a:lnSpc>
@@ -8191,13 +8203,14 @@
                   </a:solidFill>
                 </a:uFill>
                 <a:latin typeface="Arial"/>
+                <a:ea typeface="DejaVu Sans"/>
               </a:rPr>
               <a:t>II- Second lesson</a:t>
             </a:r>
             <a:endParaRPr/>
           </a:p>
           <a:p>
-            <a:pPr marL="343080" indent="-342360">
+            <a:pPr marL="343080" indent="-342000">
               <a:lnSpc>
                 <a:spcPct val="100000"/>
               </a:lnSpc>
@@ -8215,6 +8228,7 @@
                   </a:solidFill>
                 </a:uFill>
                 <a:latin typeface="Arial"/>
+                <a:ea typeface="DejaVu Sans"/>
               </a:rPr>
               <a:t>III- Third lessen</a:t>
             </a:r>
@@ -8232,14 +8246,14 @@
       </p:sp>
       <p:sp>
         <p:nvSpPr>
-          <p:cNvPr id="82" name="CustomShape 3"/>
+          <p:cNvPr id="81" name="CustomShape 3"/>
           <p:cNvSpPr/>
           <p:nvPr/>
         </p:nvSpPr>
         <p:spPr>
           <a:xfrm>
             <a:off x="0" y="6572160"/>
-            <a:ext cx="785160" cy="285120"/>
+            <a:ext cx="784800" cy="284760"/>
           </a:xfrm>
           <a:prstGeom prst="rect">
             <a:avLst/>
@@ -8320,14 +8334,14 @@
       </p:grpSpPr>
       <p:sp>
         <p:nvSpPr>
-          <p:cNvPr id="83" name="CustomShape 1"/>
+          <p:cNvPr id="82" name="CustomShape 1"/>
           <p:cNvSpPr/>
           <p:nvPr/>
         </p:nvSpPr>
         <p:spPr>
           <a:xfrm>
             <a:off x="428760" y="642960"/>
-            <a:ext cx="8257320" cy="785160"/>
+            <a:ext cx="8256960" cy="784800"/>
           </a:xfrm>
           <a:prstGeom prst="rect">
             <a:avLst/>
@@ -8346,7 +8360,7 @@
         <p:txBody>
           <a:bodyPr lIns="90000" rIns="90000" tIns="45000" bIns="45000" anchor="ctr"/>
           <a:p>
-            <a:pPr marL="571680" indent="-570960">
+            <a:pPr marL="571680" indent="-570600">
               <a:lnSpc>
                 <a:spcPct val="100000"/>
               </a:lnSpc>
@@ -8364,6 +8378,7 @@
                   </a:solidFill>
                 </a:uFill>
                 <a:latin typeface="Calibri"/>
+                <a:ea typeface="DejaVu Sans"/>
               </a:rPr>
               <a:t>First lesson</a:t>
             </a:r>
@@ -8373,14 +8388,14 @@
       </p:sp>
       <p:sp>
         <p:nvSpPr>
-          <p:cNvPr id="84" name="CustomShape 2"/>
+          <p:cNvPr id="83" name="CustomShape 2"/>
           <p:cNvSpPr/>
           <p:nvPr/>
         </p:nvSpPr>
         <p:spPr>
           <a:xfrm>
             <a:off x="428760" y="1500120"/>
-            <a:ext cx="8228880" cy="4525200"/>
+            <a:ext cx="8228520" cy="4524840"/>
           </a:xfrm>
           <a:prstGeom prst="rect">
             <a:avLst/>
@@ -8399,15 +8414,15 @@
         <p:txBody>
           <a:bodyPr lIns="90000" rIns="90000" tIns="45000" bIns="45000"/>
           <a:p>
-            <a:pPr marL="343080" indent="-342360">
-              <a:lnSpc>
-                <a:spcPct val="100000"/>
-              </a:lnSpc>
-            </a:pPr>
-            <a:endParaRPr/>
-          </a:p>
-          <a:p>
-            <a:pPr marL="343080" indent="-342360">
+            <a:pPr marL="343080" indent="-342000">
+              <a:lnSpc>
+                <a:spcPct val="100000"/>
+              </a:lnSpc>
+            </a:pPr>
+            <a:endParaRPr/>
+          </a:p>
+          <a:p>
+            <a:pPr marL="343080" indent="-342000">
               <a:lnSpc>
                 <a:spcPct val="100000"/>
               </a:lnSpc>
@@ -8445,15 +8460,15 @@
             <a:endParaRPr/>
           </a:p>
           <a:p>
-            <a:pPr marL="343080" indent="-342360">
-              <a:lnSpc>
-                <a:spcPct val="100000"/>
-              </a:lnSpc>
-            </a:pPr>
-            <a:endParaRPr/>
-          </a:p>
-          <a:p>
-            <a:pPr marL="343080" indent="-342360">
+            <a:pPr marL="343080" indent="-342000">
+              <a:lnSpc>
+                <a:spcPct val="100000"/>
+              </a:lnSpc>
+            </a:pPr>
+            <a:endParaRPr/>
+          </a:p>
+          <a:p>
+            <a:pPr marL="343080" indent="-342000">
               <a:lnSpc>
                 <a:spcPct val="100000"/>
               </a:lnSpc>
@@ -8476,15 +8491,15 @@
             <a:endParaRPr/>
           </a:p>
           <a:p>
-            <a:pPr marL="457200" indent="-316800">
-              <a:lnSpc>
-                <a:spcPct val="100000"/>
-              </a:lnSpc>
-            </a:pPr>
-            <a:endParaRPr/>
-          </a:p>
-          <a:p>
-            <a:pPr marL="482760" indent="-342360">
+            <a:pPr marL="457200" indent="-316440">
+              <a:lnSpc>
+                <a:spcPct val="100000"/>
+              </a:lnSpc>
+            </a:pPr>
+            <a:endParaRPr/>
+          </a:p>
+          <a:p>
+            <a:pPr marL="482760" indent="-342000">
               <a:lnSpc>
                 <a:spcPct val="100000"/>
               </a:lnSpc>
@@ -8522,7 +8537,7 @@
             <a:endParaRPr/>
           </a:p>
           <a:p>
-            <a:pPr marL="457200" indent="-316800">
+            <a:pPr marL="457200" indent="-316440">
               <a:lnSpc>
                 <a:spcPct val="100000"/>
               </a:lnSpc>
@@ -8560,7 +8575,7 @@
             <a:endParaRPr/>
           </a:p>
           <a:p>
-            <a:pPr marL="457200" indent="-316800">
+            <a:pPr marL="457200" indent="-316440">
               <a:lnSpc>
                 <a:spcPct val="100000"/>
               </a:lnSpc>
@@ -8598,15 +8613,15 @@
             <a:endParaRPr/>
           </a:p>
           <a:p>
-            <a:pPr marL="457200" indent="-316800">
-              <a:lnSpc>
-                <a:spcPct val="100000"/>
-              </a:lnSpc>
-            </a:pPr>
-            <a:endParaRPr/>
-          </a:p>
-          <a:p>
-            <a:pPr marL="343080" indent="-342360">
+            <a:pPr marL="457200" indent="-316440">
+              <a:lnSpc>
+                <a:spcPct val="100000"/>
+              </a:lnSpc>
+            </a:pPr>
+            <a:endParaRPr/>
+          </a:p>
+          <a:p>
+            <a:pPr marL="343080" indent="-342000">
               <a:lnSpc>
                 <a:spcPct val="100000"/>
               </a:lnSpc>
@@ -8659,15 +8674,15 @@
             <a:endParaRPr/>
           </a:p>
           <a:p>
-            <a:pPr marL="343080" indent="-342360">
-              <a:lnSpc>
-                <a:spcPct val="100000"/>
-              </a:lnSpc>
-            </a:pPr>
-            <a:endParaRPr/>
-          </a:p>
-          <a:p>
-            <a:pPr marL="457200" indent="-316800">
+            <a:pPr marL="343080" indent="-342000">
+              <a:lnSpc>
+                <a:spcPct val="100000"/>
+              </a:lnSpc>
+            </a:pPr>
+            <a:endParaRPr/>
+          </a:p>
+          <a:p>
+            <a:pPr marL="457200" indent="-316440">
               <a:lnSpc>
                 <a:spcPct val="107000"/>
               </a:lnSpc>
@@ -8690,7 +8705,7 @@
             <a:endParaRPr/>
           </a:p>
           <a:p>
-            <a:pPr marL="457200" indent="-316800">
+            <a:pPr marL="457200" indent="-316440">
               <a:lnSpc>
                 <a:spcPct val="107000"/>
               </a:lnSpc>
@@ -8698,7 +8713,7 @@
             <a:endParaRPr/>
           </a:p>
           <a:p>
-            <a:pPr marL="457200" indent="-316800">
+            <a:pPr marL="457200" indent="-316440">
               <a:lnSpc>
                 <a:spcPct val="107000"/>
               </a:lnSpc>
@@ -8736,7 +8751,7 @@
             <a:endParaRPr/>
           </a:p>
           <a:p>
-            <a:pPr marL="457200" indent="-316800">
+            <a:pPr marL="457200" indent="-316440">
               <a:lnSpc>
                 <a:spcPct val="107000"/>
               </a:lnSpc>
@@ -8774,7 +8789,7 @@
             <a:endParaRPr/>
           </a:p>
           <a:p>
-            <a:pPr marL="343080" indent="-342360">
+            <a:pPr marL="343080" indent="-342000">
               <a:lnSpc>
                 <a:spcPct val="107000"/>
               </a:lnSpc>
@@ -8782,7 +8797,7 @@
             <a:endParaRPr/>
           </a:p>
           <a:p>
-            <a:pPr marL="457200" indent="-316800">
+            <a:pPr marL="457200" indent="-316440">
               <a:lnSpc>
                 <a:spcPct val="107000"/>
               </a:lnSpc>
@@ -8805,15 +8820,15 @@
             <a:endParaRPr/>
           </a:p>
           <a:p>
-            <a:pPr marL="343080" indent="-342360">
-              <a:lnSpc>
-                <a:spcPct val="100000"/>
-              </a:lnSpc>
-            </a:pPr>
-            <a:endParaRPr/>
-          </a:p>
-          <a:p>
-            <a:pPr marL="343080" indent="-342360">
+            <a:pPr marL="343080" indent="-342000">
+              <a:lnSpc>
+                <a:spcPct val="100000"/>
+              </a:lnSpc>
+            </a:pPr>
+            <a:endParaRPr/>
+          </a:p>
+          <a:p>
+            <a:pPr marL="343080" indent="-342000">
               <a:lnSpc>
                 <a:spcPct val="100000"/>
               </a:lnSpc>
@@ -8824,14 +8839,14 @@
       </p:sp>
       <p:sp>
         <p:nvSpPr>
-          <p:cNvPr id="85" name="CustomShape 3"/>
+          <p:cNvPr id="84" name="CustomShape 3"/>
           <p:cNvSpPr/>
           <p:nvPr/>
         </p:nvSpPr>
         <p:spPr>
           <a:xfrm>
             <a:off x="0" y="6572160"/>
-            <a:ext cx="785160" cy="285120"/>
+            <a:ext cx="784800" cy="284760"/>
           </a:xfrm>
           <a:prstGeom prst="rect">
             <a:avLst/>
@@ -8912,14 +8927,14 @@
       </p:grpSpPr>
       <p:sp>
         <p:nvSpPr>
-          <p:cNvPr id="86" name="CustomShape 1"/>
+          <p:cNvPr id="85" name="CustomShape 1"/>
           <p:cNvSpPr/>
           <p:nvPr/>
         </p:nvSpPr>
         <p:spPr>
           <a:xfrm>
             <a:off x="428760" y="1714320"/>
-            <a:ext cx="8228880" cy="4928400"/>
+            <a:ext cx="8228520" cy="4928040"/>
           </a:xfrm>
           <a:prstGeom prst="rect">
             <a:avLst/>
@@ -8938,7 +8953,7 @@
         <p:txBody>
           <a:bodyPr lIns="90000" rIns="90000" tIns="45000" bIns="45000"/>
           <a:p>
-            <a:pPr marL="343080" indent="-342360">
+            <a:pPr marL="343080" indent="-342000">
               <a:lnSpc>
                 <a:spcPct val="100000"/>
               </a:lnSpc>
@@ -8954,6 +8969,7 @@
                   </a:solidFill>
                 </a:uFill>
                 <a:latin typeface="Calibri"/>
+                <a:ea typeface="DejaVu Sans"/>
               </a:rPr>
               <a:t>Users of the system</a:t>
             </a:r>
@@ -8968,21 +8984,22 @@
                   </a:solidFill>
                 </a:uFill>
                 <a:latin typeface="Calibri"/>
+                <a:ea typeface="DejaVu Sans"/>
               </a:rPr>
               <a:t> :</a:t>
             </a:r>
             <a:endParaRPr/>
           </a:p>
           <a:p>
-            <a:pPr marL="343080" indent="-342360">
-              <a:lnSpc>
-                <a:spcPct val="100000"/>
-              </a:lnSpc>
-            </a:pPr>
-            <a:endParaRPr/>
-          </a:p>
-          <a:p>
-            <a:pPr marL="343080" indent="-342360">
+            <a:pPr marL="343080" indent="-342000">
+              <a:lnSpc>
+                <a:spcPct val="100000"/>
+              </a:lnSpc>
+            </a:pPr>
+            <a:endParaRPr/>
+          </a:p>
+          <a:p>
+            <a:pPr marL="343080" indent="-342000">
               <a:lnSpc>
                 <a:spcPct val="100000"/>
               </a:lnSpc>
@@ -9005,15 +9022,15 @@
             <a:endParaRPr/>
           </a:p>
           <a:p>
-            <a:pPr marL="343080" indent="-342360">
-              <a:lnSpc>
-                <a:spcPct val="100000"/>
-              </a:lnSpc>
-            </a:pPr>
-            <a:endParaRPr/>
-          </a:p>
-          <a:p>
-            <a:pPr marL="457200" indent="-304200">
+            <a:pPr marL="343080" indent="-342000">
+              <a:lnSpc>
+                <a:spcPct val="100000"/>
+              </a:lnSpc>
+            </a:pPr>
+            <a:endParaRPr/>
+          </a:p>
+          <a:p>
+            <a:pPr marL="457200" indent="-303840">
               <a:lnSpc>
                 <a:spcPct val="100000"/>
               </a:lnSpc>
@@ -9051,15 +9068,15 @@
             <a:endParaRPr/>
           </a:p>
           <a:p>
-            <a:pPr marL="457200" indent="-304200">
-              <a:lnSpc>
-                <a:spcPct val="100000"/>
-              </a:lnSpc>
-            </a:pPr>
-            <a:endParaRPr/>
-          </a:p>
-          <a:p>
-            <a:pPr marL="457200" indent="-304200">
+            <a:pPr marL="457200" indent="-303840">
+              <a:lnSpc>
+                <a:spcPct val="100000"/>
+              </a:lnSpc>
+            </a:pPr>
+            <a:endParaRPr/>
+          </a:p>
+          <a:p>
+            <a:pPr marL="457200" indent="-303840">
               <a:lnSpc>
                 <a:spcPct val="100000"/>
               </a:lnSpc>
@@ -9118,7 +9135,7 @@
             <a:endParaRPr/>
           </a:p>
           <a:p>
-            <a:pPr marL="457200" indent="-304200">
+            <a:pPr marL="457200" indent="-303840">
               <a:lnSpc>
                 <a:spcPct val="100000"/>
               </a:lnSpc>
@@ -9186,7 +9203,7 @@
             <a:endParaRPr/>
           </a:p>
           <a:p>
-            <a:pPr marL="457200" indent="-304200">
+            <a:pPr marL="457200" indent="-303840">
               <a:lnSpc>
                 <a:spcPct val="100000"/>
               </a:lnSpc>
@@ -9224,15 +9241,15 @@
             <a:endParaRPr/>
           </a:p>
           <a:p>
-            <a:pPr marL="457200" indent="-304200">
-              <a:lnSpc>
-                <a:spcPct val="100000"/>
-              </a:lnSpc>
-            </a:pPr>
-            <a:endParaRPr/>
-          </a:p>
-          <a:p>
-            <a:pPr marL="457200" indent="-304200">
+            <a:pPr marL="457200" indent="-303840">
+              <a:lnSpc>
+                <a:spcPct val="100000"/>
+              </a:lnSpc>
+            </a:pPr>
+            <a:endParaRPr/>
+          </a:p>
+          <a:p>
+            <a:pPr marL="457200" indent="-303840">
               <a:lnSpc>
                 <a:spcPct val="100000"/>
               </a:lnSpc>
@@ -9285,7 +9302,7 @@
             <a:endParaRPr/>
           </a:p>
           <a:p>
-            <a:pPr marL="457200" indent="-304200">
+            <a:pPr marL="457200" indent="-303840">
               <a:lnSpc>
                 <a:spcPct val="100000"/>
               </a:lnSpc>
@@ -9323,15 +9340,15 @@
             <a:endParaRPr/>
           </a:p>
           <a:p>
-            <a:pPr marL="457200" indent="-304200">
-              <a:lnSpc>
-                <a:spcPct val="100000"/>
-              </a:lnSpc>
-            </a:pPr>
-            <a:endParaRPr/>
-          </a:p>
-          <a:p>
-            <a:pPr marL="457200" indent="-304200">
+            <a:pPr marL="457200" indent="-303840">
+              <a:lnSpc>
+                <a:spcPct val="100000"/>
+              </a:lnSpc>
+            </a:pPr>
+            <a:endParaRPr/>
+          </a:p>
+          <a:p>
+            <a:pPr marL="457200" indent="-303840">
               <a:lnSpc>
                 <a:spcPct val="100000"/>
               </a:lnSpc>
@@ -9369,7 +9386,7 @@
             <a:endParaRPr/>
           </a:p>
           <a:p>
-            <a:pPr marL="457200" indent="-304200">
+            <a:pPr marL="457200" indent="-303840">
               <a:lnSpc>
                 <a:spcPct val="100000"/>
               </a:lnSpc>
@@ -9392,15 +9409,15 @@
             <a:endParaRPr/>
           </a:p>
           <a:p>
-            <a:pPr marL="457200" indent="-304200">
-              <a:lnSpc>
-                <a:spcPct val="100000"/>
-              </a:lnSpc>
-            </a:pPr>
-            <a:endParaRPr/>
-          </a:p>
-          <a:p>
-            <a:pPr marL="457200" indent="-304200">
+            <a:pPr marL="457200" indent="-303840">
+              <a:lnSpc>
+                <a:spcPct val="100000"/>
+              </a:lnSpc>
+            </a:pPr>
+            <a:endParaRPr/>
+          </a:p>
+          <a:p>
+            <a:pPr marL="457200" indent="-303840">
               <a:lnSpc>
                 <a:spcPct val="100000"/>
               </a:lnSpc>
@@ -9411,14 +9428,14 @@
       </p:sp>
       <p:sp>
         <p:nvSpPr>
-          <p:cNvPr id="87" name="CustomShape 2"/>
+          <p:cNvPr id="86" name="CustomShape 2"/>
           <p:cNvSpPr/>
           <p:nvPr/>
         </p:nvSpPr>
         <p:spPr>
           <a:xfrm>
             <a:off x="0" y="6572160"/>
-            <a:ext cx="785160" cy="285120"/>
+            <a:ext cx="784800" cy="284760"/>
           </a:xfrm>
           <a:prstGeom prst="rect">
             <a:avLst/>
@@ -9450,14 +9467,14 @@
       </p:sp>
       <p:sp>
         <p:nvSpPr>
-          <p:cNvPr id="88" name="CustomShape 3"/>
+          <p:cNvPr id="87" name="CustomShape 3"/>
           <p:cNvSpPr/>
           <p:nvPr/>
         </p:nvSpPr>
         <p:spPr>
           <a:xfrm>
             <a:off x="428760" y="642960"/>
-            <a:ext cx="8257320" cy="785160"/>
+            <a:ext cx="8256960" cy="784800"/>
           </a:xfrm>
           <a:prstGeom prst="rect">
             <a:avLst/>
@@ -9476,7 +9493,7 @@
         <p:txBody>
           <a:bodyPr lIns="90000" rIns="90000" tIns="45000" bIns="45000" anchor="ctr"/>
           <a:p>
-            <a:pPr marL="571680" indent="-570960">
+            <a:pPr marL="571680" indent="-570600">
               <a:lnSpc>
                 <a:spcPct val="100000"/>
               </a:lnSpc>
@@ -9494,6 +9511,7 @@
                   </a:solidFill>
                 </a:uFill>
                 <a:latin typeface="Calibri"/>
+                <a:ea typeface="DejaVu Sans"/>
               </a:rPr>
               <a:t>First lesson</a:t>
             </a:r>
@@ -9552,14 +9570,14 @@
       </p:grpSpPr>
       <p:sp>
         <p:nvSpPr>
-          <p:cNvPr id="89" name="CustomShape 1"/>
+          <p:cNvPr id="88" name="CustomShape 1"/>
           <p:cNvSpPr/>
           <p:nvPr/>
         </p:nvSpPr>
         <p:spPr>
           <a:xfrm>
             <a:off x="428760" y="1714320"/>
-            <a:ext cx="8228880" cy="4928400"/>
+            <a:ext cx="8228520" cy="4928040"/>
           </a:xfrm>
           <a:prstGeom prst="rect">
             <a:avLst/>
@@ -9578,7 +9596,7 @@
         <p:txBody>
           <a:bodyPr lIns="90000" rIns="90000" tIns="45000" bIns="45000"/>
           <a:p>
-            <a:pPr marL="343080" indent="-342360">
+            <a:pPr marL="343080" indent="-342000">
               <a:lnSpc>
                 <a:spcPct val="100000"/>
               </a:lnSpc>
@@ -9594,6 +9612,7 @@
                   </a:solidFill>
                 </a:uFill>
                 <a:latin typeface="Calibri"/>
+                <a:ea typeface="DejaVu Sans"/>
               </a:rPr>
               <a:t>Users of the system</a:t>
             </a:r>
@@ -9608,21 +9627,22 @@
                   </a:solidFill>
                 </a:uFill>
                 <a:latin typeface="Calibri"/>
+                <a:ea typeface="DejaVu Sans"/>
               </a:rPr>
               <a:t> :</a:t>
             </a:r>
             <a:endParaRPr/>
           </a:p>
           <a:p>
-            <a:pPr marL="343080" indent="-342360">
-              <a:lnSpc>
-                <a:spcPct val="100000"/>
-              </a:lnSpc>
-            </a:pPr>
-            <a:endParaRPr/>
-          </a:p>
-          <a:p>
-            <a:pPr marL="457200" indent="-304200">
+            <a:pPr marL="343080" indent="-342000">
+              <a:lnSpc>
+                <a:spcPct val="100000"/>
+              </a:lnSpc>
+            </a:pPr>
+            <a:endParaRPr/>
+          </a:p>
+          <a:p>
+            <a:pPr marL="457200" indent="-303840">
               <a:lnSpc>
                 <a:spcPct val="100000"/>
               </a:lnSpc>
@@ -9660,7 +9680,7 @@
             <a:endParaRPr/>
           </a:p>
           <a:p>
-            <a:pPr marL="457200" indent="-304200">
+            <a:pPr marL="457200" indent="-303840">
               <a:lnSpc>
                 <a:spcPct val="100000"/>
               </a:lnSpc>
@@ -9713,15 +9733,15 @@
             <a:endParaRPr/>
           </a:p>
           <a:p>
-            <a:pPr marL="457200" indent="-304200">
-              <a:lnSpc>
-                <a:spcPct val="100000"/>
-              </a:lnSpc>
-            </a:pPr>
-            <a:endParaRPr/>
-          </a:p>
-          <a:p>
-            <a:pPr marL="457200" indent="-304200">
+            <a:pPr marL="457200" indent="-303840">
+              <a:lnSpc>
+                <a:spcPct val="100000"/>
+              </a:lnSpc>
+            </a:pPr>
+            <a:endParaRPr/>
+          </a:p>
+          <a:p>
+            <a:pPr marL="457200" indent="-303840">
               <a:lnSpc>
                 <a:spcPct val="100000"/>
               </a:lnSpc>
@@ -9759,7 +9779,7 @@
             <a:endParaRPr/>
           </a:p>
           <a:p>
-            <a:pPr marL="457200" indent="-304200">
+            <a:pPr marL="457200" indent="-303840">
               <a:lnSpc>
                 <a:spcPct val="100000"/>
               </a:lnSpc>
@@ -9797,15 +9817,15 @@
             <a:endParaRPr/>
           </a:p>
           <a:p>
-            <a:pPr marL="457200" indent="-304200">
-              <a:lnSpc>
-                <a:spcPct val="100000"/>
-              </a:lnSpc>
-            </a:pPr>
-            <a:endParaRPr/>
-          </a:p>
-          <a:p>
-            <a:pPr marL="457200" indent="-304200">
+            <a:pPr marL="457200" indent="-303840">
+              <a:lnSpc>
+                <a:spcPct val="100000"/>
+              </a:lnSpc>
+            </a:pPr>
+            <a:endParaRPr/>
+          </a:p>
+          <a:p>
+            <a:pPr marL="457200" indent="-303840">
               <a:lnSpc>
                 <a:spcPct val="100000"/>
               </a:lnSpc>
@@ -9843,7 +9863,7 @@
             <a:endParaRPr/>
           </a:p>
           <a:p>
-            <a:pPr marL="457200" indent="-304200">
+            <a:pPr marL="457200" indent="-303840">
               <a:lnSpc>
                 <a:spcPct val="100000"/>
               </a:lnSpc>
@@ -9896,15 +9916,15 @@
             <a:endParaRPr/>
           </a:p>
           <a:p>
-            <a:pPr marL="343080" indent="-342360">
-              <a:lnSpc>
-                <a:spcPct val="100000"/>
-              </a:lnSpc>
-            </a:pPr>
-            <a:endParaRPr/>
-          </a:p>
-          <a:p>
-            <a:pPr marL="343080" indent="-342360">
+            <a:pPr marL="343080" indent="-342000">
+              <a:lnSpc>
+                <a:spcPct val="100000"/>
+              </a:lnSpc>
+            </a:pPr>
+            <a:endParaRPr/>
+          </a:p>
+          <a:p>
+            <a:pPr marL="343080" indent="-342000">
               <a:lnSpc>
                 <a:spcPct val="100000"/>
               </a:lnSpc>
@@ -9927,15 +9947,15 @@
             <a:endParaRPr/>
           </a:p>
           <a:p>
-            <a:pPr marL="343080" indent="-342360">
-              <a:lnSpc>
-                <a:spcPct val="100000"/>
-              </a:lnSpc>
-            </a:pPr>
-            <a:endParaRPr/>
-          </a:p>
-          <a:p>
-            <a:pPr marL="457200" indent="-304200">
+            <a:pPr marL="343080" indent="-342000">
+              <a:lnSpc>
+                <a:spcPct val="100000"/>
+              </a:lnSpc>
+            </a:pPr>
+            <a:endParaRPr/>
+          </a:p>
+          <a:p>
+            <a:pPr marL="457200" indent="-303840">
               <a:lnSpc>
                 <a:spcPct val="100000"/>
               </a:lnSpc>
@@ -9973,7 +9993,7 @@
             <a:endParaRPr/>
           </a:p>
           <a:p>
-            <a:pPr marL="457200" indent="-304200">
+            <a:pPr marL="457200" indent="-303840">
               <a:lnSpc>
                 <a:spcPct val="100000"/>
               </a:lnSpc>
@@ -10026,15 +10046,15 @@
             <a:endParaRPr/>
           </a:p>
           <a:p>
-            <a:pPr marL="457200" indent="-304200">
-              <a:lnSpc>
-                <a:spcPct val="100000"/>
-              </a:lnSpc>
-            </a:pPr>
-            <a:endParaRPr/>
-          </a:p>
-          <a:p>
-            <a:pPr marL="457200" indent="-304200">
+            <a:pPr marL="457200" indent="-303840">
+              <a:lnSpc>
+                <a:spcPct val="100000"/>
+              </a:lnSpc>
+            </a:pPr>
+            <a:endParaRPr/>
+          </a:p>
+          <a:p>
+            <a:pPr marL="457200" indent="-303840">
               <a:lnSpc>
                 <a:spcPct val="100000"/>
               </a:lnSpc>
@@ -10072,7 +10092,7 @@
             <a:endParaRPr/>
           </a:p>
           <a:p>
-            <a:pPr marL="457200" indent="-304200">
+            <a:pPr marL="457200" indent="-303840">
               <a:lnSpc>
                 <a:spcPct val="100000"/>
               </a:lnSpc>
@@ -10125,31 +10145,31 @@
             <a:endParaRPr/>
           </a:p>
           <a:p>
-            <a:pPr marL="457200" indent="-304200">
-              <a:lnSpc>
-                <a:spcPct val="100000"/>
-              </a:lnSpc>
-            </a:pPr>
-            <a:endParaRPr/>
-          </a:p>
-          <a:p>
-            <a:pPr marL="457200" indent="-304200">
-              <a:lnSpc>
-                <a:spcPct val="100000"/>
-              </a:lnSpc>
-            </a:pPr>
-            <a:endParaRPr/>
-          </a:p>
-          <a:p>
-            <a:pPr marL="343080" indent="-342360">
-              <a:lnSpc>
-                <a:spcPct val="100000"/>
-              </a:lnSpc>
-            </a:pPr>
-            <a:endParaRPr/>
-          </a:p>
-          <a:p>
-            <a:pPr marL="457200" indent="-342360">
+            <a:pPr marL="457200" indent="-303840">
+              <a:lnSpc>
+                <a:spcPct val="100000"/>
+              </a:lnSpc>
+            </a:pPr>
+            <a:endParaRPr/>
+          </a:p>
+          <a:p>
+            <a:pPr marL="457200" indent="-303840">
+              <a:lnSpc>
+                <a:spcPct val="100000"/>
+              </a:lnSpc>
+            </a:pPr>
+            <a:endParaRPr/>
+          </a:p>
+          <a:p>
+            <a:pPr marL="343080" indent="-342000">
+              <a:lnSpc>
+                <a:spcPct val="100000"/>
+              </a:lnSpc>
+            </a:pPr>
+            <a:endParaRPr/>
+          </a:p>
+          <a:p>
+            <a:pPr marL="457200" indent="-342000">
               <a:lnSpc>
                 <a:spcPct val="100000"/>
               </a:lnSpc>
@@ -10160,14 +10180,14 @@
       </p:sp>
       <p:sp>
         <p:nvSpPr>
-          <p:cNvPr id="90" name="CustomShape 2"/>
+          <p:cNvPr id="89" name="CustomShape 2"/>
           <p:cNvSpPr/>
           <p:nvPr/>
         </p:nvSpPr>
         <p:spPr>
           <a:xfrm>
             <a:off x="0" y="6572160"/>
-            <a:ext cx="785160" cy="285120"/>
+            <a:ext cx="784800" cy="284760"/>
           </a:xfrm>
           <a:prstGeom prst="rect">
             <a:avLst/>
@@ -10199,14 +10219,14 @@
       </p:sp>
       <p:sp>
         <p:nvSpPr>
-          <p:cNvPr id="91" name="CustomShape 3"/>
+          <p:cNvPr id="90" name="CustomShape 3"/>
           <p:cNvSpPr/>
           <p:nvPr/>
         </p:nvSpPr>
         <p:spPr>
           <a:xfrm>
             <a:off x="428760" y="642960"/>
-            <a:ext cx="8257320" cy="785160"/>
+            <a:ext cx="8256960" cy="784800"/>
           </a:xfrm>
           <a:prstGeom prst="rect">
             <a:avLst/>
@@ -10225,7 +10245,7 @@
         <p:txBody>
           <a:bodyPr lIns="90000" rIns="90000" tIns="45000" bIns="45000" anchor="ctr"/>
           <a:p>
-            <a:pPr marL="571680" indent="-570960">
+            <a:pPr marL="571680" indent="-570600">
               <a:lnSpc>
                 <a:spcPct val="100000"/>
               </a:lnSpc>
@@ -10243,6 +10263,7 @@
                   </a:solidFill>
                 </a:uFill>
                 <a:latin typeface="Calibri"/>
+                <a:ea typeface="DejaVu Sans"/>
               </a:rPr>
               <a:t>First lesson</a:t>
             </a:r>
@@ -10301,14 +10322,14 @@
       </p:grpSpPr>
       <p:sp>
         <p:nvSpPr>
-          <p:cNvPr id="92" name="CustomShape 1"/>
+          <p:cNvPr id="91" name="CustomShape 1"/>
           <p:cNvSpPr/>
           <p:nvPr/>
         </p:nvSpPr>
         <p:spPr>
           <a:xfrm>
             <a:off x="457200" y="1714320"/>
-            <a:ext cx="8228880" cy="4411080"/>
+            <a:ext cx="8228520" cy="4410720"/>
           </a:xfrm>
           <a:prstGeom prst="rect">
             <a:avLst/>
@@ -10327,7 +10348,7 @@
         <p:txBody>
           <a:bodyPr lIns="90000" rIns="90000" tIns="45000" bIns="45000"/>
           <a:p>
-            <a:pPr marL="343080" indent="-342360">
+            <a:pPr marL="343080" indent="-342000">
               <a:lnSpc>
                 <a:spcPct val="100000"/>
               </a:lnSpc>
@@ -10343,6 +10364,7 @@
                   </a:solidFill>
                 </a:uFill>
                 <a:latin typeface="Calibri"/>
+                <a:ea typeface="DejaVu Sans"/>
               </a:rPr>
               <a:t>The business subject</a:t>
             </a:r>
@@ -10357,13 +10379,14 @@
                   </a:solidFill>
                 </a:uFill>
                 <a:latin typeface="Calibri"/>
+                <a:ea typeface="DejaVu Sans"/>
               </a:rPr>
               <a:t> :</a:t>
             </a:r>
             <a:endParaRPr/>
           </a:p>
           <a:p>
-            <a:pPr marL="343080" indent="-342360">
+            <a:pPr marL="343080" indent="-342000">
               <a:lnSpc>
                 <a:spcPct val="100000"/>
               </a:lnSpc>
@@ -10379,6 +10402,7 @@
                   </a:solidFill>
                 </a:uFill>
                 <a:latin typeface="Calibri"/>
+                <a:ea typeface="DejaVu Sans"/>
               </a:rPr>
               <a:t>In this picture, we have all business subjects for our system with their definitions </a:t>
             </a:r>
@@ -10388,14 +10412,14 @@
       </p:sp>
       <p:sp>
         <p:nvSpPr>
-          <p:cNvPr id="93" name="CustomShape 2"/>
+          <p:cNvPr id="92" name="CustomShape 2"/>
           <p:cNvSpPr/>
           <p:nvPr/>
         </p:nvSpPr>
         <p:spPr>
           <a:xfrm>
             <a:off x="0" y="6572160"/>
-            <a:ext cx="785160" cy="285120"/>
+            <a:ext cx="784800" cy="284760"/>
           </a:xfrm>
           <a:prstGeom prst="rect">
             <a:avLst/>
@@ -10427,14 +10451,14 @@
       </p:sp>
       <p:sp>
         <p:nvSpPr>
-          <p:cNvPr id="94" name="CustomShape 3"/>
+          <p:cNvPr id="93" name="CustomShape 3"/>
           <p:cNvSpPr/>
           <p:nvPr/>
         </p:nvSpPr>
         <p:spPr>
           <a:xfrm>
             <a:off x="428760" y="642960"/>
-            <a:ext cx="8257320" cy="785160"/>
+            <a:ext cx="8256960" cy="784800"/>
           </a:xfrm>
           <a:prstGeom prst="rect">
             <a:avLst/>
@@ -10453,7 +10477,7 @@
         <p:txBody>
           <a:bodyPr lIns="90000" rIns="90000" tIns="45000" bIns="45000" anchor="ctr"/>
           <a:p>
-            <a:pPr marL="571680" indent="-570960">
+            <a:pPr marL="571680" indent="-570600">
               <a:lnSpc>
                 <a:spcPct val="100000"/>
               </a:lnSpc>
@@ -10481,7 +10505,7 @@
       </p:sp>
       <p:pic>
         <p:nvPicPr>
-          <p:cNvPr id="95" name="Shape 72" descr=""/>
+          <p:cNvPr id="94" name="Shape 72" descr=""/>
           <p:cNvPicPr/>
           <p:nvPr/>
         </p:nvPicPr>
@@ -10492,7 +10516,7 @@
         <p:spPr>
           <a:xfrm>
             <a:off x="900000" y="2464920"/>
-            <a:ext cx="6875640" cy="3942720"/>
+            <a:ext cx="6875280" cy="3942360"/>
           </a:xfrm>
           <a:prstGeom prst="rect">
             <a:avLst/>
@@ -10553,14 +10577,14 @@
       </p:grpSpPr>
       <p:sp>
         <p:nvSpPr>
-          <p:cNvPr id="96" name="CustomShape 1"/>
+          <p:cNvPr id="95" name="CustomShape 1"/>
           <p:cNvSpPr/>
           <p:nvPr/>
         </p:nvSpPr>
         <p:spPr>
           <a:xfrm>
             <a:off x="428760" y="1785960"/>
-            <a:ext cx="8228880" cy="4411080"/>
+            <a:ext cx="8228520" cy="4410720"/>
           </a:xfrm>
           <a:prstGeom prst="rect">
             <a:avLst/>
@@ -10579,7 +10603,7 @@
         <p:txBody>
           <a:bodyPr lIns="90000" rIns="90000" tIns="45000" bIns="45000"/>
           <a:p>
-            <a:pPr marL="343080" indent="-342360">
+            <a:pPr marL="343080" indent="-342000">
               <a:lnSpc>
                 <a:spcPct val="100000"/>
               </a:lnSpc>
@@ -10595,6 +10619,7 @@
                   </a:solidFill>
                 </a:uFill>
                 <a:latin typeface="Calibri"/>
+                <a:ea typeface="DejaVu Sans"/>
               </a:rPr>
               <a:t>The MVC model </a:t>
             </a:r>
@@ -10609,13 +10634,14 @@
                   </a:solidFill>
                 </a:uFill>
                 <a:latin typeface="Calibri"/>
+                <a:ea typeface="DejaVu Sans"/>
               </a:rPr>
               <a:t>:</a:t>
             </a:r>
             <a:endParaRPr/>
           </a:p>
           <a:p>
-            <a:pPr marL="343080" indent="-342360">
+            <a:pPr marL="343080" indent="-342000">
               <a:lnSpc>
                 <a:spcPct val="100000"/>
               </a:lnSpc>
@@ -10631,6 +10657,7 @@
                   </a:solidFill>
                 </a:uFill>
                 <a:latin typeface="Calibri"/>
+                <a:ea typeface="DejaVu Sans"/>
               </a:rPr>
               <a:t>This is the MVC model for our system, it shows the various subsystem and relation between them </a:t>
             </a:r>
@@ -10640,14 +10667,14 @@
       </p:sp>
       <p:sp>
         <p:nvSpPr>
-          <p:cNvPr id="97" name="CustomShape 2"/>
+          <p:cNvPr id="96" name="CustomShape 2"/>
           <p:cNvSpPr/>
           <p:nvPr/>
         </p:nvSpPr>
         <p:spPr>
           <a:xfrm>
             <a:off x="0" y="6572160"/>
-            <a:ext cx="785160" cy="285120"/>
+            <a:ext cx="784800" cy="284760"/>
           </a:xfrm>
           <a:prstGeom prst="rect">
             <a:avLst/>
@@ -10679,7 +10706,7 @@
       </p:sp>
       <p:pic>
         <p:nvPicPr>
-          <p:cNvPr id="98" name="Shape 78" descr=""/>
+          <p:cNvPr id="97" name="Shape 78" descr=""/>
           <p:cNvPicPr/>
           <p:nvPr/>
         </p:nvPicPr>
@@ -10690,7 +10717,7 @@
         <p:spPr>
           <a:xfrm>
             <a:off x="928800" y="2357280"/>
-            <a:ext cx="7057440" cy="4142520"/>
+            <a:ext cx="7057080" cy="4142160"/>
           </a:xfrm>
           <a:prstGeom prst="rect">
             <a:avLst/>
@@ -10702,14 +10729,14 @@
       </p:pic>
       <p:sp>
         <p:nvSpPr>
-          <p:cNvPr id="99" name="CustomShape 3"/>
+          <p:cNvPr id="98" name="CustomShape 3"/>
           <p:cNvSpPr/>
           <p:nvPr/>
         </p:nvSpPr>
         <p:spPr>
           <a:xfrm>
             <a:off x="428760" y="642960"/>
-            <a:ext cx="8257320" cy="785160"/>
+            <a:ext cx="8256960" cy="784800"/>
           </a:xfrm>
           <a:prstGeom prst="rect">
             <a:avLst/>
@@ -10728,7 +10755,7 @@
         <p:txBody>
           <a:bodyPr lIns="90000" rIns="90000" tIns="45000" bIns="45000" anchor="ctr"/>
           <a:p>
-            <a:pPr marL="571680" indent="-570960">
+            <a:pPr marL="571680" indent="-570600">
               <a:lnSpc>
                 <a:spcPct val="100000"/>
               </a:lnSpc>
@@ -10805,137 +10832,14 @@
       </p:grpSpPr>
       <p:sp>
         <p:nvSpPr>
-          <p:cNvPr id="100" name="CustomShape 1"/>
+          <p:cNvPr id="99" name="CustomShape 1"/>
           <p:cNvSpPr/>
           <p:nvPr/>
         </p:nvSpPr>
         <p:spPr>
           <a:xfrm>
-            <a:off x="428760" y="1785960"/>
-            <a:ext cx="8228880" cy="4411080"/>
-          </a:xfrm>
-          <a:prstGeom prst="rect">
-            <a:avLst/>
-          </a:prstGeom>
-          <a:noFill/>
-          <a:ln>
-            <a:noFill/>
-          </a:ln>
-        </p:spPr>
-        <p:style>
-          <a:lnRef idx="0"/>
-          <a:fillRef idx="0"/>
-          <a:effectRef idx="0"/>
-          <a:fontRef idx="minor"/>
-        </p:style>
-        <p:txBody>
-          <a:bodyPr lIns="90000" rIns="90000" tIns="45000" bIns="45000"/>
-          <a:p>
-            <a:pPr marL="343080" indent="-342360">
-              <a:lnSpc>
-                <a:spcPct val="100000"/>
-              </a:lnSpc>
-            </a:pPr>
-            <a:r>
-              <a:rPr b="1" lang="en-US" sz="1500" spc="-1" strike="noStrike" u="sng">
-                <a:solidFill>
-                  <a:srgbClr val="c00000"/>
-                </a:solidFill>
-                <a:uFill>
-                  <a:solidFill>
-                    <a:srgbClr val="ffffff"/>
-                  </a:solidFill>
-                </a:uFill>
-                <a:latin typeface="Calibri"/>
-              </a:rPr>
-              <a:t>The organigram of our is</a:t>
-            </a:r>
-            <a:r>
-              <a:rPr b="1" lang="en-US" sz="1500" spc="-1" strike="noStrike">
-                <a:solidFill>
-                  <a:srgbClr val="c00000"/>
-                </a:solidFill>
-                <a:uFill>
-                  <a:solidFill>
-                    <a:srgbClr val="ffffff"/>
-                  </a:solidFill>
-                </a:uFill>
-                <a:latin typeface="Calibri"/>
-              </a:rPr>
-              <a:t> :</a:t>
-            </a:r>
-            <a:endParaRPr/>
-          </a:p>
-          <a:p>
-            <a:pPr marL="343080" indent="-342360">
-              <a:lnSpc>
-                <a:spcPct val="100000"/>
-              </a:lnSpc>
-            </a:pPr>
-            <a:r>
-              <a:rPr lang="en-US" sz="1500" spc="-1" strike="noStrike">
-                <a:solidFill>
-                  <a:srgbClr val="000000"/>
-                </a:solidFill>
-                <a:uFill>
-                  <a:solidFill>
-                    <a:srgbClr val="ffffff"/>
-                  </a:solidFill>
-                </a:uFill>
-                <a:latin typeface="Calibri"/>
-              </a:rPr>
-              <a:t>We are going to work by three groups composed of 4 people for server part, 4 again for</a:t>
-            </a:r>
-            <a:endParaRPr/>
-          </a:p>
-          <a:p>
-            <a:pPr marL="343080" indent="-342360">
-              <a:lnSpc>
-                <a:spcPct val="100000"/>
-              </a:lnSpc>
-            </a:pPr>
-            <a:r>
-              <a:rPr lang="en-US" sz="1500" spc="-1" strike="noStrike">
-                <a:solidFill>
-                  <a:srgbClr val="000000"/>
-                </a:solidFill>
-                <a:uFill>
-                  <a:solidFill>
-                    <a:srgbClr val="ffffff"/>
-                  </a:solidFill>
-                </a:uFill>
-                <a:latin typeface="Calibri"/>
-              </a:rPr>
-              <a:t>communication part and then two persons for the display part.</a:t>
-            </a:r>
-            <a:r>
-              <a:rPr b="1" lang="en-US" sz="1500" spc="-1" strike="noStrike">
-                <a:solidFill>
-                  <a:srgbClr val="000000"/>
-                </a:solidFill>
-                <a:uFill>
-                  <a:solidFill>
-                    <a:srgbClr val="ffffff"/>
-                  </a:solidFill>
-                </a:uFill>
-                <a:latin typeface="Calibri"/>
-              </a:rPr>
-              <a:t> </a:t>
-            </a:r>
-            <a:endParaRPr/>
-          </a:p>
-        </p:txBody>
-      </p:sp>
-      <p:sp>
-        <p:nvSpPr>
-          <p:cNvPr id="101" name="CustomShape 2"/>
-          <p:cNvSpPr/>
-          <p:nvPr/>
-        </p:nvSpPr>
-        <p:spPr>
-          <a:xfrm>
             <a:off x="0" y="6572160"/>
-            <a:ext cx="785160" cy="285120"/>
+            <a:ext cx="784800" cy="284760"/>
           </a:xfrm>
           <a:prstGeom prst="rect">
             <a:avLst/>
@@ -10967,14 +10871,14 @@
       </p:sp>
       <p:sp>
         <p:nvSpPr>
-          <p:cNvPr id="102" name="CustomShape 3"/>
+          <p:cNvPr id="100" name="CustomShape 2"/>
           <p:cNvSpPr/>
           <p:nvPr/>
         </p:nvSpPr>
         <p:spPr>
           <a:xfrm>
             <a:off x="428760" y="642960"/>
-            <a:ext cx="8257320" cy="785160"/>
+            <a:ext cx="8256960" cy="784800"/>
           </a:xfrm>
           <a:prstGeom prst="rect">
             <a:avLst/>
@@ -10993,7 +10897,7 @@
         <p:txBody>
           <a:bodyPr lIns="90000" rIns="90000" tIns="45000" bIns="45000" anchor="ctr"/>
           <a:p>
-            <a:pPr marL="571680" indent="-570960">
+            <a:pPr marL="571680" indent="-570600">
               <a:lnSpc>
                 <a:spcPct val="100000"/>
               </a:lnSpc>
@@ -11009,6 +10913,7 @@
                   </a:solidFill>
                 </a:uFill>
                 <a:latin typeface="Calibri"/>
+                <a:ea typeface="DejaVu Sans"/>
               </a:rPr>
               <a:t>II.   Second lesson</a:t>
             </a:r>
@@ -11018,14 +10923,14 @@
       </p:sp>
       <p:sp>
         <p:nvSpPr>
-          <p:cNvPr id="103" name="CustomShape 4"/>
+          <p:cNvPr id="101" name="CustomShape 3"/>
           <p:cNvSpPr/>
           <p:nvPr/>
         </p:nvSpPr>
         <p:spPr>
           <a:xfrm>
             <a:off x="2736000" y="6309360"/>
-            <a:ext cx="5571360" cy="227160"/>
+            <a:ext cx="5571000" cy="226800"/>
           </a:xfrm>
           <a:prstGeom prst="rect">
             <a:avLst/>
@@ -11062,7 +10967,7 @@
                 <a:latin typeface="Arial"/>
                 <a:ea typeface="DejaVu Sans"/>
               </a:rPr>
-              <a:t>Lea for display part, Raphael for server &amp; Christ for communication part </a:t>
+              <a:t> </a:t>
             </a:r>
             <a:endParaRPr/>
           </a:p>
@@ -11070,19 +10975,18 @@
       </p:sp>
       <p:pic>
         <p:nvPicPr>
-          <p:cNvPr id="104" name="Shape 84" descr=""/>
+          <p:cNvPr id="102" name="" descr=""/>
           <p:cNvPicPr/>
           <p:nvPr/>
         </p:nvPicPr>
         <p:blipFill>
           <a:blip r:embed="rId2"/>
-          <a:srcRect l="0" t="0" r="0" b="20298"/>
           <a:stretch/>
         </p:blipFill>
         <p:spPr>
           <a:xfrm>
-            <a:off x="1593360" y="2766600"/>
-            <a:ext cx="6113160" cy="3671280"/>
+            <a:off x="123480" y="3291840"/>
+            <a:ext cx="8929080" cy="2468880"/>
           </a:xfrm>
           <a:prstGeom prst="rect">
             <a:avLst/>
@@ -11092,6 +10996,38 @@
           </a:ln>
         </p:spPr>
       </p:pic>
+      <p:sp>
+        <p:nvSpPr>
+          <p:cNvPr id="103" name="TextShape 4"/>
+          <p:cNvSpPr txBox="1"/>
+          <p:nvPr/>
+        </p:nvSpPr>
+        <p:spPr>
+          <a:xfrm>
+            <a:off x="914400" y="2305440"/>
+            <a:ext cx="7273440" cy="346320"/>
+          </a:xfrm>
+          <a:prstGeom prst="rect">
+            <a:avLst/>
+          </a:prstGeom>
+          <a:noFill/>
+          <a:ln>
+            <a:noFill/>
+          </a:ln>
+        </p:spPr>
+        <p:txBody>
+          <a:bodyPr lIns="90000" rIns="90000" tIns="45000" bIns="45000"/>
+          <a:p>
+            <a:r>
+              <a:rPr lang="en-US" sz="1800" spc="-1">
+                <a:latin typeface="Arial"/>
+              </a:rPr>
+              <a:t>Organization chart encompassing the four components of the system :</a:t>
+            </a:r>
+            <a:endParaRPr/>
+          </a:p>
+        </p:txBody>
+      </p:sp>
     </p:spTree>
   </p:cSld>
   <p:timing>

--- a/Presentation.pptx
+++ b/Presentation.pptx
@@ -2377,7 +2377,7 @@
         <p:spPr>
           <a:xfrm>
             <a:off x="457200" y="273600"/>
-            <a:ext cx="8228880" cy="1144440"/>
+            <a:ext cx="8229240" cy="1144800"/>
           </a:xfrm>
           <a:prstGeom prst="rect">
             <a:avLst/>
@@ -2387,6 +2387,12 @@
           <a:bodyPr lIns="0" rIns="0" tIns="0" bIns="0" anchor="ctr"/>
           <a:p>
             <a:pPr algn="ctr"/>
+            <a:r>
+              <a:rPr lang="en-US" sz="4400" spc="-1">
+                <a:latin typeface="Arial"/>
+              </a:rPr>
+              <a:t>Click to edit the title text format</a:t>
+            </a:r>
             <a:endParaRPr/>
           </a:p>
         </p:txBody>
@@ -2404,7 +2410,7 @@
         <p:spPr>
           <a:xfrm>
             <a:off x="457200" y="1604520"/>
-            <a:ext cx="8228880" cy="3976560"/>
+            <a:ext cx="8229240" cy="3976920"/>
           </a:xfrm>
           <a:prstGeom prst="rect">
             <a:avLst/>
@@ -2422,7 +2428,7 @@
               <a:buChar char=""/>
             </a:pPr>
             <a:r>
-              <a:rPr lang="en-US" sz="1800" spc="-1">
+              <a:rPr lang="en-US" sz="3200" spc="-1">
                 <a:latin typeface="Arial"/>
               </a:rPr>
               <a:t>Click to edit the outline text format</a:t>
@@ -2439,7 +2445,7 @@
               <a:buChar char=""/>
             </a:pPr>
             <a:r>
-              <a:rPr lang="en-US" sz="1800" spc="-1">
+              <a:rPr lang="en-US" sz="2800" spc="-1">
                 <a:latin typeface="Arial"/>
               </a:rPr>
               <a:t>Second Outline Level</a:t>
@@ -2456,7 +2462,7 @@
               <a:buChar char=""/>
             </a:pPr>
             <a:r>
-              <a:rPr lang="en-US" sz="1800" spc="-1">
+              <a:rPr lang="en-US" sz="2400" spc="-1">
                 <a:latin typeface="Arial"/>
               </a:rPr>
               <a:t>Third Outline Level</a:t>
@@ -2473,7 +2479,7 @@
               <a:buChar char=""/>
             </a:pPr>
             <a:r>
-              <a:rPr lang="en-US" sz="1800" spc="-1">
+              <a:rPr lang="en-US" sz="2000" spc="-1">
                 <a:latin typeface="Arial"/>
               </a:rPr>
               <a:t>Fourth Outline Level</a:t>
@@ -2490,7 +2496,7 @@
               <a:buChar char=""/>
             </a:pPr>
             <a:r>
-              <a:rPr lang="en-US" sz="1800" spc="-1">
+              <a:rPr lang="en-US" sz="2000" spc="-1">
                 <a:latin typeface="Arial"/>
               </a:rPr>
               <a:t>Fifth Outline Level</a:t>
@@ -2507,7 +2513,7 @@
               <a:buChar char=""/>
             </a:pPr>
             <a:r>
-              <a:rPr lang="en-US" sz="1800" spc="-1">
+              <a:rPr lang="en-US" sz="2000" spc="-1">
                 <a:latin typeface="Arial"/>
               </a:rPr>
               <a:t>Sixth Outline Level</a:t>
@@ -2524,7 +2530,7 @@
               <a:buChar char=""/>
             </a:pPr>
             <a:r>
-              <a:rPr lang="en-US" sz="1800" spc="-1">
+              <a:rPr lang="en-US" sz="2000" spc="-1">
                 <a:latin typeface="Arial"/>
               </a:rPr>
               <a:t>Seventh Outline Level</a:t>
@@ -2811,7 +2817,7 @@
         <p:spPr>
           <a:xfrm>
             <a:off x="0" y="6572160"/>
-            <a:ext cx="784800" cy="284760"/>
+            <a:ext cx="784440" cy="284400"/>
           </a:xfrm>
           <a:prstGeom prst="rect">
             <a:avLst/>
@@ -2850,7 +2856,7 @@
         <p:spPr>
           <a:xfrm>
             <a:off x="285840" y="5857920"/>
-            <a:ext cx="5318640" cy="646560"/>
+            <a:ext cx="5318280" cy="646200"/>
           </a:xfrm>
           <a:prstGeom prst="rect">
             <a:avLst/>
@@ -2902,7 +2908,7 @@
         <p:spPr>
           <a:xfrm>
             <a:off x="5364000" y="5000760"/>
-            <a:ext cx="3456360" cy="1641960"/>
+            <a:ext cx="3456000" cy="1641600"/>
           </a:xfrm>
           <a:prstGeom prst="rect">
             <a:avLst/>
@@ -3047,7 +3053,7 @@
         <p:spPr>
           <a:xfrm>
             <a:off x="1643040" y="357120"/>
-            <a:ext cx="5318640" cy="575280"/>
+            <a:ext cx="5318280" cy="574920"/>
           </a:xfrm>
           <a:prstGeom prst="rect">
             <a:avLst/>
@@ -3148,7 +3154,7 @@
         <p:spPr>
           <a:xfrm>
             <a:off x="457200" y="1714320"/>
-            <a:ext cx="8228520" cy="4410720"/>
+            <a:ext cx="8228160" cy="4410360"/>
           </a:xfrm>
           <a:prstGeom prst="rect">
             <a:avLst/>
@@ -3167,7 +3173,7 @@
         <p:txBody>
           <a:bodyPr lIns="90000" rIns="90000" tIns="45000" bIns="45000"/>
           <a:p>
-            <a:pPr marL="343080" indent="-342000">
+            <a:pPr marL="343080" indent="-341640">
               <a:lnSpc>
                 <a:spcPct val="100000"/>
               </a:lnSpc>
@@ -3190,7 +3196,7 @@
             <a:endParaRPr/>
           </a:p>
           <a:p>
-            <a:pPr marL="343080" indent="-342000">
+            <a:pPr marL="343080" indent="-341640">
               <a:lnSpc>
                 <a:spcPct val="100000"/>
               </a:lnSpc>
@@ -3213,7 +3219,7 @@
             <a:endParaRPr/>
           </a:p>
           <a:p>
-            <a:pPr marL="343080" indent="-342000">
+            <a:pPr marL="343080" indent="-341640">
               <a:lnSpc>
                 <a:spcPct val="100000"/>
               </a:lnSpc>
@@ -3246,7 +3252,7 @@
         <p:spPr>
           <a:xfrm>
             <a:off x="0" y="6572160"/>
-            <a:ext cx="784800" cy="284760"/>
+            <a:ext cx="784440" cy="284400"/>
           </a:xfrm>
           <a:prstGeom prst="rect">
             <a:avLst/>
@@ -3285,7 +3291,7 @@
         <p:spPr>
           <a:xfrm>
             <a:off x="428760" y="642960"/>
-            <a:ext cx="8256960" cy="784800"/>
+            <a:ext cx="8256600" cy="784440"/>
           </a:xfrm>
           <a:prstGeom prst="rect">
             <a:avLst/>
@@ -3304,7 +3310,7 @@
         <p:txBody>
           <a:bodyPr lIns="90000" rIns="90000" tIns="45000" bIns="45000" anchor="ctr"/>
           <a:p>
-            <a:pPr marL="571680" indent="-570600">
+            <a:pPr marL="571680" indent="-570240">
               <a:lnSpc>
                 <a:spcPct val="100000"/>
               </a:lnSpc>
@@ -3341,7 +3347,7 @@
         <p:spPr>
           <a:xfrm>
             <a:off x="1223280" y="2520000"/>
-            <a:ext cx="6552000" cy="3415320"/>
+            <a:ext cx="6551640" cy="3414960"/>
           </a:xfrm>
           <a:prstGeom prst="rect">
             <a:avLst/>
@@ -3409,7 +3415,7 @@
         <p:spPr>
           <a:xfrm>
             <a:off x="457200" y="1714320"/>
-            <a:ext cx="8228520" cy="4410720"/>
+            <a:ext cx="8228160" cy="4410360"/>
           </a:xfrm>
           <a:prstGeom prst="rect">
             <a:avLst/>
@@ -3428,7 +3434,7 @@
         <p:txBody>
           <a:bodyPr lIns="90000" rIns="90000" tIns="45000" bIns="45000"/>
           <a:p>
-            <a:pPr marL="343080" indent="-342000">
+            <a:pPr marL="343080" indent="-341640">
               <a:lnSpc>
                 <a:spcPct val="100000"/>
               </a:lnSpc>
@@ -3451,7 +3457,7 @@
             <a:endParaRPr/>
           </a:p>
           <a:p>
-            <a:pPr marL="343080" indent="-342000">
+            <a:pPr marL="343080" indent="-341640">
               <a:lnSpc>
                 <a:spcPct val="100000"/>
               </a:lnSpc>
@@ -3484,7 +3490,7 @@
         <p:spPr>
           <a:xfrm>
             <a:off x="0" y="6572160"/>
-            <a:ext cx="784800" cy="284760"/>
+            <a:ext cx="784440" cy="284400"/>
           </a:xfrm>
           <a:prstGeom prst="rect">
             <a:avLst/>
@@ -3523,7 +3529,7 @@
         <p:spPr>
           <a:xfrm>
             <a:off x="428760" y="642960"/>
-            <a:ext cx="8256960" cy="784800"/>
+            <a:ext cx="8256600" cy="784440"/>
           </a:xfrm>
           <a:prstGeom prst="rect">
             <a:avLst/>
@@ -3542,7 +3548,7 @@
         <p:txBody>
           <a:bodyPr lIns="90000" rIns="90000" tIns="45000" bIns="45000" anchor="ctr"/>
           <a:p>
-            <a:pPr marL="571680" indent="-570600">
+            <a:pPr marL="571680" indent="-570240">
               <a:lnSpc>
                 <a:spcPct val="100000"/>
               </a:lnSpc>
@@ -3579,7 +3585,7 @@
         <p:spPr>
           <a:xfrm>
             <a:off x="1440000" y="2175840"/>
-            <a:ext cx="6552000" cy="3799440"/>
+            <a:ext cx="6551640" cy="3799080"/>
           </a:xfrm>
           <a:prstGeom prst="rect">
             <a:avLst/>
@@ -3647,7 +3653,7 @@
         <p:spPr>
           <a:xfrm>
             <a:off x="457200" y="1714320"/>
-            <a:ext cx="8228520" cy="4410720"/>
+            <a:ext cx="8228160" cy="4410360"/>
           </a:xfrm>
           <a:prstGeom prst="rect">
             <a:avLst/>
@@ -3666,7 +3672,7 @@
         <p:txBody>
           <a:bodyPr lIns="90000" rIns="90000" tIns="45000" bIns="45000"/>
           <a:p>
-            <a:pPr marL="343080" indent="-342000">
+            <a:pPr marL="343080" indent="-341640">
               <a:lnSpc>
                 <a:spcPct val="100000"/>
               </a:lnSpc>
@@ -3689,15 +3695,15 @@
             <a:endParaRPr/>
           </a:p>
           <a:p>
-            <a:pPr marL="343080" indent="-342000">
-              <a:lnSpc>
-                <a:spcPct val="100000"/>
-              </a:lnSpc>
-            </a:pPr>
-            <a:endParaRPr/>
-          </a:p>
-          <a:p>
-            <a:pPr marL="343080" indent="-342000">
+            <a:pPr marL="343080" indent="-341640">
+              <a:lnSpc>
+                <a:spcPct val="100000"/>
+              </a:lnSpc>
+            </a:pPr>
+            <a:endParaRPr/>
+          </a:p>
+          <a:p>
+            <a:pPr marL="343080" indent="-341640">
               <a:lnSpc>
                 <a:spcPct val="100000"/>
               </a:lnSpc>
@@ -3750,7 +3756,7 @@
             <a:endParaRPr/>
           </a:p>
           <a:p>
-            <a:pPr marL="343080" indent="-342000">
+            <a:pPr marL="343080" indent="-341640">
               <a:lnSpc>
                 <a:spcPct val="100000"/>
               </a:lnSpc>
@@ -3788,15 +3794,15 @@
             <a:endParaRPr/>
           </a:p>
           <a:p>
-            <a:pPr marL="343080" indent="-342000">
-              <a:lnSpc>
-                <a:spcPct val="100000"/>
-              </a:lnSpc>
-            </a:pPr>
-            <a:endParaRPr/>
-          </a:p>
-          <a:p>
-            <a:pPr marL="343080" indent="-342000">
+            <a:pPr marL="343080" indent="-341640">
+              <a:lnSpc>
+                <a:spcPct val="100000"/>
+              </a:lnSpc>
+            </a:pPr>
+            <a:endParaRPr/>
+          </a:p>
+          <a:p>
+            <a:pPr marL="343080" indent="-341640">
               <a:lnSpc>
                 <a:spcPct val="100000"/>
               </a:lnSpc>
@@ -3819,39 +3825,39 @@
             <a:endParaRPr/>
           </a:p>
           <a:p>
-            <a:pPr marL="343080" indent="-342000">
-              <a:lnSpc>
-                <a:spcPct val="100000"/>
-              </a:lnSpc>
-            </a:pPr>
-            <a:endParaRPr/>
-          </a:p>
-          <a:p>
-            <a:pPr marL="343080" indent="-342000">
-              <a:lnSpc>
-                <a:spcPct val="100000"/>
-              </a:lnSpc>
-            </a:pPr>
-            <a:endParaRPr/>
-          </a:p>
-          <a:p>
-            <a:pPr marL="343080" indent="-342000">
-              <a:lnSpc>
-                <a:spcPct val="100000"/>
-              </a:lnSpc>
-            </a:pPr>
-            <a:endParaRPr/>
-          </a:p>
-          <a:p>
-            <a:pPr marL="343080" indent="-342000">
-              <a:lnSpc>
-                <a:spcPct val="100000"/>
-              </a:lnSpc>
-            </a:pPr>
-            <a:endParaRPr/>
-          </a:p>
-          <a:p>
-            <a:pPr marL="343080" indent="-342000">
+            <a:pPr marL="343080" indent="-341640">
+              <a:lnSpc>
+                <a:spcPct val="100000"/>
+              </a:lnSpc>
+            </a:pPr>
+            <a:endParaRPr/>
+          </a:p>
+          <a:p>
+            <a:pPr marL="343080" indent="-341640">
+              <a:lnSpc>
+                <a:spcPct val="100000"/>
+              </a:lnSpc>
+            </a:pPr>
+            <a:endParaRPr/>
+          </a:p>
+          <a:p>
+            <a:pPr marL="343080" indent="-341640">
+              <a:lnSpc>
+                <a:spcPct val="100000"/>
+              </a:lnSpc>
+            </a:pPr>
+            <a:endParaRPr/>
+          </a:p>
+          <a:p>
+            <a:pPr marL="343080" indent="-341640">
+              <a:lnSpc>
+                <a:spcPct val="100000"/>
+              </a:lnSpc>
+            </a:pPr>
+            <a:endParaRPr/>
+          </a:p>
+          <a:p>
+            <a:pPr marL="343080" indent="-341640">
               <a:lnSpc>
                 <a:spcPct val="100000"/>
               </a:lnSpc>
@@ -3869,7 +3875,7 @@
         <p:spPr>
           <a:xfrm>
             <a:off x="0" y="6572160"/>
-            <a:ext cx="784800" cy="284760"/>
+            <a:ext cx="784440" cy="284400"/>
           </a:xfrm>
           <a:prstGeom prst="rect">
             <a:avLst/>
@@ -3908,7 +3914,7 @@
         <p:spPr>
           <a:xfrm>
             <a:off x="428760" y="642960"/>
-            <a:ext cx="8256960" cy="784800"/>
+            <a:ext cx="8256600" cy="784440"/>
           </a:xfrm>
           <a:prstGeom prst="rect">
             <a:avLst/>
@@ -3927,7 +3933,7 @@
         <p:txBody>
           <a:bodyPr lIns="90000" rIns="90000" tIns="45000" bIns="45000" anchor="ctr"/>
           <a:p>
-            <a:pPr marL="571680" indent="-570600">
+            <a:pPr marL="571680" indent="-570240">
               <a:lnSpc>
                 <a:spcPct val="100000"/>
               </a:lnSpc>
@@ -4009,7 +4015,7 @@
         <p:spPr>
           <a:xfrm>
             <a:off x="457200" y="1714320"/>
-            <a:ext cx="8228520" cy="4410720"/>
+            <a:ext cx="8228160" cy="4410360"/>
           </a:xfrm>
           <a:prstGeom prst="rect">
             <a:avLst/>
@@ -4028,7 +4034,7 @@
         <p:txBody>
           <a:bodyPr lIns="90000" rIns="90000" tIns="45000" bIns="45000"/>
           <a:p>
-            <a:pPr marL="343080" indent="-342000">
+            <a:pPr marL="343080" indent="-341640">
               <a:lnSpc>
                 <a:spcPct val="100000"/>
               </a:lnSpc>
@@ -4051,7 +4057,7 @@
             <a:endParaRPr/>
           </a:p>
           <a:p>
-            <a:pPr marL="343080" indent="-342000">
+            <a:pPr marL="343080" indent="-341640">
               <a:lnSpc>
                 <a:spcPct val="100000"/>
               </a:lnSpc>
@@ -4074,7 +4080,7 @@
             <a:endParaRPr/>
           </a:p>
           <a:p>
-            <a:pPr marL="343080" indent="-342000">
+            <a:pPr marL="343080" indent="-341640">
               <a:lnSpc>
                 <a:spcPct val="100000"/>
               </a:lnSpc>
@@ -4112,151 +4118,151 @@
             <a:endParaRPr/>
           </a:p>
           <a:p>
-            <a:pPr marL="343080" indent="-342000">
-              <a:lnSpc>
-                <a:spcPct val="100000"/>
-              </a:lnSpc>
-            </a:pPr>
-            <a:endParaRPr/>
-          </a:p>
-          <a:p>
-            <a:pPr marL="343080" indent="-342000">
-              <a:lnSpc>
-                <a:spcPct val="100000"/>
-              </a:lnSpc>
-            </a:pPr>
-            <a:endParaRPr/>
-          </a:p>
-          <a:p>
-            <a:pPr marL="343080" indent="-342000">
-              <a:lnSpc>
-                <a:spcPct val="100000"/>
-              </a:lnSpc>
-            </a:pPr>
-            <a:endParaRPr/>
-          </a:p>
-          <a:p>
-            <a:pPr marL="343080" indent="-342000">
-              <a:lnSpc>
-                <a:spcPct val="100000"/>
-              </a:lnSpc>
-            </a:pPr>
-            <a:endParaRPr/>
-          </a:p>
-          <a:p>
-            <a:pPr marL="343080" indent="-342000">
-              <a:lnSpc>
-                <a:spcPct val="100000"/>
-              </a:lnSpc>
-            </a:pPr>
-            <a:endParaRPr/>
-          </a:p>
-          <a:p>
-            <a:pPr marL="343080" indent="-342000">
-              <a:lnSpc>
-                <a:spcPct val="100000"/>
-              </a:lnSpc>
-            </a:pPr>
-            <a:endParaRPr/>
-          </a:p>
-          <a:p>
-            <a:pPr marL="343080" indent="-342000">
-              <a:lnSpc>
-                <a:spcPct val="100000"/>
-              </a:lnSpc>
-            </a:pPr>
-            <a:endParaRPr/>
-          </a:p>
-          <a:p>
-            <a:pPr marL="343080" indent="-342000">
-              <a:lnSpc>
-                <a:spcPct val="100000"/>
-              </a:lnSpc>
-            </a:pPr>
-            <a:endParaRPr/>
-          </a:p>
-          <a:p>
-            <a:pPr marL="343080" indent="-342000">
-              <a:lnSpc>
-                <a:spcPct val="100000"/>
-              </a:lnSpc>
-            </a:pPr>
-            <a:endParaRPr/>
-          </a:p>
-          <a:p>
-            <a:pPr marL="343080" indent="-342000">
-              <a:lnSpc>
-                <a:spcPct val="100000"/>
-              </a:lnSpc>
-            </a:pPr>
-            <a:endParaRPr/>
-          </a:p>
-          <a:p>
-            <a:pPr marL="343080" indent="-342000">
-              <a:lnSpc>
-                <a:spcPct val="100000"/>
-              </a:lnSpc>
-            </a:pPr>
-            <a:endParaRPr/>
-          </a:p>
-          <a:p>
-            <a:pPr marL="343080" indent="-342000">
-              <a:lnSpc>
-                <a:spcPct val="100000"/>
-              </a:lnSpc>
-            </a:pPr>
-            <a:endParaRPr/>
-          </a:p>
-          <a:p>
-            <a:pPr marL="343080" indent="-342000">
-              <a:lnSpc>
-                <a:spcPct val="100000"/>
-              </a:lnSpc>
-            </a:pPr>
-            <a:endParaRPr/>
-          </a:p>
-          <a:p>
-            <a:pPr marL="343080" indent="-342000">
-              <a:lnSpc>
-                <a:spcPct val="100000"/>
-              </a:lnSpc>
-            </a:pPr>
-            <a:endParaRPr/>
-          </a:p>
-          <a:p>
-            <a:pPr marL="343080" indent="-342000">
-              <a:lnSpc>
-                <a:spcPct val="100000"/>
-              </a:lnSpc>
-            </a:pPr>
-            <a:endParaRPr/>
-          </a:p>
-          <a:p>
-            <a:pPr marL="343080" indent="-342000">
-              <a:lnSpc>
-                <a:spcPct val="100000"/>
-              </a:lnSpc>
-            </a:pPr>
-            <a:endParaRPr/>
-          </a:p>
-          <a:p>
-            <a:pPr marL="343080" indent="-342000">
-              <a:lnSpc>
-                <a:spcPct val="100000"/>
-              </a:lnSpc>
-            </a:pPr>
-            <a:endParaRPr/>
-          </a:p>
-          <a:p>
-            <a:pPr marL="343080" indent="-342000">
-              <a:lnSpc>
-                <a:spcPct val="100000"/>
-              </a:lnSpc>
-            </a:pPr>
-            <a:endParaRPr/>
-          </a:p>
-          <a:p>
-            <a:pPr marL="343080" indent="-342000">
+            <a:pPr marL="343080" indent="-341640">
+              <a:lnSpc>
+                <a:spcPct val="100000"/>
+              </a:lnSpc>
+            </a:pPr>
+            <a:endParaRPr/>
+          </a:p>
+          <a:p>
+            <a:pPr marL="343080" indent="-341640">
+              <a:lnSpc>
+                <a:spcPct val="100000"/>
+              </a:lnSpc>
+            </a:pPr>
+            <a:endParaRPr/>
+          </a:p>
+          <a:p>
+            <a:pPr marL="343080" indent="-341640">
+              <a:lnSpc>
+                <a:spcPct val="100000"/>
+              </a:lnSpc>
+            </a:pPr>
+            <a:endParaRPr/>
+          </a:p>
+          <a:p>
+            <a:pPr marL="343080" indent="-341640">
+              <a:lnSpc>
+                <a:spcPct val="100000"/>
+              </a:lnSpc>
+            </a:pPr>
+            <a:endParaRPr/>
+          </a:p>
+          <a:p>
+            <a:pPr marL="343080" indent="-341640">
+              <a:lnSpc>
+                <a:spcPct val="100000"/>
+              </a:lnSpc>
+            </a:pPr>
+            <a:endParaRPr/>
+          </a:p>
+          <a:p>
+            <a:pPr marL="343080" indent="-341640">
+              <a:lnSpc>
+                <a:spcPct val="100000"/>
+              </a:lnSpc>
+            </a:pPr>
+            <a:endParaRPr/>
+          </a:p>
+          <a:p>
+            <a:pPr marL="343080" indent="-341640">
+              <a:lnSpc>
+                <a:spcPct val="100000"/>
+              </a:lnSpc>
+            </a:pPr>
+            <a:endParaRPr/>
+          </a:p>
+          <a:p>
+            <a:pPr marL="343080" indent="-341640">
+              <a:lnSpc>
+                <a:spcPct val="100000"/>
+              </a:lnSpc>
+            </a:pPr>
+            <a:endParaRPr/>
+          </a:p>
+          <a:p>
+            <a:pPr marL="343080" indent="-341640">
+              <a:lnSpc>
+                <a:spcPct val="100000"/>
+              </a:lnSpc>
+            </a:pPr>
+            <a:endParaRPr/>
+          </a:p>
+          <a:p>
+            <a:pPr marL="343080" indent="-341640">
+              <a:lnSpc>
+                <a:spcPct val="100000"/>
+              </a:lnSpc>
+            </a:pPr>
+            <a:endParaRPr/>
+          </a:p>
+          <a:p>
+            <a:pPr marL="343080" indent="-341640">
+              <a:lnSpc>
+                <a:spcPct val="100000"/>
+              </a:lnSpc>
+            </a:pPr>
+            <a:endParaRPr/>
+          </a:p>
+          <a:p>
+            <a:pPr marL="343080" indent="-341640">
+              <a:lnSpc>
+                <a:spcPct val="100000"/>
+              </a:lnSpc>
+            </a:pPr>
+            <a:endParaRPr/>
+          </a:p>
+          <a:p>
+            <a:pPr marL="343080" indent="-341640">
+              <a:lnSpc>
+                <a:spcPct val="100000"/>
+              </a:lnSpc>
+            </a:pPr>
+            <a:endParaRPr/>
+          </a:p>
+          <a:p>
+            <a:pPr marL="343080" indent="-341640">
+              <a:lnSpc>
+                <a:spcPct val="100000"/>
+              </a:lnSpc>
+            </a:pPr>
+            <a:endParaRPr/>
+          </a:p>
+          <a:p>
+            <a:pPr marL="343080" indent="-341640">
+              <a:lnSpc>
+                <a:spcPct val="100000"/>
+              </a:lnSpc>
+            </a:pPr>
+            <a:endParaRPr/>
+          </a:p>
+          <a:p>
+            <a:pPr marL="343080" indent="-341640">
+              <a:lnSpc>
+                <a:spcPct val="100000"/>
+              </a:lnSpc>
+            </a:pPr>
+            <a:endParaRPr/>
+          </a:p>
+          <a:p>
+            <a:pPr marL="343080" indent="-341640">
+              <a:lnSpc>
+                <a:spcPct val="100000"/>
+              </a:lnSpc>
+            </a:pPr>
+            <a:endParaRPr/>
+          </a:p>
+          <a:p>
+            <a:pPr marL="343080" indent="-341640">
+              <a:lnSpc>
+                <a:spcPct val="100000"/>
+              </a:lnSpc>
+            </a:pPr>
+            <a:endParaRPr/>
+          </a:p>
+          <a:p>
+            <a:pPr marL="343080" indent="-341640">
               <a:lnSpc>
                 <a:spcPct val="100000"/>
               </a:lnSpc>
@@ -4274,7 +4280,7 @@
         <p:spPr>
           <a:xfrm>
             <a:off x="0" y="6572160"/>
-            <a:ext cx="784800" cy="284760"/>
+            <a:ext cx="784440" cy="284400"/>
           </a:xfrm>
           <a:prstGeom prst="rect">
             <a:avLst/>
@@ -4313,7 +4319,7 @@
         <p:spPr>
           <a:xfrm>
             <a:off x="428760" y="642960"/>
-            <a:ext cx="8256960" cy="784800"/>
+            <a:ext cx="8256600" cy="784440"/>
           </a:xfrm>
           <a:prstGeom prst="rect">
             <a:avLst/>
@@ -4332,7 +4338,7 @@
         <p:txBody>
           <a:bodyPr lIns="90000" rIns="90000" tIns="45000" bIns="45000" anchor="ctr"/>
           <a:p>
-            <a:pPr marL="571680" indent="-570600">
+            <a:pPr marL="571680" indent="-570240">
               <a:lnSpc>
                 <a:spcPct val="100000"/>
               </a:lnSpc>
@@ -4369,7 +4375,7 @@
         <p:spPr>
           <a:xfrm>
             <a:off x="0" y="2571840"/>
-            <a:ext cx="9142920" cy="3912480"/>
+            <a:ext cx="9142560" cy="3912120"/>
           </a:xfrm>
           <a:prstGeom prst="rect">
             <a:avLst/>
@@ -4437,7 +4443,7 @@
         <p:spPr>
           <a:xfrm>
             <a:off x="457200" y="1714320"/>
-            <a:ext cx="8228520" cy="4410720"/>
+            <a:ext cx="8228160" cy="4410360"/>
           </a:xfrm>
           <a:prstGeom prst="rect">
             <a:avLst/>
@@ -4456,7 +4462,7 @@
         <p:txBody>
           <a:bodyPr lIns="90000" rIns="90000" tIns="45000" bIns="45000"/>
           <a:p>
-            <a:pPr marL="343080" indent="-342000">
+            <a:pPr marL="343080" indent="-341640">
               <a:lnSpc>
                 <a:spcPct val="100000"/>
               </a:lnSpc>
@@ -4479,7 +4485,7 @@
             <a:endParaRPr/>
           </a:p>
           <a:p>
-            <a:pPr marL="343080" indent="-342000">
+            <a:pPr marL="343080" indent="-341640">
               <a:lnSpc>
                 <a:spcPct val="100000"/>
               </a:lnSpc>
@@ -4517,119 +4523,119 @@
             <a:endParaRPr/>
           </a:p>
           <a:p>
-            <a:pPr marL="343080" indent="-342000">
-              <a:lnSpc>
-                <a:spcPct val="100000"/>
-              </a:lnSpc>
-            </a:pPr>
-            <a:endParaRPr/>
-          </a:p>
-          <a:p>
-            <a:pPr marL="343080" indent="-342000">
-              <a:lnSpc>
-                <a:spcPct val="100000"/>
-              </a:lnSpc>
-            </a:pPr>
-            <a:endParaRPr/>
-          </a:p>
-          <a:p>
-            <a:pPr marL="343080" indent="-342000">
-              <a:lnSpc>
-                <a:spcPct val="100000"/>
-              </a:lnSpc>
-            </a:pPr>
-            <a:endParaRPr/>
-          </a:p>
-          <a:p>
-            <a:pPr marL="343080" indent="-342000">
-              <a:lnSpc>
-                <a:spcPct val="100000"/>
-              </a:lnSpc>
-            </a:pPr>
-            <a:endParaRPr/>
-          </a:p>
-          <a:p>
-            <a:pPr marL="343080" indent="-342000">
-              <a:lnSpc>
-                <a:spcPct val="100000"/>
-              </a:lnSpc>
-            </a:pPr>
-            <a:endParaRPr/>
-          </a:p>
-          <a:p>
-            <a:pPr marL="343080" indent="-342000">
-              <a:lnSpc>
-                <a:spcPct val="100000"/>
-              </a:lnSpc>
-            </a:pPr>
-            <a:endParaRPr/>
-          </a:p>
-          <a:p>
-            <a:pPr marL="343080" indent="-342000">
-              <a:lnSpc>
-                <a:spcPct val="100000"/>
-              </a:lnSpc>
-            </a:pPr>
-            <a:endParaRPr/>
-          </a:p>
-          <a:p>
-            <a:pPr marL="343080" indent="-342000">
-              <a:lnSpc>
-                <a:spcPct val="100000"/>
-              </a:lnSpc>
-            </a:pPr>
-            <a:endParaRPr/>
-          </a:p>
-          <a:p>
-            <a:pPr marL="343080" indent="-342000">
-              <a:lnSpc>
-                <a:spcPct val="100000"/>
-              </a:lnSpc>
-            </a:pPr>
-            <a:endParaRPr/>
-          </a:p>
-          <a:p>
-            <a:pPr marL="343080" indent="-342000">
-              <a:lnSpc>
-                <a:spcPct val="100000"/>
-              </a:lnSpc>
-            </a:pPr>
-            <a:endParaRPr/>
-          </a:p>
-          <a:p>
-            <a:pPr marL="343080" indent="-342000">
-              <a:lnSpc>
-                <a:spcPct val="100000"/>
-              </a:lnSpc>
-            </a:pPr>
-            <a:endParaRPr/>
-          </a:p>
-          <a:p>
-            <a:pPr marL="343080" indent="-342000">
-              <a:lnSpc>
-                <a:spcPct val="100000"/>
-              </a:lnSpc>
-            </a:pPr>
-            <a:endParaRPr/>
-          </a:p>
-          <a:p>
-            <a:pPr marL="343080" indent="-342000">
-              <a:lnSpc>
-                <a:spcPct val="100000"/>
-              </a:lnSpc>
-            </a:pPr>
-            <a:endParaRPr/>
-          </a:p>
-          <a:p>
-            <a:pPr marL="343080" indent="-342000">
-              <a:lnSpc>
-                <a:spcPct val="100000"/>
-              </a:lnSpc>
-            </a:pPr>
-            <a:endParaRPr/>
-          </a:p>
-          <a:p>
-            <a:pPr marL="343080" indent="-342000">
+            <a:pPr marL="343080" indent="-341640">
+              <a:lnSpc>
+                <a:spcPct val="100000"/>
+              </a:lnSpc>
+            </a:pPr>
+            <a:endParaRPr/>
+          </a:p>
+          <a:p>
+            <a:pPr marL="343080" indent="-341640">
+              <a:lnSpc>
+                <a:spcPct val="100000"/>
+              </a:lnSpc>
+            </a:pPr>
+            <a:endParaRPr/>
+          </a:p>
+          <a:p>
+            <a:pPr marL="343080" indent="-341640">
+              <a:lnSpc>
+                <a:spcPct val="100000"/>
+              </a:lnSpc>
+            </a:pPr>
+            <a:endParaRPr/>
+          </a:p>
+          <a:p>
+            <a:pPr marL="343080" indent="-341640">
+              <a:lnSpc>
+                <a:spcPct val="100000"/>
+              </a:lnSpc>
+            </a:pPr>
+            <a:endParaRPr/>
+          </a:p>
+          <a:p>
+            <a:pPr marL="343080" indent="-341640">
+              <a:lnSpc>
+                <a:spcPct val="100000"/>
+              </a:lnSpc>
+            </a:pPr>
+            <a:endParaRPr/>
+          </a:p>
+          <a:p>
+            <a:pPr marL="343080" indent="-341640">
+              <a:lnSpc>
+                <a:spcPct val="100000"/>
+              </a:lnSpc>
+            </a:pPr>
+            <a:endParaRPr/>
+          </a:p>
+          <a:p>
+            <a:pPr marL="343080" indent="-341640">
+              <a:lnSpc>
+                <a:spcPct val="100000"/>
+              </a:lnSpc>
+            </a:pPr>
+            <a:endParaRPr/>
+          </a:p>
+          <a:p>
+            <a:pPr marL="343080" indent="-341640">
+              <a:lnSpc>
+                <a:spcPct val="100000"/>
+              </a:lnSpc>
+            </a:pPr>
+            <a:endParaRPr/>
+          </a:p>
+          <a:p>
+            <a:pPr marL="343080" indent="-341640">
+              <a:lnSpc>
+                <a:spcPct val="100000"/>
+              </a:lnSpc>
+            </a:pPr>
+            <a:endParaRPr/>
+          </a:p>
+          <a:p>
+            <a:pPr marL="343080" indent="-341640">
+              <a:lnSpc>
+                <a:spcPct val="100000"/>
+              </a:lnSpc>
+            </a:pPr>
+            <a:endParaRPr/>
+          </a:p>
+          <a:p>
+            <a:pPr marL="343080" indent="-341640">
+              <a:lnSpc>
+                <a:spcPct val="100000"/>
+              </a:lnSpc>
+            </a:pPr>
+            <a:endParaRPr/>
+          </a:p>
+          <a:p>
+            <a:pPr marL="343080" indent="-341640">
+              <a:lnSpc>
+                <a:spcPct val="100000"/>
+              </a:lnSpc>
+            </a:pPr>
+            <a:endParaRPr/>
+          </a:p>
+          <a:p>
+            <a:pPr marL="343080" indent="-341640">
+              <a:lnSpc>
+                <a:spcPct val="100000"/>
+              </a:lnSpc>
+            </a:pPr>
+            <a:endParaRPr/>
+          </a:p>
+          <a:p>
+            <a:pPr marL="343080" indent="-341640">
+              <a:lnSpc>
+                <a:spcPct val="100000"/>
+              </a:lnSpc>
+            </a:pPr>
+            <a:endParaRPr/>
+          </a:p>
+          <a:p>
+            <a:pPr marL="343080" indent="-341640">
               <a:lnSpc>
                 <a:spcPct val="100000"/>
               </a:lnSpc>
@@ -4652,47 +4658,47 @@
             <a:endParaRPr/>
           </a:p>
           <a:p>
-            <a:pPr marL="343080" indent="-342000">
-              <a:lnSpc>
-                <a:spcPct val="100000"/>
-              </a:lnSpc>
-            </a:pPr>
-            <a:endParaRPr/>
-          </a:p>
-          <a:p>
-            <a:pPr marL="343080" indent="-342000">
-              <a:lnSpc>
-                <a:spcPct val="100000"/>
-              </a:lnSpc>
-            </a:pPr>
-            <a:endParaRPr/>
-          </a:p>
-          <a:p>
-            <a:pPr marL="343080" indent="-342000">
-              <a:lnSpc>
-                <a:spcPct val="100000"/>
-              </a:lnSpc>
-            </a:pPr>
-            <a:endParaRPr/>
-          </a:p>
-          <a:p>
-            <a:pPr marL="343080" indent="-342000">
-              <a:lnSpc>
-                <a:spcPct val="100000"/>
-              </a:lnSpc>
-            </a:pPr>
-            <a:endParaRPr/>
-          </a:p>
-          <a:p>
-            <a:pPr marL="343080" indent="-342000">
-              <a:lnSpc>
-                <a:spcPct val="100000"/>
-              </a:lnSpc>
-            </a:pPr>
-            <a:endParaRPr/>
-          </a:p>
-          <a:p>
-            <a:pPr marL="343080" indent="-342000">
+            <a:pPr marL="343080" indent="-341640">
+              <a:lnSpc>
+                <a:spcPct val="100000"/>
+              </a:lnSpc>
+            </a:pPr>
+            <a:endParaRPr/>
+          </a:p>
+          <a:p>
+            <a:pPr marL="343080" indent="-341640">
+              <a:lnSpc>
+                <a:spcPct val="100000"/>
+              </a:lnSpc>
+            </a:pPr>
+            <a:endParaRPr/>
+          </a:p>
+          <a:p>
+            <a:pPr marL="343080" indent="-341640">
+              <a:lnSpc>
+                <a:spcPct val="100000"/>
+              </a:lnSpc>
+            </a:pPr>
+            <a:endParaRPr/>
+          </a:p>
+          <a:p>
+            <a:pPr marL="343080" indent="-341640">
+              <a:lnSpc>
+                <a:spcPct val="100000"/>
+              </a:lnSpc>
+            </a:pPr>
+            <a:endParaRPr/>
+          </a:p>
+          <a:p>
+            <a:pPr marL="343080" indent="-341640">
+              <a:lnSpc>
+                <a:spcPct val="100000"/>
+              </a:lnSpc>
+            </a:pPr>
+            <a:endParaRPr/>
+          </a:p>
+          <a:p>
+            <a:pPr marL="343080" indent="-341640">
               <a:lnSpc>
                 <a:spcPct val="100000"/>
               </a:lnSpc>
@@ -4710,7 +4716,7 @@
         <p:spPr>
           <a:xfrm>
             <a:off x="0" y="6572160"/>
-            <a:ext cx="784800" cy="284760"/>
+            <a:ext cx="784440" cy="284400"/>
           </a:xfrm>
           <a:prstGeom prst="rect">
             <a:avLst/>
@@ -4749,7 +4755,7 @@
         <p:spPr>
           <a:xfrm>
             <a:off x="428760" y="642960"/>
-            <a:ext cx="8256960" cy="784800"/>
+            <a:ext cx="8256600" cy="784440"/>
           </a:xfrm>
           <a:prstGeom prst="rect">
             <a:avLst/>
@@ -4768,7 +4774,7 @@
         <p:txBody>
           <a:bodyPr lIns="90000" rIns="90000" tIns="45000" bIns="45000" anchor="ctr"/>
           <a:p>
-            <a:pPr marL="571680" indent="-570600">
+            <a:pPr marL="571680" indent="-570240">
               <a:lnSpc>
                 <a:spcPct val="100000"/>
               </a:lnSpc>
@@ -6141,7 +6147,7 @@
         <p:spPr>
           <a:xfrm>
             <a:off x="457200" y="1714320"/>
-            <a:ext cx="8228520" cy="4410720"/>
+            <a:ext cx="8228160" cy="4410360"/>
           </a:xfrm>
           <a:prstGeom prst="rect">
             <a:avLst/>
@@ -6160,7 +6166,7 @@
         <p:txBody>
           <a:bodyPr lIns="90000" rIns="90000" tIns="45000" bIns="45000"/>
           <a:p>
-            <a:pPr marL="343080" indent="-342000">
+            <a:pPr marL="343080" indent="-341640">
               <a:lnSpc>
                 <a:spcPct val="100000"/>
               </a:lnSpc>
@@ -6183,7 +6189,7 @@
             <a:endParaRPr/>
           </a:p>
           <a:p>
-            <a:pPr marL="343080" indent="-342000">
+            <a:pPr marL="343080" indent="-341640">
               <a:lnSpc>
                 <a:spcPct val="100000"/>
               </a:lnSpc>
@@ -6221,119 +6227,119 @@
             <a:endParaRPr/>
           </a:p>
           <a:p>
-            <a:pPr marL="343080" indent="-342000">
-              <a:lnSpc>
-                <a:spcPct val="100000"/>
-              </a:lnSpc>
-            </a:pPr>
-            <a:endParaRPr/>
-          </a:p>
-          <a:p>
-            <a:pPr marL="343080" indent="-342000">
-              <a:lnSpc>
-                <a:spcPct val="100000"/>
-              </a:lnSpc>
-            </a:pPr>
-            <a:endParaRPr/>
-          </a:p>
-          <a:p>
-            <a:pPr marL="343080" indent="-342000">
-              <a:lnSpc>
-                <a:spcPct val="100000"/>
-              </a:lnSpc>
-            </a:pPr>
-            <a:endParaRPr/>
-          </a:p>
-          <a:p>
-            <a:pPr marL="343080" indent="-342000">
-              <a:lnSpc>
-                <a:spcPct val="100000"/>
-              </a:lnSpc>
-            </a:pPr>
-            <a:endParaRPr/>
-          </a:p>
-          <a:p>
-            <a:pPr marL="343080" indent="-342000">
-              <a:lnSpc>
-                <a:spcPct val="100000"/>
-              </a:lnSpc>
-            </a:pPr>
-            <a:endParaRPr/>
-          </a:p>
-          <a:p>
-            <a:pPr marL="343080" indent="-342000">
-              <a:lnSpc>
-                <a:spcPct val="100000"/>
-              </a:lnSpc>
-            </a:pPr>
-            <a:endParaRPr/>
-          </a:p>
-          <a:p>
-            <a:pPr marL="343080" indent="-342000">
-              <a:lnSpc>
-                <a:spcPct val="100000"/>
-              </a:lnSpc>
-            </a:pPr>
-            <a:endParaRPr/>
-          </a:p>
-          <a:p>
-            <a:pPr marL="343080" indent="-342000">
-              <a:lnSpc>
-                <a:spcPct val="100000"/>
-              </a:lnSpc>
-            </a:pPr>
-            <a:endParaRPr/>
-          </a:p>
-          <a:p>
-            <a:pPr marL="343080" indent="-342000">
-              <a:lnSpc>
-                <a:spcPct val="100000"/>
-              </a:lnSpc>
-            </a:pPr>
-            <a:endParaRPr/>
-          </a:p>
-          <a:p>
-            <a:pPr marL="343080" indent="-342000">
-              <a:lnSpc>
-                <a:spcPct val="100000"/>
-              </a:lnSpc>
-            </a:pPr>
-            <a:endParaRPr/>
-          </a:p>
-          <a:p>
-            <a:pPr marL="343080" indent="-342000">
-              <a:lnSpc>
-                <a:spcPct val="100000"/>
-              </a:lnSpc>
-            </a:pPr>
-            <a:endParaRPr/>
-          </a:p>
-          <a:p>
-            <a:pPr marL="343080" indent="-342000">
-              <a:lnSpc>
-                <a:spcPct val="100000"/>
-              </a:lnSpc>
-            </a:pPr>
-            <a:endParaRPr/>
-          </a:p>
-          <a:p>
-            <a:pPr marL="343080" indent="-342000">
-              <a:lnSpc>
-                <a:spcPct val="100000"/>
-              </a:lnSpc>
-            </a:pPr>
-            <a:endParaRPr/>
-          </a:p>
-          <a:p>
-            <a:pPr marL="343080" indent="-342000">
-              <a:lnSpc>
-                <a:spcPct val="100000"/>
-              </a:lnSpc>
-            </a:pPr>
-            <a:endParaRPr/>
-          </a:p>
-          <a:p>
-            <a:pPr marL="343080" indent="-342000">
+            <a:pPr marL="343080" indent="-341640">
+              <a:lnSpc>
+                <a:spcPct val="100000"/>
+              </a:lnSpc>
+            </a:pPr>
+            <a:endParaRPr/>
+          </a:p>
+          <a:p>
+            <a:pPr marL="343080" indent="-341640">
+              <a:lnSpc>
+                <a:spcPct val="100000"/>
+              </a:lnSpc>
+            </a:pPr>
+            <a:endParaRPr/>
+          </a:p>
+          <a:p>
+            <a:pPr marL="343080" indent="-341640">
+              <a:lnSpc>
+                <a:spcPct val="100000"/>
+              </a:lnSpc>
+            </a:pPr>
+            <a:endParaRPr/>
+          </a:p>
+          <a:p>
+            <a:pPr marL="343080" indent="-341640">
+              <a:lnSpc>
+                <a:spcPct val="100000"/>
+              </a:lnSpc>
+            </a:pPr>
+            <a:endParaRPr/>
+          </a:p>
+          <a:p>
+            <a:pPr marL="343080" indent="-341640">
+              <a:lnSpc>
+                <a:spcPct val="100000"/>
+              </a:lnSpc>
+            </a:pPr>
+            <a:endParaRPr/>
+          </a:p>
+          <a:p>
+            <a:pPr marL="343080" indent="-341640">
+              <a:lnSpc>
+                <a:spcPct val="100000"/>
+              </a:lnSpc>
+            </a:pPr>
+            <a:endParaRPr/>
+          </a:p>
+          <a:p>
+            <a:pPr marL="343080" indent="-341640">
+              <a:lnSpc>
+                <a:spcPct val="100000"/>
+              </a:lnSpc>
+            </a:pPr>
+            <a:endParaRPr/>
+          </a:p>
+          <a:p>
+            <a:pPr marL="343080" indent="-341640">
+              <a:lnSpc>
+                <a:spcPct val="100000"/>
+              </a:lnSpc>
+            </a:pPr>
+            <a:endParaRPr/>
+          </a:p>
+          <a:p>
+            <a:pPr marL="343080" indent="-341640">
+              <a:lnSpc>
+                <a:spcPct val="100000"/>
+              </a:lnSpc>
+            </a:pPr>
+            <a:endParaRPr/>
+          </a:p>
+          <a:p>
+            <a:pPr marL="343080" indent="-341640">
+              <a:lnSpc>
+                <a:spcPct val="100000"/>
+              </a:lnSpc>
+            </a:pPr>
+            <a:endParaRPr/>
+          </a:p>
+          <a:p>
+            <a:pPr marL="343080" indent="-341640">
+              <a:lnSpc>
+                <a:spcPct val="100000"/>
+              </a:lnSpc>
+            </a:pPr>
+            <a:endParaRPr/>
+          </a:p>
+          <a:p>
+            <a:pPr marL="343080" indent="-341640">
+              <a:lnSpc>
+                <a:spcPct val="100000"/>
+              </a:lnSpc>
+            </a:pPr>
+            <a:endParaRPr/>
+          </a:p>
+          <a:p>
+            <a:pPr marL="343080" indent="-341640">
+              <a:lnSpc>
+                <a:spcPct val="100000"/>
+              </a:lnSpc>
+            </a:pPr>
+            <a:endParaRPr/>
+          </a:p>
+          <a:p>
+            <a:pPr marL="343080" indent="-341640">
+              <a:lnSpc>
+                <a:spcPct val="100000"/>
+              </a:lnSpc>
+            </a:pPr>
+            <a:endParaRPr/>
+          </a:p>
+          <a:p>
+            <a:pPr marL="343080" indent="-341640">
               <a:lnSpc>
                 <a:spcPct val="100000"/>
               </a:lnSpc>
@@ -6356,47 +6362,47 @@
             <a:endParaRPr/>
           </a:p>
           <a:p>
-            <a:pPr marL="343080" indent="-342000">
-              <a:lnSpc>
-                <a:spcPct val="100000"/>
-              </a:lnSpc>
-            </a:pPr>
-            <a:endParaRPr/>
-          </a:p>
-          <a:p>
-            <a:pPr marL="343080" indent="-342000">
-              <a:lnSpc>
-                <a:spcPct val="100000"/>
-              </a:lnSpc>
-            </a:pPr>
-            <a:endParaRPr/>
-          </a:p>
-          <a:p>
-            <a:pPr marL="343080" indent="-342000">
-              <a:lnSpc>
-                <a:spcPct val="100000"/>
-              </a:lnSpc>
-            </a:pPr>
-            <a:endParaRPr/>
-          </a:p>
-          <a:p>
-            <a:pPr marL="343080" indent="-342000">
-              <a:lnSpc>
-                <a:spcPct val="100000"/>
-              </a:lnSpc>
-            </a:pPr>
-            <a:endParaRPr/>
-          </a:p>
-          <a:p>
-            <a:pPr marL="343080" indent="-342000">
-              <a:lnSpc>
-                <a:spcPct val="100000"/>
-              </a:lnSpc>
-            </a:pPr>
-            <a:endParaRPr/>
-          </a:p>
-          <a:p>
-            <a:pPr marL="343080" indent="-342000">
+            <a:pPr marL="343080" indent="-341640">
+              <a:lnSpc>
+                <a:spcPct val="100000"/>
+              </a:lnSpc>
+            </a:pPr>
+            <a:endParaRPr/>
+          </a:p>
+          <a:p>
+            <a:pPr marL="343080" indent="-341640">
+              <a:lnSpc>
+                <a:spcPct val="100000"/>
+              </a:lnSpc>
+            </a:pPr>
+            <a:endParaRPr/>
+          </a:p>
+          <a:p>
+            <a:pPr marL="343080" indent="-341640">
+              <a:lnSpc>
+                <a:spcPct val="100000"/>
+              </a:lnSpc>
+            </a:pPr>
+            <a:endParaRPr/>
+          </a:p>
+          <a:p>
+            <a:pPr marL="343080" indent="-341640">
+              <a:lnSpc>
+                <a:spcPct val="100000"/>
+              </a:lnSpc>
+            </a:pPr>
+            <a:endParaRPr/>
+          </a:p>
+          <a:p>
+            <a:pPr marL="343080" indent="-341640">
+              <a:lnSpc>
+                <a:spcPct val="100000"/>
+              </a:lnSpc>
+            </a:pPr>
+            <a:endParaRPr/>
+          </a:p>
+          <a:p>
+            <a:pPr marL="343080" indent="-341640">
               <a:lnSpc>
                 <a:spcPct val="100000"/>
               </a:lnSpc>
@@ -6414,7 +6420,7 @@
         <p:spPr>
           <a:xfrm>
             <a:off x="0" y="6572160"/>
-            <a:ext cx="784800" cy="284760"/>
+            <a:ext cx="784440" cy="284400"/>
           </a:xfrm>
           <a:prstGeom prst="rect">
             <a:avLst/>
@@ -6453,7 +6459,7 @@
         <p:spPr>
           <a:xfrm>
             <a:off x="428760" y="642960"/>
-            <a:ext cx="8256960" cy="784800"/>
+            <a:ext cx="8256600" cy="784440"/>
           </a:xfrm>
           <a:prstGeom prst="rect">
             <a:avLst/>
@@ -6472,7 +6478,7 @@
         <p:txBody>
           <a:bodyPr lIns="90000" rIns="90000" tIns="45000" bIns="45000" anchor="ctr"/>
           <a:p>
-            <a:pPr marL="571680" indent="-570600">
+            <a:pPr marL="571680" indent="-570240">
               <a:lnSpc>
                 <a:spcPct val="100000"/>
               </a:lnSpc>
@@ -7447,7 +7453,7 @@
         <p:spPr>
           <a:xfrm>
             <a:off x="457200" y="1714320"/>
-            <a:ext cx="8228520" cy="4410720"/>
+            <a:ext cx="8228160" cy="4410360"/>
           </a:xfrm>
           <a:prstGeom prst="rect">
             <a:avLst/>
@@ -7473,7 +7479,7 @@
         <p:spPr>
           <a:xfrm>
             <a:off x="0" y="6572160"/>
-            <a:ext cx="784800" cy="284760"/>
+            <a:ext cx="784440" cy="284400"/>
           </a:xfrm>
           <a:prstGeom prst="rect">
             <a:avLst/>
@@ -7512,7 +7518,7 @@
         <p:spPr>
           <a:xfrm>
             <a:off x="428760" y="642960"/>
-            <a:ext cx="8256960" cy="784800"/>
+            <a:ext cx="8256600" cy="784440"/>
           </a:xfrm>
           <a:prstGeom prst="rect">
             <a:avLst/>
@@ -7531,7 +7537,7 @@
         <p:txBody>
           <a:bodyPr lIns="90000" rIns="90000" tIns="45000" bIns="45000" anchor="ctr"/>
           <a:p>
-            <a:pPr marL="571680" indent="-570600">
+            <a:pPr marL="571680" indent="-570240">
               <a:lnSpc>
                 <a:spcPct val="100000"/>
               </a:lnSpc>
@@ -7550,6 +7556,93 @@
                 <a:ea typeface="DejaVu Sans"/>
               </a:rPr>
               <a:t>III.   Third lesson</a:t>
+            </a:r>
+            <a:endParaRPr/>
+          </a:p>
+        </p:txBody>
+      </p:sp>
+      <p:pic>
+        <p:nvPicPr>
+          <p:cNvPr id="130" name="" descr=""/>
+          <p:cNvPicPr/>
+          <p:nvPr/>
+        </p:nvPicPr>
+        <p:blipFill>
+          <a:blip r:embed="rId2"/>
+          <a:stretch/>
+        </p:blipFill>
+        <p:spPr>
+          <a:xfrm>
+            <a:off x="2377440" y="2652120"/>
+            <a:ext cx="4389120" cy="2925720"/>
+          </a:xfrm>
+          <a:prstGeom prst="rect">
+            <a:avLst/>
+          </a:prstGeom>
+          <a:ln>
+            <a:noFill/>
+          </a:ln>
+        </p:spPr>
+      </p:pic>
+      <p:sp>
+        <p:nvSpPr>
+          <p:cNvPr id="131" name="TextShape 4"/>
+          <p:cNvSpPr txBox="1"/>
+          <p:nvPr/>
+        </p:nvSpPr>
+        <p:spPr>
+          <a:xfrm>
+            <a:off x="3583440" y="2122560"/>
+            <a:ext cx="1994400" cy="346320"/>
+          </a:xfrm>
+          <a:prstGeom prst="rect">
+            <a:avLst/>
+          </a:prstGeom>
+          <a:noFill/>
+          <a:ln>
+            <a:noFill/>
+          </a:ln>
+        </p:spPr>
+        <p:txBody>
+          <a:bodyPr lIns="90000" rIns="90000" tIns="45000" bIns="45000"/>
+          <a:p>
+            <a:r>
+              <a:rPr lang="en-US" sz="1800" spc="-1">
+                <a:latin typeface="Arial"/>
+              </a:rPr>
+              <a:t>Join us on GitHub</a:t>
+            </a:r>
+            <a:endParaRPr/>
+          </a:p>
+        </p:txBody>
+      </p:sp>
+      <p:sp>
+        <p:nvSpPr>
+          <p:cNvPr id="132" name="TextShape 5"/>
+          <p:cNvSpPr txBox="1"/>
+          <p:nvPr/>
+        </p:nvSpPr>
+        <p:spPr>
+          <a:xfrm>
+            <a:off x="2651760" y="5760720"/>
+            <a:ext cx="3821400" cy="346320"/>
+          </a:xfrm>
+          <a:prstGeom prst="rect">
+            <a:avLst/>
+          </a:prstGeom>
+          <a:noFill/>
+          <a:ln>
+            <a:noFill/>
+          </a:ln>
+        </p:spPr>
+        <p:txBody>
+          <a:bodyPr lIns="90000" rIns="90000" tIns="45000" bIns="45000"/>
+          <a:p>
+            <a:r>
+              <a:rPr lang="en-US" sz="1800" spc="-1">
+                <a:latin typeface="Arial"/>
+              </a:rPr>
+              <a:t>https://github.com/Medatik/Preplane</a:t>
             </a:r>
             <a:endParaRPr/>
           </a:p>
@@ -7606,14 +7699,14 @@
       </p:grpSpPr>
       <p:sp>
         <p:nvSpPr>
-          <p:cNvPr id="130" name="CustomShape 1"/>
+          <p:cNvPr id="133" name="CustomShape 1"/>
           <p:cNvSpPr/>
           <p:nvPr/>
         </p:nvSpPr>
         <p:spPr>
           <a:xfrm>
             <a:off x="457200" y="1714320"/>
-            <a:ext cx="8228520" cy="4410720"/>
+            <a:ext cx="8228160" cy="4410360"/>
           </a:xfrm>
           <a:prstGeom prst="rect">
             <a:avLst/>
@@ -7632,14 +7725,14 @@
       </p:sp>
       <p:sp>
         <p:nvSpPr>
-          <p:cNvPr id="131" name="CustomShape 2"/>
+          <p:cNvPr id="134" name="CustomShape 2"/>
           <p:cNvSpPr/>
           <p:nvPr/>
         </p:nvSpPr>
         <p:spPr>
           <a:xfrm>
             <a:off x="0" y="6572160"/>
-            <a:ext cx="784800" cy="284760"/>
+            <a:ext cx="784440" cy="284400"/>
           </a:xfrm>
           <a:prstGeom prst="rect">
             <a:avLst/>
@@ -7671,14 +7764,14 @@
       </p:sp>
       <p:sp>
         <p:nvSpPr>
-          <p:cNvPr id="132" name="CustomShape 3"/>
+          <p:cNvPr id="135" name="CustomShape 3"/>
           <p:cNvSpPr/>
           <p:nvPr/>
         </p:nvSpPr>
         <p:spPr>
           <a:xfrm>
             <a:off x="428760" y="642960"/>
-            <a:ext cx="8256960" cy="784800"/>
+            <a:ext cx="8256600" cy="784440"/>
           </a:xfrm>
           <a:prstGeom prst="rect">
             <a:avLst/>
@@ -7697,7 +7790,7 @@
         <p:txBody>
           <a:bodyPr lIns="90000" rIns="90000" tIns="45000" bIns="45000" anchor="ctr"/>
           <a:p>
-            <a:pPr marL="571680" indent="-570600">
+            <a:pPr marL="571680" indent="-570240">
               <a:lnSpc>
                 <a:spcPct val="100000"/>
               </a:lnSpc>
@@ -7779,7 +7872,7 @@
         <p:spPr>
           <a:xfrm>
             <a:off x="457200" y="274680"/>
-            <a:ext cx="8228520" cy="1141920"/>
+            <a:ext cx="8228160" cy="1141560"/>
           </a:xfrm>
           <a:prstGeom prst="rect">
             <a:avLst/>
@@ -7831,7 +7924,7 @@
         <p:spPr>
           <a:xfrm>
             <a:off x="457200" y="1600200"/>
-            <a:ext cx="8228520" cy="4524840"/>
+            <a:ext cx="8228160" cy="4524480"/>
           </a:xfrm>
           <a:prstGeom prst="rect">
             <a:avLst/>
@@ -7850,47 +7943,47 @@
         <p:txBody>
           <a:bodyPr lIns="90000" rIns="90000" tIns="45000" bIns="45000"/>
           <a:p>
-            <a:pPr marL="343080" indent="-342000">
-              <a:lnSpc>
-                <a:spcPct val="100000"/>
-              </a:lnSpc>
-            </a:pPr>
-            <a:endParaRPr/>
-          </a:p>
-          <a:p>
-            <a:pPr marL="343080" indent="-342000">
-              <a:lnSpc>
-                <a:spcPct val="100000"/>
-              </a:lnSpc>
-            </a:pPr>
-            <a:endParaRPr/>
-          </a:p>
-          <a:p>
-            <a:pPr marL="343080" indent="-342000">
-              <a:lnSpc>
-                <a:spcPct val="100000"/>
-              </a:lnSpc>
-            </a:pPr>
-            <a:endParaRPr/>
-          </a:p>
-          <a:p>
-            <a:pPr marL="343080" indent="-342000">
-              <a:lnSpc>
-                <a:spcPct val="100000"/>
-              </a:lnSpc>
-            </a:pPr>
-            <a:endParaRPr/>
-          </a:p>
-          <a:p>
-            <a:pPr marL="343080" indent="-342000" algn="ctr">
-              <a:lnSpc>
-                <a:spcPct val="100000"/>
-              </a:lnSpc>
-            </a:pPr>
-            <a:endParaRPr/>
-          </a:p>
-          <a:p>
-            <a:pPr marL="343080" indent="-342000" algn="ctr">
+            <a:pPr marL="343080" indent="-341640">
+              <a:lnSpc>
+                <a:spcPct val="100000"/>
+              </a:lnSpc>
+            </a:pPr>
+            <a:endParaRPr/>
+          </a:p>
+          <a:p>
+            <a:pPr marL="343080" indent="-341640">
+              <a:lnSpc>
+                <a:spcPct val="100000"/>
+              </a:lnSpc>
+            </a:pPr>
+            <a:endParaRPr/>
+          </a:p>
+          <a:p>
+            <a:pPr marL="343080" indent="-341640">
+              <a:lnSpc>
+                <a:spcPct val="100000"/>
+              </a:lnSpc>
+            </a:pPr>
+            <a:endParaRPr/>
+          </a:p>
+          <a:p>
+            <a:pPr marL="343080" indent="-341640">
+              <a:lnSpc>
+                <a:spcPct val="100000"/>
+              </a:lnSpc>
+            </a:pPr>
+            <a:endParaRPr/>
+          </a:p>
+          <a:p>
+            <a:pPr marL="343080" indent="-341640" algn="ctr">
+              <a:lnSpc>
+                <a:spcPct val="100000"/>
+              </a:lnSpc>
+            </a:pPr>
+            <a:endParaRPr/>
+          </a:p>
+          <a:p>
+            <a:pPr marL="343080" indent="-341640" algn="ctr">
               <a:lnSpc>
                 <a:spcPct val="100000"/>
               </a:lnSpc>
@@ -7913,15 +8006,15 @@
             <a:endParaRPr/>
           </a:p>
           <a:p>
-            <a:pPr marL="343080" indent="-342000" algn="ctr">
-              <a:lnSpc>
-                <a:spcPct val="100000"/>
-              </a:lnSpc>
-            </a:pPr>
-            <a:endParaRPr/>
-          </a:p>
-          <a:p>
-            <a:pPr marL="343080" indent="-342000" algn="ctr">
+            <a:pPr marL="343080" indent="-341640" algn="ctr">
+              <a:lnSpc>
+                <a:spcPct val="100000"/>
+              </a:lnSpc>
+            </a:pPr>
+            <a:endParaRPr/>
+          </a:p>
+          <a:p>
+            <a:pPr marL="343080" indent="-341640" algn="ctr">
               <a:lnSpc>
                 <a:spcPct val="100000"/>
               </a:lnSpc>
@@ -7944,15 +8037,15 @@
             <a:endParaRPr/>
           </a:p>
           <a:p>
-            <a:pPr marL="343080" indent="-342000" algn="ctr">
-              <a:lnSpc>
-                <a:spcPct val="100000"/>
-              </a:lnSpc>
-            </a:pPr>
-            <a:endParaRPr/>
-          </a:p>
-          <a:p>
-            <a:pPr marL="343080" indent="-342000" algn="ctr">
+            <a:pPr marL="343080" indent="-341640" algn="ctr">
+              <a:lnSpc>
+                <a:spcPct val="100000"/>
+              </a:lnSpc>
+            </a:pPr>
+            <a:endParaRPr/>
+          </a:p>
+          <a:p>
+            <a:pPr marL="343080" indent="-341640" algn="ctr">
               <a:lnSpc>
                 <a:spcPct val="100000"/>
               </a:lnSpc>
@@ -7975,7 +8068,7 @@
             <a:endParaRPr/>
           </a:p>
           <a:p>
-            <a:pPr marL="343080" indent="-342000">
+            <a:pPr marL="343080" indent="-341640">
               <a:lnSpc>
                 <a:spcPct val="100000"/>
               </a:lnSpc>
@@ -7993,7 +8086,7 @@
         <p:spPr>
           <a:xfrm>
             <a:off x="0" y="6572160"/>
-            <a:ext cx="784800" cy="284760"/>
+            <a:ext cx="784440" cy="284400"/>
           </a:xfrm>
           <a:prstGeom prst="rect">
             <a:avLst/>
@@ -8081,7 +8174,7 @@
         <p:spPr>
           <a:xfrm>
             <a:off x="457200" y="274680"/>
-            <a:ext cx="8228520" cy="1141920"/>
+            <a:ext cx="8228160" cy="1141560"/>
           </a:xfrm>
           <a:prstGeom prst="rect">
             <a:avLst/>
@@ -8133,7 +8226,7 @@
         <p:spPr>
           <a:xfrm>
             <a:off x="457200" y="1600200"/>
-            <a:ext cx="8228520" cy="4524840"/>
+            <a:ext cx="8228160" cy="4524480"/>
           </a:xfrm>
           <a:prstGeom prst="rect">
             <a:avLst/>
@@ -8160,7 +8253,7 @@
             <a:endParaRPr/>
           </a:p>
           <a:p>
-            <a:pPr marL="343080" indent="-342000">
+            <a:pPr marL="343080" indent="-341640">
               <a:lnSpc>
                 <a:spcPct val="100000"/>
               </a:lnSpc>
@@ -8185,7 +8278,7 @@
             <a:endParaRPr/>
           </a:p>
           <a:p>
-            <a:pPr marL="343080" indent="-342000">
+            <a:pPr marL="343080" indent="-341640">
               <a:lnSpc>
                 <a:spcPct val="100000"/>
               </a:lnSpc>
@@ -8210,7 +8303,7 @@
             <a:endParaRPr/>
           </a:p>
           <a:p>
-            <a:pPr marL="343080" indent="-342000">
+            <a:pPr marL="343080" indent="-341640">
               <a:lnSpc>
                 <a:spcPct val="100000"/>
               </a:lnSpc>
@@ -8253,7 +8346,7 @@
         <p:spPr>
           <a:xfrm>
             <a:off x="0" y="6572160"/>
-            <a:ext cx="784800" cy="284760"/>
+            <a:ext cx="784440" cy="284400"/>
           </a:xfrm>
           <a:prstGeom prst="rect">
             <a:avLst/>
@@ -8341,7 +8434,7 @@
         <p:spPr>
           <a:xfrm>
             <a:off x="428760" y="642960"/>
-            <a:ext cx="8256960" cy="784800"/>
+            <a:ext cx="8256600" cy="784440"/>
           </a:xfrm>
           <a:prstGeom prst="rect">
             <a:avLst/>
@@ -8360,7 +8453,7 @@
         <p:txBody>
           <a:bodyPr lIns="90000" rIns="90000" tIns="45000" bIns="45000" anchor="ctr"/>
           <a:p>
-            <a:pPr marL="571680" indent="-570600">
+            <a:pPr marL="571680" indent="-570240">
               <a:lnSpc>
                 <a:spcPct val="100000"/>
               </a:lnSpc>
@@ -8395,7 +8488,7 @@
         <p:spPr>
           <a:xfrm>
             <a:off x="428760" y="1500120"/>
-            <a:ext cx="8228520" cy="4524840"/>
+            <a:ext cx="8228160" cy="4524480"/>
           </a:xfrm>
           <a:prstGeom prst="rect">
             <a:avLst/>
@@ -8414,15 +8507,15 @@
         <p:txBody>
           <a:bodyPr lIns="90000" rIns="90000" tIns="45000" bIns="45000"/>
           <a:p>
-            <a:pPr marL="343080" indent="-342000">
-              <a:lnSpc>
-                <a:spcPct val="100000"/>
-              </a:lnSpc>
-            </a:pPr>
-            <a:endParaRPr/>
-          </a:p>
-          <a:p>
-            <a:pPr marL="343080" indent="-342000">
+            <a:pPr marL="343080" indent="-341640">
+              <a:lnSpc>
+                <a:spcPct val="100000"/>
+              </a:lnSpc>
+            </a:pPr>
+            <a:endParaRPr/>
+          </a:p>
+          <a:p>
+            <a:pPr marL="343080" indent="-341640">
               <a:lnSpc>
                 <a:spcPct val="100000"/>
               </a:lnSpc>
@@ -8460,15 +8553,15 @@
             <a:endParaRPr/>
           </a:p>
           <a:p>
-            <a:pPr marL="343080" indent="-342000">
-              <a:lnSpc>
-                <a:spcPct val="100000"/>
-              </a:lnSpc>
-            </a:pPr>
-            <a:endParaRPr/>
-          </a:p>
-          <a:p>
-            <a:pPr marL="343080" indent="-342000">
+            <a:pPr marL="343080" indent="-341640">
+              <a:lnSpc>
+                <a:spcPct val="100000"/>
+              </a:lnSpc>
+            </a:pPr>
+            <a:endParaRPr/>
+          </a:p>
+          <a:p>
+            <a:pPr marL="343080" indent="-341640">
               <a:lnSpc>
                 <a:spcPct val="100000"/>
               </a:lnSpc>
@@ -8491,15 +8584,15 @@
             <a:endParaRPr/>
           </a:p>
           <a:p>
-            <a:pPr marL="457200" indent="-316440">
-              <a:lnSpc>
-                <a:spcPct val="100000"/>
-              </a:lnSpc>
-            </a:pPr>
-            <a:endParaRPr/>
-          </a:p>
-          <a:p>
-            <a:pPr marL="482760" indent="-342000">
+            <a:pPr marL="457200" indent="-316080">
+              <a:lnSpc>
+                <a:spcPct val="100000"/>
+              </a:lnSpc>
+            </a:pPr>
+            <a:endParaRPr/>
+          </a:p>
+          <a:p>
+            <a:pPr marL="482760" indent="-341640">
               <a:lnSpc>
                 <a:spcPct val="100000"/>
               </a:lnSpc>
@@ -8537,7 +8630,7 @@
             <a:endParaRPr/>
           </a:p>
           <a:p>
-            <a:pPr marL="457200" indent="-316440">
+            <a:pPr marL="457200" indent="-316080">
               <a:lnSpc>
                 <a:spcPct val="100000"/>
               </a:lnSpc>
@@ -8575,7 +8668,7 @@
             <a:endParaRPr/>
           </a:p>
           <a:p>
-            <a:pPr marL="457200" indent="-316440">
+            <a:pPr marL="457200" indent="-316080">
               <a:lnSpc>
                 <a:spcPct val="100000"/>
               </a:lnSpc>
@@ -8613,15 +8706,15 @@
             <a:endParaRPr/>
           </a:p>
           <a:p>
-            <a:pPr marL="457200" indent="-316440">
-              <a:lnSpc>
-                <a:spcPct val="100000"/>
-              </a:lnSpc>
-            </a:pPr>
-            <a:endParaRPr/>
-          </a:p>
-          <a:p>
-            <a:pPr marL="343080" indent="-342000">
+            <a:pPr marL="457200" indent="-316080">
+              <a:lnSpc>
+                <a:spcPct val="100000"/>
+              </a:lnSpc>
+            </a:pPr>
+            <a:endParaRPr/>
+          </a:p>
+          <a:p>
+            <a:pPr marL="343080" indent="-341640">
               <a:lnSpc>
                 <a:spcPct val="100000"/>
               </a:lnSpc>
@@ -8674,15 +8767,15 @@
             <a:endParaRPr/>
           </a:p>
           <a:p>
-            <a:pPr marL="343080" indent="-342000">
-              <a:lnSpc>
-                <a:spcPct val="100000"/>
-              </a:lnSpc>
-            </a:pPr>
-            <a:endParaRPr/>
-          </a:p>
-          <a:p>
-            <a:pPr marL="457200" indent="-316440">
+            <a:pPr marL="343080" indent="-341640">
+              <a:lnSpc>
+                <a:spcPct val="100000"/>
+              </a:lnSpc>
+            </a:pPr>
+            <a:endParaRPr/>
+          </a:p>
+          <a:p>
+            <a:pPr marL="457200" indent="-316080">
               <a:lnSpc>
                 <a:spcPct val="107000"/>
               </a:lnSpc>
@@ -8705,7 +8798,7 @@
             <a:endParaRPr/>
           </a:p>
           <a:p>
-            <a:pPr marL="457200" indent="-316440">
+            <a:pPr marL="457200" indent="-316080">
               <a:lnSpc>
                 <a:spcPct val="107000"/>
               </a:lnSpc>
@@ -8713,7 +8806,7 @@
             <a:endParaRPr/>
           </a:p>
           <a:p>
-            <a:pPr marL="457200" indent="-316440">
+            <a:pPr marL="457200" indent="-316080">
               <a:lnSpc>
                 <a:spcPct val="107000"/>
               </a:lnSpc>
@@ -8751,7 +8844,7 @@
             <a:endParaRPr/>
           </a:p>
           <a:p>
-            <a:pPr marL="457200" indent="-316440">
+            <a:pPr marL="457200" indent="-316080">
               <a:lnSpc>
                 <a:spcPct val="107000"/>
               </a:lnSpc>
@@ -8789,7 +8882,7 @@
             <a:endParaRPr/>
           </a:p>
           <a:p>
-            <a:pPr marL="343080" indent="-342000">
+            <a:pPr marL="343080" indent="-341640">
               <a:lnSpc>
                 <a:spcPct val="107000"/>
               </a:lnSpc>
@@ -8797,7 +8890,7 @@
             <a:endParaRPr/>
           </a:p>
           <a:p>
-            <a:pPr marL="457200" indent="-316440">
+            <a:pPr marL="457200" indent="-316080">
               <a:lnSpc>
                 <a:spcPct val="107000"/>
               </a:lnSpc>
@@ -8820,15 +8913,15 @@
             <a:endParaRPr/>
           </a:p>
           <a:p>
-            <a:pPr marL="343080" indent="-342000">
-              <a:lnSpc>
-                <a:spcPct val="100000"/>
-              </a:lnSpc>
-            </a:pPr>
-            <a:endParaRPr/>
-          </a:p>
-          <a:p>
-            <a:pPr marL="343080" indent="-342000">
+            <a:pPr marL="343080" indent="-341640">
+              <a:lnSpc>
+                <a:spcPct val="100000"/>
+              </a:lnSpc>
+            </a:pPr>
+            <a:endParaRPr/>
+          </a:p>
+          <a:p>
+            <a:pPr marL="343080" indent="-341640">
               <a:lnSpc>
                 <a:spcPct val="100000"/>
               </a:lnSpc>
@@ -8846,7 +8939,7 @@
         <p:spPr>
           <a:xfrm>
             <a:off x="0" y="6572160"/>
-            <a:ext cx="784800" cy="284760"/>
+            <a:ext cx="784440" cy="284400"/>
           </a:xfrm>
           <a:prstGeom prst="rect">
             <a:avLst/>
@@ -8934,7 +9027,7 @@
         <p:spPr>
           <a:xfrm>
             <a:off x="428760" y="1714320"/>
-            <a:ext cx="8228520" cy="4928040"/>
+            <a:ext cx="8228160" cy="4927680"/>
           </a:xfrm>
           <a:prstGeom prst="rect">
             <a:avLst/>
@@ -8953,7 +9046,7 @@
         <p:txBody>
           <a:bodyPr lIns="90000" rIns="90000" tIns="45000" bIns="45000"/>
           <a:p>
-            <a:pPr marL="343080" indent="-342000">
+            <a:pPr marL="343080" indent="-341640">
               <a:lnSpc>
                 <a:spcPct val="100000"/>
               </a:lnSpc>
@@ -8991,15 +9084,15 @@
             <a:endParaRPr/>
           </a:p>
           <a:p>
-            <a:pPr marL="343080" indent="-342000">
-              <a:lnSpc>
-                <a:spcPct val="100000"/>
-              </a:lnSpc>
-            </a:pPr>
-            <a:endParaRPr/>
-          </a:p>
-          <a:p>
-            <a:pPr marL="343080" indent="-342000">
+            <a:pPr marL="343080" indent="-341640">
+              <a:lnSpc>
+                <a:spcPct val="100000"/>
+              </a:lnSpc>
+            </a:pPr>
+            <a:endParaRPr/>
+          </a:p>
+          <a:p>
+            <a:pPr marL="343080" indent="-341640">
               <a:lnSpc>
                 <a:spcPct val="100000"/>
               </a:lnSpc>
@@ -9022,15 +9115,15 @@
             <a:endParaRPr/>
           </a:p>
           <a:p>
-            <a:pPr marL="343080" indent="-342000">
-              <a:lnSpc>
-                <a:spcPct val="100000"/>
-              </a:lnSpc>
-            </a:pPr>
-            <a:endParaRPr/>
-          </a:p>
-          <a:p>
-            <a:pPr marL="457200" indent="-303840">
+            <a:pPr marL="343080" indent="-341640">
+              <a:lnSpc>
+                <a:spcPct val="100000"/>
+              </a:lnSpc>
+            </a:pPr>
+            <a:endParaRPr/>
+          </a:p>
+          <a:p>
+            <a:pPr marL="457200" indent="-303480">
               <a:lnSpc>
                 <a:spcPct val="100000"/>
               </a:lnSpc>
@@ -9068,15 +9161,15 @@
             <a:endParaRPr/>
           </a:p>
           <a:p>
-            <a:pPr marL="457200" indent="-303840">
-              <a:lnSpc>
-                <a:spcPct val="100000"/>
-              </a:lnSpc>
-            </a:pPr>
-            <a:endParaRPr/>
-          </a:p>
-          <a:p>
-            <a:pPr marL="457200" indent="-303840">
+            <a:pPr marL="457200" indent="-303480">
+              <a:lnSpc>
+                <a:spcPct val="100000"/>
+              </a:lnSpc>
+            </a:pPr>
+            <a:endParaRPr/>
+          </a:p>
+          <a:p>
+            <a:pPr marL="457200" indent="-303480">
               <a:lnSpc>
                 <a:spcPct val="100000"/>
               </a:lnSpc>
@@ -9135,7 +9228,7 @@
             <a:endParaRPr/>
           </a:p>
           <a:p>
-            <a:pPr marL="457200" indent="-303840">
+            <a:pPr marL="457200" indent="-303480">
               <a:lnSpc>
                 <a:spcPct val="100000"/>
               </a:lnSpc>
@@ -9203,7 +9296,7 @@
             <a:endParaRPr/>
           </a:p>
           <a:p>
-            <a:pPr marL="457200" indent="-303840">
+            <a:pPr marL="457200" indent="-303480">
               <a:lnSpc>
                 <a:spcPct val="100000"/>
               </a:lnSpc>
@@ -9241,15 +9334,15 @@
             <a:endParaRPr/>
           </a:p>
           <a:p>
-            <a:pPr marL="457200" indent="-303840">
-              <a:lnSpc>
-                <a:spcPct val="100000"/>
-              </a:lnSpc>
-            </a:pPr>
-            <a:endParaRPr/>
-          </a:p>
-          <a:p>
-            <a:pPr marL="457200" indent="-303840">
+            <a:pPr marL="457200" indent="-303480">
+              <a:lnSpc>
+                <a:spcPct val="100000"/>
+              </a:lnSpc>
+            </a:pPr>
+            <a:endParaRPr/>
+          </a:p>
+          <a:p>
+            <a:pPr marL="457200" indent="-303480">
               <a:lnSpc>
                 <a:spcPct val="100000"/>
               </a:lnSpc>
@@ -9302,7 +9395,7 @@
             <a:endParaRPr/>
           </a:p>
           <a:p>
-            <a:pPr marL="457200" indent="-303840">
+            <a:pPr marL="457200" indent="-303480">
               <a:lnSpc>
                 <a:spcPct val="100000"/>
               </a:lnSpc>
@@ -9340,15 +9433,15 @@
             <a:endParaRPr/>
           </a:p>
           <a:p>
-            <a:pPr marL="457200" indent="-303840">
-              <a:lnSpc>
-                <a:spcPct val="100000"/>
-              </a:lnSpc>
-            </a:pPr>
-            <a:endParaRPr/>
-          </a:p>
-          <a:p>
-            <a:pPr marL="457200" indent="-303840">
+            <a:pPr marL="457200" indent="-303480">
+              <a:lnSpc>
+                <a:spcPct val="100000"/>
+              </a:lnSpc>
+            </a:pPr>
+            <a:endParaRPr/>
+          </a:p>
+          <a:p>
+            <a:pPr marL="457200" indent="-303480">
               <a:lnSpc>
                 <a:spcPct val="100000"/>
               </a:lnSpc>
@@ -9386,7 +9479,7 @@
             <a:endParaRPr/>
           </a:p>
           <a:p>
-            <a:pPr marL="457200" indent="-303840">
+            <a:pPr marL="457200" indent="-303480">
               <a:lnSpc>
                 <a:spcPct val="100000"/>
               </a:lnSpc>
@@ -9409,15 +9502,15 @@
             <a:endParaRPr/>
           </a:p>
           <a:p>
-            <a:pPr marL="457200" indent="-303840">
-              <a:lnSpc>
-                <a:spcPct val="100000"/>
-              </a:lnSpc>
-            </a:pPr>
-            <a:endParaRPr/>
-          </a:p>
-          <a:p>
-            <a:pPr marL="457200" indent="-303840">
+            <a:pPr marL="457200" indent="-303480">
+              <a:lnSpc>
+                <a:spcPct val="100000"/>
+              </a:lnSpc>
+            </a:pPr>
+            <a:endParaRPr/>
+          </a:p>
+          <a:p>
+            <a:pPr marL="457200" indent="-303480">
               <a:lnSpc>
                 <a:spcPct val="100000"/>
               </a:lnSpc>
@@ -9435,7 +9528,7 @@
         <p:spPr>
           <a:xfrm>
             <a:off x="0" y="6572160"/>
-            <a:ext cx="784800" cy="284760"/>
+            <a:ext cx="784440" cy="284400"/>
           </a:xfrm>
           <a:prstGeom prst="rect">
             <a:avLst/>
@@ -9474,7 +9567,7 @@
         <p:spPr>
           <a:xfrm>
             <a:off x="428760" y="642960"/>
-            <a:ext cx="8256960" cy="784800"/>
+            <a:ext cx="8256600" cy="784440"/>
           </a:xfrm>
           <a:prstGeom prst="rect">
             <a:avLst/>
@@ -9493,7 +9586,7 @@
         <p:txBody>
           <a:bodyPr lIns="90000" rIns="90000" tIns="45000" bIns="45000" anchor="ctr"/>
           <a:p>
-            <a:pPr marL="571680" indent="-570600">
+            <a:pPr marL="571680" indent="-570240">
               <a:lnSpc>
                 <a:spcPct val="100000"/>
               </a:lnSpc>
@@ -9577,7 +9670,7 @@
         <p:spPr>
           <a:xfrm>
             <a:off x="428760" y="1714320"/>
-            <a:ext cx="8228520" cy="4928040"/>
+            <a:ext cx="8228160" cy="4927680"/>
           </a:xfrm>
           <a:prstGeom prst="rect">
             <a:avLst/>
@@ -9596,7 +9689,7 @@
         <p:txBody>
           <a:bodyPr lIns="90000" rIns="90000" tIns="45000" bIns="45000"/>
           <a:p>
-            <a:pPr marL="343080" indent="-342000">
+            <a:pPr marL="343080" indent="-341640">
               <a:lnSpc>
                 <a:spcPct val="100000"/>
               </a:lnSpc>
@@ -9634,15 +9727,15 @@
             <a:endParaRPr/>
           </a:p>
           <a:p>
-            <a:pPr marL="343080" indent="-342000">
-              <a:lnSpc>
-                <a:spcPct val="100000"/>
-              </a:lnSpc>
-            </a:pPr>
-            <a:endParaRPr/>
-          </a:p>
-          <a:p>
-            <a:pPr marL="457200" indent="-303840">
+            <a:pPr marL="343080" indent="-341640">
+              <a:lnSpc>
+                <a:spcPct val="100000"/>
+              </a:lnSpc>
+            </a:pPr>
+            <a:endParaRPr/>
+          </a:p>
+          <a:p>
+            <a:pPr marL="457200" indent="-303480">
               <a:lnSpc>
                 <a:spcPct val="100000"/>
               </a:lnSpc>
@@ -9680,7 +9773,7 @@
             <a:endParaRPr/>
           </a:p>
           <a:p>
-            <a:pPr marL="457200" indent="-303840">
+            <a:pPr marL="457200" indent="-303480">
               <a:lnSpc>
                 <a:spcPct val="100000"/>
               </a:lnSpc>
@@ -9733,15 +9826,15 @@
             <a:endParaRPr/>
           </a:p>
           <a:p>
-            <a:pPr marL="457200" indent="-303840">
-              <a:lnSpc>
-                <a:spcPct val="100000"/>
-              </a:lnSpc>
-            </a:pPr>
-            <a:endParaRPr/>
-          </a:p>
-          <a:p>
-            <a:pPr marL="457200" indent="-303840">
+            <a:pPr marL="457200" indent="-303480">
+              <a:lnSpc>
+                <a:spcPct val="100000"/>
+              </a:lnSpc>
+            </a:pPr>
+            <a:endParaRPr/>
+          </a:p>
+          <a:p>
+            <a:pPr marL="457200" indent="-303480">
               <a:lnSpc>
                 <a:spcPct val="100000"/>
               </a:lnSpc>
@@ -9779,7 +9872,7 @@
             <a:endParaRPr/>
           </a:p>
           <a:p>
-            <a:pPr marL="457200" indent="-303840">
+            <a:pPr marL="457200" indent="-303480">
               <a:lnSpc>
                 <a:spcPct val="100000"/>
               </a:lnSpc>
@@ -9817,15 +9910,15 @@
             <a:endParaRPr/>
           </a:p>
           <a:p>
-            <a:pPr marL="457200" indent="-303840">
-              <a:lnSpc>
-                <a:spcPct val="100000"/>
-              </a:lnSpc>
-            </a:pPr>
-            <a:endParaRPr/>
-          </a:p>
-          <a:p>
-            <a:pPr marL="457200" indent="-303840">
+            <a:pPr marL="457200" indent="-303480">
+              <a:lnSpc>
+                <a:spcPct val="100000"/>
+              </a:lnSpc>
+            </a:pPr>
+            <a:endParaRPr/>
+          </a:p>
+          <a:p>
+            <a:pPr marL="457200" indent="-303480">
               <a:lnSpc>
                 <a:spcPct val="100000"/>
               </a:lnSpc>
@@ -9863,7 +9956,7 @@
             <a:endParaRPr/>
           </a:p>
           <a:p>
-            <a:pPr marL="457200" indent="-303840">
+            <a:pPr marL="457200" indent="-303480">
               <a:lnSpc>
                 <a:spcPct val="100000"/>
               </a:lnSpc>
@@ -9916,15 +10009,15 @@
             <a:endParaRPr/>
           </a:p>
           <a:p>
-            <a:pPr marL="343080" indent="-342000">
-              <a:lnSpc>
-                <a:spcPct val="100000"/>
-              </a:lnSpc>
-            </a:pPr>
-            <a:endParaRPr/>
-          </a:p>
-          <a:p>
-            <a:pPr marL="343080" indent="-342000">
+            <a:pPr marL="343080" indent="-341640">
+              <a:lnSpc>
+                <a:spcPct val="100000"/>
+              </a:lnSpc>
+            </a:pPr>
+            <a:endParaRPr/>
+          </a:p>
+          <a:p>
+            <a:pPr marL="343080" indent="-341640">
               <a:lnSpc>
                 <a:spcPct val="100000"/>
               </a:lnSpc>
@@ -9947,15 +10040,15 @@
             <a:endParaRPr/>
           </a:p>
           <a:p>
-            <a:pPr marL="343080" indent="-342000">
-              <a:lnSpc>
-                <a:spcPct val="100000"/>
-              </a:lnSpc>
-            </a:pPr>
-            <a:endParaRPr/>
-          </a:p>
-          <a:p>
-            <a:pPr marL="457200" indent="-303840">
+            <a:pPr marL="343080" indent="-341640">
+              <a:lnSpc>
+                <a:spcPct val="100000"/>
+              </a:lnSpc>
+            </a:pPr>
+            <a:endParaRPr/>
+          </a:p>
+          <a:p>
+            <a:pPr marL="457200" indent="-303480">
               <a:lnSpc>
                 <a:spcPct val="100000"/>
               </a:lnSpc>
@@ -9993,7 +10086,7 @@
             <a:endParaRPr/>
           </a:p>
           <a:p>
-            <a:pPr marL="457200" indent="-303840">
+            <a:pPr marL="457200" indent="-303480">
               <a:lnSpc>
                 <a:spcPct val="100000"/>
               </a:lnSpc>
@@ -10046,15 +10139,15 @@
             <a:endParaRPr/>
           </a:p>
           <a:p>
-            <a:pPr marL="457200" indent="-303840">
-              <a:lnSpc>
-                <a:spcPct val="100000"/>
-              </a:lnSpc>
-            </a:pPr>
-            <a:endParaRPr/>
-          </a:p>
-          <a:p>
-            <a:pPr marL="457200" indent="-303840">
+            <a:pPr marL="457200" indent="-303480">
+              <a:lnSpc>
+                <a:spcPct val="100000"/>
+              </a:lnSpc>
+            </a:pPr>
+            <a:endParaRPr/>
+          </a:p>
+          <a:p>
+            <a:pPr marL="457200" indent="-303480">
               <a:lnSpc>
                 <a:spcPct val="100000"/>
               </a:lnSpc>
@@ -10092,7 +10185,7 @@
             <a:endParaRPr/>
           </a:p>
           <a:p>
-            <a:pPr marL="457200" indent="-303840">
+            <a:pPr marL="457200" indent="-303480">
               <a:lnSpc>
                 <a:spcPct val="100000"/>
               </a:lnSpc>
@@ -10145,31 +10238,31 @@
             <a:endParaRPr/>
           </a:p>
           <a:p>
-            <a:pPr marL="457200" indent="-303840">
-              <a:lnSpc>
-                <a:spcPct val="100000"/>
-              </a:lnSpc>
-            </a:pPr>
-            <a:endParaRPr/>
-          </a:p>
-          <a:p>
-            <a:pPr marL="457200" indent="-303840">
-              <a:lnSpc>
-                <a:spcPct val="100000"/>
-              </a:lnSpc>
-            </a:pPr>
-            <a:endParaRPr/>
-          </a:p>
-          <a:p>
-            <a:pPr marL="343080" indent="-342000">
-              <a:lnSpc>
-                <a:spcPct val="100000"/>
-              </a:lnSpc>
-            </a:pPr>
-            <a:endParaRPr/>
-          </a:p>
-          <a:p>
-            <a:pPr marL="457200" indent="-342000">
+            <a:pPr marL="457200" indent="-303480">
+              <a:lnSpc>
+                <a:spcPct val="100000"/>
+              </a:lnSpc>
+            </a:pPr>
+            <a:endParaRPr/>
+          </a:p>
+          <a:p>
+            <a:pPr marL="457200" indent="-303480">
+              <a:lnSpc>
+                <a:spcPct val="100000"/>
+              </a:lnSpc>
+            </a:pPr>
+            <a:endParaRPr/>
+          </a:p>
+          <a:p>
+            <a:pPr marL="343080" indent="-341640">
+              <a:lnSpc>
+                <a:spcPct val="100000"/>
+              </a:lnSpc>
+            </a:pPr>
+            <a:endParaRPr/>
+          </a:p>
+          <a:p>
+            <a:pPr marL="457200" indent="-341640">
               <a:lnSpc>
                 <a:spcPct val="100000"/>
               </a:lnSpc>
@@ -10187,7 +10280,7 @@
         <p:spPr>
           <a:xfrm>
             <a:off x="0" y="6572160"/>
-            <a:ext cx="784800" cy="284760"/>
+            <a:ext cx="784440" cy="284400"/>
           </a:xfrm>
           <a:prstGeom prst="rect">
             <a:avLst/>
@@ -10226,7 +10319,7 @@
         <p:spPr>
           <a:xfrm>
             <a:off x="428760" y="642960"/>
-            <a:ext cx="8256960" cy="784800"/>
+            <a:ext cx="8256600" cy="784440"/>
           </a:xfrm>
           <a:prstGeom prst="rect">
             <a:avLst/>
@@ -10245,7 +10338,7 @@
         <p:txBody>
           <a:bodyPr lIns="90000" rIns="90000" tIns="45000" bIns="45000" anchor="ctr"/>
           <a:p>
-            <a:pPr marL="571680" indent="-570600">
+            <a:pPr marL="571680" indent="-570240">
               <a:lnSpc>
                 <a:spcPct val="100000"/>
               </a:lnSpc>
@@ -10329,7 +10422,7 @@
         <p:spPr>
           <a:xfrm>
             <a:off x="457200" y="1714320"/>
-            <a:ext cx="8228520" cy="4410720"/>
+            <a:ext cx="8228160" cy="4410360"/>
           </a:xfrm>
           <a:prstGeom prst="rect">
             <a:avLst/>
@@ -10348,7 +10441,7 @@
         <p:txBody>
           <a:bodyPr lIns="90000" rIns="90000" tIns="45000" bIns="45000"/>
           <a:p>
-            <a:pPr marL="343080" indent="-342000">
+            <a:pPr marL="343080" indent="-341640">
               <a:lnSpc>
                 <a:spcPct val="100000"/>
               </a:lnSpc>
@@ -10386,7 +10479,7 @@
             <a:endParaRPr/>
           </a:p>
           <a:p>
-            <a:pPr marL="343080" indent="-342000">
+            <a:pPr marL="343080" indent="-341640">
               <a:lnSpc>
                 <a:spcPct val="100000"/>
               </a:lnSpc>
@@ -10419,7 +10512,7 @@
         <p:spPr>
           <a:xfrm>
             <a:off x="0" y="6572160"/>
-            <a:ext cx="784800" cy="284760"/>
+            <a:ext cx="784440" cy="284400"/>
           </a:xfrm>
           <a:prstGeom prst="rect">
             <a:avLst/>
@@ -10458,7 +10551,7 @@
         <p:spPr>
           <a:xfrm>
             <a:off x="428760" y="642960"/>
-            <a:ext cx="8256960" cy="784800"/>
+            <a:ext cx="8256600" cy="784440"/>
           </a:xfrm>
           <a:prstGeom prst="rect">
             <a:avLst/>
@@ -10477,7 +10570,7 @@
         <p:txBody>
           <a:bodyPr lIns="90000" rIns="90000" tIns="45000" bIns="45000" anchor="ctr"/>
           <a:p>
-            <a:pPr marL="571680" indent="-570600">
+            <a:pPr marL="571680" indent="-570240">
               <a:lnSpc>
                 <a:spcPct val="100000"/>
               </a:lnSpc>
@@ -10516,7 +10609,7 @@
         <p:spPr>
           <a:xfrm>
             <a:off x="900000" y="2464920"/>
-            <a:ext cx="6875280" cy="3942360"/>
+            <a:ext cx="6874920" cy="3942000"/>
           </a:xfrm>
           <a:prstGeom prst="rect">
             <a:avLst/>
@@ -10584,7 +10677,7 @@
         <p:spPr>
           <a:xfrm>
             <a:off x="428760" y="1785960"/>
-            <a:ext cx="8228520" cy="4410720"/>
+            <a:ext cx="8228160" cy="4410360"/>
           </a:xfrm>
           <a:prstGeom prst="rect">
             <a:avLst/>
@@ -10603,7 +10696,7 @@
         <p:txBody>
           <a:bodyPr lIns="90000" rIns="90000" tIns="45000" bIns="45000"/>
           <a:p>
-            <a:pPr marL="343080" indent="-342000">
+            <a:pPr marL="343080" indent="-341640">
               <a:lnSpc>
                 <a:spcPct val="100000"/>
               </a:lnSpc>
@@ -10641,7 +10734,7 @@
             <a:endParaRPr/>
           </a:p>
           <a:p>
-            <a:pPr marL="343080" indent="-342000">
+            <a:pPr marL="343080" indent="-341640">
               <a:lnSpc>
                 <a:spcPct val="100000"/>
               </a:lnSpc>
@@ -10674,7 +10767,7 @@
         <p:spPr>
           <a:xfrm>
             <a:off x="0" y="6572160"/>
-            <a:ext cx="784800" cy="284760"/>
+            <a:ext cx="784440" cy="284400"/>
           </a:xfrm>
           <a:prstGeom prst="rect">
             <a:avLst/>
@@ -10717,7 +10810,7 @@
         <p:spPr>
           <a:xfrm>
             <a:off x="928800" y="2357280"/>
-            <a:ext cx="7057080" cy="4142160"/>
+            <a:ext cx="7056720" cy="4141800"/>
           </a:xfrm>
           <a:prstGeom prst="rect">
             <a:avLst/>
@@ -10736,7 +10829,7 @@
         <p:spPr>
           <a:xfrm>
             <a:off x="428760" y="642960"/>
-            <a:ext cx="8256960" cy="784800"/>
+            <a:ext cx="8256600" cy="784440"/>
           </a:xfrm>
           <a:prstGeom prst="rect">
             <a:avLst/>
@@ -10755,7 +10848,7 @@
         <p:txBody>
           <a:bodyPr lIns="90000" rIns="90000" tIns="45000" bIns="45000" anchor="ctr"/>
           <a:p>
-            <a:pPr marL="571680" indent="-570600">
+            <a:pPr marL="571680" indent="-570240">
               <a:lnSpc>
                 <a:spcPct val="100000"/>
               </a:lnSpc>
@@ -10839,7 +10932,7 @@
         <p:spPr>
           <a:xfrm>
             <a:off x="0" y="6572160"/>
-            <a:ext cx="784800" cy="284760"/>
+            <a:ext cx="784440" cy="284400"/>
           </a:xfrm>
           <a:prstGeom prst="rect">
             <a:avLst/>
@@ -10878,7 +10971,7 @@
         <p:spPr>
           <a:xfrm>
             <a:off x="428760" y="642960"/>
-            <a:ext cx="8256960" cy="784800"/>
+            <a:ext cx="8256600" cy="784440"/>
           </a:xfrm>
           <a:prstGeom prst="rect">
             <a:avLst/>
@@ -10897,7 +10990,7 @@
         <p:txBody>
           <a:bodyPr lIns="90000" rIns="90000" tIns="45000" bIns="45000" anchor="ctr"/>
           <a:p>
-            <a:pPr marL="571680" indent="-570600">
+            <a:pPr marL="571680" indent="-570240">
               <a:lnSpc>
                 <a:spcPct val="100000"/>
               </a:lnSpc>
@@ -10930,7 +11023,7 @@
         <p:spPr>
           <a:xfrm>
             <a:off x="2736000" y="6309360"/>
-            <a:ext cx="5571000" cy="226800"/>
+            <a:ext cx="5570640" cy="226440"/>
           </a:xfrm>
           <a:prstGeom prst="rect">
             <a:avLst/>
@@ -10986,7 +11079,7 @@
         <p:spPr>
           <a:xfrm>
             <a:off x="123480" y="3291840"/>
-            <a:ext cx="8929080" cy="2468880"/>
+            <a:ext cx="8928720" cy="2468520"/>
           </a:xfrm>
           <a:prstGeom prst="rect">
             <a:avLst/>
@@ -10998,14 +11091,14 @@
       </p:pic>
       <p:sp>
         <p:nvSpPr>
-          <p:cNvPr id="103" name="TextShape 4"/>
-          <p:cNvSpPr txBox="1"/>
+          <p:cNvPr id="103" name="CustomShape 4"/>
+          <p:cNvSpPr/>
           <p:nvPr/>
         </p:nvSpPr>
         <p:spPr>
           <a:xfrm>
             <a:off x="914400" y="2305440"/>
-            <a:ext cx="7273440" cy="346320"/>
+            <a:ext cx="7273080" cy="345960"/>
           </a:xfrm>
           <a:prstGeom prst="rect">
             <a:avLst/>
@@ -11015,11 +11108,22 @@
             <a:noFill/>
           </a:ln>
         </p:spPr>
+        <p:style>
+          <a:lnRef idx="0"/>
+          <a:fillRef idx="0"/>
+          <a:effectRef idx="0"/>
+          <a:fontRef idx="minor"/>
+        </p:style>
         <p:txBody>
           <a:bodyPr lIns="90000" rIns="90000" tIns="45000" bIns="45000"/>
           <a:p>
             <a:r>
-              <a:rPr lang="en-US" sz="1800" spc="-1">
+              <a:rPr lang="en-US" sz="1800" spc="-1" strike="noStrike">
+                <a:uFill>
+                  <a:solidFill>
+                    <a:srgbClr val="ffffff"/>
+                  </a:solidFill>
+                </a:uFill>
                 <a:latin typeface="Arial"/>
               </a:rPr>
               <a:t>Organization chart encompassing the four components of the system :</a:t>

--- a/Presentation.pptx
+++ b/Presentation.pptx
@@ -2817,7 +2817,7 @@
         <p:spPr>
           <a:xfrm>
             <a:off x="0" y="6572160"/>
-            <a:ext cx="784440" cy="284400"/>
+            <a:ext cx="784080" cy="284040"/>
           </a:xfrm>
           <a:prstGeom prst="rect">
             <a:avLst/>
@@ -2856,7 +2856,7 @@
         <p:spPr>
           <a:xfrm>
             <a:off x="285840" y="5857920"/>
-            <a:ext cx="5318280" cy="646200"/>
+            <a:ext cx="5317920" cy="645840"/>
           </a:xfrm>
           <a:prstGeom prst="rect">
             <a:avLst/>
@@ -2908,7 +2908,7 @@
         <p:spPr>
           <a:xfrm>
             <a:off x="5364000" y="5000760"/>
-            <a:ext cx="3456000" cy="1641600"/>
+            <a:ext cx="3455640" cy="1641240"/>
           </a:xfrm>
           <a:prstGeom prst="rect">
             <a:avLst/>
@@ -3053,7 +3053,7 @@
         <p:spPr>
           <a:xfrm>
             <a:off x="1643040" y="357120"/>
-            <a:ext cx="5318280" cy="574920"/>
+            <a:ext cx="5317920" cy="574560"/>
           </a:xfrm>
           <a:prstGeom prst="rect">
             <a:avLst/>
@@ -3154,7 +3154,7 @@
         <p:spPr>
           <a:xfrm>
             <a:off x="457200" y="1714320"/>
-            <a:ext cx="8228160" cy="4410360"/>
+            <a:ext cx="8227800" cy="4410000"/>
           </a:xfrm>
           <a:prstGeom prst="rect">
             <a:avLst/>
@@ -3173,7 +3173,7 @@
         <p:txBody>
           <a:bodyPr lIns="90000" rIns="90000" tIns="45000" bIns="45000"/>
           <a:p>
-            <a:pPr marL="343080" indent="-341640">
+            <a:pPr marL="343080" indent="-341280">
               <a:lnSpc>
                 <a:spcPct val="100000"/>
               </a:lnSpc>
@@ -3196,7 +3196,7 @@
             <a:endParaRPr/>
           </a:p>
           <a:p>
-            <a:pPr marL="343080" indent="-341640">
+            <a:pPr marL="343080" indent="-341280">
               <a:lnSpc>
                 <a:spcPct val="100000"/>
               </a:lnSpc>
@@ -3219,7 +3219,7 @@
             <a:endParaRPr/>
           </a:p>
           <a:p>
-            <a:pPr marL="343080" indent="-341640">
+            <a:pPr marL="343080" indent="-341280">
               <a:lnSpc>
                 <a:spcPct val="100000"/>
               </a:lnSpc>
@@ -3252,7 +3252,7 @@
         <p:spPr>
           <a:xfrm>
             <a:off x="0" y="6572160"/>
-            <a:ext cx="784440" cy="284400"/>
+            <a:ext cx="784080" cy="284040"/>
           </a:xfrm>
           <a:prstGeom prst="rect">
             <a:avLst/>
@@ -3291,7 +3291,7 @@
         <p:spPr>
           <a:xfrm>
             <a:off x="428760" y="642960"/>
-            <a:ext cx="8256600" cy="784440"/>
+            <a:ext cx="8256240" cy="784080"/>
           </a:xfrm>
           <a:prstGeom prst="rect">
             <a:avLst/>
@@ -3310,7 +3310,7 @@
         <p:txBody>
           <a:bodyPr lIns="90000" rIns="90000" tIns="45000" bIns="45000" anchor="ctr"/>
           <a:p>
-            <a:pPr marL="571680" indent="-570240">
+            <a:pPr marL="571680" indent="-569880">
               <a:lnSpc>
                 <a:spcPct val="100000"/>
               </a:lnSpc>
@@ -3347,7 +3347,7 @@
         <p:spPr>
           <a:xfrm>
             <a:off x="1223280" y="2520000"/>
-            <a:ext cx="6551640" cy="3414960"/>
+            <a:ext cx="6551280" cy="3414600"/>
           </a:xfrm>
           <a:prstGeom prst="rect">
             <a:avLst/>
@@ -3415,7 +3415,7 @@
         <p:spPr>
           <a:xfrm>
             <a:off x="457200" y="1714320"/>
-            <a:ext cx="8228160" cy="4410360"/>
+            <a:ext cx="8227800" cy="4410000"/>
           </a:xfrm>
           <a:prstGeom prst="rect">
             <a:avLst/>
@@ -3434,7 +3434,7 @@
         <p:txBody>
           <a:bodyPr lIns="90000" rIns="90000" tIns="45000" bIns="45000"/>
           <a:p>
-            <a:pPr marL="343080" indent="-341640">
+            <a:pPr marL="343080" indent="-341280">
               <a:lnSpc>
                 <a:spcPct val="100000"/>
               </a:lnSpc>
@@ -3457,7 +3457,7 @@
             <a:endParaRPr/>
           </a:p>
           <a:p>
-            <a:pPr marL="343080" indent="-341640">
+            <a:pPr marL="343080" indent="-341280">
               <a:lnSpc>
                 <a:spcPct val="100000"/>
               </a:lnSpc>
@@ -3490,7 +3490,7 @@
         <p:spPr>
           <a:xfrm>
             <a:off x="0" y="6572160"/>
-            <a:ext cx="784440" cy="284400"/>
+            <a:ext cx="784080" cy="284040"/>
           </a:xfrm>
           <a:prstGeom prst="rect">
             <a:avLst/>
@@ -3529,7 +3529,7 @@
         <p:spPr>
           <a:xfrm>
             <a:off x="428760" y="642960"/>
-            <a:ext cx="8256600" cy="784440"/>
+            <a:ext cx="8256240" cy="784080"/>
           </a:xfrm>
           <a:prstGeom prst="rect">
             <a:avLst/>
@@ -3548,7 +3548,7 @@
         <p:txBody>
           <a:bodyPr lIns="90000" rIns="90000" tIns="45000" bIns="45000" anchor="ctr"/>
           <a:p>
-            <a:pPr marL="571680" indent="-570240">
+            <a:pPr marL="571680" indent="-569880">
               <a:lnSpc>
                 <a:spcPct val="100000"/>
               </a:lnSpc>
@@ -3585,7 +3585,7 @@
         <p:spPr>
           <a:xfrm>
             <a:off x="1440000" y="2175840"/>
-            <a:ext cx="6551640" cy="3799080"/>
+            <a:ext cx="6551280" cy="3798720"/>
           </a:xfrm>
           <a:prstGeom prst="rect">
             <a:avLst/>
@@ -3653,7 +3653,7 @@
         <p:spPr>
           <a:xfrm>
             <a:off x="457200" y="1714320"/>
-            <a:ext cx="8228160" cy="4410360"/>
+            <a:ext cx="8227800" cy="4410000"/>
           </a:xfrm>
           <a:prstGeom prst="rect">
             <a:avLst/>
@@ -3672,7 +3672,7 @@
         <p:txBody>
           <a:bodyPr lIns="90000" rIns="90000" tIns="45000" bIns="45000"/>
           <a:p>
-            <a:pPr marL="343080" indent="-341640">
+            <a:pPr marL="343080" indent="-341280">
               <a:lnSpc>
                 <a:spcPct val="100000"/>
               </a:lnSpc>
@@ -3690,174 +3690,68 @@
                 <a:latin typeface="Calibri"/>
                 <a:ea typeface="DejaVu Sans"/>
               </a:rPr>
-              <a:t>Our mock-ups:</a:t>
-            </a:r>
-            <a:endParaRPr/>
-          </a:p>
-          <a:p>
-            <a:pPr marL="343080" indent="-341640">
-              <a:lnSpc>
-                <a:spcPct val="100000"/>
-              </a:lnSpc>
-            </a:pPr>
-            <a:endParaRPr/>
-          </a:p>
-          <a:p>
-            <a:pPr marL="343080" indent="-341640">
-              <a:lnSpc>
-                <a:spcPct val="100000"/>
-              </a:lnSpc>
-            </a:pPr>
-            <a:r>
-              <a:rPr lang="en-US" sz="1500" spc="-1" strike="noStrike">
-                <a:solidFill>
-                  <a:srgbClr val="000000"/>
-                </a:solidFill>
-                <a:uFill>
-                  <a:solidFill>
-                    <a:srgbClr val="ffffff"/>
-                  </a:solidFill>
-                </a:uFill>
-                <a:latin typeface="Calibri"/>
-                <a:ea typeface="DejaVu Sans"/>
-              </a:rPr>
-              <a:t>For our mock-ups, we decided to do it with</a:t>
-            </a:r>
-            <a:r>
-              <a:rPr lang="en-US" sz="1500" spc="-1" strike="noStrike">
-                <a:solidFill>
-                  <a:srgbClr val="464af4"/>
-                </a:solidFill>
-                <a:uFill>
-                  <a:solidFill>
-                    <a:srgbClr val="ffffff"/>
-                  </a:solidFill>
-                </a:uFill>
-                <a:latin typeface="Calibri"/>
-                <a:ea typeface="DejaVu Sans"/>
-              </a:rPr>
-              <a:t> Invasion </a:t>
-            </a:r>
-            <a:r>
-              <a:rPr lang="en-US" sz="1500" spc="-1" strike="noStrike">
-                <a:solidFill>
-                  <a:srgbClr val="000000"/>
-                </a:solidFill>
-                <a:uFill>
-                  <a:solidFill>
-                    <a:srgbClr val="ffffff"/>
-                  </a:solidFill>
-                </a:uFill>
-                <a:latin typeface="Calibri"/>
-                <a:ea typeface="DejaVu Sans"/>
-              </a:rPr>
-              <a:t>as Mr. Tekkal advices us.</a:t>
-            </a:r>
-            <a:endParaRPr/>
-          </a:p>
-          <a:p>
-            <a:pPr marL="343080" indent="-341640">
-              <a:lnSpc>
-                <a:spcPct val="100000"/>
-              </a:lnSpc>
-            </a:pPr>
-            <a:r>
-              <a:rPr lang="en-US" sz="1500" spc="-1" strike="noStrike">
-                <a:solidFill>
-                  <a:srgbClr val="464af4"/>
-                </a:solidFill>
-                <a:uFill>
-                  <a:solidFill>
-                    <a:srgbClr val="ffffff"/>
-                  </a:solidFill>
-                </a:uFill>
-                <a:latin typeface="Calibri"/>
-                <a:ea typeface="DejaVu Sans"/>
-              </a:rPr>
-              <a:t> </a:t>
-            </a:r>
-            <a:r>
-              <a:rPr lang="en-US" sz="1500" spc="-1" strike="noStrike">
-                <a:solidFill>
-                  <a:srgbClr val="000000"/>
-                </a:solidFill>
-                <a:uFill>
-                  <a:solidFill>
-                    <a:srgbClr val="ffffff"/>
-                  </a:solidFill>
-                </a:uFill>
-                <a:latin typeface="Calibri"/>
-                <a:ea typeface="DejaVu Sans"/>
-              </a:rPr>
-              <a:t>so here’s the link for it :</a:t>
-            </a:r>
-            <a:endParaRPr/>
-          </a:p>
-          <a:p>
-            <a:pPr marL="343080" indent="-341640">
-              <a:lnSpc>
-                <a:spcPct val="100000"/>
-              </a:lnSpc>
-            </a:pPr>
-            <a:endParaRPr/>
-          </a:p>
-          <a:p>
-            <a:pPr marL="343080" indent="-341640">
-              <a:lnSpc>
-                <a:spcPct val="100000"/>
-              </a:lnSpc>
-            </a:pPr>
-            <a:r>
-              <a:rPr lang="en-US" sz="1600" spc="-1" strike="noStrike" u="sng">
-                <a:solidFill>
-                  <a:srgbClr val="009999"/>
-                </a:solidFill>
-                <a:uFill>
-                  <a:solidFill>
-                    <a:srgbClr val="ffffff"/>
-                  </a:solidFill>
-                </a:uFill>
-                <a:latin typeface="Arial"/>
-                <a:ea typeface="DejaVu Sans"/>
-              </a:rPr>
-              <a:t>https://invis.io/VW60KMLEY</a:t>
-            </a:r>
-            <a:endParaRPr/>
-          </a:p>
-          <a:p>
-            <a:pPr marL="343080" indent="-341640">
-              <a:lnSpc>
-                <a:spcPct val="100000"/>
-              </a:lnSpc>
-            </a:pPr>
-            <a:endParaRPr/>
-          </a:p>
-          <a:p>
-            <a:pPr marL="343080" indent="-341640">
-              <a:lnSpc>
-                <a:spcPct val="100000"/>
-              </a:lnSpc>
-            </a:pPr>
-            <a:endParaRPr/>
-          </a:p>
-          <a:p>
-            <a:pPr marL="343080" indent="-341640">
-              <a:lnSpc>
-                <a:spcPct val="100000"/>
-              </a:lnSpc>
-            </a:pPr>
-            <a:endParaRPr/>
-          </a:p>
-          <a:p>
-            <a:pPr marL="343080" indent="-341640">
-              <a:lnSpc>
-                <a:spcPct val="100000"/>
-              </a:lnSpc>
-            </a:pPr>
-            <a:endParaRPr/>
-          </a:p>
-          <a:p>
-            <a:pPr marL="343080" indent="-341640">
+              <a:t>A prototype of the web-application :</a:t>
+            </a:r>
+            <a:endParaRPr/>
+          </a:p>
+          <a:p>
+            <a:pPr marL="343080" indent="-341280">
+              <a:lnSpc>
+                <a:spcPct val="100000"/>
+              </a:lnSpc>
+            </a:pPr>
+            <a:endParaRPr/>
+          </a:p>
+          <a:p>
+            <a:pPr marL="343080" indent="-341280">
+              <a:lnSpc>
+                <a:spcPct val="100000"/>
+              </a:lnSpc>
+            </a:pPr>
+            <a:endParaRPr/>
+          </a:p>
+          <a:p>
+            <a:pPr marL="343080" indent="-341280">
+              <a:lnSpc>
+                <a:spcPct val="100000"/>
+              </a:lnSpc>
+            </a:pPr>
+            <a:endParaRPr/>
+          </a:p>
+          <a:p>
+            <a:pPr marL="343080" indent="-341280">
+              <a:lnSpc>
+                <a:spcPct val="100000"/>
+              </a:lnSpc>
+            </a:pPr>
+            <a:endParaRPr/>
+          </a:p>
+          <a:p>
+            <a:pPr marL="343080" indent="-341280">
+              <a:lnSpc>
+                <a:spcPct val="100000"/>
+              </a:lnSpc>
+            </a:pPr>
+            <a:endParaRPr/>
+          </a:p>
+          <a:p>
+            <a:pPr marL="343080" indent="-341280">
+              <a:lnSpc>
+                <a:spcPct val="100000"/>
+              </a:lnSpc>
+            </a:pPr>
+            <a:endParaRPr/>
+          </a:p>
+          <a:p>
+            <a:pPr marL="343080" indent="-341280">
+              <a:lnSpc>
+                <a:spcPct val="100000"/>
+              </a:lnSpc>
+            </a:pPr>
+            <a:endParaRPr/>
+          </a:p>
+          <a:p>
+            <a:pPr marL="343080" indent="-341280">
               <a:lnSpc>
                 <a:spcPct val="100000"/>
               </a:lnSpc>
@@ -3875,7 +3769,7 @@
         <p:spPr>
           <a:xfrm>
             <a:off x="0" y="6572160"/>
-            <a:ext cx="784440" cy="284400"/>
+            <a:ext cx="784080" cy="284040"/>
           </a:xfrm>
           <a:prstGeom prst="rect">
             <a:avLst/>
@@ -3914,7 +3808,7 @@
         <p:spPr>
           <a:xfrm>
             <a:off x="428760" y="642960"/>
-            <a:ext cx="8256600" cy="784440"/>
+            <a:ext cx="8256240" cy="784080"/>
           </a:xfrm>
           <a:prstGeom prst="rect">
             <a:avLst/>
@@ -3933,7 +3827,7 @@
         <p:txBody>
           <a:bodyPr lIns="90000" rIns="90000" tIns="45000" bIns="45000" anchor="ctr"/>
           <a:p>
-            <a:pPr marL="571680" indent="-570240">
+            <a:pPr marL="571680" indent="-569880">
               <a:lnSpc>
                 <a:spcPct val="100000"/>
               </a:lnSpc>
@@ -3952,6 +3846,75 @@
                 <a:ea typeface="DejaVu Sans"/>
               </a:rPr>
               <a:t>II.   Second lesson</a:t>
+            </a:r>
+            <a:endParaRPr/>
+          </a:p>
+        </p:txBody>
+      </p:sp>
+      <p:pic>
+        <p:nvPicPr>
+          <p:cNvPr id="115" name="" descr=""/>
+          <p:cNvPicPr/>
+          <p:nvPr/>
+        </p:nvPicPr>
+        <p:blipFill>
+          <a:blip r:embed="rId2"/>
+          <a:stretch/>
+        </p:blipFill>
+        <p:spPr>
+          <a:xfrm>
+            <a:off x="2535480" y="2313360"/>
+            <a:ext cx="4231080" cy="3173040"/>
+          </a:xfrm>
+          <a:prstGeom prst="rect">
+            <a:avLst/>
+          </a:prstGeom>
+          <a:ln>
+            <a:noFill/>
+          </a:ln>
+        </p:spPr>
+      </p:pic>
+      <p:sp>
+        <p:nvSpPr>
+          <p:cNvPr id="116" name="TextShape 4"/>
+          <p:cNvSpPr txBox="1"/>
+          <p:nvPr/>
+        </p:nvSpPr>
+        <p:spPr>
+          <a:xfrm>
+            <a:off x="3369960" y="5670360"/>
+            <a:ext cx="2756520" cy="547560"/>
+          </a:xfrm>
+          <a:prstGeom prst="rect">
+            <a:avLst/>
+          </a:prstGeom>
+          <a:noFill/>
+          <a:ln>
+            <a:noFill/>
+          </a:ln>
+        </p:spPr>
+        <p:txBody>
+          <a:bodyPr lIns="90000" rIns="90000" tIns="45000" bIns="45000"/>
+          <a:p>
+            <a:pPr marL="343080" indent="-341280">
+              <a:lnSpc>
+                <a:spcPct val="100000"/>
+              </a:lnSpc>
+            </a:pPr>
+            <a:r>
+              <a:rPr lang="en-US" sz="1600" spc="-1" strike="noStrike" u="sng">
+                <a:solidFill>
+                  <a:srgbClr val="009999"/>
+                </a:solidFill>
+                <a:uFill>
+                  <a:solidFill>
+                    <a:srgbClr val="ffffff"/>
+                  </a:solidFill>
+                </a:uFill>
+                <a:latin typeface="Arial"/>
+                <a:ea typeface="DejaVu Sans"/>
+              </a:rPr>
+              <a:t>https://invis.io/VW60KMLEY</a:t>
             </a:r>
             <a:endParaRPr/>
           </a:p>
@@ -4008,14 +3971,14 @@
       </p:grpSpPr>
       <p:sp>
         <p:nvSpPr>
-          <p:cNvPr id="115" name="CustomShape 1"/>
+          <p:cNvPr id="117" name="CustomShape 1"/>
           <p:cNvSpPr/>
           <p:nvPr/>
         </p:nvSpPr>
         <p:spPr>
           <a:xfrm>
             <a:off x="457200" y="1714320"/>
-            <a:ext cx="8228160" cy="4410360"/>
+            <a:ext cx="8227800" cy="4410000"/>
           </a:xfrm>
           <a:prstGeom prst="rect">
             <a:avLst/>
@@ -4034,7 +3997,7 @@
         <p:txBody>
           <a:bodyPr lIns="90000" rIns="90000" tIns="45000" bIns="45000"/>
           <a:p>
-            <a:pPr marL="343080" indent="-341640">
+            <a:pPr marL="343080" indent="-341280">
               <a:lnSpc>
                 <a:spcPct val="100000"/>
               </a:lnSpc>
@@ -4057,7 +4020,7 @@
             <a:endParaRPr/>
           </a:p>
           <a:p>
-            <a:pPr marL="343080" indent="-341640">
+            <a:pPr marL="343080" indent="-341280">
               <a:lnSpc>
                 <a:spcPct val="100000"/>
               </a:lnSpc>
@@ -4080,7 +4043,7 @@
             <a:endParaRPr/>
           </a:p>
           <a:p>
-            <a:pPr marL="343080" indent="-341640">
+            <a:pPr marL="343080" indent="-341280">
               <a:lnSpc>
                 <a:spcPct val="100000"/>
               </a:lnSpc>
@@ -4118,151 +4081,151 @@
             <a:endParaRPr/>
           </a:p>
           <a:p>
-            <a:pPr marL="343080" indent="-341640">
-              <a:lnSpc>
-                <a:spcPct val="100000"/>
-              </a:lnSpc>
-            </a:pPr>
-            <a:endParaRPr/>
-          </a:p>
-          <a:p>
-            <a:pPr marL="343080" indent="-341640">
-              <a:lnSpc>
-                <a:spcPct val="100000"/>
-              </a:lnSpc>
-            </a:pPr>
-            <a:endParaRPr/>
-          </a:p>
-          <a:p>
-            <a:pPr marL="343080" indent="-341640">
-              <a:lnSpc>
-                <a:spcPct val="100000"/>
-              </a:lnSpc>
-            </a:pPr>
-            <a:endParaRPr/>
-          </a:p>
-          <a:p>
-            <a:pPr marL="343080" indent="-341640">
-              <a:lnSpc>
-                <a:spcPct val="100000"/>
-              </a:lnSpc>
-            </a:pPr>
-            <a:endParaRPr/>
-          </a:p>
-          <a:p>
-            <a:pPr marL="343080" indent="-341640">
-              <a:lnSpc>
-                <a:spcPct val="100000"/>
-              </a:lnSpc>
-            </a:pPr>
-            <a:endParaRPr/>
-          </a:p>
-          <a:p>
-            <a:pPr marL="343080" indent="-341640">
-              <a:lnSpc>
-                <a:spcPct val="100000"/>
-              </a:lnSpc>
-            </a:pPr>
-            <a:endParaRPr/>
-          </a:p>
-          <a:p>
-            <a:pPr marL="343080" indent="-341640">
-              <a:lnSpc>
-                <a:spcPct val="100000"/>
-              </a:lnSpc>
-            </a:pPr>
-            <a:endParaRPr/>
-          </a:p>
-          <a:p>
-            <a:pPr marL="343080" indent="-341640">
-              <a:lnSpc>
-                <a:spcPct val="100000"/>
-              </a:lnSpc>
-            </a:pPr>
-            <a:endParaRPr/>
-          </a:p>
-          <a:p>
-            <a:pPr marL="343080" indent="-341640">
-              <a:lnSpc>
-                <a:spcPct val="100000"/>
-              </a:lnSpc>
-            </a:pPr>
-            <a:endParaRPr/>
-          </a:p>
-          <a:p>
-            <a:pPr marL="343080" indent="-341640">
-              <a:lnSpc>
-                <a:spcPct val="100000"/>
-              </a:lnSpc>
-            </a:pPr>
-            <a:endParaRPr/>
-          </a:p>
-          <a:p>
-            <a:pPr marL="343080" indent="-341640">
-              <a:lnSpc>
-                <a:spcPct val="100000"/>
-              </a:lnSpc>
-            </a:pPr>
-            <a:endParaRPr/>
-          </a:p>
-          <a:p>
-            <a:pPr marL="343080" indent="-341640">
-              <a:lnSpc>
-                <a:spcPct val="100000"/>
-              </a:lnSpc>
-            </a:pPr>
-            <a:endParaRPr/>
-          </a:p>
-          <a:p>
-            <a:pPr marL="343080" indent="-341640">
-              <a:lnSpc>
-                <a:spcPct val="100000"/>
-              </a:lnSpc>
-            </a:pPr>
-            <a:endParaRPr/>
-          </a:p>
-          <a:p>
-            <a:pPr marL="343080" indent="-341640">
-              <a:lnSpc>
-                <a:spcPct val="100000"/>
-              </a:lnSpc>
-            </a:pPr>
-            <a:endParaRPr/>
-          </a:p>
-          <a:p>
-            <a:pPr marL="343080" indent="-341640">
-              <a:lnSpc>
-                <a:spcPct val="100000"/>
-              </a:lnSpc>
-            </a:pPr>
-            <a:endParaRPr/>
-          </a:p>
-          <a:p>
-            <a:pPr marL="343080" indent="-341640">
-              <a:lnSpc>
-                <a:spcPct val="100000"/>
-              </a:lnSpc>
-            </a:pPr>
-            <a:endParaRPr/>
-          </a:p>
-          <a:p>
-            <a:pPr marL="343080" indent="-341640">
-              <a:lnSpc>
-                <a:spcPct val="100000"/>
-              </a:lnSpc>
-            </a:pPr>
-            <a:endParaRPr/>
-          </a:p>
-          <a:p>
-            <a:pPr marL="343080" indent="-341640">
-              <a:lnSpc>
-                <a:spcPct val="100000"/>
-              </a:lnSpc>
-            </a:pPr>
-            <a:endParaRPr/>
-          </a:p>
-          <a:p>
-            <a:pPr marL="343080" indent="-341640">
+            <a:pPr marL="343080" indent="-341280">
+              <a:lnSpc>
+                <a:spcPct val="100000"/>
+              </a:lnSpc>
+            </a:pPr>
+            <a:endParaRPr/>
+          </a:p>
+          <a:p>
+            <a:pPr marL="343080" indent="-341280">
+              <a:lnSpc>
+                <a:spcPct val="100000"/>
+              </a:lnSpc>
+            </a:pPr>
+            <a:endParaRPr/>
+          </a:p>
+          <a:p>
+            <a:pPr marL="343080" indent="-341280">
+              <a:lnSpc>
+                <a:spcPct val="100000"/>
+              </a:lnSpc>
+            </a:pPr>
+            <a:endParaRPr/>
+          </a:p>
+          <a:p>
+            <a:pPr marL="343080" indent="-341280">
+              <a:lnSpc>
+                <a:spcPct val="100000"/>
+              </a:lnSpc>
+            </a:pPr>
+            <a:endParaRPr/>
+          </a:p>
+          <a:p>
+            <a:pPr marL="343080" indent="-341280">
+              <a:lnSpc>
+                <a:spcPct val="100000"/>
+              </a:lnSpc>
+            </a:pPr>
+            <a:endParaRPr/>
+          </a:p>
+          <a:p>
+            <a:pPr marL="343080" indent="-341280">
+              <a:lnSpc>
+                <a:spcPct val="100000"/>
+              </a:lnSpc>
+            </a:pPr>
+            <a:endParaRPr/>
+          </a:p>
+          <a:p>
+            <a:pPr marL="343080" indent="-341280">
+              <a:lnSpc>
+                <a:spcPct val="100000"/>
+              </a:lnSpc>
+            </a:pPr>
+            <a:endParaRPr/>
+          </a:p>
+          <a:p>
+            <a:pPr marL="343080" indent="-341280">
+              <a:lnSpc>
+                <a:spcPct val="100000"/>
+              </a:lnSpc>
+            </a:pPr>
+            <a:endParaRPr/>
+          </a:p>
+          <a:p>
+            <a:pPr marL="343080" indent="-341280">
+              <a:lnSpc>
+                <a:spcPct val="100000"/>
+              </a:lnSpc>
+            </a:pPr>
+            <a:endParaRPr/>
+          </a:p>
+          <a:p>
+            <a:pPr marL="343080" indent="-341280">
+              <a:lnSpc>
+                <a:spcPct val="100000"/>
+              </a:lnSpc>
+            </a:pPr>
+            <a:endParaRPr/>
+          </a:p>
+          <a:p>
+            <a:pPr marL="343080" indent="-341280">
+              <a:lnSpc>
+                <a:spcPct val="100000"/>
+              </a:lnSpc>
+            </a:pPr>
+            <a:endParaRPr/>
+          </a:p>
+          <a:p>
+            <a:pPr marL="343080" indent="-341280">
+              <a:lnSpc>
+                <a:spcPct val="100000"/>
+              </a:lnSpc>
+            </a:pPr>
+            <a:endParaRPr/>
+          </a:p>
+          <a:p>
+            <a:pPr marL="343080" indent="-341280">
+              <a:lnSpc>
+                <a:spcPct val="100000"/>
+              </a:lnSpc>
+            </a:pPr>
+            <a:endParaRPr/>
+          </a:p>
+          <a:p>
+            <a:pPr marL="343080" indent="-341280">
+              <a:lnSpc>
+                <a:spcPct val="100000"/>
+              </a:lnSpc>
+            </a:pPr>
+            <a:endParaRPr/>
+          </a:p>
+          <a:p>
+            <a:pPr marL="343080" indent="-341280">
+              <a:lnSpc>
+                <a:spcPct val="100000"/>
+              </a:lnSpc>
+            </a:pPr>
+            <a:endParaRPr/>
+          </a:p>
+          <a:p>
+            <a:pPr marL="343080" indent="-341280">
+              <a:lnSpc>
+                <a:spcPct val="100000"/>
+              </a:lnSpc>
+            </a:pPr>
+            <a:endParaRPr/>
+          </a:p>
+          <a:p>
+            <a:pPr marL="343080" indent="-341280">
+              <a:lnSpc>
+                <a:spcPct val="100000"/>
+              </a:lnSpc>
+            </a:pPr>
+            <a:endParaRPr/>
+          </a:p>
+          <a:p>
+            <a:pPr marL="343080" indent="-341280">
+              <a:lnSpc>
+                <a:spcPct val="100000"/>
+              </a:lnSpc>
+            </a:pPr>
+            <a:endParaRPr/>
+          </a:p>
+          <a:p>
+            <a:pPr marL="343080" indent="-341280">
               <a:lnSpc>
                 <a:spcPct val="100000"/>
               </a:lnSpc>
@@ -4273,14 +4236,14 @@
       </p:sp>
       <p:sp>
         <p:nvSpPr>
-          <p:cNvPr id="116" name="CustomShape 2"/>
+          <p:cNvPr id="118" name="CustomShape 2"/>
           <p:cNvSpPr/>
           <p:nvPr/>
         </p:nvSpPr>
         <p:spPr>
           <a:xfrm>
             <a:off x="0" y="6572160"/>
-            <a:ext cx="784440" cy="284400"/>
+            <a:ext cx="784080" cy="284040"/>
           </a:xfrm>
           <a:prstGeom prst="rect">
             <a:avLst/>
@@ -4312,14 +4275,14 @@
       </p:sp>
       <p:sp>
         <p:nvSpPr>
-          <p:cNvPr id="117" name="CustomShape 3"/>
+          <p:cNvPr id="119" name="CustomShape 3"/>
           <p:cNvSpPr/>
           <p:nvPr/>
         </p:nvSpPr>
         <p:spPr>
           <a:xfrm>
             <a:off x="428760" y="642960"/>
-            <a:ext cx="8256600" cy="784440"/>
+            <a:ext cx="8256240" cy="784080"/>
           </a:xfrm>
           <a:prstGeom prst="rect">
             <a:avLst/>
@@ -4338,7 +4301,7 @@
         <p:txBody>
           <a:bodyPr lIns="90000" rIns="90000" tIns="45000" bIns="45000" anchor="ctr"/>
           <a:p>
-            <a:pPr marL="571680" indent="-570240">
+            <a:pPr marL="571680" indent="-569880">
               <a:lnSpc>
                 <a:spcPct val="100000"/>
               </a:lnSpc>
@@ -4364,7 +4327,7 @@
       </p:sp>
       <p:pic>
         <p:nvPicPr>
-          <p:cNvPr id="118" name="Shape 81" descr=""/>
+          <p:cNvPr id="120" name="Shape 81" descr=""/>
           <p:cNvPicPr/>
           <p:nvPr/>
         </p:nvPicPr>
@@ -4375,7 +4338,7 @@
         <p:spPr>
           <a:xfrm>
             <a:off x="0" y="2571840"/>
-            <a:ext cx="9142560" cy="3912120"/>
+            <a:ext cx="9142200" cy="3911760"/>
           </a:xfrm>
           <a:prstGeom prst="rect">
             <a:avLst/>
@@ -4436,14 +4399,14 @@
       </p:grpSpPr>
       <p:sp>
         <p:nvSpPr>
-          <p:cNvPr id="119" name="CustomShape 1"/>
+          <p:cNvPr id="121" name="CustomShape 1"/>
           <p:cNvSpPr/>
           <p:nvPr/>
         </p:nvSpPr>
         <p:spPr>
           <a:xfrm>
             <a:off x="457200" y="1714320"/>
-            <a:ext cx="8228160" cy="4410360"/>
+            <a:ext cx="8227800" cy="4410000"/>
           </a:xfrm>
           <a:prstGeom prst="rect">
             <a:avLst/>
@@ -4462,7 +4425,7 @@
         <p:txBody>
           <a:bodyPr lIns="90000" rIns="90000" tIns="45000" bIns="45000"/>
           <a:p>
-            <a:pPr marL="343080" indent="-341640">
+            <a:pPr marL="343080" indent="-341280">
               <a:lnSpc>
                 <a:spcPct val="100000"/>
               </a:lnSpc>
@@ -4485,7 +4448,7 @@
             <a:endParaRPr/>
           </a:p>
           <a:p>
-            <a:pPr marL="343080" indent="-341640">
+            <a:pPr marL="343080" indent="-341280">
               <a:lnSpc>
                 <a:spcPct val="100000"/>
               </a:lnSpc>
@@ -4523,119 +4486,119 @@
             <a:endParaRPr/>
           </a:p>
           <a:p>
-            <a:pPr marL="343080" indent="-341640">
-              <a:lnSpc>
-                <a:spcPct val="100000"/>
-              </a:lnSpc>
-            </a:pPr>
-            <a:endParaRPr/>
-          </a:p>
-          <a:p>
-            <a:pPr marL="343080" indent="-341640">
-              <a:lnSpc>
-                <a:spcPct val="100000"/>
-              </a:lnSpc>
-            </a:pPr>
-            <a:endParaRPr/>
-          </a:p>
-          <a:p>
-            <a:pPr marL="343080" indent="-341640">
-              <a:lnSpc>
-                <a:spcPct val="100000"/>
-              </a:lnSpc>
-            </a:pPr>
-            <a:endParaRPr/>
-          </a:p>
-          <a:p>
-            <a:pPr marL="343080" indent="-341640">
-              <a:lnSpc>
-                <a:spcPct val="100000"/>
-              </a:lnSpc>
-            </a:pPr>
-            <a:endParaRPr/>
-          </a:p>
-          <a:p>
-            <a:pPr marL="343080" indent="-341640">
-              <a:lnSpc>
-                <a:spcPct val="100000"/>
-              </a:lnSpc>
-            </a:pPr>
-            <a:endParaRPr/>
-          </a:p>
-          <a:p>
-            <a:pPr marL="343080" indent="-341640">
-              <a:lnSpc>
-                <a:spcPct val="100000"/>
-              </a:lnSpc>
-            </a:pPr>
-            <a:endParaRPr/>
-          </a:p>
-          <a:p>
-            <a:pPr marL="343080" indent="-341640">
-              <a:lnSpc>
-                <a:spcPct val="100000"/>
-              </a:lnSpc>
-            </a:pPr>
-            <a:endParaRPr/>
-          </a:p>
-          <a:p>
-            <a:pPr marL="343080" indent="-341640">
-              <a:lnSpc>
-                <a:spcPct val="100000"/>
-              </a:lnSpc>
-            </a:pPr>
-            <a:endParaRPr/>
-          </a:p>
-          <a:p>
-            <a:pPr marL="343080" indent="-341640">
-              <a:lnSpc>
-                <a:spcPct val="100000"/>
-              </a:lnSpc>
-            </a:pPr>
-            <a:endParaRPr/>
-          </a:p>
-          <a:p>
-            <a:pPr marL="343080" indent="-341640">
-              <a:lnSpc>
-                <a:spcPct val="100000"/>
-              </a:lnSpc>
-            </a:pPr>
-            <a:endParaRPr/>
-          </a:p>
-          <a:p>
-            <a:pPr marL="343080" indent="-341640">
-              <a:lnSpc>
-                <a:spcPct val="100000"/>
-              </a:lnSpc>
-            </a:pPr>
-            <a:endParaRPr/>
-          </a:p>
-          <a:p>
-            <a:pPr marL="343080" indent="-341640">
-              <a:lnSpc>
-                <a:spcPct val="100000"/>
-              </a:lnSpc>
-            </a:pPr>
-            <a:endParaRPr/>
-          </a:p>
-          <a:p>
-            <a:pPr marL="343080" indent="-341640">
-              <a:lnSpc>
-                <a:spcPct val="100000"/>
-              </a:lnSpc>
-            </a:pPr>
-            <a:endParaRPr/>
-          </a:p>
-          <a:p>
-            <a:pPr marL="343080" indent="-341640">
-              <a:lnSpc>
-                <a:spcPct val="100000"/>
-              </a:lnSpc>
-            </a:pPr>
-            <a:endParaRPr/>
-          </a:p>
-          <a:p>
-            <a:pPr marL="343080" indent="-341640">
+            <a:pPr marL="343080" indent="-341280">
+              <a:lnSpc>
+                <a:spcPct val="100000"/>
+              </a:lnSpc>
+            </a:pPr>
+            <a:endParaRPr/>
+          </a:p>
+          <a:p>
+            <a:pPr marL="343080" indent="-341280">
+              <a:lnSpc>
+                <a:spcPct val="100000"/>
+              </a:lnSpc>
+            </a:pPr>
+            <a:endParaRPr/>
+          </a:p>
+          <a:p>
+            <a:pPr marL="343080" indent="-341280">
+              <a:lnSpc>
+                <a:spcPct val="100000"/>
+              </a:lnSpc>
+            </a:pPr>
+            <a:endParaRPr/>
+          </a:p>
+          <a:p>
+            <a:pPr marL="343080" indent="-341280">
+              <a:lnSpc>
+                <a:spcPct val="100000"/>
+              </a:lnSpc>
+            </a:pPr>
+            <a:endParaRPr/>
+          </a:p>
+          <a:p>
+            <a:pPr marL="343080" indent="-341280">
+              <a:lnSpc>
+                <a:spcPct val="100000"/>
+              </a:lnSpc>
+            </a:pPr>
+            <a:endParaRPr/>
+          </a:p>
+          <a:p>
+            <a:pPr marL="343080" indent="-341280">
+              <a:lnSpc>
+                <a:spcPct val="100000"/>
+              </a:lnSpc>
+            </a:pPr>
+            <a:endParaRPr/>
+          </a:p>
+          <a:p>
+            <a:pPr marL="343080" indent="-341280">
+              <a:lnSpc>
+                <a:spcPct val="100000"/>
+              </a:lnSpc>
+            </a:pPr>
+            <a:endParaRPr/>
+          </a:p>
+          <a:p>
+            <a:pPr marL="343080" indent="-341280">
+              <a:lnSpc>
+                <a:spcPct val="100000"/>
+              </a:lnSpc>
+            </a:pPr>
+            <a:endParaRPr/>
+          </a:p>
+          <a:p>
+            <a:pPr marL="343080" indent="-341280">
+              <a:lnSpc>
+                <a:spcPct val="100000"/>
+              </a:lnSpc>
+            </a:pPr>
+            <a:endParaRPr/>
+          </a:p>
+          <a:p>
+            <a:pPr marL="343080" indent="-341280">
+              <a:lnSpc>
+                <a:spcPct val="100000"/>
+              </a:lnSpc>
+            </a:pPr>
+            <a:endParaRPr/>
+          </a:p>
+          <a:p>
+            <a:pPr marL="343080" indent="-341280">
+              <a:lnSpc>
+                <a:spcPct val="100000"/>
+              </a:lnSpc>
+            </a:pPr>
+            <a:endParaRPr/>
+          </a:p>
+          <a:p>
+            <a:pPr marL="343080" indent="-341280">
+              <a:lnSpc>
+                <a:spcPct val="100000"/>
+              </a:lnSpc>
+            </a:pPr>
+            <a:endParaRPr/>
+          </a:p>
+          <a:p>
+            <a:pPr marL="343080" indent="-341280">
+              <a:lnSpc>
+                <a:spcPct val="100000"/>
+              </a:lnSpc>
+            </a:pPr>
+            <a:endParaRPr/>
+          </a:p>
+          <a:p>
+            <a:pPr marL="343080" indent="-341280">
+              <a:lnSpc>
+                <a:spcPct val="100000"/>
+              </a:lnSpc>
+            </a:pPr>
+            <a:endParaRPr/>
+          </a:p>
+          <a:p>
+            <a:pPr marL="343080" indent="-341280">
               <a:lnSpc>
                 <a:spcPct val="100000"/>
               </a:lnSpc>
@@ -4658,47 +4621,47 @@
             <a:endParaRPr/>
           </a:p>
           <a:p>
-            <a:pPr marL="343080" indent="-341640">
-              <a:lnSpc>
-                <a:spcPct val="100000"/>
-              </a:lnSpc>
-            </a:pPr>
-            <a:endParaRPr/>
-          </a:p>
-          <a:p>
-            <a:pPr marL="343080" indent="-341640">
-              <a:lnSpc>
-                <a:spcPct val="100000"/>
-              </a:lnSpc>
-            </a:pPr>
-            <a:endParaRPr/>
-          </a:p>
-          <a:p>
-            <a:pPr marL="343080" indent="-341640">
-              <a:lnSpc>
-                <a:spcPct val="100000"/>
-              </a:lnSpc>
-            </a:pPr>
-            <a:endParaRPr/>
-          </a:p>
-          <a:p>
-            <a:pPr marL="343080" indent="-341640">
-              <a:lnSpc>
-                <a:spcPct val="100000"/>
-              </a:lnSpc>
-            </a:pPr>
-            <a:endParaRPr/>
-          </a:p>
-          <a:p>
-            <a:pPr marL="343080" indent="-341640">
-              <a:lnSpc>
-                <a:spcPct val="100000"/>
-              </a:lnSpc>
-            </a:pPr>
-            <a:endParaRPr/>
-          </a:p>
-          <a:p>
-            <a:pPr marL="343080" indent="-341640">
+            <a:pPr marL="343080" indent="-341280">
+              <a:lnSpc>
+                <a:spcPct val="100000"/>
+              </a:lnSpc>
+            </a:pPr>
+            <a:endParaRPr/>
+          </a:p>
+          <a:p>
+            <a:pPr marL="343080" indent="-341280">
+              <a:lnSpc>
+                <a:spcPct val="100000"/>
+              </a:lnSpc>
+            </a:pPr>
+            <a:endParaRPr/>
+          </a:p>
+          <a:p>
+            <a:pPr marL="343080" indent="-341280">
+              <a:lnSpc>
+                <a:spcPct val="100000"/>
+              </a:lnSpc>
+            </a:pPr>
+            <a:endParaRPr/>
+          </a:p>
+          <a:p>
+            <a:pPr marL="343080" indent="-341280">
+              <a:lnSpc>
+                <a:spcPct val="100000"/>
+              </a:lnSpc>
+            </a:pPr>
+            <a:endParaRPr/>
+          </a:p>
+          <a:p>
+            <a:pPr marL="343080" indent="-341280">
+              <a:lnSpc>
+                <a:spcPct val="100000"/>
+              </a:lnSpc>
+            </a:pPr>
+            <a:endParaRPr/>
+          </a:p>
+          <a:p>
+            <a:pPr marL="343080" indent="-341280">
               <a:lnSpc>
                 <a:spcPct val="100000"/>
               </a:lnSpc>
@@ -4709,14 +4672,14 @@
       </p:sp>
       <p:sp>
         <p:nvSpPr>
-          <p:cNvPr id="120" name="CustomShape 2"/>
+          <p:cNvPr id="122" name="CustomShape 2"/>
           <p:cNvSpPr/>
           <p:nvPr/>
         </p:nvSpPr>
         <p:spPr>
           <a:xfrm>
             <a:off x="0" y="6572160"/>
-            <a:ext cx="784440" cy="284400"/>
+            <a:ext cx="784080" cy="284040"/>
           </a:xfrm>
           <a:prstGeom prst="rect">
             <a:avLst/>
@@ -4748,14 +4711,14 @@
       </p:sp>
       <p:sp>
         <p:nvSpPr>
-          <p:cNvPr id="121" name="CustomShape 3"/>
+          <p:cNvPr id="123" name="CustomShape 3"/>
           <p:cNvSpPr/>
           <p:nvPr/>
         </p:nvSpPr>
         <p:spPr>
           <a:xfrm>
             <a:off x="428760" y="642960"/>
-            <a:ext cx="8256600" cy="784440"/>
+            <a:ext cx="8256240" cy="784080"/>
           </a:xfrm>
           <a:prstGeom prst="rect">
             <a:avLst/>
@@ -4774,7 +4737,7 @@
         <p:txBody>
           <a:bodyPr lIns="90000" rIns="90000" tIns="45000" bIns="45000" anchor="ctr"/>
           <a:p>
-            <a:pPr marL="571680" indent="-570240">
+            <a:pPr marL="571680" indent="-569880">
               <a:lnSpc>
                 <a:spcPct val="100000"/>
               </a:lnSpc>
@@ -4800,7 +4763,7 @@
       </p:sp>
       <p:graphicFrame>
         <p:nvGraphicFramePr>
-          <p:cNvPr id="122" name="Table 4"/>
+          <p:cNvPr id="124" name="Table 4"/>
           <p:cNvGraphicFramePr/>
           <p:nvPr/>
         </p:nvGraphicFramePr>
@@ -6140,14 +6103,14 @@
       </p:grpSpPr>
       <p:sp>
         <p:nvSpPr>
-          <p:cNvPr id="123" name="CustomShape 1"/>
+          <p:cNvPr id="125" name="CustomShape 1"/>
           <p:cNvSpPr/>
           <p:nvPr/>
         </p:nvSpPr>
         <p:spPr>
           <a:xfrm>
             <a:off x="457200" y="1714320"/>
-            <a:ext cx="8228160" cy="4410360"/>
+            <a:ext cx="8227800" cy="4410000"/>
           </a:xfrm>
           <a:prstGeom prst="rect">
             <a:avLst/>
@@ -6166,7 +6129,7 @@
         <p:txBody>
           <a:bodyPr lIns="90000" rIns="90000" tIns="45000" bIns="45000"/>
           <a:p>
-            <a:pPr marL="343080" indent="-341640">
+            <a:pPr marL="343080" indent="-341280">
               <a:lnSpc>
                 <a:spcPct val="100000"/>
               </a:lnSpc>
@@ -6189,7 +6152,7 @@
             <a:endParaRPr/>
           </a:p>
           <a:p>
-            <a:pPr marL="343080" indent="-341640">
+            <a:pPr marL="343080" indent="-341280">
               <a:lnSpc>
                 <a:spcPct val="100000"/>
               </a:lnSpc>
@@ -6227,119 +6190,119 @@
             <a:endParaRPr/>
           </a:p>
           <a:p>
-            <a:pPr marL="343080" indent="-341640">
-              <a:lnSpc>
-                <a:spcPct val="100000"/>
-              </a:lnSpc>
-            </a:pPr>
-            <a:endParaRPr/>
-          </a:p>
-          <a:p>
-            <a:pPr marL="343080" indent="-341640">
-              <a:lnSpc>
-                <a:spcPct val="100000"/>
-              </a:lnSpc>
-            </a:pPr>
-            <a:endParaRPr/>
-          </a:p>
-          <a:p>
-            <a:pPr marL="343080" indent="-341640">
-              <a:lnSpc>
-                <a:spcPct val="100000"/>
-              </a:lnSpc>
-            </a:pPr>
-            <a:endParaRPr/>
-          </a:p>
-          <a:p>
-            <a:pPr marL="343080" indent="-341640">
-              <a:lnSpc>
-                <a:spcPct val="100000"/>
-              </a:lnSpc>
-            </a:pPr>
-            <a:endParaRPr/>
-          </a:p>
-          <a:p>
-            <a:pPr marL="343080" indent="-341640">
-              <a:lnSpc>
-                <a:spcPct val="100000"/>
-              </a:lnSpc>
-            </a:pPr>
-            <a:endParaRPr/>
-          </a:p>
-          <a:p>
-            <a:pPr marL="343080" indent="-341640">
-              <a:lnSpc>
-                <a:spcPct val="100000"/>
-              </a:lnSpc>
-            </a:pPr>
-            <a:endParaRPr/>
-          </a:p>
-          <a:p>
-            <a:pPr marL="343080" indent="-341640">
-              <a:lnSpc>
-                <a:spcPct val="100000"/>
-              </a:lnSpc>
-            </a:pPr>
-            <a:endParaRPr/>
-          </a:p>
-          <a:p>
-            <a:pPr marL="343080" indent="-341640">
-              <a:lnSpc>
-                <a:spcPct val="100000"/>
-              </a:lnSpc>
-            </a:pPr>
-            <a:endParaRPr/>
-          </a:p>
-          <a:p>
-            <a:pPr marL="343080" indent="-341640">
-              <a:lnSpc>
-                <a:spcPct val="100000"/>
-              </a:lnSpc>
-            </a:pPr>
-            <a:endParaRPr/>
-          </a:p>
-          <a:p>
-            <a:pPr marL="343080" indent="-341640">
-              <a:lnSpc>
-                <a:spcPct val="100000"/>
-              </a:lnSpc>
-            </a:pPr>
-            <a:endParaRPr/>
-          </a:p>
-          <a:p>
-            <a:pPr marL="343080" indent="-341640">
-              <a:lnSpc>
-                <a:spcPct val="100000"/>
-              </a:lnSpc>
-            </a:pPr>
-            <a:endParaRPr/>
-          </a:p>
-          <a:p>
-            <a:pPr marL="343080" indent="-341640">
-              <a:lnSpc>
-                <a:spcPct val="100000"/>
-              </a:lnSpc>
-            </a:pPr>
-            <a:endParaRPr/>
-          </a:p>
-          <a:p>
-            <a:pPr marL="343080" indent="-341640">
-              <a:lnSpc>
-                <a:spcPct val="100000"/>
-              </a:lnSpc>
-            </a:pPr>
-            <a:endParaRPr/>
-          </a:p>
-          <a:p>
-            <a:pPr marL="343080" indent="-341640">
-              <a:lnSpc>
-                <a:spcPct val="100000"/>
-              </a:lnSpc>
-            </a:pPr>
-            <a:endParaRPr/>
-          </a:p>
-          <a:p>
-            <a:pPr marL="343080" indent="-341640">
+            <a:pPr marL="343080" indent="-341280">
+              <a:lnSpc>
+                <a:spcPct val="100000"/>
+              </a:lnSpc>
+            </a:pPr>
+            <a:endParaRPr/>
+          </a:p>
+          <a:p>
+            <a:pPr marL="343080" indent="-341280">
+              <a:lnSpc>
+                <a:spcPct val="100000"/>
+              </a:lnSpc>
+            </a:pPr>
+            <a:endParaRPr/>
+          </a:p>
+          <a:p>
+            <a:pPr marL="343080" indent="-341280">
+              <a:lnSpc>
+                <a:spcPct val="100000"/>
+              </a:lnSpc>
+            </a:pPr>
+            <a:endParaRPr/>
+          </a:p>
+          <a:p>
+            <a:pPr marL="343080" indent="-341280">
+              <a:lnSpc>
+                <a:spcPct val="100000"/>
+              </a:lnSpc>
+            </a:pPr>
+            <a:endParaRPr/>
+          </a:p>
+          <a:p>
+            <a:pPr marL="343080" indent="-341280">
+              <a:lnSpc>
+                <a:spcPct val="100000"/>
+              </a:lnSpc>
+            </a:pPr>
+            <a:endParaRPr/>
+          </a:p>
+          <a:p>
+            <a:pPr marL="343080" indent="-341280">
+              <a:lnSpc>
+                <a:spcPct val="100000"/>
+              </a:lnSpc>
+            </a:pPr>
+            <a:endParaRPr/>
+          </a:p>
+          <a:p>
+            <a:pPr marL="343080" indent="-341280">
+              <a:lnSpc>
+                <a:spcPct val="100000"/>
+              </a:lnSpc>
+            </a:pPr>
+            <a:endParaRPr/>
+          </a:p>
+          <a:p>
+            <a:pPr marL="343080" indent="-341280">
+              <a:lnSpc>
+                <a:spcPct val="100000"/>
+              </a:lnSpc>
+            </a:pPr>
+            <a:endParaRPr/>
+          </a:p>
+          <a:p>
+            <a:pPr marL="343080" indent="-341280">
+              <a:lnSpc>
+                <a:spcPct val="100000"/>
+              </a:lnSpc>
+            </a:pPr>
+            <a:endParaRPr/>
+          </a:p>
+          <a:p>
+            <a:pPr marL="343080" indent="-341280">
+              <a:lnSpc>
+                <a:spcPct val="100000"/>
+              </a:lnSpc>
+            </a:pPr>
+            <a:endParaRPr/>
+          </a:p>
+          <a:p>
+            <a:pPr marL="343080" indent="-341280">
+              <a:lnSpc>
+                <a:spcPct val="100000"/>
+              </a:lnSpc>
+            </a:pPr>
+            <a:endParaRPr/>
+          </a:p>
+          <a:p>
+            <a:pPr marL="343080" indent="-341280">
+              <a:lnSpc>
+                <a:spcPct val="100000"/>
+              </a:lnSpc>
+            </a:pPr>
+            <a:endParaRPr/>
+          </a:p>
+          <a:p>
+            <a:pPr marL="343080" indent="-341280">
+              <a:lnSpc>
+                <a:spcPct val="100000"/>
+              </a:lnSpc>
+            </a:pPr>
+            <a:endParaRPr/>
+          </a:p>
+          <a:p>
+            <a:pPr marL="343080" indent="-341280">
+              <a:lnSpc>
+                <a:spcPct val="100000"/>
+              </a:lnSpc>
+            </a:pPr>
+            <a:endParaRPr/>
+          </a:p>
+          <a:p>
+            <a:pPr marL="343080" indent="-341280">
               <a:lnSpc>
                 <a:spcPct val="100000"/>
               </a:lnSpc>
@@ -6362,47 +6325,47 @@
             <a:endParaRPr/>
           </a:p>
           <a:p>
-            <a:pPr marL="343080" indent="-341640">
-              <a:lnSpc>
-                <a:spcPct val="100000"/>
-              </a:lnSpc>
-            </a:pPr>
-            <a:endParaRPr/>
-          </a:p>
-          <a:p>
-            <a:pPr marL="343080" indent="-341640">
-              <a:lnSpc>
-                <a:spcPct val="100000"/>
-              </a:lnSpc>
-            </a:pPr>
-            <a:endParaRPr/>
-          </a:p>
-          <a:p>
-            <a:pPr marL="343080" indent="-341640">
-              <a:lnSpc>
-                <a:spcPct val="100000"/>
-              </a:lnSpc>
-            </a:pPr>
-            <a:endParaRPr/>
-          </a:p>
-          <a:p>
-            <a:pPr marL="343080" indent="-341640">
-              <a:lnSpc>
-                <a:spcPct val="100000"/>
-              </a:lnSpc>
-            </a:pPr>
-            <a:endParaRPr/>
-          </a:p>
-          <a:p>
-            <a:pPr marL="343080" indent="-341640">
-              <a:lnSpc>
-                <a:spcPct val="100000"/>
-              </a:lnSpc>
-            </a:pPr>
-            <a:endParaRPr/>
-          </a:p>
-          <a:p>
-            <a:pPr marL="343080" indent="-341640">
+            <a:pPr marL="343080" indent="-341280">
+              <a:lnSpc>
+                <a:spcPct val="100000"/>
+              </a:lnSpc>
+            </a:pPr>
+            <a:endParaRPr/>
+          </a:p>
+          <a:p>
+            <a:pPr marL="343080" indent="-341280">
+              <a:lnSpc>
+                <a:spcPct val="100000"/>
+              </a:lnSpc>
+            </a:pPr>
+            <a:endParaRPr/>
+          </a:p>
+          <a:p>
+            <a:pPr marL="343080" indent="-341280">
+              <a:lnSpc>
+                <a:spcPct val="100000"/>
+              </a:lnSpc>
+            </a:pPr>
+            <a:endParaRPr/>
+          </a:p>
+          <a:p>
+            <a:pPr marL="343080" indent="-341280">
+              <a:lnSpc>
+                <a:spcPct val="100000"/>
+              </a:lnSpc>
+            </a:pPr>
+            <a:endParaRPr/>
+          </a:p>
+          <a:p>
+            <a:pPr marL="343080" indent="-341280">
+              <a:lnSpc>
+                <a:spcPct val="100000"/>
+              </a:lnSpc>
+            </a:pPr>
+            <a:endParaRPr/>
+          </a:p>
+          <a:p>
+            <a:pPr marL="343080" indent="-341280">
               <a:lnSpc>
                 <a:spcPct val="100000"/>
               </a:lnSpc>
@@ -6413,14 +6376,14 @@
       </p:sp>
       <p:sp>
         <p:nvSpPr>
-          <p:cNvPr id="124" name="CustomShape 2"/>
+          <p:cNvPr id="126" name="CustomShape 2"/>
           <p:cNvSpPr/>
           <p:nvPr/>
         </p:nvSpPr>
         <p:spPr>
           <a:xfrm>
             <a:off x="0" y="6572160"/>
-            <a:ext cx="784440" cy="284400"/>
+            <a:ext cx="784080" cy="284040"/>
           </a:xfrm>
           <a:prstGeom prst="rect">
             <a:avLst/>
@@ -6452,14 +6415,14 @@
       </p:sp>
       <p:sp>
         <p:nvSpPr>
-          <p:cNvPr id="125" name="CustomShape 3"/>
+          <p:cNvPr id="127" name="CustomShape 3"/>
           <p:cNvSpPr/>
           <p:nvPr/>
         </p:nvSpPr>
         <p:spPr>
           <a:xfrm>
             <a:off x="428760" y="642960"/>
-            <a:ext cx="8256600" cy="784440"/>
+            <a:ext cx="8256240" cy="784080"/>
           </a:xfrm>
           <a:prstGeom prst="rect">
             <a:avLst/>
@@ -6478,7 +6441,7 @@
         <p:txBody>
           <a:bodyPr lIns="90000" rIns="90000" tIns="45000" bIns="45000" anchor="ctr"/>
           <a:p>
-            <a:pPr marL="571680" indent="-570240">
+            <a:pPr marL="571680" indent="-569880">
               <a:lnSpc>
                 <a:spcPct val="100000"/>
               </a:lnSpc>
@@ -6504,7 +6467,7 @@
       </p:sp>
       <p:graphicFrame>
         <p:nvGraphicFramePr>
-          <p:cNvPr id="126" name="Table 4"/>
+          <p:cNvPr id="128" name="Table 4"/>
           <p:cNvGraphicFramePr/>
           <p:nvPr/>
         </p:nvGraphicFramePr>
@@ -7446,14 +7409,14 @@
       </p:grpSpPr>
       <p:sp>
         <p:nvSpPr>
-          <p:cNvPr id="127" name="CustomShape 1"/>
+          <p:cNvPr id="129" name="CustomShape 1"/>
           <p:cNvSpPr/>
           <p:nvPr/>
         </p:nvSpPr>
         <p:spPr>
           <a:xfrm>
             <a:off x="457200" y="1714320"/>
-            <a:ext cx="8228160" cy="4410360"/>
+            <a:ext cx="8227800" cy="4410000"/>
           </a:xfrm>
           <a:prstGeom prst="rect">
             <a:avLst/>
@@ -7472,14 +7435,14 @@
       </p:sp>
       <p:sp>
         <p:nvSpPr>
-          <p:cNvPr id="128" name="CustomShape 2"/>
+          <p:cNvPr id="130" name="CustomShape 2"/>
           <p:cNvSpPr/>
           <p:nvPr/>
         </p:nvSpPr>
         <p:spPr>
           <a:xfrm>
             <a:off x="0" y="6572160"/>
-            <a:ext cx="784440" cy="284400"/>
+            <a:ext cx="784080" cy="284040"/>
           </a:xfrm>
           <a:prstGeom prst="rect">
             <a:avLst/>
@@ -7511,14 +7474,14 @@
       </p:sp>
       <p:sp>
         <p:nvSpPr>
-          <p:cNvPr id="129" name="CustomShape 3"/>
+          <p:cNvPr id="131" name="CustomShape 3"/>
           <p:cNvSpPr/>
           <p:nvPr/>
         </p:nvSpPr>
         <p:spPr>
           <a:xfrm>
             <a:off x="428760" y="642960"/>
-            <a:ext cx="8256600" cy="784440"/>
+            <a:ext cx="8256240" cy="784080"/>
           </a:xfrm>
           <a:prstGeom prst="rect">
             <a:avLst/>
@@ -7537,7 +7500,7 @@
         <p:txBody>
           <a:bodyPr lIns="90000" rIns="90000" tIns="45000" bIns="45000" anchor="ctr"/>
           <a:p>
-            <a:pPr marL="571680" indent="-570240">
+            <a:pPr marL="571680" indent="-569880">
               <a:lnSpc>
                 <a:spcPct val="100000"/>
               </a:lnSpc>
@@ -7563,7 +7526,7 @@
       </p:sp>
       <p:pic>
         <p:nvPicPr>
-          <p:cNvPr id="130" name="" descr=""/>
+          <p:cNvPr id="132" name="" descr=""/>
           <p:cNvPicPr/>
           <p:nvPr/>
         </p:nvPicPr>
@@ -7574,7 +7537,7 @@
         <p:spPr>
           <a:xfrm>
             <a:off x="2377440" y="2652120"/>
-            <a:ext cx="4389120" cy="2925720"/>
+            <a:ext cx="4388760" cy="2925360"/>
           </a:xfrm>
           <a:prstGeom prst="rect">
             <a:avLst/>
@@ -7586,14 +7549,14 @@
       </p:pic>
       <p:sp>
         <p:nvSpPr>
-          <p:cNvPr id="131" name="TextShape 4"/>
-          <p:cNvSpPr txBox="1"/>
+          <p:cNvPr id="133" name="CustomShape 4"/>
+          <p:cNvSpPr/>
           <p:nvPr/>
         </p:nvSpPr>
         <p:spPr>
           <a:xfrm>
             <a:off x="3583440" y="2122560"/>
-            <a:ext cx="1994400" cy="346320"/>
+            <a:ext cx="1994040" cy="345960"/>
           </a:xfrm>
           <a:prstGeom prst="rect">
             <a:avLst/>
@@ -7603,11 +7566,22 @@
             <a:noFill/>
           </a:ln>
         </p:spPr>
+        <p:style>
+          <a:lnRef idx="0"/>
+          <a:fillRef idx="0"/>
+          <a:effectRef idx="0"/>
+          <a:fontRef idx="minor"/>
+        </p:style>
         <p:txBody>
           <a:bodyPr lIns="90000" rIns="90000" tIns="45000" bIns="45000"/>
           <a:p>
             <a:r>
-              <a:rPr lang="en-US" sz="1800" spc="-1">
+              <a:rPr lang="en-US" sz="1800" spc="-1" strike="noStrike">
+                <a:uFill>
+                  <a:solidFill>
+                    <a:srgbClr val="ffffff"/>
+                  </a:solidFill>
+                </a:uFill>
                 <a:latin typeface="Arial"/>
               </a:rPr>
               <a:t>Join us on GitHub</a:t>
@@ -7618,14 +7592,14 @@
       </p:sp>
       <p:sp>
         <p:nvSpPr>
-          <p:cNvPr id="132" name="TextShape 5"/>
-          <p:cNvSpPr txBox="1"/>
+          <p:cNvPr id="134" name="CustomShape 5"/>
+          <p:cNvSpPr/>
           <p:nvPr/>
         </p:nvSpPr>
         <p:spPr>
           <a:xfrm>
             <a:off x="2651760" y="5760720"/>
-            <a:ext cx="3821400" cy="346320"/>
+            <a:ext cx="3821040" cy="345960"/>
           </a:xfrm>
           <a:prstGeom prst="rect">
             <a:avLst/>
@@ -7635,11 +7609,22 @@
             <a:noFill/>
           </a:ln>
         </p:spPr>
+        <p:style>
+          <a:lnRef idx="0"/>
+          <a:fillRef idx="0"/>
+          <a:effectRef idx="0"/>
+          <a:fontRef idx="minor"/>
+        </p:style>
         <p:txBody>
           <a:bodyPr lIns="90000" rIns="90000" tIns="45000" bIns="45000"/>
           <a:p>
             <a:r>
-              <a:rPr lang="en-US" sz="1800" spc="-1">
+              <a:rPr lang="en-US" sz="1800" spc="-1" strike="noStrike">
+                <a:uFill>
+                  <a:solidFill>
+                    <a:srgbClr val="ffffff"/>
+                  </a:solidFill>
+                </a:uFill>
                 <a:latin typeface="Arial"/>
               </a:rPr>
               <a:t>https://github.com/Medatik/Preplane</a:t>
@@ -7699,14 +7684,14 @@
       </p:grpSpPr>
       <p:sp>
         <p:nvSpPr>
-          <p:cNvPr id="133" name="CustomShape 1"/>
+          <p:cNvPr id="135" name="CustomShape 1"/>
           <p:cNvSpPr/>
           <p:nvPr/>
         </p:nvSpPr>
         <p:spPr>
           <a:xfrm>
             <a:off x="457200" y="1714320"/>
-            <a:ext cx="8228160" cy="4410360"/>
+            <a:ext cx="8227800" cy="4410000"/>
           </a:xfrm>
           <a:prstGeom prst="rect">
             <a:avLst/>
@@ -7725,14 +7710,14 @@
       </p:sp>
       <p:sp>
         <p:nvSpPr>
-          <p:cNvPr id="134" name="CustomShape 2"/>
+          <p:cNvPr id="136" name="CustomShape 2"/>
           <p:cNvSpPr/>
           <p:nvPr/>
         </p:nvSpPr>
         <p:spPr>
           <a:xfrm>
             <a:off x="0" y="6572160"/>
-            <a:ext cx="784440" cy="284400"/>
+            <a:ext cx="784080" cy="284040"/>
           </a:xfrm>
           <a:prstGeom prst="rect">
             <a:avLst/>
@@ -7764,14 +7749,14 @@
       </p:sp>
       <p:sp>
         <p:nvSpPr>
-          <p:cNvPr id="135" name="CustomShape 3"/>
+          <p:cNvPr id="137" name="CustomShape 3"/>
           <p:cNvSpPr/>
           <p:nvPr/>
         </p:nvSpPr>
         <p:spPr>
           <a:xfrm>
             <a:off x="428760" y="642960"/>
-            <a:ext cx="8256600" cy="784440"/>
+            <a:ext cx="8256240" cy="784080"/>
           </a:xfrm>
           <a:prstGeom prst="rect">
             <a:avLst/>
@@ -7790,7 +7775,7 @@
         <p:txBody>
           <a:bodyPr lIns="90000" rIns="90000" tIns="45000" bIns="45000" anchor="ctr"/>
           <a:p>
-            <a:pPr marL="571680" indent="-570240">
+            <a:pPr marL="571680" indent="-569880">
               <a:lnSpc>
                 <a:spcPct val="100000"/>
               </a:lnSpc>
@@ -7872,7 +7857,7 @@
         <p:spPr>
           <a:xfrm>
             <a:off x="457200" y="274680"/>
-            <a:ext cx="8228160" cy="1141560"/>
+            <a:ext cx="8227800" cy="1141200"/>
           </a:xfrm>
           <a:prstGeom prst="rect">
             <a:avLst/>
@@ -7924,7 +7909,7 @@
         <p:spPr>
           <a:xfrm>
             <a:off x="457200" y="1600200"/>
-            <a:ext cx="8228160" cy="4524480"/>
+            <a:ext cx="8227800" cy="4524120"/>
           </a:xfrm>
           <a:prstGeom prst="rect">
             <a:avLst/>
@@ -7943,47 +7928,47 @@
         <p:txBody>
           <a:bodyPr lIns="90000" rIns="90000" tIns="45000" bIns="45000"/>
           <a:p>
-            <a:pPr marL="343080" indent="-341640">
-              <a:lnSpc>
-                <a:spcPct val="100000"/>
-              </a:lnSpc>
-            </a:pPr>
-            <a:endParaRPr/>
-          </a:p>
-          <a:p>
-            <a:pPr marL="343080" indent="-341640">
-              <a:lnSpc>
-                <a:spcPct val="100000"/>
-              </a:lnSpc>
-            </a:pPr>
-            <a:endParaRPr/>
-          </a:p>
-          <a:p>
-            <a:pPr marL="343080" indent="-341640">
-              <a:lnSpc>
-                <a:spcPct val="100000"/>
-              </a:lnSpc>
-            </a:pPr>
-            <a:endParaRPr/>
-          </a:p>
-          <a:p>
-            <a:pPr marL="343080" indent="-341640">
-              <a:lnSpc>
-                <a:spcPct val="100000"/>
-              </a:lnSpc>
-            </a:pPr>
-            <a:endParaRPr/>
-          </a:p>
-          <a:p>
-            <a:pPr marL="343080" indent="-341640" algn="ctr">
-              <a:lnSpc>
-                <a:spcPct val="100000"/>
-              </a:lnSpc>
-            </a:pPr>
-            <a:endParaRPr/>
-          </a:p>
-          <a:p>
-            <a:pPr marL="343080" indent="-341640" algn="ctr">
+            <a:pPr marL="343080" indent="-341280">
+              <a:lnSpc>
+                <a:spcPct val="100000"/>
+              </a:lnSpc>
+            </a:pPr>
+            <a:endParaRPr/>
+          </a:p>
+          <a:p>
+            <a:pPr marL="343080" indent="-341280">
+              <a:lnSpc>
+                <a:spcPct val="100000"/>
+              </a:lnSpc>
+            </a:pPr>
+            <a:endParaRPr/>
+          </a:p>
+          <a:p>
+            <a:pPr marL="343080" indent="-341280">
+              <a:lnSpc>
+                <a:spcPct val="100000"/>
+              </a:lnSpc>
+            </a:pPr>
+            <a:endParaRPr/>
+          </a:p>
+          <a:p>
+            <a:pPr marL="343080" indent="-341280">
+              <a:lnSpc>
+                <a:spcPct val="100000"/>
+              </a:lnSpc>
+            </a:pPr>
+            <a:endParaRPr/>
+          </a:p>
+          <a:p>
+            <a:pPr marL="343080" indent="-341280" algn="ctr">
+              <a:lnSpc>
+                <a:spcPct val="100000"/>
+              </a:lnSpc>
+            </a:pPr>
+            <a:endParaRPr/>
+          </a:p>
+          <a:p>
+            <a:pPr marL="343080" indent="-341280" algn="ctr">
               <a:lnSpc>
                 <a:spcPct val="100000"/>
               </a:lnSpc>
@@ -8006,15 +7991,15 @@
             <a:endParaRPr/>
           </a:p>
           <a:p>
-            <a:pPr marL="343080" indent="-341640" algn="ctr">
-              <a:lnSpc>
-                <a:spcPct val="100000"/>
-              </a:lnSpc>
-            </a:pPr>
-            <a:endParaRPr/>
-          </a:p>
-          <a:p>
-            <a:pPr marL="343080" indent="-341640" algn="ctr">
+            <a:pPr marL="343080" indent="-341280" algn="ctr">
+              <a:lnSpc>
+                <a:spcPct val="100000"/>
+              </a:lnSpc>
+            </a:pPr>
+            <a:endParaRPr/>
+          </a:p>
+          <a:p>
+            <a:pPr marL="343080" indent="-341280" algn="ctr">
               <a:lnSpc>
                 <a:spcPct val="100000"/>
               </a:lnSpc>
@@ -8037,15 +8022,15 @@
             <a:endParaRPr/>
           </a:p>
           <a:p>
-            <a:pPr marL="343080" indent="-341640" algn="ctr">
-              <a:lnSpc>
-                <a:spcPct val="100000"/>
-              </a:lnSpc>
-            </a:pPr>
-            <a:endParaRPr/>
-          </a:p>
-          <a:p>
-            <a:pPr marL="343080" indent="-341640" algn="ctr">
+            <a:pPr marL="343080" indent="-341280" algn="ctr">
+              <a:lnSpc>
+                <a:spcPct val="100000"/>
+              </a:lnSpc>
+            </a:pPr>
+            <a:endParaRPr/>
+          </a:p>
+          <a:p>
+            <a:pPr marL="343080" indent="-341280" algn="ctr">
               <a:lnSpc>
                 <a:spcPct val="100000"/>
               </a:lnSpc>
@@ -8068,7 +8053,7 @@
             <a:endParaRPr/>
           </a:p>
           <a:p>
-            <a:pPr marL="343080" indent="-341640">
+            <a:pPr marL="343080" indent="-341280">
               <a:lnSpc>
                 <a:spcPct val="100000"/>
               </a:lnSpc>
@@ -8086,7 +8071,7 @@
         <p:spPr>
           <a:xfrm>
             <a:off x="0" y="6572160"/>
-            <a:ext cx="784440" cy="284400"/>
+            <a:ext cx="784080" cy="284040"/>
           </a:xfrm>
           <a:prstGeom prst="rect">
             <a:avLst/>
@@ -8174,7 +8159,7 @@
         <p:spPr>
           <a:xfrm>
             <a:off x="457200" y="274680"/>
-            <a:ext cx="8228160" cy="1141560"/>
+            <a:ext cx="8227800" cy="1141200"/>
           </a:xfrm>
           <a:prstGeom prst="rect">
             <a:avLst/>
@@ -8226,7 +8211,7 @@
         <p:spPr>
           <a:xfrm>
             <a:off x="457200" y="1600200"/>
-            <a:ext cx="8228160" cy="4524480"/>
+            <a:ext cx="8227800" cy="4524120"/>
           </a:xfrm>
           <a:prstGeom prst="rect">
             <a:avLst/>
@@ -8253,7 +8238,7 @@
             <a:endParaRPr/>
           </a:p>
           <a:p>
-            <a:pPr marL="343080" indent="-341640">
+            <a:pPr marL="343080" indent="-341280">
               <a:lnSpc>
                 <a:spcPct val="100000"/>
               </a:lnSpc>
@@ -8278,7 +8263,7 @@
             <a:endParaRPr/>
           </a:p>
           <a:p>
-            <a:pPr marL="343080" indent="-341640">
+            <a:pPr marL="343080" indent="-341280">
               <a:lnSpc>
                 <a:spcPct val="100000"/>
               </a:lnSpc>
@@ -8303,7 +8288,7 @@
             <a:endParaRPr/>
           </a:p>
           <a:p>
-            <a:pPr marL="343080" indent="-341640">
+            <a:pPr marL="343080" indent="-341280">
               <a:lnSpc>
                 <a:spcPct val="100000"/>
               </a:lnSpc>
@@ -8346,7 +8331,7 @@
         <p:spPr>
           <a:xfrm>
             <a:off x="0" y="6572160"/>
-            <a:ext cx="784440" cy="284400"/>
+            <a:ext cx="784080" cy="284040"/>
           </a:xfrm>
           <a:prstGeom prst="rect">
             <a:avLst/>
@@ -8434,7 +8419,7 @@
         <p:spPr>
           <a:xfrm>
             <a:off x="428760" y="642960"/>
-            <a:ext cx="8256600" cy="784440"/>
+            <a:ext cx="8256240" cy="784080"/>
           </a:xfrm>
           <a:prstGeom prst="rect">
             <a:avLst/>
@@ -8453,7 +8438,7 @@
         <p:txBody>
           <a:bodyPr lIns="90000" rIns="90000" tIns="45000" bIns="45000" anchor="ctr"/>
           <a:p>
-            <a:pPr marL="571680" indent="-570240">
+            <a:pPr marL="571680" indent="-569880">
               <a:lnSpc>
                 <a:spcPct val="100000"/>
               </a:lnSpc>
@@ -8488,7 +8473,7 @@
         <p:spPr>
           <a:xfrm>
             <a:off x="428760" y="1500120"/>
-            <a:ext cx="8228160" cy="4524480"/>
+            <a:ext cx="8227800" cy="4524120"/>
           </a:xfrm>
           <a:prstGeom prst="rect">
             <a:avLst/>
@@ -8507,15 +8492,15 @@
         <p:txBody>
           <a:bodyPr lIns="90000" rIns="90000" tIns="45000" bIns="45000"/>
           <a:p>
-            <a:pPr marL="343080" indent="-341640">
-              <a:lnSpc>
-                <a:spcPct val="100000"/>
-              </a:lnSpc>
-            </a:pPr>
-            <a:endParaRPr/>
-          </a:p>
-          <a:p>
-            <a:pPr marL="343080" indent="-341640">
+            <a:pPr marL="343080" indent="-341280">
+              <a:lnSpc>
+                <a:spcPct val="100000"/>
+              </a:lnSpc>
+            </a:pPr>
+            <a:endParaRPr/>
+          </a:p>
+          <a:p>
+            <a:pPr marL="343080" indent="-341280">
               <a:lnSpc>
                 <a:spcPct val="100000"/>
               </a:lnSpc>
@@ -8553,15 +8538,15 @@
             <a:endParaRPr/>
           </a:p>
           <a:p>
-            <a:pPr marL="343080" indent="-341640">
-              <a:lnSpc>
-                <a:spcPct val="100000"/>
-              </a:lnSpc>
-            </a:pPr>
-            <a:endParaRPr/>
-          </a:p>
-          <a:p>
-            <a:pPr marL="343080" indent="-341640">
+            <a:pPr marL="343080" indent="-341280">
+              <a:lnSpc>
+                <a:spcPct val="100000"/>
+              </a:lnSpc>
+            </a:pPr>
+            <a:endParaRPr/>
+          </a:p>
+          <a:p>
+            <a:pPr marL="343080" indent="-341280">
               <a:lnSpc>
                 <a:spcPct val="100000"/>
               </a:lnSpc>
@@ -8584,15 +8569,15 @@
             <a:endParaRPr/>
           </a:p>
           <a:p>
-            <a:pPr marL="457200" indent="-316080">
-              <a:lnSpc>
-                <a:spcPct val="100000"/>
-              </a:lnSpc>
-            </a:pPr>
-            <a:endParaRPr/>
-          </a:p>
-          <a:p>
-            <a:pPr marL="482760" indent="-341640">
+            <a:pPr marL="457200" indent="-315720">
+              <a:lnSpc>
+                <a:spcPct val="100000"/>
+              </a:lnSpc>
+            </a:pPr>
+            <a:endParaRPr/>
+          </a:p>
+          <a:p>
+            <a:pPr marL="482760" indent="-341280">
               <a:lnSpc>
                 <a:spcPct val="100000"/>
               </a:lnSpc>
@@ -8630,7 +8615,7 @@
             <a:endParaRPr/>
           </a:p>
           <a:p>
-            <a:pPr marL="457200" indent="-316080">
+            <a:pPr marL="457200" indent="-315720">
               <a:lnSpc>
                 <a:spcPct val="100000"/>
               </a:lnSpc>
@@ -8668,7 +8653,7 @@
             <a:endParaRPr/>
           </a:p>
           <a:p>
-            <a:pPr marL="457200" indent="-316080">
+            <a:pPr marL="457200" indent="-315720">
               <a:lnSpc>
                 <a:spcPct val="100000"/>
               </a:lnSpc>
@@ -8706,15 +8691,15 @@
             <a:endParaRPr/>
           </a:p>
           <a:p>
-            <a:pPr marL="457200" indent="-316080">
-              <a:lnSpc>
-                <a:spcPct val="100000"/>
-              </a:lnSpc>
-            </a:pPr>
-            <a:endParaRPr/>
-          </a:p>
-          <a:p>
-            <a:pPr marL="343080" indent="-341640">
+            <a:pPr marL="457200" indent="-315720">
+              <a:lnSpc>
+                <a:spcPct val="100000"/>
+              </a:lnSpc>
+            </a:pPr>
+            <a:endParaRPr/>
+          </a:p>
+          <a:p>
+            <a:pPr marL="343080" indent="-341280">
               <a:lnSpc>
                 <a:spcPct val="100000"/>
               </a:lnSpc>
@@ -8767,15 +8752,15 @@
             <a:endParaRPr/>
           </a:p>
           <a:p>
-            <a:pPr marL="343080" indent="-341640">
-              <a:lnSpc>
-                <a:spcPct val="100000"/>
-              </a:lnSpc>
-            </a:pPr>
-            <a:endParaRPr/>
-          </a:p>
-          <a:p>
-            <a:pPr marL="457200" indent="-316080">
+            <a:pPr marL="343080" indent="-341280">
+              <a:lnSpc>
+                <a:spcPct val="100000"/>
+              </a:lnSpc>
+            </a:pPr>
+            <a:endParaRPr/>
+          </a:p>
+          <a:p>
+            <a:pPr marL="457200" indent="-315720">
               <a:lnSpc>
                 <a:spcPct val="107000"/>
               </a:lnSpc>
@@ -8798,7 +8783,7 @@
             <a:endParaRPr/>
           </a:p>
           <a:p>
-            <a:pPr marL="457200" indent="-316080">
+            <a:pPr marL="457200" indent="-315720">
               <a:lnSpc>
                 <a:spcPct val="107000"/>
               </a:lnSpc>
@@ -8806,7 +8791,7 @@
             <a:endParaRPr/>
           </a:p>
           <a:p>
-            <a:pPr marL="457200" indent="-316080">
+            <a:pPr marL="457200" indent="-315720">
               <a:lnSpc>
                 <a:spcPct val="107000"/>
               </a:lnSpc>
@@ -8844,7 +8829,7 @@
             <a:endParaRPr/>
           </a:p>
           <a:p>
-            <a:pPr marL="457200" indent="-316080">
+            <a:pPr marL="457200" indent="-315720">
               <a:lnSpc>
                 <a:spcPct val="107000"/>
               </a:lnSpc>
@@ -8882,7 +8867,7 @@
             <a:endParaRPr/>
           </a:p>
           <a:p>
-            <a:pPr marL="343080" indent="-341640">
+            <a:pPr marL="343080" indent="-341280">
               <a:lnSpc>
                 <a:spcPct val="107000"/>
               </a:lnSpc>
@@ -8890,7 +8875,7 @@
             <a:endParaRPr/>
           </a:p>
           <a:p>
-            <a:pPr marL="457200" indent="-316080">
+            <a:pPr marL="457200" indent="-315720">
               <a:lnSpc>
                 <a:spcPct val="107000"/>
               </a:lnSpc>
@@ -8913,15 +8898,15 @@
             <a:endParaRPr/>
           </a:p>
           <a:p>
-            <a:pPr marL="343080" indent="-341640">
-              <a:lnSpc>
-                <a:spcPct val="100000"/>
-              </a:lnSpc>
-            </a:pPr>
-            <a:endParaRPr/>
-          </a:p>
-          <a:p>
-            <a:pPr marL="343080" indent="-341640">
+            <a:pPr marL="343080" indent="-341280">
+              <a:lnSpc>
+                <a:spcPct val="100000"/>
+              </a:lnSpc>
+            </a:pPr>
+            <a:endParaRPr/>
+          </a:p>
+          <a:p>
+            <a:pPr marL="343080" indent="-341280">
               <a:lnSpc>
                 <a:spcPct val="100000"/>
               </a:lnSpc>
@@ -8939,7 +8924,7 @@
         <p:spPr>
           <a:xfrm>
             <a:off x="0" y="6572160"/>
-            <a:ext cx="784440" cy="284400"/>
+            <a:ext cx="784080" cy="284040"/>
           </a:xfrm>
           <a:prstGeom prst="rect">
             <a:avLst/>
@@ -9027,7 +9012,7 @@
         <p:spPr>
           <a:xfrm>
             <a:off x="428760" y="1714320"/>
-            <a:ext cx="8228160" cy="4927680"/>
+            <a:ext cx="8227800" cy="4927320"/>
           </a:xfrm>
           <a:prstGeom prst="rect">
             <a:avLst/>
@@ -9046,7 +9031,7 @@
         <p:txBody>
           <a:bodyPr lIns="90000" rIns="90000" tIns="45000" bIns="45000"/>
           <a:p>
-            <a:pPr marL="343080" indent="-341640">
+            <a:pPr marL="343080" indent="-341280">
               <a:lnSpc>
                 <a:spcPct val="100000"/>
               </a:lnSpc>
@@ -9084,15 +9069,15 @@
             <a:endParaRPr/>
           </a:p>
           <a:p>
-            <a:pPr marL="343080" indent="-341640">
-              <a:lnSpc>
-                <a:spcPct val="100000"/>
-              </a:lnSpc>
-            </a:pPr>
-            <a:endParaRPr/>
-          </a:p>
-          <a:p>
-            <a:pPr marL="343080" indent="-341640">
+            <a:pPr marL="343080" indent="-341280">
+              <a:lnSpc>
+                <a:spcPct val="100000"/>
+              </a:lnSpc>
+            </a:pPr>
+            <a:endParaRPr/>
+          </a:p>
+          <a:p>
+            <a:pPr marL="343080" indent="-341280">
               <a:lnSpc>
                 <a:spcPct val="100000"/>
               </a:lnSpc>
@@ -9115,15 +9100,15 @@
             <a:endParaRPr/>
           </a:p>
           <a:p>
-            <a:pPr marL="343080" indent="-341640">
-              <a:lnSpc>
-                <a:spcPct val="100000"/>
-              </a:lnSpc>
-            </a:pPr>
-            <a:endParaRPr/>
-          </a:p>
-          <a:p>
-            <a:pPr marL="457200" indent="-303480">
+            <a:pPr marL="343080" indent="-341280">
+              <a:lnSpc>
+                <a:spcPct val="100000"/>
+              </a:lnSpc>
+            </a:pPr>
+            <a:endParaRPr/>
+          </a:p>
+          <a:p>
+            <a:pPr marL="457200" indent="-303120">
               <a:lnSpc>
                 <a:spcPct val="100000"/>
               </a:lnSpc>
@@ -9161,15 +9146,15 @@
             <a:endParaRPr/>
           </a:p>
           <a:p>
-            <a:pPr marL="457200" indent="-303480">
-              <a:lnSpc>
-                <a:spcPct val="100000"/>
-              </a:lnSpc>
-            </a:pPr>
-            <a:endParaRPr/>
-          </a:p>
-          <a:p>
-            <a:pPr marL="457200" indent="-303480">
+            <a:pPr marL="457200" indent="-303120">
+              <a:lnSpc>
+                <a:spcPct val="100000"/>
+              </a:lnSpc>
+            </a:pPr>
+            <a:endParaRPr/>
+          </a:p>
+          <a:p>
+            <a:pPr marL="457200" indent="-303120">
               <a:lnSpc>
                 <a:spcPct val="100000"/>
               </a:lnSpc>
@@ -9228,7 +9213,7 @@
             <a:endParaRPr/>
           </a:p>
           <a:p>
-            <a:pPr marL="457200" indent="-303480">
+            <a:pPr marL="457200" indent="-303120">
               <a:lnSpc>
                 <a:spcPct val="100000"/>
               </a:lnSpc>
@@ -9296,7 +9281,7 @@
             <a:endParaRPr/>
           </a:p>
           <a:p>
-            <a:pPr marL="457200" indent="-303480">
+            <a:pPr marL="457200" indent="-303120">
               <a:lnSpc>
                 <a:spcPct val="100000"/>
               </a:lnSpc>
@@ -9334,15 +9319,15 @@
             <a:endParaRPr/>
           </a:p>
           <a:p>
-            <a:pPr marL="457200" indent="-303480">
-              <a:lnSpc>
-                <a:spcPct val="100000"/>
-              </a:lnSpc>
-            </a:pPr>
-            <a:endParaRPr/>
-          </a:p>
-          <a:p>
-            <a:pPr marL="457200" indent="-303480">
+            <a:pPr marL="457200" indent="-303120">
+              <a:lnSpc>
+                <a:spcPct val="100000"/>
+              </a:lnSpc>
+            </a:pPr>
+            <a:endParaRPr/>
+          </a:p>
+          <a:p>
+            <a:pPr marL="457200" indent="-303120">
               <a:lnSpc>
                 <a:spcPct val="100000"/>
               </a:lnSpc>
@@ -9395,7 +9380,7 @@
             <a:endParaRPr/>
           </a:p>
           <a:p>
-            <a:pPr marL="457200" indent="-303480">
+            <a:pPr marL="457200" indent="-303120">
               <a:lnSpc>
                 <a:spcPct val="100000"/>
               </a:lnSpc>
@@ -9433,15 +9418,15 @@
             <a:endParaRPr/>
           </a:p>
           <a:p>
-            <a:pPr marL="457200" indent="-303480">
-              <a:lnSpc>
-                <a:spcPct val="100000"/>
-              </a:lnSpc>
-            </a:pPr>
-            <a:endParaRPr/>
-          </a:p>
-          <a:p>
-            <a:pPr marL="457200" indent="-303480">
+            <a:pPr marL="457200" indent="-303120">
+              <a:lnSpc>
+                <a:spcPct val="100000"/>
+              </a:lnSpc>
+            </a:pPr>
+            <a:endParaRPr/>
+          </a:p>
+          <a:p>
+            <a:pPr marL="457200" indent="-303120">
               <a:lnSpc>
                 <a:spcPct val="100000"/>
               </a:lnSpc>
@@ -9479,7 +9464,7 @@
             <a:endParaRPr/>
           </a:p>
           <a:p>
-            <a:pPr marL="457200" indent="-303480">
+            <a:pPr marL="457200" indent="-303120">
               <a:lnSpc>
                 <a:spcPct val="100000"/>
               </a:lnSpc>
@@ -9502,15 +9487,15 @@
             <a:endParaRPr/>
           </a:p>
           <a:p>
-            <a:pPr marL="457200" indent="-303480">
-              <a:lnSpc>
-                <a:spcPct val="100000"/>
-              </a:lnSpc>
-            </a:pPr>
-            <a:endParaRPr/>
-          </a:p>
-          <a:p>
-            <a:pPr marL="457200" indent="-303480">
+            <a:pPr marL="457200" indent="-303120">
+              <a:lnSpc>
+                <a:spcPct val="100000"/>
+              </a:lnSpc>
+            </a:pPr>
+            <a:endParaRPr/>
+          </a:p>
+          <a:p>
+            <a:pPr marL="457200" indent="-303120">
               <a:lnSpc>
                 <a:spcPct val="100000"/>
               </a:lnSpc>
@@ -9528,7 +9513,7 @@
         <p:spPr>
           <a:xfrm>
             <a:off x="0" y="6572160"/>
-            <a:ext cx="784440" cy="284400"/>
+            <a:ext cx="784080" cy="284040"/>
           </a:xfrm>
           <a:prstGeom prst="rect">
             <a:avLst/>
@@ -9567,7 +9552,7 @@
         <p:spPr>
           <a:xfrm>
             <a:off x="428760" y="642960"/>
-            <a:ext cx="8256600" cy="784440"/>
+            <a:ext cx="8256240" cy="784080"/>
           </a:xfrm>
           <a:prstGeom prst="rect">
             <a:avLst/>
@@ -9586,7 +9571,7 @@
         <p:txBody>
           <a:bodyPr lIns="90000" rIns="90000" tIns="45000" bIns="45000" anchor="ctr"/>
           <a:p>
-            <a:pPr marL="571680" indent="-570240">
+            <a:pPr marL="571680" indent="-569880">
               <a:lnSpc>
                 <a:spcPct val="100000"/>
               </a:lnSpc>
@@ -9670,7 +9655,7 @@
         <p:spPr>
           <a:xfrm>
             <a:off x="428760" y="1714320"/>
-            <a:ext cx="8228160" cy="4927680"/>
+            <a:ext cx="8227800" cy="4927320"/>
           </a:xfrm>
           <a:prstGeom prst="rect">
             <a:avLst/>
@@ -9689,7 +9674,7 @@
         <p:txBody>
           <a:bodyPr lIns="90000" rIns="90000" tIns="45000" bIns="45000"/>
           <a:p>
-            <a:pPr marL="343080" indent="-341640">
+            <a:pPr marL="343080" indent="-341280">
               <a:lnSpc>
                 <a:spcPct val="100000"/>
               </a:lnSpc>
@@ -9727,15 +9712,15 @@
             <a:endParaRPr/>
           </a:p>
           <a:p>
-            <a:pPr marL="343080" indent="-341640">
-              <a:lnSpc>
-                <a:spcPct val="100000"/>
-              </a:lnSpc>
-            </a:pPr>
-            <a:endParaRPr/>
-          </a:p>
-          <a:p>
-            <a:pPr marL="457200" indent="-303480">
+            <a:pPr marL="343080" indent="-341280">
+              <a:lnSpc>
+                <a:spcPct val="100000"/>
+              </a:lnSpc>
+            </a:pPr>
+            <a:endParaRPr/>
+          </a:p>
+          <a:p>
+            <a:pPr marL="457200" indent="-303120">
               <a:lnSpc>
                 <a:spcPct val="100000"/>
               </a:lnSpc>
@@ -9773,7 +9758,7 @@
             <a:endParaRPr/>
           </a:p>
           <a:p>
-            <a:pPr marL="457200" indent="-303480">
+            <a:pPr marL="457200" indent="-303120">
               <a:lnSpc>
                 <a:spcPct val="100000"/>
               </a:lnSpc>
@@ -9826,15 +9811,15 @@
             <a:endParaRPr/>
           </a:p>
           <a:p>
-            <a:pPr marL="457200" indent="-303480">
-              <a:lnSpc>
-                <a:spcPct val="100000"/>
-              </a:lnSpc>
-            </a:pPr>
-            <a:endParaRPr/>
-          </a:p>
-          <a:p>
-            <a:pPr marL="457200" indent="-303480">
+            <a:pPr marL="457200" indent="-303120">
+              <a:lnSpc>
+                <a:spcPct val="100000"/>
+              </a:lnSpc>
+            </a:pPr>
+            <a:endParaRPr/>
+          </a:p>
+          <a:p>
+            <a:pPr marL="457200" indent="-303120">
               <a:lnSpc>
                 <a:spcPct val="100000"/>
               </a:lnSpc>
@@ -9872,7 +9857,7 @@
             <a:endParaRPr/>
           </a:p>
           <a:p>
-            <a:pPr marL="457200" indent="-303480">
+            <a:pPr marL="457200" indent="-303120">
               <a:lnSpc>
                 <a:spcPct val="100000"/>
               </a:lnSpc>
@@ -9910,15 +9895,15 @@
             <a:endParaRPr/>
           </a:p>
           <a:p>
-            <a:pPr marL="457200" indent="-303480">
-              <a:lnSpc>
-                <a:spcPct val="100000"/>
-              </a:lnSpc>
-            </a:pPr>
-            <a:endParaRPr/>
-          </a:p>
-          <a:p>
-            <a:pPr marL="457200" indent="-303480">
+            <a:pPr marL="457200" indent="-303120">
+              <a:lnSpc>
+                <a:spcPct val="100000"/>
+              </a:lnSpc>
+            </a:pPr>
+            <a:endParaRPr/>
+          </a:p>
+          <a:p>
+            <a:pPr marL="457200" indent="-303120">
               <a:lnSpc>
                 <a:spcPct val="100000"/>
               </a:lnSpc>
@@ -9956,7 +9941,7 @@
             <a:endParaRPr/>
           </a:p>
           <a:p>
-            <a:pPr marL="457200" indent="-303480">
+            <a:pPr marL="457200" indent="-303120">
               <a:lnSpc>
                 <a:spcPct val="100000"/>
               </a:lnSpc>
@@ -10009,15 +9994,15 @@
             <a:endParaRPr/>
           </a:p>
           <a:p>
-            <a:pPr marL="343080" indent="-341640">
-              <a:lnSpc>
-                <a:spcPct val="100000"/>
-              </a:lnSpc>
-            </a:pPr>
-            <a:endParaRPr/>
-          </a:p>
-          <a:p>
-            <a:pPr marL="343080" indent="-341640">
+            <a:pPr marL="343080" indent="-341280">
+              <a:lnSpc>
+                <a:spcPct val="100000"/>
+              </a:lnSpc>
+            </a:pPr>
+            <a:endParaRPr/>
+          </a:p>
+          <a:p>
+            <a:pPr marL="343080" indent="-341280">
               <a:lnSpc>
                 <a:spcPct val="100000"/>
               </a:lnSpc>
@@ -10040,15 +10025,15 @@
             <a:endParaRPr/>
           </a:p>
           <a:p>
-            <a:pPr marL="343080" indent="-341640">
-              <a:lnSpc>
-                <a:spcPct val="100000"/>
-              </a:lnSpc>
-            </a:pPr>
-            <a:endParaRPr/>
-          </a:p>
-          <a:p>
-            <a:pPr marL="457200" indent="-303480">
+            <a:pPr marL="343080" indent="-341280">
+              <a:lnSpc>
+                <a:spcPct val="100000"/>
+              </a:lnSpc>
+            </a:pPr>
+            <a:endParaRPr/>
+          </a:p>
+          <a:p>
+            <a:pPr marL="457200" indent="-303120">
               <a:lnSpc>
                 <a:spcPct val="100000"/>
               </a:lnSpc>
@@ -10086,7 +10071,7 @@
             <a:endParaRPr/>
           </a:p>
           <a:p>
-            <a:pPr marL="457200" indent="-303480">
+            <a:pPr marL="457200" indent="-303120">
               <a:lnSpc>
                 <a:spcPct val="100000"/>
               </a:lnSpc>
@@ -10139,15 +10124,15 @@
             <a:endParaRPr/>
           </a:p>
           <a:p>
-            <a:pPr marL="457200" indent="-303480">
-              <a:lnSpc>
-                <a:spcPct val="100000"/>
-              </a:lnSpc>
-            </a:pPr>
-            <a:endParaRPr/>
-          </a:p>
-          <a:p>
-            <a:pPr marL="457200" indent="-303480">
+            <a:pPr marL="457200" indent="-303120">
+              <a:lnSpc>
+                <a:spcPct val="100000"/>
+              </a:lnSpc>
+            </a:pPr>
+            <a:endParaRPr/>
+          </a:p>
+          <a:p>
+            <a:pPr marL="457200" indent="-303120">
               <a:lnSpc>
                 <a:spcPct val="100000"/>
               </a:lnSpc>
@@ -10185,7 +10170,7 @@
             <a:endParaRPr/>
           </a:p>
           <a:p>
-            <a:pPr marL="457200" indent="-303480">
+            <a:pPr marL="457200" indent="-303120">
               <a:lnSpc>
                 <a:spcPct val="100000"/>
               </a:lnSpc>
@@ -10238,31 +10223,31 @@
             <a:endParaRPr/>
           </a:p>
           <a:p>
-            <a:pPr marL="457200" indent="-303480">
-              <a:lnSpc>
-                <a:spcPct val="100000"/>
-              </a:lnSpc>
-            </a:pPr>
-            <a:endParaRPr/>
-          </a:p>
-          <a:p>
-            <a:pPr marL="457200" indent="-303480">
-              <a:lnSpc>
-                <a:spcPct val="100000"/>
-              </a:lnSpc>
-            </a:pPr>
-            <a:endParaRPr/>
-          </a:p>
-          <a:p>
-            <a:pPr marL="343080" indent="-341640">
-              <a:lnSpc>
-                <a:spcPct val="100000"/>
-              </a:lnSpc>
-            </a:pPr>
-            <a:endParaRPr/>
-          </a:p>
-          <a:p>
-            <a:pPr marL="457200" indent="-341640">
+            <a:pPr marL="457200" indent="-303120">
+              <a:lnSpc>
+                <a:spcPct val="100000"/>
+              </a:lnSpc>
+            </a:pPr>
+            <a:endParaRPr/>
+          </a:p>
+          <a:p>
+            <a:pPr marL="457200" indent="-303120">
+              <a:lnSpc>
+                <a:spcPct val="100000"/>
+              </a:lnSpc>
+            </a:pPr>
+            <a:endParaRPr/>
+          </a:p>
+          <a:p>
+            <a:pPr marL="343080" indent="-341280">
+              <a:lnSpc>
+                <a:spcPct val="100000"/>
+              </a:lnSpc>
+            </a:pPr>
+            <a:endParaRPr/>
+          </a:p>
+          <a:p>
+            <a:pPr marL="457200" indent="-341280">
               <a:lnSpc>
                 <a:spcPct val="100000"/>
               </a:lnSpc>
@@ -10280,7 +10265,7 @@
         <p:spPr>
           <a:xfrm>
             <a:off x="0" y="6572160"/>
-            <a:ext cx="784440" cy="284400"/>
+            <a:ext cx="784080" cy="284040"/>
           </a:xfrm>
           <a:prstGeom prst="rect">
             <a:avLst/>
@@ -10319,7 +10304,7 @@
         <p:spPr>
           <a:xfrm>
             <a:off x="428760" y="642960"/>
-            <a:ext cx="8256600" cy="784440"/>
+            <a:ext cx="8256240" cy="784080"/>
           </a:xfrm>
           <a:prstGeom prst="rect">
             <a:avLst/>
@@ -10338,7 +10323,7 @@
         <p:txBody>
           <a:bodyPr lIns="90000" rIns="90000" tIns="45000" bIns="45000" anchor="ctr"/>
           <a:p>
-            <a:pPr marL="571680" indent="-570240">
+            <a:pPr marL="571680" indent="-569880">
               <a:lnSpc>
                 <a:spcPct val="100000"/>
               </a:lnSpc>
@@ -10422,7 +10407,7 @@
         <p:spPr>
           <a:xfrm>
             <a:off x="457200" y="1714320"/>
-            <a:ext cx="8228160" cy="4410360"/>
+            <a:ext cx="8227800" cy="4410000"/>
           </a:xfrm>
           <a:prstGeom prst="rect">
             <a:avLst/>
@@ -10441,7 +10426,7 @@
         <p:txBody>
           <a:bodyPr lIns="90000" rIns="90000" tIns="45000" bIns="45000"/>
           <a:p>
-            <a:pPr marL="343080" indent="-341640">
+            <a:pPr marL="343080" indent="-341280">
               <a:lnSpc>
                 <a:spcPct val="100000"/>
               </a:lnSpc>
@@ -10479,7 +10464,7 @@
             <a:endParaRPr/>
           </a:p>
           <a:p>
-            <a:pPr marL="343080" indent="-341640">
+            <a:pPr marL="343080" indent="-341280">
               <a:lnSpc>
                 <a:spcPct val="100000"/>
               </a:lnSpc>
@@ -10512,7 +10497,7 @@
         <p:spPr>
           <a:xfrm>
             <a:off x="0" y="6572160"/>
-            <a:ext cx="784440" cy="284400"/>
+            <a:ext cx="784080" cy="284040"/>
           </a:xfrm>
           <a:prstGeom prst="rect">
             <a:avLst/>
@@ -10551,7 +10536,7 @@
         <p:spPr>
           <a:xfrm>
             <a:off x="428760" y="642960"/>
-            <a:ext cx="8256600" cy="784440"/>
+            <a:ext cx="8256240" cy="784080"/>
           </a:xfrm>
           <a:prstGeom prst="rect">
             <a:avLst/>
@@ -10570,7 +10555,7 @@
         <p:txBody>
           <a:bodyPr lIns="90000" rIns="90000" tIns="45000" bIns="45000" anchor="ctr"/>
           <a:p>
-            <a:pPr marL="571680" indent="-570240">
+            <a:pPr marL="571680" indent="-569880">
               <a:lnSpc>
                 <a:spcPct val="100000"/>
               </a:lnSpc>
@@ -10609,7 +10594,7 @@
         <p:spPr>
           <a:xfrm>
             <a:off x="900000" y="2464920"/>
-            <a:ext cx="6874920" cy="3942000"/>
+            <a:ext cx="6874560" cy="3941640"/>
           </a:xfrm>
           <a:prstGeom prst="rect">
             <a:avLst/>
@@ -10677,7 +10662,7 @@
         <p:spPr>
           <a:xfrm>
             <a:off x="428760" y="1785960"/>
-            <a:ext cx="8228160" cy="4410360"/>
+            <a:ext cx="8227800" cy="4410000"/>
           </a:xfrm>
           <a:prstGeom prst="rect">
             <a:avLst/>
@@ -10696,7 +10681,7 @@
         <p:txBody>
           <a:bodyPr lIns="90000" rIns="90000" tIns="45000" bIns="45000"/>
           <a:p>
-            <a:pPr marL="343080" indent="-341640">
+            <a:pPr marL="343080" indent="-341280">
               <a:lnSpc>
                 <a:spcPct val="100000"/>
               </a:lnSpc>
@@ -10734,7 +10719,7 @@
             <a:endParaRPr/>
           </a:p>
           <a:p>
-            <a:pPr marL="343080" indent="-341640">
+            <a:pPr marL="343080" indent="-341280">
               <a:lnSpc>
                 <a:spcPct val="100000"/>
               </a:lnSpc>
@@ -10767,7 +10752,7 @@
         <p:spPr>
           <a:xfrm>
             <a:off x="0" y="6572160"/>
-            <a:ext cx="784440" cy="284400"/>
+            <a:ext cx="784080" cy="284040"/>
           </a:xfrm>
           <a:prstGeom prst="rect">
             <a:avLst/>
@@ -10810,7 +10795,7 @@
         <p:spPr>
           <a:xfrm>
             <a:off x="928800" y="2357280"/>
-            <a:ext cx="7056720" cy="4141800"/>
+            <a:ext cx="7056360" cy="4141440"/>
           </a:xfrm>
           <a:prstGeom prst="rect">
             <a:avLst/>
@@ -10829,7 +10814,7 @@
         <p:spPr>
           <a:xfrm>
             <a:off x="428760" y="642960"/>
-            <a:ext cx="8256600" cy="784440"/>
+            <a:ext cx="8256240" cy="784080"/>
           </a:xfrm>
           <a:prstGeom prst="rect">
             <a:avLst/>
@@ -10848,7 +10833,7 @@
         <p:txBody>
           <a:bodyPr lIns="90000" rIns="90000" tIns="45000" bIns="45000" anchor="ctr"/>
           <a:p>
-            <a:pPr marL="571680" indent="-570240">
+            <a:pPr marL="571680" indent="-569880">
               <a:lnSpc>
                 <a:spcPct val="100000"/>
               </a:lnSpc>
@@ -10932,7 +10917,7 @@
         <p:spPr>
           <a:xfrm>
             <a:off x="0" y="6572160"/>
-            <a:ext cx="784440" cy="284400"/>
+            <a:ext cx="784080" cy="284040"/>
           </a:xfrm>
           <a:prstGeom prst="rect">
             <a:avLst/>
@@ -10971,7 +10956,7 @@
         <p:spPr>
           <a:xfrm>
             <a:off x="428760" y="642960"/>
-            <a:ext cx="8256600" cy="784440"/>
+            <a:ext cx="8256240" cy="784080"/>
           </a:xfrm>
           <a:prstGeom prst="rect">
             <a:avLst/>
@@ -10990,7 +10975,7 @@
         <p:txBody>
           <a:bodyPr lIns="90000" rIns="90000" tIns="45000" bIns="45000" anchor="ctr"/>
           <a:p>
-            <a:pPr marL="571680" indent="-570240">
+            <a:pPr marL="571680" indent="-569880">
               <a:lnSpc>
                 <a:spcPct val="100000"/>
               </a:lnSpc>
@@ -11023,7 +11008,7 @@
         <p:spPr>
           <a:xfrm>
             <a:off x="2736000" y="6309360"/>
-            <a:ext cx="5570640" cy="226440"/>
+            <a:ext cx="5570280" cy="226080"/>
           </a:xfrm>
           <a:prstGeom prst="rect">
             <a:avLst/>
@@ -11079,7 +11064,7 @@
         <p:spPr>
           <a:xfrm>
             <a:off x="123480" y="3291840"/>
-            <a:ext cx="8928720" cy="2468520"/>
+            <a:ext cx="8928360" cy="2468160"/>
           </a:xfrm>
           <a:prstGeom prst="rect">
             <a:avLst/>
@@ -11098,7 +11083,7 @@
         <p:spPr>
           <a:xfrm>
             <a:off x="914400" y="2305440"/>
-            <a:ext cx="7273080" cy="345960"/>
+            <a:ext cx="7272720" cy="345600"/>
           </a:xfrm>
           <a:prstGeom prst="rect">
             <a:avLst/>
@@ -11119,12 +11104,16 @@
           <a:p>
             <a:r>
               <a:rPr lang="en-US" sz="1800" spc="-1" strike="noStrike">
+                <a:solidFill>
+                  <a:srgbClr val="000000"/>
+                </a:solidFill>
                 <a:uFill>
                   <a:solidFill>
                     <a:srgbClr val="ffffff"/>
                   </a:solidFill>
                 </a:uFill>
                 <a:latin typeface="Arial"/>
+                <a:ea typeface="DejaVu Sans"/>
               </a:rPr>
               <a:t>Organization chart encompassing the four components of the system :</a:t>
             </a:r>

--- a/Presentation.pptx
+++ b/Presentation.pptx
@@ -78,7 +78,7 @@
         <p:spPr>
           <a:xfrm>
             <a:off x="457200" y="273600"/>
-            <a:ext cx="8229240" cy="1144800"/>
+            <a:ext cx="8229240" cy="1145160"/>
           </a:xfrm>
           <a:prstGeom prst="rect">
             <a:avLst/>
@@ -88,17 +88,7 @@
           <a:bodyPr lIns="0" rIns="0" tIns="0" bIns="0" anchor="ctr"/>
           <a:p>
             <a:pPr algn="ctr"/>
-            <a:endParaRPr lang="en-US" sz="4400" spc="-1" strike="noStrike">
-              <a:solidFill>
-                <a:srgbClr val="000000"/>
-              </a:solidFill>
-              <a:uFill>
-                <a:solidFill>
-                  <a:srgbClr val="ffffff"/>
-                </a:solidFill>
-              </a:uFill>
-              <a:latin typeface="Arial"/>
-            </a:endParaRPr>
+            <a:endParaRPr/>
           </a:p>
         </p:txBody>
       </p:sp>
@@ -124,17 +114,7 @@
         <p:txBody>
           <a:bodyPr lIns="0" rIns="0" tIns="0" bIns="0"/>
           <a:p>
-            <a:endParaRPr lang="en-US" sz="3200" spc="-1" strike="noStrike">
-              <a:solidFill>
-                <a:srgbClr val="000000"/>
-              </a:solidFill>
-              <a:uFill>
-                <a:solidFill>
-                  <a:srgbClr val="ffffff"/>
-                </a:solidFill>
-              </a:uFill>
-              <a:latin typeface="Arial"/>
-            </a:endParaRPr>
+            <a:endParaRPr/>
           </a:p>
         </p:txBody>
       </p:sp>
@@ -160,17 +140,7 @@
         <p:txBody>
           <a:bodyPr lIns="0" rIns="0" tIns="0" bIns="0"/>
           <a:p>
-            <a:endParaRPr lang="en-US" sz="3200" spc="-1" strike="noStrike">
-              <a:solidFill>
-                <a:srgbClr val="000000"/>
-              </a:solidFill>
-              <a:uFill>
-                <a:solidFill>
-                  <a:srgbClr val="ffffff"/>
-                </a:solidFill>
-              </a:uFill>
-              <a:latin typeface="Arial"/>
-            </a:endParaRPr>
+            <a:endParaRPr/>
           </a:p>
         </p:txBody>
       </p:sp>
@@ -209,7 +179,7 @@
         <p:spPr>
           <a:xfrm>
             <a:off x="457200" y="273600"/>
-            <a:ext cx="8229240" cy="1144800"/>
+            <a:ext cx="8229240" cy="1145160"/>
           </a:xfrm>
           <a:prstGeom prst="rect">
             <a:avLst/>
@@ -219,17 +189,7 @@
           <a:bodyPr lIns="0" rIns="0" tIns="0" bIns="0" anchor="ctr"/>
           <a:p>
             <a:pPr algn="ctr"/>
-            <a:endParaRPr lang="en-US" sz="4400" spc="-1" strike="noStrike">
-              <a:solidFill>
-                <a:srgbClr val="000000"/>
-              </a:solidFill>
-              <a:uFill>
-                <a:solidFill>
-                  <a:srgbClr val="ffffff"/>
-                </a:solidFill>
-              </a:uFill>
-              <a:latin typeface="Arial"/>
-            </a:endParaRPr>
+            <a:endParaRPr/>
           </a:p>
         </p:txBody>
       </p:sp>
@@ -255,17 +215,7 @@
         <p:txBody>
           <a:bodyPr lIns="0" rIns="0" tIns="0" bIns="0"/>
           <a:p>
-            <a:endParaRPr lang="en-US" sz="3200" spc="-1" strike="noStrike">
-              <a:solidFill>
-                <a:srgbClr val="000000"/>
-              </a:solidFill>
-              <a:uFill>
-                <a:solidFill>
-                  <a:srgbClr val="ffffff"/>
-                </a:solidFill>
-              </a:uFill>
-              <a:latin typeface="Arial"/>
-            </a:endParaRPr>
+            <a:endParaRPr/>
           </a:p>
         </p:txBody>
       </p:sp>
@@ -291,17 +241,7 @@
         <p:txBody>
           <a:bodyPr lIns="0" rIns="0" tIns="0" bIns="0"/>
           <a:p>
-            <a:endParaRPr lang="en-US" sz="3200" spc="-1" strike="noStrike">
-              <a:solidFill>
-                <a:srgbClr val="000000"/>
-              </a:solidFill>
-              <a:uFill>
-                <a:solidFill>
-                  <a:srgbClr val="ffffff"/>
-                </a:solidFill>
-              </a:uFill>
-              <a:latin typeface="Arial"/>
-            </a:endParaRPr>
+            <a:endParaRPr/>
           </a:p>
         </p:txBody>
       </p:sp>
@@ -327,17 +267,7 @@
         <p:txBody>
           <a:bodyPr lIns="0" rIns="0" tIns="0" bIns="0"/>
           <a:p>
-            <a:endParaRPr lang="en-US" sz="3200" spc="-1" strike="noStrike">
-              <a:solidFill>
-                <a:srgbClr val="000000"/>
-              </a:solidFill>
-              <a:uFill>
-                <a:solidFill>
-                  <a:srgbClr val="ffffff"/>
-                </a:solidFill>
-              </a:uFill>
-              <a:latin typeface="Arial"/>
-            </a:endParaRPr>
+            <a:endParaRPr/>
           </a:p>
         </p:txBody>
       </p:sp>
@@ -363,17 +293,7 @@
         <p:txBody>
           <a:bodyPr lIns="0" rIns="0" tIns="0" bIns="0"/>
           <a:p>
-            <a:endParaRPr lang="en-US" sz="3200" spc="-1" strike="noStrike">
-              <a:solidFill>
-                <a:srgbClr val="000000"/>
-              </a:solidFill>
-              <a:uFill>
-                <a:solidFill>
-                  <a:srgbClr val="ffffff"/>
-                </a:solidFill>
-              </a:uFill>
-              <a:latin typeface="Arial"/>
-            </a:endParaRPr>
+            <a:endParaRPr/>
           </a:p>
         </p:txBody>
       </p:sp>
@@ -412,7 +332,7 @@
         <p:spPr>
           <a:xfrm>
             <a:off x="457200" y="273600"/>
-            <a:ext cx="8229240" cy="1144800"/>
+            <a:ext cx="8229240" cy="1145160"/>
           </a:xfrm>
           <a:prstGeom prst="rect">
             <a:avLst/>
@@ -422,17 +342,7 @@
           <a:bodyPr lIns="0" rIns="0" tIns="0" bIns="0" anchor="ctr"/>
           <a:p>
             <a:pPr algn="ctr"/>
-            <a:endParaRPr lang="en-US" sz="4400" spc="-1" strike="noStrike">
-              <a:solidFill>
-                <a:srgbClr val="000000"/>
-              </a:solidFill>
-              <a:uFill>
-                <a:solidFill>
-                  <a:srgbClr val="ffffff"/>
-                </a:solidFill>
-              </a:uFill>
-              <a:latin typeface="Arial"/>
-            </a:endParaRPr>
+            <a:endParaRPr/>
           </a:p>
         </p:txBody>
       </p:sp>
@@ -449,7 +359,7 @@
         <p:spPr>
           <a:xfrm>
             <a:off x="457200" y="1604520"/>
-            <a:ext cx="8229240" cy="3976920"/>
+            <a:ext cx="8229240" cy="3977280"/>
           </a:xfrm>
           <a:prstGeom prst="rect">
             <a:avLst/>
@@ -458,17 +368,7 @@
         <p:txBody>
           <a:bodyPr lIns="0" rIns="0" tIns="0" bIns="0"/>
           <a:p>
-            <a:endParaRPr lang="en-US" sz="3200" spc="-1" strike="noStrike">
-              <a:solidFill>
-                <a:srgbClr val="000000"/>
-              </a:solidFill>
-              <a:uFill>
-                <a:solidFill>
-                  <a:srgbClr val="ffffff"/>
-                </a:solidFill>
-              </a:uFill>
-              <a:latin typeface="Arial"/>
-            </a:endParaRPr>
+            <a:endParaRPr/>
           </a:p>
         </p:txBody>
       </p:sp>
@@ -485,7 +385,7 @@
         <p:spPr>
           <a:xfrm>
             <a:off x="457200" y="1604520"/>
-            <a:ext cx="8229240" cy="3976920"/>
+            <a:ext cx="8229240" cy="3977280"/>
           </a:xfrm>
           <a:prstGeom prst="rect">
             <a:avLst/>
@@ -494,17 +394,7 @@
         <p:txBody>
           <a:bodyPr lIns="0" rIns="0" tIns="0" bIns="0"/>
           <a:p>
-            <a:endParaRPr lang="en-US" sz="3200" spc="-1" strike="noStrike">
-              <a:solidFill>
-                <a:srgbClr val="000000"/>
-              </a:solidFill>
-              <a:uFill>
-                <a:solidFill>
-                  <a:srgbClr val="ffffff"/>
-                </a:solidFill>
-              </a:uFill>
-              <a:latin typeface="Arial"/>
-            </a:endParaRPr>
+            <a:endParaRPr/>
           </a:p>
         </p:txBody>
       </p:sp>
@@ -516,12 +406,14 @@
         </p:nvPicPr>
         <p:blipFill>
           <a:blip r:embed="rId2"/>
-          <a:stretch/>
+          <a:stretch>
+            <a:fillRect/>
+          </a:stretch>
         </p:blipFill>
         <p:spPr>
           <a:xfrm>
-            <a:off x="2079360" y="1604160"/>
-            <a:ext cx="4984200" cy="3976920"/>
+            <a:off x="2079000" y="1604520"/>
+            <a:ext cx="4984920" cy="3977280"/>
           </a:xfrm>
           <a:prstGeom prst="rect">
             <a:avLst/>
@@ -539,12 +431,14 @@
         </p:nvPicPr>
         <p:blipFill>
           <a:blip r:embed="rId3"/>
-          <a:stretch/>
+          <a:stretch>
+            <a:fillRect/>
+          </a:stretch>
         </p:blipFill>
         <p:spPr>
           <a:xfrm>
-            <a:off x="2079360" y="1604160"/>
-            <a:ext cx="4984200" cy="3976920"/>
+            <a:off x="2079000" y="1604520"/>
+            <a:ext cx="4984920" cy="3977280"/>
           </a:xfrm>
           <a:prstGeom prst="rect">
             <a:avLst/>
@@ -611,7 +505,7 @@
         <p:spPr>
           <a:xfrm>
             <a:off x="457200" y="273600"/>
-            <a:ext cx="8229240" cy="1144800"/>
+            <a:ext cx="8229240" cy="1145160"/>
           </a:xfrm>
           <a:prstGeom prst="rect">
             <a:avLst/>
@@ -621,17 +515,7 @@
           <a:bodyPr lIns="0" rIns="0" tIns="0" bIns="0" anchor="ctr"/>
           <a:p>
             <a:pPr algn="ctr"/>
-            <a:endParaRPr lang="en-US" sz="4400" spc="-1" strike="noStrike">
-              <a:solidFill>
-                <a:srgbClr val="000000"/>
-              </a:solidFill>
-              <a:uFill>
-                <a:solidFill>
-                  <a:srgbClr val="ffffff"/>
-                </a:solidFill>
-              </a:uFill>
-              <a:latin typeface="Arial"/>
-            </a:endParaRPr>
+            <a:endParaRPr/>
           </a:p>
         </p:txBody>
       </p:sp>
@@ -648,7 +532,7 @@
         <p:spPr>
           <a:xfrm>
             <a:off x="457200" y="1604520"/>
-            <a:ext cx="8229240" cy="3976920"/>
+            <a:ext cx="8229240" cy="3977640"/>
           </a:xfrm>
           <a:prstGeom prst="rect">
             <a:avLst/>
@@ -658,17 +542,7 @@
           <a:bodyPr lIns="0" rIns="0" tIns="0" bIns="0" anchor="ctr"/>
           <a:p>
             <a:pPr algn="ctr"/>
-            <a:endParaRPr lang="en-US" sz="3200" spc="-1" strike="noStrike">
-              <a:solidFill>
-                <a:srgbClr val="000000"/>
-              </a:solidFill>
-              <a:uFill>
-                <a:solidFill>
-                  <a:srgbClr val="ffffff"/>
-                </a:solidFill>
-              </a:uFill>
-              <a:latin typeface="Arial"/>
-            </a:endParaRPr>
+            <a:endParaRPr/>
           </a:p>
         </p:txBody>
       </p:sp>
@@ -707,7 +581,7 @@
         <p:spPr>
           <a:xfrm>
             <a:off x="457200" y="273600"/>
-            <a:ext cx="8229240" cy="1144800"/>
+            <a:ext cx="8229240" cy="1145160"/>
           </a:xfrm>
           <a:prstGeom prst="rect">
             <a:avLst/>
@@ -717,17 +591,7 @@
           <a:bodyPr lIns="0" rIns="0" tIns="0" bIns="0" anchor="ctr"/>
           <a:p>
             <a:pPr algn="ctr"/>
-            <a:endParaRPr lang="en-US" sz="4400" spc="-1" strike="noStrike">
-              <a:solidFill>
-                <a:srgbClr val="000000"/>
-              </a:solidFill>
-              <a:uFill>
-                <a:solidFill>
-                  <a:srgbClr val="ffffff"/>
-                </a:solidFill>
-              </a:uFill>
-              <a:latin typeface="Arial"/>
-            </a:endParaRPr>
+            <a:endParaRPr/>
           </a:p>
         </p:txBody>
       </p:sp>
@@ -744,7 +608,7 @@
         <p:spPr>
           <a:xfrm>
             <a:off x="457200" y="1604520"/>
-            <a:ext cx="8229240" cy="3976920"/>
+            <a:ext cx="8229240" cy="3977280"/>
           </a:xfrm>
           <a:prstGeom prst="rect">
             <a:avLst/>
@@ -753,17 +617,7 @@
         <p:txBody>
           <a:bodyPr lIns="0" rIns="0" tIns="0" bIns="0"/>
           <a:p>
-            <a:endParaRPr lang="en-US" sz="3200" spc="-1" strike="noStrike">
-              <a:solidFill>
-                <a:srgbClr val="000000"/>
-              </a:solidFill>
-              <a:uFill>
-                <a:solidFill>
-                  <a:srgbClr val="ffffff"/>
-                </a:solidFill>
-              </a:uFill>
-              <a:latin typeface="Arial"/>
-            </a:endParaRPr>
+            <a:endParaRPr/>
           </a:p>
         </p:txBody>
       </p:sp>
@@ -802,7 +656,7 @@
         <p:spPr>
           <a:xfrm>
             <a:off x="457200" y="273600"/>
-            <a:ext cx="8229240" cy="1144800"/>
+            <a:ext cx="8229240" cy="1145160"/>
           </a:xfrm>
           <a:prstGeom prst="rect">
             <a:avLst/>
@@ -812,17 +666,7 @@
           <a:bodyPr lIns="0" rIns="0" tIns="0" bIns="0" anchor="ctr"/>
           <a:p>
             <a:pPr algn="ctr"/>
-            <a:endParaRPr lang="en-US" sz="4400" spc="-1" strike="noStrike">
-              <a:solidFill>
-                <a:srgbClr val="000000"/>
-              </a:solidFill>
-              <a:uFill>
-                <a:solidFill>
-                  <a:srgbClr val="ffffff"/>
-                </a:solidFill>
-              </a:uFill>
-              <a:latin typeface="Arial"/>
-            </a:endParaRPr>
+            <a:endParaRPr/>
           </a:p>
         </p:txBody>
       </p:sp>
@@ -839,7 +683,7 @@
         <p:spPr>
           <a:xfrm>
             <a:off x="457200" y="1604520"/>
-            <a:ext cx="4015800" cy="3976920"/>
+            <a:ext cx="4015800" cy="3977280"/>
           </a:xfrm>
           <a:prstGeom prst="rect">
             <a:avLst/>
@@ -848,17 +692,7 @@
         <p:txBody>
           <a:bodyPr lIns="0" rIns="0" tIns="0" bIns="0"/>
           <a:p>
-            <a:endParaRPr lang="en-US" sz="3200" spc="-1" strike="noStrike">
-              <a:solidFill>
-                <a:srgbClr val="000000"/>
-              </a:solidFill>
-              <a:uFill>
-                <a:solidFill>
-                  <a:srgbClr val="ffffff"/>
-                </a:solidFill>
-              </a:uFill>
-              <a:latin typeface="Arial"/>
-            </a:endParaRPr>
+            <a:endParaRPr/>
           </a:p>
         </p:txBody>
       </p:sp>
@@ -875,7 +709,7 @@
         <p:spPr>
           <a:xfrm>
             <a:off x="4674240" y="1604520"/>
-            <a:ext cx="4015800" cy="3976920"/>
+            <a:ext cx="4015800" cy="3977280"/>
           </a:xfrm>
           <a:prstGeom prst="rect">
             <a:avLst/>
@@ -884,17 +718,7 @@
         <p:txBody>
           <a:bodyPr lIns="0" rIns="0" tIns="0" bIns="0"/>
           <a:p>
-            <a:endParaRPr lang="en-US" sz="3200" spc="-1" strike="noStrike">
-              <a:solidFill>
-                <a:srgbClr val="000000"/>
-              </a:solidFill>
-              <a:uFill>
-                <a:solidFill>
-                  <a:srgbClr val="ffffff"/>
-                </a:solidFill>
-              </a:uFill>
-              <a:latin typeface="Arial"/>
-            </a:endParaRPr>
+            <a:endParaRPr/>
           </a:p>
         </p:txBody>
       </p:sp>
@@ -933,7 +757,7 @@
         <p:spPr>
           <a:xfrm>
             <a:off x="457200" y="273600"/>
-            <a:ext cx="8229240" cy="1144800"/>
+            <a:ext cx="8229240" cy="1145160"/>
           </a:xfrm>
           <a:prstGeom prst="rect">
             <a:avLst/>
@@ -943,17 +767,7 @@
           <a:bodyPr lIns="0" rIns="0" tIns="0" bIns="0" anchor="ctr"/>
           <a:p>
             <a:pPr algn="ctr"/>
-            <a:endParaRPr lang="en-US" sz="4400" spc="-1" strike="noStrike">
-              <a:solidFill>
-                <a:srgbClr val="000000"/>
-              </a:solidFill>
-              <a:uFill>
-                <a:solidFill>
-                  <a:srgbClr val="ffffff"/>
-                </a:solidFill>
-              </a:uFill>
-              <a:latin typeface="Arial"/>
-            </a:endParaRPr>
+            <a:endParaRPr/>
           </a:p>
         </p:txBody>
       </p:sp>
@@ -992,7 +806,7 @@
         <p:spPr>
           <a:xfrm>
             <a:off x="457200" y="273600"/>
-            <a:ext cx="8229240" cy="5307840"/>
+            <a:ext cx="8229240" cy="5308200"/>
           </a:xfrm>
           <a:prstGeom prst="rect">
             <a:avLst/>
@@ -1002,17 +816,7 @@
           <a:bodyPr lIns="0" rIns="0" tIns="0" bIns="0" anchor="ctr"/>
           <a:p>
             <a:pPr algn="ctr"/>
-            <a:endParaRPr lang="en-US" sz="3200" spc="-1" strike="noStrike">
-              <a:solidFill>
-                <a:srgbClr val="000000"/>
-              </a:solidFill>
-              <a:uFill>
-                <a:solidFill>
-                  <a:srgbClr val="ffffff"/>
-                </a:solidFill>
-              </a:uFill>
-              <a:latin typeface="Arial"/>
-            </a:endParaRPr>
+            <a:endParaRPr/>
           </a:p>
         </p:txBody>
       </p:sp>
@@ -1051,7 +855,7 @@
         <p:spPr>
           <a:xfrm>
             <a:off x="457200" y="273600"/>
-            <a:ext cx="8229240" cy="1144800"/>
+            <a:ext cx="8229240" cy="1145160"/>
           </a:xfrm>
           <a:prstGeom prst="rect">
             <a:avLst/>
@@ -1061,17 +865,7 @@
           <a:bodyPr lIns="0" rIns="0" tIns="0" bIns="0" anchor="ctr"/>
           <a:p>
             <a:pPr algn="ctr"/>
-            <a:endParaRPr lang="en-US" sz="4400" spc="-1" strike="noStrike">
-              <a:solidFill>
-                <a:srgbClr val="000000"/>
-              </a:solidFill>
-              <a:uFill>
-                <a:solidFill>
-                  <a:srgbClr val="ffffff"/>
-                </a:solidFill>
-              </a:uFill>
-              <a:latin typeface="Arial"/>
-            </a:endParaRPr>
+            <a:endParaRPr/>
           </a:p>
         </p:txBody>
       </p:sp>
@@ -1097,17 +891,7 @@
         <p:txBody>
           <a:bodyPr lIns="0" rIns="0" tIns="0" bIns="0"/>
           <a:p>
-            <a:endParaRPr lang="en-US" sz="3200" spc="-1" strike="noStrike">
-              <a:solidFill>
-                <a:srgbClr val="000000"/>
-              </a:solidFill>
-              <a:uFill>
-                <a:solidFill>
-                  <a:srgbClr val="ffffff"/>
-                </a:solidFill>
-              </a:uFill>
-              <a:latin typeface="Arial"/>
-            </a:endParaRPr>
+            <a:endParaRPr/>
           </a:p>
         </p:txBody>
       </p:sp>
@@ -1133,17 +917,7 @@
         <p:txBody>
           <a:bodyPr lIns="0" rIns="0" tIns="0" bIns="0"/>
           <a:p>
-            <a:endParaRPr lang="en-US" sz="3200" spc="-1" strike="noStrike">
-              <a:solidFill>
-                <a:srgbClr val="000000"/>
-              </a:solidFill>
-              <a:uFill>
-                <a:solidFill>
-                  <a:srgbClr val="ffffff"/>
-                </a:solidFill>
-              </a:uFill>
-              <a:latin typeface="Arial"/>
-            </a:endParaRPr>
+            <a:endParaRPr/>
           </a:p>
         </p:txBody>
       </p:sp>
@@ -1160,7 +934,7 @@
         <p:spPr>
           <a:xfrm>
             <a:off x="4674240" y="1604520"/>
-            <a:ext cx="4015800" cy="3976920"/>
+            <a:ext cx="4015800" cy="3977280"/>
           </a:xfrm>
           <a:prstGeom prst="rect">
             <a:avLst/>
@@ -1169,17 +943,7 @@
         <p:txBody>
           <a:bodyPr lIns="0" rIns="0" tIns="0" bIns="0"/>
           <a:p>
-            <a:endParaRPr lang="en-US" sz="3200" spc="-1" strike="noStrike">
-              <a:solidFill>
-                <a:srgbClr val="000000"/>
-              </a:solidFill>
-              <a:uFill>
-                <a:solidFill>
-                  <a:srgbClr val="ffffff"/>
-                </a:solidFill>
-              </a:uFill>
-              <a:latin typeface="Arial"/>
-            </a:endParaRPr>
+            <a:endParaRPr/>
           </a:p>
         </p:txBody>
       </p:sp>
@@ -1218,7 +982,7 @@
         <p:spPr>
           <a:xfrm>
             <a:off x="457200" y="273600"/>
-            <a:ext cx="8229240" cy="1144800"/>
+            <a:ext cx="8229240" cy="1145160"/>
           </a:xfrm>
           <a:prstGeom prst="rect">
             <a:avLst/>
@@ -1228,17 +992,7 @@
           <a:bodyPr lIns="0" rIns="0" tIns="0" bIns="0" anchor="ctr"/>
           <a:p>
             <a:pPr algn="ctr"/>
-            <a:endParaRPr lang="en-US" sz="4400" spc="-1" strike="noStrike">
-              <a:solidFill>
-                <a:srgbClr val="000000"/>
-              </a:solidFill>
-              <a:uFill>
-                <a:solidFill>
-                  <a:srgbClr val="ffffff"/>
-                </a:solidFill>
-              </a:uFill>
-              <a:latin typeface="Arial"/>
-            </a:endParaRPr>
+            <a:endParaRPr/>
           </a:p>
         </p:txBody>
       </p:sp>
@@ -1255,7 +1009,7 @@
         <p:spPr>
           <a:xfrm>
             <a:off x="457200" y="1604520"/>
-            <a:ext cx="8229240" cy="3976920"/>
+            <a:ext cx="8229240" cy="3977640"/>
           </a:xfrm>
           <a:prstGeom prst="rect">
             <a:avLst/>
@@ -1265,17 +1019,7 @@
           <a:bodyPr lIns="0" rIns="0" tIns="0" bIns="0" anchor="ctr"/>
           <a:p>
             <a:pPr algn="ctr"/>
-            <a:endParaRPr lang="en-US" sz="3200" spc="-1" strike="noStrike">
-              <a:solidFill>
-                <a:srgbClr val="000000"/>
-              </a:solidFill>
-              <a:uFill>
-                <a:solidFill>
-                  <a:srgbClr val="ffffff"/>
-                </a:solidFill>
-              </a:uFill>
-              <a:latin typeface="Arial"/>
-            </a:endParaRPr>
+            <a:endParaRPr/>
           </a:p>
         </p:txBody>
       </p:sp>
@@ -1314,7 +1058,7 @@
         <p:spPr>
           <a:xfrm>
             <a:off x="457200" y="273600"/>
-            <a:ext cx="8229240" cy="1144800"/>
+            <a:ext cx="8229240" cy="1145160"/>
           </a:xfrm>
           <a:prstGeom prst="rect">
             <a:avLst/>
@@ -1324,17 +1068,7 @@
           <a:bodyPr lIns="0" rIns="0" tIns="0" bIns="0" anchor="ctr"/>
           <a:p>
             <a:pPr algn="ctr"/>
-            <a:endParaRPr lang="en-US" sz="4400" spc="-1" strike="noStrike">
-              <a:solidFill>
-                <a:srgbClr val="000000"/>
-              </a:solidFill>
-              <a:uFill>
-                <a:solidFill>
-                  <a:srgbClr val="ffffff"/>
-                </a:solidFill>
-              </a:uFill>
-              <a:latin typeface="Arial"/>
-            </a:endParaRPr>
+            <a:endParaRPr/>
           </a:p>
         </p:txBody>
       </p:sp>
@@ -1351,7 +1085,7 @@
         <p:spPr>
           <a:xfrm>
             <a:off x="457200" y="1604520"/>
-            <a:ext cx="4015800" cy="3976920"/>
+            <a:ext cx="4015800" cy="3977280"/>
           </a:xfrm>
           <a:prstGeom prst="rect">
             <a:avLst/>
@@ -1360,17 +1094,7 @@
         <p:txBody>
           <a:bodyPr lIns="0" rIns="0" tIns="0" bIns="0"/>
           <a:p>
-            <a:endParaRPr lang="en-US" sz="3200" spc="-1" strike="noStrike">
-              <a:solidFill>
-                <a:srgbClr val="000000"/>
-              </a:solidFill>
-              <a:uFill>
-                <a:solidFill>
-                  <a:srgbClr val="ffffff"/>
-                </a:solidFill>
-              </a:uFill>
-              <a:latin typeface="Arial"/>
-            </a:endParaRPr>
+            <a:endParaRPr/>
           </a:p>
         </p:txBody>
       </p:sp>
@@ -1396,17 +1120,7 @@
         <p:txBody>
           <a:bodyPr lIns="0" rIns="0" tIns="0" bIns="0"/>
           <a:p>
-            <a:endParaRPr lang="en-US" sz="3200" spc="-1" strike="noStrike">
-              <a:solidFill>
-                <a:srgbClr val="000000"/>
-              </a:solidFill>
-              <a:uFill>
-                <a:solidFill>
-                  <a:srgbClr val="ffffff"/>
-                </a:solidFill>
-              </a:uFill>
-              <a:latin typeface="Arial"/>
-            </a:endParaRPr>
+            <a:endParaRPr/>
           </a:p>
         </p:txBody>
       </p:sp>
@@ -1432,17 +1146,7 @@
         <p:txBody>
           <a:bodyPr lIns="0" rIns="0" tIns="0" bIns="0"/>
           <a:p>
-            <a:endParaRPr lang="en-US" sz="3200" spc="-1" strike="noStrike">
-              <a:solidFill>
-                <a:srgbClr val="000000"/>
-              </a:solidFill>
-              <a:uFill>
-                <a:solidFill>
-                  <a:srgbClr val="ffffff"/>
-                </a:solidFill>
-              </a:uFill>
-              <a:latin typeface="Arial"/>
-            </a:endParaRPr>
+            <a:endParaRPr/>
           </a:p>
         </p:txBody>
       </p:sp>
@@ -1481,7 +1185,7 @@
         <p:spPr>
           <a:xfrm>
             <a:off x="457200" y="273600"/>
-            <a:ext cx="8229240" cy="1144800"/>
+            <a:ext cx="8229240" cy="1145160"/>
           </a:xfrm>
           <a:prstGeom prst="rect">
             <a:avLst/>
@@ -1491,17 +1195,7 @@
           <a:bodyPr lIns="0" rIns="0" tIns="0" bIns="0" anchor="ctr"/>
           <a:p>
             <a:pPr algn="ctr"/>
-            <a:endParaRPr lang="en-US" sz="4400" spc="-1" strike="noStrike">
-              <a:solidFill>
-                <a:srgbClr val="000000"/>
-              </a:solidFill>
-              <a:uFill>
-                <a:solidFill>
-                  <a:srgbClr val="ffffff"/>
-                </a:solidFill>
-              </a:uFill>
-              <a:latin typeface="Arial"/>
-            </a:endParaRPr>
+            <a:endParaRPr/>
           </a:p>
         </p:txBody>
       </p:sp>
@@ -1527,17 +1221,7 @@
         <p:txBody>
           <a:bodyPr lIns="0" rIns="0" tIns="0" bIns="0"/>
           <a:p>
-            <a:endParaRPr lang="en-US" sz="3200" spc="-1" strike="noStrike">
-              <a:solidFill>
-                <a:srgbClr val="000000"/>
-              </a:solidFill>
-              <a:uFill>
-                <a:solidFill>
-                  <a:srgbClr val="ffffff"/>
-                </a:solidFill>
-              </a:uFill>
-              <a:latin typeface="Arial"/>
-            </a:endParaRPr>
+            <a:endParaRPr/>
           </a:p>
         </p:txBody>
       </p:sp>
@@ -1563,17 +1247,7 @@
         <p:txBody>
           <a:bodyPr lIns="0" rIns="0" tIns="0" bIns="0"/>
           <a:p>
-            <a:endParaRPr lang="en-US" sz="3200" spc="-1" strike="noStrike">
-              <a:solidFill>
-                <a:srgbClr val="000000"/>
-              </a:solidFill>
-              <a:uFill>
-                <a:solidFill>
-                  <a:srgbClr val="ffffff"/>
-                </a:solidFill>
-              </a:uFill>
-              <a:latin typeface="Arial"/>
-            </a:endParaRPr>
+            <a:endParaRPr/>
           </a:p>
         </p:txBody>
       </p:sp>
@@ -1599,17 +1273,7 @@
         <p:txBody>
           <a:bodyPr lIns="0" rIns="0" tIns="0" bIns="0"/>
           <a:p>
-            <a:endParaRPr lang="en-US" sz="3200" spc="-1" strike="noStrike">
-              <a:solidFill>
-                <a:srgbClr val="000000"/>
-              </a:solidFill>
-              <a:uFill>
-                <a:solidFill>
-                  <a:srgbClr val="ffffff"/>
-                </a:solidFill>
-              </a:uFill>
-              <a:latin typeface="Arial"/>
-            </a:endParaRPr>
+            <a:endParaRPr/>
           </a:p>
         </p:txBody>
       </p:sp>
@@ -1648,7 +1312,7 @@
         <p:spPr>
           <a:xfrm>
             <a:off x="457200" y="273600"/>
-            <a:ext cx="8229240" cy="1144800"/>
+            <a:ext cx="8229240" cy="1145160"/>
           </a:xfrm>
           <a:prstGeom prst="rect">
             <a:avLst/>
@@ -1658,17 +1322,7 @@
           <a:bodyPr lIns="0" rIns="0" tIns="0" bIns="0" anchor="ctr"/>
           <a:p>
             <a:pPr algn="ctr"/>
-            <a:endParaRPr lang="en-US" sz="4400" spc="-1" strike="noStrike">
-              <a:solidFill>
-                <a:srgbClr val="000000"/>
-              </a:solidFill>
-              <a:uFill>
-                <a:solidFill>
-                  <a:srgbClr val="ffffff"/>
-                </a:solidFill>
-              </a:uFill>
-              <a:latin typeface="Arial"/>
-            </a:endParaRPr>
+            <a:endParaRPr/>
           </a:p>
         </p:txBody>
       </p:sp>
@@ -1694,17 +1348,7 @@
         <p:txBody>
           <a:bodyPr lIns="0" rIns="0" tIns="0" bIns="0"/>
           <a:p>
-            <a:endParaRPr lang="en-US" sz="3200" spc="-1" strike="noStrike">
-              <a:solidFill>
-                <a:srgbClr val="000000"/>
-              </a:solidFill>
-              <a:uFill>
-                <a:solidFill>
-                  <a:srgbClr val="ffffff"/>
-                </a:solidFill>
-              </a:uFill>
-              <a:latin typeface="Arial"/>
-            </a:endParaRPr>
+            <a:endParaRPr/>
           </a:p>
         </p:txBody>
       </p:sp>
@@ -1730,17 +1374,7 @@
         <p:txBody>
           <a:bodyPr lIns="0" rIns="0" tIns="0" bIns="0"/>
           <a:p>
-            <a:endParaRPr lang="en-US" sz="3200" spc="-1" strike="noStrike">
-              <a:solidFill>
-                <a:srgbClr val="000000"/>
-              </a:solidFill>
-              <a:uFill>
-                <a:solidFill>
-                  <a:srgbClr val="ffffff"/>
-                </a:solidFill>
-              </a:uFill>
-              <a:latin typeface="Arial"/>
-            </a:endParaRPr>
+            <a:endParaRPr/>
           </a:p>
         </p:txBody>
       </p:sp>
@@ -1779,7 +1413,7 @@
         <p:spPr>
           <a:xfrm>
             <a:off x="457200" y="273600"/>
-            <a:ext cx="8229240" cy="1144800"/>
+            <a:ext cx="8229240" cy="1145160"/>
           </a:xfrm>
           <a:prstGeom prst="rect">
             <a:avLst/>
@@ -1789,17 +1423,7 @@
           <a:bodyPr lIns="0" rIns="0" tIns="0" bIns="0" anchor="ctr"/>
           <a:p>
             <a:pPr algn="ctr"/>
-            <a:endParaRPr lang="en-US" sz="4400" spc="-1" strike="noStrike">
-              <a:solidFill>
-                <a:srgbClr val="000000"/>
-              </a:solidFill>
-              <a:uFill>
-                <a:solidFill>
-                  <a:srgbClr val="ffffff"/>
-                </a:solidFill>
-              </a:uFill>
-              <a:latin typeface="Arial"/>
-            </a:endParaRPr>
+            <a:endParaRPr/>
           </a:p>
         </p:txBody>
       </p:sp>
@@ -1825,17 +1449,7 @@
         <p:txBody>
           <a:bodyPr lIns="0" rIns="0" tIns="0" bIns="0"/>
           <a:p>
-            <a:endParaRPr lang="en-US" sz="3200" spc="-1" strike="noStrike">
-              <a:solidFill>
-                <a:srgbClr val="000000"/>
-              </a:solidFill>
-              <a:uFill>
-                <a:solidFill>
-                  <a:srgbClr val="ffffff"/>
-                </a:solidFill>
-              </a:uFill>
-              <a:latin typeface="Arial"/>
-            </a:endParaRPr>
+            <a:endParaRPr/>
           </a:p>
         </p:txBody>
       </p:sp>
@@ -1861,17 +1475,7 @@
         <p:txBody>
           <a:bodyPr lIns="0" rIns="0" tIns="0" bIns="0"/>
           <a:p>
-            <a:endParaRPr lang="en-US" sz="3200" spc="-1" strike="noStrike">
-              <a:solidFill>
-                <a:srgbClr val="000000"/>
-              </a:solidFill>
-              <a:uFill>
-                <a:solidFill>
-                  <a:srgbClr val="ffffff"/>
-                </a:solidFill>
-              </a:uFill>
-              <a:latin typeface="Arial"/>
-            </a:endParaRPr>
+            <a:endParaRPr/>
           </a:p>
         </p:txBody>
       </p:sp>
@@ -1897,17 +1501,7 @@
         <p:txBody>
           <a:bodyPr lIns="0" rIns="0" tIns="0" bIns="0"/>
           <a:p>
-            <a:endParaRPr lang="en-US" sz="3200" spc="-1" strike="noStrike">
-              <a:solidFill>
-                <a:srgbClr val="000000"/>
-              </a:solidFill>
-              <a:uFill>
-                <a:solidFill>
-                  <a:srgbClr val="ffffff"/>
-                </a:solidFill>
-              </a:uFill>
-              <a:latin typeface="Arial"/>
-            </a:endParaRPr>
+            <a:endParaRPr/>
           </a:p>
         </p:txBody>
       </p:sp>
@@ -1933,17 +1527,7 @@
         <p:txBody>
           <a:bodyPr lIns="0" rIns="0" tIns="0" bIns="0"/>
           <a:p>
-            <a:endParaRPr lang="en-US" sz="3200" spc="-1" strike="noStrike">
-              <a:solidFill>
-                <a:srgbClr val="000000"/>
-              </a:solidFill>
-              <a:uFill>
-                <a:solidFill>
-                  <a:srgbClr val="ffffff"/>
-                </a:solidFill>
-              </a:uFill>
-              <a:latin typeface="Arial"/>
-            </a:endParaRPr>
+            <a:endParaRPr/>
           </a:p>
         </p:txBody>
       </p:sp>
@@ -1982,7 +1566,7 @@
         <p:spPr>
           <a:xfrm>
             <a:off x="457200" y="273600"/>
-            <a:ext cx="8229240" cy="1144800"/>
+            <a:ext cx="8229240" cy="1145160"/>
           </a:xfrm>
           <a:prstGeom prst="rect">
             <a:avLst/>
@@ -1992,17 +1576,7 @@
           <a:bodyPr lIns="0" rIns="0" tIns="0" bIns="0" anchor="ctr"/>
           <a:p>
             <a:pPr algn="ctr"/>
-            <a:endParaRPr lang="en-US" sz="4400" spc="-1" strike="noStrike">
-              <a:solidFill>
-                <a:srgbClr val="000000"/>
-              </a:solidFill>
-              <a:uFill>
-                <a:solidFill>
-                  <a:srgbClr val="ffffff"/>
-                </a:solidFill>
-              </a:uFill>
-              <a:latin typeface="Arial"/>
-            </a:endParaRPr>
+            <a:endParaRPr/>
           </a:p>
         </p:txBody>
       </p:sp>
@@ -2019,7 +1593,7 @@
         <p:spPr>
           <a:xfrm>
             <a:off x="457200" y="1604520"/>
-            <a:ext cx="8229240" cy="3976920"/>
+            <a:ext cx="8229240" cy="3977280"/>
           </a:xfrm>
           <a:prstGeom prst="rect">
             <a:avLst/>
@@ -2028,17 +1602,7 @@
         <p:txBody>
           <a:bodyPr lIns="0" rIns="0" tIns="0" bIns="0"/>
           <a:p>
-            <a:endParaRPr lang="en-US" sz="3200" spc="-1" strike="noStrike">
-              <a:solidFill>
-                <a:srgbClr val="000000"/>
-              </a:solidFill>
-              <a:uFill>
-                <a:solidFill>
-                  <a:srgbClr val="ffffff"/>
-                </a:solidFill>
-              </a:uFill>
-              <a:latin typeface="Arial"/>
-            </a:endParaRPr>
+            <a:endParaRPr/>
           </a:p>
         </p:txBody>
       </p:sp>
@@ -2055,7 +1619,7 @@
         <p:spPr>
           <a:xfrm>
             <a:off x="457200" y="1604520"/>
-            <a:ext cx="8229240" cy="3976920"/>
+            <a:ext cx="8229240" cy="3977280"/>
           </a:xfrm>
           <a:prstGeom prst="rect">
             <a:avLst/>
@@ -2064,17 +1628,7 @@
         <p:txBody>
           <a:bodyPr lIns="0" rIns="0" tIns="0" bIns="0"/>
           <a:p>
-            <a:endParaRPr lang="en-US" sz="3200" spc="-1" strike="noStrike">
-              <a:solidFill>
-                <a:srgbClr val="000000"/>
-              </a:solidFill>
-              <a:uFill>
-                <a:solidFill>
-                  <a:srgbClr val="ffffff"/>
-                </a:solidFill>
-              </a:uFill>
-              <a:latin typeface="Arial"/>
-            </a:endParaRPr>
+            <a:endParaRPr/>
           </a:p>
         </p:txBody>
       </p:sp>
@@ -2086,12 +1640,14 @@
         </p:nvPicPr>
         <p:blipFill>
           <a:blip r:embed="rId2"/>
-          <a:stretch/>
+          <a:stretch>
+            <a:fillRect/>
+          </a:stretch>
         </p:blipFill>
         <p:spPr>
           <a:xfrm>
-            <a:off x="2079360" y="1604160"/>
-            <a:ext cx="4984200" cy="3976920"/>
+            <a:off x="2079000" y="1604520"/>
+            <a:ext cx="4984920" cy="3977280"/>
           </a:xfrm>
           <a:prstGeom prst="rect">
             <a:avLst/>
@@ -2109,12 +1665,14 @@
         </p:nvPicPr>
         <p:blipFill>
           <a:blip r:embed="rId3"/>
-          <a:stretch/>
+          <a:stretch>
+            <a:fillRect/>
+          </a:stretch>
         </p:blipFill>
         <p:spPr>
           <a:xfrm>
-            <a:off x="2079360" y="1604160"/>
-            <a:ext cx="4984200" cy="3976920"/>
+            <a:off x="2079000" y="1604520"/>
+            <a:ext cx="4984920" cy="3977280"/>
           </a:xfrm>
           <a:prstGeom prst="rect">
             <a:avLst/>
@@ -2159,7 +1717,7 @@
         <p:spPr>
           <a:xfrm>
             <a:off x="457200" y="273600"/>
-            <a:ext cx="8229240" cy="1144800"/>
+            <a:ext cx="8229240" cy="1145160"/>
           </a:xfrm>
           <a:prstGeom prst="rect">
             <a:avLst/>
@@ -2169,17 +1727,7 @@
           <a:bodyPr lIns="0" rIns="0" tIns="0" bIns="0" anchor="ctr"/>
           <a:p>
             <a:pPr algn="ctr"/>
-            <a:endParaRPr lang="en-US" sz="4400" spc="-1" strike="noStrike">
-              <a:solidFill>
-                <a:srgbClr val="000000"/>
-              </a:solidFill>
-              <a:uFill>
-                <a:solidFill>
-                  <a:srgbClr val="ffffff"/>
-                </a:solidFill>
-              </a:uFill>
-              <a:latin typeface="Arial"/>
-            </a:endParaRPr>
+            <a:endParaRPr/>
           </a:p>
         </p:txBody>
       </p:sp>
@@ -2196,7 +1744,7 @@
         <p:spPr>
           <a:xfrm>
             <a:off x="457200" y="1604520"/>
-            <a:ext cx="8229240" cy="3976920"/>
+            <a:ext cx="8229240" cy="3977280"/>
           </a:xfrm>
           <a:prstGeom prst="rect">
             <a:avLst/>
@@ -2205,17 +1753,7 @@
         <p:txBody>
           <a:bodyPr lIns="0" rIns="0" tIns="0" bIns="0"/>
           <a:p>
-            <a:endParaRPr lang="en-US" sz="3200" spc="-1" strike="noStrike">
-              <a:solidFill>
-                <a:srgbClr val="000000"/>
-              </a:solidFill>
-              <a:uFill>
-                <a:solidFill>
-                  <a:srgbClr val="ffffff"/>
-                </a:solidFill>
-              </a:uFill>
-              <a:latin typeface="Arial"/>
-            </a:endParaRPr>
+            <a:endParaRPr/>
           </a:p>
         </p:txBody>
       </p:sp>
@@ -2254,7 +1792,7 @@
         <p:spPr>
           <a:xfrm>
             <a:off x="457200" y="273600"/>
-            <a:ext cx="8229240" cy="1144800"/>
+            <a:ext cx="8229240" cy="1145160"/>
           </a:xfrm>
           <a:prstGeom prst="rect">
             <a:avLst/>
@@ -2264,17 +1802,7 @@
           <a:bodyPr lIns="0" rIns="0" tIns="0" bIns="0" anchor="ctr"/>
           <a:p>
             <a:pPr algn="ctr"/>
-            <a:endParaRPr lang="en-US" sz="4400" spc="-1" strike="noStrike">
-              <a:solidFill>
-                <a:srgbClr val="000000"/>
-              </a:solidFill>
-              <a:uFill>
-                <a:solidFill>
-                  <a:srgbClr val="ffffff"/>
-                </a:solidFill>
-              </a:uFill>
-              <a:latin typeface="Arial"/>
-            </a:endParaRPr>
+            <a:endParaRPr/>
           </a:p>
         </p:txBody>
       </p:sp>
@@ -2291,7 +1819,7 @@
         <p:spPr>
           <a:xfrm>
             <a:off x="457200" y="1604520"/>
-            <a:ext cx="4015800" cy="3976920"/>
+            <a:ext cx="4015800" cy="3977280"/>
           </a:xfrm>
           <a:prstGeom prst="rect">
             <a:avLst/>
@@ -2300,17 +1828,7 @@
         <p:txBody>
           <a:bodyPr lIns="0" rIns="0" tIns="0" bIns="0"/>
           <a:p>
-            <a:endParaRPr lang="en-US" sz="3200" spc="-1" strike="noStrike">
-              <a:solidFill>
-                <a:srgbClr val="000000"/>
-              </a:solidFill>
-              <a:uFill>
-                <a:solidFill>
-                  <a:srgbClr val="ffffff"/>
-                </a:solidFill>
-              </a:uFill>
-              <a:latin typeface="Arial"/>
-            </a:endParaRPr>
+            <a:endParaRPr/>
           </a:p>
         </p:txBody>
       </p:sp>
@@ -2327,7 +1845,7 @@
         <p:spPr>
           <a:xfrm>
             <a:off x="4674240" y="1604520"/>
-            <a:ext cx="4015800" cy="3976920"/>
+            <a:ext cx="4015800" cy="3977280"/>
           </a:xfrm>
           <a:prstGeom prst="rect">
             <a:avLst/>
@@ -2336,17 +1854,7 @@
         <p:txBody>
           <a:bodyPr lIns="0" rIns="0" tIns="0" bIns="0"/>
           <a:p>
-            <a:endParaRPr lang="en-US" sz="3200" spc="-1" strike="noStrike">
-              <a:solidFill>
-                <a:srgbClr val="000000"/>
-              </a:solidFill>
-              <a:uFill>
-                <a:solidFill>
-                  <a:srgbClr val="ffffff"/>
-                </a:solidFill>
-              </a:uFill>
-              <a:latin typeface="Arial"/>
-            </a:endParaRPr>
+            <a:endParaRPr/>
           </a:p>
         </p:txBody>
       </p:sp>
@@ -2385,7 +1893,7 @@
         <p:spPr>
           <a:xfrm>
             <a:off x="457200" y="273600"/>
-            <a:ext cx="8229240" cy="1144800"/>
+            <a:ext cx="8229240" cy="1145160"/>
           </a:xfrm>
           <a:prstGeom prst="rect">
             <a:avLst/>
@@ -2395,17 +1903,7 @@
           <a:bodyPr lIns="0" rIns="0" tIns="0" bIns="0" anchor="ctr"/>
           <a:p>
             <a:pPr algn="ctr"/>
-            <a:endParaRPr lang="en-US" sz="4400" spc="-1" strike="noStrike">
-              <a:solidFill>
-                <a:srgbClr val="000000"/>
-              </a:solidFill>
-              <a:uFill>
-                <a:solidFill>
-                  <a:srgbClr val="ffffff"/>
-                </a:solidFill>
-              </a:uFill>
-              <a:latin typeface="Arial"/>
-            </a:endParaRPr>
+            <a:endParaRPr/>
           </a:p>
         </p:txBody>
       </p:sp>
@@ -2444,7 +1942,7 @@
         <p:spPr>
           <a:xfrm>
             <a:off x="457200" y="273600"/>
-            <a:ext cx="8229240" cy="5307840"/>
+            <a:ext cx="8229240" cy="5308200"/>
           </a:xfrm>
           <a:prstGeom prst="rect">
             <a:avLst/>
@@ -2454,17 +1952,7 @@
           <a:bodyPr lIns="0" rIns="0" tIns="0" bIns="0" anchor="ctr"/>
           <a:p>
             <a:pPr algn="ctr"/>
-            <a:endParaRPr lang="en-US" sz="3200" spc="-1" strike="noStrike">
-              <a:solidFill>
-                <a:srgbClr val="000000"/>
-              </a:solidFill>
-              <a:uFill>
-                <a:solidFill>
-                  <a:srgbClr val="ffffff"/>
-                </a:solidFill>
-              </a:uFill>
-              <a:latin typeface="Arial"/>
-            </a:endParaRPr>
+            <a:endParaRPr/>
           </a:p>
         </p:txBody>
       </p:sp>
@@ -2503,7 +1991,7 @@
         <p:spPr>
           <a:xfrm>
             <a:off x="457200" y="273600"/>
-            <a:ext cx="8229240" cy="1144800"/>
+            <a:ext cx="8229240" cy="1145160"/>
           </a:xfrm>
           <a:prstGeom prst="rect">
             <a:avLst/>
@@ -2513,17 +2001,7 @@
           <a:bodyPr lIns="0" rIns="0" tIns="0" bIns="0" anchor="ctr"/>
           <a:p>
             <a:pPr algn="ctr"/>
-            <a:endParaRPr lang="en-US" sz="4400" spc="-1" strike="noStrike">
-              <a:solidFill>
-                <a:srgbClr val="000000"/>
-              </a:solidFill>
-              <a:uFill>
-                <a:solidFill>
-                  <a:srgbClr val="ffffff"/>
-                </a:solidFill>
-              </a:uFill>
-              <a:latin typeface="Arial"/>
-            </a:endParaRPr>
+            <a:endParaRPr/>
           </a:p>
         </p:txBody>
       </p:sp>
@@ -2549,17 +2027,7 @@
         <p:txBody>
           <a:bodyPr lIns="0" rIns="0" tIns="0" bIns="0"/>
           <a:p>
-            <a:endParaRPr lang="en-US" sz="3200" spc="-1" strike="noStrike">
-              <a:solidFill>
-                <a:srgbClr val="000000"/>
-              </a:solidFill>
-              <a:uFill>
-                <a:solidFill>
-                  <a:srgbClr val="ffffff"/>
-                </a:solidFill>
-              </a:uFill>
-              <a:latin typeface="Arial"/>
-            </a:endParaRPr>
+            <a:endParaRPr/>
           </a:p>
         </p:txBody>
       </p:sp>
@@ -2585,17 +2053,7 @@
         <p:txBody>
           <a:bodyPr lIns="0" rIns="0" tIns="0" bIns="0"/>
           <a:p>
-            <a:endParaRPr lang="en-US" sz="3200" spc="-1" strike="noStrike">
-              <a:solidFill>
-                <a:srgbClr val="000000"/>
-              </a:solidFill>
-              <a:uFill>
-                <a:solidFill>
-                  <a:srgbClr val="ffffff"/>
-                </a:solidFill>
-              </a:uFill>
-              <a:latin typeface="Arial"/>
-            </a:endParaRPr>
+            <a:endParaRPr/>
           </a:p>
         </p:txBody>
       </p:sp>
@@ -2612,7 +2070,7 @@
         <p:spPr>
           <a:xfrm>
             <a:off x="4674240" y="1604520"/>
-            <a:ext cx="4015800" cy="3976920"/>
+            <a:ext cx="4015800" cy="3977280"/>
           </a:xfrm>
           <a:prstGeom prst="rect">
             <a:avLst/>
@@ -2621,17 +2079,7 @@
         <p:txBody>
           <a:bodyPr lIns="0" rIns="0" tIns="0" bIns="0"/>
           <a:p>
-            <a:endParaRPr lang="en-US" sz="3200" spc="-1" strike="noStrike">
-              <a:solidFill>
-                <a:srgbClr val="000000"/>
-              </a:solidFill>
-              <a:uFill>
-                <a:solidFill>
-                  <a:srgbClr val="ffffff"/>
-                </a:solidFill>
-              </a:uFill>
-              <a:latin typeface="Arial"/>
-            </a:endParaRPr>
+            <a:endParaRPr/>
           </a:p>
         </p:txBody>
       </p:sp>
@@ -2670,7 +2118,7 @@
         <p:spPr>
           <a:xfrm>
             <a:off x="457200" y="273600"/>
-            <a:ext cx="8229240" cy="1144800"/>
+            <a:ext cx="8229240" cy="1145160"/>
           </a:xfrm>
           <a:prstGeom prst="rect">
             <a:avLst/>
@@ -2680,17 +2128,7 @@
           <a:bodyPr lIns="0" rIns="0" tIns="0" bIns="0" anchor="ctr"/>
           <a:p>
             <a:pPr algn="ctr"/>
-            <a:endParaRPr lang="en-US" sz="4400" spc="-1" strike="noStrike">
-              <a:solidFill>
-                <a:srgbClr val="000000"/>
-              </a:solidFill>
-              <a:uFill>
-                <a:solidFill>
-                  <a:srgbClr val="ffffff"/>
-                </a:solidFill>
-              </a:uFill>
-              <a:latin typeface="Arial"/>
-            </a:endParaRPr>
+            <a:endParaRPr/>
           </a:p>
         </p:txBody>
       </p:sp>
@@ -2707,7 +2145,7 @@
         <p:spPr>
           <a:xfrm>
             <a:off x="457200" y="1604520"/>
-            <a:ext cx="4015800" cy="3976920"/>
+            <a:ext cx="4015800" cy="3977280"/>
           </a:xfrm>
           <a:prstGeom prst="rect">
             <a:avLst/>
@@ -2716,17 +2154,7 @@
         <p:txBody>
           <a:bodyPr lIns="0" rIns="0" tIns="0" bIns="0"/>
           <a:p>
-            <a:endParaRPr lang="en-US" sz="3200" spc="-1" strike="noStrike">
-              <a:solidFill>
-                <a:srgbClr val="000000"/>
-              </a:solidFill>
-              <a:uFill>
-                <a:solidFill>
-                  <a:srgbClr val="ffffff"/>
-                </a:solidFill>
-              </a:uFill>
-              <a:latin typeface="Arial"/>
-            </a:endParaRPr>
+            <a:endParaRPr/>
           </a:p>
         </p:txBody>
       </p:sp>
@@ -2752,17 +2180,7 @@
         <p:txBody>
           <a:bodyPr lIns="0" rIns="0" tIns="0" bIns="0"/>
           <a:p>
-            <a:endParaRPr lang="en-US" sz="3200" spc="-1" strike="noStrike">
-              <a:solidFill>
-                <a:srgbClr val="000000"/>
-              </a:solidFill>
-              <a:uFill>
-                <a:solidFill>
-                  <a:srgbClr val="ffffff"/>
-                </a:solidFill>
-              </a:uFill>
-              <a:latin typeface="Arial"/>
-            </a:endParaRPr>
+            <a:endParaRPr/>
           </a:p>
         </p:txBody>
       </p:sp>
@@ -2788,17 +2206,7 @@
         <p:txBody>
           <a:bodyPr lIns="0" rIns="0" tIns="0" bIns="0"/>
           <a:p>
-            <a:endParaRPr lang="en-US" sz="3200" spc="-1" strike="noStrike">
-              <a:solidFill>
-                <a:srgbClr val="000000"/>
-              </a:solidFill>
-              <a:uFill>
-                <a:solidFill>
-                  <a:srgbClr val="ffffff"/>
-                </a:solidFill>
-              </a:uFill>
-              <a:latin typeface="Arial"/>
-            </a:endParaRPr>
+            <a:endParaRPr/>
           </a:p>
         </p:txBody>
       </p:sp>
@@ -2837,7 +2245,7 @@
         <p:spPr>
           <a:xfrm>
             <a:off x="457200" y="273600"/>
-            <a:ext cx="8229240" cy="1144800"/>
+            <a:ext cx="8229240" cy="1145160"/>
           </a:xfrm>
           <a:prstGeom prst="rect">
             <a:avLst/>
@@ -2847,17 +2255,7 @@
           <a:bodyPr lIns="0" rIns="0" tIns="0" bIns="0" anchor="ctr"/>
           <a:p>
             <a:pPr algn="ctr"/>
-            <a:endParaRPr lang="en-US" sz="4400" spc="-1" strike="noStrike">
-              <a:solidFill>
-                <a:srgbClr val="000000"/>
-              </a:solidFill>
-              <a:uFill>
-                <a:solidFill>
-                  <a:srgbClr val="ffffff"/>
-                </a:solidFill>
-              </a:uFill>
-              <a:latin typeface="Arial"/>
-            </a:endParaRPr>
+            <a:endParaRPr/>
           </a:p>
         </p:txBody>
       </p:sp>
@@ -2883,17 +2281,7 @@
         <p:txBody>
           <a:bodyPr lIns="0" rIns="0" tIns="0" bIns="0"/>
           <a:p>
-            <a:endParaRPr lang="en-US" sz="3200" spc="-1" strike="noStrike">
-              <a:solidFill>
-                <a:srgbClr val="000000"/>
-              </a:solidFill>
-              <a:uFill>
-                <a:solidFill>
-                  <a:srgbClr val="ffffff"/>
-                </a:solidFill>
-              </a:uFill>
-              <a:latin typeface="Arial"/>
-            </a:endParaRPr>
+            <a:endParaRPr/>
           </a:p>
         </p:txBody>
       </p:sp>
@@ -2919,17 +2307,7 @@
         <p:txBody>
           <a:bodyPr lIns="0" rIns="0" tIns="0" bIns="0"/>
           <a:p>
-            <a:endParaRPr lang="en-US" sz="3200" spc="-1" strike="noStrike">
-              <a:solidFill>
-                <a:srgbClr val="000000"/>
-              </a:solidFill>
-              <a:uFill>
-                <a:solidFill>
-                  <a:srgbClr val="ffffff"/>
-                </a:solidFill>
-              </a:uFill>
-              <a:latin typeface="Arial"/>
-            </a:endParaRPr>
+            <a:endParaRPr/>
           </a:p>
         </p:txBody>
       </p:sp>
@@ -2955,17 +2333,7 @@
         <p:txBody>
           <a:bodyPr lIns="0" rIns="0" tIns="0" bIns="0"/>
           <a:p>
-            <a:endParaRPr lang="en-US" sz="3200" spc="-1" strike="noStrike">
-              <a:solidFill>
-                <a:srgbClr val="000000"/>
-              </a:solidFill>
-              <a:uFill>
-                <a:solidFill>
-                  <a:srgbClr val="ffffff"/>
-                </a:solidFill>
-              </a:uFill>
-              <a:latin typeface="Arial"/>
-            </a:endParaRPr>
+            <a:endParaRPr/>
           </a:p>
         </p:txBody>
       </p:sp>
@@ -3025,30 +2393,12 @@
           <a:p>
             <a:pPr algn="ctr"/>
             <a:r>
-              <a:rPr lang="en-US" sz="4400" spc="-1" strike="noStrike">
-                <a:solidFill>
-                  <a:srgbClr val="000000"/>
-                </a:solidFill>
-                <a:uFill>
-                  <a:solidFill>
-                    <a:srgbClr val="ffffff"/>
-                  </a:solidFill>
-                </a:uFill>
+              <a:rPr lang="fr-FR" sz="4400">
                 <a:latin typeface="Arial"/>
               </a:rPr>
-              <a:t>Click to edit the title text format</a:t>
-            </a:r>
-            <a:endParaRPr lang="en-US" sz="4400" spc="-1" strike="noStrike">
-              <a:solidFill>
-                <a:srgbClr val="000000"/>
-              </a:solidFill>
-              <a:uFill>
-                <a:solidFill>
-                  <a:srgbClr val="ffffff"/>
-                </a:solidFill>
-              </a:uFill>
-              <a:latin typeface="Arial"/>
-            </a:endParaRPr>
+              <a:t>Cliquez pour éditer le format du texte-titre</a:t>
+            </a:r>
+            <a:endParaRPr/>
           </a:p>
         </p:txBody>
       </p:sp>
@@ -3065,7 +2415,7 @@
         <p:spPr>
           <a:xfrm>
             <a:off x="457200" y="1604520"/>
-            <a:ext cx="8229240" cy="3976920"/>
+            <a:ext cx="8229240" cy="3977280"/>
           </a:xfrm>
           <a:prstGeom prst="rect">
             <a:avLst/>
@@ -3074,249 +2424,102 @@
         <p:txBody>
           <a:bodyPr lIns="0" rIns="0" tIns="0" bIns="0"/>
           <a:p>
-            <a:pPr marL="432000" indent="-324000">
-              <a:buClr>
-                <a:srgbClr val="000000"/>
-              </a:buClr>
+            <a:pPr>
               <a:buSzPct val="45000"/>
-              <a:buFont typeface="Wingdings" charset="2"/>
+              <a:buFont typeface="StarSymbol"/>
               <a:buChar char=""/>
             </a:pPr>
             <a:r>
-              <a:rPr lang="en-US" sz="3200" spc="-1" strike="noStrike">
-                <a:solidFill>
-                  <a:srgbClr val="000000"/>
-                </a:solidFill>
-                <a:uFill>
-                  <a:solidFill>
-                    <a:srgbClr val="ffffff"/>
-                  </a:solidFill>
-                </a:uFill>
+              <a:rPr lang="fr-FR" sz="3200">
                 <a:latin typeface="Arial"/>
               </a:rPr>
-              <a:t>Click to edit the outline text format</a:t>
-            </a:r>
-            <a:endParaRPr lang="en-US" sz="3200" spc="-1" strike="noStrike">
-              <a:solidFill>
-                <a:srgbClr val="000000"/>
-              </a:solidFill>
-              <a:uFill>
-                <a:solidFill>
-                  <a:srgbClr val="ffffff"/>
-                </a:solidFill>
-              </a:uFill>
-              <a:latin typeface="Arial"/>
-            </a:endParaRPr>
-          </a:p>
-          <a:p>
-            <a:pPr lvl="1" marL="864000" indent="-324000">
-              <a:buClr>
-                <a:srgbClr val="000000"/>
-              </a:buClr>
+              <a:t>Cliquez pour éditer le format du plan de texte</a:t>
+            </a:r>
+            <a:endParaRPr/>
+          </a:p>
+          <a:p>
+            <a:pPr lvl="1">
               <a:buSzPct val="75000"/>
-              <a:buFont typeface="Symbol" charset="2"/>
+              <a:buFont typeface="StarSymbol"/>
               <a:buChar char=""/>
             </a:pPr>
             <a:r>
-              <a:rPr lang="en-US" sz="2800" spc="-1" strike="noStrike">
-                <a:solidFill>
-                  <a:srgbClr val="000000"/>
-                </a:solidFill>
-                <a:uFill>
-                  <a:solidFill>
-                    <a:srgbClr val="ffffff"/>
-                  </a:solidFill>
-                </a:uFill>
+              <a:rPr lang="fr-FR" sz="2800">
                 <a:latin typeface="Arial"/>
               </a:rPr>
-              <a:t>Second Outline Level</a:t>
-            </a:r>
-            <a:endParaRPr lang="en-US" sz="2800" spc="-1" strike="noStrike">
-              <a:solidFill>
-                <a:srgbClr val="000000"/>
-              </a:solidFill>
-              <a:uFill>
-                <a:solidFill>
-                  <a:srgbClr val="ffffff"/>
-                </a:solidFill>
-              </a:uFill>
-              <a:latin typeface="Arial"/>
-            </a:endParaRPr>
-          </a:p>
-          <a:p>
-            <a:pPr lvl="2" marL="1296000" indent="-288000">
-              <a:buClr>
-                <a:srgbClr val="000000"/>
-              </a:buClr>
+              <a:t>Second niveau de plan</a:t>
+            </a:r>
+            <a:endParaRPr/>
+          </a:p>
+          <a:p>
+            <a:pPr lvl="2">
               <a:buSzPct val="45000"/>
-              <a:buFont typeface="Wingdings" charset="2"/>
+              <a:buFont typeface="StarSymbol"/>
               <a:buChar char=""/>
             </a:pPr>
             <a:r>
-              <a:rPr lang="en-US" sz="2400" spc="-1" strike="noStrike">
-                <a:solidFill>
-                  <a:srgbClr val="000000"/>
-                </a:solidFill>
-                <a:uFill>
-                  <a:solidFill>
-                    <a:srgbClr val="ffffff"/>
-                  </a:solidFill>
-                </a:uFill>
+              <a:rPr lang="fr-FR" sz="2400">
                 <a:latin typeface="Arial"/>
               </a:rPr>
-              <a:t>Third Outline Level</a:t>
-            </a:r>
-            <a:endParaRPr lang="en-US" sz="2400" spc="-1" strike="noStrike">
-              <a:solidFill>
-                <a:srgbClr val="000000"/>
-              </a:solidFill>
-              <a:uFill>
-                <a:solidFill>
-                  <a:srgbClr val="ffffff"/>
-                </a:solidFill>
-              </a:uFill>
-              <a:latin typeface="Arial"/>
-            </a:endParaRPr>
-          </a:p>
-          <a:p>
-            <a:pPr lvl="3" marL="1728000" indent="-216000">
-              <a:buClr>
-                <a:srgbClr val="000000"/>
-              </a:buClr>
+              <a:t>Troisième niveau de plan</a:t>
+            </a:r>
+            <a:endParaRPr/>
+          </a:p>
+          <a:p>
+            <a:pPr lvl="3">
               <a:buSzPct val="75000"/>
-              <a:buFont typeface="Symbol" charset="2"/>
+              <a:buFont typeface="StarSymbol"/>
               <a:buChar char=""/>
             </a:pPr>
             <a:r>
-              <a:rPr lang="en-US" sz="2000" spc="-1" strike="noStrike">
-                <a:solidFill>
-                  <a:srgbClr val="000000"/>
-                </a:solidFill>
-                <a:uFill>
-                  <a:solidFill>
-                    <a:srgbClr val="ffffff"/>
-                  </a:solidFill>
-                </a:uFill>
+              <a:rPr lang="fr-FR" sz="2000">
                 <a:latin typeface="Arial"/>
               </a:rPr>
-              <a:t>Fourth Outline Level</a:t>
-            </a:r>
-            <a:endParaRPr lang="en-US" sz="2000" spc="-1" strike="noStrike">
-              <a:solidFill>
-                <a:srgbClr val="000000"/>
-              </a:solidFill>
-              <a:uFill>
-                <a:solidFill>
-                  <a:srgbClr val="ffffff"/>
-                </a:solidFill>
-              </a:uFill>
-              <a:latin typeface="Arial"/>
-            </a:endParaRPr>
-          </a:p>
-          <a:p>
-            <a:pPr lvl="4" marL="2160000" indent="-216000">
-              <a:buClr>
-                <a:srgbClr val="000000"/>
-              </a:buClr>
+              <a:t>Quatrième niveau de plan</a:t>
+            </a:r>
+            <a:endParaRPr/>
+          </a:p>
+          <a:p>
+            <a:pPr lvl="4">
               <a:buSzPct val="45000"/>
-              <a:buFont typeface="Wingdings" charset="2"/>
+              <a:buFont typeface="StarSymbol"/>
               <a:buChar char=""/>
             </a:pPr>
             <a:r>
-              <a:rPr lang="en-US" sz="2000" spc="-1" strike="noStrike">
-                <a:solidFill>
-                  <a:srgbClr val="000000"/>
-                </a:solidFill>
-                <a:uFill>
-                  <a:solidFill>
-                    <a:srgbClr val="ffffff"/>
-                  </a:solidFill>
-                </a:uFill>
+              <a:rPr lang="fr-FR" sz="2000">
                 <a:latin typeface="Arial"/>
               </a:rPr>
-              <a:t>Fifth Outline Level</a:t>
-            </a:r>
-            <a:endParaRPr lang="en-US" sz="2000" spc="-1" strike="noStrike">
-              <a:solidFill>
-                <a:srgbClr val="000000"/>
-              </a:solidFill>
-              <a:uFill>
-                <a:solidFill>
-                  <a:srgbClr val="ffffff"/>
-                </a:solidFill>
-              </a:uFill>
-              <a:latin typeface="Arial"/>
-            </a:endParaRPr>
-          </a:p>
-          <a:p>
-            <a:pPr lvl="5" marL="2592000" indent="-216000">
-              <a:buClr>
-                <a:srgbClr val="000000"/>
-              </a:buClr>
+              <a:t>Cinquième niveau de plan</a:t>
+            </a:r>
+            <a:endParaRPr/>
+          </a:p>
+          <a:p>
+            <a:pPr lvl="5">
               <a:buSzPct val="45000"/>
-              <a:buFont typeface="Wingdings" charset="2"/>
+              <a:buFont typeface="StarSymbol"/>
               <a:buChar char=""/>
             </a:pPr>
             <a:r>
-              <a:rPr lang="en-US" sz="2000" spc="-1" strike="noStrike">
-                <a:solidFill>
-                  <a:srgbClr val="000000"/>
-                </a:solidFill>
-                <a:uFill>
-                  <a:solidFill>
-                    <a:srgbClr val="ffffff"/>
-                  </a:solidFill>
-                </a:uFill>
+              <a:rPr lang="fr-FR" sz="2000">
                 <a:latin typeface="Arial"/>
               </a:rPr>
-              <a:t>Sixth Outline Level</a:t>
-            </a:r>
-            <a:endParaRPr lang="en-US" sz="2000" spc="-1" strike="noStrike">
-              <a:solidFill>
-                <a:srgbClr val="000000"/>
-              </a:solidFill>
-              <a:uFill>
-                <a:solidFill>
-                  <a:srgbClr val="ffffff"/>
-                </a:solidFill>
-              </a:uFill>
-              <a:latin typeface="Arial"/>
-            </a:endParaRPr>
-          </a:p>
-          <a:p>
-            <a:pPr lvl="6" marL="3024000" indent="-216000">
-              <a:buClr>
-                <a:srgbClr val="000000"/>
-              </a:buClr>
+              <a:t>Sixième niveau de plan</a:t>
+            </a:r>
+            <a:endParaRPr/>
+          </a:p>
+          <a:p>
+            <a:pPr lvl="6">
               <a:buSzPct val="45000"/>
-              <a:buFont typeface="Wingdings" charset="2"/>
+              <a:buFont typeface="StarSymbol"/>
               <a:buChar char=""/>
             </a:pPr>
             <a:r>
-              <a:rPr lang="en-US" sz="2000" spc="-1" strike="noStrike">
-                <a:solidFill>
-                  <a:srgbClr val="000000"/>
-                </a:solidFill>
-                <a:uFill>
-                  <a:solidFill>
-                    <a:srgbClr val="ffffff"/>
-                  </a:solidFill>
-                </a:uFill>
+              <a:rPr lang="fr-FR" sz="2000">
                 <a:latin typeface="Arial"/>
               </a:rPr>
-              <a:t>Seventh Outline Level</a:t>
-            </a:r>
-            <a:endParaRPr lang="en-US" sz="2000" spc="-1" strike="noStrike">
-              <a:solidFill>
-                <a:srgbClr val="000000"/>
-              </a:solidFill>
-              <a:uFill>
-                <a:solidFill>
-                  <a:srgbClr val="ffffff"/>
-                </a:solidFill>
-              </a:uFill>
-              <a:latin typeface="Arial"/>
-            </a:endParaRPr>
+              <a:t>Septième niveau de plan</a:t>
+            </a:r>
+            <a:endParaRPr/>
           </a:p>
         </p:txBody>
       </p:sp>
@@ -3391,30 +2594,12 @@
           <a:p>
             <a:pPr algn="ctr"/>
             <a:r>
-              <a:rPr lang="en-US" sz="4400" spc="-1" strike="noStrike">
-                <a:solidFill>
-                  <a:srgbClr val="000000"/>
-                </a:solidFill>
-                <a:uFill>
-                  <a:solidFill>
-                    <a:srgbClr val="ffffff"/>
-                  </a:solidFill>
-                </a:uFill>
+              <a:rPr lang="fr-FR" sz="4400">
                 <a:latin typeface="Arial"/>
               </a:rPr>
-              <a:t>Click to edit the title text format</a:t>
-            </a:r>
-            <a:endParaRPr lang="en-US" sz="4400" spc="-1" strike="noStrike">
-              <a:solidFill>
-                <a:srgbClr val="000000"/>
-              </a:solidFill>
-              <a:uFill>
-                <a:solidFill>
-                  <a:srgbClr val="ffffff"/>
-                </a:solidFill>
-              </a:uFill>
-              <a:latin typeface="Arial"/>
-            </a:endParaRPr>
+              <a:t>Cliquez pour éditer le format du texte-titre</a:t>
+            </a:r>
+            <a:endParaRPr/>
           </a:p>
         </p:txBody>
       </p:sp>
@@ -3431,7 +2616,7 @@
         <p:spPr>
           <a:xfrm>
             <a:off x="457200" y="1604520"/>
-            <a:ext cx="8229240" cy="3976920"/>
+            <a:ext cx="8229240" cy="3977280"/>
           </a:xfrm>
           <a:prstGeom prst="rect">
             <a:avLst/>
@@ -3440,249 +2625,102 @@
         <p:txBody>
           <a:bodyPr lIns="0" rIns="0" tIns="0" bIns="0"/>
           <a:p>
-            <a:pPr marL="432000" indent="-324000">
-              <a:buClr>
-                <a:srgbClr val="000000"/>
-              </a:buClr>
+            <a:pPr>
               <a:buSzPct val="45000"/>
-              <a:buFont typeface="Wingdings" charset="2"/>
+              <a:buFont typeface="StarSymbol"/>
               <a:buChar char=""/>
             </a:pPr>
             <a:r>
-              <a:rPr lang="en-US" sz="3200" spc="-1" strike="noStrike">
-                <a:solidFill>
-                  <a:srgbClr val="000000"/>
-                </a:solidFill>
-                <a:uFill>
-                  <a:solidFill>
-                    <a:srgbClr val="ffffff"/>
-                  </a:solidFill>
-                </a:uFill>
+              <a:rPr lang="fr-FR" sz="3200">
                 <a:latin typeface="Arial"/>
               </a:rPr>
-              <a:t>Click to edit the outline text format</a:t>
-            </a:r>
-            <a:endParaRPr lang="en-US" sz="3200" spc="-1" strike="noStrike">
-              <a:solidFill>
-                <a:srgbClr val="000000"/>
-              </a:solidFill>
-              <a:uFill>
-                <a:solidFill>
-                  <a:srgbClr val="ffffff"/>
-                </a:solidFill>
-              </a:uFill>
-              <a:latin typeface="Arial"/>
-            </a:endParaRPr>
-          </a:p>
-          <a:p>
-            <a:pPr lvl="1" marL="864000" indent="-324000">
-              <a:buClr>
-                <a:srgbClr val="000000"/>
-              </a:buClr>
+              <a:t>Cliquez pour éditer le format du plan de texte</a:t>
+            </a:r>
+            <a:endParaRPr/>
+          </a:p>
+          <a:p>
+            <a:pPr lvl="1">
               <a:buSzPct val="75000"/>
-              <a:buFont typeface="Symbol" charset="2"/>
+              <a:buFont typeface="StarSymbol"/>
               <a:buChar char=""/>
             </a:pPr>
             <a:r>
-              <a:rPr lang="en-US" sz="2800" spc="-1" strike="noStrike">
-                <a:solidFill>
-                  <a:srgbClr val="000000"/>
-                </a:solidFill>
-                <a:uFill>
-                  <a:solidFill>
-                    <a:srgbClr val="ffffff"/>
-                  </a:solidFill>
-                </a:uFill>
+              <a:rPr lang="fr-FR" sz="2800">
                 <a:latin typeface="Arial"/>
               </a:rPr>
-              <a:t>Second Outline Level</a:t>
-            </a:r>
-            <a:endParaRPr lang="en-US" sz="2800" spc="-1" strike="noStrike">
-              <a:solidFill>
-                <a:srgbClr val="000000"/>
-              </a:solidFill>
-              <a:uFill>
-                <a:solidFill>
-                  <a:srgbClr val="ffffff"/>
-                </a:solidFill>
-              </a:uFill>
-              <a:latin typeface="Arial"/>
-            </a:endParaRPr>
-          </a:p>
-          <a:p>
-            <a:pPr lvl="2" marL="1296000" indent="-288000">
-              <a:buClr>
-                <a:srgbClr val="000000"/>
-              </a:buClr>
+              <a:t>Second niveau de plan</a:t>
+            </a:r>
+            <a:endParaRPr/>
+          </a:p>
+          <a:p>
+            <a:pPr lvl="2">
               <a:buSzPct val="45000"/>
-              <a:buFont typeface="Wingdings" charset="2"/>
+              <a:buFont typeface="StarSymbol"/>
               <a:buChar char=""/>
             </a:pPr>
             <a:r>
-              <a:rPr lang="en-US" sz="2400" spc="-1" strike="noStrike">
-                <a:solidFill>
-                  <a:srgbClr val="000000"/>
-                </a:solidFill>
-                <a:uFill>
-                  <a:solidFill>
-                    <a:srgbClr val="ffffff"/>
-                  </a:solidFill>
-                </a:uFill>
+              <a:rPr lang="fr-FR" sz="2400">
                 <a:latin typeface="Arial"/>
               </a:rPr>
-              <a:t>Third Outline Level</a:t>
-            </a:r>
-            <a:endParaRPr lang="en-US" sz="2400" spc="-1" strike="noStrike">
-              <a:solidFill>
-                <a:srgbClr val="000000"/>
-              </a:solidFill>
-              <a:uFill>
-                <a:solidFill>
-                  <a:srgbClr val="ffffff"/>
-                </a:solidFill>
-              </a:uFill>
-              <a:latin typeface="Arial"/>
-            </a:endParaRPr>
-          </a:p>
-          <a:p>
-            <a:pPr lvl="3" marL="1728000" indent="-216000">
-              <a:buClr>
-                <a:srgbClr val="000000"/>
-              </a:buClr>
+              <a:t>Troisième niveau de plan</a:t>
+            </a:r>
+            <a:endParaRPr/>
+          </a:p>
+          <a:p>
+            <a:pPr lvl="3">
               <a:buSzPct val="75000"/>
-              <a:buFont typeface="Symbol" charset="2"/>
+              <a:buFont typeface="StarSymbol"/>
               <a:buChar char=""/>
             </a:pPr>
             <a:r>
-              <a:rPr lang="en-US" sz="2000" spc="-1" strike="noStrike">
-                <a:solidFill>
-                  <a:srgbClr val="000000"/>
-                </a:solidFill>
-                <a:uFill>
-                  <a:solidFill>
-                    <a:srgbClr val="ffffff"/>
-                  </a:solidFill>
-                </a:uFill>
+              <a:rPr lang="fr-FR" sz="2000">
                 <a:latin typeface="Arial"/>
               </a:rPr>
-              <a:t>Fourth Outline Level</a:t>
-            </a:r>
-            <a:endParaRPr lang="en-US" sz="2000" spc="-1" strike="noStrike">
-              <a:solidFill>
-                <a:srgbClr val="000000"/>
-              </a:solidFill>
-              <a:uFill>
-                <a:solidFill>
-                  <a:srgbClr val="ffffff"/>
-                </a:solidFill>
-              </a:uFill>
-              <a:latin typeface="Arial"/>
-            </a:endParaRPr>
-          </a:p>
-          <a:p>
-            <a:pPr lvl="4" marL="2160000" indent="-216000">
-              <a:buClr>
-                <a:srgbClr val="000000"/>
-              </a:buClr>
+              <a:t>Quatrième niveau de plan</a:t>
+            </a:r>
+            <a:endParaRPr/>
+          </a:p>
+          <a:p>
+            <a:pPr lvl="4">
               <a:buSzPct val="45000"/>
-              <a:buFont typeface="Wingdings" charset="2"/>
+              <a:buFont typeface="StarSymbol"/>
               <a:buChar char=""/>
             </a:pPr>
             <a:r>
-              <a:rPr lang="en-US" sz="2000" spc="-1" strike="noStrike">
-                <a:solidFill>
-                  <a:srgbClr val="000000"/>
-                </a:solidFill>
-                <a:uFill>
-                  <a:solidFill>
-                    <a:srgbClr val="ffffff"/>
-                  </a:solidFill>
-                </a:uFill>
+              <a:rPr lang="fr-FR" sz="2000">
                 <a:latin typeface="Arial"/>
               </a:rPr>
-              <a:t>Fifth Outline Level</a:t>
-            </a:r>
-            <a:endParaRPr lang="en-US" sz="2000" spc="-1" strike="noStrike">
-              <a:solidFill>
-                <a:srgbClr val="000000"/>
-              </a:solidFill>
-              <a:uFill>
-                <a:solidFill>
-                  <a:srgbClr val="ffffff"/>
-                </a:solidFill>
-              </a:uFill>
-              <a:latin typeface="Arial"/>
-            </a:endParaRPr>
-          </a:p>
-          <a:p>
-            <a:pPr lvl="5" marL="2592000" indent="-216000">
-              <a:buClr>
-                <a:srgbClr val="000000"/>
-              </a:buClr>
+              <a:t>Cinquième niveau de plan</a:t>
+            </a:r>
+            <a:endParaRPr/>
+          </a:p>
+          <a:p>
+            <a:pPr lvl="5">
               <a:buSzPct val="45000"/>
-              <a:buFont typeface="Wingdings" charset="2"/>
+              <a:buFont typeface="StarSymbol"/>
               <a:buChar char=""/>
             </a:pPr>
             <a:r>
-              <a:rPr lang="en-US" sz="2000" spc="-1" strike="noStrike">
-                <a:solidFill>
-                  <a:srgbClr val="000000"/>
-                </a:solidFill>
-                <a:uFill>
-                  <a:solidFill>
-                    <a:srgbClr val="ffffff"/>
-                  </a:solidFill>
-                </a:uFill>
+              <a:rPr lang="fr-FR" sz="2000">
                 <a:latin typeface="Arial"/>
               </a:rPr>
-              <a:t>Sixth Outline Level</a:t>
-            </a:r>
-            <a:endParaRPr lang="en-US" sz="2000" spc="-1" strike="noStrike">
-              <a:solidFill>
-                <a:srgbClr val="000000"/>
-              </a:solidFill>
-              <a:uFill>
-                <a:solidFill>
-                  <a:srgbClr val="ffffff"/>
-                </a:solidFill>
-              </a:uFill>
-              <a:latin typeface="Arial"/>
-            </a:endParaRPr>
-          </a:p>
-          <a:p>
-            <a:pPr lvl="6" marL="3024000" indent="-216000">
-              <a:buClr>
-                <a:srgbClr val="000000"/>
-              </a:buClr>
+              <a:t>Sixième niveau de plan</a:t>
+            </a:r>
+            <a:endParaRPr/>
+          </a:p>
+          <a:p>
+            <a:pPr lvl="6">
               <a:buSzPct val="45000"/>
-              <a:buFont typeface="Wingdings" charset="2"/>
+              <a:buFont typeface="StarSymbol"/>
               <a:buChar char=""/>
             </a:pPr>
             <a:r>
-              <a:rPr lang="en-US" sz="2000" spc="-1" strike="noStrike">
-                <a:solidFill>
-                  <a:srgbClr val="000000"/>
-                </a:solidFill>
-                <a:uFill>
-                  <a:solidFill>
-                    <a:srgbClr val="ffffff"/>
-                  </a:solidFill>
-                </a:uFill>
+              <a:rPr lang="fr-FR" sz="2000">
                 <a:latin typeface="Arial"/>
               </a:rPr>
-              <a:t>Seventh Outline Level</a:t>
-            </a:r>
-            <a:endParaRPr lang="en-US" sz="2000" spc="-1" strike="noStrike">
-              <a:solidFill>
-                <a:srgbClr val="000000"/>
-              </a:solidFill>
-              <a:uFill>
-                <a:solidFill>
-                  <a:srgbClr val="ffffff"/>
-                </a:solidFill>
-              </a:uFill>
-              <a:latin typeface="Arial"/>
-            </a:endParaRPr>
+              <a:t>Septième niveau de plan</a:t>
+            </a:r>
+            <a:endParaRPr/>
           </a:p>
         </p:txBody>
       </p:sp>
@@ -3742,7 +2780,7 @@
         <p:spPr>
           <a:xfrm>
             <a:off x="0" y="6572160"/>
-            <a:ext cx="783720" cy="283680"/>
+            <a:ext cx="783360" cy="283320"/>
           </a:xfrm>
           <a:prstGeom prst="rect">
             <a:avLst/>
@@ -3753,24 +2791,13 @@
               <a:fillRect/>
             </a:stretch>
           </a:blipFill>
-          <a:ln>
+          <a:ln w="25560">
+            <a:solidFill>
+              <a:srgbClr val="3a5f8b"/>
+            </a:solidFill>
             <a:round/>
           </a:ln>
         </p:spPr>
-        <p:style>
-          <a:lnRef idx="2">
-            <a:schemeClr val="accent1">
-              <a:shade val="50000"/>
-            </a:schemeClr>
-          </a:lnRef>
-          <a:fillRef idx="1">
-            <a:schemeClr val="accent1"/>
-          </a:fillRef>
-          <a:effectRef idx="0">
-            <a:schemeClr val="accent1"/>
-          </a:effectRef>
-          <a:fontRef idx="minor"/>
-        </p:style>
       </p:sp>
       <p:sp>
         <p:nvSpPr>
@@ -3781,7 +2808,7 @@
         <p:spPr>
           <a:xfrm>
             <a:off x="285840" y="5857920"/>
-            <a:ext cx="5317560" cy="645480"/>
+            <a:ext cx="5317200" cy="645120"/>
           </a:xfrm>
           <a:prstGeom prst="rect">
             <a:avLst/>
@@ -3791,12 +2818,6 @@
             <a:noFill/>
           </a:ln>
         </p:spPr>
-        <p:style>
-          <a:lnRef idx="0"/>
-          <a:fillRef idx="0"/>
-          <a:effectRef idx="0"/>
-          <a:fontRef idx="minor"/>
-        </p:style>
         <p:txBody>
           <a:bodyPr lIns="90000" rIns="90000" tIns="45000" bIns="45000" anchor="ctr"/>
           <a:p>
@@ -3806,31 +2827,16 @@
               </a:lnSpc>
             </a:pPr>
             <a:r>
-              <a:rPr b="1" lang="en-US" sz="2800" spc="-1" strike="noStrike">
+              <a:rPr b="1" lang="fr-FR" sz="2800">
                 <a:solidFill>
                   <a:srgbClr val="ffffff"/>
                 </a:solidFill>
-                <a:uFill>
-                  <a:solidFill>
-                    <a:srgbClr val="ffffff"/>
-                  </a:solidFill>
-                </a:uFill>
                 <a:latin typeface="Aharoni"/>
                 <a:ea typeface="DejaVu Sans"/>
               </a:rPr>
               <a:t>Fps “Flight Planning System”</a:t>
             </a:r>
-            <a:endParaRPr lang="en-US" sz="1800" spc="-1" strike="noStrike">
-              <a:solidFill>
-                <a:srgbClr val="000000"/>
-              </a:solidFill>
-              <a:uFill>
-                <a:solidFill>
-                  <a:srgbClr val="ffffff"/>
-                </a:solidFill>
-              </a:uFill>
-              <a:latin typeface="Arial"/>
-            </a:endParaRPr>
+            <a:endParaRPr/>
           </a:p>
         </p:txBody>
       </p:sp>
@@ -3843,7 +2849,7 @@
         <p:spPr>
           <a:xfrm>
             <a:off x="5364000" y="5000760"/>
-            <a:ext cx="3455280" cy="1640880"/>
+            <a:ext cx="3454920" cy="1640520"/>
           </a:xfrm>
           <a:prstGeom prst="rect">
             <a:avLst/>
@@ -3853,12 +2859,6 @@
             <a:noFill/>
           </a:ln>
         </p:spPr>
-        <p:style>
-          <a:lnRef idx="0"/>
-          <a:fillRef idx="0"/>
-          <a:effectRef idx="0"/>
-          <a:fontRef idx="minor"/>
-        </p:style>
         <p:txBody>
           <a:bodyPr lIns="90000" rIns="90000" tIns="45000" bIns="45000" anchor="ctr"/>
           <a:p>
@@ -3867,17 +2867,7 @@
                 <a:spcPct val="100000"/>
               </a:lnSpc>
             </a:pPr>
-            <a:endParaRPr lang="en-US" sz="1800" spc="-1" strike="noStrike">
-              <a:solidFill>
-                <a:srgbClr val="000000"/>
-              </a:solidFill>
-              <a:uFill>
-                <a:solidFill>
-                  <a:srgbClr val="ffffff"/>
-                </a:solidFill>
-              </a:uFill>
-              <a:latin typeface="Arial"/>
-            </a:endParaRPr>
+            <a:endParaRPr/>
           </a:p>
           <a:p>
             <a:pPr algn="r">
@@ -3885,17 +2875,7 @@
                 <a:spcPct val="100000"/>
               </a:lnSpc>
             </a:pPr>
-            <a:endParaRPr lang="en-US" sz="1800" spc="-1" strike="noStrike">
-              <a:solidFill>
-                <a:srgbClr val="000000"/>
-              </a:solidFill>
-              <a:uFill>
-                <a:solidFill>
-                  <a:srgbClr val="ffffff"/>
-                </a:solidFill>
-              </a:uFill>
-              <a:latin typeface="Arial"/>
-            </a:endParaRPr>
+            <a:endParaRPr/>
           </a:p>
           <a:p>
             <a:pPr algn="r">
@@ -3903,17 +2883,7 @@
                 <a:spcPct val="100000"/>
               </a:lnSpc>
             </a:pPr>
-            <a:endParaRPr lang="en-US" sz="1800" spc="-1" strike="noStrike">
-              <a:solidFill>
-                <a:srgbClr val="000000"/>
-              </a:solidFill>
-              <a:uFill>
-                <a:solidFill>
-                  <a:srgbClr val="ffffff"/>
-                </a:solidFill>
-              </a:uFill>
-              <a:latin typeface="Arial"/>
-            </a:endParaRPr>
+            <a:endParaRPr/>
           </a:p>
           <a:p>
             <a:pPr algn="r">
@@ -3921,17 +2891,7 @@
                 <a:spcPct val="100000"/>
               </a:lnSpc>
             </a:pPr>
-            <a:endParaRPr lang="en-US" sz="1800" spc="-1" strike="noStrike">
-              <a:solidFill>
-                <a:srgbClr val="000000"/>
-              </a:solidFill>
-              <a:uFill>
-                <a:solidFill>
-                  <a:srgbClr val="ffffff"/>
-                </a:solidFill>
-              </a:uFill>
-              <a:latin typeface="Arial"/>
-            </a:endParaRPr>
+            <a:endParaRPr/>
           </a:p>
         </p:txBody>
       </p:sp>
@@ -3944,7 +2904,7 @@
         <p:spPr>
           <a:xfrm>
             <a:off x="1643040" y="357120"/>
-            <a:ext cx="5317560" cy="574200"/>
+            <a:ext cx="5317200" cy="573840"/>
           </a:xfrm>
           <a:prstGeom prst="rect">
             <a:avLst/>
@@ -3954,12 +2914,6 @@
             <a:noFill/>
           </a:ln>
         </p:spPr>
-        <p:style>
-          <a:lnRef idx="0"/>
-          <a:fillRef idx="0"/>
-          <a:effectRef idx="0"/>
-          <a:fontRef idx="minor"/>
-        </p:style>
       </p:sp>
     </p:spTree>
   </p:cSld>
@@ -4019,7 +2973,7 @@
         <p:spPr>
           <a:xfrm>
             <a:off x="457200" y="1714320"/>
-            <a:ext cx="8227440" cy="4409640"/>
+            <a:ext cx="8227080" cy="4409280"/>
           </a:xfrm>
           <a:prstGeom prst="rect">
             <a:avLst/>
@@ -4029,12 +2983,6 @@
             <a:noFill/>
           </a:ln>
         </p:spPr>
-        <p:style>
-          <a:lnRef idx="0"/>
-          <a:fillRef idx="0"/>
-          <a:effectRef idx="0"/>
-          <a:fontRef idx="minor"/>
-        </p:style>
       </p:sp>
       <p:sp>
         <p:nvSpPr>
@@ -4045,7 +2993,7 @@
         <p:spPr>
           <a:xfrm>
             <a:off x="0" y="6572160"/>
-            <a:ext cx="783720" cy="283680"/>
+            <a:ext cx="783360" cy="283320"/>
           </a:xfrm>
           <a:prstGeom prst="rect">
             <a:avLst/>
@@ -4056,24 +3004,13 @@
               <a:fillRect/>
             </a:stretch>
           </a:blipFill>
-          <a:ln>
+          <a:ln w="25560">
+            <a:solidFill>
+              <a:srgbClr val="3a5f8b"/>
+            </a:solidFill>
             <a:round/>
           </a:ln>
         </p:spPr>
-        <p:style>
-          <a:lnRef idx="2">
-            <a:schemeClr val="accent1">
-              <a:shade val="50000"/>
-            </a:schemeClr>
-          </a:lnRef>
-          <a:fillRef idx="1">
-            <a:schemeClr val="accent1"/>
-          </a:fillRef>
-          <a:effectRef idx="0">
-            <a:schemeClr val="accent1"/>
-          </a:effectRef>
-          <a:fontRef idx="minor"/>
-        </p:style>
       </p:sp>
       <p:sp>
         <p:nvSpPr>
@@ -4084,7 +3021,7 @@
         <p:spPr>
           <a:xfrm>
             <a:off x="428760" y="642960"/>
-            <a:ext cx="8255880" cy="783720"/>
+            <a:ext cx="8255520" cy="783360"/>
           </a:xfrm>
           <a:prstGeom prst="rect">
             <a:avLst/>
@@ -4094,46 +3031,25 @@
             <a:noFill/>
           </a:ln>
         </p:spPr>
-        <p:style>
-          <a:lnRef idx="0"/>
-          <a:fillRef idx="0"/>
-          <a:effectRef idx="0"/>
-          <a:fontRef idx="minor"/>
-        </p:style>
         <p:txBody>
           <a:bodyPr lIns="90000" rIns="90000" tIns="45000" bIns="45000" anchor="ctr"/>
           <a:p>
-            <a:pPr marL="571680" indent="-569520">
-              <a:lnSpc>
-                <a:spcPct val="100000"/>
-              </a:lnSpc>
-            </a:pPr>
-            <a:r>
-              <a:rPr lang="en-US" sz="3200" spc="-1" strike="noStrike">
+            <a:pPr>
+              <a:lnSpc>
+                <a:spcPct val="100000"/>
+              </a:lnSpc>
+            </a:pPr>
+            <a:r>
+              <a:rPr lang="fr-FR" sz="3200">
                 <a:solidFill>
                   <a:srgbClr val="000000"/>
                 </a:solidFill>
-                <a:uFill>
-                  <a:solidFill>
-                    <a:srgbClr val="ffffff"/>
-                  </a:solidFill>
-                </a:uFill>
                 <a:latin typeface="Calibri"/>
                 <a:ea typeface="DejaVu Sans"/>
               </a:rPr>
               <a:t>Navigation schema</a:t>
             </a:r>
-            <a:endParaRPr lang="en-US" sz="1800" spc="-1" strike="noStrike">
-              <a:solidFill>
-                <a:srgbClr val="000000"/>
-              </a:solidFill>
-              <a:uFill>
-                <a:solidFill>
-                  <a:srgbClr val="ffffff"/>
-                </a:solidFill>
-              </a:uFill>
-              <a:latin typeface="Arial"/>
-            </a:endParaRPr>
+            <a:endParaRPr/>
           </a:p>
         </p:txBody>
       </p:sp>
@@ -4145,12 +3061,14 @@
         </p:nvPicPr>
         <p:blipFill>
           <a:blip r:embed="rId2"/>
-          <a:stretch/>
+          <a:stretch>
+            <a:fillRect/>
+          </a:stretch>
         </p:blipFill>
         <p:spPr>
           <a:xfrm>
             <a:off x="1440000" y="2175840"/>
-            <a:ext cx="6550920" cy="3798360"/>
+            <a:ext cx="6550560" cy="3798000"/>
           </a:xfrm>
           <a:prstGeom prst="rect">
             <a:avLst/>
@@ -4218,7 +3136,7 @@
         <p:spPr>
           <a:xfrm>
             <a:off x="457200" y="1714320"/>
-            <a:ext cx="8227440" cy="4409640"/>
+            <a:ext cx="8227080" cy="4409280"/>
           </a:xfrm>
           <a:prstGeom prst="rect">
             <a:avLst/>
@@ -4228,175 +3146,79 @@
             <a:noFill/>
           </a:ln>
         </p:spPr>
-        <p:style>
-          <a:lnRef idx="0"/>
-          <a:fillRef idx="0"/>
-          <a:effectRef idx="0"/>
-          <a:fontRef idx="minor"/>
-        </p:style>
         <p:txBody>
           <a:bodyPr lIns="90000" rIns="90000" tIns="45000" bIns="45000"/>
           <a:p>
-            <a:pPr marL="343080" indent="-340920">
-              <a:lnSpc>
-                <a:spcPct val="100000"/>
-              </a:lnSpc>
-            </a:pPr>
-            <a:endParaRPr lang="en-US" sz="1800" spc="-1" strike="noStrike">
-              <a:solidFill>
-                <a:srgbClr val="000000"/>
-              </a:solidFill>
-              <a:uFill>
-                <a:solidFill>
-                  <a:srgbClr val="ffffff"/>
-                </a:solidFill>
-              </a:uFill>
-              <a:latin typeface="Arial"/>
-            </a:endParaRPr>
-          </a:p>
-          <a:p>
-            <a:pPr marL="343080" indent="-340920">
-              <a:lnSpc>
-                <a:spcPct val="100000"/>
-              </a:lnSpc>
-            </a:pPr>
-            <a:endParaRPr lang="en-US" sz="1800" spc="-1" strike="noStrike">
-              <a:solidFill>
-                <a:srgbClr val="000000"/>
-              </a:solidFill>
-              <a:uFill>
-                <a:solidFill>
-                  <a:srgbClr val="ffffff"/>
-                </a:solidFill>
-              </a:uFill>
-              <a:latin typeface="Arial"/>
-            </a:endParaRPr>
-          </a:p>
-          <a:p>
-            <a:pPr marL="343080" indent="-340920">
-              <a:lnSpc>
-                <a:spcPct val="100000"/>
-              </a:lnSpc>
-            </a:pPr>
-            <a:endParaRPr lang="en-US" sz="1800" spc="-1" strike="noStrike">
-              <a:solidFill>
-                <a:srgbClr val="000000"/>
-              </a:solidFill>
-              <a:uFill>
-                <a:solidFill>
-                  <a:srgbClr val="ffffff"/>
-                </a:solidFill>
-              </a:uFill>
-              <a:latin typeface="Arial"/>
-            </a:endParaRPr>
-          </a:p>
-          <a:p>
-            <a:pPr marL="343080" indent="-340920">
-              <a:lnSpc>
-                <a:spcPct val="100000"/>
-              </a:lnSpc>
-            </a:pPr>
-            <a:endParaRPr lang="en-US" sz="1800" spc="-1" strike="noStrike">
-              <a:solidFill>
-                <a:srgbClr val="000000"/>
-              </a:solidFill>
-              <a:uFill>
-                <a:solidFill>
-                  <a:srgbClr val="ffffff"/>
-                </a:solidFill>
-              </a:uFill>
-              <a:latin typeface="Arial"/>
-            </a:endParaRPr>
-          </a:p>
-          <a:p>
-            <a:pPr marL="343080" indent="-340920">
-              <a:lnSpc>
-                <a:spcPct val="100000"/>
-              </a:lnSpc>
-            </a:pPr>
-            <a:endParaRPr lang="en-US" sz="1800" spc="-1" strike="noStrike">
-              <a:solidFill>
-                <a:srgbClr val="000000"/>
-              </a:solidFill>
-              <a:uFill>
-                <a:solidFill>
-                  <a:srgbClr val="ffffff"/>
-                </a:solidFill>
-              </a:uFill>
-              <a:latin typeface="Arial"/>
-            </a:endParaRPr>
-          </a:p>
-          <a:p>
-            <a:pPr marL="343080" indent="-340920">
-              <a:lnSpc>
-                <a:spcPct val="100000"/>
-              </a:lnSpc>
-            </a:pPr>
-            <a:endParaRPr lang="en-US" sz="1800" spc="-1" strike="noStrike">
-              <a:solidFill>
-                <a:srgbClr val="000000"/>
-              </a:solidFill>
-              <a:uFill>
-                <a:solidFill>
-                  <a:srgbClr val="ffffff"/>
-                </a:solidFill>
-              </a:uFill>
-              <a:latin typeface="Arial"/>
-            </a:endParaRPr>
-          </a:p>
-          <a:p>
-            <a:pPr marL="343080" indent="-340920">
-              <a:lnSpc>
-                <a:spcPct val="100000"/>
-              </a:lnSpc>
-            </a:pPr>
-            <a:endParaRPr lang="en-US" sz="1800" spc="-1" strike="noStrike">
-              <a:solidFill>
-                <a:srgbClr val="000000"/>
-              </a:solidFill>
-              <a:uFill>
-                <a:solidFill>
-                  <a:srgbClr val="ffffff"/>
-                </a:solidFill>
-              </a:uFill>
-              <a:latin typeface="Arial"/>
-            </a:endParaRPr>
-          </a:p>
-          <a:p>
-            <a:pPr marL="343080" indent="-340920">
-              <a:lnSpc>
-                <a:spcPct val="100000"/>
-              </a:lnSpc>
-            </a:pPr>
-            <a:endParaRPr lang="en-US" sz="1800" spc="-1" strike="noStrike">
-              <a:solidFill>
-                <a:srgbClr val="000000"/>
-              </a:solidFill>
-              <a:uFill>
-                <a:solidFill>
-                  <a:srgbClr val="ffffff"/>
-                </a:solidFill>
-              </a:uFill>
-              <a:latin typeface="Arial"/>
-            </a:endParaRPr>
-          </a:p>
-          <a:p>
-            <a:pPr marL="343080" indent="-340920">
-              <a:lnSpc>
-                <a:spcPct val="100000"/>
-              </a:lnSpc>
-            </a:pPr>
-            <a:endParaRPr lang="en-US" sz="1800" spc="-1" strike="noStrike">
-              <a:solidFill>
-                <a:srgbClr val="000000"/>
-              </a:solidFill>
-              <a:uFill>
-                <a:solidFill>
-                  <a:srgbClr val="ffffff"/>
-                </a:solidFill>
-              </a:uFill>
-              <a:latin typeface="Arial"/>
-            </a:endParaRPr>
+            <a:pPr>
+              <a:lnSpc>
+                <a:spcPct val="100000"/>
+              </a:lnSpc>
+            </a:pPr>
+            <a:endParaRPr/>
+          </a:p>
+          <a:p>
+            <a:pPr>
+              <a:lnSpc>
+                <a:spcPct val="100000"/>
+              </a:lnSpc>
+            </a:pPr>
+            <a:endParaRPr/>
+          </a:p>
+          <a:p>
+            <a:pPr>
+              <a:lnSpc>
+                <a:spcPct val="100000"/>
+              </a:lnSpc>
+            </a:pPr>
+            <a:endParaRPr/>
+          </a:p>
+          <a:p>
+            <a:pPr>
+              <a:lnSpc>
+                <a:spcPct val="100000"/>
+              </a:lnSpc>
+            </a:pPr>
+            <a:endParaRPr/>
+          </a:p>
+          <a:p>
+            <a:pPr>
+              <a:lnSpc>
+                <a:spcPct val="100000"/>
+              </a:lnSpc>
+            </a:pPr>
+            <a:endParaRPr/>
+          </a:p>
+          <a:p>
+            <a:pPr>
+              <a:lnSpc>
+                <a:spcPct val="100000"/>
+              </a:lnSpc>
+            </a:pPr>
+            <a:endParaRPr/>
+          </a:p>
+          <a:p>
+            <a:pPr>
+              <a:lnSpc>
+                <a:spcPct val="100000"/>
+              </a:lnSpc>
+            </a:pPr>
+            <a:endParaRPr/>
+          </a:p>
+          <a:p>
+            <a:pPr>
+              <a:lnSpc>
+                <a:spcPct val="100000"/>
+              </a:lnSpc>
+            </a:pPr>
+            <a:endParaRPr/>
+          </a:p>
+          <a:p>
+            <a:pPr>
+              <a:lnSpc>
+                <a:spcPct val="100000"/>
+              </a:lnSpc>
+            </a:pPr>
+            <a:endParaRPr/>
           </a:p>
         </p:txBody>
       </p:sp>
@@ -4409,7 +3231,7 @@
         <p:spPr>
           <a:xfrm>
             <a:off x="0" y="6572160"/>
-            <a:ext cx="783720" cy="283680"/>
+            <a:ext cx="783360" cy="283320"/>
           </a:xfrm>
           <a:prstGeom prst="rect">
             <a:avLst/>
@@ -4420,24 +3242,13 @@
               <a:fillRect/>
             </a:stretch>
           </a:blipFill>
-          <a:ln>
+          <a:ln w="25560">
+            <a:solidFill>
+              <a:srgbClr val="3a5f8b"/>
+            </a:solidFill>
             <a:round/>
           </a:ln>
         </p:spPr>
-        <p:style>
-          <a:lnRef idx="2">
-            <a:schemeClr val="accent1">
-              <a:shade val="50000"/>
-            </a:schemeClr>
-          </a:lnRef>
-          <a:fillRef idx="1">
-            <a:schemeClr val="accent1"/>
-          </a:fillRef>
-          <a:effectRef idx="0">
-            <a:schemeClr val="accent1"/>
-          </a:effectRef>
-          <a:fontRef idx="minor"/>
-        </p:style>
       </p:sp>
       <p:sp>
         <p:nvSpPr>
@@ -4448,7 +3259,7 @@
         <p:spPr>
           <a:xfrm>
             <a:off x="428760" y="642960"/>
-            <a:ext cx="8255880" cy="783720"/>
+            <a:ext cx="8255520" cy="783360"/>
           </a:xfrm>
           <a:prstGeom prst="rect">
             <a:avLst/>
@@ -4458,46 +3269,25 @@
             <a:noFill/>
           </a:ln>
         </p:spPr>
-        <p:style>
-          <a:lnRef idx="0"/>
-          <a:fillRef idx="0"/>
-          <a:effectRef idx="0"/>
-          <a:fontRef idx="minor"/>
-        </p:style>
         <p:txBody>
           <a:bodyPr lIns="90000" rIns="90000" tIns="45000" bIns="45000" anchor="ctr"/>
           <a:p>
-            <a:pPr marL="571680" indent="-569520">
-              <a:lnSpc>
-                <a:spcPct val="100000"/>
-              </a:lnSpc>
-            </a:pPr>
-            <a:r>
-              <a:rPr lang="en-US" sz="3200" spc="-1" strike="noStrike">
+            <a:pPr>
+              <a:lnSpc>
+                <a:spcPct val="100000"/>
+              </a:lnSpc>
+            </a:pPr>
+            <a:r>
+              <a:rPr lang="fr-FR" sz="3200">
                 <a:solidFill>
                   <a:srgbClr val="000000"/>
                 </a:solidFill>
-                <a:uFill>
-                  <a:solidFill>
-                    <a:srgbClr val="ffffff"/>
-                  </a:solidFill>
-                </a:uFill>
                 <a:latin typeface="Calibri"/>
                 <a:ea typeface="DejaVu Sans"/>
               </a:rPr>
               <a:t>Prototyping and Mock-ups</a:t>
             </a:r>
-            <a:endParaRPr lang="en-US" sz="1800" spc="-1" strike="noStrike">
-              <a:solidFill>
-                <a:srgbClr val="000000"/>
-              </a:solidFill>
-              <a:uFill>
-                <a:solidFill>
-                  <a:srgbClr val="ffffff"/>
-                </a:solidFill>
-              </a:uFill>
-              <a:latin typeface="Arial"/>
-            </a:endParaRPr>
+            <a:endParaRPr/>
           </a:p>
         </p:txBody>
       </p:sp>
@@ -4509,12 +3299,14 @@
         </p:nvPicPr>
         <p:blipFill>
           <a:blip r:embed="rId2"/>
-          <a:stretch/>
+          <a:stretch>
+            <a:fillRect/>
+          </a:stretch>
         </p:blipFill>
         <p:spPr>
           <a:xfrm>
             <a:off x="2535480" y="2313360"/>
-            <a:ext cx="4230720" cy="3172680"/>
+            <a:ext cx="4230360" cy="3172320"/>
           </a:xfrm>
           <a:prstGeom prst="rect">
             <a:avLst/>
@@ -4533,7 +3325,7 @@
         <p:spPr>
           <a:xfrm>
             <a:off x="3369960" y="5670360"/>
-            <a:ext cx="2756160" cy="547200"/>
+            <a:ext cx="2755800" cy="546840"/>
           </a:xfrm>
           <a:prstGeom prst="rect">
             <a:avLst/>
@@ -4543,46 +3335,25 @@
             <a:noFill/>
           </a:ln>
         </p:spPr>
-        <p:style>
-          <a:lnRef idx="0"/>
-          <a:fillRef idx="0"/>
-          <a:effectRef idx="0"/>
-          <a:fontRef idx="minor"/>
-        </p:style>
         <p:txBody>
           <a:bodyPr lIns="90000" rIns="90000" tIns="45000" bIns="45000"/>
           <a:p>
-            <a:pPr marL="343080" indent="-340920">
-              <a:lnSpc>
-                <a:spcPct val="100000"/>
-              </a:lnSpc>
-            </a:pPr>
-            <a:r>
-              <a:rPr lang="en-US" sz="1600" spc="-1" strike="noStrike" u="sng">
+            <a:pPr>
+              <a:lnSpc>
+                <a:spcPct val="100000"/>
+              </a:lnSpc>
+            </a:pPr>
+            <a:r>
+              <a:rPr lang="fr-FR" sz="1600" u="sng">
                 <a:solidFill>
                   <a:srgbClr val="009999"/>
                 </a:solidFill>
-                <a:uFill>
-                  <a:solidFill>
-                    <a:srgbClr val="ffffff"/>
-                  </a:solidFill>
-                </a:uFill>
                 <a:latin typeface="Arial"/>
                 <a:ea typeface="DejaVu Sans"/>
               </a:rPr>
               <a:t>https://invis.io/VW60KMLEY</a:t>
             </a:r>
-            <a:endParaRPr lang="en-US" sz="1800" spc="-1" strike="noStrike">
-              <a:solidFill>
-                <a:srgbClr val="000000"/>
-              </a:solidFill>
-              <a:uFill>
-                <a:solidFill>
-                  <a:srgbClr val="ffffff"/>
-                </a:solidFill>
-              </a:uFill>
-              <a:latin typeface="Arial"/>
-            </a:endParaRPr>
+            <a:endParaRPr/>
           </a:p>
         </p:txBody>
       </p:sp>
@@ -4644,7 +3415,7 @@
         <p:spPr>
           <a:xfrm>
             <a:off x="0" y="6572160"/>
-            <a:ext cx="783720" cy="283680"/>
+            <a:ext cx="783360" cy="283320"/>
           </a:xfrm>
           <a:prstGeom prst="rect">
             <a:avLst/>
@@ -4655,24 +3426,13 @@
               <a:fillRect/>
             </a:stretch>
           </a:blipFill>
-          <a:ln>
+          <a:ln w="25560">
+            <a:solidFill>
+              <a:srgbClr val="3a5f8b"/>
+            </a:solidFill>
             <a:round/>
           </a:ln>
         </p:spPr>
-        <p:style>
-          <a:lnRef idx="2">
-            <a:schemeClr val="accent1">
-              <a:shade val="50000"/>
-            </a:schemeClr>
-          </a:lnRef>
-          <a:fillRef idx="1">
-            <a:schemeClr val="accent1"/>
-          </a:fillRef>
-          <a:effectRef idx="0">
-            <a:schemeClr val="accent1"/>
-          </a:effectRef>
-          <a:fontRef idx="minor"/>
-        </p:style>
       </p:sp>
       <p:sp>
         <p:nvSpPr>
@@ -4683,7 +3443,7 @@
         <p:spPr>
           <a:xfrm>
             <a:off x="428760" y="642960"/>
-            <a:ext cx="8255880" cy="783720"/>
+            <a:ext cx="8255520" cy="783360"/>
           </a:xfrm>
           <a:prstGeom prst="rect">
             <a:avLst/>
@@ -4693,72 +3453,28 @@
             <a:noFill/>
           </a:ln>
         </p:spPr>
-        <p:style>
-          <a:lnRef idx="0"/>
-          <a:fillRef idx="0"/>
-          <a:effectRef idx="0"/>
-          <a:fontRef idx="minor"/>
-        </p:style>
         <p:txBody>
           <a:bodyPr lIns="90000" rIns="90000" tIns="45000" bIns="45000" anchor="ctr"/>
           <a:p>
-            <a:pPr marL="571680" indent="-569520">
-              <a:lnSpc>
-                <a:spcPct val="100000"/>
-              </a:lnSpc>
-            </a:pPr>
-            <a:r>
-              <a:rPr lang="en-US" sz="3200" spc="-1" strike="noStrike">
+            <a:pPr>
+              <a:lnSpc>
+                <a:spcPct val="100000"/>
+              </a:lnSpc>
+            </a:pPr>
+            <a:r>
+              <a:rPr lang="fr-FR" sz="3200">
                 <a:solidFill>
                   <a:srgbClr val="000000"/>
                 </a:solidFill>
-                <a:uFill>
-                  <a:solidFill>
-                    <a:srgbClr val="ffffff"/>
-                  </a:solidFill>
-                </a:uFill>
                 <a:latin typeface="Calibri"/>
                 <a:ea typeface="DejaVu Sans"/>
               </a:rPr>
               <a:t>Web-Services</a:t>
             </a:r>
-            <a:endParaRPr lang="en-US" sz="1800" spc="-1" strike="noStrike">
-              <a:solidFill>
-                <a:srgbClr val="000000"/>
-              </a:solidFill>
-              <a:uFill>
-                <a:solidFill>
-                  <a:srgbClr val="ffffff"/>
-                </a:solidFill>
-              </a:uFill>
-              <a:latin typeface="Arial"/>
-            </a:endParaRPr>
-          </a:p>
-        </p:txBody>
-      </p:sp>
-      <p:pic>
-        <p:nvPicPr>
-          <p:cNvPr id="116" name="" descr=""/>
-          <p:cNvPicPr/>
-          <p:nvPr/>
-        </p:nvPicPr>
-        <p:blipFill>
-          <a:blip r:embed="rId2"/>
-          <a:stretch/>
-        </p:blipFill>
-        <p:spPr>
-          <a:xfrm>
-            <a:off x="2103120" y="1920240"/>
-            <a:ext cx="4480560" cy="4453200"/>
-          </a:xfrm>
-          <a:prstGeom prst="rect">
-            <a:avLst/>
-          </a:prstGeom>
-          <a:ln>
-            <a:noFill/>
-          </a:ln>
-        </p:spPr>
-      </p:pic>
+            <a:endParaRPr/>
+          </a:p>
+        </p:txBody>
+      </p:sp>
     </p:spTree>
   </p:cSld>
   <p:timing>
@@ -4810,14 +3526,14 @@
       </p:grpSpPr>
       <p:sp>
         <p:nvSpPr>
-          <p:cNvPr id="117" name="CustomShape 1"/>
+          <p:cNvPr id="116" name="CustomShape 1"/>
           <p:cNvSpPr/>
           <p:nvPr/>
         </p:nvSpPr>
         <p:spPr>
           <a:xfrm>
             <a:off x="0" y="6572160"/>
-            <a:ext cx="783720" cy="283680"/>
+            <a:ext cx="783360" cy="283320"/>
           </a:xfrm>
           <a:prstGeom prst="rect">
             <a:avLst/>
@@ -4828,35 +3544,24 @@
               <a:fillRect/>
             </a:stretch>
           </a:blipFill>
-          <a:ln>
+          <a:ln w="25560">
+            <a:solidFill>
+              <a:srgbClr val="3a5f8b"/>
+            </a:solidFill>
             <a:round/>
           </a:ln>
         </p:spPr>
-        <p:style>
-          <a:lnRef idx="2">
-            <a:schemeClr val="accent1">
-              <a:shade val="50000"/>
-            </a:schemeClr>
-          </a:lnRef>
-          <a:fillRef idx="1">
-            <a:schemeClr val="accent1"/>
-          </a:fillRef>
-          <a:effectRef idx="0">
-            <a:schemeClr val="accent1"/>
-          </a:effectRef>
-          <a:fontRef idx="minor"/>
-        </p:style>
-      </p:sp>
-      <p:sp>
-        <p:nvSpPr>
-          <p:cNvPr id="118" name="CustomShape 2"/>
+      </p:sp>
+      <p:sp>
+        <p:nvSpPr>
+          <p:cNvPr id="117" name="CustomShape 2"/>
           <p:cNvSpPr/>
           <p:nvPr/>
         </p:nvSpPr>
         <p:spPr>
           <a:xfrm>
             <a:off x="428760" y="642960"/>
-            <a:ext cx="8255880" cy="783720"/>
+            <a:ext cx="8255520" cy="783360"/>
           </a:xfrm>
           <a:prstGeom prst="rect">
             <a:avLst/>
@@ -4866,58 +3571,37 @@
             <a:noFill/>
           </a:ln>
         </p:spPr>
-        <p:style>
-          <a:lnRef idx="0"/>
-          <a:fillRef idx="0"/>
-          <a:effectRef idx="0"/>
-          <a:fontRef idx="minor"/>
-        </p:style>
         <p:txBody>
           <a:bodyPr lIns="90000" rIns="90000" tIns="45000" bIns="45000" anchor="ctr"/>
           <a:p>
-            <a:pPr marL="571680" indent="-569520">
-              <a:lnSpc>
-                <a:spcPct val="100000"/>
-              </a:lnSpc>
-            </a:pPr>
-            <a:r>
-              <a:rPr lang="en-US" sz="3200" spc="-1" strike="noStrike">
+            <a:pPr>
+              <a:lnSpc>
+                <a:spcPct val="100000"/>
+              </a:lnSpc>
+            </a:pPr>
+            <a:r>
+              <a:rPr lang="fr-FR" sz="3200">
                 <a:solidFill>
                   <a:srgbClr val="000000"/>
                 </a:solidFill>
-                <a:uFill>
-                  <a:solidFill>
-                    <a:srgbClr val="ffffff"/>
-                  </a:solidFill>
-                </a:uFill>
                 <a:latin typeface="Calibri"/>
                 <a:ea typeface="DejaVu Sans"/>
               </a:rPr>
               <a:t>Web-Services</a:t>
             </a:r>
-            <a:endParaRPr lang="en-US" sz="1800" spc="-1" strike="noStrike">
-              <a:solidFill>
-                <a:srgbClr val="000000"/>
-              </a:solidFill>
-              <a:uFill>
-                <a:solidFill>
-                  <a:srgbClr val="ffffff"/>
-                </a:solidFill>
-              </a:uFill>
-              <a:latin typeface="Arial"/>
-            </a:endParaRPr>
+            <a:endParaRPr/>
           </a:p>
         </p:txBody>
       </p:sp>
       <p:graphicFrame>
         <p:nvGraphicFramePr>
-          <p:cNvPr id="119" name="Table 3"/>
+          <p:cNvPr id="118" name="Table 3"/>
           <p:cNvGraphicFramePr/>
           <p:nvPr/>
         </p:nvGraphicFramePr>
         <p:xfrm>
           <a:off x="214200" y="2428920"/>
-          <a:ext cx="8714880" cy="3428280"/>
+          <a:ext cx="8714520" cy="3427920"/>
         </p:xfrm>
         <a:graphic>
           <a:graphicData uri="http://schemas.openxmlformats.org/drawingml/2006/table">
@@ -4926,7 +3610,7 @@
               <a:tblGrid>
                 <a:gridCol w="2536560"/>
                 <a:gridCol w="3178080"/>
-                <a:gridCol w="3000600"/>
+                <a:gridCol w="2999880"/>
               </a:tblGrid>
               <a:tr h="1268640">
                 <a:tc>
@@ -4939,58 +3623,33 @@
                         </a:lnSpc>
                       </a:pPr>
                       <a:r>
-                        <a:rPr lang="en-US" sz="1500" spc="-1" strike="noStrike">
+                        <a:rPr lang="fr-FR" sz="1500">
                           <a:solidFill>
                             <a:srgbClr val="000000"/>
                           </a:solidFill>
-                          <a:uFill>
-                            <a:solidFill>
-                              <a:srgbClr val="ffffff"/>
-                            </a:solidFill>
-                          </a:uFill>
                           <a:latin typeface="Calibri"/>
                         </a:rPr>
                         <a:t>	</a:t>
                       </a:r>
                       <a:r>
-                        <a:rPr lang="en-US" sz="1500" spc="-1" strike="noStrike">
+                        <a:rPr lang="fr-FR" sz="1500">
                           <a:solidFill>
                             <a:srgbClr val="000000"/>
                           </a:solidFill>
-                          <a:uFill>
-                            <a:solidFill>
-                              <a:srgbClr val="ffffff"/>
-                            </a:solidFill>
-                          </a:uFill>
                           <a:latin typeface="Calibri"/>
                         </a:rPr>
                         <a:t>	</a:t>
                       </a:r>
                       <a:r>
-                        <a:rPr lang="en-US" sz="1500" spc="-1" strike="noStrike">
+                        <a:rPr lang="fr-FR" sz="1500">
                           <a:solidFill>
                             <a:srgbClr val="000000"/>
                           </a:solidFill>
-                          <a:uFill>
-                            <a:solidFill>
-                              <a:srgbClr val="ffffff"/>
-                            </a:solidFill>
-                          </a:uFill>
                           <a:latin typeface="Calibri"/>
                         </a:rPr>
                         <a:t>	</a:t>
                       </a:r>
-                      <a:endParaRPr lang="en-US" sz="1800" spc="-1" strike="noStrike">
-                        <a:solidFill>
-                          <a:srgbClr val="000000"/>
-                        </a:solidFill>
-                        <a:uFill>
-                          <a:solidFill>
-                            <a:srgbClr val="ffffff"/>
-                          </a:solidFill>
-                        </a:uFill>
-                        <a:latin typeface="Arial"/>
-                      </a:endParaRPr>
+                      <a:endParaRPr/>
                     </a:p>
                     <a:p>
                       <a:pPr>
@@ -4999,71 +3658,27 @@
                         </a:lnSpc>
                       </a:pPr>
                       <a:r>
-                        <a:rPr lang="en-US" sz="1500" spc="-1" strike="noStrike">
+                        <a:rPr lang="fr-FR" sz="1500">
                           <a:solidFill>
                             <a:srgbClr val="000000"/>
                           </a:solidFill>
-                          <a:uFill>
-                            <a:solidFill>
-                              <a:srgbClr val="ffffff"/>
-                            </a:solidFill>
-                          </a:uFill>
                           <a:latin typeface="Calibri"/>
                         </a:rPr>
                         <a:t>GET</a:t>
                       </a:r>
                       <a:r>
-                        <a:rPr lang="en-US" sz="1500" spc="-1" strike="noStrike">
+                        <a:rPr lang="fr-FR" sz="1500">
                           <a:solidFill>
                             <a:srgbClr val="000000"/>
                           </a:solidFill>
-                          <a:uFill>
-                            <a:solidFill>
-                              <a:srgbClr val="ffffff"/>
-                            </a:solidFill>
-                          </a:uFill>
                           <a:latin typeface="Calibri"/>
                         </a:rPr>
                         <a:t>	</a:t>
                       </a:r>
-                      <a:endParaRPr lang="en-US" sz="1800" spc="-1" strike="noStrike">
-                        <a:solidFill>
-                          <a:srgbClr val="000000"/>
-                        </a:solidFill>
-                        <a:uFill>
-                          <a:solidFill>
-                            <a:srgbClr val="ffffff"/>
-                          </a:solidFill>
-                        </a:uFill>
-                        <a:latin typeface="Arial"/>
-                      </a:endParaRPr>
+                      <a:endParaRPr/>
                     </a:p>
                   </a:txBody>
-                  <a:tcPr marL="91080" marR="91080">
-                    <a:lnL w="9360">
-                      <a:solidFill>
-                        <a:srgbClr val="000000"/>
-                      </a:solidFill>
-                    </a:lnL>
-                    <a:lnR w="9360">
-                      <a:solidFill>
-                        <a:srgbClr val="000000"/>
-                      </a:solidFill>
-                    </a:lnR>
-                    <a:lnT w="9360">
-                      <a:solidFill>
-                        <a:srgbClr val="000000"/>
-                      </a:solidFill>
-                    </a:lnT>
-                    <a:lnB w="9360">
-                      <a:solidFill>
-                        <a:srgbClr val="000000"/>
-                      </a:solidFill>
-                    </a:lnB>
-                    <a:solidFill>
-                      <a:srgbClr val="9cc2e5"/>
-                    </a:solidFill>
-                  </a:tcPr>
+                  <a:tcPr/>
                 </a:tc>
                 <a:tc>
                   <a:txBody>
@@ -5075,58 +3690,33 @@
                         </a:lnSpc>
                       </a:pPr>
                       <a:r>
-                        <a:rPr lang="en-US" sz="1500" spc="-1" strike="noStrike">
+                        <a:rPr lang="fr-FR" sz="1500">
                           <a:solidFill>
                             <a:srgbClr val="000000"/>
                           </a:solidFill>
-                          <a:uFill>
-                            <a:solidFill>
-                              <a:srgbClr val="ffffff"/>
-                            </a:solidFill>
-                          </a:uFill>
                           <a:latin typeface="Calibri"/>
                         </a:rPr>
                         <a:t>	</a:t>
                       </a:r>
                       <a:r>
-                        <a:rPr lang="en-US" sz="1500" spc="-1" strike="noStrike">
+                        <a:rPr lang="fr-FR" sz="1500">
                           <a:solidFill>
                             <a:srgbClr val="000000"/>
                           </a:solidFill>
-                          <a:uFill>
-                            <a:solidFill>
-                              <a:srgbClr val="ffffff"/>
-                            </a:solidFill>
-                          </a:uFill>
                           <a:latin typeface="Calibri"/>
                         </a:rPr>
                         <a:t>	</a:t>
                       </a:r>
                       <a:r>
-                        <a:rPr lang="en-US" sz="1500" spc="-1" strike="noStrike">
+                        <a:rPr lang="fr-FR" sz="1500">
                           <a:solidFill>
                             <a:srgbClr val="000000"/>
                           </a:solidFill>
-                          <a:uFill>
-                            <a:solidFill>
-                              <a:srgbClr val="ffffff"/>
-                            </a:solidFill>
-                          </a:uFill>
                           <a:latin typeface="Calibri"/>
                         </a:rPr>
                         <a:t>	</a:t>
                       </a:r>
-                      <a:endParaRPr lang="en-US" sz="1800" spc="-1" strike="noStrike">
-                        <a:solidFill>
-                          <a:srgbClr val="000000"/>
-                        </a:solidFill>
-                        <a:uFill>
-                          <a:solidFill>
-                            <a:srgbClr val="ffffff"/>
-                          </a:solidFill>
-                        </a:uFill>
-                        <a:latin typeface="Arial"/>
-                      </a:endParaRPr>
+                      <a:endParaRPr/>
                     </a:p>
                     <a:p>
                       <a:pPr>
@@ -5135,30 +3725,15 @@
                         </a:lnSpc>
                       </a:pPr>
                       <a:r>
-                        <a:rPr lang="en-US" sz="1500" spc="-1" strike="noStrike">
+                        <a:rPr lang="fr-FR" sz="1500">
                           <a:solidFill>
                             <a:srgbClr val="000000"/>
                           </a:solidFill>
-                          <a:uFill>
-                            <a:solidFill>
-                              <a:srgbClr val="ffffff"/>
-                            </a:solidFill>
-                          </a:uFill>
                           <a:latin typeface="Calibri"/>
                         </a:rPr>
                         <a:t>/member /{id}</a:t>
                       </a:r>
-                      <a:endParaRPr lang="en-US" sz="1800" spc="-1" strike="noStrike">
-                        <a:solidFill>
-                          <a:srgbClr val="000000"/>
-                        </a:solidFill>
-                        <a:uFill>
-                          <a:solidFill>
-                            <a:srgbClr val="ffffff"/>
-                          </a:solidFill>
-                        </a:uFill>
-                        <a:latin typeface="Arial"/>
-                      </a:endParaRPr>
+                      <a:endParaRPr/>
                     </a:p>
                     <a:p>
                       <a:pPr>
@@ -5167,71 +3742,27 @@
                         </a:lnSpc>
                       </a:pPr>
                       <a:r>
-                        <a:rPr lang="en-US" sz="1500" spc="-1" strike="noStrike">
+                        <a:rPr lang="fr-FR" sz="1500">
                           <a:solidFill>
                             <a:srgbClr val="000000"/>
                           </a:solidFill>
-                          <a:uFill>
-                            <a:solidFill>
-                              <a:srgbClr val="ffffff"/>
-                            </a:solidFill>
-                          </a:uFill>
                           <a:latin typeface="Calibri"/>
                         </a:rPr>
                         <a:t>	</a:t>
                       </a:r>
                       <a:r>
-                        <a:rPr lang="en-US" sz="1500" spc="-1" strike="noStrike">
+                        <a:rPr lang="fr-FR" sz="1500">
                           <a:solidFill>
                             <a:srgbClr val="000000"/>
                           </a:solidFill>
-                          <a:uFill>
-                            <a:solidFill>
-                              <a:srgbClr val="ffffff"/>
-                            </a:solidFill>
-                          </a:uFill>
                           <a:latin typeface="Calibri"/>
                         </a:rPr>
                         <a:t>	</a:t>
                       </a:r>
-                      <a:endParaRPr lang="en-US" sz="1800" spc="-1" strike="noStrike">
-                        <a:solidFill>
-                          <a:srgbClr val="000000"/>
-                        </a:solidFill>
-                        <a:uFill>
-                          <a:solidFill>
-                            <a:srgbClr val="ffffff"/>
-                          </a:solidFill>
-                        </a:uFill>
-                        <a:latin typeface="Arial"/>
-                      </a:endParaRPr>
+                      <a:endParaRPr/>
                     </a:p>
                   </a:txBody>
-                  <a:tcPr marL="91080" marR="91080">
-                    <a:lnL w="9360">
-                      <a:solidFill>
-                        <a:srgbClr val="000000"/>
-                      </a:solidFill>
-                    </a:lnL>
-                    <a:lnR w="9360">
-                      <a:solidFill>
-                        <a:srgbClr val="000000"/>
-                      </a:solidFill>
-                    </a:lnR>
-                    <a:lnT w="9360">
-                      <a:solidFill>
-                        <a:srgbClr val="000000"/>
-                      </a:solidFill>
-                    </a:lnT>
-                    <a:lnB w="9360">
-                      <a:solidFill>
-                        <a:srgbClr val="000000"/>
-                      </a:solidFill>
-                    </a:lnB>
-                    <a:solidFill>
-                      <a:srgbClr val="9cc2e5"/>
-                    </a:solidFill>
-                  </a:tcPr>
+                  <a:tcPr/>
                 </a:tc>
                 <a:tc>
                   <a:txBody>
@@ -5243,58 +3774,33 @@
                         </a:lnSpc>
                       </a:pPr>
                       <a:r>
-                        <a:rPr lang="en-US" sz="1500" spc="-1" strike="noStrike">
+                        <a:rPr lang="fr-FR" sz="1500">
                           <a:solidFill>
                             <a:srgbClr val="000000"/>
                           </a:solidFill>
-                          <a:uFill>
-                            <a:solidFill>
-                              <a:srgbClr val="ffffff"/>
-                            </a:solidFill>
-                          </a:uFill>
                           <a:latin typeface="Calibri"/>
                         </a:rPr>
                         <a:t>	</a:t>
                       </a:r>
                       <a:r>
-                        <a:rPr lang="en-US" sz="1500" spc="-1" strike="noStrike">
+                        <a:rPr lang="fr-FR" sz="1500">
                           <a:solidFill>
                             <a:srgbClr val="000000"/>
                           </a:solidFill>
-                          <a:uFill>
-                            <a:solidFill>
-                              <a:srgbClr val="ffffff"/>
-                            </a:solidFill>
-                          </a:uFill>
                           <a:latin typeface="Calibri"/>
                         </a:rPr>
                         <a:t>	</a:t>
                       </a:r>
                       <a:r>
-                        <a:rPr lang="en-US" sz="1500" spc="-1" strike="noStrike">
+                        <a:rPr lang="fr-FR" sz="1500">
                           <a:solidFill>
                             <a:srgbClr val="000000"/>
                           </a:solidFill>
-                          <a:uFill>
-                            <a:solidFill>
-                              <a:srgbClr val="ffffff"/>
-                            </a:solidFill>
-                          </a:uFill>
                           <a:latin typeface="Calibri"/>
                         </a:rPr>
                         <a:t>	</a:t>
                       </a:r>
-                      <a:endParaRPr lang="en-US" sz="1800" spc="-1" strike="noStrike">
-                        <a:solidFill>
-                          <a:srgbClr val="000000"/>
-                        </a:solidFill>
-                        <a:uFill>
-                          <a:solidFill>
-                            <a:srgbClr val="ffffff"/>
-                          </a:solidFill>
-                        </a:uFill>
-                        <a:latin typeface="Arial"/>
-                      </a:endParaRPr>
+                      <a:endParaRPr/>
                     </a:p>
                     <a:p>
                       <a:pPr>
@@ -5303,72 +3809,42 @@
                         </a:lnSpc>
                       </a:pPr>
                       <a:r>
-                        <a:rPr lang="en-US" sz="1500" spc="-1" strike="noStrike">
+                        <a:rPr lang="fr-FR" sz="1500">
                           <a:solidFill>
                             <a:srgbClr val="000000"/>
                           </a:solidFill>
-                          <a:uFill>
-                            <a:solidFill>
-                              <a:srgbClr val="ffffff"/>
-                            </a:solidFill>
-                          </a:uFill>
                           <a:latin typeface="Calibri"/>
                         </a:rPr>
                         <a:t>Return list of all details of the member </a:t>
                       </a:r>
                       <a:r>
-                        <a:rPr lang="en-US" sz="1500" spc="-1" strike="noStrike">
+                        <a:rPr lang="fr-FR" sz="1500">
                           <a:solidFill>
                             <a:srgbClr val="000000"/>
                           </a:solidFill>
-                          <a:uFill>
-                            <a:solidFill>
-                              <a:srgbClr val="ffffff"/>
-                            </a:solidFill>
-                          </a:uFill>
                           <a:latin typeface="Calibri"/>
                         </a:rPr>
                         <a:t>	</a:t>
                       </a:r>
                       <a:r>
-                        <a:rPr lang="en-US" sz="1500" spc="-1" strike="noStrike">
+                        <a:rPr lang="fr-FR" sz="1500">
                           <a:solidFill>
                             <a:srgbClr val="000000"/>
                           </a:solidFill>
-                          <a:uFill>
-                            <a:solidFill>
-                              <a:srgbClr val="ffffff"/>
-                            </a:solidFill>
-                          </a:uFill>
                           <a:latin typeface="Calibri"/>
                         </a:rPr>
                         <a:t>	</a:t>
                       </a:r>
                       <a:r>
-                        <a:rPr lang="en-US" sz="1500" spc="-1" strike="noStrike">
+                        <a:rPr lang="fr-FR" sz="1500">
                           <a:solidFill>
                             <a:srgbClr val="000000"/>
                           </a:solidFill>
-                          <a:uFill>
-                            <a:solidFill>
-                              <a:srgbClr val="ffffff"/>
-                            </a:solidFill>
-                          </a:uFill>
                           <a:latin typeface="Calibri"/>
                         </a:rPr>
                         <a:t>	</a:t>
                       </a:r>
-                      <a:endParaRPr lang="en-US" sz="1800" spc="-1" strike="noStrike">
-                        <a:solidFill>
-                          <a:srgbClr val="000000"/>
-                        </a:solidFill>
-                        <a:uFill>
-                          <a:solidFill>
-                            <a:srgbClr val="ffffff"/>
-                          </a:solidFill>
-                        </a:uFill>
-                        <a:latin typeface="Arial"/>
-                      </a:endParaRPr>
+                      <a:endParaRPr/>
                     </a:p>
                     <a:p>
                       <a:pPr>
@@ -5377,71 +3853,27 @@
                         </a:lnSpc>
                       </a:pPr>
                       <a:r>
-                        <a:rPr lang="en-US" sz="1500" spc="-1" strike="noStrike">
+                        <a:rPr lang="fr-FR" sz="1500">
                           <a:solidFill>
                             <a:srgbClr val="000000"/>
                           </a:solidFill>
-                          <a:uFill>
-                            <a:solidFill>
-                              <a:srgbClr val="ffffff"/>
-                            </a:solidFill>
-                          </a:uFill>
                           <a:latin typeface="Calibri"/>
                         </a:rPr>
                         <a:t>	</a:t>
                       </a:r>
                       <a:r>
-                        <a:rPr lang="en-US" sz="1500" spc="-1" strike="noStrike">
+                        <a:rPr lang="fr-FR" sz="1500">
                           <a:solidFill>
                             <a:srgbClr val="000000"/>
                           </a:solidFill>
-                          <a:uFill>
-                            <a:solidFill>
-                              <a:srgbClr val="ffffff"/>
-                            </a:solidFill>
-                          </a:uFill>
                           <a:latin typeface="Calibri"/>
                         </a:rPr>
                         <a:t>	</a:t>
                       </a:r>
-                      <a:endParaRPr lang="en-US" sz="1800" spc="-1" strike="noStrike">
-                        <a:solidFill>
-                          <a:srgbClr val="000000"/>
-                        </a:solidFill>
-                        <a:uFill>
-                          <a:solidFill>
-                            <a:srgbClr val="ffffff"/>
-                          </a:solidFill>
-                        </a:uFill>
-                        <a:latin typeface="Arial"/>
-                      </a:endParaRPr>
+                      <a:endParaRPr/>
                     </a:p>
                   </a:txBody>
-                  <a:tcPr marL="91080" marR="91080">
-                    <a:lnL w="9360">
-                      <a:solidFill>
-                        <a:srgbClr val="000000"/>
-                      </a:solidFill>
-                    </a:lnL>
-                    <a:lnR w="9360">
-                      <a:solidFill>
-                        <a:srgbClr val="000000"/>
-                      </a:solidFill>
-                    </a:lnR>
-                    <a:lnT w="9360">
-                      <a:solidFill>
-                        <a:srgbClr val="000000"/>
-                      </a:solidFill>
-                    </a:lnT>
-                    <a:lnB w="9360">
-                      <a:solidFill>
-                        <a:srgbClr val="000000"/>
-                      </a:solidFill>
-                    </a:lnB>
-                    <a:solidFill>
-                      <a:srgbClr val="9cc2e5"/>
-                    </a:solidFill>
-                  </a:tcPr>
+                  <a:tcPr/>
                 </a:tc>
               </a:tr>
               <a:tr h="1115640">
@@ -5455,58 +3887,33 @@
                         </a:lnSpc>
                       </a:pPr>
                       <a:r>
-                        <a:rPr lang="en-US" sz="1500" spc="-1" strike="noStrike">
+                        <a:rPr lang="fr-FR" sz="1500">
                           <a:solidFill>
                             <a:srgbClr val="000000"/>
                           </a:solidFill>
-                          <a:uFill>
-                            <a:solidFill>
-                              <a:srgbClr val="ffffff"/>
-                            </a:solidFill>
-                          </a:uFill>
                           <a:latin typeface="Calibri"/>
                         </a:rPr>
                         <a:t>	</a:t>
                       </a:r>
                       <a:r>
-                        <a:rPr lang="en-US" sz="1500" spc="-1" strike="noStrike">
+                        <a:rPr lang="fr-FR" sz="1500">
                           <a:solidFill>
                             <a:srgbClr val="000000"/>
                           </a:solidFill>
-                          <a:uFill>
-                            <a:solidFill>
-                              <a:srgbClr val="ffffff"/>
-                            </a:solidFill>
-                          </a:uFill>
                           <a:latin typeface="Calibri"/>
                         </a:rPr>
                         <a:t>	</a:t>
                       </a:r>
                       <a:r>
-                        <a:rPr lang="en-US" sz="1500" spc="-1" strike="noStrike">
+                        <a:rPr lang="fr-FR" sz="1500">
                           <a:solidFill>
                             <a:srgbClr val="000000"/>
                           </a:solidFill>
-                          <a:uFill>
-                            <a:solidFill>
-                              <a:srgbClr val="ffffff"/>
-                            </a:solidFill>
-                          </a:uFill>
                           <a:latin typeface="Calibri"/>
                         </a:rPr>
                         <a:t>	</a:t>
                       </a:r>
-                      <a:endParaRPr lang="en-US" sz="1800" spc="-1" strike="noStrike">
-                        <a:solidFill>
-                          <a:srgbClr val="000000"/>
-                        </a:solidFill>
-                        <a:uFill>
-                          <a:solidFill>
-                            <a:srgbClr val="ffffff"/>
-                          </a:solidFill>
-                        </a:uFill>
-                        <a:latin typeface="Arial"/>
-                      </a:endParaRPr>
+                      <a:endParaRPr/>
                     </a:p>
                     <a:p>
                       <a:pPr>
@@ -5515,30 +3922,15 @@
                         </a:lnSpc>
                       </a:pPr>
                       <a:r>
-                        <a:rPr lang="en-US" sz="1500" spc="-1" strike="noStrike">
+                        <a:rPr lang="fr-FR" sz="1500">
                           <a:solidFill>
                             <a:srgbClr val="000000"/>
                           </a:solidFill>
-                          <a:uFill>
-                            <a:solidFill>
-                              <a:srgbClr val="ffffff"/>
-                            </a:solidFill>
-                          </a:uFill>
                           <a:latin typeface="Calibri"/>
                         </a:rPr>
                         <a:t>POST</a:t>
                       </a:r>
-                      <a:endParaRPr lang="en-US" sz="1800" spc="-1" strike="noStrike">
-                        <a:solidFill>
-                          <a:srgbClr val="000000"/>
-                        </a:solidFill>
-                        <a:uFill>
-                          <a:solidFill>
-                            <a:srgbClr val="ffffff"/>
-                          </a:solidFill>
-                        </a:uFill>
-                        <a:latin typeface="Arial"/>
-                      </a:endParaRPr>
+                      <a:endParaRPr/>
                     </a:p>
                     <a:p>
                       <a:pPr>
@@ -5547,71 +3939,27 @@
                         </a:lnSpc>
                       </a:pPr>
                       <a:r>
-                        <a:rPr lang="en-US" sz="1500" spc="-1" strike="noStrike">
+                        <a:rPr lang="fr-FR" sz="1500">
                           <a:solidFill>
                             <a:srgbClr val="000000"/>
                           </a:solidFill>
-                          <a:uFill>
-                            <a:solidFill>
-                              <a:srgbClr val="ffffff"/>
-                            </a:solidFill>
-                          </a:uFill>
                           <a:latin typeface="Calibri"/>
                         </a:rPr>
                         <a:t>	</a:t>
                       </a:r>
                       <a:r>
-                        <a:rPr lang="en-US" sz="1500" spc="-1" strike="noStrike">
+                        <a:rPr lang="fr-FR" sz="1500">
                           <a:solidFill>
                             <a:srgbClr val="000000"/>
                           </a:solidFill>
-                          <a:uFill>
-                            <a:solidFill>
-                              <a:srgbClr val="ffffff"/>
-                            </a:solidFill>
-                          </a:uFill>
                           <a:latin typeface="Calibri"/>
                         </a:rPr>
                         <a:t>	</a:t>
                       </a:r>
-                      <a:endParaRPr lang="en-US" sz="1800" spc="-1" strike="noStrike">
-                        <a:solidFill>
-                          <a:srgbClr val="000000"/>
-                        </a:solidFill>
-                        <a:uFill>
-                          <a:solidFill>
-                            <a:srgbClr val="ffffff"/>
-                          </a:solidFill>
-                        </a:uFill>
-                        <a:latin typeface="Arial"/>
-                      </a:endParaRPr>
+                      <a:endParaRPr/>
                     </a:p>
                   </a:txBody>
-                  <a:tcPr marL="91080" marR="91080">
-                    <a:lnL w="9360">
-                      <a:solidFill>
-                        <a:srgbClr val="000000"/>
-                      </a:solidFill>
-                    </a:lnL>
-                    <a:lnR w="9360">
-                      <a:solidFill>
-                        <a:srgbClr val="000000"/>
-                      </a:solidFill>
-                    </a:lnR>
-                    <a:lnT w="9360">
-                      <a:solidFill>
-                        <a:srgbClr val="000000"/>
-                      </a:solidFill>
-                    </a:lnT>
-                    <a:lnB w="9360">
-                      <a:solidFill>
-                        <a:srgbClr val="000000"/>
-                      </a:solidFill>
-                    </a:lnB>
-                    <a:solidFill>
-                      <a:srgbClr val="ffe599"/>
-                    </a:solidFill>
-                  </a:tcPr>
+                  <a:tcPr/>
                 </a:tc>
                 <a:tc>
                   <a:txBody>
@@ -5623,58 +3971,33 @@
                         </a:lnSpc>
                       </a:pPr>
                       <a:r>
-                        <a:rPr lang="en-US" sz="1500" spc="-1" strike="noStrike">
+                        <a:rPr lang="fr-FR" sz="1500">
                           <a:solidFill>
                             <a:srgbClr val="000000"/>
                           </a:solidFill>
-                          <a:uFill>
-                            <a:solidFill>
-                              <a:srgbClr val="ffffff"/>
-                            </a:solidFill>
-                          </a:uFill>
                           <a:latin typeface="Calibri"/>
                         </a:rPr>
                         <a:t>	</a:t>
                       </a:r>
                       <a:r>
-                        <a:rPr lang="en-US" sz="1500" spc="-1" strike="noStrike">
+                        <a:rPr lang="fr-FR" sz="1500">
                           <a:solidFill>
                             <a:srgbClr val="000000"/>
                           </a:solidFill>
-                          <a:uFill>
-                            <a:solidFill>
-                              <a:srgbClr val="ffffff"/>
-                            </a:solidFill>
-                          </a:uFill>
                           <a:latin typeface="Calibri"/>
                         </a:rPr>
                         <a:t>	</a:t>
                       </a:r>
                       <a:r>
-                        <a:rPr lang="en-US" sz="1500" spc="-1" strike="noStrike">
+                        <a:rPr lang="fr-FR" sz="1500">
                           <a:solidFill>
                             <a:srgbClr val="000000"/>
                           </a:solidFill>
-                          <a:uFill>
-                            <a:solidFill>
-                              <a:srgbClr val="ffffff"/>
-                            </a:solidFill>
-                          </a:uFill>
                           <a:latin typeface="Calibri"/>
                         </a:rPr>
                         <a:t>	</a:t>
                       </a:r>
-                      <a:endParaRPr lang="en-US" sz="1800" spc="-1" strike="noStrike">
-                        <a:solidFill>
-                          <a:srgbClr val="000000"/>
-                        </a:solidFill>
-                        <a:uFill>
-                          <a:solidFill>
-                            <a:srgbClr val="ffffff"/>
-                          </a:solidFill>
-                        </a:uFill>
-                        <a:latin typeface="Arial"/>
-                      </a:endParaRPr>
+                      <a:endParaRPr/>
                     </a:p>
                     <a:p>
                       <a:pPr>
@@ -5683,30 +4006,15 @@
                         </a:lnSpc>
                       </a:pPr>
                       <a:r>
-                        <a:rPr lang="en-US" sz="1500" spc="-1" strike="noStrike">
+                        <a:rPr lang="fr-FR" sz="1500">
                           <a:solidFill>
                             <a:srgbClr val="000000"/>
                           </a:solidFill>
-                          <a:uFill>
-                            <a:solidFill>
-                              <a:srgbClr val="ffffff"/>
-                            </a:solidFill>
-                          </a:uFill>
                           <a:latin typeface="Calibri"/>
                         </a:rPr>
                         <a:t>/member / {id}</a:t>
                       </a:r>
-                      <a:endParaRPr lang="en-US" sz="1800" spc="-1" strike="noStrike">
-                        <a:solidFill>
-                          <a:srgbClr val="000000"/>
-                        </a:solidFill>
-                        <a:uFill>
-                          <a:solidFill>
-                            <a:srgbClr val="ffffff"/>
-                          </a:solidFill>
-                        </a:uFill>
-                        <a:latin typeface="Arial"/>
-                      </a:endParaRPr>
+                      <a:endParaRPr/>
                     </a:p>
                     <a:p>
                       <a:pPr>
@@ -5715,71 +4023,27 @@
                         </a:lnSpc>
                       </a:pPr>
                       <a:r>
-                        <a:rPr lang="en-US" sz="1500" spc="-1" strike="noStrike">
+                        <a:rPr lang="fr-FR" sz="1500">
                           <a:solidFill>
                             <a:srgbClr val="000000"/>
                           </a:solidFill>
-                          <a:uFill>
-                            <a:solidFill>
-                              <a:srgbClr val="ffffff"/>
-                            </a:solidFill>
-                          </a:uFill>
                           <a:latin typeface="Calibri"/>
                         </a:rPr>
                         <a:t>	</a:t>
                       </a:r>
                       <a:r>
-                        <a:rPr lang="en-US" sz="1500" spc="-1" strike="noStrike">
+                        <a:rPr lang="fr-FR" sz="1500">
                           <a:solidFill>
                             <a:srgbClr val="000000"/>
                           </a:solidFill>
-                          <a:uFill>
-                            <a:solidFill>
-                              <a:srgbClr val="ffffff"/>
-                            </a:solidFill>
-                          </a:uFill>
                           <a:latin typeface="Calibri"/>
                         </a:rPr>
                         <a:t>	</a:t>
                       </a:r>
-                      <a:endParaRPr lang="en-US" sz="1800" spc="-1" strike="noStrike">
-                        <a:solidFill>
-                          <a:srgbClr val="000000"/>
-                        </a:solidFill>
-                        <a:uFill>
-                          <a:solidFill>
-                            <a:srgbClr val="ffffff"/>
-                          </a:solidFill>
-                        </a:uFill>
-                        <a:latin typeface="Arial"/>
-                      </a:endParaRPr>
+                      <a:endParaRPr/>
                     </a:p>
                   </a:txBody>
-                  <a:tcPr marL="91080" marR="91080">
-                    <a:lnL w="9360">
-                      <a:solidFill>
-                        <a:srgbClr val="000000"/>
-                      </a:solidFill>
-                    </a:lnL>
-                    <a:lnR w="9360">
-                      <a:solidFill>
-                        <a:srgbClr val="000000"/>
-                      </a:solidFill>
-                    </a:lnR>
-                    <a:lnT w="9360">
-                      <a:solidFill>
-                        <a:srgbClr val="000000"/>
-                      </a:solidFill>
-                    </a:lnT>
-                    <a:lnB w="9360">
-                      <a:solidFill>
-                        <a:srgbClr val="000000"/>
-                      </a:solidFill>
-                    </a:lnB>
-                    <a:solidFill>
-                      <a:srgbClr val="ffe599"/>
-                    </a:solidFill>
-                  </a:tcPr>
+                  <a:tcPr/>
                 </a:tc>
                 <a:tc>
                   <a:txBody>
@@ -5791,58 +4055,33 @@
                         </a:lnSpc>
                       </a:pPr>
                       <a:r>
-                        <a:rPr lang="en-US" sz="1500" spc="-1" strike="noStrike">
+                        <a:rPr lang="fr-FR" sz="1500">
                           <a:solidFill>
                             <a:srgbClr val="000000"/>
                           </a:solidFill>
-                          <a:uFill>
-                            <a:solidFill>
-                              <a:srgbClr val="ffffff"/>
-                            </a:solidFill>
-                          </a:uFill>
                           <a:latin typeface="Calibri"/>
                         </a:rPr>
                         <a:t>	</a:t>
                       </a:r>
                       <a:r>
-                        <a:rPr lang="en-US" sz="1500" spc="-1" strike="noStrike">
+                        <a:rPr lang="fr-FR" sz="1500">
                           <a:solidFill>
                             <a:srgbClr val="000000"/>
                           </a:solidFill>
-                          <a:uFill>
-                            <a:solidFill>
-                              <a:srgbClr val="ffffff"/>
-                            </a:solidFill>
-                          </a:uFill>
                           <a:latin typeface="Calibri"/>
                         </a:rPr>
                         <a:t>	</a:t>
                       </a:r>
                       <a:r>
-                        <a:rPr lang="en-US" sz="1500" spc="-1" strike="noStrike">
+                        <a:rPr lang="fr-FR" sz="1500">
                           <a:solidFill>
                             <a:srgbClr val="000000"/>
                           </a:solidFill>
-                          <a:uFill>
-                            <a:solidFill>
-                              <a:srgbClr val="ffffff"/>
-                            </a:solidFill>
-                          </a:uFill>
                           <a:latin typeface="Calibri"/>
                         </a:rPr>
                         <a:t>	</a:t>
                       </a:r>
-                      <a:endParaRPr lang="en-US" sz="1800" spc="-1" strike="noStrike">
-                        <a:solidFill>
-                          <a:srgbClr val="000000"/>
-                        </a:solidFill>
-                        <a:uFill>
-                          <a:solidFill>
-                            <a:srgbClr val="ffffff"/>
-                          </a:solidFill>
-                        </a:uFill>
-                        <a:latin typeface="Arial"/>
-                      </a:endParaRPr>
+                      <a:endParaRPr/>
                     </a:p>
                     <a:p>
                       <a:pPr>
@@ -5851,30 +4090,15 @@
                         </a:lnSpc>
                       </a:pPr>
                       <a:r>
-                        <a:rPr lang="en-US" sz="1500" spc="-1" strike="noStrike">
+                        <a:rPr lang="fr-FR" sz="1500">
                           <a:solidFill>
                             <a:srgbClr val="000000"/>
                           </a:solidFill>
-                          <a:uFill>
-                            <a:solidFill>
-                              <a:srgbClr val="ffffff"/>
-                            </a:solidFill>
-                          </a:uFill>
                           <a:latin typeface="Calibri"/>
                         </a:rPr>
                         <a:t>Modify details of member for the corresponding ID</a:t>
                       </a:r>
-                      <a:endParaRPr lang="en-US" sz="1800" spc="-1" strike="noStrike">
-                        <a:solidFill>
-                          <a:srgbClr val="000000"/>
-                        </a:solidFill>
-                        <a:uFill>
-                          <a:solidFill>
-                            <a:srgbClr val="ffffff"/>
-                          </a:solidFill>
-                        </a:uFill>
-                        <a:latin typeface="Arial"/>
-                      </a:endParaRPr>
+                      <a:endParaRPr/>
                     </a:p>
                     <a:p>
                       <a:pPr>
@@ -5883,74 +4107,30 @@
                         </a:lnSpc>
                       </a:pPr>
                       <a:r>
-                        <a:rPr lang="en-US" sz="1500" spc="-1" strike="noStrike">
+                        <a:rPr lang="fr-FR" sz="1500">
                           <a:solidFill>
                             <a:srgbClr val="000000"/>
                           </a:solidFill>
-                          <a:uFill>
-                            <a:solidFill>
-                              <a:srgbClr val="ffffff"/>
-                            </a:solidFill>
-                          </a:uFill>
                           <a:latin typeface="Calibri"/>
                         </a:rPr>
                         <a:t>	</a:t>
                       </a:r>
                       <a:r>
-                        <a:rPr lang="en-US" sz="1500" spc="-1" strike="noStrike">
+                        <a:rPr lang="fr-FR" sz="1500">
                           <a:solidFill>
                             <a:srgbClr val="000000"/>
                           </a:solidFill>
-                          <a:uFill>
-                            <a:solidFill>
-                              <a:srgbClr val="ffffff"/>
-                            </a:solidFill>
-                          </a:uFill>
                           <a:latin typeface="Calibri"/>
                         </a:rPr>
                         <a:t>	</a:t>
                       </a:r>
-                      <a:endParaRPr lang="en-US" sz="1800" spc="-1" strike="noStrike">
-                        <a:solidFill>
-                          <a:srgbClr val="000000"/>
-                        </a:solidFill>
-                        <a:uFill>
-                          <a:solidFill>
-                            <a:srgbClr val="ffffff"/>
-                          </a:solidFill>
-                        </a:uFill>
-                        <a:latin typeface="Arial"/>
-                      </a:endParaRPr>
+                      <a:endParaRPr/>
                     </a:p>
                   </a:txBody>
-                  <a:tcPr marL="91080" marR="91080">
-                    <a:lnL w="9360">
-                      <a:solidFill>
-                        <a:srgbClr val="000000"/>
-                      </a:solidFill>
-                    </a:lnL>
-                    <a:lnR w="9360">
-                      <a:solidFill>
-                        <a:srgbClr val="000000"/>
-                      </a:solidFill>
-                    </a:lnR>
-                    <a:lnT w="9360">
-                      <a:solidFill>
-                        <a:srgbClr val="000000"/>
-                      </a:solidFill>
-                    </a:lnT>
-                    <a:lnB w="9360">
-                      <a:solidFill>
-                        <a:srgbClr val="000000"/>
-                      </a:solidFill>
-                    </a:lnB>
-                    <a:solidFill>
-                      <a:srgbClr val="ffe599"/>
-                    </a:solidFill>
-                  </a:tcPr>
+                  <a:tcPr/>
                 </a:tc>
               </a:tr>
-              <a:tr h="1044360">
+              <a:tr h="1043640">
                 <a:tc>
                   <a:txBody>
                     <a:bodyPr lIns="91080" rIns="91080"/>
@@ -5961,58 +4141,33 @@
                         </a:lnSpc>
                       </a:pPr>
                       <a:r>
-                        <a:rPr lang="en-US" sz="1500" spc="-1" strike="noStrike">
+                        <a:rPr lang="fr-FR" sz="1500">
                           <a:solidFill>
                             <a:srgbClr val="000000"/>
                           </a:solidFill>
-                          <a:uFill>
-                            <a:solidFill>
-                              <a:srgbClr val="ffffff"/>
-                            </a:solidFill>
-                          </a:uFill>
                           <a:latin typeface="Calibri"/>
                         </a:rPr>
                         <a:t>	</a:t>
                       </a:r>
                       <a:r>
-                        <a:rPr lang="en-US" sz="1500" spc="-1" strike="noStrike">
+                        <a:rPr lang="fr-FR" sz="1500">
                           <a:solidFill>
                             <a:srgbClr val="000000"/>
                           </a:solidFill>
-                          <a:uFill>
-                            <a:solidFill>
-                              <a:srgbClr val="ffffff"/>
-                            </a:solidFill>
-                          </a:uFill>
                           <a:latin typeface="Calibri"/>
                         </a:rPr>
                         <a:t>	</a:t>
                       </a:r>
                       <a:r>
-                        <a:rPr lang="en-US" sz="1500" spc="-1" strike="noStrike">
+                        <a:rPr lang="fr-FR" sz="1500">
                           <a:solidFill>
                             <a:srgbClr val="000000"/>
                           </a:solidFill>
-                          <a:uFill>
-                            <a:solidFill>
-                              <a:srgbClr val="ffffff"/>
-                            </a:solidFill>
-                          </a:uFill>
                           <a:latin typeface="Calibri"/>
                         </a:rPr>
                         <a:t>	</a:t>
                       </a:r>
-                      <a:endParaRPr lang="en-US" sz="1800" spc="-1" strike="noStrike">
-                        <a:solidFill>
-                          <a:srgbClr val="000000"/>
-                        </a:solidFill>
-                        <a:uFill>
-                          <a:solidFill>
-                            <a:srgbClr val="ffffff"/>
-                          </a:solidFill>
-                        </a:uFill>
-                        <a:latin typeface="Arial"/>
-                      </a:endParaRPr>
+                      <a:endParaRPr/>
                     </a:p>
                     <a:p>
                       <a:pPr>
@@ -6021,30 +4176,15 @@
                         </a:lnSpc>
                       </a:pPr>
                       <a:r>
-                        <a:rPr lang="en-US" sz="1500" spc="-1" strike="noStrike">
+                        <a:rPr lang="fr-FR" sz="1500">
                           <a:solidFill>
                             <a:srgbClr val="000000"/>
                           </a:solidFill>
-                          <a:uFill>
-                            <a:solidFill>
-                              <a:srgbClr val="ffffff"/>
-                            </a:solidFill>
-                          </a:uFill>
                           <a:latin typeface="Calibri"/>
                         </a:rPr>
                         <a:t>DELETE</a:t>
                       </a:r>
-                      <a:endParaRPr lang="en-US" sz="1800" spc="-1" strike="noStrike">
-                        <a:solidFill>
-                          <a:srgbClr val="000000"/>
-                        </a:solidFill>
-                        <a:uFill>
-                          <a:solidFill>
-                            <a:srgbClr val="ffffff"/>
-                          </a:solidFill>
-                        </a:uFill>
-                        <a:latin typeface="Arial"/>
-                      </a:endParaRPr>
+                      <a:endParaRPr/>
                     </a:p>
                     <a:p>
                       <a:pPr>
@@ -6053,71 +4193,27 @@
                         </a:lnSpc>
                       </a:pPr>
                       <a:r>
-                        <a:rPr lang="en-US" sz="1500" spc="-1" strike="noStrike">
+                        <a:rPr lang="fr-FR" sz="1500">
                           <a:solidFill>
                             <a:srgbClr val="000000"/>
                           </a:solidFill>
-                          <a:uFill>
-                            <a:solidFill>
-                              <a:srgbClr val="ffffff"/>
-                            </a:solidFill>
-                          </a:uFill>
                           <a:latin typeface="Calibri"/>
                         </a:rPr>
                         <a:t>	</a:t>
                       </a:r>
                       <a:r>
-                        <a:rPr lang="en-US" sz="1500" spc="-1" strike="noStrike">
+                        <a:rPr lang="fr-FR" sz="1500">
                           <a:solidFill>
                             <a:srgbClr val="000000"/>
                           </a:solidFill>
-                          <a:uFill>
-                            <a:solidFill>
-                              <a:srgbClr val="ffffff"/>
-                            </a:solidFill>
-                          </a:uFill>
                           <a:latin typeface="Calibri"/>
                         </a:rPr>
                         <a:t>	</a:t>
                       </a:r>
-                      <a:endParaRPr lang="en-US" sz="1800" spc="-1" strike="noStrike">
-                        <a:solidFill>
-                          <a:srgbClr val="000000"/>
-                        </a:solidFill>
-                        <a:uFill>
-                          <a:solidFill>
-                            <a:srgbClr val="ffffff"/>
-                          </a:solidFill>
-                        </a:uFill>
-                        <a:latin typeface="Arial"/>
-                      </a:endParaRPr>
+                      <a:endParaRPr/>
                     </a:p>
                   </a:txBody>
-                  <a:tcPr marL="91080" marR="91080">
-                    <a:lnL w="9360">
-                      <a:solidFill>
-                        <a:srgbClr val="000000"/>
-                      </a:solidFill>
-                    </a:lnL>
-                    <a:lnR w="9360">
-                      <a:solidFill>
-                        <a:srgbClr val="000000"/>
-                      </a:solidFill>
-                    </a:lnR>
-                    <a:lnT w="9360">
-                      <a:solidFill>
-                        <a:srgbClr val="000000"/>
-                      </a:solidFill>
-                    </a:lnT>
-                    <a:lnB w="9360">
-                      <a:solidFill>
-                        <a:srgbClr val="000000"/>
-                      </a:solidFill>
-                    </a:lnB>
-                    <a:solidFill>
-                      <a:srgbClr val="ffe599"/>
-                    </a:solidFill>
-                  </a:tcPr>
+                  <a:tcPr/>
                 </a:tc>
                 <a:tc>
                   <a:txBody>
@@ -6129,58 +4225,33 @@
                         </a:lnSpc>
                       </a:pPr>
                       <a:r>
-                        <a:rPr lang="en-US" sz="1500" spc="-1" strike="noStrike">
+                        <a:rPr lang="fr-FR" sz="1500">
                           <a:solidFill>
                             <a:srgbClr val="000000"/>
                           </a:solidFill>
-                          <a:uFill>
-                            <a:solidFill>
-                              <a:srgbClr val="ffffff"/>
-                            </a:solidFill>
-                          </a:uFill>
                           <a:latin typeface="Calibri"/>
                         </a:rPr>
                         <a:t>	</a:t>
                       </a:r>
                       <a:r>
-                        <a:rPr lang="en-US" sz="1500" spc="-1" strike="noStrike">
+                        <a:rPr lang="fr-FR" sz="1500">
                           <a:solidFill>
                             <a:srgbClr val="000000"/>
                           </a:solidFill>
-                          <a:uFill>
-                            <a:solidFill>
-                              <a:srgbClr val="ffffff"/>
-                            </a:solidFill>
-                          </a:uFill>
                           <a:latin typeface="Calibri"/>
                         </a:rPr>
                         <a:t>	</a:t>
                       </a:r>
                       <a:r>
-                        <a:rPr lang="en-US" sz="1500" spc="-1" strike="noStrike">
+                        <a:rPr lang="fr-FR" sz="1500">
                           <a:solidFill>
                             <a:srgbClr val="000000"/>
                           </a:solidFill>
-                          <a:uFill>
-                            <a:solidFill>
-                              <a:srgbClr val="ffffff"/>
-                            </a:solidFill>
-                          </a:uFill>
                           <a:latin typeface="Calibri"/>
                         </a:rPr>
                         <a:t>	</a:t>
                       </a:r>
-                      <a:endParaRPr lang="en-US" sz="1800" spc="-1" strike="noStrike">
-                        <a:solidFill>
-                          <a:srgbClr val="000000"/>
-                        </a:solidFill>
-                        <a:uFill>
-                          <a:solidFill>
-                            <a:srgbClr val="ffffff"/>
-                          </a:solidFill>
-                        </a:uFill>
-                        <a:latin typeface="Arial"/>
-                      </a:endParaRPr>
+                      <a:endParaRPr/>
                     </a:p>
                     <a:p>
                       <a:pPr>
@@ -6189,30 +4260,15 @@
                         </a:lnSpc>
                       </a:pPr>
                       <a:r>
-                        <a:rPr lang="en-US" sz="1500" spc="-1" strike="noStrike">
+                        <a:rPr lang="fr-FR" sz="1500">
                           <a:solidFill>
                             <a:srgbClr val="000000"/>
                           </a:solidFill>
-                          <a:uFill>
-                            <a:solidFill>
-                              <a:srgbClr val="ffffff"/>
-                            </a:solidFill>
-                          </a:uFill>
                           <a:latin typeface="Calibri"/>
                         </a:rPr>
                         <a:t>/member / {id}</a:t>
                       </a:r>
-                      <a:endParaRPr lang="en-US" sz="1800" spc="-1" strike="noStrike">
-                        <a:solidFill>
-                          <a:srgbClr val="000000"/>
-                        </a:solidFill>
-                        <a:uFill>
-                          <a:solidFill>
-                            <a:srgbClr val="ffffff"/>
-                          </a:solidFill>
-                        </a:uFill>
-                        <a:latin typeface="Arial"/>
-                      </a:endParaRPr>
+                      <a:endParaRPr/>
                     </a:p>
                     <a:p>
                       <a:pPr>
@@ -6221,71 +4277,27 @@
                         </a:lnSpc>
                       </a:pPr>
                       <a:r>
-                        <a:rPr lang="en-US" sz="1500" spc="-1" strike="noStrike">
+                        <a:rPr lang="fr-FR" sz="1500">
                           <a:solidFill>
                             <a:srgbClr val="000000"/>
                           </a:solidFill>
-                          <a:uFill>
-                            <a:solidFill>
-                              <a:srgbClr val="ffffff"/>
-                            </a:solidFill>
-                          </a:uFill>
                           <a:latin typeface="Calibri"/>
                         </a:rPr>
                         <a:t>	</a:t>
                       </a:r>
                       <a:r>
-                        <a:rPr lang="en-US" sz="1500" spc="-1" strike="noStrike">
+                        <a:rPr lang="fr-FR" sz="1500">
                           <a:solidFill>
                             <a:srgbClr val="000000"/>
                           </a:solidFill>
-                          <a:uFill>
-                            <a:solidFill>
-                              <a:srgbClr val="ffffff"/>
-                            </a:solidFill>
-                          </a:uFill>
                           <a:latin typeface="Calibri"/>
                         </a:rPr>
                         <a:t>	</a:t>
                       </a:r>
-                      <a:endParaRPr lang="en-US" sz="1800" spc="-1" strike="noStrike">
-                        <a:solidFill>
-                          <a:srgbClr val="000000"/>
-                        </a:solidFill>
-                        <a:uFill>
-                          <a:solidFill>
-                            <a:srgbClr val="ffffff"/>
-                          </a:solidFill>
-                        </a:uFill>
-                        <a:latin typeface="Arial"/>
-                      </a:endParaRPr>
+                      <a:endParaRPr/>
                     </a:p>
                   </a:txBody>
-                  <a:tcPr marL="91080" marR="91080">
-                    <a:lnL w="9360">
-                      <a:solidFill>
-                        <a:srgbClr val="000000"/>
-                      </a:solidFill>
-                    </a:lnL>
-                    <a:lnR w="9360">
-                      <a:solidFill>
-                        <a:srgbClr val="000000"/>
-                      </a:solidFill>
-                    </a:lnR>
-                    <a:lnT w="9360">
-                      <a:solidFill>
-                        <a:srgbClr val="000000"/>
-                      </a:solidFill>
-                    </a:lnT>
-                    <a:lnB w="9360">
-                      <a:solidFill>
-                        <a:srgbClr val="000000"/>
-                      </a:solidFill>
-                    </a:lnB>
-                    <a:solidFill>
-                      <a:srgbClr val="ffe599"/>
-                    </a:solidFill>
-                  </a:tcPr>
+                  <a:tcPr/>
                 </a:tc>
                 <a:tc>
                   <a:txBody>
@@ -6297,58 +4309,33 @@
                         </a:lnSpc>
                       </a:pPr>
                       <a:r>
-                        <a:rPr lang="en-US" sz="1500" spc="-1" strike="noStrike">
+                        <a:rPr lang="fr-FR" sz="1500">
                           <a:solidFill>
                             <a:srgbClr val="000000"/>
                           </a:solidFill>
-                          <a:uFill>
-                            <a:solidFill>
-                              <a:srgbClr val="ffffff"/>
-                            </a:solidFill>
-                          </a:uFill>
                           <a:latin typeface="Calibri"/>
                         </a:rPr>
                         <a:t>	</a:t>
                       </a:r>
                       <a:r>
-                        <a:rPr lang="en-US" sz="1500" spc="-1" strike="noStrike">
+                        <a:rPr lang="fr-FR" sz="1500">
                           <a:solidFill>
                             <a:srgbClr val="000000"/>
                           </a:solidFill>
-                          <a:uFill>
-                            <a:solidFill>
-                              <a:srgbClr val="ffffff"/>
-                            </a:solidFill>
-                          </a:uFill>
                           <a:latin typeface="Calibri"/>
                         </a:rPr>
                         <a:t>	</a:t>
                       </a:r>
                       <a:r>
-                        <a:rPr lang="en-US" sz="1500" spc="-1" strike="noStrike">
+                        <a:rPr lang="fr-FR" sz="1500">
                           <a:solidFill>
                             <a:srgbClr val="000000"/>
                           </a:solidFill>
-                          <a:uFill>
-                            <a:solidFill>
-                              <a:srgbClr val="ffffff"/>
-                            </a:solidFill>
-                          </a:uFill>
                           <a:latin typeface="Calibri"/>
                         </a:rPr>
                         <a:t>	</a:t>
                       </a:r>
-                      <a:endParaRPr lang="en-US" sz="1800" spc="-1" strike="noStrike">
-                        <a:solidFill>
-                          <a:srgbClr val="000000"/>
-                        </a:solidFill>
-                        <a:uFill>
-                          <a:solidFill>
-                            <a:srgbClr val="ffffff"/>
-                          </a:solidFill>
-                        </a:uFill>
-                        <a:latin typeface="Arial"/>
-                      </a:endParaRPr>
+                      <a:endParaRPr/>
                     </a:p>
                     <a:p>
                       <a:pPr>
@@ -6357,30 +4344,15 @@
                         </a:lnSpc>
                       </a:pPr>
                       <a:r>
-                        <a:rPr lang="en-US" sz="1500" spc="-1" strike="noStrike">
+                        <a:rPr lang="fr-FR" sz="1500">
                           <a:solidFill>
                             <a:srgbClr val="000000"/>
                           </a:solidFill>
-                          <a:uFill>
-                            <a:solidFill>
-                              <a:srgbClr val="ffffff"/>
-                            </a:solidFill>
-                          </a:uFill>
                           <a:latin typeface="Calibri"/>
                         </a:rPr>
                         <a:t>DELETE a member</a:t>
                       </a:r>
-                      <a:endParaRPr lang="en-US" sz="1800" spc="-1" strike="noStrike">
-                        <a:solidFill>
-                          <a:srgbClr val="000000"/>
-                        </a:solidFill>
-                        <a:uFill>
-                          <a:solidFill>
-                            <a:srgbClr val="ffffff"/>
-                          </a:solidFill>
-                        </a:uFill>
-                        <a:latin typeface="Arial"/>
-                      </a:endParaRPr>
+                      <a:endParaRPr/>
                     </a:p>
                     <a:p>
                       <a:pPr>
@@ -6389,71 +4361,27 @@
                         </a:lnSpc>
                       </a:pPr>
                       <a:r>
-                        <a:rPr lang="en-US" sz="1500" spc="-1" strike="noStrike">
+                        <a:rPr lang="fr-FR" sz="1500">
                           <a:solidFill>
                             <a:srgbClr val="000000"/>
                           </a:solidFill>
-                          <a:uFill>
-                            <a:solidFill>
-                              <a:srgbClr val="ffffff"/>
-                            </a:solidFill>
-                          </a:uFill>
                           <a:latin typeface="Calibri"/>
                         </a:rPr>
                         <a:t>	</a:t>
                       </a:r>
                       <a:r>
-                        <a:rPr lang="en-US" sz="1500" spc="-1" strike="noStrike">
+                        <a:rPr lang="fr-FR" sz="1500">
                           <a:solidFill>
                             <a:srgbClr val="000000"/>
                           </a:solidFill>
-                          <a:uFill>
-                            <a:solidFill>
-                              <a:srgbClr val="ffffff"/>
-                            </a:solidFill>
-                          </a:uFill>
                           <a:latin typeface="Calibri"/>
                         </a:rPr>
                         <a:t>	</a:t>
                       </a:r>
-                      <a:endParaRPr lang="en-US" sz="1800" spc="-1" strike="noStrike">
-                        <a:solidFill>
-                          <a:srgbClr val="000000"/>
-                        </a:solidFill>
-                        <a:uFill>
-                          <a:solidFill>
-                            <a:srgbClr val="ffffff"/>
-                          </a:solidFill>
-                        </a:uFill>
-                        <a:latin typeface="Arial"/>
-                      </a:endParaRPr>
+                      <a:endParaRPr/>
                     </a:p>
                   </a:txBody>
-                  <a:tcPr marL="91080" marR="91080">
-                    <a:lnL w="9360">
-                      <a:solidFill>
-                        <a:srgbClr val="000000"/>
-                      </a:solidFill>
-                    </a:lnL>
-                    <a:lnR w="9360">
-                      <a:solidFill>
-                        <a:srgbClr val="000000"/>
-                      </a:solidFill>
-                    </a:lnR>
-                    <a:lnT w="9360">
-                      <a:solidFill>
-                        <a:srgbClr val="000000"/>
-                      </a:solidFill>
-                    </a:lnT>
-                    <a:lnB w="9360">
-                      <a:solidFill>
-                        <a:srgbClr val="000000"/>
-                      </a:solidFill>
-                    </a:lnB>
-                    <a:solidFill>
-                      <a:srgbClr val="ffe599"/>
-                    </a:solidFill>
-                  </a:tcPr>
+                  <a:tcPr/>
                 </a:tc>
               </a:tr>
             </a:tbl>
@@ -6511,14 +4439,14 @@
       </p:grpSpPr>
       <p:sp>
         <p:nvSpPr>
-          <p:cNvPr id="120" name="CustomShape 1"/>
+          <p:cNvPr id="119" name="CustomShape 1"/>
           <p:cNvSpPr/>
           <p:nvPr/>
         </p:nvSpPr>
         <p:spPr>
           <a:xfrm>
             <a:off x="457200" y="1714320"/>
-            <a:ext cx="8227440" cy="4409640"/>
+            <a:ext cx="8227080" cy="4409280"/>
           </a:xfrm>
           <a:prstGeom prst="rect">
             <a:avLst/>
@@ -6528,23 +4456,17 @@
             <a:noFill/>
           </a:ln>
         </p:spPr>
-        <p:style>
-          <a:lnRef idx="0"/>
-          <a:fillRef idx="0"/>
-          <a:effectRef idx="0"/>
-          <a:fontRef idx="minor"/>
-        </p:style>
-      </p:sp>
-      <p:sp>
-        <p:nvSpPr>
-          <p:cNvPr id="121" name="CustomShape 2"/>
+      </p:sp>
+      <p:sp>
+        <p:nvSpPr>
+          <p:cNvPr id="120" name="CustomShape 2"/>
           <p:cNvSpPr/>
           <p:nvPr/>
         </p:nvSpPr>
         <p:spPr>
           <a:xfrm>
             <a:off x="0" y="6572160"/>
-            <a:ext cx="783720" cy="283680"/>
+            <a:ext cx="783360" cy="283320"/>
           </a:xfrm>
           <a:prstGeom prst="rect">
             <a:avLst/>
@@ -6555,35 +4477,24 @@
               <a:fillRect/>
             </a:stretch>
           </a:blipFill>
-          <a:ln>
+          <a:ln w="25560">
+            <a:solidFill>
+              <a:srgbClr val="3a5f8b"/>
+            </a:solidFill>
             <a:round/>
           </a:ln>
         </p:spPr>
-        <p:style>
-          <a:lnRef idx="2">
-            <a:schemeClr val="accent1">
-              <a:shade val="50000"/>
-            </a:schemeClr>
-          </a:lnRef>
-          <a:fillRef idx="1">
-            <a:schemeClr val="accent1"/>
-          </a:fillRef>
-          <a:effectRef idx="0">
-            <a:schemeClr val="accent1"/>
-          </a:effectRef>
-          <a:fontRef idx="minor"/>
-        </p:style>
-      </p:sp>
-      <p:sp>
-        <p:nvSpPr>
-          <p:cNvPr id="122" name="CustomShape 3"/>
+      </p:sp>
+      <p:sp>
+        <p:nvSpPr>
+          <p:cNvPr id="121" name="CustomShape 3"/>
           <p:cNvSpPr/>
           <p:nvPr/>
         </p:nvSpPr>
         <p:spPr>
           <a:xfrm>
             <a:off x="428760" y="642960"/>
-            <a:ext cx="8255880" cy="783720"/>
+            <a:ext cx="8255520" cy="783360"/>
           </a:xfrm>
           <a:prstGeom prst="rect">
             <a:avLst/>
@@ -6593,63 +4504,44 @@
             <a:noFill/>
           </a:ln>
         </p:spPr>
-        <p:style>
-          <a:lnRef idx="0"/>
-          <a:fillRef idx="0"/>
-          <a:effectRef idx="0"/>
-          <a:fontRef idx="minor"/>
-        </p:style>
         <p:txBody>
           <a:bodyPr lIns="90000" rIns="90000" tIns="45000" bIns="45000" anchor="ctr"/>
           <a:p>
-            <a:pPr marL="571680" indent="-569520">
-              <a:lnSpc>
-                <a:spcPct val="100000"/>
-              </a:lnSpc>
-            </a:pPr>
-            <a:r>
-              <a:rPr lang="en-US" sz="3200" spc="-1" strike="noStrike">
+            <a:pPr>
+              <a:lnSpc>
+                <a:spcPct val="100000"/>
+              </a:lnSpc>
+            </a:pPr>
+            <a:r>
+              <a:rPr lang="fr-FR" sz="3200">
                 <a:solidFill>
                   <a:srgbClr val="000000"/>
                 </a:solidFill>
-                <a:uFill>
-                  <a:solidFill>
-                    <a:srgbClr val="ffffff"/>
-                  </a:solidFill>
-                </a:uFill>
                 <a:latin typeface="Calibri"/>
                 <a:ea typeface="DejaVu Sans"/>
               </a:rPr>
               <a:t>Web-based Git repository</a:t>
             </a:r>
-            <a:endParaRPr lang="en-US" sz="1800" spc="-1" strike="noStrike">
-              <a:solidFill>
-                <a:srgbClr val="000000"/>
-              </a:solidFill>
-              <a:uFill>
-                <a:solidFill>
-                  <a:srgbClr val="ffffff"/>
-                </a:solidFill>
-              </a:uFill>
-              <a:latin typeface="Arial"/>
-            </a:endParaRPr>
+            <a:endParaRPr/>
           </a:p>
         </p:txBody>
       </p:sp>
       <p:pic>
         <p:nvPicPr>
-          <p:cNvPr id="123" name="" descr=""/>
+          <p:cNvPr id="122" name="" descr=""/>
           <p:cNvPicPr/>
           <p:nvPr/>
         </p:nvPicPr>
         <p:blipFill>
           <a:blip r:embed="rId2"/>
-          <a:stretch/>
+          <a:stretch>
+            <a:fillRect/>
+          </a:stretch>
         </p:blipFill>
         <p:spPr>
           <a:xfrm>
             <a:off x="2377440" y="2652120"/>
-            <a:ext cx="4388400" cy="2925000"/>
+            <a:ext cx="4388040" cy="2924640"/>
           </a:xfrm>
           <a:prstGeom prst="rect">
             <a:avLst/>
@@ -6661,14 +4553,14 @@
       </p:pic>
       <p:sp>
         <p:nvSpPr>
-          <p:cNvPr id="124" name="CustomShape 4"/>
+          <p:cNvPr id="123" name="CustomShape 4"/>
           <p:cNvSpPr/>
           <p:nvPr/>
         </p:nvSpPr>
         <p:spPr>
           <a:xfrm>
             <a:off x="3583440" y="2122560"/>
-            <a:ext cx="1993680" cy="345600"/>
+            <a:ext cx="1993320" cy="345240"/>
           </a:xfrm>
           <a:prstGeom prst="rect">
             <a:avLst/>
@@ -6678,54 +4570,33 @@
             <a:noFill/>
           </a:ln>
         </p:spPr>
-        <p:style>
-          <a:lnRef idx="0"/>
-          <a:fillRef idx="0"/>
-          <a:effectRef idx="0"/>
-          <a:fontRef idx="minor"/>
-        </p:style>
         <p:txBody>
           <a:bodyPr lIns="90000" rIns="90000" tIns="45000" bIns="45000"/>
           <a:p>
             <a:r>
-              <a:rPr lang="en-US" sz="1800" spc="-1" strike="noStrike">
+              <a:rPr lang="fr-FR">
                 <a:solidFill>
                   <a:srgbClr val="000000"/>
                 </a:solidFill>
-                <a:uFill>
-                  <a:solidFill>
-                    <a:srgbClr val="ffffff"/>
-                  </a:solidFill>
-                </a:uFill>
                 <a:latin typeface="Arial"/>
                 <a:ea typeface="DejaVu Sans"/>
               </a:rPr>
               <a:t>Join us on GitHub</a:t>
             </a:r>
-            <a:endParaRPr lang="en-US" sz="1800" spc="-1" strike="noStrike">
-              <a:solidFill>
-                <a:srgbClr val="000000"/>
-              </a:solidFill>
-              <a:uFill>
-                <a:solidFill>
-                  <a:srgbClr val="ffffff"/>
-                </a:solidFill>
-              </a:uFill>
-              <a:latin typeface="Arial"/>
-            </a:endParaRPr>
-          </a:p>
-        </p:txBody>
-      </p:sp>
-      <p:sp>
-        <p:nvSpPr>
-          <p:cNvPr id="125" name="CustomShape 5"/>
+            <a:endParaRPr/>
+          </a:p>
+        </p:txBody>
+      </p:sp>
+      <p:sp>
+        <p:nvSpPr>
+          <p:cNvPr id="124" name="CustomShape 5"/>
           <p:cNvSpPr/>
           <p:nvPr/>
         </p:nvSpPr>
         <p:spPr>
           <a:xfrm>
             <a:off x="2651760" y="5760720"/>
-            <a:ext cx="3820680" cy="345600"/>
+            <a:ext cx="3820320" cy="345240"/>
           </a:xfrm>
           <a:prstGeom prst="rect">
             <a:avLst/>
@@ -6735,41 +4606,20 @@
             <a:noFill/>
           </a:ln>
         </p:spPr>
-        <p:style>
-          <a:lnRef idx="0"/>
-          <a:fillRef idx="0"/>
-          <a:effectRef idx="0"/>
-          <a:fontRef idx="minor"/>
-        </p:style>
         <p:txBody>
           <a:bodyPr lIns="90000" rIns="90000" tIns="45000" bIns="45000"/>
           <a:p>
             <a:r>
-              <a:rPr lang="en-US" sz="1800" spc="-1" strike="noStrike">
+              <a:rPr lang="fr-FR">
                 <a:solidFill>
                   <a:srgbClr val="000000"/>
                 </a:solidFill>
-                <a:uFill>
-                  <a:solidFill>
-                    <a:srgbClr val="ffffff"/>
-                  </a:solidFill>
-                </a:uFill>
                 <a:latin typeface="Arial"/>
                 <a:ea typeface="DejaVu Sans"/>
               </a:rPr>
               <a:t>https://github.com/Medatik/Preplane</a:t>
             </a:r>
-            <a:endParaRPr lang="en-US" sz="1800" spc="-1" strike="noStrike">
-              <a:solidFill>
-                <a:srgbClr val="000000"/>
-              </a:solidFill>
-              <a:uFill>
-                <a:solidFill>
-                  <a:srgbClr val="ffffff"/>
-                </a:solidFill>
-              </a:uFill>
-              <a:latin typeface="Arial"/>
-            </a:endParaRPr>
+            <a:endParaRPr/>
           </a:p>
         </p:txBody>
       </p:sp>
@@ -6831,7 +4681,7 @@
         <p:spPr>
           <a:xfrm>
             <a:off x="457200" y="274680"/>
-            <a:ext cx="8227440" cy="1140840"/>
+            <a:ext cx="8227080" cy="1140480"/>
           </a:xfrm>
           <a:prstGeom prst="rect">
             <a:avLst/>
@@ -6841,12 +4691,6 @@
             <a:noFill/>
           </a:ln>
         </p:spPr>
-        <p:style>
-          <a:lnRef idx="0"/>
-          <a:fillRef idx="0"/>
-          <a:effectRef idx="0"/>
-          <a:fontRef idx="minor"/>
-        </p:style>
         <p:txBody>
           <a:bodyPr lIns="90000" rIns="90000" tIns="45000" bIns="45000" anchor="ctr"/>
           <a:p>
@@ -6856,31 +4700,16 @@
               </a:lnSpc>
             </a:pPr>
             <a:r>
-              <a:rPr lang="en-US" sz="4400" spc="-1" strike="noStrike">
+              <a:rPr lang="fr-FR" sz="4400">
                 <a:solidFill>
                   <a:srgbClr val="000000"/>
                 </a:solidFill>
-                <a:uFill>
-                  <a:solidFill>
-                    <a:srgbClr val="ffffff"/>
-                  </a:solidFill>
-                </a:uFill>
                 <a:latin typeface="Arial"/>
                 <a:ea typeface="DejaVu Sans"/>
               </a:rPr>
               <a:t>Introduction</a:t>
             </a:r>
-            <a:endParaRPr lang="en-US" sz="1800" spc="-1" strike="noStrike">
-              <a:solidFill>
-                <a:srgbClr val="000000"/>
-              </a:solidFill>
-              <a:uFill>
-                <a:solidFill>
-                  <a:srgbClr val="ffffff"/>
-                </a:solidFill>
-              </a:uFill>
-              <a:latin typeface="Arial"/>
-            </a:endParaRPr>
+            <a:endParaRPr/>
           </a:p>
         </p:txBody>
       </p:sp>
@@ -6893,7 +4722,7 @@
         <p:spPr>
           <a:xfrm>
             <a:off x="457200" y="1600200"/>
-            <a:ext cx="8227440" cy="4523760"/>
+            <a:ext cx="8227080" cy="4523400"/>
           </a:xfrm>
           <a:prstGeom prst="rect">
             <a:avLst/>
@@ -6903,256 +4732,125 @@
             <a:noFill/>
           </a:ln>
         </p:spPr>
-        <p:style>
-          <a:lnRef idx="0"/>
-          <a:fillRef idx="0"/>
-          <a:effectRef idx="0"/>
-          <a:fontRef idx="minor"/>
-        </p:style>
         <p:txBody>
           <a:bodyPr lIns="90000" rIns="90000" tIns="45000" bIns="45000"/>
           <a:p>
-            <a:pPr marL="343080" indent="-340920">
-              <a:lnSpc>
-                <a:spcPct val="100000"/>
-              </a:lnSpc>
-            </a:pPr>
-            <a:endParaRPr lang="en-US" sz="1800" spc="-1" strike="noStrike">
-              <a:solidFill>
-                <a:srgbClr val="000000"/>
-              </a:solidFill>
-              <a:uFill>
-                <a:solidFill>
-                  <a:srgbClr val="ffffff"/>
-                </a:solidFill>
-              </a:uFill>
-              <a:latin typeface="Arial"/>
-            </a:endParaRPr>
-          </a:p>
-          <a:p>
-            <a:pPr marL="343080" indent="-340920">
-              <a:lnSpc>
-                <a:spcPct val="100000"/>
-              </a:lnSpc>
-            </a:pPr>
-            <a:endParaRPr lang="en-US" sz="1800" spc="-1" strike="noStrike">
-              <a:solidFill>
-                <a:srgbClr val="000000"/>
-              </a:solidFill>
-              <a:uFill>
-                <a:solidFill>
-                  <a:srgbClr val="ffffff"/>
-                </a:solidFill>
-              </a:uFill>
-              <a:latin typeface="Arial"/>
-            </a:endParaRPr>
-          </a:p>
-          <a:p>
-            <a:pPr marL="343080" indent="-340920">
-              <a:lnSpc>
-                <a:spcPct val="100000"/>
-              </a:lnSpc>
-            </a:pPr>
-            <a:endParaRPr lang="en-US" sz="1800" spc="-1" strike="noStrike">
-              <a:solidFill>
-                <a:srgbClr val="000000"/>
-              </a:solidFill>
-              <a:uFill>
-                <a:solidFill>
-                  <a:srgbClr val="ffffff"/>
-                </a:solidFill>
-              </a:uFill>
-              <a:latin typeface="Arial"/>
-            </a:endParaRPr>
-          </a:p>
-          <a:p>
-            <a:pPr marL="343080" indent="-340920">
-              <a:lnSpc>
-                <a:spcPct val="100000"/>
-              </a:lnSpc>
-            </a:pPr>
-            <a:endParaRPr lang="en-US" sz="1800" spc="-1" strike="noStrike">
-              <a:solidFill>
-                <a:srgbClr val="000000"/>
-              </a:solidFill>
-              <a:uFill>
-                <a:solidFill>
-                  <a:srgbClr val="ffffff"/>
-                </a:solidFill>
-              </a:uFill>
-              <a:latin typeface="Arial"/>
-            </a:endParaRPr>
-          </a:p>
-          <a:p>
-            <a:pPr marL="343080" indent="-340920" algn="ctr">
-              <a:lnSpc>
-                <a:spcPct val="100000"/>
-              </a:lnSpc>
-            </a:pPr>
-            <a:endParaRPr lang="en-US" sz="1800" spc="-1" strike="noStrike">
-              <a:solidFill>
-                <a:srgbClr val="000000"/>
-              </a:solidFill>
-              <a:uFill>
-                <a:solidFill>
-                  <a:srgbClr val="ffffff"/>
-                </a:solidFill>
-              </a:uFill>
-              <a:latin typeface="Arial"/>
-            </a:endParaRPr>
-          </a:p>
-          <a:p>
-            <a:pPr marL="343080" indent="-340920" algn="ctr">
-              <a:lnSpc>
-                <a:spcPct val="100000"/>
-              </a:lnSpc>
-            </a:pPr>
-            <a:r>
-              <a:rPr b="1" lang="en-US" sz="1500" spc="-1" strike="noStrike">
+            <a:pPr>
+              <a:lnSpc>
+                <a:spcPct val="100000"/>
+              </a:lnSpc>
+            </a:pPr>
+            <a:endParaRPr/>
+          </a:p>
+          <a:p>
+            <a:pPr>
+              <a:lnSpc>
+                <a:spcPct val="100000"/>
+              </a:lnSpc>
+            </a:pPr>
+            <a:endParaRPr/>
+          </a:p>
+          <a:p>
+            <a:pPr>
+              <a:lnSpc>
+                <a:spcPct val="100000"/>
+              </a:lnSpc>
+            </a:pPr>
+            <a:endParaRPr/>
+          </a:p>
+          <a:p>
+            <a:pPr>
+              <a:lnSpc>
+                <a:spcPct val="100000"/>
+              </a:lnSpc>
+            </a:pPr>
+            <a:endParaRPr/>
+          </a:p>
+          <a:p>
+            <a:pPr algn="ctr">
+              <a:lnSpc>
+                <a:spcPct val="100000"/>
+              </a:lnSpc>
+            </a:pPr>
+            <a:endParaRPr/>
+          </a:p>
+          <a:p>
+            <a:pPr algn="ctr">
+              <a:lnSpc>
+                <a:spcPct val="100000"/>
+              </a:lnSpc>
+            </a:pPr>
+            <a:r>
+              <a:rPr b="1" lang="fr-FR" sz="1500">
                 <a:solidFill>
                   <a:srgbClr val="000000"/>
                 </a:solidFill>
-                <a:uFill>
-                  <a:solidFill>
-                    <a:srgbClr val="ffffff"/>
-                  </a:solidFill>
-                </a:uFill>
                 <a:latin typeface="Calibri"/>
                 <a:ea typeface="DejaVu Sans"/>
               </a:rPr>
               <a:t>In this following presentation, we are going to show you the procedure we attend to answer to your different questions during the course “ Génie logiciel avancée “.</a:t>
             </a:r>
-            <a:endParaRPr lang="en-US" sz="1800" spc="-1" strike="noStrike">
-              <a:solidFill>
-                <a:srgbClr val="000000"/>
-              </a:solidFill>
-              <a:uFill>
-                <a:solidFill>
-                  <a:srgbClr val="ffffff"/>
-                </a:solidFill>
-              </a:uFill>
-              <a:latin typeface="Arial"/>
-            </a:endParaRPr>
-          </a:p>
-          <a:p>
-            <a:pPr marL="343080" indent="-340920" algn="ctr">
-              <a:lnSpc>
-                <a:spcPct val="100000"/>
-              </a:lnSpc>
-            </a:pPr>
-            <a:endParaRPr lang="en-US" sz="1800" spc="-1" strike="noStrike">
-              <a:solidFill>
-                <a:srgbClr val="000000"/>
-              </a:solidFill>
-              <a:uFill>
-                <a:solidFill>
-                  <a:srgbClr val="ffffff"/>
-                </a:solidFill>
-              </a:uFill>
-              <a:latin typeface="Arial"/>
-            </a:endParaRPr>
-          </a:p>
-          <a:p>
-            <a:pPr marL="343080" indent="-340920" algn="ctr">
-              <a:lnSpc>
-                <a:spcPct val="100000"/>
-              </a:lnSpc>
-            </a:pPr>
-            <a:r>
-              <a:rPr b="1" lang="en-US" sz="1500" spc="-1" strike="noStrike">
+            <a:endParaRPr/>
+          </a:p>
+          <a:p>
+            <a:pPr algn="ctr">
+              <a:lnSpc>
+                <a:spcPct val="100000"/>
+              </a:lnSpc>
+            </a:pPr>
+            <a:endParaRPr/>
+          </a:p>
+          <a:p>
+            <a:pPr algn="ctr">
+              <a:lnSpc>
+                <a:spcPct val="100000"/>
+              </a:lnSpc>
+            </a:pPr>
+            <a:r>
+              <a:rPr b="1" lang="fr-FR" sz="1500">
                 <a:solidFill>
                   <a:srgbClr val="000000"/>
                 </a:solidFill>
-                <a:uFill>
-                  <a:solidFill>
-                    <a:srgbClr val="ffffff"/>
-                  </a:solidFill>
-                </a:uFill>
                 <a:latin typeface="Calibri"/>
                 <a:ea typeface="DejaVu Sans"/>
               </a:rPr>
               <a:t>This presentation shows the different steps that we followed to realize the project named “ Flight Planning System “ from the beginning to the end.</a:t>
             </a:r>
-            <a:endParaRPr lang="en-US" sz="1800" spc="-1" strike="noStrike">
-              <a:solidFill>
-                <a:srgbClr val="000000"/>
-              </a:solidFill>
-              <a:uFill>
-                <a:solidFill>
-                  <a:srgbClr val="ffffff"/>
-                </a:solidFill>
-              </a:uFill>
-              <a:latin typeface="Arial"/>
-            </a:endParaRPr>
-          </a:p>
-          <a:p>
-            <a:pPr marL="343080" indent="-340920" algn="ctr">
-              <a:lnSpc>
-                <a:spcPct val="100000"/>
-              </a:lnSpc>
-            </a:pPr>
-            <a:endParaRPr lang="en-US" sz="1800" spc="-1" strike="noStrike">
-              <a:solidFill>
-                <a:srgbClr val="000000"/>
-              </a:solidFill>
-              <a:uFill>
-                <a:solidFill>
-                  <a:srgbClr val="ffffff"/>
-                </a:solidFill>
-              </a:uFill>
-              <a:latin typeface="Arial"/>
-            </a:endParaRPr>
-          </a:p>
-          <a:p>
-            <a:pPr marL="343080" indent="-340920" algn="ctr">
-              <a:lnSpc>
-                <a:spcPct val="100000"/>
-              </a:lnSpc>
-            </a:pPr>
-            <a:r>
-              <a:rPr b="1" lang="en-US" sz="1500" spc="-1" strike="noStrike">
+            <a:endParaRPr/>
+          </a:p>
+          <a:p>
+            <a:pPr algn="ctr">
+              <a:lnSpc>
+                <a:spcPct val="100000"/>
+              </a:lnSpc>
+            </a:pPr>
+            <a:endParaRPr/>
+          </a:p>
+          <a:p>
+            <a:pPr algn="ctr">
+              <a:lnSpc>
+                <a:spcPct val="100000"/>
+              </a:lnSpc>
+            </a:pPr>
+            <a:r>
+              <a:rPr b="1" lang="fr-FR" sz="1500">
                 <a:solidFill>
                   <a:srgbClr val="000000"/>
                 </a:solidFill>
-                <a:uFill>
-                  <a:solidFill>
-                    <a:srgbClr val="ffffff"/>
-                  </a:solidFill>
-                </a:uFill>
                 <a:latin typeface="Calibri"/>
                 <a:ea typeface="DejaVu Sans"/>
               </a:rPr>
               <a:t>It will be also the support for our last presentation with you.</a:t>
             </a:r>
-            <a:endParaRPr lang="en-US" sz="1800" spc="-1" strike="noStrike">
-              <a:solidFill>
-                <a:srgbClr val="000000"/>
-              </a:solidFill>
-              <a:uFill>
-                <a:solidFill>
-                  <a:srgbClr val="ffffff"/>
-                </a:solidFill>
-              </a:uFill>
-              <a:latin typeface="Arial"/>
-            </a:endParaRPr>
-          </a:p>
-          <a:p>
-            <a:pPr marL="343080" indent="-340920">
-              <a:lnSpc>
-                <a:spcPct val="100000"/>
-              </a:lnSpc>
-            </a:pPr>
-            <a:endParaRPr lang="en-US" sz="1800" spc="-1" strike="noStrike">
-              <a:solidFill>
-                <a:srgbClr val="000000"/>
-              </a:solidFill>
-              <a:uFill>
-                <a:solidFill>
-                  <a:srgbClr val="ffffff"/>
-                </a:solidFill>
-              </a:uFill>
-              <a:latin typeface="Arial"/>
-            </a:endParaRPr>
+            <a:endParaRPr/>
+          </a:p>
+          <a:p>
+            <a:pPr>
+              <a:lnSpc>
+                <a:spcPct val="100000"/>
+              </a:lnSpc>
+            </a:pPr>
+            <a:endParaRPr/>
           </a:p>
         </p:txBody>
       </p:sp>
@@ -7165,7 +4863,7 @@
         <p:spPr>
           <a:xfrm>
             <a:off x="0" y="6572160"/>
-            <a:ext cx="783720" cy="283680"/>
+            <a:ext cx="783360" cy="283320"/>
           </a:xfrm>
           <a:prstGeom prst="rect">
             <a:avLst/>
@@ -7176,24 +4874,13 @@
               <a:fillRect/>
             </a:stretch>
           </a:blipFill>
-          <a:ln>
+          <a:ln w="25560">
+            <a:solidFill>
+              <a:srgbClr val="3a5f8b"/>
+            </a:solidFill>
             <a:round/>
           </a:ln>
         </p:spPr>
-        <p:style>
-          <a:lnRef idx="2">
-            <a:schemeClr val="accent1">
-              <a:shade val="50000"/>
-            </a:schemeClr>
-          </a:lnRef>
-          <a:fillRef idx="1">
-            <a:schemeClr val="accent1"/>
-          </a:fillRef>
-          <a:effectRef idx="0">
-            <a:schemeClr val="accent1"/>
-          </a:effectRef>
-          <a:fontRef idx="minor"/>
-        </p:style>
       </p:sp>
     </p:spTree>
   </p:cSld>
@@ -7253,7 +4940,7 @@
         <p:spPr>
           <a:xfrm>
             <a:off x="428760" y="642960"/>
-            <a:ext cx="8255880" cy="783720"/>
+            <a:ext cx="8255520" cy="783360"/>
           </a:xfrm>
           <a:prstGeom prst="rect">
             <a:avLst/>
@@ -7263,51 +4950,27 @@
             <a:noFill/>
           </a:ln>
         </p:spPr>
-        <p:style>
-          <a:lnRef idx="0"/>
-          <a:fillRef idx="0"/>
-          <a:effectRef idx="0"/>
-          <a:fontRef idx="minor"/>
-        </p:style>
         <p:txBody>
           <a:bodyPr lIns="90000" rIns="90000" tIns="45000" bIns="45000" anchor="ctr"/>
           <a:p>
-            <a:pPr marL="571680" indent="-569520">
-              <a:lnSpc>
-                <a:spcPct val="100000"/>
-              </a:lnSpc>
-              <a:buClr>
-                <a:srgbClr val="000000"/>
-              </a:buClr>
+            <a:pPr>
+              <a:lnSpc>
+                <a:spcPct val="100000"/>
+              </a:lnSpc>
               <a:buFont typeface="Arial"/>
               <a:buAutoNum type="romanUcPeriod"/>
             </a:pPr>
             <a:r>
-              <a:rPr lang="en-US" sz="3200" spc="-1" strike="noStrike">
+              <a:rPr lang="fr-FR" sz="3200">
                 <a:solidFill>
                   <a:srgbClr val="000000"/>
                 </a:solidFill>
-                <a:uFill>
-                  <a:solidFill>
-                    <a:srgbClr val="ffffff"/>
-                  </a:solidFill>
-                </a:uFill>
                 <a:latin typeface="Calibri"/>
                 <a:ea typeface="DejaVu Sans"/>
               </a:rPr>
               <a:t>Introduction</a:t>
             </a:r>
-            <a:endParaRPr lang="en-US" sz="1800" spc="-1" strike="noStrike">
-              <a:solidFill>
-                <a:srgbClr val="000000"/>
-              </a:solidFill>
-              <a:uFill>
-                <a:solidFill>
-                  <a:srgbClr val="ffffff"/>
-                </a:solidFill>
-              </a:uFill>
-              <a:latin typeface="Arial"/>
-            </a:endParaRPr>
+            <a:endParaRPr/>
           </a:p>
         </p:txBody>
       </p:sp>
@@ -7320,7 +4983,7 @@
         <p:spPr>
           <a:xfrm>
             <a:off x="428760" y="1500120"/>
-            <a:ext cx="8227440" cy="4523760"/>
+            <a:ext cx="8227080" cy="4523400"/>
           </a:xfrm>
           <a:prstGeom prst="rect">
             <a:avLst/>
@@ -7330,625 +4993,339 @@
             <a:noFill/>
           </a:ln>
         </p:spPr>
-        <p:style>
-          <a:lnRef idx="0"/>
-          <a:fillRef idx="0"/>
-          <a:effectRef idx="0"/>
-          <a:fontRef idx="minor"/>
-        </p:style>
         <p:txBody>
           <a:bodyPr lIns="90000" rIns="90000" tIns="45000" bIns="45000"/>
           <a:p>
-            <a:pPr marL="343080" indent="-340920">
-              <a:lnSpc>
-                <a:spcPct val="100000"/>
-              </a:lnSpc>
-            </a:pPr>
-            <a:endParaRPr lang="en-US" sz="1800" spc="-1" strike="noStrike">
-              <a:solidFill>
-                <a:srgbClr val="000000"/>
-              </a:solidFill>
-              <a:uFill>
-                <a:solidFill>
-                  <a:srgbClr val="ffffff"/>
-                </a:solidFill>
-              </a:uFill>
-              <a:latin typeface="Arial"/>
-            </a:endParaRPr>
-          </a:p>
-          <a:p>
-            <a:pPr marL="343080" indent="-340920">
-              <a:lnSpc>
-                <a:spcPct val="100000"/>
-              </a:lnSpc>
-            </a:pPr>
-            <a:r>
-              <a:rPr b="1" lang="en-US" sz="1500" spc="-1" strike="noStrike" u="sng">
+            <a:pPr>
+              <a:lnSpc>
+                <a:spcPct val="100000"/>
+              </a:lnSpc>
+            </a:pPr>
+            <a:endParaRPr/>
+          </a:p>
+          <a:p>
+            <a:pPr>
+              <a:lnSpc>
+                <a:spcPct val="100000"/>
+              </a:lnSpc>
+            </a:pPr>
+            <a:r>
+              <a:rPr b="1" lang="fr-FR" sz="1500" u="sng">
                 <a:solidFill>
                   <a:srgbClr val="c00000"/>
                 </a:solidFill>
-                <a:uFill>
-                  <a:solidFill>
-                    <a:srgbClr val="ffffff"/>
-                  </a:solidFill>
-                </a:uFill>
                 <a:latin typeface="Calibri"/>
                 <a:ea typeface="Calibri"/>
               </a:rPr>
               <a:t>General presentation</a:t>
             </a:r>
             <a:r>
-              <a:rPr b="1" lang="en-US" sz="1500" spc="-1" strike="noStrike">
+              <a:rPr b="1" lang="fr-FR" sz="1500">
                 <a:solidFill>
                   <a:srgbClr val="c00000"/>
                 </a:solidFill>
-                <a:uFill>
-                  <a:solidFill>
-                    <a:srgbClr val="ffffff"/>
-                  </a:solidFill>
-                </a:uFill>
                 <a:latin typeface="Calibri"/>
                 <a:ea typeface="Calibri"/>
               </a:rPr>
               <a:t> : </a:t>
             </a:r>
-            <a:endParaRPr lang="en-US" sz="1800" spc="-1" strike="noStrike">
-              <a:solidFill>
-                <a:srgbClr val="000000"/>
-              </a:solidFill>
-              <a:uFill>
-                <a:solidFill>
-                  <a:srgbClr val="ffffff"/>
-                </a:solidFill>
-              </a:uFill>
-              <a:latin typeface="Arial"/>
-            </a:endParaRPr>
-          </a:p>
-          <a:p>
-            <a:pPr marL="343080" indent="-340920">
-              <a:lnSpc>
-                <a:spcPct val="100000"/>
-              </a:lnSpc>
-            </a:pPr>
-            <a:endParaRPr lang="en-US" sz="1800" spc="-1" strike="noStrike">
-              <a:solidFill>
-                <a:srgbClr val="000000"/>
-              </a:solidFill>
-              <a:uFill>
-                <a:solidFill>
-                  <a:srgbClr val="ffffff"/>
-                </a:solidFill>
-              </a:uFill>
-              <a:latin typeface="Arial"/>
-            </a:endParaRPr>
-          </a:p>
-          <a:p>
-            <a:pPr marL="343080" indent="-340920">
-              <a:lnSpc>
-                <a:spcPct val="100000"/>
-              </a:lnSpc>
-            </a:pPr>
-            <a:r>
-              <a:rPr lang="en-US" sz="1500" spc="-1" strike="noStrike">
+            <a:endParaRPr/>
+          </a:p>
+          <a:p>
+            <a:pPr>
+              <a:lnSpc>
+                <a:spcPct val="100000"/>
+              </a:lnSpc>
+            </a:pPr>
+            <a:endParaRPr/>
+          </a:p>
+          <a:p>
+            <a:pPr>
+              <a:lnSpc>
+                <a:spcPct val="100000"/>
+              </a:lnSpc>
+            </a:pPr>
+            <a:r>
+              <a:rPr lang="fr-FR" sz="1500">
                 <a:solidFill>
                   <a:srgbClr val="000000"/>
                 </a:solidFill>
-                <a:uFill>
-                  <a:solidFill>
-                    <a:srgbClr val="ffffff"/>
-                  </a:solidFill>
-                </a:uFill>
                 <a:latin typeface="Calibri"/>
                 <a:ea typeface="Calibri"/>
               </a:rPr>
               <a:t>Flight Planning System is a software that :</a:t>
             </a:r>
-            <a:endParaRPr lang="en-US" sz="1800" spc="-1" strike="noStrike">
-              <a:solidFill>
-                <a:srgbClr val="000000"/>
-              </a:solidFill>
-              <a:uFill>
-                <a:solidFill>
-                  <a:srgbClr val="ffffff"/>
-                </a:solidFill>
-              </a:uFill>
-              <a:latin typeface="Arial"/>
-            </a:endParaRPr>
-          </a:p>
-          <a:p>
-            <a:pPr marL="457200" indent="-315360">
-              <a:lnSpc>
-                <a:spcPct val="100000"/>
-              </a:lnSpc>
-            </a:pPr>
-            <a:endParaRPr lang="en-US" sz="1800" spc="-1" strike="noStrike">
-              <a:solidFill>
-                <a:srgbClr val="000000"/>
-              </a:solidFill>
-              <a:uFill>
-                <a:solidFill>
-                  <a:srgbClr val="ffffff"/>
-                </a:solidFill>
-              </a:uFill>
-              <a:latin typeface="Arial"/>
-            </a:endParaRPr>
-          </a:p>
-          <a:p>
-            <a:pPr marL="482760" indent="-340920">
-              <a:lnSpc>
-                <a:spcPct val="100000"/>
-              </a:lnSpc>
-            </a:pPr>
-            <a:r>
-              <a:rPr lang="en-US" sz="1200" spc="-1" strike="noStrike">
+            <a:endParaRPr/>
+          </a:p>
+          <a:p>
+            <a:pPr>
+              <a:lnSpc>
+                <a:spcPct val="100000"/>
+              </a:lnSpc>
+            </a:pPr>
+            <a:endParaRPr/>
+          </a:p>
+          <a:p>
+            <a:pPr>
+              <a:lnSpc>
+                <a:spcPct val="100000"/>
+              </a:lnSpc>
+            </a:pPr>
+            <a:r>
+              <a:rPr lang="fr-FR" sz="1200">
                 <a:solidFill>
                   <a:srgbClr val="464af4"/>
                 </a:solidFill>
-                <a:uFill>
-                  <a:solidFill>
-                    <a:srgbClr val="ffffff"/>
-                  </a:solidFill>
-                </a:uFill>
                 <a:latin typeface="Calibri"/>
                 <a:ea typeface="Calibri"/>
               </a:rPr>
               <a:t>         </a:t>
             </a:r>
             <a:r>
-              <a:rPr lang="en-US" sz="1200" spc="-1" strike="noStrike">
+              <a:rPr lang="fr-FR" sz="1200">
                 <a:solidFill>
                   <a:srgbClr val="464af4"/>
                 </a:solidFill>
-                <a:uFill>
-                  <a:solidFill>
-                    <a:srgbClr val="ffffff"/>
-                  </a:solidFill>
-                </a:uFill>
                 <a:latin typeface="Calibri"/>
                 <a:ea typeface="Calibri"/>
               </a:rPr>
               <a:t>Index all the coming flight of the company</a:t>
             </a:r>
-            <a:endParaRPr lang="en-US" sz="1800" spc="-1" strike="noStrike">
-              <a:solidFill>
-                <a:srgbClr val="000000"/>
-              </a:solidFill>
-              <a:uFill>
-                <a:solidFill>
-                  <a:srgbClr val="ffffff"/>
-                </a:solidFill>
-              </a:uFill>
-              <a:latin typeface="Arial"/>
-            </a:endParaRPr>
-          </a:p>
-          <a:p>
-            <a:pPr marL="457200" indent="-315360">
-              <a:lnSpc>
-                <a:spcPct val="100000"/>
-              </a:lnSpc>
-            </a:pPr>
-            <a:r>
-              <a:rPr lang="en-US" sz="1200" spc="-1" strike="noStrike">
+            <a:endParaRPr/>
+          </a:p>
+          <a:p>
+            <a:pPr>
+              <a:lnSpc>
+                <a:spcPct val="100000"/>
+              </a:lnSpc>
+            </a:pPr>
+            <a:r>
+              <a:rPr lang="fr-FR" sz="1200">
                 <a:solidFill>
                   <a:srgbClr val="464af4"/>
                 </a:solidFill>
-                <a:uFill>
-                  <a:solidFill>
-                    <a:srgbClr val="ffffff"/>
-                  </a:solidFill>
-                </a:uFill>
                 <a:latin typeface="Calibri"/>
                 <a:ea typeface="Calibri"/>
               </a:rPr>
               <a:t>	</a:t>
             </a:r>
             <a:r>
-              <a:rPr lang="en-US" sz="1200" spc="-1" strike="noStrike">
+              <a:rPr lang="fr-FR" sz="1200">
                 <a:solidFill>
                   <a:srgbClr val="464af4"/>
                 </a:solidFill>
-                <a:uFill>
-                  <a:solidFill>
-                    <a:srgbClr val="ffffff"/>
-                  </a:solidFill>
-                </a:uFill>
                 <a:latin typeface="Calibri"/>
                 <a:ea typeface="Calibri"/>
               </a:rPr>
               <a:t>Matches crews and planes</a:t>
             </a:r>
-            <a:endParaRPr lang="en-US" sz="1800" spc="-1" strike="noStrike">
-              <a:solidFill>
-                <a:srgbClr val="000000"/>
-              </a:solidFill>
-              <a:uFill>
-                <a:solidFill>
-                  <a:srgbClr val="ffffff"/>
-                </a:solidFill>
-              </a:uFill>
-              <a:latin typeface="Arial"/>
-            </a:endParaRPr>
-          </a:p>
-          <a:p>
-            <a:pPr marL="457200" indent="-315360">
-              <a:lnSpc>
-                <a:spcPct val="100000"/>
-              </a:lnSpc>
-            </a:pPr>
-            <a:r>
-              <a:rPr lang="en-US" sz="1200" spc="-1" strike="noStrike">
+            <a:endParaRPr/>
+          </a:p>
+          <a:p>
+            <a:pPr>
+              <a:lnSpc>
+                <a:spcPct val="100000"/>
+              </a:lnSpc>
+            </a:pPr>
+            <a:r>
+              <a:rPr lang="fr-FR" sz="1200">
                 <a:solidFill>
                   <a:srgbClr val="464af4"/>
                 </a:solidFill>
-                <a:uFill>
-                  <a:solidFill>
-                    <a:srgbClr val="ffffff"/>
-                  </a:solidFill>
-                </a:uFill>
                 <a:latin typeface="Calibri"/>
                 <a:ea typeface="Calibri"/>
               </a:rPr>
               <a:t>	</a:t>
             </a:r>
             <a:r>
-              <a:rPr lang="en-US" sz="1200" spc="-1" strike="noStrike">
+              <a:rPr lang="fr-FR" sz="1200">
                 <a:solidFill>
                   <a:srgbClr val="464af4"/>
                 </a:solidFill>
-                <a:uFill>
-                  <a:solidFill>
-                    <a:srgbClr val="ffffff"/>
-                  </a:solidFill>
-                </a:uFill>
                 <a:latin typeface="Calibri"/>
                 <a:ea typeface="Calibri"/>
               </a:rPr>
               <a:t>And primary used by the OCC (Operations Control Center)</a:t>
             </a:r>
-            <a:endParaRPr lang="en-US" sz="1800" spc="-1" strike="noStrike">
-              <a:solidFill>
-                <a:srgbClr val="000000"/>
-              </a:solidFill>
-              <a:uFill>
-                <a:solidFill>
-                  <a:srgbClr val="ffffff"/>
-                </a:solidFill>
-              </a:uFill>
-              <a:latin typeface="Arial"/>
-            </a:endParaRPr>
-          </a:p>
-          <a:p>
-            <a:pPr marL="457200" indent="-315360">
-              <a:lnSpc>
-                <a:spcPct val="100000"/>
-              </a:lnSpc>
-            </a:pPr>
-            <a:endParaRPr lang="en-US" sz="1800" spc="-1" strike="noStrike">
-              <a:solidFill>
-                <a:srgbClr val="000000"/>
-              </a:solidFill>
-              <a:uFill>
-                <a:solidFill>
-                  <a:srgbClr val="ffffff"/>
-                </a:solidFill>
-              </a:uFill>
-              <a:latin typeface="Arial"/>
-            </a:endParaRPr>
-          </a:p>
-          <a:p>
-            <a:pPr marL="343080" indent="-340920">
-              <a:lnSpc>
-                <a:spcPct val="100000"/>
-              </a:lnSpc>
-            </a:pPr>
-            <a:r>
-              <a:rPr lang="en-US" sz="1500" spc="-1" strike="noStrike">
+            <a:endParaRPr/>
+          </a:p>
+          <a:p>
+            <a:pPr>
+              <a:lnSpc>
+                <a:spcPct val="100000"/>
+              </a:lnSpc>
+            </a:pPr>
+            <a:endParaRPr/>
+          </a:p>
+          <a:p>
+            <a:pPr>
+              <a:lnSpc>
+                <a:spcPct val="100000"/>
+              </a:lnSpc>
+            </a:pPr>
+            <a:r>
+              <a:rPr lang="fr-FR" sz="1500">
                 <a:solidFill>
                   <a:srgbClr val="000000"/>
                 </a:solidFill>
-                <a:uFill>
-                  <a:solidFill>
-                    <a:srgbClr val="ffffff"/>
-                  </a:solidFill>
-                </a:uFill>
                 <a:latin typeface="Calibri"/>
                 <a:ea typeface="Calibri"/>
               </a:rPr>
               <a:t>Firstly we can mention some technical features  :</a:t>
             </a:r>
             <a:r>
-              <a:rPr lang="en-US" sz="1500" spc="-1" strike="noStrike">
+              <a:rPr lang="fr-FR" sz="1500">
                 <a:solidFill>
                   <a:srgbClr val="000000"/>
                 </a:solidFill>
-                <a:uFill>
-                  <a:solidFill>
-                    <a:srgbClr val="ffffff"/>
-                  </a:solidFill>
-                </a:uFill>
                 <a:latin typeface="Calibri"/>
                 <a:ea typeface="Calibri"/>
               </a:rPr>
               <a:t>	</a:t>
             </a:r>
             <a:r>
-              <a:rPr lang="en-US" sz="1500" spc="-1" strike="noStrike">
+              <a:rPr lang="fr-FR" sz="1500">
                 <a:solidFill>
                   <a:srgbClr val="000000"/>
                 </a:solidFill>
-                <a:uFill>
-                  <a:solidFill>
-                    <a:srgbClr val="ffffff"/>
-                  </a:solidFill>
-                </a:uFill>
                 <a:latin typeface="Calibri"/>
                 <a:ea typeface="Calibri"/>
               </a:rPr>
               <a:t> </a:t>
             </a:r>
-            <a:endParaRPr lang="en-US" sz="1800" spc="-1" strike="noStrike">
-              <a:solidFill>
-                <a:srgbClr val="000000"/>
-              </a:solidFill>
-              <a:uFill>
-                <a:solidFill>
-                  <a:srgbClr val="ffffff"/>
-                </a:solidFill>
-              </a:uFill>
-              <a:latin typeface="Arial"/>
-            </a:endParaRPr>
-          </a:p>
-          <a:p>
-            <a:pPr marL="343080" indent="-340920">
-              <a:lnSpc>
-                <a:spcPct val="100000"/>
-              </a:lnSpc>
-            </a:pPr>
-            <a:endParaRPr lang="en-US" sz="1800" spc="-1" strike="noStrike">
-              <a:solidFill>
-                <a:srgbClr val="000000"/>
-              </a:solidFill>
-              <a:uFill>
-                <a:solidFill>
-                  <a:srgbClr val="ffffff"/>
-                </a:solidFill>
-              </a:uFill>
-              <a:latin typeface="Arial"/>
-            </a:endParaRPr>
-          </a:p>
-          <a:p>
-            <a:pPr marL="457200" indent="-315360">
+            <a:endParaRPr/>
+          </a:p>
+          <a:p>
+            <a:pPr>
+              <a:lnSpc>
+                <a:spcPct val="100000"/>
+              </a:lnSpc>
+            </a:pPr>
+            <a:endParaRPr/>
+          </a:p>
+          <a:p>
+            <a:pPr>
               <a:lnSpc>
                 <a:spcPct val="107000"/>
               </a:lnSpc>
             </a:pPr>
             <a:r>
-              <a:rPr lang="en-US" sz="1500" spc="-1" strike="noStrike">
+              <a:rPr lang="fr-FR" sz="1500">
                 <a:solidFill>
                   <a:srgbClr val="000000"/>
                 </a:solidFill>
-                <a:uFill>
-                  <a:solidFill>
-                    <a:srgbClr val="ffffff"/>
-                  </a:solidFill>
-                </a:uFill>
                 <a:latin typeface="Calibri"/>
                 <a:ea typeface="Calibri"/>
               </a:rPr>
               <a:t>A server implementation :</a:t>
             </a:r>
-            <a:endParaRPr lang="en-US" sz="1800" spc="-1" strike="noStrike">
-              <a:solidFill>
-                <a:srgbClr val="000000"/>
-              </a:solidFill>
-              <a:uFill>
-                <a:solidFill>
-                  <a:srgbClr val="ffffff"/>
-                </a:solidFill>
-              </a:uFill>
-              <a:latin typeface="Arial"/>
-            </a:endParaRPr>
-          </a:p>
-          <a:p>
-            <a:pPr marL="457200" indent="-315360">
+            <a:endParaRPr/>
+          </a:p>
+          <a:p>
+            <a:pPr>
               <a:lnSpc>
                 <a:spcPct val="107000"/>
               </a:lnSpc>
             </a:pPr>
-            <a:endParaRPr lang="en-US" sz="1800" spc="-1" strike="noStrike">
-              <a:solidFill>
-                <a:srgbClr val="000000"/>
-              </a:solidFill>
-              <a:uFill>
-                <a:solidFill>
-                  <a:srgbClr val="ffffff"/>
-                </a:solidFill>
-              </a:uFill>
-              <a:latin typeface="Arial"/>
-            </a:endParaRPr>
-          </a:p>
-          <a:p>
-            <a:pPr marL="457200" indent="-315360">
+            <a:endParaRPr/>
+          </a:p>
+          <a:p>
+            <a:pPr>
               <a:lnSpc>
                 <a:spcPct val="107000"/>
               </a:lnSpc>
             </a:pPr>
             <a:r>
-              <a:rPr lang="en-US" sz="1500" spc="-1" strike="noStrike">
+              <a:rPr lang="fr-FR" sz="1500">
                 <a:solidFill>
                   <a:srgbClr val="464af4"/>
                 </a:solidFill>
-                <a:uFill>
-                  <a:solidFill>
-                    <a:srgbClr val="ffffff"/>
-                  </a:solidFill>
-                </a:uFill>
                 <a:latin typeface="Calibri"/>
                 <a:ea typeface="Calibri"/>
               </a:rPr>
               <a:t>        </a:t>
             </a:r>
             <a:r>
-              <a:rPr lang="en-US" sz="1200" spc="-1" strike="noStrike">
+              <a:rPr lang="fr-FR" sz="1200">
                 <a:solidFill>
                   <a:srgbClr val="464af4"/>
                 </a:solidFill>
-                <a:uFill>
-                  <a:solidFill>
-                    <a:srgbClr val="ffffff"/>
-                  </a:solidFill>
-                </a:uFill>
                 <a:latin typeface="Calibri"/>
                 <a:ea typeface="Calibri"/>
               </a:rPr>
               <a:t>Database containing the list of flights and users ( with their respective rights ) </a:t>
             </a:r>
-            <a:endParaRPr lang="en-US" sz="1800" spc="-1" strike="noStrike">
-              <a:solidFill>
-                <a:srgbClr val="000000"/>
-              </a:solidFill>
-              <a:uFill>
-                <a:solidFill>
-                  <a:srgbClr val="ffffff"/>
-                </a:solidFill>
-              </a:uFill>
-              <a:latin typeface="Arial"/>
-            </a:endParaRPr>
-          </a:p>
-          <a:p>
-            <a:pPr marL="457200" indent="-315360">
+            <a:endParaRPr/>
+          </a:p>
+          <a:p>
+            <a:pPr>
               <a:lnSpc>
                 <a:spcPct val="107000"/>
               </a:lnSpc>
             </a:pPr>
             <a:r>
-              <a:rPr lang="en-US" sz="1200" spc="-1" strike="noStrike">
+              <a:rPr lang="fr-FR" sz="1200">
                 <a:solidFill>
                   <a:srgbClr val="464af4"/>
                 </a:solidFill>
-                <a:uFill>
-                  <a:solidFill>
-                    <a:srgbClr val="ffffff"/>
-                  </a:solidFill>
-                </a:uFill>
                 <a:latin typeface="Calibri"/>
                 <a:ea typeface="Calibri"/>
               </a:rPr>
               <a:t>          </a:t>
             </a:r>
             <a:r>
-              <a:rPr lang="en-US" sz="1200" spc="-1" strike="noStrike">
+              <a:rPr lang="fr-FR" sz="1200">
                 <a:solidFill>
                   <a:srgbClr val="464af4"/>
                 </a:solidFill>
-                <a:uFill>
-                  <a:solidFill>
-                    <a:srgbClr val="ffffff"/>
-                  </a:solidFill>
-                </a:uFill>
                 <a:latin typeface="Calibri"/>
                 <a:ea typeface="Calibri"/>
               </a:rPr>
               <a:t>Email warning system for OCC</a:t>
             </a:r>
-            <a:endParaRPr lang="en-US" sz="1800" spc="-1" strike="noStrike">
-              <a:solidFill>
-                <a:srgbClr val="000000"/>
-              </a:solidFill>
-              <a:uFill>
-                <a:solidFill>
-                  <a:srgbClr val="ffffff"/>
-                </a:solidFill>
-              </a:uFill>
-              <a:latin typeface="Arial"/>
-            </a:endParaRPr>
-          </a:p>
-          <a:p>
-            <a:pPr marL="343080" indent="-340920">
+            <a:endParaRPr/>
+          </a:p>
+          <a:p>
+            <a:pPr>
               <a:lnSpc>
                 <a:spcPct val="107000"/>
               </a:lnSpc>
             </a:pPr>
-            <a:endParaRPr lang="en-US" sz="1800" spc="-1" strike="noStrike">
-              <a:solidFill>
-                <a:srgbClr val="000000"/>
-              </a:solidFill>
-              <a:uFill>
-                <a:solidFill>
-                  <a:srgbClr val="ffffff"/>
-                </a:solidFill>
-              </a:uFill>
-              <a:latin typeface="Arial"/>
-            </a:endParaRPr>
-          </a:p>
-          <a:p>
-            <a:pPr marL="457200" indent="-315360">
+            <a:endParaRPr/>
+          </a:p>
+          <a:p>
+            <a:pPr>
               <a:lnSpc>
                 <a:spcPct val="107000"/>
               </a:lnSpc>
             </a:pPr>
             <a:r>
-              <a:rPr lang="en-US" sz="1500" spc="-1" strike="noStrike">
+              <a:rPr lang="fr-FR" sz="1500">
                 <a:solidFill>
                   <a:srgbClr val="000000"/>
                 </a:solidFill>
-                <a:uFill>
-                  <a:solidFill>
-                    <a:srgbClr val="ffffff"/>
-                  </a:solidFill>
-                </a:uFill>
                 <a:latin typeface="Calibri"/>
                 <a:ea typeface="Calibri"/>
               </a:rPr>
               <a:t>A web responsive interface ( respecting REST ) with personalized display for OCC.</a:t>
             </a:r>
-            <a:endParaRPr lang="en-US" sz="1800" spc="-1" strike="noStrike">
-              <a:solidFill>
-                <a:srgbClr val="000000"/>
-              </a:solidFill>
-              <a:uFill>
-                <a:solidFill>
-                  <a:srgbClr val="ffffff"/>
-                </a:solidFill>
-              </a:uFill>
-              <a:latin typeface="Arial"/>
-            </a:endParaRPr>
-          </a:p>
-          <a:p>
-            <a:pPr marL="343080" indent="-340920">
-              <a:lnSpc>
-                <a:spcPct val="100000"/>
-              </a:lnSpc>
-            </a:pPr>
-            <a:endParaRPr lang="en-US" sz="1800" spc="-1" strike="noStrike">
-              <a:solidFill>
-                <a:srgbClr val="000000"/>
-              </a:solidFill>
-              <a:uFill>
-                <a:solidFill>
-                  <a:srgbClr val="ffffff"/>
-                </a:solidFill>
-              </a:uFill>
-              <a:latin typeface="Arial"/>
-            </a:endParaRPr>
-          </a:p>
-          <a:p>
-            <a:pPr marL="343080" indent="-340920">
-              <a:lnSpc>
-                <a:spcPct val="100000"/>
-              </a:lnSpc>
-            </a:pPr>
-            <a:endParaRPr lang="en-US" sz="1800" spc="-1" strike="noStrike">
-              <a:solidFill>
-                <a:srgbClr val="000000"/>
-              </a:solidFill>
-              <a:uFill>
-                <a:solidFill>
-                  <a:srgbClr val="ffffff"/>
-                </a:solidFill>
-              </a:uFill>
-              <a:latin typeface="Arial"/>
-            </a:endParaRPr>
+            <a:endParaRPr/>
+          </a:p>
+          <a:p>
+            <a:pPr>
+              <a:lnSpc>
+                <a:spcPct val="100000"/>
+              </a:lnSpc>
+            </a:pPr>
+            <a:endParaRPr/>
+          </a:p>
+          <a:p>
+            <a:pPr>
+              <a:lnSpc>
+                <a:spcPct val="100000"/>
+              </a:lnSpc>
+            </a:pPr>
+            <a:endParaRPr/>
           </a:p>
         </p:txBody>
       </p:sp>
@@ -7961,7 +5338,7 @@
         <p:spPr>
           <a:xfrm>
             <a:off x="0" y="6572160"/>
-            <a:ext cx="783720" cy="283680"/>
+            <a:ext cx="783360" cy="283320"/>
           </a:xfrm>
           <a:prstGeom prst="rect">
             <a:avLst/>
@@ -7972,24 +5349,13 @@
               <a:fillRect/>
             </a:stretch>
           </a:blipFill>
-          <a:ln>
+          <a:ln w="25560">
+            <a:solidFill>
+              <a:srgbClr val="3a5f8b"/>
+            </a:solidFill>
             <a:round/>
           </a:ln>
         </p:spPr>
-        <p:style>
-          <a:lnRef idx="2">
-            <a:schemeClr val="accent1">
-              <a:shade val="50000"/>
-            </a:schemeClr>
-          </a:lnRef>
-          <a:fillRef idx="1">
-            <a:schemeClr val="accent1"/>
-          </a:fillRef>
-          <a:effectRef idx="0">
-            <a:schemeClr val="accent1"/>
-          </a:effectRef>
-          <a:fontRef idx="minor"/>
-        </p:style>
       </p:sp>
     </p:spTree>
   </p:cSld>
@@ -8049,7 +5415,7 @@
         <p:spPr>
           <a:xfrm>
             <a:off x="428760" y="1714320"/>
-            <a:ext cx="8227440" cy="4926960"/>
+            <a:ext cx="8227080" cy="4926600"/>
           </a:xfrm>
           <a:prstGeom prst="rect">
             <a:avLst/>
@@ -8059,675 +5425,371 @@
             <a:noFill/>
           </a:ln>
         </p:spPr>
-        <p:style>
-          <a:lnRef idx="0"/>
-          <a:fillRef idx="0"/>
-          <a:effectRef idx="0"/>
-          <a:fontRef idx="minor"/>
-        </p:style>
         <p:txBody>
           <a:bodyPr lIns="90000" rIns="90000" tIns="45000" bIns="45000"/>
           <a:p>
-            <a:pPr marL="343080" indent="-340920">
-              <a:lnSpc>
-                <a:spcPct val="100000"/>
-              </a:lnSpc>
-            </a:pPr>
-            <a:r>
-              <a:rPr b="1" lang="en-US" sz="1500" spc="-1" strike="noStrike" u="sng">
+            <a:pPr>
+              <a:lnSpc>
+                <a:spcPct val="100000"/>
+              </a:lnSpc>
+            </a:pPr>
+            <a:r>
+              <a:rPr b="1" lang="fr-FR" sz="1500" u="sng">
                 <a:solidFill>
                   <a:srgbClr val="c00000"/>
                 </a:solidFill>
-                <a:uFill>
-                  <a:solidFill>
-                    <a:srgbClr val="ffffff"/>
-                  </a:solidFill>
-                </a:uFill>
                 <a:latin typeface="Calibri"/>
                 <a:ea typeface="DejaVu Sans"/>
               </a:rPr>
               <a:t>Users of the system</a:t>
             </a:r>
             <a:r>
-              <a:rPr b="1" lang="en-US" sz="1500" spc="-1" strike="noStrike">
+              <a:rPr b="1" lang="fr-FR" sz="1500">
                 <a:solidFill>
                   <a:srgbClr val="c00000"/>
                 </a:solidFill>
-                <a:uFill>
-                  <a:solidFill>
-                    <a:srgbClr val="ffffff"/>
-                  </a:solidFill>
-                </a:uFill>
                 <a:latin typeface="Calibri"/>
                 <a:ea typeface="DejaVu Sans"/>
               </a:rPr>
               <a:t> :</a:t>
             </a:r>
-            <a:endParaRPr lang="en-US" sz="1800" spc="-1" strike="noStrike">
-              <a:solidFill>
-                <a:srgbClr val="000000"/>
-              </a:solidFill>
-              <a:uFill>
-                <a:solidFill>
-                  <a:srgbClr val="ffffff"/>
-                </a:solidFill>
-              </a:uFill>
-              <a:latin typeface="Arial"/>
-            </a:endParaRPr>
-          </a:p>
-          <a:p>
-            <a:pPr marL="343080" indent="-340920">
-              <a:lnSpc>
-                <a:spcPct val="100000"/>
-              </a:lnSpc>
-            </a:pPr>
-            <a:endParaRPr lang="en-US" sz="1800" spc="-1" strike="noStrike">
-              <a:solidFill>
-                <a:srgbClr val="000000"/>
-              </a:solidFill>
-              <a:uFill>
-                <a:solidFill>
-                  <a:srgbClr val="ffffff"/>
-                </a:solidFill>
-              </a:uFill>
-              <a:latin typeface="Arial"/>
-            </a:endParaRPr>
-          </a:p>
-          <a:p>
-            <a:pPr marL="343080" indent="-340920">
-              <a:lnSpc>
-                <a:spcPct val="100000"/>
-              </a:lnSpc>
-            </a:pPr>
-            <a:r>
-              <a:rPr lang="en-US" sz="1500" spc="-1" strike="noStrike">
+            <a:endParaRPr/>
+          </a:p>
+          <a:p>
+            <a:pPr>
+              <a:lnSpc>
+                <a:spcPct val="100000"/>
+              </a:lnSpc>
+            </a:pPr>
+            <a:endParaRPr/>
+          </a:p>
+          <a:p>
+            <a:pPr>
+              <a:lnSpc>
+                <a:spcPct val="100000"/>
+              </a:lnSpc>
+            </a:pPr>
+            <a:r>
+              <a:rPr lang="fr-FR" sz="1500">
                 <a:solidFill>
                   <a:srgbClr val="000000"/>
                 </a:solidFill>
-                <a:uFill>
-                  <a:solidFill>
-                    <a:srgbClr val="ffffff"/>
-                  </a:solidFill>
-                </a:uFill>
                 <a:latin typeface="Calibri"/>
                 <a:ea typeface="Calibri"/>
               </a:rPr>
               <a:t>Each members of the occ is specializes in one fields of expertise :</a:t>
             </a:r>
-            <a:endParaRPr lang="en-US" sz="1800" spc="-1" strike="noStrike">
-              <a:solidFill>
-                <a:srgbClr val="000000"/>
-              </a:solidFill>
-              <a:uFill>
-                <a:solidFill>
-                  <a:srgbClr val="ffffff"/>
-                </a:solidFill>
-              </a:uFill>
-              <a:latin typeface="Arial"/>
-            </a:endParaRPr>
-          </a:p>
-          <a:p>
-            <a:pPr marL="343080" indent="-340920">
-              <a:lnSpc>
-                <a:spcPct val="100000"/>
-              </a:lnSpc>
-            </a:pPr>
-            <a:endParaRPr lang="en-US" sz="1800" spc="-1" strike="noStrike">
-              <a:solidFill>
-                <a:srgbClr val="000000"/>
-              </a:solidFill>
-              <a:uFill>
-                <a:solidFill>
-                  <a:srgbClr val="ffffff"/>
-                </a:solidFill>
-              </a:uFill>
-              <a:latin typeface="Arial"/>
-            </a:endParaRPr>
-          </a:p>
-          <a:p>
-            <a:pPr marL="457200" indent="-302760">
-              <a:lnSpc>
-                <a:spcPct val="100000"/>
-              </a:lnSpc>
-            </a:pPr>
-            <a:r>
-              <a:rPr lang="en-US" sz="1500" spc="-1" strike="noStrike">
+            <a:endParaRPr/>
+          </a:p>
+          <a:p>
+            <a:pPr>
+              <a:lnSpc>
+                <a:spcPct val="100000"/>
+              </a:lnSpc>
+            </a:pPr>
+            <a:endParaRPr/>
+          </a:p>
+          <a:p>
+            <a:pPr>
+              <a:lnSpc>
+                <a:spcPct val="100000"/>
+              </a:lnSpc>
+            </a:pPr>
+            <a:r>
+              <a:rPr lang="fr-FR" sz="1500">
                 <a:solidFill>
                   <a:srgbClr val="000000"/>
                 </a:solidFill>
-                <a:uFill>
-                  <a:solidFill>
-                    <a:srgbClr val="ffffff"/>
-                  </a:solidFill>
-                </a:uFill>
                 <a:latin typeface="Calibri"/>
                 <a:ea typeface="Calibri"/>
               </a:rPr>
               <a:t>	</a:t>
             </a:r>
             <a:r>
-              <a:rPr lang="en-US" sz="1500" spc="-1" strike="noStrike">
+              <a:rPr lang="fr-FR" sz="1500">
                 <a:solidFill>
                   <a:srgbClr val="000000"/>
                 </a:solidFill>
-                <a:uFill>
-                  <a:solidFill>
-                    <a:srgbClr val="ffffff"/>
-                  </a:solidFill>
-                </a:uFill>
                 <a:latin typeface="Calibri"/>
                 <a:ea typeface="Calibri"/>
               </a:rPr>
               <a:t>Flight operations control crew</a:t>
             </a:r>
-            <a:endParaRPr lang="en-US" sz="1800" spc="-1" strike="noStrike">
-              <a:solidFill>
-                <a:srgbClr val="000000"/>
-              </a:solidFill>
-              <a:uFill>
-                <a:solidFill>
-                  <a:srgbClr val="ffffff"/>
-                </a:solidFill>
-              </a:uFill>
-              <a:latin typeface="Arial"/>
-            </a:endParaRPr>
-          </a:p>
-          <a:p>
-            <a:pPr marL="457200" indent="-302760">
-              <a:lnSpc>
-                <a:spcPct val="100000"/>
-              </a:lnSpc>
-            </a:pPr>
-            <a:endParaRPr lang="en-US" sz="1800" spc="-1" strike="noStrike">
-              <a:solidFill>
-                <a:srgbClr val="000000"/>
-              </a:solidFill>
-              <a:uFill>
-                <a:solidFill>
-                  <a:srgbClr val="ffffff"/>
-                </a:solidFill>
-              </a:uFill>
-              <a:latin typeface="Arial"/>
-            </a:endParaRPr>
-          </a:p>
-          <a:p>
-            <a:pPr marL="457200" indent="-302760">
-              <a:lnSpc>
-                <a:spcPct val="100000"/>
-              </a:lnSpc>
-              <a:buClr>
-                <a:srgbClr val="f3f3f3"/>
-              </a:buClr>
+            <a:endParaRPr/>
+          </a:p>
+          <a:p>
+            <a:pPr>
+              <a:lnSpc>
+                <a:spcPct val="100000"/>
+              </a:lnSpc>
+            </a:pPr>
+            <a:endParaRPr/>
+          </a:p>
+          <a:p>
+            <a:pPr>
+              <a:lnSpc>
+                <a:spcPct val="100000"/>
+              </a:lnSpc>
               <a:buFont typeface="Calibri"/>
               <a:buChar char="•"/>
             </a:pPr>
             <a:r>
-              <a:rPr lang="en-US" sz="1500" spc="-1" strike="noStrike">
+              <a:rPr lang="fr-FR" sz="1500">
                 <a:solidFill>
                   <a:srgbClr val="000000"/>
                 </a:solidFill>
-                <a:uFill>
-                  <a:solidFill>
-                    <a:srgbClr val="ffffff"/>
-                  </a:solidFill>
-                </a:uFill>
                 <a:latin typeface="Calibri"/>
                 <a:ea typeface="Calibri"/>
               </a:rPr>
               <a:t>Flight dispatcher :</a:t>
             </a:r>
-            <a:endParaRPr lang="en-US" sz="1800" spc="-1" strike="noStrike">
-              <a:solidFill>
-                <a:srgbClr val="000000"/>
-              </a:solidFill>
-              <a:uFill>
-                <a:solidFill>
-                  <a:srgbClr val="ffffff"/>
-                </a:solidFill>
-              </a:uFill>
-              <a:latin typeface="Arial"/>
-            </a:endParaRPr>
-          </a:p>
-          <a:p>
-            <a:pPr marL="457200">
-              <a:lnSpc>
-                <a:spcPct val="100000"/>
-              </a:lnSpc>
-            </a:pPr>
-            <a:r>
-              <a:rPr i="1" lang="en-US" sz="1200" spc="-1" strike="noStrike">
+            <a:endParaRPr/>
+          </a:p>
+          <a:p>
+            <a:pPr>
+              <a:lnSpc>
+                <a:spcPct val="100000"/>
+              </a:lnSpc>
+            </a:pPr>
+            <a:r>
+              <a:rPr i="1" lang="fr-FR" sz="1200">
                 <a:solidFill>
                   <a:srgbClr val="464af4"/>
                 </a:solidFill>
-                <a:uFill>
-                  <a:solidFill>
-                    <a:srgbClr val="ffffff"/>
-                  </a:solidFill>
-                </a:uFill>
                 <a:latin typeface="Calibri"/>
                 <a:ea typeface="Calibri"/>
               </a:rPr>
               <a:t>Manager, captain on the ground, meteorologist, aircraft technicien, air traffic control dispatcher.</a:t>
             </a:r>
-            <a:endParaRPr lang="en-US" sz="1800" spc="-1" strike="noStrike">
-              <a:solidFill>
-                <a:srgbClr val="000000"/>
-              </a:solidFill>
-              <a:uFill>
-                <a:solidFill>
-                  <a:srgbClr val="ffffff"/>
-                </a:solidFill>
-              </a:uFill>
-              <a:latin typeface="Arial"/>
-            </a:endParaRPr>
-          </a:p>
-          <a:p>
-            <a:pPr marL="457200">
-              <a:lnSpc>
-                <a:spcPct val="100000"/>
-              </a:lnSpc>
-            </a:pPr>
-            <a:endParaRPr lang="en-US" sz="1800" spc="-1" strike="noStrike">
-              <a:solidFill>
-                <a:srgbClr val="000000"/>
-              </a:solidFill>
-              <a:uFill>
-                <a:solidFill>
-                  <a:srgbClr val="ffffff"/>
-                </a:solidFill>
-              </a:uFill>
-              <a:latin typeface="Arial"/>
-            </a:endParaRPr>
-          </a:p>
-          <a:p>
-            <a:pPr marL="457200" indent="-302760">
-              <a:lnSpc>
-                <a:spcPct val="100000"/>
-              </a:lnSpc>
-            </a:pPr>
-            <a:r>
-              <a:rPr lang="en-US" sz="1500" spc="-1" strike="noStrike">
+            <a:endParaRPr/>
+          </a:p>
+          <a:p>
+            <a:pPr>
+              <a:lnSpc>
+                <a:spcPct val="100000"/>
+              </a:lnSpc>
+            </a:pPr>
+            <a:endParaRPr/>
+          </a:p>
+          <a:p>
+            <a:pPr>
+              <a:lnSpc>
+                <a:spcPct val="100000"/>
+              </a:lnSpc>
+            </a:pPr>
+            <a:r>
+              <a:rPr lang="fr-FR" sz="1500">
                 <a:solidFill>
                   <a:srgbClr val="000000"/>
                 </a:solidFill>
-                <a:uFill>
-                  <a:solidFill>
-                    <a:srgbClr val="ffffff"/>
-                  </a:solidFill>
-                </a:uFill>
                 <a:latin typeface="Calibri"/>
                 <a:ea typeface="Calibri"/>
               </a:rPr>
               <a:t>	</a:t>
             </a:r>
             <a:r>
-              <a:rPr lang="en-US" sz="1500" spc="-1" strike="noStrike">
+              <a:rPr lang="fr-FR" sz="1500">
                 <a:solidFill>
                   <a:srgbClr val="000000"/>
                 </a:solidFill>
-                <a:uFill>
-                  <a:solidFill>
-                    <a:srgbClr val="ffffff"/>
-                  </a:solidFill>
-                </a:uFill>
                 <a:latin typeface="Calibri"/>
                 <a:ea typeface="Calibri"/>
               </a:rPr>
               <a:t>Flight dispatch support specialist</a:t>
             </a:r>
             <a:r>
-              <a:rPr lang="en-US" sz="1500" spc="-1" strike="noStrike">
+              <a:rPr lang="fr-FR" sz="1500">
                 <a:solidFill>
                   <a:srgbClr val="000000"/>
                 </a:solidFill>
-                <a:uFill>
-                  <a:solidFill>
-                    <a:srgbClr val="ffffff"/>
-                  </a:solidFill>
-                </a:uFill>
                 <a:latin typeface="Calibri"/>
                 <a:ea typeface="Calibri"/>
               </a:rPr>
               <a:t>	</a:t>
             </a:r>
             <a:r>
-              <a:rPr lang="en-US" sz="1500" spc="-1" strike="noStrike">
+              <a:rPr lang="fr-FR" sz="1500">
                 <a:solidFill>
                   <a:srgbClr val="000000"/>
                 </a:solidFill>
-                <a:uFill>
-                  <a:solidFill>
-                    <a:srgbClr val="ffffff"/>
-                  </a:solidFill>
-                </a:uFill>
                 <a:latin typeface="Calibri"/>
                 <a:ea typeface="Calibri"/>
               </a:rPr>
               <a:t> </a:t>
             </a:r>
-            <a:endParaRPr lang="en-US" sz="1800" spc="-1" strike="noStrike">
-              <a:solidFill>
-                <a:srgbClr val="000000"/>
-              </a:solidFill>
-              <a:uFill>
-                <a:solidFill>
-                  <a:srgbClr val="ffffff"/>
-                </a:solidFill>
-              </a:uFill>
-              <a:latin typeface="Arial"/>
-            </a:endParaRPr>
-          </a:p>
-          <a:p>
-            <a:pPr marL="457200" indent="-302760">
-              <a:lnSpc>
-                <a:spcPct val="100000"/>
-              </a:lnSpc>
-            </a:pPr>
-            <a:r>
-              <a:rPr lang="en-US" sz="1500" spc="-1" strike="noStrike">
+            <a:endParaRPr/>
+          </a:p>
+          <a:p>
+            <a:pPr>
+              <a:lnSpc>
+                <a:spcPct val="100000"/>
+              </a:lnSpc>
+            </a:pPr>
+            <a:r>
+              <a:rPr lang="fr-FR" sz="1500">
                 <a:solidFill>
                   <a:srgbClr val="464af4"/>
                 </a:solidFill>
-                <a:uFill>
-                  <a:solidFill>
-                    <a:srgbClr val="ffffff"/>
-                  </a:solidFill>
-                </a:uFill>
                 <a:latin typeface="Calibri"/>
                 <a:ea typeface="Calibri"/>
               </a:rPr>
               <a:t>	</a:t>
             </a:r>
             <a:r>
-              <a:rPr lang="en-US" sz="1200" spc="-1" strike="noStrike">
+              <a:rPr lang="fr-FR" sz="1200">
                 <a:solidFill>
                   <a:srgbClr val="464af4"/>
                 </a:solidFill>
-                <a:uFill>
-                  <a:solidFill>
-                    <a:srgbClr val="ffffff"/>
-                  </a:solidFill>
-                </a:uFill>
                 <a:latin typeface="Calibri"/>
                 <a:ea typeface="Calibri"/>
               </a:rPr>
               <a:t>paperwork for a flight plan "overflight”.</a:t>
             </a:r>
-            <a:endParaRPr lang="en-US" sz="1800" spc="-1" strike="noStrike">
-              <a:solidFill>
-                <a:srgbClr val="000000"/>
-              </a:solidFill>
-              <a:uFill>
-                <a:solidFill>
-                  <a:srgbClr val="ffffff"/>
-                </a:solidFill>
-              </a:uFill>
-              <a:latin typeface="Arial"/>
-            </a:endParaRPr>
-          </a:p>
-          <a:p>
-            <a:pPr marL="457200" indent="-302760">
-              <a:lnSpc>
-                <a:spcPct val="100000"/>
-              </a:lnSpc>
-            </a:pPr>
-            <a:endParaRPr lang="en-US" sz="1800" spc="-1" strike="noStrike">
-              <a:solidFill>
-                <a:srgbClr val="000000"/>
-              </a:solidFill>
-              <a:uFill>
-                <a:solidFill>
-                  <a:srgbClr val="ffffff"/>
-                </a:solidFill>
-              </a:uFill>
-              <a:latin typeface="Arial"/>
-            </a:endParaRPr>
-          </a:p>
-          <a:p>
-            <a:pPr marL="457200" indent="-302760">
-              <a:lnSpc>
-                <a:spcPct val="100000"/>
-              </a:lnSpc>
-            </a:pPr>
-            <a:r>
-              <a:rPr lang="en-US" sz="1500" spc="-1" strike="noStrike">
+            <a:endParaRPr/>
+          </a:p>
+          <a:p>
+            <a:pPr>
+              <a:lnSpc>
+                <a:spcPct val="100000"/>
+              </a:lnSpc>
+            </a:pPr>
+            <a:endParaRPr/>
+          </a:p>
+          <a:p>
+            <a:pPr>
+              <a:lnSpc>
+                <a:spcPct val="100000"/>
+              </a:lnSpc>
+            </a:pPr>
+            <a:r>
+              <a:rPr lang="fr-FR" sz="1500">
                 <a:solidFill>
                   <a:srgbClr val="000000"/>
                 </a:solidFill>
-                <a:uFill>
-                  <a:solidFill>
-                    <a:srgbClr val="ffffff"/>
-                  </a:solidFill>
-                </a:uFill>
                 <a:latin typeface="Calibri"/>
                 <a:ea typeface="Calibri"/>
               </a:rPr>
               <a:t>	</a:t>
             </a:r>
             <a:r>
-              <a:rPr lang="en-US" sz="1500" spc="-1" strike="noStrike">
+              <a:rPr lang="fr-FR" sz="1500">
                 <a:solidFill>
                   <a:srgbClr val="000000"/>
                 </a:solidFill>
-                <a:uFill>
-                  <a:solidFill>
-                    <a:srgbClr val="ffffff"/>
-                  </a:solidFill>
-                </a:uFill>
                 <a:latin typeface="Calibri"/>
                 <a:ea typeface="Calibri"/>
               </a:rPr>
               <a:t>Ground operations coordinator </a:t>
             </a:r>
             <a:r>
-              <a:rPr lang="en-US" sz="1500" spc="-1" strike="noStrike">
+              <a:rPr lang="fr-FR" sz="1500">
                 <a:solidFill>
                   <a:srgbClr val="000000"/>
                 </a:solidFill>
-                <a:uFill>
-                  <a:solidFill>
-                    <a:srgbClr val="ffffff"/>
-                  </a:solidFill>
-                </a:uFill>
                 <a:latin typeface="Calibri"/>
                 <a:ea typeface="Calibri"/>
               </a:rPr>
               <a:t>	</a:t>
             </a:r>
-            <a:endParaRPr lang="en-US" sz="1800" spc="-1" strike="noStrike">
-              <a:solidFill>
-                <a:srgbClr val="000000"/>
-              </a:solidFill>
-              <a:uFill>
-                <a:solidFill>
-                  <a:srgbClr val="ffffff"/>
-                </a:solidFill>
-              </a:uFill>
-              <a:latin typeface="Arial"/>
-            </a:endParaRPr>
-          </a:p>
-          <a:p>
-            <a:pPr marL="457200" indent="-302760">
-              <a:lnSpc>
-                <a:spcPct val="100000"/>
-              </a:lnSpc>
-            </a:pPr>
-            <a:r>
-              <a:rPr lang="en-US" sz="1500" spc="-1" strike="noStrike">
+            <a:endParaRPr/>
+          </a:p>
+          <a:p>
+            <a:pPr>
+              <a:lnSpc>
+                <a:spcPct val="100000"/>
+              </a:lnSpc>
+            </a:pPr>
+            <a:r>
+              <a:rPr lang="fr-FR" sz="1500">
                 <a:solidFill>
                   <a:srgbClr val="464af4"/>
                 </a:solidFill>
-                <a:uFill>
-                  <a:solidFill>
-                    <a:srgbClr val="ffffff"/>
-                  </a:solidFill>
-                </a:uFill>
                 <a:latin typeface="Calibri"/>
                 <a:ea typeface="Calibri"/>
               </a:rPr>
               <a:t>	</a:t>
             </a:r>
             <a:r>
-              <a:rPr lang="en-US" sz="1200" spc="-1" strike="noStrike">
+              <a:rPr lang="fr-FR" sz="1200">
                 <a:solidFill>
                   <a:srgbClr val="464af4"/>
                 </a:solidFill>
-                <a:uFill>
-                  <a:solidFill>
-                    <a:srgbClr val="ffffff"/>
-                  </a:solidFill>
-                </a:uFill>
                 <a:latin typeface="Calibri"/>
                 <a:ea typeface="Calibri"/>
               </a:rPr>
               <a:t>responsible of passengers.</a:t>
             </a:r>
-            <a:endParaRPr lang="en-US" sz="1800" spc="-1" strike="noStrike">
-              <a:solidFill>
-                <a:srgbClr val="000000"/>
-              </a:solidFill>
-              <a:uFill>
-                <a:solidFill>
-                  <a:srgbClr val="ffffff"/>
-                </a:solidFill>
-              </a:uFill>
-              <a:latin typeface="Arial"/>
-            </a:endParaRPr>
-          </a:p>
-          <a:p>
-            <a:pPr marL="457200" indent="-302760">
-              <a:lnSpc>
-                <a:spcPct val="100000"/>
-              </a:lnSpc>
-            </a:pPr>
-            <a:endParaRPr lang="en-US" sz="1800" spc="-1" strike="noStrike">
-              <a:solidFill>
-                <a:srgbClr val="000000"/>
-              </a:solidFill>
-              <a:uFill>
-                <a:solidFill>
-                  <a:srgbClr val="ffffff"/>
-                </a:solidFill>
-              </a:uFill>
-              <a:latin typeface="Arial"/>
-            </a:endParaRPr>
-          </a:p>
-          <a:p>
-            <a:pPr marL="457200" indent="-302760">
-              <a:lnSpc>
-                <a:spcPct val="100000"/>
-              </a:lnSpc>
-            </a:pPr>
-            <a:r>
-              <a:rPr lang="en-US" sz="1500" spc="-1" strike="noStrike">
+            <a:endParaRPr/>
+          </a:p>
+          <a:p>
+            <a:pPr>
+              <a:lnSpc>
+                <a:spcPct val="100000"/>
+              </a:lnSpc>
+            </a:pPr>
+            <a:endParaRPr/>
+          </a:p>
+          <a:p>
+            <a:pPr>
+              <a:lnSpc>
+                <a:spcPct val="100000"/>
+              </a:lnSpc>
+            </a:pPr>
+            <a:r>
+              <a:rPr lang="fr-FR" sz="1500">
                 <a:solidFill>
                   <a:srgbClr val="000000"/>
                 </a:solidFill>
-                <a:uFill>
-                  <a:solidFill>
-                    <a:srgbClr val="ffffff"/>
-                  </a:solidFill>
-                </a:uFill>
                 <a:latin typeface="Calibri"/>
                 <a:ea typeface="Calibri"/>
               </a:rPr>
               <a:t>	</a:t>
             </a:r>
             <a:r>
-              <a:rPr lang="en-US" sz="1500" spc="-1" strike="noStrike">
+              <a:rPr lang="fr-FR" sz="1500">
                 <a:solidFill>
                   <a:srgbClr val="000000"/>
                 </a:solidFill>
-                <a:uFill>
-                  <a:solidFill>
-                    <a:srgbClr val="ffffff"/>
-                  </a:solidFill>
-                </a:uFill>
                 <a:latin typeface="Calibri"/>
                 <a:ea typeface="Calibri"/>
               </a:rPr>
               <a:t>Flight operations coordinator </a:t>
             </a:r>
-            <a:endParaRPr lang="en-US" sz="1800" spc="-1" strike="noStrike">
-              <a:solidFill>
-                <a:srgbClr val="000000"/>
-              </a:solidFill>
-              <a:uFill>
-                <a:solidFill>
-                  <a:srgbClr val="ffffff"/>
-                </a:solidFill>
-              </a:uFill>
-              <a:latin typeface="Arial"/>
-            </a:endParaRPr>
-          </a:p>
-          <a:p>
-            <a:pPr marL="457200" indent="-302760">
-              <a:lnSpc>
-                <a:spcPct val="100000"/>
-              </a:lnSpc>
-            </a:pPr>
-            <a:r>
-              <a:rPr lang="en-US" sz="1200" spc="-1" strike="noStrike">
+            <a:endParaRPr/>
+          </a:p>
+          <a:p>
+            <a:pPr>
+              <a:lnSpc>
+                <a:spcPct val="100000"/>
+              </a:lnSpc>
+            </a:pPr>
+            <a:r>
+              <a:rPr lang="fr-FR" sz="1200">
                 <a:solidFill>
                   <a:srgbClr val="464af4"/>
                 </a:solidFill>
-                <a:uFill>
-                  <a:solidFill>
-                    <a:srgbClr val="ffffff"/>
-                  </a:solidFill>
-                </a:uFill>
                 <a:latin typeface="Calibri"/>
                 <a:ea typeface="Calibri"/>
               </a:rPr>
               <a:t>handles with gas, pilot, hangar,  fuel status, incoming, connecting, awaiting permits, updating schedule.</a:t>
             </a:r>
-            <a:endParaRPr lang="en-US" sz="1800" spc="-1" strike="noStrike">
-              <a:solidFill>
-                <a:srgbClr val="000000"/>
-              </a:solidFill>
-              <a:uFill>
-                <a:solidFill>
-                  <a:srgbClr val="ffffff"/>
-                </a:solidFill>
-              </a:uFill>
-              <a:latin typeface="Arial"/>
-            </a:endParaRPr>
-          </a:p>
-          <a:p>
-            <a:pPr marL="457200" indent="-302760">
-              <a:lnSpc>
-                <a:spcPct val="100000"/>
-              </a:lnSpc>
-            </a:pPr>
-            <a:endParaRPr lang="en-US" sz="1800" spc="-1" strike="noStrike">
-              <a:solidFill>
-                <a:srgbClr val="000000"/>
-              </a:solidFill>
-              <a:uFill>
-                <a:solidFill>
-                  <a:srgbClr val="ffffff"/>
-                </a:solidFill>
-              </a:uFill>
-              <a:latin typeface="Arial"/>
-            </a:endParaRPr>
-          </a:p>
-          <a:p>
-            <a:pPr marL="457200" indent="-302760">
-              <a:lnSpc>
-                <a:spcPct val="100000"/>
-              </a:lnSpc>
-            </a:pPr>
-            <a:endParaRPr lang="en-US" sz="1800" spc="-1" strike="noStrike">
-              <a:solidFill>
-                <a:srgbClr val="000000"/>
-              </a:solidFill>
-              <a:uFill>
-                <a:solidFill>
-                  <a:srgbClr val="ffffff"/>
-                </a:solidFill>
-              </a:uFill>
-              <a:latin typeface="Arial"/>
-            </a:endParaRPr>
+            <a:endParaRPr/>
+          </a:p>
+          <a:p>
+            <a:pPr>
+              <a:lnSpc>
+                <a:spcPct val="100000"/>
+              </a:lnSpc>
+            </a:pPr>
+            <a:endParaRPr/>
+          </a:p>
+          <a:p>
+            <a:pPr>
+              <a:lnSpc>
+                <a:spcPct val="100000"/>
+              </a:lnSpc>
+            </a:pPr>
+            <a:endParaRPr/>
           </a:p>
         </p:txBody>
       </p:sp>
@@ -8740,7 +5802,7 @@
         <p:spPr>
           <a:xfrm>
             <a:off x="0" y="6572160"/>
-            <a:ext cx="783720" cy="283680"/>
+            <a:ext cx="783360" cy="283320"/>
           </a:xfrm>
           <a:prstGeom prst="rect">
             <a:avLst/>
@@ -8751,24 +5813,13 @@
               <a:fillRect/>
             </a:stretch>
           </a:blipFill>
-          <a:ln>
+          <a:ln w="25560">
+            <a:solidFill>
+              <a:srgbClr val="3a5f8b"/>
+            </a:solidFill>
             <a:round/>
           </a:ln>
         </p:spPr>
-        <p:style>
-          <a:lnRef idx="2">
-            <a:schemeClr val="accent1">
-              <a:shade val="50000"/>
-            </a:schemeClr>
-          </a:lnRef>
-          <a:fillRef idx="1">
-            <a:schemeClr val="accent1"/>
-          </a:fillRef>
-          <a:effectRef idx="0">
-            <a:schemeClr val="accent1"/>
-          </a:effectRef>
-          <a:fontRef idx="minor"/>
-        </p:style>
       </p:sp>
       <p:sp>
         <p:nvSpPr>
@@ -8779,7 +5830,7 @@
         <p:spPr>
           <a:xfrm>
             <a:off x="428760" y="642960"/>
-            <a:ext cx="8255880" cy="783720"/>
+            <a:ext cx="8255520" cy="783360"/>
           </a:xfrm>
           <a:prstGeom prst="rect">
             <a:avLst/>
@@ -8789,51 +5840,27 @@
             <a:noFill/>
           </a:ln>
         </p:spPr>
-        <p:style>
-          <a:lnRef idx="0"/>
-          <a:fillRef idx="0"/>
-          <a:effectRef idx="0"/>
-          <a:fontRef idx="minor"/>
-        </p:style>
         <p:txBody>
           <a:bodyPr lIns="90000" rIns="90000" tIns="45000" bIns="45000" anchor="ctr"/>
           <a:p>
-            <a:pPr marL="571680" indent="-569520">
-              <a:lnSpc>
-                <a:spcPct val="100000"/>
-              </a:lnSpc>
-              <a:buClr>
-                <a:srgbClr val="000000"/>
-              </a:buClr>
+            <a:pPr>
+              <a:lnSpc>
+                <a:spcPct val="100000"/>
+              </a:lnSpc>
               <a:buFont typeface="Arial"/>
               <a:buAutoNum type="romanUcPeriod"/>
             </a:pPr>
             <a:r>
-              <a:rPr lang="en-US" sz="3200" spc="-1" strike="noStrike">
+              <a:rPr lang="fr-FR" sz="3200">
                 <a:solidFill>
                   <a:srgbClr val="000000"/>
                 </a:solidFill>
-                <a:uFill>
-                  <a:solidFill>
-                    <a:srgbClr val="ffffff"/>
-                  </a:solidFill>
-                </a:uFill>
                 <a:latin typeface="Calibri"/>
                 <a:ea typeface="DejaVu Sans"/>
               </a:rPr>
               <a:t>First lesson</a:t>
             </a:r>
-            <a:endParaRPr lang="en-US" sz="1800" spc="-1" strike="noStrike">
-              <a:solidFill>
-                <a:srgbClr val="000000"/>
-              </a:solidFill>
-              <a:uFill>
-                <a:solidFill>
-                  <a:srgbClr val="ffffff"/>
-                </a:solidFill>
-              </a:uFill>
-              <a:latin typeface="Arial"/>
-            </a:endParaRPr>
+            <a:endParaRPr/>
           </a:p>
         </p:txBody>
       </p:sp>
@@ -8895,7 +5922,7 @@
         <p:spPr>
           <a:xfrm>
             <a:off x="428760" y="1714320"/>
-            <a:ext cx="8227440" cy="4926960"/>
+            <a:ext cx="8227080" cy="4926600"/>
           </a:xfrm>
           <a:prstGeom prst="rect">
             <a:avLst/>
@@ -8905,814 +5932,453 @@
             <a:noFill/>
           </a:ln>
         </p:spPr>
-        <p:style>
-          <a:lnRef idx="0"/>
-          <a:fillRef idx="0"/>
-          <a:effectRef idx="0"/>
-          <a:fontRef idx="minor"/>
-        </p:style>
         <p:txBody>
           <a:bodyPr lIns="90000" rIns="90000" tIns="45000" bIns="45000"/>
           <a:p>
-            <a:pPr marL="343080" indent="-340920">
-              <a:lnSpc>
-                <a:spcPct val="100000"/>
-              </a:lnSpc>
-            </a:pPr>
-            <a:r>
-              <a:rPr b="1" lang="en-US" sz="1500" spc="-1" strike="noStrike" u="sng">
+            <a:pPr>
+              <a:lnSpc>
+                <a:spcPct val="100000"/>
+              </a:lnSpc>
+            </a:pPr>
+            <a:r>
+              <a:rPr b="1" lang="fr-FR" sz="1500" u="sng">
                 <a:solidFill>
                   <a:srgbClr val="c00000"/>
                 </a:solidFill>
-                <a:uFill>
-                  <a:solidFill>
-                    <a:srgbClr val="ffffff"/>
-                  </a:solidFill>
-                </a:uFill>
                 <a:latin typeface="Calibri"/>
                 <a:ea typeface="DejaVu Sans"/>
               </a:rPr>
               <a:t>Users of the system</a:t>
             </a:r>
             <a:r>
-              <a:rPr b="1" lang="en-US" sz="1500" spc="-1" strike="noStrike">
+              <a:rPr b="1" lang="fr-FR" sz="1500">
                 <a:solidFill>
                   <a:srgbClr val="c00000"/>
                 </a:solidFill>
-                <a:uFill>
-                  <a:solidFill>
-                    <a:srgbClr val="ffffff"/>
-                  </a:solidFill>
-                </a:uFill>
                 <a:latin typeface="Calibri"/>
                 <a:ea typeface="DejaVu Sans"/>
               </a:rPr>
               <a:t> :</a:t>
             </a:r>
-            <a:endParaRPr lang="en-US" sz="1800" spc="-1" strike="noStrike">
-              <a:solidFill>
-                <a:srgbClr val="000000"/>
-              </a:solidFill>
-              <a:uFill>
-                <a:solidFill>
-                  <a:srgbClr val="ffffff"/>
-                </a:solidFill>
-              </a:uFill>
-              <a:latin typeface="Arial"/>
-            </a:endParaRPr>
-          </a:p>
-          <a:p>
-            <a:pPr marL="343080" indent="-340920">
-              <a:lnSpc>
-                <a:spcPct val="100000"/>
-              </a:lnSpc>
-            </a:pPr>
-            <a:endParaRPr lang="en-US" sz="1800" spc="-1" strike="noStrike">
-              <a:solidFill>
-                <a:srgbClr val="000000"/>
-              </a:solidFill>
-              <a:uFill>
-                <a:solidFill>
-                  <a:srgbClr val="ffffff"/>
-                </a:solidFill>
-              </a:uFill>
-              <a:latin typeface="Arial"/>
-            </a:endParaRPr>
-          </a:p>
-          <a:p>
-            <a:pPr marL="457200" indent="-302760">
-              <a:lnSpc>
-                <a:spcPct val="100000"/>
-              </a:lnSpc>
-            </a:pPr>
-            <a:r>
-              <a:rPr lang="en-US" sz="1500" spc="-1" strike="noStrike">
+            <a:endParaRPr/>
+          </a:p>
+          <a:p>
+            <a:pPr>
+              <a:lnSpc>
+                <a:spcPct val="100000"/>
+              </a:lnSpc>
+            </a:pPr>
+            <a:endParaRPr/>
+          </a:p>
+          <a:p>
+            <a:pPr>
+              <a:lnSpc>
+                <a:spcPct val="100000"/>
+              </a:lnSpc>
+            </a:pPr>
+            <a:r>
+              <a:rPr lang="fr-FR" sz="1500">
                 <a:solidFill>
                   <a:srgbClr val="000000"/>
                 </a:solidFill>
-                <a:uFill>
-                  <a:solidFill>
-                    <a:srgbClr val="ffffff"/>
-                  </a:solidFill>
-                </a:uFill>
                 <a:latin typeface="Calibri"/>
                 <a:ea typeface="Calibri"/>
               </a:rPr>
               <a:t>	</a:t>
             </a:r>
             <a:r>
-              <a:rPr lang="en-US" sz="1500" spc="-1" strike="noStrike">
+              <a:rPr lang="fr-FR" sz="1500">
                 <a:solidFill>
                   <a:srgbClr val="000000"/>
                 </a:solidFill>
-                <a:uFill>
-                  <a:solidFill>
-                    <a:srgbClr val="ffffff"/>
-                  </a:solidFill>
-                </a:uFill>
                 <a:latin typeface="Calibri"/>
                 <a:ea typeface="Calibri"/>
               </a:rPr>
               <a:t>Operations duty officer </a:t>
             </a:r>
-            <a:endParaRPr lang="en-US" sz="1800" spc="-1" strike="noStrike">
-              <a:solidFill>
-                <a:srgbClr val="000000"/>
-              </a:solidFill>
-              <a:uFill>
-                <a:solidFill>
-                  <a:srgbClr val="ffffff"/>
-                </a:solidFill>
-              </a:uFill>
-              <a:latin typeface="Arial"/>
-            </a:endParaRPr>
-          </a:p>
-          <a:p>
-            <a:pPr marL="457200" indent="-302760">
-              <a:lnSpc>
-                <a:spcPct val="100000"/>
-              </a:lnSpc>
-            </a:pPr>
-            <a:r>
-              <a:rPr lang="en-US" sz="1500" spc="-1" strike="noStrike">
+            <a:endParaRPr/>
+          </a:p>
+          <a:p>
+            <a:pPr>
+              <a:lnSpc>
+                <a:spcPct val="100000"/>
+              </a:lnSpc>
+            </a:pPr>
+            <a:r>
+              <a:rPr lang="fr-FR" sz="1500">
                 <a:solidFill>
                   <a:srgbClr val="000000"/>
                 </a:solidFill>
-                <a:uFill>
-                  <a:solidFill>
-                    <a:srgbClr val="ffffff"/>
-                  </a:solidFill>
-                </a:uFill>
                 <a:latin typeface="Calibri"/>
                 <a:ea typeface="Calibri"/>
               </a:rPr>
               <a:t> </a:t>
             </a:r>
             <a:r>
-              <a:rPr lang="en-US" sz="1500" spc="-1" strike="noStrike">
+              <a:rPr lang="fr-FR" sz="1500">
                 <a:solidFill>
                   <a:srgbClr val="000000"/>
                 </a:solidFill>
-                <a:uFill>
-                  <a:solidFill>
-                    <a:srgbClr val="ffffff"/>
-                  </a:solidFill>
-                </a:uFill>
                 <a:latin typeface="Calibri"/>
                 <a:ea typeface="Calibri"/>
               </a:rPr>
               <a:t>	</a:t>
             </a:r>
             <a:r>
-              <a:rPr lang="en-US" sz="1200" spc="-1" strike="noStrike">
+              <a:rPr lang="fr-FR" sz="1200">
                 <a:solidFill>
                   <a:srgbClr val="464af4"/>
                 </a:solidFill>
-                <a:uFill>
-                  <a:solidFill>
-                    <a:srgbClr val="ffffff"/>
-                  </a:solidFill>
-                </a:uFill>
                 <a:latin typeface="Calibri"/>
                 <a:ea typeface="Calibri"/>
               </a:rPr>
               <a:t>the head problem solver.</a:t>
             </a:r>
-            <a:endParaRPr lang="en-US" sz="1800" spc="-1" strike="noStrike">
-              <a:solidFill>
-                <a:srgbClr val="000000"/>
-              </a:solidFill>
-              <a:uFill>
-                <a:solidFill>
-                  <a:srgbClr val="ffffff"/>
-                </a:solidFill>
-              </a:uFill>
-              <a:latin typeface="Arial"/>
-            </a:endParaRPr>
-          </a:p>
-          <a:p>
-            <a:pPr marL="457200" indent="-302760">
-              <a:lnSpc>
-                <a:spcPct val="100000"/>
-              </a:lnSpc>
-            </a:pPr>
-            <a:endParaRPr lang="en-US" sz="1800" spc="-1" strike="noStrike">
-              <a:solidFill>
-                <a:srgbClr val="000000"/>
-              </a:solidFill>
-              <a:uFill>
-                <a:solidFill>
-                  <a:srgbClr val="ffffff"/>
-                </a:solidFill>
-              </a:uFill>
-              <a:latin typeface="Arial"/>
-            </a:endParaRPr>
-          </a:p>
-          <a:p>
-            <a:pPr marL="457200" indent="-302760">
-              <a:lnSpc>
-                <a:spcPct val="100000"/>
-              </a:lnSpc>
-            </a:pPr>
-            <a:r>
-              <a:rPr lang="en-US" sz="1500" spc="-1" strike="noStrike">
+            <a:endParaRPr/>
+          </a:p>
+          <a:p>
+            <a:pPr>
+              <a:lnSpc>
+                <a:spcPct val="100000"/>
+              </a:lnSpc>
+            </a:pPr>
+            <a:endParaRPr/>
+          </a:p>
+          <a:p>
+            <a:pPr>
+              <a:lnSpc>
+                <a:spcPct val="100000"/>
+              </a:lnSpc>
+            </a:pPr>
+            <a:r>
+              <a:rPr lang="fr-FR" sz="1500">
                 <a:solidFill>
                   <a:srgbClr val="000000"/>
                 </a:solidFill>
-                <a:uFill>
-                  <a:solidFill>
-                    <a:srgbClr val="ffffff"/>
-                  </a:solidFill>
-                </a:uFill>
                 <a:latin typeface="Calibri"/>
                 <a:ea typeface="Calibri"/>
               </a:rPr>
               <a:t>	</a:t>
             </a:r>
             <a:r>
-              <a:rPr lang="en-US" sz="1500" spc="-1" strike="noStrike">
+              <a:rPr lang="fr-FR" sz="1500">
                 <a:solidFill>
                   <a:srgbClr val="000000"/>
                 </a:solidFill>
-                <a:uFill>
-                  <a:solidFill>
-                    <a:srgbClr val="ffffff"/>
-                  </a:solidFill>
-                </a:uFill>
                 <a:latin typeface="Calibri"/>
                 <a:ea typeface="Calibri"/>
               </a:rPr>
               <a:t>Crew dispatcher</a:t>
             </a:r>
-            <a:endParaRPr lang="en-US" sz="1800" spc="-1" strike="noStrike">
-              <a:solidFill>
-                <a:srgbClr val="000000"/>
-              </a:solidFill>
-              <a:uFill>
-                <a:solidFill>
-                  <a:srgbClr val="ffffff"/>
-                </a:solidFill>
-              </a:uFill>
-              <a:latin typeface="Arial"/>
-            </a:endParaRPr>
-          </a:p>
-          <a:p>
-            <a:pPr marL="457200" indent="-302760">
-              <a:lnSpc>
-                <a:spcPct val="100000"/>
-              </a:lnSpc>
-            </a:pPr>
-            <a:r>
-              <a:rPr lang="en-US" sz="1200" spc="-1" strike="noStrike">
+            <a:endParaRPr/>
+          </a:p>
+          <a:p>
+            <a:pPr>
+              <a:lnSpc>
+                <a:spcPct val="100000"/>
+              </a:lnSpc>
+            </a:pPr>
+            <a:r>
+              <a:rPr lang="fr-FR" sz="1200">
                 <a:solidFill>
                   <a:srgbClr val="464af4"/>
                 </a:solidFill>
-                <a:uFill>
-                  <a:solidFill>
-                    <a:srgbClr val="ffffff"/>
-                  </a:solidFill>
-                </a:uFill>
                 <a:latin typeface="Calibri"/>
                 <a:ea typeface="Calibri"/>
               </a:rPr>
               <a:t>	</a:t>
             </a:r>
             <a:r>
-              <a:rPr lang="en-US" sz="1200" spc="-1" strike="noStrike">
+              <a:rPr lang="fr-FR" sz="1200">
                 <a:solidFill>
                   <a:srgbClr val="464af4"/>
                 </a:solidFill>
-                <a:uFill>
-                  <a:solidFill>
-                    <a:srgbClr val="ffffff"/>
-                  </a:solidFill>
-                </a:uFill>
                 <a:latin typeface="Calibri"/>
                 <a:ea typeface="Calibri"/>
               </a:rPr>
               <a:t>handle with the crew members.</a:t>
             </a:r>
-            <a:endParaRPr lang="en-US" sz="1800" spc="-1" strike="noStrike">
-              <a:solidFill>
-                <a:srgbClr val="000000"/>
-              </a:solidFill>
-              <a:uFill>
-                <a:solidFill>
-                  <a:srgbClr val="ffffff"/>
-                </a:solidFill>
-              </a:uFill>
-              <a:latin typeface="Arial"/>
-            </a:endParaRPr>
-          </a:p>
-          <a:p>
-            <a:pPr marL="457200" indent="-302760">
-              <a:lnSpc>
-                <a:spcPct val="100000"/>
-              </a:lnSpc>
-            </a:pPr>
-            <a:endParaRPr lang="en-US" sz="1800" spc="-1" strike="noStrike">
-              <a:solidFill>
-                <a:srgbClr val="000000"/>
-              </a:solidFill>
-              <a:uFill>
-                <a:solidFill>
-                  <a:srgbClr val="ffffff"/>
-                </a:solidFill>
-              </a:uFill>
-              <a:latin typeface="Arial"/>
-            </a:endParaRPr>
-          </a:p>
-          <a:p>
-            <a:pPr marL="457200" indent="-302760">
-              <a:lnSpc>
-                <a:spcPct val="100000"/>
-              </a:lnSpc>
-            </a:pPr>
-            <a:r>
-              <a:rPr lang="en-US" sz="1500" spc="-1" strike="noStrike">
+            <a:endParaRPr/>
+          </a:p>
+          <a:p>
+            <a:pPr>
+              <a:lnSpc>
+                <a:spcPct val="100000"/>
+              </a:lnSpc>
+            </a:pPr>
+            <a:endParaRPr/>
+          </a:p>
+          <a:p>
+            <a:pPr>
+              <a:lnSpc>
+                <a:spcPct val="100000"/>
+              </a:lnSpc>
+            </a:pPr>
+            <a:r>
+              <a:rPr lang="fr-FR" sz="1500">
                 <a:solidFill>
                   <a:srgbClr val="000000"/>
                 </a:solidFill>
-                <a:uFill>
-                  <a:solidFill>
-                    <a:srgbClr val="ffffff"/>
-                  </a:solidFill>
-                </a:uFill>
                 <a:latin typeface="Calibri"/>
                 <a:ea typeface="Calibri"/>
               </a:rPr>
               <a:t>	</a:t>
             </a:r>
             <a:r>
-              <a:rPr lang="en-US" sz="1500" spc="-1" strike="noStrike">
+              <a:rPr lang="fr-FR" sz="1500">
                 <a:solidFill>
                   <a:srgbClr val="000000"/>
                 </a:solidFill>
-                <a:uFill>
-                  <a:solidFill>
-                    <a:srgbClr val="ffffff"/>
-                  </a:solidFill>
-                </a:uFill>
                 <a:latin typeface="Calibri"/>
                 <a:ea typeface="Calibri"/>
               </a:rPr>
               <a:t>Flight dispatcher manager</a:t>
             </a:r>
-            <a:endParaRPr lang="en-US" sz="1800" spc="-1" strike="noStrike">
-              <a:solidFill>
-                <a:srgbClr val="000000"/>
-              </a:solidFill>
-              <a:uFill>
-                <a:solidFill>
-                  <a:srgbClr val="ffffff"/>
-                </a:solidFill>
-              </a:uFill>
-              <a:latin typeface="Arial"/>
-            </a:endParaRPr>
-          </a:p>
-          <a:p>
-            <a:pPr marL="457200" indent="-302760">
-              <a:lnSpc>
-                <a:spcPct val="100000"/>
-              </a:lnSpc>
-            </a:pPr>
-            <a:r>
-              <a:rPr lang="en-US" sz="1500" spc="-1" strike="noStrike">
+            <a:endParaRPr/>
+          </a:p>
+          <a:p>
+            <a:pPr>
+              <a:lnSpc>
+                <a:spcPct val="100000"/>
+              </a:lnSpc>
+            </a:pPr>
+            <a:r>
+              <a:rPr lang="fr-FR" sz="1500">
                 <a:solidFill>
                   <a:srgbClr val="000000"/>
                 </a:solidFill>
-                <a:uFill>
-                  <a:solidFill>
-                    <a:srgbClr val="ffffff"/>
-                  </a:solidFill>
-                </a:uFill>
                 <a:latin typeface="Calibri"/>
                 <a:ea typeface="Calibri"/>
               </a:rPr>
               <a:t> </a:t>
             </a:r>
             <a:r>
-              <a:rPr lang="en-US" sz="1500" spc="-1" strike="noStrike">
+              <a:rPr lang="fr-FR" sz="1500">
                 <a:solidFill>
                   <a:srgbClr val="000000"/>
                 </a:solidFill>
-                <a:uFill>
-                  <a:solidFill>
-                    <a:srgbClr val="ffffff"/>
-                  </a:solidFill>
-                </a:uFill>
                 <a:latin typeface="Calibri"/>
                 <a:ea typeface="Calibri"/>
               </a:rPr>
               <a:t>	</a:t>
             </a:r>
             <a:r>
-              <a:rPr lang="en-US" sz="1200" spc="-1" strike="noStrike">
+              <a:rPr lang="fr-FR" sz="1200">
                 <a:solidFill>
                   <a:srgbClr val="464af4"/>
                 </a:solidFill>
-                <a:uFill>
-                  <a:solidFill>
-                    <a:srgbClr val="ffffff"/>
-                  </a:solidFill>
-                </a:uFill>
                 <a:latin typeface="Calibri"/>
                 <a:ea typeface="Calibri"/>
               </a:rPr>
               <a:t>manage the team</a:t>
             </a:r>
-            <a:endParaRPr lang="en-US" sz="1800" spc="-1" strike="noStrike">
-              <a:solidFill>
-                <a:srgbClr val="000000"/>
-              </a:solidFill>
-              <a:uFill>
-                <a:solidFill>
-                  <a:srgbClr val="ffffff"/>
-                </a:solidFill>
-              </a:uFill>
-              <a:latin typeface="Arial"/>
-            </a:endParaRPr>
-          </a:p>
-          <a:p>
-            <a:pPr marL="343080" indent="-340920">
-              <a:lnSpc>
-                <a:spcPct val="100000"/>
-              </a:lnSpc>
-            </a:pPr>
-            <a:endParaRPr lang="en-US" sz="1800" spc="-1" strike="noStrike">
-              <a:solidFill>
-                <a:srgbClr val="000000"/>
-              </a:solidFill>
-              <a:uFill>
-                <a:solidFill>
-                  <a:srgbClr val="ffffff"/>
-                </a:solidFill>
-              </a:uFill>
-              <a:latin typeface="Arial"/>
-            </a:endParaRPr>
-          </a:p>
-          <a:p>
-            <a:pPr marL="343080" indent="-340920">
-              <a:lnSpc>
-                <a:spcPct val="100000"/>
-              </a:lnSpc>
-            </a:pPr>
-            <a:r>
-              <a:rPr b="1" lang="en-US" sz="1500" spc="-1" strike="noStrike" u="sng">
+            <a:endParaRPr/>
+          </a:p>
+          <a:p>
+            <a:pPr>
+              <a:lnSpc>
+                <a:spcPct val="100000"/>
+              </a:lnSpc>
+            </a:pPr>
+            <a:endParaRPr/>
+          </a:p>
+          <a:p>
+            <a:pPr>
+              <a:lnSpc>
+                <a:spcPct val="100000"/>
+              </a:lnSpc>
+            </a:pPr>
+            <a:r>
+              <a:rPr b="1" lang="fr-FR" sz="1500" u="sng">
                 <a:solidFill>
                   <a:srgbClr val="c00000"/>
                 </a:solidFill>
-                <a:uFill>
-                  <a:solidFill>
-                    <a:srgbClr val="ffffff"/>
-                  </a:solidFill>
-                </a:uFill>
                 <a:latin typeface="Calibri"/>
                 <a:ea typeface="Calibri"/>
               </a:rPr>
               <a:t>Acess level:</a:t>
             </a:r>
-            <a:endParaRPr lang="en-US" sz="1800" spc="-1" strike="noStrike">
-              <a:solidFill>
-                <a:srgbClr val="000000"/>
-              </a:solidFill>
-              <a:uFill>
-                <a:solidFill>
-                  <a:srgbClr val="ffffff"/>
-                </a:solidFill>
-              </a:uFill>
-              <a:latin typeface="Arial"/>
-            </a:endParaRPr>
-          </a:p>
-          <a:p>
-            <a:pPr marL="343080" indent="-340920">
-              <a:lnSpc>
-                <a:spcPct val="100000"/>
-              </a:lnSpc>
-            </a:pPr>
-            <a:endParaRPr lang="en-US" sz="1800" spc="-1" strike="noStrike">
-              <a:solidFill>
-                <a:srgbClr val="000000"/>
-              </a:solidFill>
-              <a:uFill>
-                <a:solidFill>
-                  <a:srgbClr val="ffffff"/>
-                </a:solidFill>
-              </a:uFill>
-              <a:latin typeface="Arial"/>
-            </a:endParaRPr>
-          </a:p>
-          <a:p>
-            <a:pPr marL="457200" indent="-302760">
-              <a:lnSpc>
-                <a:spcPct val="100000"/>
-              </a:lnSpc>
-            </a:pPr>
-            <a:r>
-              <a:rPr lang="en-US" sz="1500" spc="-1" strike="noStrike">
+            <a:endParaRPr/>
+          </a:p>
+          <a:p>
+            <a:pPr>
+              <a:lnSpc>
+                <a:spcPct val="100000"/>
+              </a:lnSpc>
+            </a:pPr>
+            <a:endParaRPr/>
+          </a:p>
+          <a:p>
+            <a:pPr>
+              <a:lnSpc>
+                <a:spcPct val="100000"/>
+              </a:lnSpc>
+            </a:pPr>
+            <a:r>
+              <a:rPr lang="fr-FR" sz="1500">
                 <a:solidFill>
                   <a:srgbClr val="000000"/>
                 </a:solidFill>
-                <a:uFill>
-                  <a:solidFill>
-                    <a:srgbClr val="ffffff"/>
-                  </a:solidFill>
-                </a:uFill>
                 <a:latin typeface="Calibri"/>
                 <a:ea typeface="Calibri"/>
               </a:rPr>
               <a:t>       </a:t>
             </a:r>
             <a:r>
-              <a:rPr lang="en-US" sz="1500" spc="-1" strike="noStrike">
+              <a:rPr lang="fr-FR" sz="1500">
                 <a:solidFill>
                   <a:srgbClr val="000000"/>
                 </a:solidFill>
-                <a:uFill>
-                  <a:solidFill>
-                    <a:srgbClr val="ffffff"/>
-                  </a:solidFill>
-                </a:uFill>
                 <a:latin typeface="Calibri"/>
                 <a:ea typeface="Calibri"/>
               </a:rPr>
               <a:t>OCC</a:t>
             </a:r>
-            <a:endParaRPr lang="en-US" sz="1800" spc="-1" strike="noStrike">
-              <a:solidFill>
-                <a:srgbClr val="000000"/>
-              </a:solidFill>
-              <a:uFill>
-                <a:solidFill>
-                  <a:srgbClr val="ffffff"/>
-                </a:solidFill>
-              </a:uFill>
-              <a:latin typeface="Arial"/>
-            </a:endParaRPr>
-          </a:p>
-          <a:p>
-            <a:pPr marL="457200" indent="-302760">
-              <a:lnSpc>
-                <a:spcPct val="100000"/>
-              </a:lnSpc>
-            </a:pPr>
-            <a:r>
-              <a:rPr lang="en-US" sz="1500" spc="-1" strike="noStrike">
+            <a:endParaRPr/>
+          </a:p>
+          <a:p>
+            <a:pPr>
+              <a:lnSpc>
+                <a:spcPct val="100000"/>
+              </a:lnSpc>
+            </a:pPr>
+            <a:r>
+              <a:rPr lang="fr-FR" sz="1500">
                 <a:solidFill>
                   <a:srgbClr val="000000"/>
                 </a:solidFill>
-                <a:uFill>
-                  <a:solidFill>
-                    <a:srgbClr val="ffffff"/>
-                  </a:solidFill>
-                </a:uFill>
                 <a:latin typeface="Calibri"/>
                 <a:ea typeface="Calibri"/>
               </a:rPr>
               <a:t> </a:t>
             </a:r>
             <a:r>
-              <a:rPr lang="en-US" sz="1500" spc="-1" strike="noStrike">
+              <a:rPr lang="fr-FR" sz="1500">
                 <a:solidFill>
                   <a:srgbClr val="000000"/>
                 </a:solidFill>
-                <a:uFill>
-                  <a:solidFill>
-                    <a:srgbClr val="ffffff"/>
-                  </a:solidFill>
-                </a:uFill>
                 <a:latin typeface="Calibri"/>
                 <a:ea typeface="Calibri"/>
               </a:rPr>
               <a:t>	</a:t>
             </a:r>
             <a:r>
-              <a:rPr lang="en-US" sz="1200" spc="-1" strike="noStrike">
+              <a:rPr lang="fr-FR" sz="1200">
                 <a:solidFill>
                   <a:srgbClr val="464af4"/>
                 </a:solidFill>
-                <a:uFill>
-                  <a:solidFill>
-                    <a:srgbClr val="ffffff"/>
-                  </a:solidFill>
-                </a:uFill>
                 <a:latin typeface="Calibri"/>
                 <a:ea typeface="Calibri"/>
               </a:rPr>
               <a:t>Who can changes the crews members &amp; departure and arrival time also departure and arrival airport.</a:t>
             </a:r>
-            <a:endParaRPr lang="en-US" sz="1800" spc="-1" strike="noStrike">
-              <a:solidFill>
-                <a:srgbClr val="000000"/>
-              </a:solidFill>
-              <a:uFill>
-                <a:solidFill>
-                  <a:srgbClr val="ffffff"/>
-                </a:solidFill>
-              </a:uFill>
-              <a:latin typeface="Arial"/>
-            </a:endParaRPr>
-          </a:p>
-          <a:p>
-            <a:pPr marL="457200" indent="-302760">
-              <a:lnSpc>
-                <a:spcPct val="100000"/>
-              </a:lnSpc>
-            </a:pPr>
-            <a:endParaRPr lang="en-US" sz="1800" spc="-1" strike="noStrike">
-              <a:solidFill>
-                <a:srgbClr val="000000"/>
-              </a:solidFill>
-              <a:uFill>
-                <a:solidFill>
-                  <a:srgbClr val="ffffff"/>
-                </a:solidFill>
-              </a:uFill>
-              <a:latin typeface="Arial"/>
-            </a:endParaRPr>
-          </a:p>
-          <a:p>
-            <a:pPr marL="457200" indent="-302760">
-              <a:lnSpc>
-                <a:spcPct val="100000"/>
-              </a:lnSpc>
-            </a:pPr>
-            <a:r>
-              <a:rPr lang="en-US" sz="1500" spc="-1" strike="noStrike">
+            <a:endParaRPr/>
+          </a:p>
+          <a:p>
+            <a:pPr>
+              <a:lnSpc>
+                <a:spcPct val="100000"/>
+              </a:lnSpc>
+            </a:pPr>
+            <a:endParaRPr/>
+          </a:p>
+          <a:p>
+            <a:pPr>
+              <a:lnSpc>
+                <a:spcPct val="100000"/>
+              </a:lnSpc>
+            </a:pPr>
+            <a:r>
+              <a:rPr lang="fr-FR" sz="1500">
                 <a:solidFill>
                   <a:srgbClr val="000000"/>
                 </a:solidFill>
-                <a:uFill>
-                  <a:solidFill>
-                    <a:srgbClr val="ffffff"/>
-                  </a:solidFill>
-                </a:uFill>
                 <a:latin typeface="Calibri"/>
                 <a:ea typeface="Calibri"/>
               </a:rPr>
               <a:t>       </a:t>
             </a:r>
             <a:r>
-              <a:rPr lang="en-US" sz="1500" spc="-1" strike="noStrike">
+              <a:rPr lang="fr-FR" sz="1500">
                 <a:solidFill>
                   <a:srgbClr val="000000"/>
                 </a:solidFill>
-                <a:uFill>
-                  <a:solidFill>
-                    <a:srgbClr val="ffffff"/>
-                  </a:solidFill>
-                </a:uFill>
                 <a:latin typeface="Calibri"/>
                 <a:ea typeface="Calibri"/>
               </a:rPr>
               <a:t>Crew members </a:t>
             </a:r>
-            <a:endParaRPr lang="en-US" sz="1800" spc="-1" strike="noStrike">
-              <a:solidFill>
-                <a:srgbClr val="000000"/>
-              </a:solidFill>
-              <a:uFill>
-                <a:solidFill>
-                  <a:srgbClr val="ffffff"/>
-                </a:solidFill>
-              </a:uFill>
-              <a:latin typeface="Arial"/>
-            </a:endParaRPr>
-          </a:p>
-          <a:p>
-            <a:pPr marL="457200" indent="-302760">
-              <a:lnSpc>
-                <a:spcPct val="100000"/>
-              </a:lnSpc>
-            </a:pPr>
-            <a:r>
-              <a:rPr lang="en-US" sz="1500" spc="-1" strike="noStrike">
+            <a:endParaRPr/>
+          </a:p>
+          <a:p>
+            <a:pPr>
+              <a:lnSpc>
+                <a:spcPct val="100000"/>
+              </a:lnSpc>
+            </a:pPr>
+            <a:r>
+              <a:rPr lang="fr-FR" sz="1500">
                 <a:solidFill>
                   <a:srgbClr val="000000"/>
                 </a:solidFill>
-                <a:uFill>
-                  <a:solidFill>
-                    <a:srgbClr val="ffffff"/>
-                  </a:solidFill>
-                </a:uFill>
                 <a:latin typeface="Calibri"/>
                 <a:ea typeface="Calibri"/>
               </a:rPr>
               <a:t> </a:t>
             </a:r>
             <a:r>
-              <a:rPr lang="en-US" sz="1500" spc="-1" strike="noStrike">
+              <a:rPr lang="fr-FR" sz="1500">
                 <a:solidFill>
                   <a:srgbClr val="000000"/>
                 </a:solidFill>
-                <a:uFill>
-                  <a:solidFill>
-                    <a:srgbClr val="ffffff"/>
-                  </a:solidFill>
-                </a:uFill>
                 <a:latin typeface="Calibri"/>
                 <a:ea typeface="Calibri"/>
               </a:rPr>
               <a:t>	</a:t>
             </a:r>
             <a:r>
-              <a:rPr lang="en-US" sz="1200" spc="-1" strike="noStrike">
+              <a:rPr lang="fr-FR" sz="1200">
                 <a:solidFill>
                   <a:srgbClr val="464af4"/>
                 </a:solidFill>
-                <a:uFill>
-                  <a:solidFill>
-                    <a:srgbClr val="ffffff"/>
-                  </a:solidFill>
-                </a:uFill>
                 <a:latin typeface="Calibri"/>
                 <a:ea typeface="Calibri"/>
               </a:rPr>
               <a:t>Who can see their next flights without changing the informations, they can also contact the OCC by email.</a:t>
             </a:r>
-            <a:endParaRPr lang="en-US" sz="1800" spc="-1" strike="noStrike">
-              <a:solidFill>
-                <a:srgbClr val="000000"/>
-              </a:solidFill>
-              <a:uFill>
-                <a:solidFill>
-                  <a:srgbClr val="ffffff"/>
-                </a:solidFill>
-              </a:uFill>
-              <a:latin typeface="Arial"/>
-            </a:endParaRPr>
-          </a:p>
-          <a:p>
-            <a:pPr marL="457200" indent="-302760">
-              <a:lnSpc>
-                <a:spcPct val="100000"/>
-              </a:lnSpc>
-            </a:pPr>
-            <a:endParaRPr lang="en-US" sz="1800" spc="-1" strike="noStrike">
-              <a:solidFill>
-                <a:srgbClr val="000000"/>
-              </a:solidFill>
-              <a:uFill>
-                <a:solidFill>
-                  <a:srgbClr val="ffffff"/>
-                </a:solidFill>
-              </a:uFill>
-              <a:latin typeface="Arial"/>
-            </a:endParaRPr>
-          </a:p>
-          <a:p>
-            <a:pPr marL="457200" indent="-302760">
-              <a:lnSpc>
-                <a:spcPct val="100000"/>
-              </a:lnSpc>
-            </a:pPr>
-            <a:endParaRPr lang="en-US" sz="1800" spc="-1" strike="noStrike">
-              <a:solidFill>
-                <a:srgbClr val="000000"/>
-              </a:solidFill>
-              <a:uFill>
-                <a:solidFill>
-                  <a:srgbClr val="ffffff"/>
-                </a:solidFill>
-              </a:uFill>
-              <a:latin typeface="Arial"/>
-            </a:endParaRPr>
-          </a:p>
-          <a:p>
-            <a:pPr marL="343080" indent="-340920">
-              <a:lnSpc>
-                <a:spcPct val="100000"/>
-              </a:lnSpc>
-            </a:pPr>
-            <a:endParaRPr lang="en-US" sz="1800" spc="-1" strike="noStrike">
-              <a:solidFill>
-                <a:srgbClr val="000000"/>
-              </a:solidFill>
-              <a:uFill>
-                <a:solidFill>
-                  <a:srgbClr val="ffffff"/>
-                </a:solidFill>
-              </a:uFill>
-              <a:latin typeface="Arial"/>
-            </a:endParaRPr>
-          </a:p>
-          <a:p>
-            <a:pPr marL="457200" indent="-340920">
-              <a:lnSpc>
-                <a:spcPct val="100000"/>
-              </a:lnSpc>
-            </a:pPr>
-            <a:endParaRPr lang="en-US" sz="1800" spc="-1" strike="noStrike">
-              <a:solidFill>
-                <a:srgbClr val="000000"/>
-              </a:solidFill>
-              <a:uFill>
-                <a:solidFill>
-                  <a:srgbClr val="ffffff"/>
-                </a:solidFill>
-              </a:uFill>
-              <a:latin typeface="Arial"/>
-            </a:endParaRPr>
+            <a:endParaRPr/>
+          </a:p>
+          <a:p>
+            <a:pPr>
+              <a:lnSpc>
+                <a:spcPct val="100000"/>
+              </a:lnSpc>
+            </a:pPr>
+            <a:endParaRPr/>
+          </a:p>
+          <a:p>
+            <a:pPr>
+              <a:lnSpc>
+                <a:spcPct val="100000"/>
+              </a:lnSpc>
+            </a:pPr>
+            <a:endParaRPr/>
+          </a:p>
+          <a:p>
+            <a:pPr>
+              <a:lnSpc>
+                <a:spcPct val="100000"/>
+              </a:lnSpc>
+            </a:pPr>
+            <a:endParaRPr/>
+          </a:p>
+          <a:p>
+            <a:pPr>
+              <a:lnSpc>
+                <a:spcPct val="100000"/>
+              </a:lnSpc>
+            </a:pPr>
+            <a:endParaRPr/>
           </a:p>
         </p:txBody>
       </p:sp>
@@ -9725,7 +6391,7 @@
         <p:spPr>
           <a:xfrm>
             <a:off x="0" y="6572160"/>
-            <a:ext cx="783720" cy="283680"/>
+            <a:ext cx="783360" cy="283320"/>
           </a:xfrm>
           <a:prstGeom prst="rect">
             <a:avLst/>
@@ -9736,24 +6402,13 @@
               <a:fillRect/>
             </a:stretch>
           </a:blipFill>
-          <a:ln>
+          <a:ln w="25560">
+            <a:solidFill>
+              <a:srgbClr val="3a5f8b"/>
+            </a:solidFill>
             <a:round/>
           </a:ln>
         </p:spPr>
-        <p:style>
-          <a:lnRef idx="2">
-            <a:schemeClr val="accent1">
-              <a:shade val="50000"/>
-            </a:schemeClr>
-          </a:lnRef>
-          <a:fillRef idx="1">
-            <a:schemeClr val="accent1"/>
-          </a:fillRef>
-          <a:effectRef idx="0">
-            <a:schemeClr val="accent1"/>
-          </a:effectRef>
-          <a:fontRef idx="minor"/>
-        </p:style>
       </p:sp>
       <p:sp>
         <p:nvSpPr>
@@ -9764,7 +6419,7 @@
         <p:spPr>
           <a:xfrm>
             <a:off x="428760" y="642960"/>
-            <a:ext cx="8255880" cy="783720"/>
+            <a:ext cx="8255520" cy="783360"/>
           </a:xfrm>
           <a:prstGeom prst="rect">
             <a:avLst/>
@@ -9774,51 +6429,27 @@
             <a:noFill/>
           </a:ln>
         </p:spPr>
-        <p:style>
-          <a:lnRef idx="0"/>
-          <a:fillRef idx="0"/>
-          <a:effectRef idx="0"/>
-          <a:fontRef idx="minor"/>
-        </p:style>
         <p:txBody>
           <a:bodyPr lIns="90000" rIns="90000" tIns="45000" bIns="45000" anchor="ctr"/>
           <a:p>
-            <a:pPr marL="571680" indent="-569520">
-              <a:lnSpc>
-                <a:spcPct val="100000"/>
-              </a:lnSpc>
-              <a:buClr>
-                <a:srgbClr val="000000"/>
-              </a:buClr>
+            <a:pPr>
+              <a:lnSpc>
+                <a:spcPct val="100000"/>
+              </a:lnSpc>
               <a:buFont typeface="Arial"/>
               <a:buAutoNum type="romanUcPeriod"/>
             </a:pPr>
             <a:r>
-              <a:rPr lang="en-US" sz="3200" spc="-1" strike="noStrike">
+              <a:rPr lang="fr-FR" sz="3200">
                 <a:solidFill>
                   <a:srgbClr val="000000"/>
                 </a:solidFill>
-                <a:uFill>
-                  <a:solidFill>
-                    <a:srgbClr val="ffffff"/>
-                  </a:solidFill>
-                </a:uFill>
                 <a:latin typeface="Calibri"/>
                 <a:ea typeface="DejaVu Sans"/>
               </a:rPr>
               <a:t>Introduction</a:t>
             </a:r>
-            <a:endParaRPr lang="en-US" sz="1800" spc="-1" strike="noStrike">
-              <a:solidFill>
-                <a:srgbClr val="000000"/>
-              </a:solidFill>
-              <a:uFill>
-                <a:solidFill>
-                  <a:srgbClr val="ffffff"/>
-                </a:solidFill>
-              </a:uFill>
-              <a:latin typeface="Arial"/>
-            </a:endParaRPr>
+            <a:endParaRPr/>
           </a:p>
         </p:txBody>
       </p:sp>
@@ -9880,7 +6511,7 @@
         <p:spPr>
           <a:xfrm>
             <a:off x="457200" y="1714320"/>
-            <a:ext cx="8227440" cy="4409640"/>
+            <a:ext cx="8227080" cy="4409280"/>
           </a:xfrm>
           <a:prstGeom prst="rect">
             <a:avLst/>
@@ -9890,79 +6521,43 @@
             <a:noFill/>
           </a:ln>
         </p:spPr>
-        <p:style>
-          <a:lnRef idx="0"/>
-          <a:fillRef idx="0"/>
-          <a:effectRef idx="0"/>
-          <a:fontRef idx="minor"/>
-        </p:style>
         <p:txBody>
           <a:bodyPr lIns="90000" rIns="90000" tIns="45000" bIns="45000"/>
           <a:p>
-            <a:pPr marL="343080" indent="-340920">
-              <a:lnSpc>
-                <a:spcPct val="100000"/>
-              </a:lnSpc>
-            </a:pPr>
-            <a:r>
-              <a:rPr b="1" lang="en-US" sz="1500" spc="-1" strike="noStrike" u="sng">
+            <a:pPr>
+              <a:lnSpc>
+                <a:spcPct val="100000"/>
+              </a:lnSpc>
+            </a:pPr>
+            <a:r>
+              <a:rPr b="1" lang="fr-FR" sz="1500" u="sng">
                 <a:solidFill>
                   <a:srgbClr val="c00000"/>
                 </a:solidFill>
-                <a:uFill>
-                  <a:solidFill>
-                    <a:srgbClr val="ffffff"/>
-                  </a:solidFill>
-                </a:uFill>
                 <a:latin typeface="Calibri"/>
                 <a:ea typeface="DejaVu Sans"/>
               </a:rPr>
               <a:t>The business subject</a:t>
             </a:r>
             <a:r>
-              <a:rPr b="1" lang="en-US" sz="1500" spc="-1" strike="noStrike">
+              <a:rPr b="1" lang="fr-FR" sz="1500">
                 <a:solidFill>
                   <a:srgbClr val="c00000"/>
                 </a:solidFill>
-                <a:uFill>
-                  <a:solidFill>
-                    <a:srgbClr val="ffffff"/>
-                  </a:solidFill>
-                </a:uFill>
                 <a:latin typeface="Calibri"/>
                 <a:ea typeface="DejaVu Sans"/>
               </a:rPr>
               <a:t> :</a:t>
             </a:r>
-            <a:endParaRPr lang="en-US" sz="1800" spc="-1" strike="noStrike">
-              <a:solidFill>
-                <a:srgbClr val="000000"/>
-              </a:solidFill>
-              <a:uFill>
-                <a:solidFill>
-                  <a:srgbClr val="ffffff"/>
-                </a:solidFill>
-              </a:uFill>
-              <a:latin typeface="Arial"/>
-            </a:endParaRPr>
-          </a:p>
-          <a:p>
-            <a:pPr marL="343080" indent="-340920">
-              <a:lnSpc>
-                <a:spcPct val="100000"/>
-              </a:lnSpc>
-            </a:pPr>
-            <a:endParaRPr lang="en-US" sz="1800" spc="-1" strike="noStrike">
-              <a:solidFill>
-                <a:srgbClr val="000000"/>
-              </a:solidFill>
-              <a:uFill>
-                <a:solidFill>
-                  <a:srgbClr val="ffffff"/>
-                </a:solidFill>
-              </a:uFill>
-              <a:latin typeface="Arial"/>
-            </a:endParaRPr>
+            <a:endParaRPr/>
+          </a:p>
+          <a:p>
+            <a:pPr>
+              <a:lnSpc>
+                <a:spcPct val="100000"/>
+              </a:lnSpc>
+            </a:pPr>
+            <a:endParaRPr/>
           </a:p>
         </p:txBody>
       </p:sp>
@@ -9975,7 +6570,7 @@
         <p:spPr>
           <a:xfrm>
             <a:off x="0" y="6572160"/>
-            <a:ext cx="783720" cy="283680"/>
+            <a:ext cx="783360" cy="283320"/>
           </a:xfrm>
           <a:prstGeom prst="rect">
             <a:avLst/>
@@ -9986,24 +6581,13 @@
               <a:fillRect/>
             </a:stretch>
           </a:blipFill>
-          <a:ln>
+          <a:ln w="25560">
+            <a:solidFill>
+              <a:srgbClr val="3a5f8b"/>
+            </a:solidFill>
             <a:round/>
           </a:ln>
         </p:spPr>
-        <p:style>
-          <a:lnRef idx="2">
-            <a:schemeClr val="accent1">
-              <a:shade val="50000"/>
-            </a:schemeClr>
-          </a:lnRef>
-          <a:fillRef idx="1">
-            <a:schemeClr val="accent1"/>
-          </a:fillRef>
-          <a:effectRef idx="0">
-            <a:schemeClr val="accent1"/>
-          </a:effectRef>
-          <a:fontRef idx="minor"/>
-        </p:style>
       </p:sp>
       <p:sp>
         <p:nvSpPr>
@@ -10014,7 +6598,7 @@
         <p:spPr>
           <a:xfrm>
             <a:off x="428760" y="642960"/>
-            <a:ext cx="8255880" cy="783720"/>
+            <a:ext cx="8255520" cy="783360"/>
           </a:xfrm>
           <a:prstGeom prst="rect">
             <a:avLst/>
@@ -10024,51 +6608,27 @@
             <a:noFill/>
           </a:ln>
         </p:spPr>
-        <p:style>
-          <a:lnRef idx="0"/>
-          <a:fillRef idx="0"/>
-          <a:effectRef idx="0"/>
-          <a:fontRef idx="minor"/>
-        </p:style>
         <p:txBody>
           <a:bodyPr lIns="90000" rIns="90000" tIns="45000" bIns="45000" anchor="ctr"/>
           <a:p>
-            <a:pPr marL="571680" indent="-569520">
-              <a:lnSpc>
-                <a:spcPct val="100000"/>
-              </a:lnSpc>
-              <a:buClr>
-                <a:srgbClr val="000000"/>
-              </a:buClr>
+            <a:pPr>
+              <a:lnSpc>
+                <a:spcPct val="100000"/>
+              </a:lnSpc>
               <a:buFont typeface="Arial"/>
               <a:buAutoNum type="romanUcPeriod"/>
             </a:pPr>
             <a:r>
-              <a:rPr lang="en-US" sz="3200" spc="-1" strike="noStrike">
+              <a:rPr lang="fr-FR" sz="3200">
                 <a:solidFill>
                   <a:srgbClr val="000000"/>
                 </a:solidFill>
-                <a:uFill>
-                  <a:solidFill>
-                    <a:srgbClr val="ffffff"/>
-                  </a:solidFill>
-                </a:uFill>
                 <a:latin typeface="Calibri"/>
                 <a:ea typeface="DejaVu Sans"/>
               </a:rPr>
               <a:t>Conception</a:t>
             </a:r>
-            <a:endParaRPr lang="en-US" sz="1800" spc="-1" strike="noStrike">
-              <a:solidFill>
-                <a:srgbClr val="000000"/>
-              </a:solidFill>
-              <a:uFill>
-                <a:solidFill>
-                  <a:srgbClr val="ffffff"/>
-                </a:solidFill>
-              </a:uFill>
-              <a:latin typeface="Arial"/>
-            </a:endParaRPr>
+            <a:endParaRPr/>
           </a:p>
         </p:txBody>
       </p:sp>
@@ -10080,12 +6640,14 @@
         </p:nvPicPr>
         <p:blipFill>
           <a:blip r:embed="rId2"/>
-          <a:stretch/>
+          <a:stretch>
+            <a:fillRect/>
+          </a:stretch>
         </p:blipFill>
         <p:spPr>
           <a:xfrm>
             <a:off x="900000" y="2464920"/>
-            <a:ext cx="6874200" cy="3941280"/>
+            <a:ext cx="6873840" cy="3940920"/>
           </a:xfrm>
           <a:prstGeom prst="rect">
             <a:avLst/>
@@ -10153,7 +6715,7 @@
         <p:spPr>
           <a:xfrm>
             <a:off x="428760" y="1785960"/>
-            <a:ext cx="8227440" cy="4409640"/>
+            <a:ext cx="8227080" cy="4409280"/>
           </a:xfrm>
           <a:prstGeom prst="rect">
             <a:avLst/>
@@ -10163,49 +6725,23 @@
             <a:noFill/>
           </a:ln>
         </p:spPr>
-        <p:style>
-          <a:lnRef idx="0"/>
-          <a:fillRef idx="0"/>
-          <a:effectRef idx="0"/>
-          <a:fontRef idx="minor"/>
-        </p:style>
         <p:txBody>
           <a:bodyPr lIns="90000" rIns="90000" tIns="45000" bIns="45000"/>
           <a:p>
-            <a:pPr marL="343080" indent="-340920">
-              <a:lnSpc>
-                <a:spcPct val="100000"/>
-              </a:lnSpc>
-            </a:pPr>
-            <a:endParaRPr lang="en-US" sz="1800" spc="-1" strike="noStrike">
-              <a:solidFill>
-                <a:srgbClr val="000000"/>
-              </a:solidFill>
-              <a:uFill>
-                <a:solidFill>
-                  <a:srgbClr val="ffffff"/>
-                </a:solidFill>
-              </a:uFill>
-              <a:latin typeface="Arial"/>
-            </a:endParaRPr>
-          </a:p>
-          <a:p>
-            <a:pPr marL="343080" indent="-340920">
-              <a:lnSpc>
-                <a:spcPct val="100000"/>
-              </a:lnSpc>
-            </a:pPr>
-            <a:endParaRPr lang="en-US" sz="1800" spc="-1" strike="noStrike">
-              <a:solidFill>
-                <a:srgbClr val="000000"/>
-              </a:solidFill>
-              <a:uFill>
-                <a:solidFill>
-                  <a:srgbClr val="ffffff"/>
-                </a:solidFill>
-              </a:uFill>
-              <a:latin typeface="Arial"/>
-            </a:endParaRPr>
+            <a:pPr>
+              <a:lnSpc>
+                <a:spcPct val="100000"/>
+              </a:lnSpc>
+            </a:pPr>
+            <a:endParaRPr/>
+          </a:p>
+          <a:p>
+            <a:pPr>
+              <a:lnSpc>
+                <a:spcPct val="100000"/>
+              </a:lnSpc>
+            </a:pPr>
+            <a:endParaRPr/>
           </a:p>
         </p:txBody>
       </p:sp>
@@ -10218,7 +6754,7 @@
         <p:spPr>
           <a:xfrm>
             <a:off x="0" y="6572160"/>
-            <a:ext cx="783720" cy="283680"/>
+            <a:ext cx="783360" cy="283320"/>
           </a:xfrm>
           <a:prstGeom prst="rect">
             <a:avLst/>
@@ -10229,24 +6765,13 @@
               <a:fillRect/>
             </a:stretch>
           </a:blipFill>
-          <a:ln>
+          <a:ln w="25560">
+            <a:solidFill>
+              <a:srgbClr val="3a5f8b"/>
+            </a:solidFill>
             <a:round/>
           </a:ln>
         </p:spPr>
-        <p:style>
-          <a:lnRef idx="2">
-            <a:schemeClr val="accent1">
-              <a:shade val="50000"/>
-            </a:schemeClr>
-          </a:lnRef>
-          <a:fillRef idx="1">
-            <a:schemeClr val="accent1"/>
-          </a:fillRef>
-          <a:effectRef idx="0">
-            <a:schemeClr val="accent1"/>
-          </a:effectRef>
-          <a:fontRef idx="minor"/>
-        </p:style>
       </p:sp>
       <p:pic>
         <p:nvPicPr>
@@ -10256,12 +6781,14 @@
         </p:nvPicPr>
         <p:blipFill>
           <a:blip r:embed="rId2"/>
-          <a:stretch/>
+          <a:stretch>
+            <a:fillRect/>
+          </a:stretch>
         </p:blipFill>
         <p:spPr>
           <a:xfrm>
             <a:off x="914400" y="2259720"/>
-            <a:ext cx="7056000" cy="4141080"/>
+            <a:ext cx="7055640" cy="4140720"/>
           </a:xfrm>
           <a:prstGeom prst="rect">
             <a:avLst/>
@@ -10280,7 +6807,7 @@
         <p:spPr>
           <a:xfrm>
             <a:off x="428760" y="642960"/>
-            <a:ext cx="8255880" cy="783720"/>
+            <a:ext cx="8255520" cy="783360"/>
           </a:xfrm>
           <a:prstGeom prst="rect">
             <a:avLst/>
@@ -10290,51 +6817,27 @@
             <a:noFill/>
           </a:ln>
         </p:spPr>
-        <p:style>
-          <a:lnRef idx="0"/>
-          <a:fillRef idx="0"/>
-          <a:effectRef idx="0"/>
-          <a:fontRef idx="minor"/>
-        </p:style>
         <p:txBody>
           <a:bodyPr lIns="90000" rIns="90000" tIns="45000" bIns="45000" anchor="ctr"/>
           <a:p>
-            <a:pPr marL="571680" indent="-569520">
-              <a:lnSpc>
-                <a:spcPct val="100000"/>
-              </a:lnSpc>
-              <a:buClr>
-                <a:srgbClr val="000000"/>
-              </a:buClr>
+            <a:pPr>
+              <a:lnSpc>
+                <a:spcPct val="100000"/>
+              </a:lnSpc>
               <a:buFont typeface="Arial"/>
               <a:buAutoNum type="romanUcPeriod"/>
             </a:pPr>
             <a:r>
-              <a:rPr lang="en-US" sz="3200" spc="-1" strike="noStrike">
+              <a:rPr lang="fr-FR" sz="3200">
                 <a:solidFill>
                   <a:srgbClr val="000000"/>
                 </a:solidFill>
-                <a:uFill>
-                  <a:solidFill>
-                    <a:srgbClr val="ffffff"/>
-                  </a:solidFill>
-                </a:uFill>
                 <a:latin typeface="Calibri"/>
                 <a:ea typeface="DejaVu Sans"/>
               </a:rPr>
               <a:t>Architecture</a:t>
             </a:r>
-            <a:endParaRPr lang="en-US" sz="1800" spc="-1" strike="noStrike">
-              <a:solidFill>
-                <a:srgbClr val="000000"/>
-              </a:solidFill>
-              <a:uFill>
-                <a:solidFill>
-                  <a:srgbClr val="ffffff"/>
-                </a:solidFill>
-              </a:uFill>
-              <a:latin typeface="Arial"/>
-            </a:endParaRPr>
+            <a:endParaRPr/>
           </a:p>
         </p:txBody>
       </p:sp>
@@ -10396,7 +6899,7 @@
         <p:spPr>
           <a:xfrm>
             <a:off x="0" y="6572160"/>
-            <a:ext cx="783720" cy="283680"/>
+            <a:ext cx="783360" cy="283320"/>
           </a:xfrm>
           <a:prstGeom prst="rect">
             <a:avLst/>
@@ -10407,24 +6910,13 @@
               <a:fillRect/>
             </a:stretch>
           </a:blipFill>
-          <a:ln>
+          <a:ln w="25560">
+            <a:solidFill>
+              <a:srgbClr val="3a5f8b"/>
+            </a:solidFill>
             <a:round/>
           </a:ln>
         </p:spPr>
-        <p:style>
-          <a:lnRef idx="2">
-            <a:schemeClr val="accent1">
-              <a:shade val="50000"/>
-            </a:schemeClr>
-          </a:lnRef>
-          <a:fillRef idx="1">
-            <a:schemeClr val="accent1"/>
-          </a:fillRef>
-          <a:effectRef idx="0">
-            <a:schemeClr val="accent1"/>
-          </a:effectRef>
-          <a:fontRef idx="minor"/>
-        </p:style>
       </p:sp>
       <p:sp>
         <p:nvSpPr>
@@ -10435,7 +6927,7 @@
         <p:spPr>
           <a:xfrm>
             <a:off x="428760" y="642960"/>
-            <a:ext cx="8255880" cy="783720"/>
+            <a:ext cx="8255520" cy="783360"/>
           </a:xfrm>
           <a:prstGeom prst="rect">
             <a:avLst/>
@@ -10445,46 +6937,25 @@
             <a:noFill/>
           </a:ln>
         </p:spPr>
-        <p:style>
-          <a:lnRef idx="0"/>
-          <a:fillRef idx="0"/>
-          <a:effectRef idx="0"/>
-          <a:fontRef idx="minor"/>
-        </p:style>
         <p:txBody>
           <a:bodyPr lIns="90000" rIns="90000" tIns="45000" bIns="45000" anchor="ctr"/>
           <a:p>
-            <a:pPr marL="571680" indent="-569520">
-              <a:lnSpc>
-                <a:spcPct val="100000"/>
-              </a:lnSpc>
-            </a:pPr>
-            <a:r>
-              <a:rPr lang="en-US" sz="3200" spc="-1" strike="noStrike">
+            <a:pPr>
+              <a:lnSpc>
+                <a:spcPct val="100000"/>
+              </a:lnSpc>
+            </a:pPr>
+            <a:r>
+              <a:rPr lang="fr-FR" sz="3200">
                 <a:solidFill>
                   <a:srgbClr val="000000"/>
                 </a:solidFill>
-                <a:uFill>
-                  <a:solidFill>
-                    <a:srgbClr val="ffffff"/>
-                  </a:solidFill>
-                </a:uFill>
                 <a:latin typeface="Calibri"/>
                 <a:ea typeface="DejaVu Sans"/>
               </a:rPr>
               <a:t>Organization chart</a:t>
             </a:r>
-            <a:endParaRPr lang="en-US" sz="1800" spc="-1" strike="noStrike">
-              <a:solidFill>
-                <a:srgbClr val="000000"/>
-              </a:solidFill>
-              <a:uFill>
-                <a:solidFill>
-                  <a:srgbClr val="ffffff"/>
-                </a:solidFill>
-              </a:uFill>
-              <a:latin typeface="Arial"/>
-            </a:endParaRPr>
+            <a:endParaRPr/>
           </a:p>
         </p:txBody>
       </p:sp>
@@ -10497,7 +6968,7 @@
         <p:spPr>
           <a:xfrm>
             <a:off x="2736000" y="6309360"/>
-            <a:ext cx="5569920" cy="225720"/>
+            <a:ext cx="5569560" cy="225360"/>
           </a:xfrm>
           <a:prstGeom prst="rect">
             <a:avLst/>
@@ -10507,12 +6978,6 @@
             <a:noFill/>
           </a:ln>
         </p:spPr>
-        <p:style>
-          <a:lnRef idx="0"/>
-          <a:fillRef idx="0"/>
-          <a:effectRef idx="0"/>
-          <a:fontRef idx="minor"/>
-        </p:style>
         <p:txBody>
           <a:bodyPr lIns="90000" rIns="90000" tIns="45000" bIns="45000"/>
           <a:p>
@@ -10522,31 +6987,16 @@
               </a:lnSpc>
             </a:pPr>
             <a:r>
-              <a:rPr b="1" lang="en-US" sz="900" spc="-1" strike="noStrike">
+              <a:rPr b="1" lang="fr-FR" sz="900">
                 <a:solidFill>
                   <a:srgbClr val="000000"/>
                 </a:solidFill>
-                <a:uFill>
-                  <a:solidFill>
-                    <a:srgbClr val="ffffff"/>
-                  </a:solidFill>
-                </a:uFill>
                 <a:latin typeface="Arial"/>
                 <a:ea typeface="DejaVu Sans"/>
               </a:rPr>
               <a:t> </a:t>
             </a:r>
-            <a:endParaRPr lang="en-US" sz="1800" spc="-1" strike="noStrike">
-              <a:solidFill>
-                <a:srgbClr val="000000"/>
-              </a:solidFill>
-              <a:uFill>
-                <a:solidFill>
-                  <a:srgbClr val="ffffff"/>
-                </a:solidFill>
-              </a:uFill>
-              <a:latin typeface="Arial"/>
-            </a:endParaRPr>
+            <a:endParaRPr/>
           </a:p>
         </p:txBody>
       </p:sp>
@@ -10558,12 +7008,14 @@
         </p:nvPicPr>
         <p:blipFill>
           <a:blip r:embed="rId2"/>
-          <a:stretch/>
+          <a:stretch>
+            <a:fillRect/>
+          </a:stretch>
         </p:blipFill>
         <p:spPr>
           <a:xfrm>
             <a:off x="182880" y="2651760"/>
-            <a:ext cx="8928000" cy="2467800"/>
+            <a:ext cx="8927640" cy="2467440"/>
           </a:xfrm>
           <a:prstGeom prst="rect">
             <a:avLst/>
@@ -10582,7 +7034,7 @@
         <p:spPr>
           <a:xfrm>
             <a:off x="914400" y="2305440"/>
-            <a:ext cx="7272360" cy="345240"/>
+            <a:ext cx="7272000" cy="344880"/>
           </a:xfrm>
           <a:prstGeom prst="rect">
             <a:avLst/>
@@ -10592,12 +7044,6 @@
             <a:noFill/>
           </a:ln>
         </p:spPr>
-        <p:style>
-          <a:lnRef idx="0"/>
-          <a:fillRef idx="0"/>
-          <a:effectRef idx="0"/>
-          <a:fontRef idx="minor"/>
-        </p:style>
       </p:sp>
     </p:spTree>
   </p:cSld>
@@ -10657,7 +7103,7 @@
         <p:spPr>
           <a:xfrm>
             <a:off x="457200" y="1714320"/>
-            <a:ext cx="8227440" cy="4409640"/>
+            <a:ext cx="8227080" cy="4409280"/>
           </a:xfrm>
           <a:prstGeom prst="rect">
             <a:avLst/>
@@ -10667,12 +7113,6 @@
             <a:noFill/>
           </a:ln>
         </p:spPr>
-        <p:style>
-          <a:lnRef idx="0"/>
-          <a:fillRef idx="0"/>
-          <a:effectRef idx="0"/>
-          <a:fontRef idx="minor"/>
-        </p:style>
       </p:sp>
       <p:sp>
         <p:nvSpPr>
@@ -10683,7 +7123,7 @@
         <p:spPr>
           <a:xfrm>
             <a:off x="0" y="6572160"/>
-            <a:ext cx="783720" cy="283680"/>
+            <a:ext cx="783360" cy="283320"/>
           </a:xfrm>
           <a:prstGeom prst="rect">
             <a:avLst/>
@@ -10694,24 +7134,13 @@
               <a:fillRect/>
             </a:stretch>
           </a:blipFill>
-          <a:ln>
+          <a:ln w="25560">
+            <a:solidFill>
+              <a:srgbClr val="3a5f8b"/>
+            </a:solidFill>
             <a:round/>
           </a:ln>
         </p:spPr>
-        <p:style>
-          <a:lnRef idx="2">
-            <a:schemeClr val="accent1">
-              <a:shade val="50000"/>
-            </a:schemeClr>
-          </a:lnRef>
-          <a:fillRef idx="1">
-            <a:schemeClr val="accent1"/>
-          </a:fillRef>
-          <a:effectRef idx="0">
-            <a:schemeClr val="accent1"/>
-          </a:effectRef>
-          <a:fontRef idx="minor"/>
-        </p:style>
       </p:sp>
       <p:sp>
         <p:nvSpPr>
@@ -10722,7 +7151,7 @@
         <p:spPr>
           <a:xfrm>
             <a:off x="428760" y="642960"/>
-            <a:ext cx="8255880" cy="783720"/>
+            <a:ext cx="8255520" cy="783360"/>
           </a:xfrm>
           <a:prstGeom prst="rect">
             <a:avLst/>
@@ -10732,46 +7161,25 @@
             <a:noFill/>
           </a:ln>
         </p:spPr>
-        <p:style>
-          <a:lnRef idx="0"/>
-          <a:fillRef idx="0"/>
-          <a:effectRef idx="0"/>
-          <a:fontRef idx="minor"/>
-        </p:style>
         <p:txBody>
           <a:bodyPr lIns="90000" rIns="90000" tIns="45000" bIns="45000" anchor="ctr"/>
           <a:p>
-            <a:pPr marL="571680" indent="-569520">
-              <a:lnSpc>
-                <a:spcPct val="100000"/>
-              </a:lnSpc>
-            </a:pPr>
-            <a:r>
-              <a:rPr lang="en-US" sz="3200" spc="-1" strike="noStrike">
+            <a:pPr>
+              <a:lnSpc>
+                <a:spcPct val="100000"/>
+              </a:lnSpc>
+            </a:pPr>
+            <a:r>
+              <a:rPr lang="fr-FR" sz="3200">
                 <a:solidFill>
                   <a:srgbClr val="000000"/>
                 </a:solidFill>
-                <a:uFill>
-                  <a:solidFill>
-                    <a:srgbClr val="ffffff"/>
-                  </a:solidFill>
-                </a:uFill>
                 <a:latin typeface="Calibri"/>
                 <a:ea typeface="DejaVu Sans"/>
               </a:rPr>
               <a:t>Navigation schema</a:t>
             </a:r>
-            <a:endParaRPr lang="en-US" sz="1800" spc="-1" strike="noStrike">
-              <a:solidFill>
-                <a:srgbClr val="000000"/>
-              </a:solidFill>
-              <a:uFill>
-                <a:solidFill>
-                  <a:srgbClr val="ffffff"/>
-                </a:solidFill>
-              </a:uFill>
-              <a:latin typeface="Arial"/>
-            </a:endParaRPr>
+            <a:endParaRPr/>
           </a:p>
         </p:txBody>
       </p:sp>
@@ -10783,12 +7191,14 @@
         </p:nvPicPr>
         <p:blipFill>
           <a:blip r:embed="rId2"/>
-          <a:stretch/>
+          <a:stretch>
+            <a:fillRect/>
+          </a:stretch>
         </p:blipFill>
         <p:spPr>
           <a:xfrm>
             <a:off x="1223280" y="2520000"/>
-            <a:ext cx="6550920" cy="3414240"/>
+            <a:ext cx="6550560" cy="3413880"/>
           </a:xfrm>
           <a:prstGeom prst="rect">
             <a:avLst/>

--- a/Presentation.pptx
+++ b/Presentation.pptx
@@ -2780,7 +2780,7 @@
         <p:spPr>
           <a:xfrm>
             <a:off x="0" y="6572160"/>
-            <a:ext cx="783360" cy="283320"/>
+            <a:ext cx="783000" cy="282960"/>
           </a:xfrm>
           <a:prstGeom prst="rect">
             <a:avLst/>
@@ -2808,7 +2808,7 @@
         <p:spPr>
           <a:xfrm>
             <a:off x="285840" y="5857920"/>
-            <a:ext cx="5317200" cy="645120"/>
+            <a:ext cx="5316840" cy="644760"/>
           </a:xfrm>
           <a:prstGeom prst="rect">
             <a:avLst/>
@@ -2849,7 +2849,7 @@
         <p:spPr>
           <a:xfrm>
             <a:off x="5364000" y="5000760"/>
-            <a:ext cx="3454920" cy="1640520"/>
+            <a:ext cx="3454560" cy="1640160"/>
           </a:xfrm>
           <a:prstGeom prst="rect">
             <a:avLst/>
@@ -2904,7 +2904,7 @@
         <p:spPr>
           <a:xfrm>
             <a:off x="1643040" y="357120"/>
-            <a:ext cx="5317200" cy="573840"/>
+            <a:ext cx="5316840" cy="573480"/>
           </a:xfrm>
           <a:prstGeom prst="rect">
             <a:avLst/>
@@ -2973,7 +2973,7 @@
         <p:spPr>
           <a:xfrm>
             <a:off x="457200" y="1714320"/>
-            <a:ext cx="8227080" cy="4409280"/>
+            <a:ext cx="8226720" cy="4408920"/>
           </a:xfrm>
           <a:prstGeom prst="rect">
             <a:avLst/>
@@ -2993,7 +2993,7 @@
         <p:spPr>
           <a:xfrm>
             <a:off x="0" y="6572160"/>
-            <a:ext cx="783360" cy="283320"/>
+            <a:ext cx="783000" cy="282960"/>
           </a:xfrm>
           <a:prstGeom prst="rect">
             <a:avLst/>
@@ -3021,7 +3021,7 @@
         <p:spPr>
           <a:xfrm>
             <a:off x="428760" y="642960"/>
-            <a:ext cx="8255520" cy="783360"/>
+            <a:ext cx="8255160" cy="783000"/>
           </a:xfrm>
           <a:prstGeom prst="rect">
             <a:avLst/>
@@ -3068,7 +3068,7 @@
         <p:spPr>
           <a:xfrm>
             <a:off x="1440000" y="2175840"/>
-            <a:ext cx="6550560" cy="3798000"/>
+            <a:ext cx="6550200" cy="3797640"/>
           </a:xfrm>
           <a:prstGeom prst="rect">
             <a:avLst/>
@@ -3136,7 +3136,7 @@
         <p:spPr>
           <a:xfrm>
             <a:off x="457200" y="1714320"/>
-            <a:ext cx="8227080" cy="4409280"/>
+            <a:ext cx="8226720" cy="4408920"/>
           </a:xfrm>
           <a:prstGeom prst="rect">
             <a:avLst/>
@@ -3231,7 +3231,7 @@
         <p:spPr>
           <a:xfrm>
             <a:off x="0" y="6572160"/>
-            <a:ext cx="783360" cy="283320"/>
+            <a:ext cx="783000" cy="282960"/>
           </a:xfrm>
           <a:prstGeom prst="rect">
             <a:avLst/>
@@ -3259,7 +3259,7 @@
         <p:spPr>
           <a:xfrm>
             <a:off x="428760" y="642960"/>
-            <a:ext cx="8255520" cy="783360"/>
+            <a:ext cx="8255160" cy="783000"/>
           </a:xfrm>
           <a:prstGeom prst="rect">
             <a:avLst/>
@@ -3306,7 +3306,7 @@
         <p:spPr>
           <a:xfrm>
             <a:off x="2535480" y="2313360"/>
-            <a:ext cx="4230360" cy="3172320"/>
+            <a:ext cx="4230000" cy="3171960"/>
           </a:xfrm>
           <a:prstGeom prst="rect">
             <a:avLst/>
@@ -3325,7 +3325,7 @@
         <p:spPr>
           <a:xfrm>
             <a:off x="3369960" y="5670360"/>
-            <a:ext cx="2755800" cy="546840"/>
+            <a:ext cx="2755440" cy="546480"/>
           </a:xfrm>
           <a:prstGeom prst="rect">
             <a:avLst/>
@@ -3415,7 +3415,7 @@
         <p:spPr>
           <a:xfrm>
             <a:off x="0" y="6572160"/>
-            <a:ext cx="783360" cy="283320"/>
+            <a:ext cx="783000" cy="282960"/>
           </a:xfrm>
           <a:prstGeom prst="rect">
             <a:avLst/>
@@ -3443,7 +3443,7 @@
         <p:spPr>
           <a:xfrm>
             <a:off x="428760" y="642960"/>
-            <a:ext cx="8255520" cy="783360"/>
+            <a:ext cx="8255160" cy="783000"/>
           </a:xfrm>
           <a:prstGeom prst="rect">
             <a:avLst/>
@@ -3533,7 +3533,7 @@
         <p:spPr>
           <a:xfrm>
             <a:off x="0" y="6572160"/>
-            <a:ext cx="783360" cy="283320"/>
+            <a:ext cx="783000" cy="282960"/>
           </a:xfrm>
           <a:prstGeom prst="rect">
             <a:avLst/>
@@ -3561,7 +3561,7 @@
         <p:spPr>
           <a:xfrm>
             <a:off x="428760" y="642960"/>
-            <a:ext cx="8255520" cy="783360"/>
+            <a:ext cx="8255160" cy="783000"/>
           </a:xfrm>
           <a:prstGeom prst="rect">
             <a:avLst/>
@@ -3601,7 +3601,7 @@
         </p:nvGraphicFramePr>
         <p:xfrm>
           <a:off x="214200" y="2428920"/>
-          <a:ext cx="8714520" cy="3427920"/>
+          <a:ext cx="8714160" cy="3427560"/>
         </p:xfrm>
         <a:graphic>
           <a:graphicData uri="http://schemas.openxmlformats.org/drawingml/2006/table">
@@ -3615,7 +3615,7 @@
               <a:tr h="1268640">
                 <a:tc>
                   <a:txBody>
-                    <a:bodyPr lIns="91080" rIns="91080"/>
+                    <a:bodyPr/>
                     <a:p>
                       <a:pPr>
                         <a:lnSpc>
@@ -3682,7 +3682,7 @@
                 </a:tc>
                 <a:tc>
                   <a:txBody>
-                    <a:bodyPr lIns="91080" rIns="91080"/>
+                    <a:bodyPr/>
                     <a:p>
                       <a:pPr>
                         <a:lnSpc>
@@ -3766,7 +3766,7 @@
                 </a:tc>
                 <a:tc>
                   <a:txBody>
-                    <a:bodyPr lIns="91080" rIns="91080"/>
+                    <a:bodyPr/>
                     <a:p>
                       <a:pPr>
                         <a:lnSpc>
@@ -3879,7 +3879,7 @@
               <a:tr h="1115640">
                 <a:tc>
                   <a:txBody>
-                    <a:bodyPr lIns="91080" rIns="91080"/>
+                    <a:bodyPr/>
                     <a:p>
                       <a:pPr>
                         <a:lnSpc>
@@ -3963,7 +3963,7 @@
                 </a:tc>
                 <a:tc>
                   <a:txBody>
-                    <a:bodyPr lIns="91080" rIns="91080"/>
+                    <a:bodyPr/>
                     <a:p>
                       <a:pPr>
                         <a:lnSpc>
@@ -4047,7 +4047,7 @@
                 </a:tc>
                 <a:tc>
                   <a:txBody>
-                    <a:bodyPr lIns="91080" rIns="91080"/>
+                    <a:bodyPr/>
                     <a:p>
                       <a:pPr>
                         <a:lnSpc>
@@ -4133,7 +4133,7 @@
               <a:tr h="1043640">
                 <a:tc>
                   <a:txBody>
-                    <a:bodyPr lIns="91080" rIns="91080"/>
+                    <a:bodyPr/>
                     <a:p>
                       <a:pPr>
                         <a:lnSpc>
@@ -4217,7 +4217,7 @@
                 </a:tc>
                 <a:tc>
                   <a:txBody>
-                    <a:bodyPr lIns="91080" rIns="91080"/>
+                    <a:bodyPr/>
                     <a:p>
                       <a:pPr>
                         <a:lnSpc>
@@ -4301,7 +4301,7 @@
                 </a:tc>
                 <a:tc>
                   <a:txBody>
-                    <a:bodyPr lIns="91080" rIns="91080"/>
+                    <a:bodyPr/>
                     <a:p>
                       <a:pPr>
                         <a:lnSpc>
@@ -4446,7 +4446,7 @@
         <p:spPr>
           <a:xfrm>
             <a:off x="457200" y="1714320"/>
-            <a:ext cx="8227080" cy="4409280"/>
+            <a:ext cx="8226720" cy="4408920"/>
           </a:xfrm>
           <a:prstGeom prst="rect">
             <a:avLst/>
@@ -4466,7 +4466,7 @@
         <p:spPr>
           <a:xfrm>
             <a:off x="0" y="6572160"/>
-            <a:ext cx="783360" cy="283320"/>
+            <a:ext cx="783000" cy="282960"/>
           </a:xfrm>
           <a:prstGeom prst="rect">
             <a:avLst/>
@@ -4494,7 +4494,7 @@
         <p:spPr>
           <a:xfrm>
             <a:off x="428760" y="642960"/>
-            <a:ext cx="8255520" cy="783360"/>
+            <a:ext cx="8255160" cy="783000"/>
           </a:xfrm>
           <a:prstGeom prst="rect">
             <a:avLst/>
@@ -4541,7 +4541,7 @@
         <p:spPr>
           <a:xfrm>
             <a:off x="2377440" y="2652120"/>
-            <a:ext cx="4388040" cy="2924640"/>
+            <a:ext cx="4387680" cy="2924280"/>
           </a:xfrm>
           <a:prstGeom prst="rect">
             <a:avLst/>
@@ -4560,7 +4560,7 @@
         <p:spPr>
           <a:xfrm>
             <a:off x="3583440" y="2122560"/>
-            <a:ext cx="1993320" cy="345240"/>
+            <a:ext cx="1992960" cy="344880"/>
           </a:xfrm>
           <a:prstGeom prst="rect">
             <a:avLst/>
@@ -4596,7 +4596,7 @@
         <p:spPr>
           <a:xfrm>
             <a:off x="2651760" y="5760720"/>
-            <a:ext cx="3820320" cy="345240"/>
+            <a:ext cx="3819960" cy="344880"/>
           </a:xfrm>
           <a:prstGeom prst="rect">
             <a:avLst/>
@@ -4681,7 +4681,7 @@
         <p:spPr>
           <a:xfrm>
             <a:off x="457200" y="274680"/>
-            <a:ext cx="8227080" cy="1140480"/>
+            <a:ext cx="8226720" cy="1140120"/>
           </a:xfrm>
           <a:prstGeom prst="rect">
             <a:avLst/>
@@ -4722,7 +4722,7 @@
         <p:spPr>
           <a:xfrm>
             <a:off x="457200" y="1600200"/>
-            <a:ext cx="8227080" cy="4523400"/>
+            <a:ext cx="8226720" cy="4523040"/>
           </a:xfrm>
           <a:prstGeom prst="rect">
             <a:avLst/>
@@ -4863,7 +4863,7 @@
         <p:spPr>
           <a:xfrm>
             <a:off x="0" y="6572160"/>
-            <a:ext cx="783360" cy="283320"/>
+            <a:ext cx="783000" cy="282960"/>
           </a:xfrm>
           <a:prstGeom prst="rect">
             <a:avLst/>
@@ -4940,7 +4940,7 @@
         <p:spPr>
           <a:xfrm>
             <a:off x="428760" y="642960"/>
-            <a:ext cx="8255520" cy="783360"/>
+            <a:ext cx="8255160" cy="783000"/>
           </a:xfrm>
           <a:prstGeom prst="rect">
             <a:avLst/>
@@ -4983,7 +4983,7 @@
         <p:spPr>
           <a:xfrm>
             <a:off x="428760" y="1500120"/>
-            <a:ext cx="8227080" cy="4523400"/>
+            <a:ext cx="8226720" cy="4523040"/>
           </a:xfrm>
           <a:prstGeom prst="rect">
             <a:avLst/>
@@ -5338,7 +5338,7 @@
         <p:spPr>
           <a:xfrm>
             <a:off x="0" y="6572160"/>
-            <a:ext cx="783360" cy="283320"/>
+            <a:ext cx="783000" cy="282960"/>
           </a:xfrm>
           <a:prstGeom prst="rect">
             <a:avLst/>
@@ -5415,7 +5415,7 @@
         <p:spPr>
           <a:xfrm>
             <a:off x="428760" y="1714320"/>
-            <a:ext cx="8227080" cy="4926600"/>
+            <a:ext cx="8226720" cy="4926240"/>
           </a:xfrm>
           <a:prstGeom prst="rect">
             <a:avLst/>
@@ -5802,7 +5802,7 @@
         <p:spPr>
           <a:xfrm>
             <a:off x="0" y="6572160"/>
-            <a:ext cx="783360" cy="283320"/>
+            <a:ext cx="783000" cy="282960"/>
           </a:xfrm>
           <a:prstGeom prst="rect">
             <a:avLst/>
@@ -5830,7 +5830,7 @@
         <p:spPr>
           <a:xfrm>
             <a:off x="428760" y="642960"/>
-            <a:ext cx="8255520" cy="783360"/>
+            <a:ext cx="8255160" cy="783000"/>
           </a:xfrm>
           <a:prstGeom prst="rect">
             <a:avLst/>
@@ -5858,7 +5858,7 @@
                 <a:latin typeface="Calibri"/>
                 <a:ea typeface="DejaVu Sans"/>
               </a:rPr>
-              <a:t>First lesson</a:t>
+              <a:t>Introduction</a:t>
             </a:r>
             <a:endParaRPr/>
           </a:p>
@@ -5922,7 +5922,7 @@
         <p:spPr>
           <a:xfrm>
             <a:off x="428760" y="1714320"/>
-            <a:ext cx="8227080" cy="4926600"/>
+            <a:ext cx="8226720" cy="4926240"/>
           </a:xfrm>
           <a:prstGeom prst="rect">
             <a:avLst/>
@@ -6391,7 +6391,7 @@
         <p:spPr>
           <a:xfrm>
             <a:off x="0" y="6572160"/>
-            <a:ext cx="783360" cy="283320"/>
+            <a:ext cx="783000" cy="282960"/>
           </a:xfrm>
           <a:prstGeom prst="rect">
             <a:avLst/>
@@ -6419,7 +6419,7 @@
         <p:spPr>
           <a:xfrm>
             <a:off x="428760" y="642960"/>
-            <a:ext cx="8255520" cy="783360"/>
+            <a:ext cx="8255160" cy="783000"/>
           </a:xfrm>
           <a:prstGeom prst="rect">
             <a:avLst/>
@@ -6511,7 +6511,7 @@
         <p:spPr>
           <a:xfrm>
             <a:off x="457200" y="1714320"/>
-            <a:ext cx="8227080" cy="4409280"/>
+            <a:ext cx="8226720" cy="4408920"/>
           </a:xfrm>
           <a:prstGeom prst="rect">
             <a:avLst/>
@@ -6537,7 +6537,7 @@
                 <a:latin typeface="Calibri"/>
                 <a:ea typeface="DejaVu Sans"/>
               </a:rPr>
-              <a:t>The business subject</a:t>
+              <a:t>The business objects</a:t>
             </a:r>
             <a:r>
               <a:rPr b="1" lang="fr-FR" sz="1500">
@@ -6570,7 +6570,7 @@
         <p:spPr>
           <a:xfrm>
             <a:off x="0" y="6572160"/>
-            <a:ext cx="783360" cy="283320"/>
+            <a:ext cx="783000" cy="282960"/>
           </a:xfrm>
           <a:prstGeom prst="rect">
             <a:avLst/>
@@ -6598,7 +6598,7 @@
         <p:spPr>
           <a:xfrm>
             <a:off x="428760" y="642960"/>
-            <a:ext cx="8255520" cy="783360"/>
+            <a:ext cx="8255160" cy="783000"/>
           </a:xfrm>
           <a:prstGeom prst="rect">
             <a:avLst/>
@@ -6647,7 +6647,7 @@
         <p:spPr>
           <a:xfrm>
             <a:off x="900000" y="2464920"/>
-            <a:ext cx="6873840" cy="3940920"/>
+            <a:ext cx="6873480" cy="3940560"/>
           </a:xfrm>
           <a:prstGeom prst="rect">
             <a:avLst/>
@@ -6715,7 +6715,7 @@
         <p:spPr>
           <a:xfrm>
             <a:off x="428760" y="1785960"/>
-            <a:ext cx="8227080" cy="4409280"/>
+            <a:ext cx="8226720" cy="4408920"/>
           </a:xfrm>
           <a:prstGeom prst="rect">
             <a:avLst/>
@@ -6754,7 +6754,7 @@
         <p:spPr>
           <a:xfrm>
             <a:off x="0" y="6572160"/>
-            <a:ext cx="783360" cy="283320"/>
+            <a:ext cx="783000" cy="282960"/>
           </a:xfrm>
           <a:prstGeom prst="rect">
             <a:avLst/>
@@ -6788,7 +6788,7 @@
         <p:spPr>
           <a:xfrm>
             <a:off x="914400" y="2259720"/>
-            <a:ext cx="7055640" cy="4140720"/>
+            <a:ext cx="7055280" cy="4140360"/>
           </a:xfrm>
           <a:prstGeom prst="rect">
             <a:avLst/>
@@ -6807,7 +6807,7 @@
         <p:spPr>
           <a:xfrm>
             <a:off x="428760" y="642960"/>
-            <a:ext cx="8255520" cy="783360"/>
+            <a:ext cx="8255160" cy="783000"/>
           </a:xfrm>
           <a:prstGeom prst="rect">
             <a:avLst/>
@@ -6899,7 +6899,7 @@
         <p:spPr>
           <a:xfrm>
             <a:off x="0" y="6572160"/>
-            <a:ext cx="783360" cy="283320"/>
+            <a:ext cx="783000" cy="282960"/>
           </a:xfrm>
           <a:prstGeom prst="rect">
             <a:avLst/>
@@ -6927,7 +6927,7 @@
         <p:spPr>
           <a:xfrm>
             <a:off x="428760" y="642960"/>
-            <a:ext cx="8255520" cy="783360"/>
+            <a:ext cx="8255160" cy="783000"/>
           </a:xfrm>
           <a:prstGeom prst="rect">
             <a:avLst/>
@@ -6968,7 +6968,7 @@
         <p:spPr>
           <a:xfrm>
             <a:off x="2736000" y="6309360"/>
-            <a:ext cx="5569560" cy="225360"/>
+            <a:ext cx="5569200" cy="225000"/>
           </a:xfrm>
           <a:prstGeom prst="rect">
             <a:avLst/>
@@ -7015,7 +7015,7 @@
         <p:spPr>
           <a:xfrm>
             <a:off x="182880" y="2651760"/>
-            <a:ext cx="8927640" cy="2467440"/>
+            <a:ext cx="8927280" cy="2467080"/>
           </a:xfrm>
           <a:prstGeom prst="rect">
             <a:avLst/>
@@ -7034,7 +7034,7 @@
         <p:spPr>
           <a:xfrm>
             <a:off x="914400" y="2305440"/>
-            <a:ext cx="7272000" cy="344880"/>
+            <a:ext cx="7271640" cy="344520"/>
           </a:xfrm>
           <a:prstGeom prst="rect">
             <a:avLst/>
@@ -7103,7 +7103,7 @@
         <p:spPr>
           <a:xfrm>
             <a:off x="457200" y="1714320"/>
-            <a:ext cx="8227080" cy="4409280"/>
+            <a:ext cx="8226720" cy="4408920"/>
           </a:xfrm>
           <a:prstGeom prst="rect">
             <a:avLst/>
@@ -7123,7 +7123,7 @@
         <p:spPr>
           <a:xfrm>
             <a:off x="0" y="6572160"/>
-            <a:ext cx="783360" cy="283320"/>
+            <a:ext cx="783000" cy="282960"/>
           </a:xfrm>
           <a:prstGeom prst="rect">
             <a:avLst/>
@@ -7151,7 +7151,7 @@
         <p:spPr>
           <a:xfrm>
             <a:off x="428760" y="642960"/>
-            <a:ext cx="8255520" cy="783360"/>
+            <a:ext cx="8255160" cy="783000"/>
           </a:xfrm>
           <a:prstGeom prst="rect">
             <a:avLst/>
@@ -7198,7 +7198,7 @@
         <p:spPr>
           <a:xfrm>
             <a:off x="1223280" y="2520000"/>
-            <a:ext cx="6550560" cy="3413880"/>
+            <a:ext cx="6550200" cy="3413520"/>
           </a:xfrm>
           <a:prstGeom prst="rect">
             <a:avLst/>
